--- a/ClassMaterials/Inheritance/Slides/Inheritance.pptx
+++ b/ClassMaterials/Inheritance/Slides/Inheritance.pptx
@@ -5,10 +5,10 @@
     <p:sldMasterId id="2147484251" r:id="rId1"/>
   </p:sldMasterIdLst>
   <p:notesMasterIdLst>
-    <p:notesMasterId r:id="rId21"/>
+    <p:notesMasterId r:id="rId22"/>
   </p:notesMasterIdLst>
   <p:handoutMasterIdLst>
-    <p:handoutMasterId r:id="rId22"/>
+    <p:handoutMasterId r:id="rId23"/>
   </p:handoutMasterIdLst>
   <p:sldIdLst>
     <p:sldId id="256" r:id="rId2"/>
@@ -30,6 +30,7 @@
     <p:sldId id="379" r:id="rId18"/>
     <p:sldId id="388" r:id="rId19"/>
     <p:sldId id="381" r:id="rId20"/>
+    <p:sldId id="390" r:id="rId21"/>
   </p:sldIdLst>
   <p:sldSz cx="9144000" cy="6858000" type="screen4x3"/>
   <p:notesSz cx="7010400" cy="9296400"/>
@@ -294,7 +295,7 @@
               <a:pPr>
                 <a:defRPr/>
               </a:pPr>
-              <a:t>4/17/2018</a:t>
+              <a:t>1/21/2020</a:t>
             </a:fld>
             <a:endParaRPr lang="en-US"/>
           </a:p>
@@ -529,7 +530,7 @@
               <a:pPr>
                 <a:defRPr/>
               </a:pPr>
-              <a:t>4/17/2018</a:t>
+              <a:t>1/21/2020</a:t>
             </a:fld>
             <a:endParaRPr lang="en-US"/>
           </a:p>
@@ -1273,7 +1274,6 @@
               <a:rPr lang="en-US" dirty="0" smtClean="0"/>
               <a:t>(double) constructor</a:t>
             </a:r>
-            <a:endParaRPr lang="en-US" dirty="0" smtClean="0"/>
           </a:p>
         </p:txBody>
       </p:sp>
@@ -1335,29 +1335,19 @@
       </p:grpSpPr>
       <p:sp>
         <p:nvSpPr>
-          <p:cNvPr id="36866" name="Slide Image Placeholder 1"/>
-          <p:cNvSpPr>
-            <a:spLocks noGrp="1" noRot="1" noChangeAspect="1" noTextEdit="1"/>
+          <p:cNvPr id="2" name="Slide Image Placeholder 1"/>
+          <p:cNvSpPr>
+            <a:spLocks noGrp="1" noRot="1" noChangeAspect="1"/>
           </p:cNvSpPr>
           <p:nvPr>
             <p:ph type="sldImg"/>
           </p:nvPr>
         </p:nvSpPr>
-        <p:spPr bwMode="auto">
-          <a:noFill/>
-          <a:ln>
-            <a:solidFill>
-              <a:srgbClr val="000000"/>
-            </a:solidFill>
-            <a:miter lim="800000"/>
-            <a:headEnd/>
-            <a:tailEnd/>
-          </a:ln>
-        </p:spPr>
-      </p:sp>
-      <p:sp>
-        <p:nvSpPr>
-          <p:cNvPr id="36867" name="Notes Placeholder 2"/>
+        <p:spPr/>
+      </p:sp>
+      <p:sp>
+        <p:nvSpPr>
+          <p:cNvPr id="3" name="Notes Placeholder 2"/>
           <p:cNvSpPr>
             <a:spLocks noGrp="1"/>
           </p:cNvSpPr>
@@ -1365,73 +1355,85 @@
             <p:ph type="body" idx="1"/>
           </p:nvPr>
         </p:nvSpPr>
-        <p:spPr>
-          <a:noFill/>
-          <a:ln/>
-        </p:spPr>
+        <p:spPr/>
         <p:txBody>
           <a:bodyPr/>
           <a:lstStyle/>
           <a:p>
             <a:r>
               <a:rPr lang="en-US" dirty="0" smtClean="0"/>
-              <a:t>Draw B&amp;P diagrams.  Show calls.</a:t>
-            </a:r>
+              <a:t>Override:</a:t>
+            </a:r>
+          </a:p>
+          <a:p>
+            <a:endParaRPr lang="en-US" dirty="0" smtClean="0"/>
           </a:p>
           <a:p>
             <a:r>
               <a:rPr lang="en-US" dirty="0" smtClean="0"/>
-              <a:t>Why not? Because </a:t>
-            </a:r>
-            <a:r>
-              <a:rPr lang="en-US" dirty="0" err="1" smtClean="0"/>
-              <a:t>BankAccount</a:t>
-            </a:r>
+              <a:t>deposit( amount )</a:t>
+            </a:r>
+          </a:p>
+          <a:p>
             <a:r>
               <a:rPr lang="en-US" dirty="0" smtClean="0"/>
-              <a:t> doesn’t have an </a:t>
-            </a:r>
+              <a:t>withdraw(</a:t>
+            </a:r>
+            <a:r>
+              <a:rPr lang="en-US" baseline="0" dirty="0" smtClean="0"/>
+              <a:t> </a:t>
+            </a:r>
+            <a:r>
+              <a:rPr lang="en-US" dirty="0" smtClean="0"/>
+              <a:t>amount )</a:t>
+            </a:r>
+          </a:p>
+          <a:p>
             <a:r>
               <a:rPr lang="en-US" dirty="0" err="1" smtClean="0"/>
               <a:t>deductFees</a:t>
             </a:r>
             <a:r>
               <a:rPr lang="en-US" dirty="0" smtClean="0"/>
-              <a:t>() method!</a:t>
-            </a:r>
-          </a:p>
-        </p:txBody>
-      </p:sp>
-      <p:sp>
-        <p:nvSpPr>
-          <p:cNvPr id="36868" name="Slide Number Placeholder 3"/>
-          <p:cNvSpPr>
-            <a:spLocks noGrp="1"/>
-          </p:cNvSpPr>
-          <p:nvPr>
-            <p:ph type="sldNum" sz="quarter" idx="5"/>
-          </p:nvPr>
-        </p:nvSpPr>
-        <p:spPr>
-          <a:noFill/>
-        </p:spPr>
+              <a:t>()</a:t>
+            </a:r>
+            <a:endParaRPr lang="en-US" dirty="0"/>
+          </a:p>
+        </p:txBody>
+      </p:sp>
+      <p:sp>
+        <p:nvSpPr>
+          <p:cNvPr id="4" name="Slide Number Placeholder 3"/>
+          <p:cNvSpPr>
+            <a:spLocks noGrp="1"/>
+          </p:cNvSpPr>
+          <p:nvPr>
+            <p:ph type="sldNum" sz="quarter" idx="10"/>
+          </p:nvPr>
+        </p:nvSpPr>
+        <p:spPr/>
         <p:txBody>
           <a:bodyPr/>
           <a:lstStyle/>
           <a:p>
-            <a:fld id="{AEF60CBC-2A70-49D3-9866-05F00BCCB9E5}" type="slidenum">
+            <a:pPr>
+              <a:defRPr/>
+            </a:pPr>
+            <a:fld id="{3A187583-0EC9-4694-9EAD-0DA64A27677E}" type="slidenum">
               <a:rPr lang="en-US" smtClean="0"/>
-              <a:pPr/>
-              <a:t>13</a:t>
+              <a:pPr>
+                <a:defRPr/>
+              </a:pPr>
+              <a:t>12</a:t>
             </a:fld>
-            <a:endParaRPr lang="en-US" smtClean="0"/>
+            <a:endParaRPr lang="en-US"/>
           </a:p>
         </p:txBody>
       </p:sp>
     </p:spTree>
     <p:extLst>
       <p:ext uri="{BB962C8B-B14F-4D97-AF65-F5344CB8AC3E}">
-        <p14:creationId xmlns:p14="http://schemas.microsoft.com/office/powerpoint/2010/main" val="952782966"/>
+        <p14:creationId xmlns:p14="http://schemas.microsoft.com/office/powerpoint/2010/main" val="1832490644"/>
       </p:ext>
     </p:extLst>
   </p:cSld>
@@ -1460,7 +1462,7 @@
       </p:grpSpPr>
       <p:sp>
         <p:nvSpPr>
-          <p:cNvPr id="37890" name="Slide Image Placeholder 1"/>
+          <p:cNvPr id="36866" name="Slide Image Placeholder 1"/>
           <p:cNvSpPr>
             <a:spLocks noGrp="1" noRot="1" noChangeAspect="1" noTextEdit="1"/>
           </p:cNvSpPr>
@@ -1482,7 +1484,7 @@
       </p:sp>
       <p:sp>
         <p:nvSpPr>
-          <p:cNvPr id="37891" name="Notes Placeholder 2"/>
+          <p:cNvPr id="36867" name="Notes Placeholder 2"/>
           <p:cNvSpPr>
             <a:spLocks noGrp="1"/>
           </p:cNvSpPr>
@@ -1500,22 +1502,36 @@
           <a:p>
             <a:r>
               <a:rPr lang="en-US" dirty="0" smtClean="0"/>
-              <a:t>Suggest</a:t>
-            </a:r>
-            <a:r>
-              <a:rPr lang="en-US" baseline="0" dirty="0" smtClean="0"/>
-              <a:t> d</a:t>
-            </a:r>
+              <a:t>Draw B&amp;P diagrams.  Show calls.</a:t>
+            </a:r>
+          </a:p>
+          <a:p>
             <a:r>
               <a:rPr lang="en-US" dirty="0" smtClean="0"/>
-              <a:t>rawing B&amp;P diagram and trace calls as practice for the exam.</a:t>
-            </a:r>
-          </a:p>
-        </p:txBody>
-      </p:sp>
-      <p:sp>
-        <p:nvSpPr>
-          <p:cNvPr id="37892" name="Slide Number Placeholder 3"/>
+              <a:t>Why not? Because </a:t>
+            </a:r>
+            <a:r>
+              <a:rPr lang="en-US" dirty="0" err="1" smtClean="0"/>
+              <a:t>BankAccount</a:t>
+            </a:r>
+            <a:r>
+              <a:rPr lang="en-US" dirty="0" smtClean="0"/>
+              <a:t> doesn’t have an </a:t>
+            </a:r>
+            <a:r>
+              <a:rPr lang="en-US" dirty="0" err="1" smtClean="0"/>
+              <a:t>deductFees</a:t>
+            </a:r>
+            <a:r>
+              <a:rPr lang="en-US" dirty="0" smtClean="0"/>
+              <a:t>() method!</a:t>
+            </a:r>
+          </a:p>
+        </p:txBody>
+      </p:sp>
+      <p:sp>
+        <p:nvSpPr>
+          <p:cNvPr id="36868" name="Slide Number Placeholder 3"/>
           <p:cNvSpPr>
             <a:spLocks noGrp="1"/>
           </p:cNvSpPr>
@@ -1530,10 +1546,10 @@
           <a:bodyPr/>
           <a:lstStyle/>
           <a:p>
-            <a:fld id="{AE88C4F2-B63F-49B5-8554-101017854A6D}" type="slidenum">
+            <a:fld id="{AEF60CBC-2A70-49D3-9866-05F00BCCB9E5}" type="slidenum">
               <a:rPr lang="en-US" smtClean="0"/>
               <a:pPr/>
-              <a:t>14</a:t>
+              <a:t>13</a:t>
             </a:fld>
             <a:endParaRPr lang="en-US" smtClean="0"/>
           </a:p>
@@ -1542,7 +1558,7 @@
     </p:spTree>
     <p:extLst>
       <p:ext uri="{BB962C8B-B14F-4D97-AF65-F5344CB8AC3E}">
-        <p14:creationId xmlns:p14="http://schemas.microsoft.com/office/powerpoint/2010/main" val="1808297012"/>
+        <p14:creationId xmlns:p14="http://schemas.microsoft.com/office/powerpoint/2010/main" val="952782966"/>
       </p:ext>
     </p:extLst>
   </p:cSld>
@@ -1571,7 +1587,7 @@
       </p:grpSpPr>
       <p:sp>
         <p:nvSpPr>
-          <p:cNvPr id="38914" name="Slide Image Placeholder 1"/>
+          <p:cNvPr id="37890" name="Slide Image Placeholder 1"/>
           <p:cNvSpPr>
             <a:spLocks noGrp="1" noRot="1" noChangeAspect="1" noTextEdit="1"/>
           </p:cNvSpPr>
@@ -1593,7 +1609,7 @@
       </p:sp>
       <p:sp>
         <p:nvSpPr>
-          <p:cNvPr id="38915" name="Notes Placeholder 2"/>
+          <p:cNvPr id="37891" name="Notes Placeholder 2"/>
           <p:cNvSpPr>
             <a:spLocks noGrp="1"/>
           </p:cNvSpPr>
@@ -1609,13 +1625,24 @@
           <a:bodyPr/>
           <a:lstStyle/>
           <a:p>
-            <a:endParaRPr lang="en-US" sz="1400" baseline="0" dirty="0" smtClean="0"/>
-          </a:p>
-        </p:txBody>
-      </p:sp>
-      <p:sp>
-        <p:nvSpPr>
-          <p:cNvPr id="38916" name="Slide Number Placeholder 3"/>
+            <a:r>
+              <a:rPr lang="en-US" dirty="0" smtClean="0"/>
+              <a:t>Suggest</a:t>
+            </a:r>
+            <a:r>
+              <a:rPr lang="en-US" baseline="0" dirty="0" smtClean="0"/>
+              <a:t> d</a:t>
+            </a:r>
+            <a:r>
+              <a:rPr lang="en-US" dirty="0" smtClean="0"/>
+              <a:t>rawing B&amp;P diagram and trace calls as practice for the exam.</a:t>
+            </a:r>
+          </a:p>
+        </p:txBody>
+      </p:sp>
+      <p:sp>
+        <p:nvSpPr>
+          <p:cNvPr id="37892" name="Slide Number Placeholder 3"/>
           <p:cNvSpPr>
             <a:spLocks noGrp="1"/>
           </p:cNvSpPr>
@@ -1630,10 +1657,10 @@
           <a:bodyPr/>
           <a:lstStyle/>
           <a:p>
-            <a:fld id="{D52993E5-32C8-4EC2-BBC6-DB69025B6125}" type="slidenum">
+            <a:fld id="{AE88C4F2-B63F-49B5-8554-101017854A6D}" type="slidenum">
               <a:rPr lang="en-US" smtClean="0"/>
               <a:pPr/>
-              <a:t>15</a:t>
+              <a:t>14</a:t>
             </a:fld>
             <a:endParaRPr lang="en-US" smtClean="0"/>
           </a:p>
@@ -1642,7 +1669,7 @@
     </p:spTree>
     <p:extLst>
       <p:ext uri="{BB962C8B-B14F-4D97-AF65-F5344CB8AC3E}">
-        <p14:creationId xmlns:p14="http://schemas.microsoft.com/office/powerpoint/2010/main" val="3424126314"/>
+        <p14:creationId xmlns:p14="http://schemas.microsoft.com/office/powerpoint/2010/main" val="1808297012"/>
       </p:ext>
     </p:extLst>
   </p:cSld>
@@ -1671,19 +1698,29 @@
       </p:grpSpPr>
       <p:sp>
         <p:nvSpPr>
-          <p:cNvPr id="2" name="Slide Image Placeholder 1"/>
-          <p:cNvSpPr>
-            <a:spLocks noGrp="1" noRot="1" noChangeAspect="1"/>
+          <p:cNvPr id="38914" name="Slide Image Placeholder 1"/>
+          <p:cNvSpPr>
+            <a:spLocks noGrp="1" noRot="1" noChangeAspect="1" noTextEdit="1"/>
           </p:cNvSpPr>
           <p:nvPr>
             <p:ph type="sldImg"/>
           </p:nvPr>
         </p:nvSpPr>
-        <p:spPr/>
-      </p:sp>
-      <p:sp>
-        <p:nvSpPr>
-          <p:cNvPr id="3" name="Notes Placeholder 2"/>
+        <p:spPr bwMode="auto">
+          <a:noFill/>
+          <a:ln>
+            <a:solidFill>
+              <a:srgbClr val="000000"/>
+            </a:solidFill>
+            <a:miter lim="800000"/>
+            <a:headEnd/>
+            <a:tailEnd/>
+          </a:ln>
+        </p:spPr>
+      </p:sp>
+      <p:sp>
+        <p:nvSpPr>
+          <p:cNvPr id="38915" name="Notes Placeholder 2"/>
           <p:cNvSpPr>
             <a:spLocks noGrp="1"/>
           </p:cNvSpPr>
@@ -1691,104 +1728,48 @@
             <p:ph type="body" idx="1"/>
           </p:nvPr>
         </p:nvSpPr>
-        <p:spPr/>
+        <p:spPr>
+          <a:noFill/>
+          <a:ln/>
+        </p:spPr>
         <p:txBody>
           <a:bodyPr/>
           <a:lstStyle/>
           <a:p>
-            <a:r>
-              <a:rPr lang="en-US" baseline="0" dirty="0" smtClean="0"/>
-              <a:t>Walk through the Chess example in Inheritance project. Start by showing the King and </a:t>
-            </a:r>
-            <a:r>
-              <a:rPr lang="en-US" baseline="0" dirty="0" err="1" smtClean="0"/>
-              <a:t>ChessPiece</a:t>
-            </a:r>
-            <a:r>
-              <a:rPr lang="en-US" baseline="0" dirty="0" smtClean="0"/>
-              <a:t> interface. Implement the queen, and note to the students how we end up copying a lot of code from the King into the Queen, there has to be a better way…</a:t>
-            </a:r>
-          </a:p>
-          <a:p>
-            <a:endParaRPr lang="en-US" baseline="0" dirty="0" smtClean="0"/>
-          </a:p>
-          <a:p>
-            <a:r>
-              <a:rPr lang="en-US" baseline="0" dirty="0" smtClean="0"/>
-              <a:t>It works well to just make the </a:t>
-            </a:r>
-            <a:r>
-              <a:rPr lang="en-US" baseline="0" dirty="0" err="1" smtClean="0"/>
-              <a:t>ChessPiece</a:t>
-            </a:r>
-            <a:r>
-              <a:rPr lang="en-US" baseline="0" dirty="0" smtClean="0"/>
-              <a:t> a class first and put in a </a:t>
-            </a:r>
-            <a:r>
-              <a:rPr lang="en-US" baseline="0" dirty="0" err="1" smtClean="0"/>
-              <a:t>System.err.println</a:t>
-            </a:r>
-            <a:r>
-              <a:rPr lang="en-US" baseline="0" dirty="0" smtClean="0"/>
-              <a:t>(“Implement this method!”) then show them if we forget to implement a method (Queen’s </a:t>
-            </a:r>
-            <a:r>
-              <a:rPr lang="en-US" baseline="0" dirty="0" err="1" smtClean="0"/>
-              <a:t>checkMove</a:t>
-            </a:r>
-            <a:r>
-              <a:rPr lang="en-US" baseline="0" dirty="0" smtClean="0"/>
-              <a:t>) we see that message at runtime.</a:t>
-            </a:r>
-          </a:p>
-          <a:p>
-            <a:endParaRPr lang="en-US" baseline="0" dirty="0" smtClean="0"/>
-          </a:p>
-          <a:p>
-            <a:r>
-              <a:rPr lang="en-US" sz="1400" baseline="0" dirty="0" smtClean="0"/>
-              <a:t>At this point, they should see the justification for an abstract class, show that on next slide</a:t>
-            </a:r>
-          </a:p>
-          <a:p>
-            <a:endParaRPr lang="en-US" dirty="0"/>
-          </a:p>
-        </p:txBody>
-      </p:sp>
-      <p:sp>
-        <p:nvSpPr>
-          <p:cNvPr id="4" name="Slide Number Placeholder 3"/>
-          <p:cNvSpPr>
-            <a:spLocks noGrp="1"/>
-          </p:cNvSpPr>
-          <p:nvPr>
-            <p:ph type="sldNum" sz="quarter" idx="10"/>
-          </p:nvPr>
-        </p:nvSpPr>
-        <p:spPr/>
+            <a:endParaRPr lang="en-US" sz="1400" baseline="0" dirty="0" smtClean="0"/>
+          </a:p>
+        </p:txBody>
+      </p:sp>
+      <p:sp>
+        <p:nvSpPr>
+          <p:cNvPr id="38916" name="Slide Number Placeholder 3"/>
+          <p:cNvSpPr>
+            <a:spLocks noGrp="1"/>
+          </p:cNvSpPr>
+          <p:nvPr>
+            <p:ph type="sldNum" sz="quarter" idx="5"/>
+          </p:nvPr>
+        </p:nvSpPr>
+        <p:spPr>
+          <a:noFill/>
+        </p:spPr>
         <p:txBody>
           <a:bodyPr/>
           <a:lstStyle/>
           <a:p>
-            <a:pPr>
-              <a:defRPr/>
-            </a:pPr>
-            <a:fld id="{3A187583-0EC9-4694-9EAD-0DA64A27677E}" type="slidenum">
+            <a:fld id="{D52993E5-32C8-4EC2-BBC6-DB69025B6125}" type="slidenum">
               <a:rPr lang="en-US" smtClean="0"/>
-              <a:pPr>
-                <a:defRPr/>
-              </a:pPr>
-              <a:t>16</a:t>
+              <a:pPr/>
+              <a:t>15</a:t>
             </a:fld>
-            <a:endParaRPr lang="en-US"/>
+            <a:endParaRPr lang="en-US" smtClean="0"/>
           </a:p>
         </p:txBody>
       </p:sp>
     </p:spTree>
     <p:extLst>
       <p:ext uri="{BB962C8B-B14F-4D97-AF65-F5344CB8AC3E}">
-        <p14:creationId xmlns:p14="http://schemas.microsoft.com/office/powerpoint/2010/main" val="220594822"/>
+        <p14:creationId xmlns:p14="http://schemas.microsoft.com/office/powerpoint/2010/main" val="3424126314"/>
       </p:ext>
     </p:extLst>
   </p:cSld>
@@ -1839,18 +1820,20 @@
         </p:nvSpPr>
         <p:spPr/>
         <p:txBody>
-          <a:bodyPr>
-            <a:normAutofit/>
-          </a:bodyPr>
-          <a:lstStyle/>
-          <a:p>
-            <a:r>
-              <a:rPr lang="en-US" dirty="0" smtClean="0"/>
-              <a:t>The main reason for using Abstract classes is to force programmers to create</a:t>
-            </a:r>
+          <a:bodyPr/>
+          <a:lstStyle/>
+          <a:p>
             <a:r>
               <a:rPr lang="en-US" baseline="0" dirty="0" smtClean="0"/>
-              <a:t> subclasses. Declaring certain methods abstract prevents you from coming up with useless default methods that others might inherit by accident.</a:t>
+              <a:t>Walk through the Chess example in Inheritance project. Start by showing the King and </a:t>
+            </a:r>
+            <a:r>
+              <a:rPr lang="en-US" baseline="0" dirty="0" err="1" smtClean="0"/>
+              <a:t>ChessPiece</a:t>
+            </a:r>
+            <a:r>
+              <a:rPr lang="en-US" baseline="0" dirty="0" smtClean="0"/>
+              <a:t> interface. Implement the queen, and note to the students how we end up copying a lot of code from the King into the Queen, there has to be a better way…</a:t>
             </a:r>
           </a:p>
           <a:p>
@@ -1859,7 +1842,31 @@
           <a:p>
             <a:r>
               <a:rPr lang="en-US" baseline="0" dirty="0" smtClean="0"/>
-              <a:t>This also allows code reuse when only a few methods of an interface differ in implementation. </a:t>
+              <a:t>It works well to just make the </a:t>
+            </a:r>
+            <a:r>
+              <a:rPr lang="en-US" baseline="0" dirty="0" err="1" smtClean="0"/>
+              <a:t>ChessPiece</a:t>
+            </a:r>
+            <a:r>
+              <a:rPr lang="en-US" baseline="0" dirty="0" smtClean="0"/>
+              <a:t> a class first and put in a </a:t>
+            </a:r>
+            <a:r>
+              <a:rPr lang="en-US" baseline="0" dirty="0" err="1" smtClean="0"/>
+              <a:t>System.err.println</a:t>
+            </a:r>
+            <a:r>
+              <a:rPr lang="en-US" baseline="0" dirty="0" smtClean="0"/>
+              <a:t>(“Implement this method!”) then show them if we forget to implement a method (Queen’s </a:t>
+            </a:r>
+            <a:r>
+              <a:rPr lang="en-US" baseline="0" dirty="0" err="1" smtClean="0"/>
+              <a:t>checkMove</a:t>
+            </a:r>
+            <a:r>
+              <a:rPr lang="en-US" baseline="0" dirty="0" smtClean="0"/>
+              <a:t>) we see that message at runtime.</a:t>
             </a:r>
           </a:p>
           <a:p>
@@ -1867,27 +1874,12 @@
           </a:p>
           <a:p>
             <a:r>
-              <a:rPr lang="en-US" sz="1200" baseline="0" dirty="0" smtClean="0"/>
-              <a:t>Make the </a:t>
-            </a:r>
-            <a:r>
-              <a:rPr lang="en-US" sz="1200" baseline="0" dirty="0" err="1" smtClean="0"/>
-              <a:t>ChessPiece</a:t>
-            </a:r>
-            <a:r>
-              <a:rPr lang="en-US" sz="1200" baseline="0" dirty="0" smtClean="0"/>
-              <a:t> abstract, and pull the items that don’t change into the new abstract class, and leave the other methods abstract (see solution code). Walk students through this refactor for King/Queen, then have them implement the other pieces. Remind them that the Pawn is actually the hardest, and to do </a:t>
-            </a:r>
-            <a:r>
-              <a:rPr lang="en-US" baseline="0" dirty="0" smtClean="0"/>
-              <a:t>that LAST. </a:t>
-            </a:r>
-          </a:p>
-          <a:p>
-            <a:endParaRPr lang="en-US" dirty="0" smtClean="0"/>
-          </a:p>
-          <a:p>
-            <a:endParaRPr lang="en-US" baseline="0" dirty="0" smtClean="0"/>
+              <a:rPr lang="en-US" sz="1400" baseline="0" dirty="0" smtClean="0"/>
+              <a:t>At this point, they should see the justification for an abstract class, show that on next slide</a:t>
+            </a:r>
+          </a:p>
+          <a:p>
+            <a:endParaRPr lang="en-US" dirty="0"/>
           </a:p>
         </p:txBody>
       </p:sp>
@@ -1914,7 +1906,7 @@
               <a:pPr>
                 <a:defRPr/>
               </a:pPr>
-              <a:t>17</a:t>
+              <a:t>16</a:t>
             </a:fld>
             <a:endParaRPr lang="en-US"/>
           </a:p>
@@ -1923,7 +1915,7 @@
     </p:spTree>
     <p:extLst>
       <p:ext uri="{BB962C8B-B14F-4D97-AF65-F5344CB8AC3E}">
-        <p14:creationId xmlns:p14="http://schemas.microsoft.com/office/powerpoint/2010/main" val="3531102198"/>
+        <p14:creationId xmlns:p14="http://schemas.microsoft.com/office/powerpoint/2010/main" val="220594822"/>
       </p:ext>
     </p:extLst>
   </p:cSld>
@@ -1974,6 +1966,141 @@
         </p:nvSpPr>
         <p:spPr/>
         <p:txBody>
+          <a:bodyPr>
+            <a:normAutofit/>
+          </a:bodyPr>
+          <a:lstStyle/>
+          <a:p>
+            <a:r>
+              <a:rPr lang="en-US" dirty="0" smtClean="0"/>
+              <a:t>The main reason for using Abstract classes is to force programmers to create</a:t>
+            </a:r>
+            <a:r>
+              <a:rPr lang="en-US" baseline="0" dirty="0" smtClean="0"/>
+              <a:t> subclasses. Declaring certain methods abstract prevents you from coming up with useless default methods that others might inherit by accident.</a:t>
+            </a:r>
+          </a:p>
+          <a:p>
+            <a:endParaRPr lang="en-US" baseline="0" dirty="0" smtClean="0"/>
+          </a:p>
+          <a:p>
+            <a:r>
+              <a:rPr lang="en-US" baseline="0" dirty="0" smtClean="0"/>
+              <a:t>This also allows code reuse when only a few methods of an interface differ in implementation. </a:t>
+            </a:r>
+          </a:p>
+          <a:p>
+            <a:endParaRPr lang="en-US" baseline="0" dirty="0" smtClean="0"/>
+          </a:p>
+          <a:p>
+            <a:r>
+              <a:rPr lang="en-US" sz="1200" baseline="0" dirty="0" smtClean="0"/>
+              <a:t>Make the </a:t>
+            </a:r>
+            <a:r>
+              <a:rPr lang="en-US" sz="1200" baseline="0" dirty="0" err="1" smtClean="0"/>
+              <a:t>ChessPiece</a:t>
+            </a:r>
+            <a:r>
+              <a:rPr lang="en-US" sz="1200" baseline="0" dirty="0" smtClean="0"/>
+              <a:t> abstract, and pull the items that don’t change into the new abstract class, and leave the other methods abstract (see solution code). Walk students through this refactor for King/Queen, then have them implement the other pieces. Remind them that the Pawn is actually the hardest, and to do </a:t>
+            </a:r>
+            <a:r>
+              <a:rPr lang="en-US" baseline="0" dirty="0" smtClean="0"/>
+              <a:t>that LAST. </a:t>
+            </a:r>
+          </a:p>
+          <a:p>
+            <a:endParaRPr lang="en-US" dirty="0" smtClean="0"/>
+          </a:p>
+          <a:p>
+            <a:endParaRPr lang="en-US" baseline="0" dirty="0" smtClean="0"/>
+          </a:p>
+        </p:txBody>
+      </p:sp>
+      <p:sp>
+        <p:nvSpPr>
+          <p:cNvPr id="4" name="Slide Number Placeholder 3"/>
+          <p:cNvSpPr>
+            <a:spLocks noGrp="1"/>
+          </p:cNvSpPr>
+          <p:nvPr>
+            <p:ph type="sldNum" sz="quarter" idx="10"/>
+          </p:nvPr>
+        </p:nvSpPr>
+        <p:spPr/>
+        <p:txBody>
+          <a:bodyPr/>
+          <a:lstStyle/>
+          <a:p>
+            <a:pPr>
+              <a:defRPr/>
+            </a:pPr>
+            <a:fld id="{3A187583-0EC9-4694-9EAD-0DA64A27677E}" type="slidenum">
+              <a:rPr lang="en-US" smtClean="0"/>
+              <a:pPr>
+                <a:defRPr/>
+              </a:pPr>
+              <a:t>17</a:t>
+            </a:fld>
+            <a:endParaRPr lang="en-US"/>
+          </a:p>
+        </p:txBody>
+      </p:sp>
+    </p:spTree>
+    <p:extLst>
+      <p:ext uri="{BB962C8B-B14F-4D97-AF65-F5344CB8AC3E}">
+        <p14:creationId xmlns:p14="http://schemas.microsoft.com/office/powerpoint/2010/main" val="3531102198"/>
+      </p:ext>
+    </p:extLst>
+  </p:cSld>
+  <p:clrMapOvr>
+    <a:masterClrMapping/>
+  </p:clrMapOvr>
+</p:notes>
+</file>
+
+<file path=ppt/notesSlides/notesSlide18.xml><?xml version="1.0" encoding="utf-8"?>
+<p:notes xmlns:a="http://schemas.openxmlformats.org/drawingml/2006/main" xmlns:r="http://schemas.openxmlformats.org/officeDocument/2006/relationships" xmlns:p="http://schemas.openxmlformats.org/presentationml/2006/main">
+  <p:cSld>
+    <p:spTree>
+      <p:nvGrpSpPr>
+        <p:cNvPr id="1" name=""/>
+        <p:cNvGrpSpPr/>
+        <p:nvPr/>
+      </p:nvGrpSpPr>
+      <p:grpSpPr>
+        <a:xfrm>
+          <a:off x="0" y="0"/>
+          <a:ext cx="0" cy="0"/>
+          <a:chOff x="0" y="0"/>
+          <a:chExt cx="0" cy="0"/>
+        </a:xfrm>
+      </p:grpSpPr>
+      <p:sp>
+        <p:nvSpPr>
+          <p:cNvPr id="2" name="Slide Image Placeholder 1"/>
+          <p:cNvSpPr>
+            <a:spLocks noGrp="1" noRot="1" noChangeAspect="1"/>
+          </p:cNvSpPr>
+          <p:nvPr>
+            <p:ph type="sldImg"/>
+          </p:nvPr>
+        </p:nvSpPr>
+        <p:spPr/>
+      </p:sp>
+      <p:sp>
+        <p:nvSpPr>
+          <p:cNvPr id="3" name="Notes Placeholder 2"/>
+          <p:cNvSpPr>
+            <a:spLocks noGrp="1"/>
+          </p:cNvSpPr>
+          <p:nvPr>
+            <p:ph type="body" idx="1"/>
+          </p:nvPr>
+        </p:nvSpPr>
+        <p:spPr/>
+        <p:txBody>
           <a:bodyPr/>
           <a:lstStyle/>
           <a:p>
@@ -2582,7 +2709,7 @@
 </p:notes>
 </file>
 
-<file path=ppt/notesSlides/notesSlide18.xml><?xml version="1.0" encoding="utf-8"?>
+<file path=ppt/notesSlides/notesSlide19.xml><?xml version="1.0" encoding="utf-8"?>
 <p:notes xmlns:a="http://schemas.openxmlformats.org/drawingml/2006/main" xmlns:r="http://schemas.openxmlformats.org/officeDocument/2006/relationships" xmlns:p="http://schemas.openxmlformats.org/presentationml/2006/main">
   <p:cSld>
     <p:spTree>
@@ -3495,10 +3622,10 @@
                 <a:ea typeface="+mn-ea"/>
                 <a:cs typeface="+mn-cs"/>
               </a:rPr>
-              <a:t>ow </a:t>
-            </a:r>
-            <a:r>
-              <a:rPr lang="en-US" sz="1200" kern="1200" dirty="0" smtClean="0">
+              <a:t>ow does </a:t>
+            </a:r>
+            <a:r>
+              <a:rPr lang="en-US" sz="1200" b="1" kern="1200" dirty="0" err="1" smtClean="0">
                 <a:solidFill>
                   <a:schemeClr val="tx1"/>
                 </a:solidFill>
@@ -3506,10 +3633,10 @@
                 <a:ea typeface="+mn-ea"/>
                 <a:cs typeface="+mn-cs"/>
               </a:rPr>
-              <a:t>does </a:t>
-            </a:r>
-            <a:r>
-              <a:rPr lang="en-US" sz="1200" b="1" kern="1200" dirty="0" err="1" smtClean="0">
+              <a:t>sa</a:t>
+            </a:r>
+            <a:r>
+              <a:rPr lang="en-US" sz="1200" kern="1200" dirty="0" smtClean="0">
                 <a:solidFill>
                   <a:schemeClr val="tx1"/>
                 </a:solidFill>
@@ -3517,10 +3644,10 @@
                 <a:ea typeface="+mn-ea"/>
                 <a:cs typeface="+mn-cs"/>
               </a:rPr>
-              <a:t>sa</a:t>
-            </a:r>
-            <a:r>
-              <a:rPr lang="en-US" sz="1200" kern="1200" dirty="0" smtClean="0">
+              <a:t> know its starting</a:t>
+            </a:r>
+            <a:r>
+              <a:rPr lang="en-US" sz="1200" kern="1200" baseline="0" dirty="0" smtClean="0">
                 <a:solidFill>
                   <a:schemeClr val="tx1"/>
                 </a:solidFill>
@@ -3528,40 +3655,7 @@
                 <a:ea typeface="+mn-ea"/>
                 <a:cs typeface="+mn-cs"/>
               </a:rPr>
-              <a:t> </a:t>
-            </a:r>
-            <a:r>
-              <a:rPr lang="en-US" sz="1200" kern="1200" dirty="0" smtClean="0">
-                <a:solidFill>
-                  <a:schemeClr val="tx1"/>
-                </a:solidFill>
-                <a:latin typeface="+mn-lt"/>
-                <a:ea typeface="+mn-ea"/>
-                <a:cs typeface="+mn-cs"/>
-              </a:rPr>
-              <a:t>know its starting</a:t>
-            </a:r>
-            <a:r>
-              <a:rPr lang="en-US" sz="1200" kern="1200" baseline="0" dirty="0" smtClean="0">
-                <a:solidFill>
-                  <a:schemeClr val="tx1"/>
-                </a:solidFill>
-                <a:latin typeface="+mn-lt"/>
-                <a:ea typeface="+mn-ea"/>
-                <a:cs typeface="+mn-cs"/>
-              </a:rPr>
-              <a:t> balance</a:t>
-            </a:r>
-            <a:r>
-              <a:rPr lang="en-US" sz="1200" kern="1200" baseline="0" dirty="0" smtClean="0">
-                <a:solidFill>
-                  <a:schemeClr val="tx1"/>
-                </a:solidFill>
-                <a:latin typeface="+mn-lt"/>
-                <a:ea typeface="+mn-ea"/>
-                <a:cs typeface="+mn-cs"/>
-              </a:rPr>
-              <a:t>?”</a:t>
+              <a:t> balance?”</a:t>
             </a:r>
             <a:endParaRPr lang="en-US" dirty="0" smtClean="0"/>
           </a:p>
@@ -4209,7 +4303,7 @@
               <a:pPr>
                 <a:defRPr/>
               </a:pPr>
-              <a:t>Tuesday, April 17, 2018</a:t>
+              <a:t>Tuesday, January 21, 2020</a:t>
             </a:fld>
             <a:endParaRPr lang="en-US" dirty="0"/>
           </a:p>
@@ -4394,7 +4488,7 @@
               <a:pPr>
                 <a:defRPr/>
               </a:pPr>
-              <a:t>Tuesday, April 17, 2018</a:t>
+              <a:t>Tuesday, January 21, 2020</a:t>
             </a:fld>
             <a:endParaRPr lang="en-US" dirty="0"/>
           </a:p>
@@ -4589,7 +4683,7 @@
               <a:pPr>
                 <a:defRPr/>
               </a:pPr>
-              <a:t>Tuesday, April 17, 2018</a:t>
+              <a:t>Tuesday, January 21, 2020</a:t>
             </a:fld>
             <a:endParaRPr lang="en-US" dirty="0"/>
           </a:p>
@@ -4774,7 +4868,7 @@
               <a:pPr>
                 <a:defRPr/>
               </a:pPr>
-              <a:t>Tuesday, April 17, 2018</a:t>
+              <a:t>Tuesday, January 21, 2020</a:t>
             </a:fld>
             <a:endParaRPr lang="en-US" dirty="0"/>
           </a:p>
@@ -5035,7 +5129,7 @@
               <a:pPr>
                 <a:defRPr/>
               </a:pPr>
-              <a:t>Tuesday, April 17, 2018</a:t>
+              <a:t>Tuesday, January 21, 2020</a:t>
             </a:fld>
             <a:endParaRPr lang="en-US"/>
           </a:p>
@@ -5338,7 +5432,7 @@
               <a:pPr>
                 <a:defRPr/>
               </a:pPr>
-              <a:t>Tuesday, April 17, 2018</a:t>
+              <a:t>Tuesday, January 21, 2020</a:t>
             </a:fld>
             <a:endParaRPr lang="en-US"/>
           </a:p>
@@ -5775,7 +5869,7 @@
               <a:pPr>
                 <a:defRPr/>
               </a:pPr>
-              <a:t>Tuesday, April 17, 2018</a:t>
+              <a:t>Tuesday, January 21, 2020</a:t>
             </a:fld>
             <a:endParaRPr lang="en-US"/>
           </a:p>
@@ -5908,7 +6002,7 @@
               <a:pPr>
                 <a:defRPr/>
               </a:pPr>
-              <a:t>Tuesday, April 17, 2018</a:t>
+              <a:t>Tuesday, January 21, 2020</a:t>
             </a:fld>
             <a:endParaRPr lang="en-US"/>
           </a:p>
@@ -6018,7 +6112,7 @@
               <a:pPr>
                 <a:defRPr/>
               </a:pPr>
-              <a:t>Tuesday, April 17, 2018</a:t>
+              <a:t>Tuesday, January 21, 2020</a:t>
             </a:fld>
             <a:endParaRPr lang="en-US" dirty="0"/>
           </a:p>
@@ -6310,7 +6404,7 @@
               <a:pPr>
                 <a:defRPr/>
               </a:pPr>
-              <a:t>Tuesday, April 17, 2018</a:t>
+              <a:t>Tuesday, January 21, 2020</a:t>
             </a:fld>
             <a:endParaRPr lang="en-US"/>
           </a:p>
@@ -6578,7 +6672,7 @@
               <a:pPr>
                 <a:defRPr/>
               </a:pPr>
-              <a:t>Tuesday, April 17, 2018</a:t>
+              <a:t>Tuesday, January 21, 2020</a:t>
             </a:fld>
             <a:endParaRPr lang="en-US"/>
           </a:p>
@@ -6806,7 +6900,7 @@
               <a:pPr>
                 <a:defRPr/>
               </a:pPr>
-              <a:t>Tuesday, April 17, 2018</a:t>
+              <a:t>Tuesday, January 21, 2020</a:t>
             </a:fld>
             <a:endParaRPr lang="en-US" dirty="0"/>
           </a:p>
@@ -7299,9 +7393,10 @@
               <a:t>from </a:t>
             </a:r>
             <a:r>
-              <a:rPr lang="en-US" sz="2400" dirty="0"/>
-              <a:t>SVN</a:t>
-            </a:r>
+              <a:rPr lang="en-US" sz="2400" dirty="0" err="1" smtClean="0"/>
+              <a:t>Git</a:t>
+            </a:r>
+            <a:endParaRPr lang="en-US" sz="2400" dirty="0"/>
           </a:p>
         </p:txBody>
       </p:sp>
@@ -7412,8 +7507,21 @@
                   <a:schemeClr val="accent3"/>
                 </a:solidFill>
               </a:rPr>
-              <a:t>Only have access to protected, public, and package level fields</a:t>
-            </a:r>
+              <a:t>Only have access to protected, public, and package level </a:t>
+            </a:r>
+            <a:r>
+              <a:rPr lang="en-US" dirty="0" smtClean="0">
+                <a:solidFill>
+                  <a:schemeClr val="accent3"/>
+                </a:solidFill>
+              </a:rPr>
+              <a:t>fields</a:t>
+            </a:r>
+            <a:endParaRPr lang="en-US" dirty="0" smtClean="0">
+              <a:solidFill>
+                <a:schemeClr val="accent3"/>
+              </a:solidFill>
+            </a:endParaRPr>
           </a:p>
           <a:p>
             <a:pPr lvl="1">
@@ -8023,8 +8131,13 @@
             <a:pPr lvl="1"/>
             <a:r>
               <a:rPr lang="en-US" sz="2000" dirty="0" smtClean="0"/>
-              <a:t>5 cost $$3.00</a:t>
-            </a:r>
+              <a:t>5 cost </a:t>
+            </a:r>
+            <a:r>
+              <a:rPr lang="en-US" sz="2000" dirty="0" smtClean="0"/>
+              <a:t>$3.00</a:t>
+            </a:r>
+            <a:endParaRPr lang="en-US" sz="2000" dirty="0" smtClean="0"/>
           </a:p>
           <a:p>
             <a:r>
@@ -9837,9 +9950,10 @@
           </a:p>
           <a:p>
             <a:r>
-              <a:rPr lang="en-US" dirty="0" smtClean="0"/>
-              <a:t>Ball World</a:t>
-            </a:r>
+              <a:rPr lang="en-US" dirty="0" err="1" smtClean="0"/>
+              <a:t>ByoGUI</a:t>
+            </a:r>
+            <a:endParaRPr lang="en-US" dirty="0" smtClean="0"/>
           </a:p>
           <a:p>
             <a:endParaRPr lang="en-US" dirty="0"/>
@@ -10183,6 +10297,156 @@
       </p:par>
     </p:tnLst>
   </p:timing>
+</p:sld>
+</file>
+
+<file path=ppt/slides/slide20.xml><?xml version="1.0" encoding="utf-8"?>
+<p:sld xmlns:a="http://schemas.openxmlformats.org/drawingml/2006/main" xmlns:r="http://schemas.openxmlformats.org/officeDocument/2006/relationships" xmlns:p="http://schemas.openxmlformats.org/presentationml/2006/main">
+  <p:cSld>
+    <p:spTree>
+      <p:nvGrpSpPr>
+        <p:cNvPr id="1" name=""/>
+        <p:cNvGrpSpPr/>
+        <p:nvPr/>
+      </p:nvGrpSpPr>
+      <p:grpSpPr>
+        <a:xfrm>
+          <a:off x="0" y="0"/>
+          <a:ext cx="0" cy="0"/>
+          <a:chOff x="0" y="0"/>
+          <a:chExt cx="0" cy="0"/>
+        </a:xfrm>
+      </p:grpSpPr>
+      <p:sp>
+        <p:nvSpPr>
+          <p:cNvPr id="2" name="Title 1"/>
+          <p:cNvSpPr>
+            <a:spLocks noGrp="1"/>
+          </p:cNvSpPr>
+          <p:nvPr>
+            <p:ph type="title"/>
+          </p:nvPr>
+        </p:nvSpPr>
+        <p:spPr/>
+        <p:txBody>
+          <a:bodyPr>
+            <a:normAutofit fontScale="90000"/>
+          </a:bodyPr>
+          <a:lstStyle/>
+          <a:p>
+            <a:r>
+              <a:rPr lang="en-US" dirty="0" smtClean="0"/>
+              <a:t>If time allows:</a:t>
+            </a:r>
+            <a:br>
+              <a:rPr lang="en-US" dirty="0" smtClean="0"/>
+            </a:br>
+            <a:r>
+              <a:rPr lang="en-US" dirty="0" smtClean="0"/>
+              <a:t>Review from yesterday</a:t>
+            </a:r>
+            <a:endParaRPr lang="en-US" dirty="0"/>
+          </a:p>
+        </p:txBody>
+      </p:sp>
+      <p:pic>
+        <p:nvPicPr>
+          <p:cNvPr id="1026" name="Picture 2" descr="https://lh5.googleusercontent.com/vKRm2iF9VvcHXTnVzEvEgKtyjmLOG1GKyVtMwls6C8wLfYa_1LEeQMMn0_MpfL8NLdgWmCTPAFhxuroyh7Exb4ZrA3zh74kFEYp6Mp6pJW_vkdIeHTk9MGDLgZl0SDuH2Z1mM_dq">
+            <a:hlinkClick r:id="rId2"/>
+          </p:cNvPr>
+          <p:cNvPicPr>
+            <a:picLocks noGrp="1" noChangeAspect="1" noChangeArrowheads="1"/>
+          </p:cNvPicPr>
+          <p:nvPr>
+            <p:ph idx="1"/>
+          </p:nvPr>
+        </p:nvPicPr>
+        <p:blipFill>
+          <a:blip r:embed="rId3">
+            <a:extLst>
+              <a:ext uri="{28A0092B-C50C-407E-A947-70E740481C1C}">
+                <a14:useLocalDpi xmlns:a14="http://schemas.microsoft.com/office/drawing/2010/main" val="0"/>
+              </a:ext>
+            </a:extLst>
+          </a:blip>
+          <a:srcRect/>
+          <a:stretch>
+            <a:fillRect/>
+          </a:stretch>
+        </p:blipFill>
+        <p:spPr bwMode="auto">
+          <a:xfrm>
+            <a:off x="1825850" y="3485565"/>
+            <a:ext cx="5717949" cy="3103572"/>
+          </a:xfrm>
+          <a:prstGeom prst="rect">
+            <a:avLst/>
+          </a:prstGeom>
+          <a:noFill/>
+          <a:extLst>
+            <a:ext uri="{909E8E84-426E-40DD-AFC4-6F175D3DCCD1}">
+              <a14:hiddenFill xmlns:a14="http://schemas.microsoft.com/office/drawing/2010/main">
+                <a:solidFill>
+                  <a:srgbClr val="FFFFFF"/>
+                </a:solidFill>
+              </a14:hiddenFill>
+            </a:ext>
+          </a:extLst>
+        </p:spPr>
+      </p:pic>
+      <p:pic>
+        <p:nvPicPr>
+          <p:cNvPr id="1028" name="Picture 4" descr="https://lh4.googleusercontent.com/CrZ2wu3ZBZ7IeFOf4RM4FLifb955gTUKWqn-YSLtSWmC-2iu7W4e62tsXt7c_o1iip9WfGekBxQuYslNMZb0U3EEZ0wNYj69PXUlK_OUjaU1mgWzLbf92gFFZg7Nv4agh0XT7cMR">
+            <a:hlinkClick r:id="rId4"/>
+          </p:cNvPr>
+          <p:cNvPicPr>
+            <a:picLocks noChangeAspect="1" noChangeArrowheads="1"/>
+          </p:cNvPicPr>
+          <p:nvPr/>
+        </p:nvPicPr>
+        <p:blipFill>
+          <a:blip r:embed="rId5">
+            <a:extLst>
+              <a:ext uri="{28A0092B-C50C-407E-A947-70E740481C1C}">
+                <a14:useLocalDpi xmlns:a14="http://schemas.microsoft.com/office/drawing/2010/main" val="0"/>
+              </a:ext>
+            </a:extLst>
+          </a:blip>
+          <a:srcRect/>
+          <a:stretch>
+            <a:fillRect/>
+          </a:stretch>
+        </p:blipFill>
+        <p:spPr bwMode="auto">
+          <a:xfrm>
+            <a:off x="1600199" y="1417638"/>
+            <a:ext cx="5943600" cy="1533526"/>
+          </a:xfrm>
+          <a:prstGeom prst="rect">
+            <a:avLst/>
+          </a:prstGeom>
+          <a:noFill/>
+          <a:extLst>
+            <a:ext uri="{909E8E84-426E-40DD-AFC4-6F175D3DCCD1}">
+              <a14:hiddenFill xmlns:a14="http://schemas.microsoft.com/office/drawing/2010/main">
+                <a:solidFill>
+                  <a:srgbClr val="FFFFFF"/>
+                </a:solidFill>
+              </a14:hiddenFill>
+            </a:ext>
+          </a:extLst>
+        </p:spPr>
+      </p:pic>
+    </p:spTree>
+    <p:extLst>
+      <p:ext uri="{BB962C8B-B14F-4D97-AF65-F5344CB8AC3E}">
+        <p14:creationId xmlns:p14="http://schemas.microsoft.com/office/powerpoint/2010/main" val="3419082356"/>
+      </p:ext>
+    </p:extLst>
+  </p:cSld>
+  <p:clrMapOvr>
+    <a:masterClrMapping/>
+  </p:clrMapOvr>
 </p:sld>
 </file>
 

--- a/ClassMaterials/Inheritance/Slides/Inheritance.pptx
+++ b/ClassMaterials/Inheritance/Slides/Inheritance.pptx
@@ -5,10 +5,10 @@
     <p:sldMasterId id="2147484251" r:id="rId1"/>
   </p:sldMasterIdLst>
   <p:notesMasterIdLst>
-    <p:notesMasterId r:id="rId22"/>
+    <p:notesMasterId r:id="rId23"/>
   </p:notesMasterIdLst>
   <p:handoutMasterIdLst>
-    <p:handoutMasterId r:id="rId23"/>
+    <p:handoutMasterId r:id="rId24"/>
   </p:handoutMasterIdLst>
   <p:sldIdLst>
     <p:sldId id="256" r:id="rId2"/>
@@ -23,14 +23,15 @@
     <p:sldId id="375" r:id="rId11"/>
     <p:sldId id="376" r:id="rId12"/>
     <p:sldId id="387" r:id="rId13"/>
-    <p:sldId id="377" r:id="rId14"/>
-    <p:sldId id="378" r:id="rId15"/>
-    <p:sldId id="380" r:id="rId16"/>
-    <p:sldId id="389" r:id="rId17"/>
-    <p:sldId id="379" r:id="rId18"/>
-    <p:sldId id="388" r:id="rId19"/>
-    <p:sldId id="381" r:id="rId20"/>
-    <p:sldId id="390" r:id="rId21"/>
+    <p:sldId id="391" r:id="rId14"/>
+    <p:sldId id="377" r:id="rId15"/>
+    <p:sldId id="378" r:id="rId16"/>
+    <p:sldId id="380" r:id="rId17"/>
+    <p:sldId id="389" r:id="rId18"/>
+    <p:sldId id="379" r:id="rId19"/>
+    <p:sldId id="388" r:id="rId20"/>
+    <p:sldId id="381" r:id="rId21"/>
+    <p:sldId id="390" r:id="rId22"/>
   </p:sldIdLst>
   <p:sldSz cx="9144000" cy="6858000" type="screen4x3"/>
   <p:notesSz cx="7010400" cy="9296400"/>
@@ -295,7 +296,7 @@
               <a:pPr>
                 <a:defRPr/>
               </a:pPr>
-              <a:t>1/21/2020</a:t>
+              <a:t>4/19/2020</a:t>
             </a:fld>
             <a:endParaRPr lang="en-US"/>
           </a:p>
@@ -530,7 +531,7 @@
               <a:pPr>
                 <a:defRPr/>
               </a:pPr>
-              <a:t>1/21/2020</a:t>
+              <a:t>4/19/2020</a:t>
             </a:fld>
             <a:endParaRPr lang="en-US"/>
           </a:p>
@@ -1549,7 +1550,7 @@
             <a:fld id="{AEF60CBC-2A70-49D3-9866-05F00BCCB9E5}" type="slidenum">
               <a:rPr lang="en-US" smtClean="0"/>
               <a:pPr/>
-              <a:t>13</a:t>
+              <a:t>14</a:t>
             </a:fld>
             <a:endParaRPr lang="en-US" smtClean="0"/>
           </a:p>
@@ -1660,7 +1661,7 @@
             <a:fld id="{AE88C4F2-B63F-49B5-8554-101017854A6D}" type="slidenum">
               <a:rPr lang="en-US" smtClean="0"/>
               <a:pPr/>
-              <a:t>14</a:t>
+              <a:t>15</a:t>
             </a:fld>
             <a:endParaRPr lang="en-US" smtClean="0"/>
           </a:p>
@@ -1760,7 +1761,7 @@
             <a:fld id="{D52993E5-32C8-4EC2-BBC6-DB69025B6125}" type="slidenum">
               <a:rPr lang="en-US" smtClean="0"/>
               <a:pPr/>
-              <a:t>15</a:t>
+              <a:t>16</a:t>
             </a:fld>
             <a:endParaRPr lang="en-US" smtClean="0"/>
           </a:p>
@@ -1906,7 +1907,7 @@
               <a:pPr>
                 <a:defRPr/>
               </a:pPr>
-              <a:t>16</a:t>
+              <a:t>17</a:t>
             </a:fld>
             <a:endParaRPr lang="en-US"/>
           </a:p>
@@ -2041,7 +2042,7 @@
               <a:pPr>
                 <a:defRPr/>
               </a:pPr>
-              <a:t>17</a:t>
+              <a:t>18</a:t>
             </a:fld>
             <a:endParaRPr lang="en-US"/>
           </a:p>
@@ -2690,7 +2691,7 @@
               <a:pPr>
                 <a:defRPr/>
               </a:pPr>
-              <a:t>18</a:t>
+              <a:t>19</a:t>
             </a:fld>
             <a:endParaRPr lang="en-US"/>
           </a:p>
@@ -2782,7 +2783,7 @@
               <a:pPr>
                 <a:defRPr/>
               </a:pPr>
-              <a:t>19</a:t>
+              <a:t>20</a:t>
             </a:fld>
             <a:endParaRPr lang="en-US"/>
           </a:p>
@@ -4303,7 +4304,7 @@
               <a:pPr>
                 <a:defRPr/>
               </a:pPr>
-              <a:t>Tuesday, January 21, 2020</a:t>
+              <a:t>Sunday, April 19, 2020</a:t>
             </a:fld>
             <a:endParaRPr lang="en-US" dirty="0"/>
           </a:p>
@@ -4488,7 +4489,7 @@
               <a:pPr>
                 <a:defRPr/>
               </a:pPr>
-              <a:t>Tuesday, January 21, 2020</a:t>
+              <a:t>Sunday, April 19, 2020</a:t>
             </a:fld>
             <a:endParaRPr lang="en-US" dirty="0"/>
           </a:p>
@@ -4683,7 +4684,7 @@
               <a:pPr>
                 <a:defRPr/>
               </a:pPr>
-              <a:t>Tuesday, January 21, 2020</a:t>
+              <a:t>Sunday, April 19, 2020</a:t>
             </a:fld>
             <a:endParaRPr lang="en-US" dirty="0"/>
           </a:p>
@@ -4868,7 +4869,7 @@
               <a:pPr>
                 <a:defRPr/>
               </a:pPr>
-              <a:t>Tuesday, January 21, 2020</a:t>
+              <a:t>Sunday, April 19, 2020</a:t>
             </a:fld>
             <a:endParaRPr lang="en-US" dirty="0"/>
           </a:p>
@@ -5129,7 +5130,7 @@
               <a:pPr>
                 <a:defRPr/>
               </a:pPr>
-              <a:t>Tuesday, January 21, 2020</a:t>
+              <a:t>Sunday, April 19, 2020</a:t>
             </a:fld>
             <a:endParaRPr lang="en-US"/>
           </a:p>
@@ -5432,7 +5433,7 @@
               <a:pPr>
                 <a:defRPr/>
               </a:pPr>
-              <a:t>Tuesday, January 21, 2020</a:t>
+              <a:t>Sunday, April 19, 2020</a:t>
             </a:fld>
             <a:endParaRPr lang="en-US"/>
           </a:p>
@@ -5869,7 +5870,7 @@
               <a:pPr>
                 <a:defRPr/>
               </a:pPr>
-              <a:t>Tuesday, January 21, 2020</a:t>
+              <a:t>Sunday, April 19, 2020</a:t>
             </a:fld>
             <a:endParaRPr lang="en-US"/>
           </a:p>
@@ -6002,7 +6003,7 @@
               <a:pPr>
                 <a:defRPr/>
               </a:pPr>
-              <a:t>Tuesday, January 21, 2020</a:t>
+              <a:t>Sunday, April 19, 2020</a:t>
             </a:fld>
             <a:endParaRPr lang="en-US"/>
           </a:p>
@@ -6112,7 +6113,7 @@
               <a:pPr>
                 <a:defRPr/>
               </a:pPr>
-              <a:t>Tuesday, January 21, 2020</a:t>
+              <a:t>Sunday, April 19, 2020</a:t>
             </a:fld>
             <a:endParaRPr lang="en-US" dirty="0"/>
           </a:p>
@@ -6404,7 +6405,7 @@
               <a:pPr>
                 <a:defRPr/>
               </a:pPr>
-              <a:t>Tuesday, January 21, 2020</a:t>
+              <a:t>Sunday, April 19, 2020</a:t>
             </a:fld>
             <a:endParaRPr lang="en-US"/>
           </a:p>
@@ -6672,7 +6673,7 @@
               <a:pPr>
                 <a:defRPr/>
               </a:pPr>
-              <a:t>Tuesday, January 21, 2020</a:t>
+              <a:t>Sunday, April 19, 2020</a:t>
             </a:fld>
             <a:endParaRPr lang="en-US"/>
           </a:p>
@@ -6900,7 +6901,7 @@
               <a:pPr>
                 <a:defRPr/>
               </a:pPr>
-              <a:t>Tuesday, January 21, 2020</a:t>
+              <a:t>Sunday, April 19, 2020</a:t>
             </a:fld>
             <a:endParaRPr lang="en-US" dirty="0"/>
           </a:p>
@@ -7507,21 +7508,8 @@
                   <a:schemeClr val="accent3"/>
                 </a:solidFill>
               </a:rPr>
-              <a:t>Only have access to protected, public, and package level </a:t>
-            </a:r>
-            <a:r>
-              <a:rPr lang="en-US" dirty="0" smtClean="0">
-                <a:solidFill>
-                  <a:schemeClr val="accent3"/>
-                </a:solidFill>
-              </a:rPr>
-              <a:t>fields</a:t>
-            </a:r>
-            <a:endParaRPr lang="en-US" dirty="0" smtClean="0">
-              <a:solidFill>
-                <a:schemeClr val="accent3"/>
-              </a:solidFill>
-            </a:endParaRPr>
+              <a:t>Only have access to protected, public, and package level fields</a:t>
+            </a:r>
           </a:p>
           <a:p>
             <a:pPr lvl="1">
@@ -8131,13 +8119,8 @@
             <a:pPr lvl="1"/>
             <a:r>
               <a:rPr lang="en-US" sz="2000" dirty="0" smtClean="0"/>
-              <a:t>5 cost </a:t>
-            </a:r>
-            <a:r>
-              <a:rPr lang="en-US" sz="2000" dirty="0" smtClean="0"/>
-              <a:t>$3.00</a:t>
-            </a:r>
-            <a:endParaRPr lang="en-US" sz="2000" dirty="0" smtClean="0"/>
+              <a:t>5 cost $3.00</a:t>
+            </a:r>
           </a:p>
           <a:p>
             <a:r>
@@ -8194,7 +8177,7 @@
       </p:grpSpPr>
       <p:sp>
         <p:nvSpPr>
-          <p:cNvPr id="3" name="Title 2"/>
+          <p:cNvPr id="2" name="Title 1"/>
           <p:cNvSpPr>
             <a:spLocks noGrp="1"/>
           </p:cNvSpPr>
@@ -8207,12 +8190,9 @@
           <a:bodyPr/>
           <a:lstStyle/>
           <a:p>
-            <a:pPr>
-              <a:defRPr/>
-            </a:pPr>
             <a:r>
               <a:rPr lang="en-US" dirty="0" smtClean="0"/>
-              <a:t>Polymorphism and Subclasses</a:t>
+              <a:t>Design to Implement</a:t>
             </a:r>
             <a:endParaRPr lang="en-US" dirty="0"/>
           </a:p>
@@ -8220,7 +8200,7 @@
       </p:sp>
       <p:sp>
         <p:nvSpPr>
-          <p:cNvPr id="2" name="Content Placeholder 1"/>
+          <p:cNvPr id="3" name="Content Placeholder 2"/>
           <p:cNvSpPr>
             <a:spLocks noGrp="1"/>
           </p:cNvSpPr>
@@ -8230,334 +8210,66 @@
         </p:nvSpPr>
         <p:spPr/>
         <p:txBody>
-          <a:bodyPr>
-            <a:normAutofit fontScale="85000" lnSpcReduction="10000"/>
-          </a:bodyPr>
-          <a:lstStyle/>
-          <a:p>
-            <a:pPr>
-              <a:defRPr/>
-            </a:pPr>
-            <a:r>
-              <a:rPr lang="en-US" dirty="0" smtClean="0"/>
-              <a:t>A subclass instance </a:t>
-            </a:r>
-            <a:r>
-              <a:rPr lang="en-US" b="1" dirty="0" smtClean="0"/>
-              <a:t>is a</a:t>
-            </a:r>
-            <a:r>
-              <a:rPr lang="en-US" dirty="0" smtClean="0"/>
-              <a:t> </a:t>
-            </a:r>
-            <a:r>
-              <a:rPr lang="en-US" dirty="0" err="1" smtClean="0"/>
-              <a:t>superclass</a:t>
-            </a:r>
-            <a:r>
-              <a:rPr lang="en-US" dirty="0" smtClean="0"/>
-              <a:t> instance</a:t>
-            </a:r>
-          </a:p>
-          <a:p>
-            <a:pPr lvl="1">
-              <a:defRPr/>
-            </a:pPr>
-            <a:r>
-              <a:rPr lang="en-US" dirty="0" smtClean="0"/>
-              <a:t>Polymorphism still works!</a:t>
-            </a:r>
-          </a:p>
-          <a:p>
-            <a:pPr lvl="1">
-              <a:defRPr/>
-            </a:pPr>
-            <a:r>
-              <a:rPr lang="en-US" b="1" dirty="0" err="1" smtClean="0">
-                <a:solidFill>
-                  <a:schemeClr val="accent3"/>
-                </a:solidFill>
-                <a:latin typeface="Lucida Sans Typewriter" pitchFamily="49" charset="0"/>
-              </a:rPr>
-              <a:t>BankAccount</a:t>
-            </a:r>
-            <a:r>
-              <a:rPr lang="en-US" b="1" dirty="0" smtClean="0">
-                <a:solidFill>
-                  <a:schemeClr val="accent3"/>
-                </a:solidFill>
-                <a:latin typeface="Lucida Sans Typewriter" pitchFamily="49" charset="0"/>
-              </a:rPr>
-              <a:t> </a:t>
-            </a:r>
-            <a:r>
-              <a:rPr lang="en-US" b="1" dirty="0" err="1" smtClean="0">
-                <a:solidFill>
-                  <a:schemeClr val="accent3"/>
-                </a:solidFill>
-                <a:latin typeface="Lucida Sans Typewriter" pitchFamily="49" charset="0"/>
-              </a:rPr>
-              <a:t>ba</a:t>
-            </a:r>
-            <a:r>
-              <a:rPr lang="en-US" b="1" dirty="0" smtClean="0">
-                <a:solidFill>
-                  <a:schemeClr val="accent3"/>
-                </a:solidFill>
-                <a:latin typeface="Lucida Sans Typewriter" pitchFamily="49" charset="0"/>
-              </a:rPr>
-              <a:t> = new </a:t>
-            </a:r>
-            <a:r>
-              <a:rPr lang="en-US" b="1" dirty="0" err="1" smtClean="0">
-                <a:solidFill>
-                  <a:schemeClr val="accent3"/>
-                </a:solidFill>
-                <a:latin typeface="Lucida Sans Typewriter" pitchFamily="49" charset="0"/>
-              </a:rPr>
-              <a:t>CheckingAccount</a:t>
-            </a:r>
-            <a:r>
-              <a:rPr lang="en-US" b="1" dirty="0" smtClean="0">
-                <a:solidFill>
-                  <a:schemeClr val="accent3"/>
-                </a:solidFill>
-                <a:latin typeface="Lucida Sans Typewriter" pitchFamily="49" charset="0"/>
-              </a:rPr>
-              <a:t>();</a:t>
-            </a:r>
-            <a:br>
-              <a:rPr lang="en-US" b="1" dirty="0" smtClean="0">
-                <a:solidFill>
-                  <a:schemeClr val="accent3"/>
-                </a:solidFill>
-                <a:latin typeface="Lucida Sans Typewriter" pitchFamily="49" charset="0"/>
-              </a:rPr>
-            </a:br>
-            <a:r>
-              <a:rPr lang="en-US" b="1" dirty="0" smtClean="0">
-                <a:solidFill>
-                  <a:schemeClr val="accent3"/>
-                </a:solidFill>
-                <a:latin typeface="Lucida Sans Typewriter" pitchFamily="49" charset="0"/>
-              </a:rPr>
-              <a:t>ba.deposit(100);</a:t>
-            </a:r>
-          </a:p>
-          <a:p>
-            <a:pPr lvl="1">
-              <a:defRPr/>
-            </a:pPr>
-            <a:endParaRPr lang="en-US" dirty="0" smtClean="0"/>
-          </a:p>
-          <a:p>
-            <a:pPr>
-              <a:defRPr/>
-            </a:pPr>
-            <a:r>
-              <a:rPr lang="en-US" dirty="0" smtClean="0"/>
-              <a:t>But not the other way around!</a:t>
-            </a:r>
-          </a:p>
-          <a:p>
-            <a:pPr lvl="1">
-              <a:defRPr/>
-            </a:pPr>
-            <a:r>
-              <a:rPr lang="en-US" b="1" dirty="0" err="1" smtClean="0">
-                <a:solidFill>
-                  <a:schemeClr val="accent2"/>
-                </a:solidFill>
-                <a:latin typeface="Lucida Sans Typewriter" pitchFamily="49" charset="0"/>
-              </a:rPr>
-              <a:t>CheckingAccount</a:t>
-            </a:r>
-            <a:r>
-              <a:rPr lang="en-US" b="1" dirty="0" smtClean="0">
-                <a:solidFill>
-                  <a:schemeClr val="accent2"/>
-                </a:solidFill>
-                <a:latin typeface="Lucida Sans Typewriter" pitchFamily="49" charset="0"/>
-              </a:rPr>
-              <a:t> ca = new </a:t>
-            </a:r>
-            <a:r>
-              <a:rPr lang="en-US" b="1" dirty="0" err="1" smtClean="0">
-                <a:solidFill>
-                  <a:schemeClr val="accent2"/>
-                </a:solidFill>
-                <a:latin typeface="Lucida Sans Typewriter" pitchFamily="49" charset="0"/>
-              </a:rPr>
-              <a:t>BankAccount</a:t>
-            </a:r>
-            <a:r>
-              <a:rPr lang="en-US" b="1" dirty="0" smtClean="0">
-                <a:solidFill>
-                  <a:schemeClr val="accent2"/>
-                </a:solidFill>
-                <a:latin typeface="Lucida Sans Typewriter" pitchFamily="49" charset="0"/>
-              </a:rPr>
-              <a:t>();</a:t>
-            </a:r>
-            <a:br>
-              <a:rPr lang="en-US" b="1" dirty="0" smtClean="0">
-                <a:solidFill>
-                  <a:schemeClr val="accent2"/>
-                </a:solidFill>
-                <a:latin typeface="Lucida Sans Typewriter" pitchFamily="49" charset="0"/>
-              </a:rPr>
-            </a:br>
-            <a:r>
-              <a:rPr lang="en-US" b="1" dirty="0" err="1" smtClean="0">
-                <a:solidFill>
-                  <a:schemeClr val="accent2"/>
-                </a:solidFill>
-                <a:latin typeface="Lucida Sans Typewriter" pitchFamily="49" charset="0"/>
-              </a:rPr>
-              <a:t>ca.deductFees</a:t>
-            </a:r>
-            <a:r>
-              <a:rPr lang="en-US" b="1" dirty="0" smtClean="0">
-                <a:solidFill>
-                  <a:schemeClr val="accent2"/>
-                </a:solidFill>
-                <a:latin typeface="Lucida Sans Typewriter" pitchFamily="49" charset="0"/>
-              </a:rPr>
-              <a:t>();</a:t>
-            </a:r>
-          </a:p>
-          <a:p>
-            <a:pPr lvl="1">
-              <a:defRPr/>
-            </a:pPr>
-            <a:endParaRPr lang="en-US" dirty="0" smtClean="0"/>
-          </a:p>
-          <a:p>
-            <a:pPr>
-              <a:defRPr/>
-            </a:pPr>
-            <a:r>
-              <a:rPr lang="en-US" dirty="0" smtClean="0"/>
-              <a:t>Why not?</a:t>
-            </a:r>
-          </a:p>
-        </p:txBody>
-      </p:sp>
-      <p:sp>
-        <p:nvSpPr>
-          <p:cNvPr id="4" name="Line Callout 2 3"/>
-          <p:cNvSpPr/>
+          <a:bodyPr/>
+          <a:lstStyle/>
+          <a:p>
+            <a:r>
+              <a:rPr lang="en-US" dirty="0" err="1" smtClean="0">
+                <a:hlinkClick r:id="rId2"/>
+              </a:rPr>
+              <a:t>plantuml</a:t>
+            </a:r>
+            <a:endParaRPr lang="en-US" dirty="0"/>
+          </a:p>
+        </p:txBody>
+      </p:sp>
+      <p:pic>
+        <p:nvPicPr>
+          <p:cNvPr id="2054" name="Picture 6" descr="PlantUML diagram"/>
+          <p:cNvPicPr>
+            <a:picLocks noChangeAspect="1" noChangeArrowheads="1"/>
+          </p:cNvPicPr>
           <p:nvPr/>
-        </p:nvSpPr>
-        <p:spPr>
-          <a:xfrm>
-            <a:off x="5334000" y="4991100"/>
-            <a:ext cx="1905000" cy="1016000"/>
-          </a:xfrm>
-          <a:prstGeom prst="borderCallout2">
-            <a:avLst>
-              <a:gd name="adj1" fmla="val 18750"/>
-              <a:gd name="adj2" fmla="val -8333"/>
-              <a:gd name="adj3" fmla="val 18750"/>
-              <a:gd name="adj4" fmla="val -16667"/>
-              <a:gd name="adj5" fmla="val -56448"/>
-              <a:gd name="adj6" fmla="val -58870"/>
-            </a:avLst>
-          </a:prstGeom>
-        </p:spPr>
-        <p:style>
-          <a:lnRef idx="1">
-            <a:schemeClr val="accent2"/>
-          </a:lnRef>
-          <a:fillRef idx="3">
-            <a:schemeClr val="accent2"/>
-          </a:fillRef>
-          <a:effectRef idx="2">
-            <a:schemeClr val="accent2"/>
-          </a:effectRef>
-          <a:fontRef idx="minor">
-            <a:schemeClr val="lt1"/>
-          </a:fontRef>
-        </p:style>
-        <p:txBody>
-          <a:bodyPr anchor="ctr"/>
-          <a:lstStyle/>
-          <a:p>
-            <a:pPr algn="ctr">
-              <a:defRPr/>
-            </a:pPr>
-            <a:r>
-              <a:rPr lang="en-US" sz="2800" dirty="0"/>
-              <a:t>BOOM!</a:t>
-            </a:r>
-          </a:p>
-        </p:txBody>
-      </p:sp>
-      <p:sp>
-        <p:nvSpPr>
-          <p:cNvPr id="7" name="Rectangle 9"/>
-          <p:cNvSpPr>
-            <a:spLocks/>
-          </p:cNvSpPr>
-          <p:nvPr/>
-        </p:nvSpPr>
+        </p:nvPicPr>
+        <p:blipFill>
+          <a:blip r:embed="rId3">
+            <a:extLst>
+              <a:ext uri="{28A0092B-C50C-407E-A947-70E740481C1C}">
+                <a14:useLocalDpi xmlns:a14="http://schemas.microsoft.com/office/drawing/2010/main" val="0"/>
+              </a:ext>
+            </a:extLst>
+          </a:blip>
+          <a:srcRect/>
+          <a:stretch>
+            <a:fillRect/>
+          </a:stretch>
+        </p:blipFill>
         <p:spPr bwMode="auto">
           <a:xfrm>
-            <a:off x="8432800" y="6334564"/>
-            <a:ext cx="558800" cy="419100"/>
+            <a:off x="2590800" y="1752600"/>
+            <a:ext cx="5081588" cy="4732984"/>
           </a:xfrm>
           <a:prstGeom prst="rect">
             <a:avLst/>
           </a:prstGeom>
-          <a:ln>
-            <a:headEnd/>
-            <a:tailEnd/>
-          </a:ln>
+          <a:noFill/>
+          <a:extLst>
+            <a:ext uri="{909E8E84-426E-40DD-AFC4-6F175D3DCCD1}">
+              <a14:hiddenFill xmlns:a14="http://schemas.microsoft.com/office/drawing/2010/main">
+                <a:solidFill>
+                  <a:srgbClr val="FFFFFF"/>
+                </a:solidFill>
+              </a14:hiddenFill>
+            </a:ext>
+          </a:extLst>
         </p:spPr>
-        <p:style>
-          <a:lnRef idx="2">
-            <a:schemeClr val="accent3">
-              <a:shade val="50000"/>
-            </a:schemeClr>
-          </a:lnRef>
-          <a:fillRef idx="1">
-            <a:schemeClr val="accent3"/>
-          </a:fillRef>
-          <a:effectRef idx="0">
-            <a:schemeClr val="accent3"/>
-          </a:effectRef>
-          <a:fontRef idx="minor">
-            <a:schemeClr val="lt1"/>
-          </a:fontRef>
-        </p:style>
-        <p:txBody>
-          <a:bodyPr lIns="0" tIns="0" rIns="0" bIns="0" anchor="ctr"/>
-          <a:lstStyle/>
-          <a:p>
-            <a:pPr algn="ctr">
-              <a:defRPr/>
-            </a:pPr>
-            <a:r>
-              <a:rPr lang="en-US" sz="1800" dirty="0" smtClean="0">
-                <a:solidFill>
-                  <a:schemeClr val="bg1"/>
-                </a:solidFill>
-                <a:cs typeface="Arial" pitchFamily="34" charset="0"/>
-                <a:sym typeface="Arial" pitchFamily="34" charset="0"/>
-              </a:rPr>
-              <a:t>Q6</a:t>
-            </a:r>
-            <a:endParaRPr lang="en-US" sz="1800" dirty="0">
-              <a:solidFill>
-                <a:schemeClr val="bg1"/>
-              </a:solidFill>
-              <a:cs typeface="Arial" pitchFamily="34" charset="0"/>
-              <a:sym typeface="Arial" pitchFamily="34" charset="0"/>
-            </a:endParaRPr>
-          </a:p>
-        </p:txBody>
-      </p:sp>
+      </p:pic>
     </p:spTree>
+    <p:extLst>
+      <p:ext uri="{BB962C8B-B14F-4D97-AF65-F5344CB8AC3E}">
+        <p14:creationId xmlns:p14="http://schemas.microsoft.com/office/powerpoint/2010/main" val="2922646918"/>
+      </p:ext>
+    </p:extLst>
   </p:cSld>
   <p:clrMapOvr>
     <a:masterClrMapping/>
@@ -8609,7 +8321,7 @@
             </a:pPr>
             <a:r>
               <a:rPr lang="en-US" dirty="0" smtClean="0"/>
-              <a:t>Another Example</a:t>
+              <a:t>Polymorphism and Subclasses</a:t>
             </a:r>
             <a:endParaRPr lang="en-US" dirty="0"/>
           </a:p>
@@ -8627,7 +8339,9 @@
         </p:nvSpPr>
         <p:spPr/>
         <p:txBody>
-          <a:bodyPr/>
+          <a:bodyPr>
+            <a:normAutofit fontScale="85000" lnSpcReduction="10000"/>
+          </a:bodyPr>
           <a:lstStyle/>
           <a:p>
             <a:pPr>
@@ -8635,7 +8349,23 @@
             </a:pPr>
             <a:r>
               <a:rPr lang="en-US" dirty="0" smtClean="0"/>
-              <a:t>Can use:</a:t>
+              <a:t>A subclass instance </a:t>
+            </a:r>
+            <a:r>
+              <a:rPr lang="en-US" b="1" dirty="0" smtClean="0"/>
+              <a:t>is a</a:t>
+            </a:r>
+            <a:r>
+              <a:rPr lang="en-US" dirty="0" smtClean="0"/>
+              <a:t> </a:t>
+            </a:r>
+            <a:r>
+              <a:rPr lang="en-US" dirty="0" err="1" smtClean="0"/>
+              <a:t>superclass</a:t>
+            </a:r>
+            <a:r>
+              <a:rPr lang="en-US" dirty="0" smtClean="0"/>
+              <a:t> instance</a:t>
             </a:r>
           </a:p>
           <a:p>
@@ -8643,232 +8373,296 @@
               <a:defRPr/>
             </a:pPr>
             <a:r>
-              <a:rPr lang="en-US" sz="2000" b="1" dirty="0" smtClean="0">
+              <a:rPr lang="en-US" dirty="0" smtClean="0"/>
+              <a:t>Polymorphism still works!</a:t>
+            </a:r>
+          </a:p>
+          <a:p>
+            <a:pPr lvl="1">
+              <a:defRPr/>
+            </a:pPr>
+            <a:r>
+              <a:rPr lang="en-US" b="1" dirty="0" err="1" smtClean="0">
                 <a:solidFill>
                   <a:schemeClr val="accent3"/>
                 </a:solidFill>
                 <a:latin typeface="Lucida Sans Typewriter" pitchFamily="49" charset="0"/>
               </a:rPr>
-              <a:t>public void transfer(double amount, </a:t>
-            </a:r>
-            <a:r>
-              <a:rPr lang="en-US" sz="2000" b="1" dirty="0" err="1" smtClean="0">
+              <a:t>BankAccount</a:t>
+            </a:r>
+            <a:r>
+              <a:rPr lang="en-US" b="1" dirty="0" smtClean="0">
                 <a:solidFill>
                   <a:schemeClr val="accent3"/>
                 </a:solidFill>
                 <a:latin typeface="Lucida Sans Typewriter" pitchFamily="49" charset="0"/>
               </a:rPr>
+              <a:t> </a:t>
+            </a:r>
+            <a:r>
+              <a:rPr lang="en-US" b="1" dirty="0" err="1" smtClean="0">
+                <a:solidFill>
+                  <a:schemeClr val="accent3"/>
+                </a:solidFill>
+                <a:latin typeface="Lucida Sans Typewriter" pitchFamily="49" charset="0"/>
+              </a:rPr>
+              <a:t>ba</a:t>
+            </a:r>
+            <a:r>
+              <a:rPr lang="en-US" b="1" dirty="0" smtClean="0">
+                <a:solidFill>
+                  <a:schemeClr val="accent3"/>
+                </a:solidFill>
+                <a:latin typeface="Lucida Sans Typewriter" pitchFamily="49" charset="0"/>
+              </a:rPr>
+              <a:t> = new </a:t>
+            </a:r>
+            <a:r>
+              <a:rPr lang="en-US" b="1" dirty="0" err="1" smtClean="0">
+                <a:solidFill>
+                  <a:schemeClr val="accent3"/>
+                </a:solidFill>
+                <a:latin typeface="Lucida Sans Typewriter" pitchFamily="49" charset="0"/>
+              </a:rPr>
+              <a:t>CheckingAccount</a:t>
+            </a:r>
+            <a:r>
+              <a:rPr lang="en-US" b="1" dirty="0" smtClean="0">
+                <a:solidFill>
+                  <a:schemeClr val="accent3"/>
+                </a:solidFill>
+                <a:latin typeface="Lucida Sans Typewriter" pitchFamily="49" charset="0"/>
+              </a:rPr>
+              <a:t>();</a:t>
+            </a:r>
+            <a:br>
+              <a:rPr lang="en-US" b="1" dirty="0" smtClean="0">
+                <a:solidFill>
+                  <a:schemeClr val="accent3"/>
+                </a:solidFill>
+                <a:latin typeface="Lucida Sans Typewriter" pitchFamily="49" charset="0"/>
+              </a:rPr>
+            </a:br>
+            <a:r>
+              <a:rPr lang="en-US" b="1" dirty="0" smtClean="0">
+                <a:solidFill>
+                  <a:schemeClr val="accent3"/>
+                </a:solidFill>
+                <a:latin typeface="Lucida Sans Typewriter" pitchFamily="49" charset="0"/>
+              </a:rPr>
+              <a:t>ba.deposit(100);</a:t>
+            </a:r>
+          </a:p>
+          <a:p>
+            <a:pPr lvl="1">
+              <a:defRPr/>
+            </a:pPr>
+            <a:endParaRPr lang="en-US" dirty="0" smtClean="0"/>
+          </a:p>
+          <a:p>
+            <a:pPr>
+              <a:defRPr/>
+            </a:pPr>
+            <a:r>
+              <a:rPr lang="en-US" dirty="0" smtClean="0"/>
+              <a:t>But not the other way around!</a:t>
+            </a:r>
+          </a:p>
+          <a:p>
+            <a:pPr lvl="1">
+              <a:defRPr/>
+            </a:pPr>
+            <a:r>
+              <a:rPr lang="en-US" b="1" dirty="0" err="1" smtClean="0">
+                <a:solidFill>
+                  <a:schemeClr val="accent2"/>
+                </a:solidFill>
+                <a:latin typeface="Lucida Sans Typewriter" pitchFamily="49" charset="0"/>
+              </a:rPr>
+              <a:t>CheckingAccount</a:t>
+            </a:r>
+            <a:r>
+              <a:rPr lang="en-US" b="1" dirty="0" smtClean="0">
+                <a:solidFill>
+                  <a:schemeClr val="accent2"/>
+                </a:solidFill>
+                <a:latin typeface="Lucida Sans Typewriter" pitchFamily="49" charset="0"/>
+              </a:rPr>
+              <a:t> ca = new </a:t>
+            </a:r>
+            <a:r>
+              <a:rPr lang="en-US" b="1" dirty="0" err="1" smtClean="0">
+                <a:solidFill>
+                  <a:schemeClr val="accent2"/>
+                </a:solidFill>
+                <a:latin typeface="Lucida Sans Typewriter" pitchFamily="49" charset="0"/>
+              </a:rPr>
               <a:t>BankAccount</a:t>
             </a:r>
             <a:r>
-              <a:rPr lang="en-US" sz="2000" b="1" dirty="0" smtClean="0">
-                <a:solidFill>
-                  <a:schemeClr val="accent3"/>
+              <a:rPr lang="en-US" b="1" dirty="0" smtClean="0">
+                <a:solidFill>
+                  <a:schemeClr val="accent2"/>
                 </a:solidFill>
                 <a:latin typeface="Lucida Sans Typewriter" pitchFamily="49" charset="0"/>
               </a:rPr>
-              <a:t> o){</a:t>
+              <a:t>();</a:t>
             </a:r>
             <a:br>
-              <a:rPr lang="en-US" sz="2000" b="1" dirty="0" smtClean="0">
-                <a:solidFill>
-                  <a:schemeClr val="accent3"/>
+              <a:rPr lang="en-US" b="1" dirty="0" smtClean="0">
+                <a:solidFill>
+                  <a:schemeClr val="accent2"/>
                 </a:solidFill>
                 <a:latin typeface="Lucida Sans Typewriter" pitchFamily="49" charset="0"/>
               </a:rPr>
             </a:br>
             <a:r>
-              <a:rPr lang="en-US" sz="2000" b="1" dirty="0" smtClean="0">
-                <a:solidFill>
-                  <a:schemeClr val="accent3"/>
+              <a:rPr lang="en-US" b="1" dirty="0" err="1" smtClean="0">
+                <a:solidFill>
+                  <a:schemeClr val="accent2"/>
                 </a:solidFill>
                 <a:latin typeface="Lucida Sans Typewriter" pitchFamily="49" charset="0"/>
               </a:rPr>
-              <a:t>    </a:t>
-            </a:r>
-            <a:r>
-              <a:rPr lang="en-US" sz="2000" b="1" dirty="0" err="1" smtClean="0">
-                <a:solidFill>
-                  <a:schemeClr val="accent3"/>
+              <a:t>ca.deductFees</a:t>
+            </a:r>
+            <a:r>
+              <a:rPr lang="en-US" b="1" dirty="0" smtClean="0">
+                <a:solidFill>
+                  <a:schemeClr val="accent2"/>
                 </a:solidFill>
                 <a:latin typeface="Lucida Sans Typewriter" pitchFamily="49" charset="0"/>
               </a:rPr>
-              <a:t>this.withdraw</a:t>
-            </a:r>
-            <a:r>
-              <a:rPr lang="en-US" sz="2000" b="1" dirty="0" smtClean="0">
-                <a:solidFill>
-                  <a:schemeClr val="accent3"/>
-                </a:solidFill>
-                <a:latin typeface="Lucida Sans Typewriter" pitchFamily="49" charset="0"/>
-              </a:rPr>
-              <a:t>(amount);</a:t>
-            </a:r>
-            <a:br>
-              <a:rPr lang="en-US" sz="2000" b="1" dirty="0" smtClean="0">
-                <a:solidFill>
-                  <a:schemeClr val="accent3"/>
-                </a:solidFill>
-                <a:latin typeface="Lucida Sans Typewriter" pitchFamily="49" charset="0"/>
-              </a:rPr>
-            </a:br>
-            <a:r>
-              <a:rPr lang="en-US" sz="2000" b="1" dirty="0" smtClean="0">
-                <a:solidFill>
-                  <a:schemeClr val="accent3"/>
-                </a:solidFill>
-                <a:latin typeface="Lucida Sans Typewriter" pitchFamily="49" charset="0"/>
-              </a:rPr>
-              <a:t>    </a:t>
-            </a:r>
-            <a:r>
-              <a:rPr lang="en-US" sz="2000" b="1" dirty="0" err="1" smtClean="0">
-                <a:solidFill>
-                  <a:schemeClr val="accent3"/>
-                </a:solidFill>
-                <a:latin typeface="Lucida Sans Typewriter" pitchFamily="49" charset="0"/>
-              </a:rPr>
-              <a:t>o.deposit</a:t>
-            </a:r>
-            <a:r>
-              <a:rPr lang="en-US" sz="2000" b="1" dirty="0" smtClean="0">
-                <a:solidFill>
-                  <a:schemeClr val="accent3"/>
-                </a:solidFill>
-                <a:latin typeface="Lucida Sans Typewriter" pitchFamily="49" charset="0"/>
-              </a:rPr>
-              <a:t>(amount);</a:t>
-            </a:r>
-            <a:br>
-              <a:rPr lang="en-US" sz="2000" b="1" dirty="0" smtClean="0">
-                <a:solidFill>
-                  <a:schemeClr val="accent3"/>
-                </a:solidFill>
-                <a:latin typeface="Lucida Sans Typewriter" pitchFamily="49" charset="0"/>
-              </a:rPr>
-            </a:br>
-            <a:r>
-              <a:rPr lang="en-US" sz="2000" b="1" dirty="0" smtClean="0">
-                <a:solidFill>
-                  <a:schemeClr val="accent3"/>
-                </a:solidFill>
-                <a:latin typeface="Lucida Sans Typewriter" pitchFamily="49" charset="0"/>
-              </a:rPr>
-              <a:t>}</a:t>
-            </a:r>
+              <a:t>();</a:t>
+            </a:r>
+          </a:p>
+          <a:p>
+            <a:pPr lvl="1">
+              <a:defRPr/>
+            </a:pPr>
+            <a:endParaRPr lang="en-US" dirty="0" smtClean="0"/>
+          </a:p>
+          <a:p>
+            <a:pPr>
+              <a:defRPr/>
+            </a:pPr>
             <a:r>
               <a:rPr lang="en-US" dirty="0" smtClean="0"/>
-              <a:t/>
-            </a:r>
-            <a:br>
-              <a:rPr lang="en-US" dirty="0" smtClean="0"/>
-            </a:br>
-            <a:r>
-              <a:rPr lang="en-US" dirty="0" smtClean="0"/>
-              <a:t>in </a:t>
-            </a:r>
-            <a:r>
-              <a:rPr lang="en-US" dirty="0" err="1" smtClean="0"/>
-              <a:t>BankAccount</a:t>
-            </a:r>
-            <a:endParaRPr lang="en-US" dirty="0" smtClean="0"/>
-          </a:p>
-          <a:p>
-            <a:pPr>
-              <a:defRPr/>
-            </a:pPr>
-            <a:r>
-              <a:rPr lang="en-US" dirty="0" smtClean="0"/>
-              <a:t>To transfer between different accounts:</a:t>
-            </a:r>
-          </a:p>
-          <a:p>
-            <a:pPr lvl="1">
-              <a:defRPr/>
-            </a:pPr>
-            <a:r>
-              <a:rPr lang="en-US" sz="2000" b="1" dirty="0" err="1" smtClean="0">
-                <a:solidFill>
-                  <a:schemeClr val="accent3"/>
-                </a:solidFill>
-                <a:latin typeface="Lucida Sans Typewriter" pitchFamily="49" charset="0"/>
-              </a:rPr>
-              <a:t>SavingsAccount</a:t>
-            </a:r>
-            <a:r>
-              <a:rPr lang="en-US" sz="2000" b="1" dirty="0" smtClean="0">
-                <a:solidFill>
-                  <a:schemeClr val="accent3"/>
-                </a:solidFill>
-                <a:latin typeface="Lucida Sans Typewriter" pitchFamily="49" charset="0"/>
-              </a:rPr>
-              <a:t> </a:t>
-            </a:r>
-            <a:r>
-              <a:rPr lang="en-US" sz="2000" b="1" dirty="0" err="1" smtClean="0">
-                <a:solidFill>
-                  <a:schemeClr val="accent3"/>
-                </a:solidFill>
-                <a:latin typeface="Lucida Sans Typewriter" pitchFamily="49" charset="0"/>
-              </a:rPr>
-              <a:t>sa</a:t>
-            </a:r>
-            <a:r>
-              <a:rPr lang="en-US" sz="2000" b="1" dirty="0" smtClean="0">
-                <a:solidFill>
-                  <a:schemeClr val="accent3"/>
-                </a:solidFill>
-                <a:latin typeface="Lucida Sans Typewriter" pitchFamily="49" charset="0"/>
-              </a:rPr>
-              <a:t> = …;</a:t>
-            </a:r>
-          </a:p>
-          <a:p>
-            <a:pPr lvl="1">
-              <a:defRPr/>
-            </a:pPr>
-            <a:r>
-              <a:rPr lang="en-US" sz="2000" b="1" dirty="0" err="1" smtClean="0">
-                <a:solidFill>
-                  <a:schemeClr val="accent3"/>
-                </a:solidFill>
-                <a:latin typeface="Lucida Sans Typewriter" pitchFamily="49" charset="0"/>
-              </a:rPr>
-              <a:t>CheckingAccount</a:t>
-            </a:r>
-            <a:r>
-              <a:rPr lang="en-US" sz="2000" b="1" dirty="0" smtClean="0">
-                <a:solidFill>
-                  <a:schemeClr val="accent3"/>
-                </a:solidFill>
-                <a:latin typeface="Lucida Sans Typewriter" pitchFamily="49" charset="0"/>
-              </a:rPr>
-              <a:t> ca = …;</a:t>
-            </a:r>
-          </a:p>
-          <a:p>
-            <a:pPr lvl="1">
-              <a:defRPr/>
-            </a:pPr>
-            <a:r>
-              <a:rPr lang="en-US" sz="2000" b="1" dirty="0" err="1" smtClean="0">
-                <a:solidFill>
-                  <a:schemeClr val="accent3"/>
-                </a:solidFill>
-                <a:latin typeface="Lucida Sans Typewriter" pitchFamily="49" charset="0"/>
-              </a:rPr>
-              <a:t>sa.transfer</a:t>
-            </a:r>
-            <a:r>
-              <a:rPr lang="en-US" sz="2000" b="1" dirty="0" smtClean="0">
-                <a:solidFill>
-                  <a:schemeClr val="accent3"/>
-                </a:solidFill>
-                <a:latin typeface="Lucida Sans Typewriter" pitchFamily="49" charset="0"/>
-              </a:rPr>
-              <a:t>(100, ca);</a:t>
-            </a:r>
-            <a:endParaRPr lang="en-US" sz="2000" dirty="0"/>
+              <a:t>Why not?</a:t>
+            </a:r>
+          </a:p>
+        </p:txBody>
+      </p:sp>
+      <p:sp>
+        <p:nvSpPr>
+          <p:cNvPr id="4" name="Line Callout 2 3"/>
+          <p:cNvSpPr/>
+          <p:nvPr/>
+        </p:nvSpPr>
+        <p:spPr>
+          <a:xfrm>
+            <a:off x="5334000" y="4991100"/>
+            <a:ext cx="1905000" cy="1016000"/>
+          </a:xfrm>
+          <a:prstGeom prst="borderCallout2">
+            <a:avLst>
+              <a:gd name="adj1" fmla="val 18750"/>
+              <a:gd name="adj2" fmla="val -8333"/>
+              <a:gd name="adj3" fmla="val 18750"/>
+              <a:gd name="adj4" fmla="val -16667"/>
+              <a:gd name="adj5" fmla="val -56448"/>
+              <a:gd name="adj6" fmla="val -58870"/>
+            </a:avLst>
+          </a:prstGeom>
+        </p:spPr>
+        <p:style>
+          <a:lnRef idx="1">
+            <a:schemeClr val="accent2"/>
+          </a:lnRef>
+          <a:fillRef idx="3">
+            <a:schemeClr val="accent2"/>
+          </a:fillRef>
+          <a:effectRef idx="2">
+            <a:schemeClr val="accent2"/>
+          </a:effectRef>
+          <a:fontRef idx="minor">
+            <a:schemeClr val="lt1"/>
+          </a:fontRef>
+        </p:style>
+        <p:txBody>
+          <a:bodyPr anchor="ctr"/>
+          <a:lstStyle/>
+          <a:p>
+            <a:pPr algn="ctr">
+              <a:defRPr/>
+            </a:pPr>
+            <a:r>
+              <a:rPr lang="en-US" sz="2800" dirty="0"/>
+              <a:t>BOOM!</a:t>
+            </a:r>
+          </a:p>
+        </p:txBody>
+      </p:sp>
+      <p:sp>
+        <p:nvSpPr>
+          <p:cNvPr id="7" name="Rectangle 9"/>
+          <p:cNvSpPr>
+            <a:spLocks/>
+          </p:cNvSpPr>
+          <p:nvPr/>
+        </p:nvSpPr>
+        <p:spPr bwMode="auto">
+          <a:xfrm>
+            <a:off x="8432800" y="6334564"/>
+            <a:ext cx="558800" cy="419100"/>
+          </a:xfrm>
+          <a:prstGeom prst="rect">
+            <a:avLst/>
+          </a:prstGeom>
+          <a:ln>
+            <a:headEnd/>
+            <a:tailEnd/>
+          </a:ln>
+        </p:spPr>
+        <p:style>
+          <a:lnRef idx="2">
+            <a:schemeClr val="accent3">
+              <a:shade val="50000"/>
+            </a:schemeClr>
+          </a:lnRef>
+          <a:fillRef idx="1">
+            <a:schemeClr val="accent3"/>
+          </a:fillRef>
+          <a:effectRef idx="0">
+            <a:schemeClr val="accent3"/>
+          </a:effectRef>
+          <a:fontRef idx="minor">
+            <a:schemeClr val="lt1"/>
+          </a:fontRef>
+        </p:style>
+        <p:txBody>
+          <a:bodyPr lIns="0" tIns="0" rIns="0" bIns="0" anchor="ctr"/>
+          <a:lstStyle/>
+          <a:p>
+            <a:pPr algn="ctr">
+              <a:defRPr/>
+            </a:pPr>
+            <a:r>
+              <a:rPr lang="en-US" sz="1800" dirty="0" smtClean="0">
+                <a:solidFill>
+                  <a:schemeClr val="bg1"/>
+                </a:solidFill>
+                <a:cs typeface="Arial" pitchFamily="34" charset="0"/>
+                <a:sym typeface="Arial" pitchFamily="34" charset="0"/>
+              </a:rPr>
+              <a:t>Q6</a:t>
+            </a:r>
+            <a:endParaRPr lang="en-US" sz="1800" dirty="0">
+              <a:solidFill>
+                <a:schemeClr val="bg1"/>
+              </a:solidFill>
+              <a:cs typeface="Arial" pitchFamily="34" charset="0"/>
+              <a:sym typeface="Arial" pitchFamily="34" charset="0"/>
+            </a:endParaRPr>
           </a:p>
         </p:txBody>
       </p:sp>
@@ -8924,7 +8718,7 @@
             </a:pPr>
             <a:r>
               <a:rPr lang="en-US" dirty="0" smtClean="0"/>
-              <a:t>Access Modifiers</a:t>
+              <a:t>Another Example</a:t>
             </a:r>
             <a:endParaRPr lang="en-US" dirty="0"/>
           </a:p>
@@ -8942,142 +8736,200 @@
         </p:nvSpPr>
         <p:spPr/>
         <p:txBody>
-          <a:bodyPr>
-            <a:normAutofit fontScale="85000" lnSpcReduction="20000"/>
-          </a:bodyPr>
-          <a:lstStyle/>
+          <a:bodyPr/>
+          <a:lstStyle/>
+          <a:p>
+            <a:pPr>
+              <a:defRPr/>
+            </a:pPr>
+            <a:r>
+              <a:rPr lang="en-US" dirty="0" smtClean="0"/>
+              <a:t>Can use:</a:t>
+            </a:r>
+          </a:p>
           <a:p>
             <a:pPr lvl="1">
               <a:defRPr/>
             </a:pPr>
             <a:r>
-              <a:rPr lang="en-US" b="1" dirty="0" smtClean="0">
+              <a:rPr lang="en-US" sz="2000" b="1" dirty="0" smtClean="0">
                 <a:solidFill>
                   <a:schemeClr val="accent3"/>
                 </a:solidFill>
                 <a:latin typeface="Lucida Sans Typewriter" pitchFamily="49" charset="0"/>
               </a:rPr>
-              <a:t>public</a:t>
+              <a:t>public void transfer(double amount, </a:t>
+            </a:r>
+            <a:r>
+              <a:rPr lang="en-US" sz="2000" b="1" dirty="0" err="1" smtClean="0">
+                <a:solidFill>
+                  <a:schemeClr val="accent3"/>
+                </a:solidFill>
+                <a:latin typeface="Lucida Sans Typewriter" pitchFamily="49" charset="0"/>
+              </a:rPr>
+              <a:t>BankAccount</a:t>
+            </a:r>
+            <a:r>
+              <a:rPr lang="en-US" sz="2000" b="1" dirty="0" smtClean="0">
+                <a:solidFill>
+                  <a:schemeClr val="accent3"/>
+                </a:solidFill>
+                <a:latin typeface="Lucida Sans Typewriter" pitchFamily="49" charset="0"/>
+              </a:rPr>
+              <a:t> o){</a:t>
+            </a:r>
+            <a:br>
+              <a:rPr lang="en-US" sz="2000" b="1" dirty="0" smtClean="0">
+                <a:solidFill>
+                  <a:schemeClr val="accent3"/>
+                </a:solidFill>
+                <a:latin typeface="Lucida Sans Typewriter" pitchFamily="49" charset="0"/>
+              </a:rPr>
+            </a:br>
+            <a:r>
+              <a:rPr lang="en-US" sz="2000" b="1" dirty="0" smtClean="0">
+                <a:solidFill>
+                  <a:schemeClr val="accent3"/>
+                </a:solidFill>
+                <a:latin typeface="Lucida Sans Typewriter" pitchFamily="49" charset="0"/>
+              </a:rPr>
+              <a:t>    </a:t>
+            </a:r>
+            <a:r>
+              <a:rPr lang="en-US" sz="2000" b="1" dirty="0" err="1" smtClean="0">
+                <a:solidFill>
+                  <a:schemeClr val="accent3"/>
+                </a:solidFill>
+                <a:latin typeface="Lucida Sans Typewriter" pitchFamily="49" charset="0"/>
+              </a:rPr>
+              <a:t>this.withdraw</a:t>
+            </a:r>
+            <a:r>
+              <a:rPr lang="en-US" sz="2000" b="1" dirty="0" smtClean="0">
+                <a:solidFill>
+                  <a:schemeClr val="accent3"/>
+                </a:solidFill>
+                <a:latin typeface="Lucida Sans Typewriter" pitchFamily="49" charset="0"/>
+              </a:rPr>
+              <a:t>(amount);</a:t>
+            </a:r>
+            <a:br>
+              <a:rPr lang="en-US" sz="2000" b="1" dirty="0" smtClean="0">
+                <a:solidFill>
+                  <a:schemeClr val="accent3"/>
+                </a:solidFill>
+                <a:latin typeface="Lucida Sans Typewriter" pitchFamily="49" charset="0"/>
+              </a:rPr>
+            </a:br>
+            <a:r>
+              <a:rPr lang="en-US" sz="2000" b="1" dirty="0" smtClean="0">
+                <a:solidFill>
+                  <a:schemeClr val="accent3"/>
+                </a:solidFill>
+                <a:latin typeface="Lucida Sans Typewriter" pitchFamily="49" charset="0"/>
+              </a:rPr>
+              <a:t>    </a:t>
+            </a:r>
+            <a:r>
+              <a:rPr lang="en-US" sz="2000" b="1" dirty="0" err="1" smtClean="0">
+                <a:solidFill>
+                  <a:schemeClr val="accent3"/>
+                </a:solidFill>
+                <a:latin typeface="Lucida Sans Typewriter" pitchFamily="49" charset="0"/>
+              </a:rPr>
+              <a:t>o.deposit</a:t>
+            </a:r>
+            <a:r>
+              <a:rPr lang="en-US" sz="2000" b="1" dirty="0" smtClean="0">
+                <a:solidFill>
+                  <a:schemeClr val="accent3"/>
+                </a:solidFill>
+                <a:latin typeface="Lucida Sans Typewriter" pitchFamily="49" charset="0"/>
+              </a:rPr>
+              <a:t>(amount);</a:t>
+            </a:r>
+            <a:br>
+              <a:rPr lang="en-US" sz="2000" b="1" dirty="0" smtClean="0">
+                <a:solidFill>
+                  <a:schemeClr val="accent3"/>
+                </a:solidFill>
+                <a:latin typeface="Lucida Sans Typewriter" pitchFamily="49" charset="0"/>
+              </a:rPr>
+            </a:br>
+            <a:r>
+              <a:rPr lang="en-US" sz="2000" b="1" dirty="0" smtClean="0">
+                <a:solidFill>
+                  <a:schemeClr val="accent3"/>
+                </a:solidFill>
+                <a:latin typeface="Lucida Sans Typewriter" pitchFamily="49" charset="0"/>
+              </a:rPr>
+              <a:t>}</a:t>
             </a:r>
             <a:r>
               <a:rPr lang="en-US" dirty="0" smtClean="0"/>
-              <a:t>—any code can see it</a:t>
-            </a:r>
-          </a:p>
-          <a:p>
-            <a:pPr lvl="1">
-              <a:defRPr/>
-            </a:pPr>
-            <a:r>
-              <a:rPr lang="en-US" b="1" dirty="0" smtClean="0">
-                <a:solidFill>
-                  <a:schemeClr val="accent3"/>
-                </a:solidFill>
-                <a:latin typeface="Lucida Sans Typewriter" pitchFamily="49" charset="0"/>
-              </a:rPr>
-              <a:t>protected</a:t>
-            </a:r>
-            <a:r>
-              <a:rPr lang="en-US" dirty="0" smtClean="0"/>
-              <a:t>— package and subclasses can see it</a:t>
-            </a:r>
-          </a:p>
-          <a:p>
-            <a:pPr lvl="1">
-              <a:defRPr/>
-            </a:pPr>
-            <a:r>
-              <a:rPr lang="en-US" b="1" dirty="0" smtClean="0">
-                <a:solidFill>
-                  <a:schemeClr val="accent3"/>
-                </a:solidFill>
-                <a:latin typeface="Lucida Sans Typewriter" pitchFamily="49" charset="0"/>
-              </a:rPr>
-              <a:t>default</a:t>
-            </a:r>
-            <a:r>
-              <a:rPr lang="en-US" dirty="0" smtClean="0"/>
-              <a:t>—anything in the package can see it</a:t>
-            </a:r>
-            <a:endParaRPr lang="en-US" b="1" dirty="0" smtClean="0">
-              <a:solidFill>
-                <a:schemeClr val="accent3"/>
-              </a:solidFill>
-              <a:latin typeface="Lucida Sans Typewriter" pitchFamily="49" charset="0"/>
-            </a:endParaRPr>
-          </a:p>
-          <a:p>
-            <a:pPr lvl="1">
-              <a:defRPr/>
-            </a:pPr>
-            <a:r>
-              <a:rPr lang="en-US" b="1" dirty="0" smtClean="0">
-                <a:solidFill>
-                  <a:schemeClr val="accent3"/>
-                </a:solidFill>
-                <a:latin typeface="Lucida Sans Typewriter" pitchFamily="49" charset="0"/>
-              </a:rPr>
-              <a:t>private</a:t>
-            </a:r>
-            <a:r>
-              <a:rPr lang="en-US" dirty="0" smtClean="0"/>
-              <a:t>—only the class itself can see it</a:t>
-            </a:r>
-          </a:p>
-          <a:p>
-            <a:pPr lvl="1">
-              <a:defRPr/>
-            </a:pPr>
-            <a:endParaRPr lang="en-US" dirty="0" smtClean="0"/>
-          </a:p>
-          <a:p>
-            <a:pPr>
-              <a:defRPr/>
-            </a:pPr>
-            <a:r>
-              <a:rPr lang="en-US" dirty="0" smtClean="0"/>
-              <a:t>Notes:</a:t>
-            </a:r>
-          </a:p>
-          <a:p>
-            <a:pPr lvl="1">
-              <a:defRPr/>
-            </a:pPr>
-            <a:r>
-              <a:rPr lang="en-US" b="1" dirty="0" smtClean="0"/>
-              <a:t>default</a:t>
-            </a:r>
-            <a:r>
-              <a:rPr lang="en-US" dirty="0" smtClean="0"/>
-              <a:t> (i.e., no modifier)—only code </a:t>
+              <a:t/>
             </a:r>
             <a:br>
               <a:rPr lang="en-US" dirty="0" smtClean="0"/>
             </a:br>
             <a:r>
               <a:rPr lang="en-US" dirty="0" smtClean="0"/>
-              <a:t>in the same </a:t>
-            </a:r>
-            <a:r>
-              <a:rPr lang="en-US" b="1" dirty="0" smtClean="0">
+              <a:t>in </a:t>
+            </a:r>
+            <a:r>
+              <a:rPr lang="en-US" dirty="0" err="1" smtClean="0"/>
+              <a:t>BankAccount</a:t>
+            </a:r>
+            <a:endParaRPr lang="en-US" dirty="0" smtClean="0"/>
+          </a:p>
+          <a:p>
+            <a:pPr>
+              <a:defRPr/>
+            </a:pPr>
+            <a:r>
+              <a:rPr lang="en-US" dirty="0" smtClean="0"/>
+              <a:t>To transfer between different accounts:</a:t>
+            </a:r>
+          </a:p>
+          <a:p>
+            <a:pPr lvl="1">
+              <a:defRPr/>
+            </a:pPr>
+            <a:r>
+              <a:rPr lang="en-US" sz="2000" b="1" dirty="0" err="1" smtClean="0">
                 <a:solidFill>
                   <a:schemeClr val="accent3"/>
                 </a:solidFill>
-              </a:rPr>
-              <a:t>package</a:t>
-            </a:r>
-            <a:r>
-              <a:rPr lang="en-US" dirty="0" smtClean="0"/>
-              <a:t> can see it</a:t>
-            </a:r>
-          </a:p>
-          <a:p>
-            <a:pPr lvl="2">
-              <a:defRPr/>
-            </a:pPr>
-            <a:r>
-              <a:rPr lang="en-US" dirty="0" smtClean="0"/>
-              <a:t>good choice for classes</a:t>
+                <a:latin typeface="Lucida Sans Typewriter" pitchFamily="49" charset="0"/>
+              </a:rPr>
+              <a:t>SavingsAccount</a:t>
+            </a:r>
+            <a:r>
+              <a:rPr lang="en-US" sz="2000" b="1" dirty="0" smtClean="0">
+                <a:solidFill>
+                  <a:schemeClr val="accent3"/>
+                </a:solidFill>
+                <a:latin typeface="Lucida Sans Typewriter" pitchFamily="49" charset="0"/>
+              </a:rPr>
+              <a:t> </a:t>
+            </a:r>
+            <a:r>
+              <a:rPr lang="en-US" sz="2000" b="1" dirty="0" err="1" smtClean="0">
+                <a:solidFill>
+                  <a:schemeClr val="accent3"/>
+                </a:solidFill>
+                <a:latin typeface="Lucida Sans Typewriter" pitchFamily="49" charset="0"/>
+              </a:rPr>
+              <a:t>sa</a:t>
+            </a:r>
+            <a:r>
+              <a:rPr lang="en-US" sz="2000" b="1" dirty="0" smtClean="0">
+                <a:solidFill>
+                  <a:schemeClr val="accent3"/>
+                </a:solidFill>
+                <a:latin typeface="Lucida Sans Typewriter" pitchFamily="49" charset="0"/>
+              </a:rPr>
+              <a:t> = …;</a:t>
             </a:r>
           </a:p>
           <a:p>
@@ -9085,182 +8937,47 @@
               <a:defRPr/>
             </a:pPr>
             <a:r>
-              <a:rPr lang="en-US" b="1" dirty="0" smtClean="0">
+              <a:rPr lang="en-US" sz="2000" b="1" dirty="0" err="1" smtClean="0">
                 <a:solidFill>
                   <a:schemeClr val="accent3"/>
                 </a:solidFill>
                 <a:latin typeface="Lucida Sans Typewriter" pitchFamily="49" charset="0"/>
               </a:rPr>
-              <a:t>protected</a:t>
-            </a:r>
-            <a:r>
-              <a:rPr lang="en-US" dirty="0" smtClean="0"/>
-              <a:t>—like default, but </a:t>
-            </a:r>
-            <a:br>
-              <a:rPr lang="en-US" dirty="0" smtClean="0"/>
-            </a:br>
-            <a:r>
-              <a:rPr lang="en-US" dirty="0" smtClean="0"/>
-              <a:t>subclasses also have access</a:t>
-            </a:r>
-          </a:p>
-          <a:p>
-            <a:pPr lvl="2">
-              <a:defRPr/>
-            </a:pPr>
-            <a:r>
-              <a:rPr lang="en-US" dirty="0" smtClean="0"/>
-              <a:t>sometimes useful for helper methods</a:t>
-            </a:r>
-            <a:endParaRPr lang="en-US" dirty="0"/>
-          </a:p>
-        </p:txBody>
-      </p:sp>
-      <p:sp>
-        <p:nvSpPr>
-          <p:cNvPr id="5" name="Right Brace 4"/>
-          <p:cNvSpPr/>
-          <p:nvPr/>
-        </p:nvSpPr>
-        <p:spPr>
-          <a:xfrm>
-            <a:off x="6553200" y="3505200"/>
-            <a:ext cx="533400" cy="2501900"/>
-          </a:xfrm>
-          <a:prstGeom prst="rightBrace">
-            <a:avLst/>
-          </a:prstGeom>
-        </p:spPr>
-        <p:style>
-          <a:lnRef idx="1">
-            <a:schemeClr val="accent2"/>
-          </a:lnRef>
-          <a:fillRef idx="0">
-            <a:schemeClr val="accent2"/>
-          </a:fillRef>
-          <a:effectRef idx="0">
-            <a:schemeClr val="accent2"/>
-          </a:effectRef>
-          <a:fontRef idx="minor">
-            <a:schemeClr val="tx1"/>
-          </a:fontRef>
-        </p:style>
-        <p:txBody>
-          <a:bodyPr anchor="ctr"/>
-          <a:lstStyle/>
-          <a:p>
-            <a:pPr algn="ctr">
-              <a:defRPr/>
-            </a:pPr>
-            <a:endParaRPr lang="en-US"/>
-          </a:p>
-        </p:txBody>
-      </p:sp>
-      <p:sp>
-        <p:nvSpPr>
-          <p:cNvPr id="6" name="Rounded Rectangle 5"/>
-          <p:cNvSpPr/>
-          <p:nvPr/>
-        </p:nvSpPr>
-        <p:spPr>
-          <a:xfrm>
-            <a:off x="7162800" y="3733800"/>
-            <a:ext cx="1371600" cy="2057400"/>
-          </a:xfrm>
-          <a:prstGeom prst="roundRect">
-            <a:avLst/>
-          </a:prstGeom>
-        </p:spPr>
-        <p:style>
-          <a:lnRef idx="1">
-            <a:schemeClr val="accent2"/>
-          </a:lnRef>
-          <a:fillRef idx="3">
-            <a:schemeClr val="accent2"/>
-          </a:fillRef>
-          <a:effectRef idx="2">
-            <a:schemeClr val="accent2"/>
-          </a:effectRef>
-          <a:fontRef idx="minor">
-            <a:schemeClr val="lt1"/>
-          </a:fontRef>
-        </p:style>
-        <p:txBody>
-          <a:bodyPr anchor="ctr"/>
-          <a:lstStyle/>
-          <a:p>
-            <a:pPr algn="ctr">
-              <a:defRPr/>
-            </a:pPr>
-            <a:r>
-              <a:rPr lang="en-US" sz="2800" dirty="0"/>
-              <a:t>Bad for fields!</a:t>
-            </a:r>
-          </a:p>
-        </p:txBody>
-      </p:sp>
-      <p:sp>
-        <p:nvSpPr>
-          <p:cNvPr id="8" name="Rectangle 9"/>
-          <p:cNvSpPr>
-            <a:spLocks/>
-          </p:cNvSpPr>
-          <p:nvPr/>
-        </p:nvSpPr>
-        <p:spPr bwMode="auto">
-          <a:xfrm>
-            <a:off x="8432800" y="6334564"/>
-            <a:ext cx="558800" cy="419100"/>
-          </a:xfrm>
-          <a:prstGeom prst="rect">
-            <a:avLst/>
-          </a:prstGeom>
-          <a:ln>
-            <a:headEnd/>
-            <a:tailEnd/>
-          </a:ln>
-        </p:spPr>
-        <p:style>
-          <a:lnRef idx="2">
-            <a:schemeClr val="accent3">
-              <a:shade val="50000"/>
-            </a:schemeClr>
-          </a:lnRef>
-          <a:fillRef idx="1">
-            <a:schemeClr val="accent3"/>
-          </a:fillRef>
-          <a:effectRef idx="0">
-            <a:schemeClr val="accent3"/>
-          </a:effectRef>
-          <a:fontRef idx="minor">
-            <a:schemeClr val="lt1"/>
-          </a:fontRef>
-        </p:style>
-        <p:txBody>
-          <a:bodyPr lIns="0" tIns="0" rIns="0" bIns="0" anchor="ctr"/>
-          <a:lstStyle/>
-          <a:p>
-            <a:pPr algn="ctr">
-              <a:defRPr/>
-            </a:pPr>
-            <a:r>
-              <a:rPr lang="en-US" sz="1800" dirty="0" smtClean="0">
-                <a:solidFill>
-                  <a:schemeClr val="bg1"/>
-                </a:solidFill>
-                <a:cs typeface="Arial" pitchFamily="34" charset="0"/>
-                <a:sym typeface="Arial" pitchFamily="34" charset="0"/>
-              </a:rPr>
-              <a:t>Q7</a:t>
-            </a:r>
-            <a:endParaRPr lang="en-US" sz="1800" dirty="0">
-              <a:solidFill>
-                <a:schemeClr val="bg1"/>
-              </a:solidFill>
-              <a:cs typeface="Arial" pitchFamily="34" charset="0"/>
-              <a:sym typeface="Arial" pitchFamily="34" charset="0"/>
-            </a:endParaRPr>
+              <a:t>CheckingAccount</a:t>
+            </a:r>
+            <a:r>
+              <a:rPr lang="en-US" sz="2000" b="1" dirty="0" smtClean="0">
+                <a:solidFill>
+                  <a:schemeClr val="accent3"/>
+                </a:solidFill>
+                <a:latin typeface="Lucida Sans Typewriter" pitchFamily="49" charset="0"/>
+              </a:rPr>
+              <a:t> ca = …;</a:t>
+            </a:r>
+          </a:p>
+          <a:p>
+            <a:pPr lvl="1">
+              <a:defRPr/>
+            </a:pPr>
+            <a:r>
+              <a:rPr lang="en-US" sz="2000" b="1" dirty="0" err="1" smtClean="0">
+                <a:solidFill>
+                  <a:schemeClr val="accent3"/>
+                </a:solidFill>
+                <a:latin typeface="Lucida Sans Typewriter" pitchFamily="49" charset="0"/>
+              </a:rPr>
+              <a:t>sa.transfer</a:t>
+            </a:r>
+            <a:r>
+              <a:rPr lang="en-US" sz="2000" b="1" dirty="0" smtClean="0">
+                <a:solidFill>
+                  <a:schemeClr val="accent3"/>
+                </a:solidFill>
+                <a:latin typeface="Lucida Sans Typewriter" pitchFamily="49" charset="0"/>
+              </a:rPr>
+              <a:t>(100, ca);</a:t>
+            </a:r>
+            <a:endParaRPr lang="en-US" sz="2000" dirty="0"/>
           </a:p>
         </p:txBody>
       </p:sp>
@@ -9298,6 +9015,398 @@
       </p:grpSpPr>
       <p:sp>
         <p:nvSpPr>
+          <p:cNvPr id="3" name="Title 2"/>
+          <p:cNvSpPr>
+            <a:spLocks noGrp="1"/>
+          </p:cNvSpPr>
+          <p:nvPr>
+            <p:ph type="title"/>
+          </p:nvPr>
+        </p:nvSpPr>
+        <p:spPr/>
+        <p:txBody>
+          <a:bodyPr/>
+          <a:lstStyle/>
+          <a:p>
+            <a:pPr>
+              <a:defRPr/>
+            </a:pPr>
+            <a:r>
+              <a:rPr lang="en-US" dirty="0" smtClean="0"/>
+              <a:t>Access Modifiers</a:t>
+            </a:r>
+            <a:endParaRPr lang="en-US" dirty="0"/>
+          </a:p>
+        </p:txBody>
+      </p:sp>
+      <p:sp>
+        <p:nvSpPr>
+          <p:cNvPr id="2" name="Content Placeholder 1"/>
+          <p:cNvSpPr>
+            <a:spLocks noGrp="1"/>
+          </p:cNvSpPr>
+          <p:nvPr>
+            <p:ph idx="1"/>
+          </p:nvPr>
+        </p:nvSpPr>
+        <p:spPr/>
+        <p:txBody>
+          <a:bodyPr>
+            <a:normAutofit fontScale="85000" lnSpcReduction="20000"/>
+          </a:bodyPr>
+          <a:lstStyle/>
+          <a:p>
+            <a:pPr lvl="1">
+              <a:defRPr/>
+            </a:pPr>
+            <a:r>
+              <a:rPr lang="en-US" b="1" dirty="0" smtClean="0">
+                <a:solidFill>
+                  <a:schemeClr val="accent3"/>
+                </a:solidFill>
+                <a:latin typeface="Lucida Sans Typewriter" pitchFamily="49" charset="0"/>
+              </a:rPr>
+              <a:t>public</a:t>
+            </a:r>
+            <a:r>
+              <a:rPr lang="en-US" dirty="0" smtClean="0"/>
+              <a:t>—any code can see it</a:t>
+            </a:r>
+          </a:p>
+          <a:p>
+            <a:pPr lvl="1">
+              <a:defRPr/>
+            </a:pPr>
+            <a:r>
+              <a:rPr lang="en-US" b="1" dirty="0" smtClean="0">
+                <a:solidFill>
+                  <a:schemeClr val="accent3"/>
+                </a:solidFill>
+                <a:latin typeface="Lucida Sans Typewriter" pitchFamily="49" charset="0"/>
+              </a:rPr>
+              <a:t>protected</a:t>
+            </a:r>
+            <a:r>
+              <a:rPr lang="en-US" dirty="0" smtClean="0"/>
+              <a:t>— package and subclasses can see it</a:t>
+            </a:r>
+          </a:p>
+          <a:p>
+            <a:pPr lvl="1">
+              <a:defRPr/>
+            </a:pPr>
+            <a:r>
+              <a:rPr lang="en-US" b="1" dirty="0" smtClean="0">
+                <a:solidFill>
+                  <a:schemeClr val="accent3"/>
+                </a:solidFill>
+                <a:latin typeface="Lucida Sans Typewriter" pitchFamily="49" charset="0"/>
+              </a:rPr>
+              <a:t>default</a:t>
+            </a:r>
+            <a:r>
+              <a:rPr lang="en-US" dirty="0" smtClean="0"/>
+              <a:t>—anything in the package can see it</a:t>
+            </a:r>
+            <a:endParaRPr lang="en-US" b="1" dirty="0" smtClean="0">
+              <a:solidFill>
+                <a:schemeClr val="accent3"/>
+              </a:solidFill>
+              <a:latin typeface="Lucida Sans Typewriter" pitchFamily="49" charset="0"/>
+            </a:endParaRPr>
+          </a:p>
+          <a:p>
+            <a:pPr lvl="1">
+              <a:defRPr/>
+            </a:pPr>
+            <a:r>
+              <a:rPr lang="en-US" b="1" dirty="0" smtClean="0">
+                <a:solidFill>
+                  <a:schemeClr val="accent3"/>
+                </a:solidFill>
+                <a:latin typeface="Lucida Sans Typewriter" pitchFamily="49" charset="0"/>
+              </a:rPr>
+              <a:t>private</a:t>
+            </a:r>
+            <a:r>
+              <a:rPr lang="en-US" dirty="0" smtClean="0"/>
+              <a:t>—only the class itself can see it</a:t>
+            </a:r>
+          </a:p>
+          <a:p>
+            <a:pPr lvl="1">
+              <a:defRPr/>
+            </a:pPr>
+            <a:endParaRPr lang="en-US" dirty="0" smtClean="0"/>
+          </a:p>
+          <a:p>
+            <a:pPr>
+              <a:defRPr/>
+            </a:pPr>
+            <a:r>
+              <a:rPr lang="en-US" dirty="0" smtClean="0"/>
+              <a:t>Notes:</a:t>
+            </a:r>
+          </a:p>
+          <a:p>
+            <a:pPr lvl="1">
+              <a:defRPr/>
+            </a:pPr>
+            <a:r>
+              <a:rPr lang="en-US" b="1" dirty="0" smtClean="0"/>
+              <a:t>default</a:t>
+            </a:r>
+            <a:r>
+              <a:rPr lang="en-US" dirty="0" smtClean="0"/>
+              <a:t> (i.e., no modifier)—only code </a:t>
+            </a:r>
+            <a:br>
+              <a:rPr lang="en-US" dirty="0" smtClean="0"/>
+            </a:br>
+            <a:r>
+              <a:rPr lang="en-US" dirty="0" smtClean="0"/>
+              <a:t>in the same </a:t>
+            </a:r>
+            <a:r>
+              <a:rPr lang="en-US" b="1" dirty="0" smtClean="0">
+                <a:solidFill>
+                  <a:schemeClr val="accent3"/>
+                </a:solidFill>
+              </a:rPr>
+              <a:t>package</a:t>
+            </a:r>
+            <a:r>
+              <a:rPr lang="en-US" dirty="0" smtClean="0"/>
+              <a:t> can see it</a:t>
+            </a:r>
+          </a:p>
+          <a:p>
+            <a:pPr lvl="2">
+              <a:defRPr/>
+            </a:pPr>
+            <a:r>
+              <a:rPr lang="en-US" dirty="0" smtClean="0"/>
+              <a:t>good choice for classes</a:t>
+            </a:r>
+          </a:p>
+          <a:p>
+            <a:pPr lvl="1">
+              <a:defRPr/>
+            </a:pPr>
+            <a:r>
+              <a:rPr lang="en-US" b="1" dirty="0" smtClean="0">
+                <a:solidFill>
+                  <a:schemeClr val="accent3"/>
+                </a:solidFill>
+                <a:latin typeface="Lucida Sans Typewriter" pitchFamily="49" charset="0"/>
+              </a:rPr>
+              <a:t>protected</a:t>
+            </a:r>
+            <a:r>
+              <a:rPr lang="en-US" dirty="0" smtClean="0"/>
+              <a:t>—like default, but </a:t>
+            </a:r>
+            <a:br>
+              <a:rPr lang="en-US" dirty="0" smtClean="0"/>
+            </a:br>
+            <a:r>
+              <a:rPr lang="en-US" dirty="0" smtClean="0"/>
+              <a:t>subclasses also have access</a:t>
+            </a:r>
+          </a:p>
+          <a:p>
+            <a:pPr lvl="2">
+              <a:defRPr/>
+            </a:pPr>
+            <a:r>
+              <a:rPr lang="en-US" dirty="0" smtClean="0"/>
+              <a:t>sometimes useful for helper methods</a:t>
+            </a:r>
+            <a:endParaRPr lang="en-US" dirty="0"/>
+          </a:p>
+        </p:txBody>
+      </p:sp>
+      <p:sp>
+        <p:nvSpPr>
+          <p:cNvPr id="5" name="Right Brace 4"/>
+          <p:cNvSpPr/>
+          <p:nvPr/>
+        </p:nvSpPr>
+        <p:spPr>
+          <a:xfrm>
+            <a:off x="6553200" y="3505200"/>
+            <a:ext cx="533400" cy="2501900"/>
+          </a:xfrm>
+          <a:prstGeom prst="rightBrace">
+            <a:avLst/>
+          </a:prstGeom>
+        </p:spPr>
+        <p:style>
+          <a:lnRef idx="1">
+            <a:schemeClr val="accent2"/>
+          </a:lnRef>
+          <a:fillRef idx="0">
+            <a:schemeClr val="accent2"/>
+          </a:fillRef>
+          <a:effectRef idx="0">
+            <a:schemeClr val="accent2"/>
+          </a:effectRef>
+          <a:fontRef idx="minor">
+            <a:schemeClr val="tx1"/>
+          </a:fontRef>
+        </p:style>
+        <p:txBody>
+          <a:bodyPr anchor="ctr"/>
+          <a:lstStyle/>
+          <a:p>
+            <a:pPr algn="ctr">
+              <a:defRPr/>
+            </a:pPr>
+            <a:endParaRPr lang="en-US"/>
+          </a:p>
+        </p:txBody>
+      </p:sp>
+      <p:sp>
+        <p:nvSpPr>
+          <p:cNvPr id="6" name="Rounded Rectangle 5"/>
+          <p:cNvSpPr/>
+          <p:nvPr/>
+        </p:nvSpPr>
+        <p:spPr>
+          <a:xfrm>
+            <a:off x="7162800" y="3733800"/>
+            <a:ext cx="1371600" cy="2057400"/>
+          </a:xfrm>
+          <a:prstGeom prst="roundRect">
+            <a:avLst/>
+          </a:prstGeom>
+        </p:spPr>
+        <p:style>
+          <a:lnRef idx="1">
+            <a:schemeClr val="accent2"/>
+          </a:lnRef>
+          <a:fillRef idx="3">
+            <a:schemeClr val="accent2"/>
+          </a:fillRef>
+          <a:effectRef idx="2">
+            <a:schemeClr val="accent2"/>
+          </a:effectRef>
+          <a:fontRef idx="minor">
+            <a:schemeClr val="lt1"/>
+          </a:fontRef>
+        </p:style>
+        <p:txBody>
+          <a:bodyPr anchor="ctr"/>
+          <a:lstStyle/>
+          <a:p>
+            <a:pPr algn="ctr">
+              <a:defRPr/>
+            </a:pPr>
+            <a:r>
+              <a:rPr lang="en-US" sz="2800" dirty="0"/>
+              <a:t>Bad for fields!</a:t>
+            </a:r>
+          </a:p>
+        </p:txBody>
+      </p:sp>
+      <p:sp>
+        <p:nvSpPr>
+          <p:cNvPr id="8" name="Rectangle 9"/>
+          <p:cNvSpPr>
+            <a:spLocks/>
+          </p:cNvSpPr>
+          <p:nvPr/>
+        </p:nvSpPr>
+        <p:spPr bwMode="auto">
+          <a:xfrm>
+            <a:off x="8432800" y="6334564"/>
+            <a:ext cx="558800" cy="419100"/>
+          </a:xfrm>
+          <a:prstGeom prst="rect">
+            <a:avLst/>
+          </a:prstGeom>
+          <a:ln>
+            <a:headEnd/>
+            <a:tailEnd/>
+          </a:ln>
+        </p:spPr>
+        <p:style>
+          <a:lnRef idx="2">
+            <a:schemeClr val="accent3">
+              <a:shade val="50000"/>
+            </a:schemeClr>
+          </a:lnRef>
+          <a:fillRef idx="1">
+            <a:schemeClr val="accent3"/>
+          </a:fillRef>
+          <a:effectRef idx="0">
+            <a:schemeClr val="accent3"/>
+          </a:effectRef>
+          <a:fontRef idx="minor">
+            <a:schemeClr val="lt1"/>
+          </a:fontRef>
+        </p:style>
+        <p:txBody>
+          <a:bodyPr lIns="0" tIns="0" rIns="0" bIns="0" anchor="ctr"/>
+          <a:lstStyle/>
+          <a:p>
+            <a:pPr algn="ctr">
+              <a:defRPr/>
+            </a:pPr>
+            <a:r>
+              <a:rPr lang="en-US" sz="1800" dirty="0" smtClean="0">
+                <a:solidFill>
+                  <a:schemeClr val="bg1"/>
+                </a:solidFill>
+                <a:cs typeface="Arial" pitchFamily="34" charset="0"/>
+                <a:sym typeface="Arial" pitchFamily="34" charset="0"/>
+              </a:rPr>
+              <a:t>Q7</a:t>
+            </a:r>
+            <a:endParaRPr lang="en-US" sz="1800" dirty="0">
+              <a:solidFill>
+                <a:schemeClr val="bg1"/>
+              </a:solidFill>
+              <a:cs typeface="Arial" pitchFamily="34" charset="0"/>
+              <a:sym typeface="Arial" pitchFamily="34" charset="0"/>
+            </a:endParaRPr>
+          </a:p>
+        </p:txBody>
+      </p:sp>
+    </p:spTree>
+  </p:cSld>
+  <p:clrMapOvr>
+    <a:masterClrMapping/>
+  </p:clrMapOvr>
+  <p:timing>
+    <p:tnLst>
+      <p:par>
+        <p:cTn id="1" dur="indefinite" restart="never" nodeType="tmRoot"/>
+      </p:par>
+    </p:tnLst>
+  </p:timing>
+</p:sld>
+</file>
+
+<file path=ppt/slides/slide17.xml><?xml version="1.0" encoding="utf-8"?>
+<p:sld xmlns:a="http://schemas.openxmlformats.org/drawingml/2006/main" xmlns:r="http://schemas.openxmlformats.org/officeDocument/2006/relationships" xmlns:p="http://schemas.openxmlformats.org/presentationml/2006/main">
+  <p:cSld>
+    <p:spTree>
+      <p:nvGrpSpPr>
+        <p:cNvPr id="1" name=""/>
+        <p:cNvGrpSpPr/>
+        <p:nvPr/>
+      </p:nvGrpSpPr>
+      <p:grpSpPr>
+        <a:xfrm>
+          <a:off x="0" y="0"/>
+          <a:ext cx="0" cy="0"/>
+          <a:chOff x="0" y="0"/>
+          <a:chExt cx="0" cy="0"/>
+        </a:xfrm>
+      </p:grpSpPr>
+      <p:sp>
+        <p:nvSpPr>
           <p:cNvPr id="2" name="Title 1"/>
           <p:cNvSpPr>
             <a:spLocks noGrp="1"/>
@@ -9391,10 +9500,17 @@
   <p:clrMapOvr>
     <a:masterClrMapping/>
   </p:clrMapOvr>
+  <p:timing>
+    <p:tnLst>
+      <p:par>
+        <p:cTn id="1" dur="indefinite" restart="never" nodeType="tmRoot"/>
+      </p:par>
+    </p:tnLst>
+  </p:timing>
 </p:sld>
 </file>
 
-<file path=ppt/slides/slide17.xml><?xml version="1.0" encoding="utf-8"?>
+<file path=ppt/slides/slide18.xml><?xml version="1.0" encoding="utf-8"?>
 <p:sld xmlns:a="http://schemas.openxmlformats.org/drawingml/2006/main" xmlns:r="http://schemas.openxmlformats.org/officeDocument/2006/relationships" xmlns:p="http://schemas.openxmlformats.org/presentationml/2006/main">
   <p:cSld>
     <p:spTree>
@@ -9797,7 +9913,7 @@
 </p:sld>
 </file>
 
-<file path=ppt/slides/slide18.xml><?xml version="1.0" encoding="utf-8"?>
+<file path=ppt/slides/slide19.xml><?xml version="1.0" encoding="utf-8"?>
 <p:sld xmlns:a="http://schemas.openxmlformats.org/drawingml/2006/main" xmlns:r="http://schemas.openxmlformats.org/officeDocument/2006/relationships" xmlns:p="http://schemas.openxmlformats.org/presentationml/2006/main">
   <p:cSld>
     <p:spTree>
@@ -9875,166 +9991,6 @@
 </p:sld>
 </file>
 
-<file path=ppt/slides/slide19.xml><?xml version="1.0" encoding="utf-8"?>
-<p:sld xmlns:a="http://schemas.openxmlformats.org/drawingml/2006/main" xmlns:r="http://schemas.openxmlformats.org/officeDocument/2006/relationships" xmlns:p="http://schemas.openxmlformats.org/presentationml/2006/main">
-  <p:cSld>
-    <p:spTree>
-      <p:nvGrpSpPr>
-        <p:cNvPr id="1" name=""/>
-        <p:cNvGrpSpPr/>
-        <p:nvPr/>
-      </p:nvGrpSpPr>
-      <p:grpSpPr>
-        <a:xfrm>
-          <a:off x="0" y="0"/>
-          <a:ext cx="0" cy="0"/>
-          <a:chOff x="0" y="0"/>
-          <a:chExt cx="0" cy="0"/>
-        </a:xfrm>
-      </p:grpSpPr>
-      <p:sp>
-        <p:nvSpPr>
-          <p:cNvPr id="4" name="Title 3"/>
-          <p:cNvSpPr>
-            <a:spLocks noGrp="1"/>
-          </p:cNvSpPr>
-          <p:nvPr>
-            <p:ph type="title"/>
-          </p:nvPr>
-        </p:nvSpPr>
-        <p:spPr/>
-        <p:txBody>
-          <a:bodyPr/>
-          <a:lstStyle/>
-          <a:p>
-            <a:pPr>
-              <a:defRPr/>
-            </a:pPr>
-            <a:r>
-              <a:rPr lang="en-US" dirty="0" smtClean="0"/>
-              <a:t>Work Time</a:t>
-            </a:r>
-            <a:endParaRPr lang="en-US" dirty="0"/>
-          </a:p>
-        </p:txBody>
-      </p:sp>
-      <p:sp>
-        <p:nvSpPr>
-          <p:cNvPr id="24579" name="Text Placeholder 4"/>
-          <p:cNvSpPr>
-            <a:spLocks noGrp="1"/>
-          </p:cNvSpPr>
-          <p:nvPr>
-            <p:ph type="body" idx="1"/>
-          </p:nvPr>
-        </p:nvSpPr>
-        <p:spPr>
-          <a:xfrm>
-            <a:off x="722313" y="1828801"/>
-            <a:ext cx="7772400" cy="2578100"/>
-          </a:xfrm>
-        </p:spPr>
-        <p:txBody>
-          <a:bodyPr>
-            <a:normAutofit lnSpcReduction="10000"/>
-          </a:bodyPr>
-          <a:lstStyle/>
-          <a:p>
-            <a:r>
-              <a:rPr lang="en-US" dirty="0" smtClean="0"/>
-              <a:t>Chess</a:t>
-            </a:r>
-          </a:p>
-          <a:p>
-            <a:endParaRPr lang="en-US" dirty="0" smtClean="0"/>
-          </a:p>
-          <a:p>
-            <a:r>
-              <a:rPr lang="en-US" dirty="0" err="1" smtClean="0"/>
-              <a:t>ByoGUI</a:t>
-            </a:r>
-            <a:endParaRPr lang="en-US" dirty="0" smtClean="0"/>
-          </a:p>
-          <a:p>
-            <a:endParaRPr lang="en-US" dirty="0"/>
-          </a:p>
-          <a:p>
-            <a:r>
-              <a:rPr lang="en-US" dirty="0" smtClean="0"/>
-              <a:t>It's a solo project, but feel free to talk with others as you do it.</a:t>
-            </a:r>
-          </a:p>
-          <a:p>
-            <a:endParaRPr lang="en-US" dirty="0"/>
-          </a:p>
-          <a:p>
-            <a:r>
-              <a:rPr lang="en-US" dirty="0" smtClean="0"/>
-              <a:t>And to ask instructor/assistants for help</a:t>
-            </a:r>
-          </a:p>
-        </p:txBody>
-      </p:sp>
-      <p:sp>
-        <p:nvSpPr>
-          <p:cNvPr id="5" name="TextBox 4"/>
-          <p:cNvSpPr txBox="1"/>
-          <p:nvPr/>
-        </p:nvSpPr>
-        <p:spPr>
-          <a:xfrm>
-            <a:off x="7772400" y="6324600"/>
-            <a:ext cx="800219" cy="369332"/>
-          </a:xfrm>
-          <a:prstGeom prst="rect">
-            <a:avLst/>
-          </a:prstGeom>
-        </p:spPr>
-        <p:style>
-          <a:lnRef idx="2">
-            <a:schemeClr val="accent3">
-              <a:shade val="50000"/>
-            </a:schemeClr>
-          </a:lnRef>
-          <a:fillRef idx="1">
-            <a:schemeClr val="accent3"/>
-          </a:fillRef>
-          <a:effectRef idx="0">
-            <a:schemeClr val="accent3"/>
-          </a:effectRef>
-          <a:fontRef idx="minor">
-            <a:schemeClr val="lt1"/>
-          </a:fontRef>
-        </p:style>
-        <p:txBody>
-          <a:bodyPr wrap="none" rtlCol="0">
-            <a:spAutoFit/>
-          </a:bodyPr>
-          <a:lstStyle/>
-          <a:p>
-            <a:r>
-              <a:rPr lang="en-US" dirty="0" smtClean="0"/>
-              <a:t>Q8-Q9</a:t>
-            </a:r>
-            <a:endParaRPr lang="en-US" dirty="0"/>
-          </a:p>
-        </p:txBody>
-      </p:sp>
-    </p:spTree>
-  </p:cSld>
-  <p:clrMapOvr>
-    <a:masterClrMapping/>
-  </p:clrMapOvr>
-  <p:timing>
-    <p:tnLst>
-      <p:par>
-        <p:cTn id="1" dur="indefinite" restart="never" nodeType="tmRoot"/>
-      </p:par>
-    </p:tnLst>
-  </p:timing>
-</p:sld>
-</file>
-
 <file path=ppt/slides/slide2.xml><?xml version="1.0" encoding="utf-8"?>
 <p:sld xmlns:a="http://schemas.openxmlformats.org/drawingml/2006/main" xmlns:r="http://schemas.openxmlformats.org/officeDocument/2006/relationships" xmlns:p="http://schemas.openxmlformats.org/presentationml/2006/main">
   <p:cSld>
@@ -10301,6 +10257,170 @@
 </file>
 
 <file path=ppt/slides/slide20.xml><?xml version="1.0" encoding="utf-8"?>
+<p:sld xmlns:a="http://schemas.openxmlformats.org/drawingml/2006/main" xmlns:r="http://schemas.openxmlformats.org/officeDocument/2006/relationships" xmlns:p="http://schemas.openxmlformats.org/presentationml/2006/main">
+  <p:cSld>
+    <p:spTree>
+      <p:nvGrpSpPr>
+        <p:cNvPr id="1" name=""/>
+        <p:cNvGrpSpPr/>
+        <p:nvPr/>
+      </p:nvGrpSpPr>
+      <p:grpSpPr>
+        <a:xfrm>
+          <a:off x="0" y="0"/>
+          <a:ext cx="0" cy="0"/>
+          <a:chOff x="0" y="0"/>
+          <a:chExt cx="0" cy="0"/>
+        </a:xfrm>
+      </p:grpSpPr>
+      <p:sp>
+        <p:nvSpPr>
+          <p:cNvPr id="4" name="Title 3"/>
+          <p:cNvSpPr>
+            <a:spLocks noGrp="1"/>
+          </p:cNvSpPr>
+          <p:nvPr>
+            <p:ph type="title"/>
+          </p:nvPr>
+        </p:nvSpPr>
+        <p:spPr/>
+        <p:txBody>
+          <a:bodyPr/>
+          <a:lstStyle/>
+          <a:p>
+            <a:pPr>
+              <a:defRPr/>
+            </a:pPr>
+            <a:r>
+              <a:rPr lang="en-US" dirty="0" smtClean="0"/>
+              <a:t>Work Time</a:t>
+            </a:r>
+            <a:endParaRPr lang="en-US" dirty="0"/>
+          </a:p>
+        </p:txBody>
+      </p:sp>
+      <p:sp>
+        <p:nvSpPr>
+          <p:cNvPr id="24579" name="Text Placeholder 4"/>
+          <p:cNvSpPr>
+            <a:spLocks noGrp="1"/>
+          </p:cNvSpPr>
+          <p:nvPr>
+            <p:ph type="body" idx="1"/>
+          </p:nvPr>
+        </p:nvSpPr>
+        <p:spPr>
+          <a:xfrm>
+            <a:off x="722313" y="1828801"/>
+            <a:ext cx="7772400" cy="2578100"/>
+          </a:xfrm>
+        </p:spPr>
+        <p:txBody>
+          <a:bodyPr>
+            <a:normAutofit lnSpcReduction="10000"/>
+          </a:bodyPr>
+          <a:lstStyle/>
+          <a:p>
+            <a:r>
+              <a:rPr lang="en-US" dirty="0" smtClean="0"/>
+              <a:t>Chess</a:t>
+            </a:r>
+          </a:p>
+          <a:p>
+            <a:endParaRPr lang="en-US" dirty="0" smtClean="0"/>
+          </a:p>
+          <a:p>
+            <a:r>
+              <a:rPr lang="en-US" strike="sngStrike" dirty="0" err="1" smtClean="0"/>
+              <a:t>ByoGUI</a:t>
+            </a:r>
+            <a:endParaRPr lang="en-US" strike="sngStrike" dirty="0" smtClean="0"/>
+          </a:p>
+          <a:p>
+            <a:endParaRPr lang="en-US" strike="sngStrike" dirty="0" smtClean="0"/>
+          </a:p>
+          <a:p>
+            <a:r>
+              <a:rPr lang="en-US" strike="sngStrike" dirty="0" smtClean="0"/>
+              <a:t>It's </a:t>
+            </a:r>
+            <a:r>
+              <a:rPr lang="en-US" strike="sngStrike" dirty="0" smtClean="0"/>
+              <a:t>a solo project, but feel free to talk with others as you do it.</a:t>
+            </a:r>
+          </a:p>
+          <a:p>
+            <a:endParaRPr lang="en-US" dirty="0"/>
+          </a:p>
+          <a:p>
+            <a:r>
+              <a:rPr lang="en-US" dirty="0" smtClean="0"/>
+              <a:t>And to ask instructor/assistants for help</a:t>
+            </a:r>
+          </a:p>
+        </p:txBody>
+      </p:sp>
+      <p:sp>
+        <p:nvSpPr>
+          <p:cNvPr id="5" name="TextBox 4"/>
+          <p:cNvSpPr txBox="1"/>
+          <p:nvPr/>
+        </p:nvSpPr>
+        <p:spPr>
+          <a:xfrm>
+            <a:off x="7772400" y="6324600"/>
+            <a:ext cx="800219" cy="369332"/>
+          </a:xfrm>
+          <a:prstGeom prst="rect">
+            <a:avLst/>
+          </a:prstGeom>
+        </p:spPr>
+        <p:style>
+          <a:lnRef idx="2">
+            <a:schemeClr val="accent3">
+              <a:shade val="50000"/>
+            </a:schemeClr>
+          </a:lnRef>
+          <a:fillRef idx="1">
+            <a:schemeClr val="accent3"/>
+          </a:fillRef>
+          <a:effectRef idx="0">
+            <a:schemeClr val="accent3"/>
+          </a:effectRef>
+          <a:fontRef idx="minor">
+            <a:schemeClr val="lt1"/>
+          </a:fontRef>
+        </p:style>
+        <p:txBody>
+          <a:bodyPr wrap="none" rtlCol="0">
+            <a:spAutoFit/>
+          </a:bodyPr>
+          <a:lstStyle/>
+          <a:p>
+            <a:r>
+              <a:rPr lang="en-US" dirty="0" smtClean="0"/>
+              <a:t>Q8-Q9</a:t>
+            </a:r>
+            <a:endParaRPr lang="en-US" dirty="0"/>
+          </a:p>
+        </p:txBody>
+      </p:sp>
+    </p:spTree>
+  </p:cSld>
+  <p:clrMapOvr>
+    <a:masterClrMapping/>
+  </p:clrMapOvr>
+  <p:timing>
+    <p:tnLst>
+      <p:par>
+        <p:cTn id="1" dur="indefinite" restart="never" nodeType="tmRoot"/>
+      </p:par>
+    </p:tnLst>
+  </p:timing>
+</p:sld>
+</file>
+
+<file path=ppt/slides/slide21.xml><?xml version="1.0" encoding="utf-8"?>
 <p:sld xmlns:a="http://schemas.openxmlformats.org/drawingml/2006/main" xmlns:r="http://schemas.openxmlformats.org/officeDocument/2006/relationships" xmlns:p="http://schemas.openxmlformats.org/presentationml/2006/main">
   <p:cSld>
     <p:spTree>
@@ -10447,6 +10567,13 @@
   <p:clrMapOvr>
     <a:masterClrMapping/>
   </p:clrMapOvr>
+  <p:timing>
+    <p:tnLst>
+      <p:par>
+        <p:cTn id="1" dur="indefinite" restart="never" nodeType="tmRoot"/>
+      </p:par>
+    </p:tnLst>
+  </p:timing>
 </p:sld>
 </file>
 
@@ -11605,6 +11732,47 @@
           <a:chExt cx="0" cy="0"/>
         </a:xfrm>
       </p:grpSpPr>
+      <p:pic>
+        <p:nvPicPr>
+          <p:cNvPr id="1028" name="Picture 4" descr="PlantUML diagram"/>
+          <p:cNvPicPr>
+            <a:picLocks noChangeAspect="1" noChangeArrowheads="1"/>
+          </p:cNvPicPr>
+          <p:nvPr/>
+        </p:nvPicPr>
+        <p:blipFill>
+          <a:blip r:embed="rId3">
+            <a:extLst>
+              <a:ext uri="{28A0092B-C50C-407E-A947-70E740481C1C}">
+                <a14:useLocalDpi xmlns:a14="http://schemas.microsoft.com/office/drawing/2010/main" val="0"/>
+              </a:ext>
+            </a:extLst>
+          </a:blip>
+          <a:srcRect/>
+          <a:stretch>
+            <a:fillRect/>
+          </a:stretch>
+        </p:blipFill>
+        <p:spPr bwMode="auto">
+          <a:xfrm>
+            <a:off x="5257800" y="1727008"/>
+            <a:ext cx="3352800" cy="4272346"/>
+          </a:xfrm>
+          <a:prstGeom prst="rect">
+            <a:avLst/>
+          </a:prstGeom>
+          <a:noFill/>
+          <a:extLst>
+            <a:ext uri="{909E8E84-426E-40DD-AFC4-6F175D3DCCD1}">
+              <a14:hiddenFill xmlns:a14="http://schemas.microsoft.com/office/drawing/2010/main">
+                <a:solidFill>
+                  <a:srgbClr val="FFFFFF"/>
+                </a:solidFill>
+              </a14:hiddenFill>
+            </a:ext>
+          </a:extLst>
+        </p:spPr>
+      </p:pic>
       <p:sp>
         <p:nvSpPr>
           <p:cNvPr id="2" name="Title 1"/>
@@ -11653,6 +11821,40 @@
             <a:r>
               <a:rPr lang="en-US" dirty="0" err="1" smtClean="0"/>
               <a:t>SavingsAccount</a:t>
+            </a:r>
+            <a:endParaRPr lang="en-US" dirty="0" smtClean="0"/>
+          </a:p>
+          <a:p>
+            <a:endParaRPr lang="en-US" dirty="0"/>
+          </a:p>
+          <a:p>
+            <a:r>
+              <a:rPr lang="en-US" dirty="0" err="1" smtClean="0">
+                <a:hlinkClick r:id="rId4"/>
+              </a:rPr>
+              <a:t>Plantuml</a:t>
+            </a:r>
+            <a:r>
+              <a:rPr lang="en-US" dirty="0" smtClean="0">
+                <a:hlinkClick r:id="rId4"/>
+              </a:rPr>
+              <a:t> source</a:t>
+            </a:r>
+            <a:endParaRPr lang="en-US" dirty="0" smtClean="0"/>
+          </a:p>
+          <a:p>
+            <a:pPr lvl="1"/>
+            <a:r>
+              <a:rPr lang="en-US" dirty="0" err="1"/>
+              <a:t>SavingsAccount</a:t>
+            </a:r>
+            <a:r>
+              <a:rPr lang="en-US" dirty="0"/>
+              <a:t> -up-|&gt; </a:t>
+            </a:r>
+            <a:r>
+              <a:rPr lang="en-US" dirty="0" err="1"/>
+              <a:t>BankAccount</a:t>
             </a:r>
             <a:endParaRPr lang="en-US" dirty="0"/>
           </a:p>

--- a/ClassMaterials/Inheritance/Slides/Inheritance.pptx
+++ b/ClassMaterials/Inheritance/Slides/Inheritance.pptx
@@ -296,7 +296,7 @@
               <a:pPr>
                 <a:defRPr/>
               </a:pPr>
-              <a:t>4/19/2020</a:t>
+              <a:t>2/24/22</a:t>
             </a:fld>
             <a:endParaRPr lang="en-US"/>
           </a:p>
@@ -531,7 +531,7 @@
               <a:pPr>
                 <a:defRPr/>
               </a:pPr>
-              <a:t>4/19/2020</a:t>
+              <a:t>2/24/22</a:t>
             </a:fld>
             <a:endParaRPr lang="en-US"/>
           </a:p>
@@ -607,39 +607,37 @@
           <a:p>
             <a:pPr lvl="0"/>
             <a:r>
-              <a:rPr lang="en-US" noProof="0" smtClean="0"/>
+              <a:rPr lang="en-US" noProof="0"/>
               <a:t>Click to edit Master text styles</a:t>
             </a:r>
-            <a:endParaRPr lang="en-US" noProof="0"/>
           </a:p>
           <a:p>
             <a:pPr lvl="1"/>
             <a:r>
-              <a:rPr lang="en-US" noProof="0" smtClean="0"/>
+              <a:rPr lang="en-US" noProof="0"/>
               <a:t>Second level</a:t>
             </a:r>
           </a:p>
           <a:p>
             <a:pPr lvl="2"/>
             <a:r>
-              <a:rPr lang="en-US" noProof="0" smtClean="0"/>
+              <a:rPr lang="en-US" noProof="0"/>
               <a:t>Third level</a:t>
             </a:r>
           </a:p>
           <a:p>
             <a:pPr lvl="3"/>
             <a:r>
-              <a:rPr lang="en-US" noProof="0" smtClean="0"/>
+              <a:rPr lang="en-US" noProof="0"/>
               <a:t>Fourth level</a:t>
             </a:r>
           </a:p>
           <a:p>
             <a:pPr lvl="4"/>
             <a:r>
-              <a:rPr lang="en-US" noProof="0" smtClean="0"/>
+              <a:rPr lang="en-US" noProof="0"/>
               <a:t>Fifth level</a:t>
             </a:r>
-            <a:endParaRPr lang="en-US" noProof="0"/>
           </a:p>
         </p:txBody>
       </p:sp>
@@ -940,23 +938,23 @@
               </a:spcBef>
             </a:pPr>
             <a:r>
-              <a:rPr lang="en-US" dirty="0" smtClean="0"/>
+              <a:rPr lang="en-US" dirty="0"/>
               <a:t>Bring hard copy of </a:t>
             </a:r>
             <a:r>
-              <a:rPr lang="en-US" dirty="0" err="1" smtClean="0"/>
+              <a:rPr lang="en-US" dirty="0" err="1"/>
               <a:t>CheckingAccount</a:t>
             </a:r>
             <a:r>
-              <a:rPr lang="en-US" dirty="0" smtClean="0"/>
+              <a:rPr lang="en-US" dirty="0"/>
               <a:t>, </a:t>
             </a:r>
             <a:r>
-              <a:rPr lang="en-US" dirty="0" err="1" smtClean="0"/>
+              <a:rPr lang="en-US" dirty="0" err="1"/>
               <a:t>ChessPiece</a:t>
             </a:r>
             <a:r>
-              <a:rPr lang="en-US" dirty="0" smtClean="0"/>
+              <a:rPr lang="en-US" dirty="0"/>
               <a:t>, King, Queen, etc.</a:t>
             </a:r>
           </a:p>
@@ -967,22 +965,22 @@
               </a:spcBef>
             </a:pPr>
             <a:r>
-              <a:rPr lang="en-US" dirty="0" smtClean="0"/>
+              <a:rPr lang="en-US" dirty="0"/>
               <a:t>Bring photocopy of Big</a:t>
             </a:r>
             <a:r>
-              <a:rPr lang="en-US" baseline="0" dirty="0" smtClean="0"/>
+              <a:rPr lang="en-US" baseline="0" dirty="0"/>
               <a:t> Java, </a:t>
             </a:r>
             <a:r>
-              <a:rPr lang="en-US" dirty="0" smtClean="0"/>
+              <a:rPr lang="en-US" dirty="0"/>
               <a:t>Figure 3,</a:t>
             </a:r>
             <a:r>
-              <a:rPr lang="en-US" baseline="0" dirty="0" smtClean="0"/>
+              <a:rPr lang="en-US" baseline="0" dirty="0"/>
               <a:t> page 422</a:t>
             </a:r>
-            <a:endParaRPr lang="en-US" dirty="0" smtClean="0"/>
+            <a:endParaRPr lang="en-US" dirty="0"/>
           </a:p>
         </p:txBody>
       </p:sp>
@@ -1008,7 +1006,7 @@
               <a:pPr/>
               <a:t>1</a:t>
             </a:fld>
-            <a:endParaRPr lang="en-US" smtClean="0"/>
+            <a:endParaRPr lang="en-US"/>
           </a:p>
         </p:txBody>
       </p:sp>
@@ -1083,61 +1081,61 @@
           <a:lstStyle/>
           <a:p>
             <a:r>
-              <a:rPr lang="en-US" dirty="0" smtClean="0"/>
+              <a:rPr lang="en-US" dirty="0"/>
               <a:t>Start to implement </a:t>
             </a:r>
             <a:r>
-              <a:rPr lang="en-US" dirty="0" err="1" smtClean="0"/>
+              <a:rPr lang="en-US" dirty="0" err="1"/>
               <a:t>CheckingAccount</a:t>
             </a:r>
             <a:r>
-              <a:rPr lang="en-US" dirty="0" smtClean="0"/>
+              <a:rPr lang="en-US" dirty="0"/>
               <a:t>, just create class,</a:t>
             </a:r>
             <a:r>
-              <a:rPr lang="en-US" baseline="0" dirty="0" smtClean="0"/>
+              <a:rPr lang="en-US" baseline="0" dirty="0"/>
               <a:t> but do not add methods yet.</a:t>
             </a:r>
-            <a:endParaRPr lang="en-US" dirty="0" smtClean="0"/>
-          </a:p>
-          <a:p>
-            <a:endParaRPr lang="en-US" dirty="0" smtClean="0"/>
-          </a:p>
-          <a:p>
-            <a:r>
-              <a:rPr lang="en-US" dirty="0" smtClean="0"/>
+            <a:endParaRPr lang="en-US" dirty="0"/>
+          </a:p>
+          <a:p>
+            <a:endParaRPr lang="en-US" dirty="0"/>
+          </a:p>
+          <a:p>
+            <a:r>
+              <a:rPr lang="en-US" dirty="0"/>
               <a:t>Draw UML diagram with details (See Figure on</a:t>
             </a:r>
             <a:r>
-              <a:rPr lang="en-US" baseline="0" dirty="0" smtClean="0"/>
+              <a:rPr lang="en-US" baseline="0" dirty="0"/>
               <a:t> page 443</a:t>
             </a:r>
             <a:r>
-              <a:rPr lang="en-US" dirty="0" smtClean="0"/>
+              <a:rPr lang="en-US" dirty="0"/>
               <a:t>)  on board first [keep this, you’ll need it later]</a:t>
             </a:r>
           </a:p>
           <a:p>
-            <a:endParaRPr lang="en-US" dirty="0" smtClean="0"/>
-          </a:p>
-          <a:p>
-            <a:r>
-              <a:rPr lang="en-US" dirty="0" smtClean="0"/>
+            <a:endParaRPr lang="en-US" dirty="0"/>
+          </a:p>
+          <a:p>
+            <a:r>
+              <a:rPr lang="en-US" dirty="0"/>
               <a:t>Use no-</a:t>
             </a:r>
             <a:r>
-              <a:rPr lang="en-US" dirty="0" err="1" smtClean="0"/>
+              <a:rPr lang="en-US" dirty="0" err="1"/>
               <a:t>arg</a:t>
             </a:r>
             <a:r>
-              <a:rPr lang="en-US" dirty="0" smtClean="0"/>
+              <a:rPr lang="en-US" dirty="0"/>
               <a:t> constructor initially. We’ll add</a:t>
             </a:r>
             <a:r>
-              <a:rPr lang="en-US" baseline="0" dirty="0" smtClean="0"/>
+              <a:rPr lang="en-US" baseline="0" dirty="0"/>
               <a:t> the argument later.</a:t>
             </a:r>
-            <a:endParaRPr lang="en-US" dirty="0" smtClean="0"/>
+            <a:endParaRPr lang="en-US" dirty="0"/>
           </a:p>
         </p:txBody>
       </p:sp>
@@ -1163,7 +1161,7 @@
               <a:pPr/>
               <a:t>10</a:t>
             </a:fld>
-            <a:endParaRPr lang="en-US" smtClean="0"/>
+            <a:endParaRPr lang="en-US"/>
           </a:p>
         </p:txBody>
       </p:sp>
@@ -1255,24 +1253,24 @@
               <a:defRPr/>
             </a:pPr>
             <a:r>
-              <a:rPr lang="en-US" dirty="0" smtClean="0"/>
+              <a:rPr lang="en-US" dirty="0"/>
               <a:t>Discuss super method calls.</a:t>
             </a:r>
           </a:p>
           <a:p>
-            <a:endParaRPr lang="en-US" dirty="0" smtClean="0"/>
-          </a:p>
-          <a:p>
-            <a:r>
-              <a:rPr lang="en-US" dirty="0" smtClean="0"/>
+            <a:endParaRPr lang="en-US" dirty="0"/>
+          </a:p>
+          <a:p>
+            <a:r>
+              <a:rPr lang="en-US" dirty="0"/>
               <a:t>Add </a:t>
             </a:r>
             <a:r>
-              <a:rPr lang="en-US" dirty="0" err="1" smtClean="0"/>
+              <a:rPr lang="en-US" dirty="0" err="1"/>
               <a:t>CheckingAccount</a:t>
             </a:r>
             <a:r>
-              <a:rPr lang="en-US" dirty="0" smtClean="0"/>
+              <a:rPr lang="en-US" dirty="0"/>
               <a:t>(double) constructor</a:t>
             </a:r>
           </a:p>
@@ -1300,7 +1298,7 @@
               <a:pPr/>
               <a:t>11</a:t>
             </a:fld>
-            <a:endParaRPr lang="en-US" smtClean="0"/>
+            <a:endParaRPr lang="en-US"/>
           </a:p>
         </p:txBody>
       </p:sp>
@@ -1362,43 +1360,42 @@
           <a:lstStyle/>
           <a:p>
             <a:r>
-              <a:rPr lang="en-US" dirty="0" smtClean="0"/>
+              <a:rPr lang="en-US" dirty="0"/>
               <a:t>Override:</a:t>
             </a:r>
           </a:p>
           <a:p>
-            <a:endParaRPr lang="en-US" dirty="0" smtClean="0"/>
-          </a:p>
-          <a:p>
-            <a:r>
-              <a:rPr lang="en-US" dirty="0" smtClean="0"/>
+            <a:endParaRPr lang="en-US" dirty="0"/>
+          </a:p>
+          <a:p>
+            <a:r>
+              <a:rPr lang="en-US" dirty="0"/>
               <a:t>deposit( amount )</a:t>
             </a:r>
           </a:p>
           <a:p>
             <a:r>
-              <a:rPr lang="en-US" dirty="0" smtClean="0"/>
+              <a:rPr lang="en-US" dirty="0"/>
               <a:t>withdraw(</a:t>
             </a:r>
             <a:r>
-              <a:rPr lang="en-US" baseline="0" dirty="0" smtClean="0"/>
+              <a:rPr lang="en-US" baseline="0" dirty="0"/>
               <a:t> </a:t>
             </a:r>
             <a:r>
-              <a:rPr lang="en-US" dirty="0" smtClean="0"/>
+              <a:rPr lang="en-US" dirty="0"/>
               <a:t>amount )</a:t>
             </a:r>
           </a:p>
           <a:p>
             <a:r>
-              <a:rPr lang="en-US" dirty="0" err="1" smtClean="0"/>
+              <a:rPr lang="en-US" dirty="0" err="1"/>
               <a:t>deductFees</a:t>
             </a:r>
             <a:r>
-              <a:rPr lang="en-US" dirty="0" smtClean="0"/>
+              <a:rPr lang="en-US" dirty="0"/>
               <a:t>()</a:t>
             </a:r>
-            <a:endParaRPr lang="en-US" dirty="0"/>
           </a:p>
         </p:txBody>
       </p:sp>
@@ -1502,29 +1499,29 @@
           <a:lstStyle/>
           <a:p>
             <a:r>
-              <a:rPr lang="en-US" dirty="0" smtClean="0"/>
+              <a:rPr lang="en-US" dirty="0"/>
               <a:t>Draw B&amp;P diagrams.  Show calls.</a:t>
             </a:r>
           </a:p>
           <a:p>
             <a:r>
-              <a:rPr lang="en-US" dirty="0" smtClean="0"/>
+              <a:rPr lang="en-US" dirty="0"/>
               <a:t>Why not? Because </a:t>
             </a:r>
             <a:r>
-              <a:rPr lang="en-US" dirty="0" err="1" smtClean="0"/>
+              <a:rPr lang="en-US" dirty="0" err="1"/>
               <a:t>BankAccount</a:t>
             </a:r>
             <a:r>
-              <a:rPr lang="en-US" dirty="0" smtClean="0"/>
+              <a:rPr lang="en-US" dirty="0"/>
               <a:t> doesn’t have an </a:t>
             </a:r>
             <a:r>
-              <a:rPr lang="en-US" dirty="0" err="1" smtClean="0"/>
+              <a:rPr lang="en-US" dirty="0" err="1"/>
               <a:t>deductFees</a:t>
             </a:r>
             <a:r>
-              <a:rPr lang="en-US" dirty="0" smtClean="0"/>
+              <a:rPr lang="en-US" dirty="0"/>
               <a:t>() method!</a:t>
             </a:r>
           </a:p>
@@ -1552,7 +1549,7 @@
               <a:pPr/>
               <a:t>14</a:t>
             </a:fld>
-            <a:endParaRPr lang="en-US" smtClean="0"/>
+            <a:endParaRPr lang="en-US"/>
           </a:p>
         </p:txBody>
       </p:sp>
@@ -1627,15 +1624,15 @@
           <a:lstStyle/>
           <a:p>
             <a:r>
-              <a:rPr lang="en-US" dirty="0" smtClean="0"/>
+              <a:rPr lang="en-US" dirty="0"/>
               <a:t>Suggest</a:t>
             </a:r>
             <a:r>
-              <a:rPr lang="en-US" baseline="0" dirty="0" smtClean="0"/>
+              <a:rPr lang="en-US" baseline="0" dirty="0"/>
               <a:t> d</a:t>
             </a:r>
             <a:r>
-              <a:rPr lang="en-US" dirty="0" smtClean="0"/>
+              <a:rPr lang="en-US" dirty="0"/>
               <a:t>rawing B&amp;P diagram and trace calls as practice for the exam.</a:t>
             </a:r>
           </a:p>
@@ -1663,7 +1660,7 @@
               <a:pPr/>
               <a:t>15</a:t>
             </a:fld>
-            <a:endParaRPr lang="en-US" smtClean="0"/>
+            <a:endParaRPr lang="en-US"/>
           </a:p>
         </p:txBody>
       </p:sp>
@@ -1737,7 +1734,7 @@
           <a:bodyPr/>
           <a:lstStyle/>
           <a:p>
-            <a:endParaRPr lang="en-US" sz="1400" baseline="0" dirty="0" smtClean="0"/>
+            <a:endParaRPr lang="en-US" sz="1400" baseline="0" dirty="0"/>
           </a:p>
         </p:txBody>
       </p:sp>
@@ -1763,7 +1760,7 @@
               <a:pPr/>
               <a:t>16</a:t>
             </a:fld>
-            <a:endParaRPr lang="en-US" smtClean="0"/>
+            <a:endParaRPr lang="en-US"/>
           </a:p>
         </p:txBody>
       </p:sp>
@@ -1825,57 +1822,57 @@
           <a:lstStyle/>
           <a:p>
             <a:r>
-              <a:rPr lang="en-US" baseline="0" dirty="0" smtClean="0"/>
+              <a:rPr lang="en-US" baseline="0" dirty="0"/>
               <a:t>Walk through the Chess example in Inheritance project. Start by showing the King and </a:t>
             </a:r>
             <a:r>
-              <a:rPr lang="en-US" baseline="0" dirty="0" err="1" smtClean="0"/>
+              <a:rPr lang="en-US" baseline="0" dirty="0" err="1"/>
               <a:t>ChessPiece</a:t>
             </a:r>
             <a:r>
-              <a:rPr lang="en-US" baseline="0" dirty="0" smtClean="0"/>
+              <a:rPr lang="en-US" baseline="0" dirty="0"/>
               <a:t> interface. Implement the queen, and note to the students how we end up copying a lot of code from the King into the Queen, there has to be a better way…</a:t>
             </a:r>
           </a:p>
           <a:p>
-            <a:endParaRPr lang="en-US" baseline="0" dirty="0" smtClean="0"/>
-          </a:p>
-          <a:p>
-            <a:r>
-              <a:rPr lang="en-US" baseline="0" dirty="0" smtClean="0"/>
+            <a:endParaRPr lang="en-US" baseline="0" dirty="0"/>
+          </a:p>
+          <a:p>
+            <a:r>
+              <a:rPr lang="en-US" baseline="0" dirty="0"/>
               <a:t>It works well to just make the </a:t>
             </a:r>
             <a:r>
-              <a:rPr lang="en-US" baseline="0" dirty="0" err="1" smtClean="0"/>
+              <a:rPr lang="en-US" baseline="0" dirty="0" err="1"/>
               <a:t>ChessPiece</a:t>
             </a:r>
             <a:r>
-              <a:rPr lang="en-US" baseline="0" dirty="0" smtClean="0"/>
+              <a:rPr lang="en-US" baseline="0" dirty="0"/>
               <a:t> a class first and put in a </a:t>
             </a:r>
             <a:r>
-              <a:rPr lang="en-US" baseline="0" dirty="0" err="1" smtClean="0"/>
+              <a:rPr lang="en-US" baseline="0" dirty="0" err="1"/>
               <a:t>System.err.println</a:t>
             </a:r>
             <a:r>
-              <a:rPr lang="en-US" baseline="0" dirty="0" smtClean="0"/>
+              <a:rPr lang="en-US" baseline="0" dirty="0"/>
               <a:t>(“Implement this method!”) then show them if we forget to implement a method (Queen’s </a:t>
             </a:r>
             <a:r>
-              <a:rPr lang="en-US" baseline="0" dirty="0" err="1" smtClean="0"/>
+              <a:rPr lang="en-US" baseline="0" dirty="0" err="1"/>
               <a:t>checkMove</a:t>
             </a:r>
             <a:r>
-              <a:rPr lang="en-US" baseline="0" dirty="0" smtClean="0"/>
+              <a:rPr lang="en-US" baseline="0" dirty="0"/>
               <a:t>) we see that message at runtime.</a:t>
             </a:r>
           </a:p>
           <a:p>
-            <a:endParaRPr lang="en-US" baseline="0" dirty="0" smtClean="0"/>
-          </a:p>
-          <a:p>
-            <a:r>
-              <a:rPr lang="en-US" sz="1400" baseline="0" dirty="0" smtClean="0"/>
+            <a:endParaRPr lang="en-US" baseline="0" dirty="0"/>
+          </a:p>
+          <a:p>
+            <a:r>
+              <a:rPr lang="en-US" sz="1400" baseline="0" dirty="0"/>
               <a:t>At this point, they should see the justification for an abstract class, show that on next slide</a:t>
             </a:r>
           </a:p>
@@ -1973,49 +1970,49 @@
           <a:lstStyle/>
           <a:p>
             <a:r>
-              <a:rPr lang="en-US" dirty="0" smtClean="0"/>
+              <a:rPr lang="en-US" dirty="0"/>
               <a:t>The main reason for using Abstract classes is to force programmers to create</a:t>
             </a:r>
             <a:r>
-              <a:rPr lang="en-US" baseline="0" dirty="0" smtClean="0"/>
+              <a:rPr lang="en-US" baseline="0" dirty="0"/>
               <a:t> subclasses. Declaring certain methods abstract prevents you from coming up with useless default methods that others might inherit by accident.</a:t>
             </a:r>
           </a:p>
           <a:p>
-            <a:endParaRPr lang="en-US" baseline="0" dirty="0" smtClean="0"/>
-          </a:p>
-          <a:p>
-            <a:r>
-              <a:rPr lang="en-US" baseline="0" dirty="0" smtClean="0"/>
+            <a:endParaRPr lang="en-US" baseline="0" dirty="0"/>
+          </a:p>
+          <a:p>
+            <a:r>
+              <a:rPr lang="en-US" baseline="0" dirty="0"/>
               <a:t>This also allows code reuse when only a few methods of an interface differ in implementation. </a:t>
             </a:r>
           </a:p>
           <a:p>
-            <a:endParaRPr lang="en-US" baseline="0" dirty="0" smtClean="0"/>
-          </a:p>
-          <a:p>
-            <a:r>
-              <a:rPr lang="en-US" sz="1200" baseline="0" dirty="0" smtClean="0"/>
+            <a:endParaRPr lang="en-US" baseline="0" dirty="0"/>
+          </a:p>
+          <a:p>
+            <a:r>
+              <a:rPr lang="en-US" sz="1200" baseline="0" dirty="0"/>
               <a:t>Make the </a:t>
             </a:r>
             <a:r>
-              <a:rPr lang="en-US" sz="1200" baseline="0" dirty="0" err="1" smtClean="0"/>
+              <a:rPr lang="en-US" sz="1200" baseline="0" dirty="0" err="1"/>
               <a:t>ChessPiece</a:t>
             </a:r>
             <a:r>
-              <a:rPr lang="en-US" sz="1200" baseline="0" dirty="0" smtClean="0"/>
+              <a:rPr lang="en-US" sz="1200" baseline="0" dirty="0"/>
               <a:t> abstract, and pull the items that don’t change into the new abstract class, and leave the other methods abstract (see solution code). Walk students through this refactor for King/Queen, then have them implement the other pieces. Remind them that the Pawn is actually the hardest, and to do </a:t>
             </a:r>
             <a:r>
-              <a:rPr lang="en-US" baseline="0" dirty="0" smtClean="0"/>
+              <a:rPr lang="en-US" baseline="0" dirty="0"/>
               <a:t>that LAST. </a:t>
             </a:r>
           </a:p>
           <a:p>
-            <a:endParaRPr lang="en-US" dirty="0" smtClean="0"/>
-          </a:p>
-          <a:p>
-            <a:endParaRPr lang="en-US" baseline="0" dirty="0" smtClean="0"/>
+            <a:endParaRPr lang="en-US" dirty="0"/>
+          </a:p>
+          <a:p>
+            <a:endParaRPr lang="en-US" baseline="0" dirty="0"/>
           </a:p>
         </p:txBody>
       </p:sp>
@@ -2106,7 +2103,7 @@
           <a:lstStyle/>
           <a:p>
             <a:r>
-              <a:rPr lang="en-US" sz="1200" kern="1200" dirty="0" smtClean="0">
+              <a:rPr lang="en-US" sz="1200" kern="1200" dirty="0">
                 <a:solidFill>
                   <a:schemeClr val="tx1"/>
                 </a:solidFill>
@@ -2117,7 +2114,7 @@
               <a:t>Emphasize</a:t>
             </a:r>
             <a:r>
-              <a:rPr lang="en-US" sz="1200" kern="1200" baseline="0" dirty="0" smtClean="0">
+              <a:rPr lang="en-US" sz="1200" kern="1200" baseline="0" dirty="0">
                 <a:solidFill>
                   <a:schemeClr val="tx1"/>
                 </a:solidFill>
@@ -2128,7 +2125,7 @@
               <a:t> doing Pawn last it requires several things (</a:t>
             </a:r>
             <a:r>
-              <a:rPr lang="en-US" sz="1200" kern="1200" baseline="0" dirty="0" err="1" smtClean="0">
+              <a:rPr lang="en-US" sz="1200" kern="1200" baseline="0" dirty="0" err="1">
                 <a:solidFill>
                   <a:schemeClr val="tx1"/>
                 </a:solidFill>
@@ -2139,7 +2136,7 @@
               <a:t>hasMoved</a:t>
             </a:r>
             <a:r>
-              <a:rPr lang="en-US" sz="1200" kern="1200" baseline="0" dirty="0" smtClean="0">
+              <a:rPr lang="en-US" sz="1200" kern="1200" baseline="0" dirty="0">
                 <a:solidFill>
                   <a:schemeClr val="tx1"/>
                 </a:solidFill>
@@ -2150,7 +2147,7 @@
               <a:t> field) and needs to override the </a:t>
             </a:r>
             <a:r>
-              <a:rPr lang="en-US" sz="1200" kern="1200" baseline="0" dirty="0" err="1" smtClean="0">
+              <a:rPr lang="en-US" sz="1200" kern="1200" baseline="0" dirty="0" err="1">
                 <a:solidFill>
                   <a:schemeClr val="tx1"/>
                 </a:solidFill>
@@ -2161,7 +2158,7 @@
               <a:t>checkAttack</a:t>
             </a:r>
             <a:r>
-              <a:rPr lang="en-US" sz="1200" kern="1200" baseline="0" dirty="0" smtClean="0">
+              <a:rPr lang="en-US" sz="1200" kern="1200" baseline="0" dirty="0">
                 <a:solidFill>
                   <a:schemeClr val="tx1"/>
                 </a:solidFill>
@@ -2171,7 +2168,7 @@
               </a:rPr>
               <a:t> method which is not obvious without looking at more code than they usually have to look at for the rest of the classes.</a:t>
             </a:r>
-            <a:endParaRPr lang="en-US" sz="1200" kern="1200" dirty="0" smtClean="0">
+            <a:endParaRPr lang="en-US" sz="1200" kern="1200" dirty="0">
               <a:solidFill>
                 <a:schemeClr val="tx1"/>
               </a:solidFill>
@@ -2181,7 +2178,7 @@
             </a:endParaRPr>
           </a:p>
           <a:p>
-            <a:endParaRPr lang="en-US" sz="1200" kern="1200" dirty="0" smtClean="0">
+            <a:endParaRPr lang="en-US" sz="1200" kern="1200" dirty="0">
               <a:solidFill>
                 <a:schemeClr val="tx1"/>
               </a:solidFill>
@@ -2192,7 +2189,7 @@
           </a:p>
           <a:p>
             <a:r>
-              <a:rPr lang="en-US" sz="1200" kern="1200" dirty="0" smtClean="0">
+              <a:rPr lang="en-US" sz="1200" kern="1200" dirty="0">
                 <a:solidFill>
                   <a:schemeClr val="tx1"/>
                 </a:solidFill>
@@ -2205,7 +2202,7 @@
           </a:p>
           <a:p>
             <a:r>
-              <a:rPr lang="en-US" sz="1200" b="1" kern="1200" dirty="0" smtClean="0">
+              <a:rPr lang="en-US" sz="1200" b="1" kern="1200" dirty="0">
                 <a:solidFill>
                   <a:schemeClr val="tx1"/>
                 </a:solidFill>
@@ -2216,7 +2213,7 @@
               <a:t>public </a:t>
             </a:r>
             <a:r>
-              <a:rPr lang="en-US" sz="1200" b="1" kern="1200" dirty="0" err="1" smtClean="0">
+              <a:rPr lang="en-US" sz="1200" b="1" kern="1200" dirty="0" err="1">
                 <a:solidFill>
                   <a:schemeClr val="tx1"/>
                 </a:solidFill>
@@ -2227,7 +2224,7 @@
               <a:t>boolean</a:t>
             </a:r>
             <a:r>
-              <a:rPr lang="en-US" sz="1200" b="1" kern="1200" dirty="0" smtClean="0">
+              <a:rPr lang="en-US" sz="1200" b="1" kern="1200" dirty="0">
                 <a:solidFill>
                   <a:schemeClr val="tx1"/>
                 </a:solidFill>
@@ -2238,7 +2235,7 @@
               <a:t> </a:t>
             </a:r>
             <a:r>
-              <a:rPr lang="en-US" sz="1200" b="1" kern="1200" dirty="0" err="1" smtClean="0">
+              <a:rPr lang="en-US" sz="1200" b="1" kern="1200" dirty="0" err="1">
                 <a:solidFill>
                   <a:schemeClr val="tx1"/>
                 </a:solidFill>
@@ -2249,7 +2246,7 @@
               <a:t>checkAttack</a:t>
             </a:r>
             <a:r>
-              <a:rPr lang="en-US" sz="1200" b="1" kern="1200" dirty="0" smtClean="0">
+              <a:rPr lang="en-US" sz="1200" b="1" kern="1200" dirty="0">
                 <a:solidFill>
                   <a:schemeClr val="tx1"/>
                 </a:solidFill>
@@ -2260,7 +2257,7 @@
               <a:t>(</a:t>
             </a:r>
             <a:r>
-              <a:rPr lang="en-US" sz="1200" b="1" kern="1200" dirty="0" err="1" smtClean="0">
+              <a:rPr lang="en-US" sz="1200" b="1" kern="1200" dirty="0" err="1">
                 <a:solidFill>
                   <a:schemeClr val="tx1"/>
                 </a:solidFill>
@@ -2271,7 +2268,7 @@
               <a:t>int</a:t>
             </a:r>
             <a:r>
-              <a:rPr lang="en-US" sz="1200" b="1" kern="1200" dirty="0" smtClean="0">
+              <a:rPr lang="en-US" sz="1200" b="1" kern="1200" dirty="0">
                 <a:solidFill>
                   <a:schemeClr val="tx1"/>
                 </a:solidFill>
@@ -2282,7 +2279,7 @@
               <a:t> dx, </a:t>
             </a:r>
             <a:r>
-              <a:rPr lang="en-US" sz="1200" b="1" kern="1200" dirty="0" err="1" smtClean="0">
+              <a:rPr lang="en-US" sz="1200" b="1" kern="1200" dirty="0" err="1">
                 <a:solidFill>
                   <a:schemeClr val="tx1"/>
                 </a:solidFill>
@@ -2293,7 +2290,7 @@
               <a:t>int</a:t>
             </a:r>
             <a:r>
-              <a:rPr lang="en-US" sz="1200" b="1" kern="1200" dirty="0" smtClean="0">
+              <a:rPr lang="en-US" sz="1200" b="1" kern="1200" dirty="0">
                 <a:solidFill>
                   <a:schemeClr val="tx1"/>
                 </a:solidFill>
@@ -2304,7 +2301,7 @@
               <a:t> </a:t>
             </a:r>
             <a:r>
-              <a:rPr lang="en-US" sz="1200" b="1" kern="1200" dirty="0" err="1" smtClean="0">
+              <a:rPr lang="en-US" sz="1200" b="1" kern="1200" dirty="0" err="1">
                 <a:solidFill>
                   <a:schemeClr val="tx1"/>
                 </a:solidFill>
@@ -2315,7 +2312,7 @@
               <a:t>dy</a:t>
             </a:r>
             <a:r>
-              <a:rPr lang="en-US" sz="1200" b="1" kern="1200" dirty="0" smtClean="0">
+              <a:rPr lang="en-US" sz="1200" b="1" kern="1200" dirty="0">
                 <a:solidFill>
                   <a:schemeClr val="tx1"/>
                 </a:solidFill>
@@ -2326,7 +2323,7 @@
               <a:t>, </a:t>
             </a:r>
             <a:r>
-              <a:rPr lang="en-US" sz="1200" b="1" kern="1200" dirty="0" err="1" smtClean="0">
+              <a:rPr lang="en-US" sz="1200" b="1" kern="1200" dirty="0" err="1">
                 <a:solidFill>
                   <a:schemeClr val="tx1"/>
                 </a:solidFill>
@@ -2337,7 +2334,7 @@
               <a:t>ChessPiece</a:t>
             </a:r>
             <a:r>
-              <a:rPr lang="en-US" sz="1200" b="1" kern="1200" dirty="0" smtClean="0">
+              <a:rPr lang="en-US" sz="1200" b="1" kern="1200" dirty="0">
                 <a:solidFill>
                   <a:schemeClr val="tx1"/>
                 </a:solidFill>
@@ -2350,7 +2347,7 @@
           </a:p>
           <a:p>
             <a:r>
-              <a:rPr lang="en-US" sz="1200" b="1" kern="1200" dirty="0" smtClean="0">
+              <a:rPr lang="en-US" sz="1200" b="1" kern="1200" dirty="0">
                 <a:solidFill>
                   <a:schemeClr val="tx1"/>
                 </a:solidFill>
@@ -2361,7 +2358,7 @@
               <a:t>if (</a:t>
             </a:r>
             <a:r>
-              <a:rPr lang="en-US" sz="1200" b="1" kern="1200" dirty="0" err="1" smtClean="0">
+              <a:rPr lang="en-US" sz="1200" b="1" kern="1200" dirty="0" err="1">
                 <a:solidFill>
                   <a:schemeClr val="tx1"/>
                 </a:solidFill>
@@ -2372,7 +2369,7 @@
               <a:t>this.isWhite</a:t>
             </a:r>
             <a:r>
-              <a:rPr lang="en-US" sz="1200" b="1" kern="1200" dirty="0" smtClean="0">
+              <a:rPr lang="en-US" sz="1200" b="1" kern="1200" dirty="0">
                 <a:solidFill>
                   <a:schemeClr val="tx1"/>
                 </a:solidFill>
@@ -2383,7 +2380,7 @@
               <a:t>() == </a:t>
             </a:r>
             <a:r>
-              <a:rPr lang="en-US" sz="1200" b="1" kern="1200" dirty="0" err="1" smtClean="0">
+              <a:rPr lang="en-US" sz="1200" b="1" kern="1200" dirty="0" err="1">
                 <a:solidFill>
                   <a:schemeClr val="tx1"/>
                 </a:solidFill>
@@ -2394,7 +2391,7 @@
               <a:t>piece.isWhite</a:t>
             </a:r>
             <a:r>
-              <a:rPr lang="en-US" sz="1200" b="1" kern="1200" dirty="0" smtClean="0">
+              <a:rPr lang="en-US" sz="1200" b="1" kern="1200" dirty="0">
                 <a:solidFill>
                   <a:schemeClr val="tx1"/>
                 </a:solidFill>
@@ -2407,7 +2404,7 @@
           </a:p>
           <a:p>
             <a:r>
-              <a:rPr lang="en-US" sz="1200" b="1" kern="1200" dirty="0" smtClean="0">
+              <a:rPr lang="en-US" sz="1200" b="1" kern="1200" dirty="0">
                 <a:solidFill>
                   <a:schemeClr val="tx1"/>
                 </a:solidFill>
@@ -2420,7 +2417,7 @@
           </a:p>
           <a:p>
             <a:r>
-              <a:rPr lang="en-US" sz="1200" kern="1200" dirty="0" smtClean="0">
+              <a:rPr lang="en-US" sz="1200" kern="1200" dirty="0">
                 <a:solidFill>
                   <a:schemeClr val="tx1"/>
                 </a:solidFill>
@@ -2433,7 +2430,7 @@
           </a:p>
           <a:p>
             <a:r>
-              <a:rPr lang="en-US" sz="1200" b="1" kern="1200" dirty="0" smtClean="0">
+              <a:rPr lang="en-US" sz="1200" b="1" kern="1200" dirty="0">
                 <a:solidFill>
                   <a:schemeClr val="tx1"/>
                 </a:solidFill>
@@ -2444,7 +2441,7 @@
               <a:t>if (!</a:t>
             </a:r>
             <a:r>
-              <a:rPr lang="en-US" sz="1200" b="1" kern="1200" dirty="0" err="1" smtClean="0">
+              <a:rPr lang="en-US" sz="1200" b="1" kern="1200" dirty="0" err="1">
                 <a:solidFill>
                   <a:schemeClr val="tx1"/>
                 </a:solidFill>
@@ -2455,7 +2452,7 @@
               <a:t>movedCorrectDirection</a:t>
             </a:r>
             <a:r>
-              <a:rPr lang="en-US" sz="1200" b="1" kern="1200" dirty="0" smtClean="0">
+              <a:rPr lang="en-US" sz="1200" b="1" kern="1200" dirty="0">
                 <a:solidFill>
                   <a:schemeClr val="tx1"/>
                 </a:solidFill>
@@ -2466,7 +2463,7 @@
               <a:t>(</a:t>
             </a:r>
             <a:r>
-              <a:rPr lang="en-US" sz="1200" b="1" kern="1200" dirty="0" err="1" smtClean="0">
+              <a:rPr lang="en-US" sz="1200" b="1" kern="1200" dirty="0" err="1">
                 <a:solidFill>
                   <a:schemeClr val="tx1"/>
                 </a:solidFill>
@@ -2477,7 +2474,7 @@
               <a:t>dy</a:t>
             </a:r>
             <a:r>
-              <a:rPr lang="en-US" sz="1200" b="1" kern="1200" dirty="0" smtClean="0">
+              <a:rPr lang="en-US" sz="1200" b="1" kern="1200" dirty="0">
                 <a:solidFill>
                   <a:schemeClr val="tx1"/>
                 </a:solidFill>
@@ -2490,7 +2487,7 @@
           </a:p>
           <a:p>
             <a:r>
-              <a:rPr lang="en-US" sz="1200" b="1" kern="1200" dirty="0" smtClean="0">
+              <a:rPr lang="en-US" sz="1200" b="1" kern="1200" dirty="0">
                 <a:solidFill>
                   <a:schemeClr val="tx1"/>
                 </a:solidFill>
@@ -2503,7 +2500,7 @@
           </a:p>
           <a:p>
             <a:r>
-              <a:rPr lang="en-US" sz="1200" kern="1200" dirty="0" smtClean="0">
+              <a:rPr lang="en-US" sz="1200" kern="1200" dirty="0">
                 <a:solidFill>
                   <a:schemeClr val="tx1"/>
                 </a:solidFill>
@@ -2516,7 +2513,7 @@
           </a:p>
           <a:p>
             <a:r>
-              <a:rPr lang="en-US" sz="1200" kern="1200" dirty="0" smtClean="0">
+              <a:rPr lang="en-US" sz="1200" kern="1200" dirty="0">
                 <a:solidFill>
                   <a:schemeClr val="tx1"/>
                 </a:solidFill>
@@ -2527,7 +2524,7 @@
               <a:t>dx = </a:t>
             </a:r>
             <a:r>
-              <a:rPr lang="en-US" sz="1200" kern="1200" dirty="0" err="1" smtClean="0">
+              <a:rPr lang="en-US" sz="1200" kern="1200" dirty="0" err="1">
                 <a:solidFill>
                   <a:schemeClr val="tx1"/>
                 </a:solidFill>
@@ -2538,7 +2535,7 @@
               <a:t>Math.abs</a:t>
             </a:r>
             <a:r>
-              <a:rPr lang="en-US" sz="1200" kern="1200" dirty="0" smtClean="0">
+              <a:rPr lang="en-US" sz="1200" kern="1200" dirty="0">
                 <a:solidFill>
                   <a:schemeClr val="tx1"/>
                 </a:solidFill>
@@ -2551,7 +2548,7 @@
           </a:p>
           <a:p>
             <a:r>
-              <a:rPr lang="en-US" sz="1200" kern="1200" dirty="0" err="1" smtClean="0">
+              <a:rPr lang="en-US" sz="1200" kern="1200" dirty="0" err="1">
                 <a:solidFill>
                   <a:schemeClr val="tx1"/>
                 </a:solidFill>
@@ -2562,7 +2559,7 @@
               <a:t>dy</a:t>
             </a:r>
             <a:r>
-              <a:rPr lang="en-US" sz="1200" kern="1200" dirty="0" smtClean="0">
+              <a:rPr lang="en-US" sz="1200" kern="1200" dirty="0">
                 <a:solidFill>
                   <a:schemeClr val="tx1"/>
                 </a:solidFill>
@@ -2573,7 +2570,7 @@
               <a:t> = </a:t>
             </a:r>
             <a:r>
-              <a:rPr lang="en-US" sz="1200" kern="1200" dirty="0" err="1" smtClean="0">
+              <a:rPr lang="en-US" sz="1200" kern="1200" dirty="0" err="1">
                 <a:solidFill>
                   <a:schemeClr val="tx1"/>
                 </a:solidFill>
@@ -2584,7 +2581,7 @@
               <a:t>Math.abs</a:t>
             </a:r>
             <a:r>
-              <a:rPr lang="en-US" sz="1200" kern="1200" dirty="0" smtClean="0">
+              <a:rPr lang="en-US" sz="1200" kern="1200" dirty="0">
                 <a:solidFill>
                   <a:schemeClr val="tx1"/>
                 </a:solidFill>
@@ -2595,7 +2592,7 @@
               <a:t>(</a:t>
             </a:r>
             <a:r>
-              <a:rPr lang="en-US" sz="1200" kern="1200" dirty="0" err="1" smtClean="0">
+              <a:rPr lang="en-US" sz="1200" kern="1200" dirty="0" err="1">
                 <a:solidFill>
                   <a:schemeClr val="tx1"/>
                 </a:solidFill>
@@ -2606,7 +2603,7 @@
               <a:t>dy</a:t>
             </a:r>
             <a:r>
-              <a:rPr lang="en-US" sz="1200" kern="1200" dirty="0" smtClean="0">
+              <a:rPr lang="en-US" sz="1200" kern="1200" dirty="0">
                 <a:solidFill>
                   <a:schemeClr val="tx1"/>
                 </a:solidFill>
@@ -2619,7 +2616,7 @@
           </a:p>
           <a:p>
             <a:r>
-              <a:rPr lang="en-US" sz="1200" b="1" kern="1200" dirty="0" smtClean="0">
+              <a:rPr lang="en-US" sz="1200" b="1" kern="1200" dirty="0">
                 <a:solidFill>
                   <a:schemeClr val="tx1"/>
                 </a:solidFill>
@@ -2630,7 +2627,7 @@
               <a:t>return dx == 1 &amp;&amp; </a:t>
             </a:r>
             <a:r>
-              <a:rPr lang="en-US" sz="1200" b="1" kern="1200" dirty="0" err="1" smtClean="0">
+              <a:rPr lang="en-US" sz="1200" b="1" kern="1200" dirty="0" err="1">
                 <a:solidFill>
                   <a:schemeClr val="tx1"/>
                 </a:solidFill>
@@ -2641,7 +2638,7 @@
               <a:t>dy</a:t>
             </a:r>
             <a:r>
-              <a:rPr lang="en-US" sz="1200" b="1" kern="1200" dirty="0" smtClean="0">
+              <a:rPr lang="en-US" sz="1200" b="1" kern="1200" dirty="0">
                 <a:solidFill>
                   <a:schemeClr val="tx1"/>
                 </a:solidFill>
@@ -2654,7 +2651,7 @@
           </a:p>
           <a:p>
             <a:r>
-              <a:rPr lang="en-US" sz="1200" kern="1200" dirty="0" smtClean="0">
+              <a:rPr lang="en-US" sz="1200" kern="1200" dirty="0">
                 <a:solidFill>
                   <a:schemeClr val="tx1"/>
                 </a:solidFill>
@@ -2859,7 +2856,7 @@
           <a:bodyPr/>
           <a:lstStyle/>
           <a:p>
-            <a:endParaRPr lang="en-US" smtClean="0"/>
+            <a:endParaRPr lang="en-US"/>
           </a:p>
         </p:txBody>
       </p:sp>
@@ -2885,7 +2882,7 @@
               <a:pPr/>
               <a:t>2</a:t>
             </a:fld>
-            <a:endParaRPr lang="en-US" smtClean="0"/>
+            <a:endParaRPr lang="en-US"/>
           </a:p>
         </p:txBody>
       </p:sp>
@@ -2960,7 +2957,7 @@
           <a:lstStyle/>
           <a:p>
             <a:r>
-              <a:rPr lang="en-US" smtClean="0"/>
+              <a:rPr lang="en-US"/>
               <a:t>- animated bullets</a:t>
             </a:r>
           </a:p>
@@ -2988,7 +2985,7 @@
               <a:pPr/>
               <a:t>3</a:t>
             </a:fld>
-            <a:endParaRPr lang="en-US" smtClean="0"/>
+            <a:endParaRPr lang="en-US"/>
           </a:p>
         </p:txBody>
       </p:sp>
@@ -3063,13 +3060,13 @@
           <a:lstStyle/>
           <a:p>
             <a:r>
-              <a:rPr lang="en-US" smtClean="0"/>
+              <a:rPr lang="en-US"/>
               <a:t>Draw a Venn diagram here showing the set of all SavingsAccounts is a subset of the set of all BankAccounts.  Subclass is like subset.</a:t>
             </a:r>
           </a:p>
           <a:p>
             <a:r>
-              <a:rPr lang="en-US" smtClean="0"/>
+              <a:rPr lang="en-US"/>
               <a:t>(Also inheritance flows down, so subclasses are below superclasses.)</a:t>
             </a:r>
           </a:p>
@@ -3097,7 +3094,7 @@
               <a:pPr/>
               <a:t>4</a:t>
             </a:fld>
-            <a:endParaRPr lang="en-US" smtClean="0"/>
+            <a:endParaRPr lang="en-US"/>
           </a:p>
         </p:txBody>
       </p:sp>
@@ -3172,23 +3169,23 @@
           <a:lstStyle/>
           <a:p>
             <a:r>
-              <a:rPr lang="en-US" dirty="0" smtClean="0"/>
+              <a:rPr lang="en-US" dirty="0"/>
               <a:t>[Show code example here, just looking at code for </a:t>
             </a:r>
             <a:r>
-              <a:rPr lang="en-US" dirty="0" err="1" smtClean="0"/>
+              <a:rPr lang="en-US" dirty="0" err="1"/>
               <a:t>BankAccount</a:t>
             </a:r>
             <a:r>
-              <a:rPr lang="en-US" dirty="0" smtClean="0"/>
+              <a:rPr lang="en-US" dirty="0"/>
               <a:t> and </a:t>
             </a:r>
             <a:r>
-              <a:rPr lang="en-US" dirty="0" err="1" smtClean="0"/>
+              <a:rPr lang="en-US" dirty="0" err="1"/>
               <a:t>SavingsAccount</a:t>
             </a:r>
             <a:r>
-              <a:rPr lang="en-US" dirty="0" smtClean="0"/>
+              <a:rPr lang="en-US" dirty="0"/>
               <a:t> (not writing it live)]</a:t>
             </a:r>
           </a:p>
@@ -3216,7 +3213,7 @@
               <a:pPr/>
               <a:t>5</a:t>
             </a:fld>
-            <a:endParaRPr lang="en-US" smtClean="0"/>
+            <a:endParaRPr lang="en-US"/>
           </a:p>
         </p:txBody>
       </p:sp>
@@ -3278,12 +3275,12 @@
           <a:lstStyle/>
           <a:p>
             <a:r>
-              <a:rPr lang="en-US" dirty="0" smtClean="0"/>
+              <a:rPr lang="en-US" dirty="0"/>
               <a:t>Add a main method:</a:t>
             </a:r>
           </a:p>
           <a:p>
-            <a:endParaRPr lang="en-US" sz="1200" b="1" kern="1200" dirty="0" smtClean="0">
+            <a:endParaRPr lang="en-US" sz="1200" b="1" kern="1200" dirty="0">
               <a:solidFill>
                 <a:schemeClr val="tx1"/>
               </a:solidFill>
@@ -3294,7 +3291,7 @@
           </a:p>
           <a:p>
             <a:r>
-              <a:rPr lang="en-US" sz="1200" b="1" kern="1200" dirty="0" smtClean="0">
+              <a:rPr lang="en-US" sz="1200" b="1" kern="1200" dirty="0">
                 <a:solidFill>
                   <a:schemeClr val="tx1"/>
                 </a:solidFill>
@@ -3305,7 +3302,7 @@
               <a:t>public static void main(String[] </a:t>
             </a:r>
             <a:r>
-              <a:rPr lang="en-US" sz="1200" b="1" kern="1200" dirty="0" err="1" smtClean="0">
+              <a:rPr lang="en-US" sz="1200" b="1" kern="1200" dirty="0" err="1">
                 <a:solidFill>
                   <a:schemeClr val="tx1"/>
                 </a:solidFill>
@@ -3316,7 +3313,7 @@
               <a:t>args</a:t>
             </a:r>
             <a:r>
-              <a:rPr lang="en-US" sz="1200" b="1" kern="1200" dirty="0" smtClean="0">
+              <a:rPr lang="en-US" sz="1200" b="1" kern="1200" dirty="0">
                 <a:solidFill>
                   <a:schemeClr val="tx1"/>
                 </a:solidFill>
@@ -3329,7 +3326,7 @@
           </a:p>
           <a:p>
             <a:r>
-              <a:rPr lang="en-US" sz="1200" kern="1200" dirty="0" err="1" smtClean="0">
+              <a:rPr lang="en-US" sz="1200" kern="1200" dirty="0" err="1">
                 <a:solidFill>
                   <a:schemeClr val="tx1"/>
                 </a:solidFill>
@@ -3340,7 +3337,7 @@
               <a:t>SavingsAccount</a:t>
             </a:r>
             <a:r>
-              <a:rPr lang="en-US" sz="1200" kern="1200" dirty="0" smtClean="0">
+              <a:rPr lang="en-US" sz="1200" kern="1200" dirty="0">
                 <a:solidFill>
                   <a:schemeClr val="tx1"/>
                 </a:solidFill>
@@ -3351,7 +3348,7 @@
               <a:t> </a:t>
             </a:r>
             <a:r>
-              <a:rPr lang="en-US" sz="1200" kern="1200" dirty="0" err="1" smtClean="0">
+              <a:rPr lang="en-US" sz="1200" kern="1200" dirty="0" err="1">
                 <a:solidFill>
                   <a:schemeClr val="tx1"/>
                 </a:solidFill>
@@ -3362,7 +3359,7 @@
               <a:t>sa</a:t>
             </a:r>
             <a:r>
-              <a:rPr lang="en-US" sz="1200" kern="1200" dirty="0" smtClean="0">
+              <a:rPr lang="en-US" sz="1200" kern="1200" dirty="0">
                 <a:solidFill>
                   <a:schemeClr val="tx1"/>
                 </a:solidFill>
@@ -3373,7 +3370,7 @@
               <a:t> = </a:t>
             </a:r>
             <a:r>
-              <a:rPr lang="en-US" sz="1200" b="1" kern="1200" dirty="0" smtClean="0">
+              <a:rPr lang="en-US" sz="1200" b="1" kern="1200" dirty="0">
                 <a:solidFill>
                   <a:schemeClr val="tx1"/>
                 </a:solidFill>
@@ -3384,7 +3381,7 @@
               <a:t>new </a:t>
             </a:r>
             <a:r>
-              <a:rPr lang="en-US" sz="1200" b="1" kern="1200" dirty="0" err="1" smtClean="0">
+              <a:rPr lang="en-US" sz="1200" b="1" kern="1200" dirty="0" err="1">
                 <a:solidFill>
                   <a:schemeClr val="tx1"/>
                 </a:solidFill>
@@ -3395,7 +3392,7 @@
               <a:t>SavingsAccount</a:t>
             </a:r>
             <a:r>
-              <a:rPr lang="en-US" sz="1200" b="1" kern="1200" dirty="0" smtClean="0">
+              <a:rPr lang="en-US" sz="1200" b="1" kern="1200" dirty="0">
                 <a:solidFill>
                   <a:schemeClr val="tx1"/>
                 </a:solidFill>
@@ -3408,7 +3405,7 @@
           </a:p>
           <a:p>
             <a:r>
-              <a:rPr lang="en-US" sz="1200" kern="1200" dirty="0" err="1" smtClean="0">
+              <a:rPr lang="en-US" sz="1200" kern="1200" dirty="0" err="1">
                 <a:solidFill>
                   <a:schemeClr val="tx1"/>
                 </a:solidFill>
@@ -3419,7 +3416,7 @@
               <a:t>sa.deposit</a:t>
             </a:r>
             <a:r>
-              <a:rPr lang="en-US" sz="1200" kern="1200" dirty="0" smtClean="0">
+              <a:rPr lang="en-US" sz="1200" kern="1200" dirty="0">
                 <a:solidFill>
                   <a:schemeClr val="tx1"/>
                 </a:solidFill>
@@ -3432,7 +3429,7 @@
           </a:p>
           <a:p>
             <a:r>
-              <a:rPr lang="en-US" sz="1200" kern="1200" dirty="0" err="1" smtClean="0">
+              <a:rPr lang="en-US" sz="1200" kern="1200" dirty="0" err="1">
                 <a:solidFill>
                   <a:schemeClr val="tx1"/>
                 </a:solidFill>
@@ -3443,7 +3440,7 @@
               <a:t>System.</a:t>
             </a:r>
             <a:r>
-              <a:rPr lang="en-US" sz="1200" b="1" i="1" kern="1200" dirty="0" err="1" smtClean="0">
+              <a:rPr lang="en-US" sz="1200" b="1" i="1" kern="1200" dirty="0" err="1">
                 <a:solidFill>
                   <a:schemeClr val="tx1"/>
                 </a:solidFill>
@@ -3454,7 +3451,7 @@
               <a:t>out.println</a:t>
             </a:r>
             <a:r>
-              <a:rPr lang="en-US" sz="1200" b="1" i="1" kern="1200" dirty="0" smtClean="0">
+              <a:rPr lang="en-US" sz="1200" b="1" i="1" kern="1200" dirty="0">
                 <a:solidFill>
                   <a:schemeClr val="tx1"/>
                 </a:solidFill>
@@ -3465,7 +3462,7 @@
               <a:t>(</a:t>
             </a:r>
             <a:r>
-              <a:rPr lang="en-US" sz="1200" b="1" i="1" kern="1200" dirty="0" err="1" smtClean="0">
+              <a:rPr lang="en-US" sz="1200" b="1" i="1" kern="1200" dirty="0" err="1">
                 <a:solidFill>
                   <a:schemeClr val="tx1"/>
                 </a:solidFill>
@@ -3476,7 +3473,7 @@
               <a:t>sa.getBalance</a:t>
             </a:r>
             <a:r>
-              <a:rPr lang="en-US" sz="1200" b="1" i="1" kern="1200" dirty="0" smtClean="0">
+              <a:rPr lang="en-US" sz="1200" b="1" i="1" kern="1200" dirty="0">
                 <a:solidFill>
                   <a:schemeClr val="tx1"/>
                 </a:solidFill>
@@ -3489,7 +3486,7 @@
           </a:p>
           <a:p>
             <a:r>
-              <a:rPr lang="en-US" sz="1200" kern="1200" dirty="0" err="1" smtClean="0">
+              <a:rPr lang="en-US" sz="1200" kern="1200" dirty="0" err="1">
                 <a:solidFill>
                   <a:schemeClr val="tx1"/>
                 </a:solidFill>
@@ -3500,7 +3497,7 @@
               <a:t>sa.addInterest</a:t>
             </a:r>
             <a:r>
-              <a:rPr lang="en-US" sz="1200" kern="1200" dirty="0" smtClean="0">
+              <a:rPr lang="en-US" sz="1200" kern="1200" dirty="0">
                 <a:solidFill>
                   <a:schemeClr val="tx1"/>
                 </a:solidFill>
@@ -3513,7 +3510,7 @@
           </a:p>
           <a:p>
             <a:r>
-              <a:rPr lang="en-US" sz="1200" kern="1200" dirty="0" err="1" smtClean="0">
+              <a:rPr lang="en-US" sz="1200" kern="1200" dirty="0" err="1">
                 <a:solidFill>
                   <a:schemeClr val="tx1"/>
                 </a:solidFill>
@@ -3524,7 +3521,7 @@
               <a:t>System.</a:t>
             </a:r>
             <a:r>
-              <a:rPr lang="en-US" sz="1200" b="1" i="1" kern="1200" dirty="0" err="1" smtClean="0">
+              <a:rPr lang="en-US" sz="1200" b="1" i="1" kern="1200" dirty="0" err="1">
                 <a:solidFill>
                   <a:schemeClr val="tx1"/>
                 </a:solidFill>
@@ -3535,7 +3532,7 @@
               <a:t>out.println</a:t>
             </a:r>
             <a:r>
-              <a:rPr lang="en-US" sz="1200" b="1" i="1" kern="1200" dirty="0" smtClean="0">
+              <a:rPr lang="en-US" sz="1200" b="1" i="1" kern="1200" dirty="0">
                 <a:solidFill>
                   <a:schemeClr val="tx1"/>
                 </a:solidFill>
@@ -3546,7 +3543,7 @@
               <a:t>(</a:t>
             </a:r>
             <a:r>
-              <a:rPr lang="en-US" sz="1200" b="1" i="1" kern="1200" dirty="0" err="1" smtClean="0">
+              <a:rPr lang="en-US" sz="1200" b="1" i="1" kern="1200" dirty="0" err="1">
                 <a:solidFill>
                   <a:schemeClr val="tx1"/>
                 </a:solidFill>
@@ -3557,7 +3554,7 @@
               <a:t>sa.getBalance</a:t>
             </a:r>
             <a:r>
-              <a:rPr lang="en-US" sz="1200" b="1" i="1" kern="1200" dirty="0" smtClean="0">
+              <a:rPr lang="en-US" sz="1200" b="1" i="1" kern="1200" dirty="0">
                 <a:solidFill>
                   <a:schemeClr val="tx1"/>
                 </a:solidFill>
@@ -3570,7 +3567,7 @@
           </a:p>
           <a:p>
             <a:r>
-              <a:rPr lang="en-US" sz="1200" kern="1200" dirty="0" smtClean="0">
+              <a:rPr lang="en-US" sz="1200" kern="1200" dirty="0">
                 <a:solidFill>
                   <a:schemeClr val="tx1"/>
                 </a:solidFill>
@@ -3582,7 +3579,7 @@
             </a:r>
           </a:p>
           <a:p>
-            <a:endParaRPr lang="en-US" sz="1200" kern="1200" dirty="0" smtClean="0">
+            <a:endParaRPr lang="en-US" sz="1200" kern="1200" dirty="0">
               <a:solidFill>
                 <a:schemeClr val="tx1"/>
               </a:solidFill>
@@ -3593,7 +3590,7 @@
           </a:p>
           <a:p>
             <a:r>
-              <a:rPr lang="en-US" sz="1200" kern="1200" dirty="0" smtClean="0">
+              <a:rPr lang="en-US" sz="1200" kern="1200" dirty="0">
                 <a:solidFill>
                   <a:schemeClr val="tx1"/>
                 </a:solidFill>
@@ -3604,7 +3601,7 @@
               <a:t>Ask</a:t>
             </a:r>
             <a:r>
-              <a:rPr lang="en-US" sz="1200" kern="1200" baseline="0" dirty="0" smtClean="0">
+              <a:rPr lang="en-US" sz="1200" kern="1200" baseline="0" dirty="0">
                 <a:solidFill>
                   <a:schemeClr val="tx1"/>
                 </a:solidFill>
@@ -3615,7 +3612,7 @@
               <a:t> students, “H</a:t>
             </a:r>
             <a:r>
-              <a:rPr lang="en-US" sz="1200" kern="1200" dirty="0" smtClean="0">
+              <a:rPr lang="en-US" sz="1200" kern="1200" dirty="0">
                 <a:solidFill>
                   <a:schemeClr val="tx1"/>
                 </a:solidFill>
@@ -3626,7 +3623,7 @@
               <a:t>ow does </a:t>
             </a:r>
             <a:r>
-              <a:rPr lang="en-US" sz="1200" b="1" kern="1200" dirty="0" err="1" smtClean="0">
+              <a:rPr lang="en-US" sz="1200" b="1" kern="1200" dirty="0" err="1">
                 <a:solidFill>
                   <a:schemeClr val="tx1"/>
                 </a:solidFill>
@@ -3637,7 +3634,7 @@
               <a:t>sa</a:t>
             </a:r>
             <a:r>
-              <a:rPr lang="en-US" sz="1200" kern="1200" dirty="0" smtClean="0">
+              <a:rPr lang="en-US" sz="1200" kern="1200" dirty="0">
                 <a:solidFill>
                   <a:schemeClr val="tx1"/>
                 </a:solidFill>
@@ -3648,7 +3645,7 @@
               <a:t> know its starting</a:t>
             </a:r>
             <a:r>
-              <a:rPr lang="en-US" sz="1200" kern="1200" baseline="0" dirty="0" smtClean="0">
+              <a:rPr lang="en-US" sz="1200" kern="1200" baseline="0" dirty="0">
                 <a:solidFill>
                   <a:schemeClr val="tx1"/>
                 </a:solidFill>
@@ -3658,7 +3655,7 @@
               </a:rPr>
               <a:t> balance?”</a:t>
             </a:r>
-            <a:endParaRPr lang="en-US" dirty="0" smtClean="0"/>
+            <a:endParaRPr lang="en-US" dirty="0"/>
           </a:p>
           <a:p>
             <a:endParaRPr lang="en-US" dirty="0"/>
@@ -3752,19 +3749,19 @@
           <a:lstStyle/>
           <a:p>
             <a:r>
-              <a:rPr lang="en-US" dirty="0" smtClean="0"/>
+              <a:rPr lang="en-US" dirty="0"/>
               <a:t>We will implement </a:t>
             </a:r>
             <a:r>
-              <a:rPr lang="en-US" dirty="0" err="1" smtClean="0"/>
+              <a:rPr lang="en-US" dirty="0" err="1"/>
               <a:t>CheckingAccount</a:t>
             </a:r>
             <a:r>
-              <a:rPr lang="en-US" baseline="0" dirty="0" smtClean="0"/>
+              <a:rPr lang="en-US" baseline="0" dirty="0"/>
               <a:t> in a </a:t>
             </a:r>
             <a:r>
-              <a:rPr lang="en-US" baseline="0" smtClean="0"/>
+              <a:rPr lang="en-US" baseline="0"/>
               <a:t>little while.</a:t>
             </a:r>
             <a:endParaRPr lang="en-US"/>
@@ -3871,110 +3868,110 @@
           <a:lstStyle/>
           <a:p>
             <a:r>
-              <a:rPr lang="en-US" dirty="0" smtClean="0"/>
+              <a:rPr lang="en-US" dirty="0"/>
               <a:t>Advanced code sometimes has deep inheritance hierarchies</a:t>
             </a:r>
           </a:p>
           <a:p>
             <a:r>
-              <a:rPr lang="en-US" dirty="0" smtClean="0"/>
+              <a:rPr lang="en-US" dirty="0"/>
               <a:t>Trace through a few paths asking students what might be inherited and what might be added at each level (See</a:t>
             </a:r>
             <a:r>
-              <a:rPr lang="en-US" baseline="0" dirty="0" smtClean="0"/>
+              <a:rPr lang="en-US" baseline="0" dirty="0"/>
               <a:t> Figure 1 - 3, pages 422 - 3</a:t>
             </a:r>
             <a:r>
-              <a:rPr lang="en-US" dirty="0" smtClean="0"/>
+              <a:rPr lang="en-US" dirty="0"/>
               <a:t>)</a:t>
             </a:r>
           </a:p>
           <a:p>
-            <a:endParaRPr lang="en-US" dirty="0" smtClean="0"/>
-          </a:p>
-          <a:p>
-            <a:r>
-              <a:rPr lang="en-US" dirty="0" smtClean="0"/>
+            <a:endParaRPr lang="en-US" dirty="0"/>
+          </a:p>
+          <a:p>
+            <a:r>
+              <a:rPr lang="en-US" dirty="0"/>
               <a:t>Every </a:t>
             </a:r>
             <a:r>
-              <a:rPr lang="en-US" dirty="0" err="1" smtClean="0"/>
+              <a:rPr lang="en-US" dirty="0" err="1"/>
               <a:t>JComponent</a:t>
             </a:r>
             <a:r>
-              <a:rPr lang="en-US" dirty="0" smtClean="0"/>
+              <a:rPr lang="en-US" dirty="0"/>
               <a:t> has a width and a height, so the</a:t>
             </a:r>
             <a:r>
-              <a:rPr lang="en-US" baseline="0" dirty="0" smtClean="0"/>
+              <a:rPr lang="en-US" baseline="0" dirty="0"/>
               <a:t> </a:t>
             </a:r>
             <a:r>
-              <a:rPr lang="en-US" baseline="0" dirty="0" err="1" smtClean="0"/>
+              <a:rPr lang="en-US" baseline="0" dirty="0" err="1"/>
               <a:t>JComponent</a:t>
             </a:r>
             <a:r>
-              <a:rPr lang="en-US" baseline="0" dirty="0" smtClean="0"/>
+              <a:rPr lang="en-US" baseline="0" dirty="0"/>
               <a:t> class has a </a:t>
             </a:r>
             <a:r>
-              <a:rPr lang="en-US" baseline="0" dirty="0" err="1" smtClean="0"/>
+              <a:rPr lang="en-US" baseline="0" dirty="0" err="1"/>
               <a:t>getWidth</a:t>
             </a:r>
             <a:r>
-              <a:rPr lang="en-US" baseline="0" dirty="0" smtClean="0"/>
+              <a:rPr lang="en-US" baseline="0" dirty="0"/>
               <a:t>() and a </a:t>
             </a:r>
             <a:r>
-              <a:rPr lang="en-US" baseline="0" dirty="0" err="1" smtClean="0"/>
+              <a:rPr lang="en-US" baseline="0" dirty="0" err="1"/>
               <a:t>getHeight</a:t>
             </a:r>
             <a:r>
-              <a:rPr lang="en-US" baseline="0" dirty="0" smtClean="0"/>
+              <a:rPr lang="en-US" baseline="0" dirty="0"/>
               <a:t>() method.</a:t>
             </a:r>
           </a:p>
           <a:p>
-            <a:endParaRPr lang="en-US" baseline="0" dirty="0" smtClean="0"/>
-          </a:p>
-          <a:p>
-            <a:r>
-              <a:rPr lang="en-US" baseline="0" dirty="0" smtClean="0"/>
+            <a:endParaRPr lang="en-US" baseline="0" dirty="0"/>
+          </a:p>
+          <a:p>
+            <a:r>
+              <a:rPr lang="en-US" baseline="0" dirty="0"/>
               <a:t>Every </a:t>
             </a:r>
             <a:r>
-              <a:rPr lang="en-US" baseline="0" dirty="0" err="1" smtClean="0"/>
+              <a:rPr lang="en-US" baseline="0" dirty="0" err="1"/>
               <a:t>JButton</a:t>
             </a:r>
             <a:r>
-              <a:rPr lang="en-US" baseline="0" dirty="0" smtClean="0"/>
+              <a:rPr lang="en-US" baseline="0" dirty="0"/>
               <a:t> can have text or an icon on it, so the </a:t>
             </a:r>
             <a:r>
-              <a:rPr lang="en-US" baseline="0" dirty="0" err="1" smtClean="0"/>
+              <a:rPr lang="en-US" baseline="0" dirty="0" err="1"/>
               <a:t>AbstractButton</a:t>
             </a:r>
             <a:r>
-              <a:rPr lang="en-US" baseline="0" dirty="0" smtClean="0"/>
+              <a:rPr lang="en-US" baseline="0" dirty="0"/>
               <a:t> class has a </a:t>
             </a:r>
             <a:r>
-              <a:rPr lang="en-US" baseline="0" dirty="0" err="1" smtClean="0"/>
+              <a:rPr lang="en-US" baseline="0" dirty="0" err="1"/>
               <a:t>setText</a:t>
             </a:r>
             <a:r>
-              <a:rPr lang="en-US" baseline="0" dirty="0" smtClean="0"/>
+              <a:rPr lang="en-US" baseline="0" dirty="0"/>
               <a:t>() and a </a:t>
             </a:r>
             <a:r>
-              <a:rPr lang="en-US" baseline="0" dirty="0" err="1" smtClean="0"/>
+              <a:rPr lang="en-US" baseline="0" dirty="0" err="1"/>
               <a:t>setIcon</a:t>
             </a:r>
             <a:r>
-              <a:rPr lang="en-US" baseline="0" dirty="0" smtClean="0"/>
+              <a:rPr lang="en-US" baseline="0" dirty="0"/>
               <a:t>() method.</a:t>
             </a:r>
-            <a:endParaRPr lang="en-US" dirty="0" smtClean="0"/>
+            <a:endParaRPr lang="en-US" dirty="0"/>
           </a:p>
         </p:txBody>
       </p:sp>
@@ -4000,7 +3997,7 @@
               <a:pPr/>
               <a:t>8</a:t>
             </a:fld>
-            <a:endParaRPr lang="en-US" smtClean="0"/>
+            <a:endParaRPr lang="en-US"/>
           </a:p>
         </p:txBody>
       </p:sp>
@@ -4074,7 +4071,7 @@
           <a:bodyPr/>
           <a:lstStyle/>
           <a:p>
-            <a:endParaRPr lang="en-US" smtClean="0"/>
+            <a:endParaRPr lang="en-US"/>
           </a:p>
         </p:txBody>
       </p:sp>
@@ -4100,7 +4097,7 @@
               <a:pPr/>
               <a:t>9</a:t>
             </a:fld>
-            <a:endParaRPr lang="en-US" smtClean="0"/>
+            <a:endParaRPr lang="en-US"/>
           </a:p>
         </p:txBody>
       </p:sp>
@@ -4155,10 +4152,9 @@
           <a:lstStyle/>
           <a:p>
             <a:r>
-              <a:rPr lang="en-US" smtClean="0"/>
+              <a:rPr lang="en-US"/>
               <a:t>Click to edit Master title style</a:t>
             </a:r>
-            <a:endParaRPr lang="en-US"/>
           </a:p>
         </p:txBody>
       </p:sp>
@@ -4274,10 +4270,9 @@
           </a:lstStyle>
           <a:p>
             <a:r>
-              <a:rPr lang="en-US" smtClean="0"/>
+              <a:rPr lang="en-US"/>
               <a:t>Click to edit Master subtitle style</a:t>
             </a:r>
-            <a:endParaRPr lang="en-US"/>
           </a:p>
         </p:txBody>
       </p:sp>
@@ -4304,7 +4299,7 @@
               <a:pPr>
                 <a:defRPr/>
               </a:pPr>
-              <a:t>Sunday, April 19, 2020</a:t>
+              <a:t>Thursday, February 24, 2022</a:t>
             </a:fld>
             <a:endParaRPr lang="en-US" dirty="0"/>
           </a:p>
@@ -4407,10 +4402,9 @@
           <a:lstStyle/>
           <a:p>
             <a:r>
-              <a:rPr lang="en-US" smtClean="0"/>
+              <a:rPr lang="en-US"/>
               <a:t>Click to edit Master title style</a:t>
             </a:r>
-            <a:endParaRPr lang="en-US"/>
           </a:p>
         </p:txBody>
       </p:sp>
@@ -4431,38 +4425,37 @@
           <a:p>
             <a:pPr lvl="0"/>
             <a:r>
-              <a:rPr lang="en-US" smtClean="0"/>
+              <a:rPr lang="en-US"/>
               <a:t>Click to edit Master text styles</a:t>
             </a:r>
           </a:p>
           <a:p>
             <a:pPr lvl="1"/>
             <a:r>
-              <a:rPr lang="en-US" smtClean="0"/>
+              <a:rPr lang="en-US"/>
               <a:t>Second level</a:t>
             </a:r>
           </a:p>
           <a:p>
             <a:pPr lvl="2"/>
             <a:r>
-              <a:rPr lang="en-US" smtClean="0"/>
+              <a:rPr lang="en-US"/>
               <a:t>Third level</a:t>
             </a:r>
           </a:p>
           <a:p>
             <a:pPr lvl="3"/>
             <a:r>
-              <a:rPr lang="en-US" smtClean="0"/>
+              <a:rPr lang="en-US"/>
               <a:t>Fourth level</a:t>
             </a:r>
           </a:p>
           <a:p>
             <a:pPr lvl="4"/>
             <a:r>
-              <a:rPr lang="en-US" smtClean="0"/>
+              <a:rPr lang="en-US"/>
               <a:t>Fifth level</a:t>
             </a:r>
-            <a:endParaRPr lang="en-US"/>
           </a:p>
         </p:txBody>
       </p:sp>
@@ -4489,7 +4482,7 @@
               <a:pPr>
                 <a:defRPr/>
               </a:pPr>
-              <a:t>Sunday, April 19, 2020</a:t>
+              <a:t>Thursday, February 24, 2022</a:t>
             </a:fld>
             <a:endParaRPr lang="en-US" dirty="0"/>
           </a:p>
@@ -4597,10 +4590,9 @@
           <a:lstStyle/>
           <a:p>
             <a:r>
-              <a:rPr lang="en-US" smtClean="0"/>
+              <a:rPr lang="en-US"/>
               <a:t>Click to edit Master title style</a:t>
             </a:r>
-            <a:endParaRPr lang="en-US"/>
           </a:p>
         </p:txBody>
       </p:sp>
@@ -4626,38 +4618,37 @@
           <a:p>
             <a:pPr lvl="0"/>
             <a:r>
-              <a:rPr lang="en-US" smtClean="0"/>
+              <a:rPr lang="en-US"/>
               <a:t>Click to edit Master text styles</a:t>
             </a:r>
           </a:p>
           <a:p>
             <a:pPr lvl="1"/>
             <a:r>
-              <a:rPr lang="en-US" smtClean="0"/>
+              <a:rPr lang="en-US"/>
               <a:t>Second level</a:t>
             </a:r>
           </a:p>
           <a:p>
             <a:pPr lvl="2"/>
             <a:r>
-              <a:rPr lang="en-US" smtClean="0"/>
+              <a:rPr lang="en-US"/>
               <a:t>Third level</a:t>
             </a:r>
           </a:p>
           <a:p>
             <a:pPr lvl="3"/>
             <a:r>
-              <a:rPr lang="en-US" smtClean="0"/>
+              <a:rPr lang="en-US"/>
               <a:t>Fourth level</a:t>
             </a:r>
           </a:p>
           <a:p>
             <a:pPr lvl="4"/>
             <a:r>
-              <a:rPr lang="en-US" smtClean="0"/>
+              <a:rPr lang="en-US"/>
               <a:t>Fifth level</a:t>
             </a:r>
-            <a:endParaRPr lang="en-US"/>
           </a:p>
         </p:txBody>
       </p:sp>
@@ -4684,7 +4675,7 @@
               <a:pPr>
                 <a:defRPr/>
               </a:pPr>
-              <a:t>Sunday, April 19, 2020</a:t>
+              <a:t>Thursday, February 24, 2022</a:t>
             </a:fld>
             <a:endParaRPr lang="en-US" dirty="0"/>
           </a:p>
@@ -4787,10 +4778,9 @@
           <a:lstStyle/>
           <a:p>
             <a:r>
-              <a:rPr lang="en-US" smtClean="0"/>
+              <a:rPr lang="en-US"/>
               <a:t>Click to edit Master title style</a:t>
             </a:r>
-            <a:endParaRPr lang="en-US"/>
           </a:p>
         </p:txBody>
       </p:sp>
@@ -4811,38 +4801,37 @@
           <a:p>
             <a:pPr lvl="0"/>
             <a:r>
-              <a:rPr lang="en-US" smtClean="0"/>
+              <a:rPr lang="en-US"/>
               <a:t>Click to edit Master text styles</a:t>
             </a:r>
           </a:p>
           <a:p>
             <a:pPr lvl="1"/>
             <a:r>
-              <a:rPr lang="en-US" smtClean="0"/>
+              <a:rPr lang="en-US"/>
               <a:t>Second level</a:t>
             </a:r>
           </a:p>
           <a:p>
             <a:pPr lvl="2"/>
             <a:r>
-              <a:rPr lang="en-US" smtClean="0"/>
+              <a:rPr lang="en-US"/>
               <a:t>Third level</a:t>
             </a:r>
           </a:p>
           <a:p>
             <a:pPr lvl="3"/>
             <a:r>
-              <a:rPr lang="en-US" smtClean="0"/>
+              <a:rPr lang="en-US"/>
               <a:t>Fourth level</a:t>
             </a:r>
           </a:p>
           <a:p>
             <a:pPr lvl="4"/>
             <a:r>
-              <a:rPr lang="en-US" smtClean="0"/>
+              <a:rPr lang="en-US"/>
               <a:t>Fifth level</a:t>
             </a:r>
-            <a:endParaRPr lang="en-US"/>
           </a:p>
         </p:txBody>
       </p:sp>
@@ -4869,7 +4858,7 @@
               <a:pPr>
                 <a:defRPr/>
               </a:pPr>
-              <a:t>Sunday, April 19, 2020</a:t>
+              <a:t>Thursday, February 24, 2022</a:t>
             </a:fld>
             <a:endParaRPr lang="en-US" dirty="0"/>
           </a:p>
@@ -4981,10 +4970,9 @@
           </a:lstStyle>
           <a:p>
             <a:r>
-              <a:rPr lang="en-US" smtClean="0"/>
+              <a:rPr lang="en-US"/>
               <a:t>Click to edit Master title style</a:t>
             </a:r>
-            <a:endParaRPr lang="en-US"/>
           </a:p>
         </p:txBody>
       </p:sp>
@@ -5101,7 +5089,7 @@
           <a:p>
             <a:pPr lvl="0"/>
             <a:r>
-              <a:rPr lang="en-US" smtClean="0"/>
+              <a:rPr lang="en-US"/>
               <a:t>Click to edit Master text styles</a:t>
             </a:r>
           </a:p>
@@ -5130,7 +5118,7 @@
               <a:pPr>
                 <a:defRPr/>
               </a:pPr>
-              <a:t>Sunday, April 19, 2020</a:t>
+              <a:t>Thursday, February 24, 2022</a:t>
             </a:fld>
             <a:endParaRPr lang="en-US"/>
           </a:p>
@@ -5233,10 +5221,9 @@
           <a:lstStyle/>
           <a:p>
             <a:r>
-              <a:rPr lang="en-US" smtClean="0"/>
+              <a:rPr lang="en-US"/>
               <a:t>Click to edit Master title style</a:t>
             </a:r>
-            <a:endParaRPr lang="en-US"/>
           </a:p>
         </p:txBody>
       </p:sp>
@@ -5290,38 +5277,37 @@
           <a:p>
             <a:pPr lvl="0"/>
             <a:r>
-              <a:rPr lang="en-US" smtClean="0"/>
+              <a:rPr lang="en-US"/>
               <a:t>Click to edit Master text styles</a:t>
             </a:r>
           </a:p>
           <a:p>
             <a:pPr lvl="1"/>
             <a:r>
-              <a:rPr lang="en-US" smtClean="0"/>
+              <a:rPr lang="en-US"/>
               <a:t>Second level</a:t>
             </a:r>
           </a:p>
           <a:p>
             <a:pPr lvl="2"/>
             <a:r>
-              <a:rPr lang="en-US" smtClean="0"/>
+              <a:rPr lang="en-US"/>
               <a:t>Third level</a:t>
             </a:r>
           </a:p>
           <a:p>
             <a:pPr lvl="3"/>
             <a:r>
-              <a:rPr lang="en-US" smtClean="0"/>
+              <a:rPr lang="en-US"/>
               <a:t>Fourth level</a:t>
             </a:r>
           </a:p>
           <a:p>
             <a:pPr lvl="4"/>
             <a:r>
-              <a:rPr lang="en-US" smtClean="0"/>
+              <a:rPr lang="en-US"/>
               <a:t>Fifth level</a:t>
             </a:r>
-            <a:endParaRPr lang="en-US"/>
           </a:p>
         </p:txBody>
       </p:sp>
@@ -5375,38 +5361,37 @@
           <a:p>
             <a:pPr lvl="0"/>
             <a:r>
-              <a:rPr lang="en-US" smtClean="0"/>
+              <a:rPr lang="en-US"/>
               <a:t>Click to edit Master text styles</a:t>
             </a:r>
           </a:p>
           <a:p>
             <a:pPr lvl="1"/>
             <a:r>
-              <a:rPr lang="en-US" smtClean="0"/>
+              <a:rPr lang="en-US"/>
               <a:t>Second level</a:t>
             </a:r>
           </a:p>
           <a:p>
             <a:pPr lvl="2"/>
             <a:r>
-              <a:rPr lang="en-US" smtClean="0"/>
+              <a:rPr lang="en-US"/>
               <a:t>Third level</a:t>
             </a:r>
           </a:p>
           <a:p>
             <a:pPr lvl="3"/>
             <a:r>
-              <a:rPr lang="en-US" smtClean="0"/>
+              <a:rPr lang="en-US"/>
               <a:t>Fourth level</a:t>
             </a:r>
           </a:p>
           <a:p>
             <a:pPr lvl="4"/>
             <a:r>
-              <a:rPr lang="en-US" smtClean="0"/>
+              <a:rPr lang="en-US"/>
               <a:t>Fifth level</a:t>
             </a:r>
-            <a:endParaRPr lang="en-US"/>
           </a:p>
         </p:txBody>
       </p:sp>
@@ -5433,7 +5418,7 @@
               <a:pPr>
                 <a:defRPr/>
               </a:pPr>
-              <a:t>Sunday, April 19, 2020</a:t>
+              <a:t>Thursday, February 24, 2022</a:t>
             </a:fld>
             <a:endParaRPr lang="en-US"/>
           </a:p>
@@ -5540,10 +5525,9 @@
           </a:lstStyle>
           <a:p>
             <a:r>
-              <a:rPr lang="en-US" smtClean="0"/>
+              <a:rPr lang="en-US"/>
               <a:t>Click to edit Master title style</a:t>
             </a:r>
-            <a:endParaRPr lang="en-US"/>
           </a:p>
         </p:txBody>
       </p:sp>
@@ -5606,7 +5590,7 @@
           <a:p>
             <a:pPr lvl="0"/>
             <a:r>
-              <a:rPr lang="en-US" smtClean="0"/>
+              <a:rPr lang="en-US"/>
               <a:t>Click to edit Master text styles</a:t>
             </a:r>
           </a:p>
@@ -5662,38 +5646,37 @@
           <a:p>
             <a:pPr lvl="0"/>
             <a:r>
-              <a:rPr lang="en-US" smtClean="0"/>
+              <a:rPr lang="en-US"/>
               <a:t>Click to edit Master text styles</a:t>
             </a:r>
           </a:p>
           <a:p>
             <a:pPr lvl="1"/>
             <a:r>
-              <a:rPr lang="en-US" smtClean="0"/>
+              <a:rPr lang="en-US"/>
               <a:t>Second level</a:t>
             </a:r>
           </a:p>
           <a:p>
             <a:pPr lvl="2"/>
             <a:r>
-              <a:rPr lang="en-US" smtClean="0"/>
+              <a:rPr lang="en-US"/>
               <a:t>Third level</a:t>
             </a:r>
           </a:p>
           <a:p>
             <a:pPr lvl="3"/>
             <a:r>
-              <a:rPr lang="en-US" smtClean="0"/>
+              <a:rPr lang="en-US"/>
               <a:t>Fourth level</a:t>
             </a:r>
           </a:p>
           <a:p>
             <a:pPr lvl="4"/>
             <a:r>
-              <a:rPr lang="en-US" smtClean="0"/>
+              <a:rPr lang="en-US"/>
               <a:t>Fifth level</a:t>
             </a:r>
-            <a:endParaRPr lang="en-US"/>
           </a:p>
         </p:txBody>
       </p:sp>
@@ -5756,7 +5739,7 @@
           <a:p>
             <a:pPr lvl="0"/>
             <a:r>
-              <a:rPr lang="en-US" smtClean="0"/>
+              <a:rPr lang="en-US"/>
               <a:t>Click to edit Master text styles</a:t>
             </a:r>
           </a:p>
@@ -5812,38 +5795,37 @@
           <a:p>
             <a:pPr lvl="0"/>
             <a:r>
-              <a:rPr lang="en-US" smtClean="0"/>
+              <a:rPr lang="en-US"/>
               <a:t>Click to edit Master text styles</a:t>
             </a:r>
           </a:p>
           <a:p>
             <a:pPr lvl="1"/>
             <a:r>
-              <a:rPr lang="en-US" smtClean="0"/>
+              <a:rPr lang="en-US"/>
               <a:t>Second level</a:t>
             </a:r>
           </a:p>
           <a:p>
             <a:pPr lvl="2"/>
             <a:r>
-              <a:rPr lang="en-US" smtClean="0"/>
+              <a:rPr lang="en-US"/>
               <a:t>Third level</a:t>
             </a:r>
           </a:p>
           <a:p>
             <a:pPr lvl="3"/>
             <a:r>
-              <a:rPr lang="en-US" smtClean="0"/>
+              <a:rPr lang="en-US"/>
               <a:t>Fourth level</a:t>
             </a:r>
           </a:p>
           <a:p>
             <a:pPr lvl="4"/>
             <a:r>
-              <a:rPr lang="en-US" smtClean="0"/>
+              <a:rPr lang="en-US"/>
               <a:t>Fifth level</a:t>
             </a:r>
-            <a:endParaRPr lang="en-US"/>
           </a:p>
         </p:txBody>
       </p:sp>
@@ -5870,7 +5852,7 @@
               <a:pPr>
                 <a:defRPr/>
               </a:pPr>
-              <a:t>Sunday, April 19, 2020</a:t>
+              <a:t>Thursday, February 24, 2022</a:t>
             </a:fld>
             <a:endParaRPr lang="en-US"/>
           </a:p>
@@ -5973,10 +5955,9 @@
           <a:lstStyle/>
           <a:p>
             <a:r>
-              <a:rPr lang="en-US" smtClean="0"/>
+              <a:rPr lang="en-US"/>
               <a:t>Click to edit Master title style</a:t>
             </a:r>
-            <a:endParaRPr lang="en-US"/>
           </a:p>
         </p:txBody>
       </p:sp>
@@ -6003,7 +5984,7 @@
               <a:pPr>
                 <a:defRPr/>
               </a:pPr>
-              <a:t>Sunday, April 19, 2020</a:t>
+              <a:t>Thursday, February 24, 2022</a:t>
             </a:fld>
             <a:endParaRPr lang="en-US"/>
           </a:p>
@@ -6113,7 +6094,7 @@
               <a:pPr>
                 <a:defRPr/>
               </a:pPr>
-              <a:t>Sunday, April 19, 2020</a:t>
+              <a:t>Thursday, February 24, 2022</a:t>
             </a:fld>
             <a:endParaRPr lang="en-US" dirty="0"/>
           </a:p>
@@ -6225,10 +6206,9 @@
           </a:lstStyle>
           <a:p>
             <a:r>
-              <a:rPr lang="en-US" smtClean="0"/>
+              <a:rPr lang="en-US"/>
               <a:t>Click to edit Master title style</a:t>
             </a:r>
-            <a:endParaRPr lang="en-US"/>
           </a:p>
         </p:txBody>
       </p:sp>
@@ -6282,38 +6262,37 @@
           <a:p>
             <a:pPr lvl="0"/>
             <a:r>
-              <a:rPr lang="en-US" smtClean="0"/>
+              <a:rPr lang="en-US"/>
               <a:t>Click to edit Master text styles</a:t>
             </a:r>
           </a:p>
           <a:p>
             <a:pPr lvl="1"/>
             <a:r>
-              <a:rPr lang="en-US" smtClean="0"/>
+              <a:rPr lang="en-US"/>
               <a:t>Second level</a:t>
             </a:r>
           </a:p>
           <a:p>
             <a:pPr lvl="2"/>
             <a:r>
-              <a:rPr lang="en-US" smtClean="0"/>
+              <a:rPr lang="en-US"/>
               <a:t>Third level</a:t>
             </a:r>
           </a:p>
           <a:p>
             <a:pPr lvl="3"/>
             <a:r>
-              <a:rPr lang="en-US" smtClean="0"/>
+              <a:rPr lang="en-US"/>
               <a:t>Fourth level</a:t>
             </a:r>
           </a:p>
           <a:p>
             <a:pPr lvl="4"/>
             <a:r>
-              <a:rPr lang="en-US" smtClean="0"/>
+              <a:rPr lang="en-US"/>
               <a:t>Fifth level</a:t>
             </a:r>
-            <a:endParaRPr lang="en-US"/>
           </a:p>
         </p:txBody>
       </p:sp>
@@ -6376,7 +6355,7 @@
           <a:p>
             <a:pPr lvl="0"/>
             <a:r>
-              <a:rPr lang="en-US" smtClean="0"/>
+              <a:rPr lang="en-US"/>
               <a:t>Click to edit Master text styles</a:t>
             </a:r>
           </a:p>
@@ -6405,7 +6384,7 @@
               <a:pPr>
                 <a:defRPr/>
               </a:pPr>
-              <a:t>Sunday, April 19, 2020</a:t>
+              <a:t>Thursday, February 24, 2022</a:t>
             </a:fld>
             <a:endParaRPr lang="en-US"/>
           </a:p>
@@ -6517,10 +6496,9 @@
           </a:lstStyle>
           <a:p>
             <a:r>
-              <a:rPr lang="en-US" smtClean="0"/>
+              <a:rPr lang="en-US"/>
               <a:t>Click to edit Master title style</a:t>
             </a:r>
-            <a:endParaRPr lang="en-US"/>
           </a:p>
         </p:txBody>
       </p:sp>
@@ -6644,7 +6622,7 @@
           <a:p>
             <a:pPr lvl="0"/>
             <a:r>
-              <a:rPr lang="en-US" smtClean="0"/>
+              <a:rPr lang="en-US"/>
               <a:t>Click to edit Master text styles</a:t>
             </a:r>
           </a:p>
@@ -6673,7 +6651,7 @@
               <a:pPr>
                 <a:defRPr/>
               </a:pPr>
-              <a:t>Sunday, April 19, 2020</a:t>
+              <a:t>Thursday, February 24, 2022</a:t>
             </a:fld>
             <a:endParaRPr lang="en-US"/>
           </a:p>
@@ -6791,10 +6769,9 @@
           <a:lstStyle/>
           <a:p>
             <a:r>
-              <a:rPr lang="en-US" smtClean="0"/>
+              <a:rPr lang="en-US"/>
               <a:t>Click to edit Master title style</a:t>
             </a:r>
-            <a:endParaRPr lang="en-US"/>
           </a:p>
         </p:txBody>
       </p:sp>
@@ -6825,38 +6802,37 @@
           <a:p>
             <a:pPr lvl="0"/>
             <a:r>
-              <a:rPr lang="en-US" smtClean="0"/>
+              <a:rPr lang="en-US"/>
               <a:t>Click to edit Master text styles</a:t>
             </a:r>
           </a:p>
           <a:p>
             <a:pPr lvl="1"/>
             <a:r>
-              <a:rPr lang="en-US" smtClean="0"/>
+              <a:rPr lang="en-US"/>
               <a:t>Second level</a:t>
             </a:r>
           </a:p>
           <a:p>
             <a:pPr lvl="2"/>
             <a:r>
-              <a:rPr lang="en-US" smtClean="0"/>
+              <a:rPr lang="en-US"/>
               <a:t>Third level</a:t>
             </a:r>
           </a:p>
           <a:p>
             <a:pPr lvl="3"/>
             <a:r>
-              <a:rPr lang="en-US" smtClean="0"/>
+              <a:rPr lang="en-US"/>
               <a:t>Fourth level</a:t>
             </a:r>
           </a:p>
           <a:p>
             <a:pPr lvl="4"/>
             <a:r>
-              <a:rPr lang="en-US" smtClean="0"/>
+              <a:rPr lang="en-US"/>
               <a:t>Fifth level</a:t>
             </a:r>
-            <a:endParaRPr lang="en-US"/>
           </a:p>
         </p:txBody>
       </p:sp>
@@ -6901,7 +6877,7 @@
               <a:pPr>
                 <a:defRPr/>
               </a:pPr>
-              <a:t>Sunday, April 19, 2020</a:t>
+              <a:t>Thursday, February 24, 2022</a:t>
             </a:fld>
             <a:endParaRPr lang="en-US" dirty="0"/>
           </a:p>
@@ -7307,7 +7283,7 @@
               <a:defRPr/>
             </a:pPr>
             <a:r>
-              <a:rPr lang="en-US" smtClean="0"/>
+              <a:rPr lang="en-US"/>
               <a:t>CSSE 220</a:t>
             </a:r>
             <a:endParaRPr lang="en-US" dirty="0"/>
@@ -7335,7 +7311,7 @@
               </a:lnSpc>
             </a:pPr>
             <a:r>
-              <a:rPr lang="en-US" sz="2500" smtClean="0"/>
+              <a:rPr lang="en-US" sz="2500"/>
               <a:t>Inheritance</a:t>
             </a:r>
           </a:p>
@@ -7343,18 +7319,27 @@
       </p:sp>
       <p:sp>
         <p:nvSpPr>
-          <p:cNvPr id="4" name="TextBox 3"/>
-          <p:cNvSpPr txBox="1"/>
+          <p:cNvPr id="5" name="Rectangle 4">
+            <a:extLst>
+              <a:ext uri="{FF2B5EF4-FFF2-40B4-BE49-F238E27FC236}">
+                <a16:creationId xmlns:a16="http://schemas.microsoft.com/office/drawing/2014/main" id="{8C943F6A-D22C-8C41-A224-BD57A5FC8A41}"/>
+              </a:ext>
+            </a:extLst>
+          </p:cNvPr>
+          <p:cNvSpPr/>
           <p:nvPr/>
         </p:nvSpPr>
         <p:spPr>
           <a:xfrm>
-            <a:off x="285750" y="5873541"/>
-            <a:ext cx="5314950" cy="461665"/>
+            <a:off x="304800" y="4991100"/>
+            <a:ext cx="8534400" cy="1295400"/>
           </a:xfrm>
           <a:prstGeom prst="rect">
             <a:avLst/>
           </a:prstGeom>
+          <a:solidFill>
+            <a:schemeClr val="accent3"/>
+          </a:solidFill>
         </p:spPr>
         <p:style>
           <a:lnRef idx="2">
@@ -7373,31 +7358,55 @@
           </a:fontRef>
         </p:style>
         <p:txBody>
-          <a:bodyPr>
-            <a:spAutoFit/>
-          </a:bodyPr>
-          <a:lstStyle/>
-          <a:p>
-            <a:pPr>
-              <a:defRPr/>
-            </a:pPr>
-            <a:r>
-              <a:rPr lang="en-US" sz="2400" dirty="0"/>
-              <a:t>Check out </a:t>
-            </a:r>
-            <a:r>
-              <a:rPr lang="en-US" sz="2400" i="1" dirty="0" smtClean="0"/>
-              <a:t>Inheritance </a:t>
-            </a:r>
-            <a:r>
-              <a:rPr lang="en-US" sz="2400" dirty="0" smtClean="0"/>
-              <a:t>from </a:t>
-            </a:r>
-            <a:r>
-              <a:rPr lang="en-US" sz="2400" dirty="0" err="1" smtClean="0"/>
-              <a:t>Git</a:t>
-            </a:r>
-            <a:endParaRPr lang="en-US" sz="2400" dirty="0"/>
+          <a:bodyPr rtlCol="0" anchor="ctr"/>
+          <a:lstStyle/>
+          <a:p>
+            <a:r>
+              <a:rPr lang="en-US" sz="2400" dirty="0">
+                <a:solidFill>
+                  <a:srgbClr val="FFFFFF"/>
+                </a:solidFill>
+              </a:rPr>
+              <a:t>The </a:t>
+            </a:r>
+            <a:r>
+              <a:rPr lang="en-US" sz="2400" i="1" dirty="0">
+                <a:solidFill>
+                  <a:srgbClr val="FFFFFF"/>
+                </a:solidFill>
+              </a:rPr>
+              <a:t>git</a:t>
+            </a:r>
+            <a:r>
+              <a:rPr lang="en-US" sz="2400" dirty="0">
+                <a:solidFill>
+                  <a:srgbClr val="FFFFFF"/>
+                </a:solidFill>
+              </a:rPr>
+              <a:t> projects for today are:</a:t>
+            </a:r>
+          </a:p>
+          <a:p>
+            <a:pPr marL="342900" indent="-342900">
+              <a:buFont typeface="Arial" panose="020B0604020202020204" pitchFamily="34" charset="0"/>
+              <a:buChar char="•"/>
+            </a:pPr>
+            <a:r>
+              <a:rPr lang="en-US" sz="2400" i="1" dirty="0" err="1"/>
+              <a:t>PracticeInheritance</a:t>
+            </a:r>
+            <a:endParaRPr lang="en-US" sz="2400" i="1" dirty="0"/>
+          </a:p>
+          <a:p>
+            <a:pPr marL="342900" indent="-342900">
+              <a:buFont typeface="Arial" panose="020B0604020202020204" pitchFamily="34" charset="0"/>
+              <a:buChar char="•"/>
+            </a:pPr>
+            <a:r>
+              <a:rPr lang="en-US" sz="2400" i="1" dirty="0" err="1"/>
+              <a:t>PracticeInheritanceSolution</a:t>
+            </a:r>
+            <a:endParaRPr lang="en-US" sz="2400" i="1" dirty="0"/>
           </a:p>
         </p:txBody>
       </p:sp>
@@ -7406,13 +7415,6 @@
   <p:clrMapOvr>
     <a:masterClrMapping/>
   </p:clrMapOvr>
-  <p:timing>
-    <p:tnLst>
-      <p:par>
-        <p:cTn id="1" dur="indefinite" restart="never" nodeType="tmRoot"/>
-      </p:par>
-    </p:tnLst>
-  </p:timing>
 </p:sld>
 </file>
 
@@ -7452,10 +7454,9 @@
               <a:defRPr/>
             </a:pPr>
             <a:r>
-              <a:rPr lang="en-US" dirty="0" smtClean="0"/>
+              <a:rPr lang="en-US" dirty="0"/>
               <a:t>With Fields, Subclasses:</a:t>
             </a:r>
-            <a:endParaRPr lang="en-US" dirty="0"/>
           </a:p>
         </p:txBody>
       </p:sp>
@@ -7478,7 +7479,7 @@
               <a:defRPr/>
             </a:pPr>
             <a:r>
-              <a:rPr lang="en-US" b="1" dirty="0" smtClean="0">
+              <a:rPr lang="en-US" b="1" dirty="0">
                 <a:solidFill>
                   <a:schemeClr val="accent3"/>
                 </a:solidFill>
@@ -7486,11 +7487,11 @@
               <a:t>ALWAYS inherit</a:t>
             </a:r>
             <a:r>
-              <a:rPr lang="en-US" dirty="0" smtClean="0"/>
+              <a:rPr lang="en-US" dirty="0"/>
               <a:t> all fields </a:t>
             </a:r>
             <a:r>
-              <a:rPr lang="en-US" dirty="0" smtClean="0">
+              <a:rPr lang="en-US" dirty="0">
                 <a:solidFill>
                   <a:schemeClr val="accent3"/>
                 </a:solidFill>
@@ -7503,7 +7504,7 @@
               <a:defRPr/>
             </a:pPr>
             <a:r>
-              <a:rPr lang="en-US" dirty="0" smtClean="0">
+              <a:rPr lang="en-US" dirty="0">
                 <a:solidFill>
                   <a:schemeClr val="accent3"/>
                 </a:solidFill>
@@ -7515,7 +7516,7 @@
             <a:pPr lvl="1">
               <a:defRPr/>
             </a:pPr>
-            <a:endParaRPr lang="en-US" dirty="0" smtClean="0">
+            <a:endParaRPr lang="en-US" dirty="0">
               <a:solidFill>
                 <a:schemeClr val="accent3"/>
               </a:solidFill>
@@ -7526,7 +7527,7 @@
               <a:defRPr/>
             </a:pPr>
             <a:r>
-              <a:rPr lang="en-US" b="1" dirty="0" smtClean="0">
+              <a:rPr lang="en-US" b="1" dirty="0">
                 <a:solidFill>
                   <a:schemeClr val="accent3"/>
                 </a:solidFill>
@@ -7534,10 +7535,9 @@
               <a:t>Can add</a:t>
             </a:r>
             <a:r>
-              <a:rPr lang="en-US" dirty="0" smtClean="0"/>
+              <a:rPr lang="en-US" dirty="0"/>
               <a:t> entirely new fields not in superclass</a:t>
             </a:r>
-            <a:endParaRPr lang="en-US" dirty="0"/>
           </a:p>
         </p:txBody>
       </p:sp>
@@ -7644,7 +7644,7 @@
               <a:defRPr/>
             </a:pPr>
             <a:r>
-              <a:rPr lang="en-US" sz="1800" dirty="0" smtClean="0">
+              <a:rPr lang="en-US" sz="1800" dirty="0">
                 <a:solidFill>
                   <a:schemeClr val="bg1"/>
                 </a:solidFill>
@@ -7653,13 +7653,6 @@
               </a:rPr>
               <a:t>Q4</a:t>
             </a:r>
-            <a:endParaRPr lang="en-US" sz="1800" dirty="0">
-              <a:solidFill>
-                <a:schemeClr val="bg1"/>
-              </a:solidFill>
-              <a:cs typeface="Arial" pitchFamily="34" charset="0"/>
-              <a:sym typeface="Arial" pitchFamily="34" charset="0"/>
-            </a:endParaRPr>
           </a:p>
         </p:txBody>
       </p:sp>
@@ -7668,13 +7661,6 @@
   <p:clrMapOvr>
     <a:masterClrMapping/>
   </p:clrMapOvr>
-  <p:timing>
-    <p:tnLst>
-      <p:par>
-        <p:cTn id="1" dur="indefinite" restart="never" nodeType="tmRoot"/>
-      </p:par>
-    </p:tnLst>
-  </p:timing>
 </p:sld>
 </file>
 
@@ -7714,53 +7700,134 @@
               <a:defRPr/>
             </a:pPr>
             <a:r>
-              <a:rPr lang="en-US" dirty="0" smtClean="0"/>
+              <a:rPr lang="en-US" dirty="0"/>
               <a:t>Super Calls</a:t>
             </a:r>
+          </a:p>
+        </p:txBody>
+      </p:sp>
+      <p:sp>
+        <p:nvSpPr>
+          <p:cNvPr id="2" name="Content Placeholder 1"/>
+          <p:cNvSpPr>
+            <a:spLocks noGrp="1"/>
+          </p:cNvSpPr>
+          <p:nvPr>
+            <p:ph idx="1"/>
+          </p:nvPr>
+        </p:nvSpPr>
+        <p:spPr/>
+        <p:txBody>
+          <a:bodyPr/>
+          <a:lstStyle/>
+          <a:p>
+            <a:pPr>
+              <a:defRPr/>
+            </a:pPr>
+            <a:r>
+              <a:rPr lang="en-US" dirty="0"/>
+              <a:t>Calling </a:t>
+            </a:r>
+            <a:r>
+              <a:rPr lang="en-US" dirty="0" err="1"/>
+              <a:t>superclass</a:t>
+            </a:r>
+            <a:r>
+              <a:rPr lang="en-US" dirty="0"/>
+              <a:t> </a:t>
+            </a:r>
+            <a:r>
+              <a:rPr lang="en-US" b="1" dirty="0">
+                <a:solidFill>
+                  <a:schemeClr val="accent3"/>
+                </a:solidFill>
+              </a:rPr>
+              <a:t>method</a:t>
+            </a:r>
+            <a:r>
+              <a:rPr lang="en-US" dirty="0"/>
+              <a:t>:</a:t>
+            </a:r>
+          </a:p>
+          <a:p>
+            <a:pPr lvl="1">
+              <a:defRPr/>
+            </a:pPr>
+            <a:r>
+              <a:rPr lang="en-US" b="1" dirty="0" err="1">
+                <a:solidFill>
+                  <a:schemeClr val="accent3"/>
+                </a:solidFill>
+                <a:latin typeface="Lucida Sans Typewriter" pitchFamily="49" charset="0"/>
+              </a:rPr>
+              <a:t>super.methodName</a:t>
+            </a:r>
+            <a:r>
+              <a:rPr lang="en-US" b="1" dirty="0">
+                <a:solidFill>
+                  <a:schemeClr val="accent3"/>
+                </a:solidFill>
+                <a:latin typeface="Lucida Sans Typewriter" pitchFamily="49" charset="0"/>
+              </a:rPr>
+              <a:t>(</a:t>
+            </a:r>
+            <a:r>
+              <a:rPr lang="en-US" b="1" dirty="0" err="1">
+                <a:solidFill>
+                  <a:schemeClr val="accent3"/>
+                </a:solidFill>
+                <a:latin typeface="Lucida Sans Typewriter" pitchFamily="49" charset="0"/>
+              </a:rPr>
+              <a:t>args</a:t>
+            </a:r>
+            <a:r>
+              <a:rPr lang="en-US" b="1" dirty="0">
+                <a:solidFill>
+                  <a:schemeClr val="accent3"/>
+                </a:solidFill>
+                <a:latin typeface="Lucida Sans Typewriter" pitchFamily="49" charset="0"/>
+              </a:rPr>
+              <a:t>);</a:t>
+            </a:r>
+          </a:p>
+          <a:p>
+            <a:pPr>
+              <a:defRPr/>
+            </a:pPr>
             <a:endParaRPr lang="en-US" dirty="0"/>
           </a:p>
-        </p:txBody>
-      </p:sp>
-      <p:sp>
-        <p:nvSpPr>
-          <p:cNvPr id="2" name="Content Placeholder 1"/>
-          <p:cNvSpPr>
-            <a:spLocks noGrp="1"/>
-          </p:cNvSpPr>
-          <p:nvPr>
-            <p:ph idx="1"/>
-          </p:nvPr>
-        </p:nvSpPr>
-        <p:spPr/>
-        <p:txBody>
-          <a:bodyPr/>
-          <a:lstStyle/>
           <a:p>
             <a:pPr>
               <a:defRPr/>
             </a:pPr>
-            <a:r>
-              <a:rPr lang="en-US" dirty="0" smtClean="0"/>
+            <a:endParaRPr lang="en-US" dirty="0"/>
+          </a:p>
+          <a:p>
+            <a:pPr>
+              <a:defRPr/>
+            </a:pPr>
+            <a:r>
+              <a:rPr lang="en-US" dirty="0"/>
               <a:t>Calling </a:t>
             </a:r>
             <a:r>
-              <a:rPr lang="en-US" dirty="0" err="1" smtClean="0"/>
+              <a:rPr lang="en-US" dirty="0" err="1"/>
               <a:t>superclass</a:t>
             </a:r>
             <a:r>
-              <a:rPr lang="en-US" dirty="0" smtClean="0"/>
+              <a:rPr lang="en-US" dirty="0"/>
               <a:t> </a:t>
             </a:r>
             <a:r>
-              <a:rPr lang="en-US" b="1" dirty="0" smtClean="0">
+              <a:rPr lang="en-US" b="1" dirty="0">
                 <a:solidFill>
                   <a:schemeClr val="accent3"/>
                 </a:solidFill>
               </a:rPr>
-              <a:t>method</a:t>
-            </a:r>
-            <a:r>
-              <a:rPr lang="en-US" dirty="0" smtClean="0"/>
+              <a:t>constructor</a:t>
+            </a:r>
+            <a:r>
+              <a:rPr lang="en-US" dirty="0"/>
               <a:t>:</a:t>
             </a:r>
           </a:p>
@@ -7769,107 +7836,25 @@
               <a:defRPr/>
             </a:pPr>
             <a:r>
-              <a:rPr lang="en-US" b="1" dirty="0" err="1" smtClean="0">
+              <a:rPr lang="en-US" b="1" dirty="0">
                 <a:solidFill>
                   <a:schemeClr val="accent3"/>
                 </a:solidFill>
                 <a:latin typeface="Lucida Sans Typewriter" pitchFamily="49" charset="0"/>
               </a:rPr>
-              <a:t>super.methodName</a:t>
-            </a:r>
-            <a:r>
-              <a:rPr lang="en-US" b="1" dirty="0" smtClean="0">
+              <a:t>super(</a:t>
+            </a:r>
+            <a:r>
+              <a:rPr lang="en-US" b="1" dirty="0" err="1">
                 <a:solidFill>
                   <a:schemeClr val="accent3"/>
                 </a:solidFill>
                 <a:latin typeface="Lucida Sans Typewriter" pitchFamily="49" charset="0"/>
               </a:rPr>
-              <a:t>(</a:t>
-            </a:r>
-            <a:r>
-              <a:rPr lang="en-US" b="1" dirty="0" err="1" smtClean="0">
-                <a:solidFill>
-                  <a:schemeClr val="accent3"/>
-                </a:solidFill>
-                <a:latin typeface="Lucida Sans Typewriter" pitchFamily="49" charset="0"/>
-              </a:rPr>
               <a:t>args</a:t>
             </a:r>
             <a:r>
-              <a:rPr lang="en-US" b="1" dirty="0" smtClean="0">
-                <a:solidFill>
-                  <a:schemeClr val="accent3"/>
-                </a:solidFill>
-                <a:latin typeface="Lucida Sans Typewriter" pitchFamily="49" charset="0"/>
-              </a:rPr>
-              <a:t>);</a:t>
-            </a:r>
-          </a:p>
-          <a:p>
-            <a:pPr>
-              <a:defRPr/>
-            </a:pPr>
-            <a:endParaRPr lang="en-US" dirty="0" smtClean="0"/>
-          </a:p>
-          <a:p>
-            <a:pPr>
-              <a:defRPr/>
-            </a:pPr>
-            <a:endParaRPr lang="en-US" dirty="0" smtClean="0"/>
-          </a:p>
-          <a:p>
-            <a:pPr>
-              <a:defRPr/>
-            </a:pPr>
-            <a:r>
-              <a:rPr lang="en-US" dirty="0" smtClean="0"/>
-              <a:t>Calling </a:t>
-            </a:r>
-            <a:r>
-              <a:rPr lang="en-US" dirty="0" err="1" smtClean="0"/>
-              <a:t>superclass</a:t>
-            </a:r>
-            <a:r>
-              <a:rPr lang="en-US" dirty="0" smtClean="0"/>
-              <a:t> </a:t>
-            </a:r>
-            <a:r>
-              <a:rPr lang="en-US" b="1" dirty="0" smtClean="0">
-                <a:solidFill>
-                  <a:schemeClr val="accent3"/>
-                </a:solidFill>
-              </a:rPr>
-              <a:t>constructor</a:t>
-            </a:r>
-            <a:r>
-              <a:rPr lang="en-US" dirty="0" smtClean="0"/>
-              <a:t>:</a:t>
-            </a:r>
-          </a:p>
-          <a:p>
-            <a:pPr lvl="1">
-              <a:defRPr/>
-            </a:pPr>
-            <a:r>
-              <a:rPr lang="en-US" b="1" dirty="0" smtClean="0">
-                <a:solidFill>
-                  <a:schemeClr val="accent3"/>
-                </a:solidFill>
-                <a:latin typeface="Lucida Sans Typewriter" pitchFamily="49" charset="0"/>
-              </a:rPr>
-              <a:t>super(</a:t>
-            </a:r>
-            <a:r>
-              <a:rPr lang="en-US" b="1" dirty="0" err="1" smtClean="0">
-                <a:solidFill>
-                  <a:schemeClr val="accent3"/>
-                </a:solidFill>
-                <a:latin typeface="Lucida Sans Typewriter" pitchFamily="49" charset="0"/>
-              </a:rPr>
-              <a:t>args</a:t>
-            </a:r>
-            <a:r>
-              <a:rPr lang="en-US" b="1" dirty="0" smtClean="0">
+              <a:rPr lang="en-US" b="1" dirty="0">
                 <a:solidFill>
                   <a:schemeClr val="accent3"/>
                 </a:solidFill>
@@ -7977,7 +7962,7 @@
               <a:defRPr/>
             </a:pPr>
             <a:r>
-              <a:rPr lang="en-US" sz="1800" dirty="0" smtClean="0">
+              <a:rPr lang="en-US" sz="1800" dirty="0">
                 <a:solidFill>
                   <a:schemeClr val="bg1"/>
                 </a:solidFill>
@@ -7986,13 +7971,6 @@
               </a:rPr>
               <a:t>Q5</a:t>
             </a:r>
-            <a:endParaRPr lang="en-US" sz="1800" dirty="0">
-              <a:solidFill>
-                <a:schemeClr val="bg1"/>
-              </a:solidFill>
-              <a:cs typeface="Arial" pitchFamily="34" charset="0"/>
-              <a:sym typeface="Arial" pitchFamily="34" charset="0"/>
-            </a:endParaRPr>
           </a:p>
         </p:txBody>
       </p:sp>
@@ -8001,13 +7979,6 @@
   <p:clrMapOvr>
     <a:masterClrMapping/>
   </p:clrMapOvr>
-  <p:timing>
-    <p:tnLst>
-      <p:par>
-        <p:cTn id="1" dur="indefinite" restart="never" nodeType="tmRoot"/>
-      </p:par>
-    </p:tnLst>
-  </p:timing>
 </p:sld>
 </file>
 
@@ -8044,11 +8015,11 @@
           <a:lstStyle/>
           <a:p>
             <a:r>
-              <a:rPr lang="en-US" dirty="0" smtClean="0"/>
+              <a:rPr lang="en-US" dirty="0"/>
               <a:t>Let’s Code </a:t>
             </a:r>
             <a:r>
-              <a:rPr lang="en-US" dirty="0" err="1" smtClean="0"/>
+              <a:rPr lang="en-US" dirty="0" err="1"/>
               <a:t>CheckingAccount</a:t>
             </a:r>
             <a:endParaRPr lang="en-US" dirty="0"/>
@@ -8073,68 +8044,67 @@
           <a:lstStyle/>
           <a:p>
             <a:r>
-              <a:rPr lang="en-US" sz="2400" dirty="0" smtClean="0"/>
+              <a:rPr lang="en-US" sz="2400" dirty="0"/>
               <a:t>A special type of </a:t>
             </a:r>
             <a:r>
-              <a:rPr lang="en-US" sz="2400" dirty="0" err="1" smtClean="0"/>
+              <a:rPr lang="en-US" sz="2400" dirty="0" err="1"/>
               <a:t>BankAccount</a:t>
             </a:r>
-            <a:endParaRPr lang="en-US" sz="2400" dirty="0" smtClean="0"/>
-          </a:p>
-          <a:p>
-            <a:r>
-              <a:rPr lang="en-US" sz="2400" dirty="0" smtClean="0"/>
+            <a:endParaRPr lang="en-US" sz="2400" dirty="0"/>
+          </a:p>
+          <a:p>
+            <a:r>
+              <a:rPr lang="en-US" sz="2400" dirty="0"/>
               <a:t>Has 3 free transactions each month</a:t>
             </a:r>
           </a:p>
           <a:p>
             <a:pPr lvl="1"/>
             <a:r>
-              <a:rPr lang="en-US" sz="2000" dirty="0" smtClean="0"/>
+              <a:rPr lang="en-US" sz="2000" dirty="0"/>
               <a:t>Withdraw</a:t>
             </a:r>
           </a:p>
           <a:p>
             <a:pPr lvl="1"/>
             <a:r>
-              <a:rPr lang="en-US" sz="2000" dirty="0" smtClean="0"/>
+              <a:rPr lang="en-US" sz="2000" dirty="0"/>
               <a:t>Deposit</a:t>
             </a:r>
           </a:p>
           <a:p>
             <a:r>
-              <a:rPr lang="en-US" sz="2400" dirty="0" smtClean="0"/>
+              <a:rPr lang="en-US" sz="2400" dirty="0"/>
               <a:t>Every additional transaction (beyond) costs $1.50</a:t>
             </a:r>
           </a:p>
           <a:p>
             <a:pPr lvl="1"/>
             <a:r>
-              <a:rPr lang="en-US" sz="2000" dirty="0" smtClean="0"/>
+              <a:rPr lang="en-US" sz="2000" dirty="0"/>
               <a:t>4 cost $1.50</a:t>
             </a:r>
           </a:p>
           <a:p>
             <a:pPr lvl="1"/>
             <a:r>
-              <a:rPr lang="en-US" sz="2000" dirty="0" smtClean="0"/>
+              <a:rPr lang="en-US" sz="2000" dirty="0"/>
               <a:t>5 cost $3.00</a:t>
             </a:r>
           </a:p>
           <a:p>
             <a:r>
-              <a:rPr lang="en-US" sz="2400" dirty="0" smtClean="0"/>
+              <a:rPr lang="en-US" sz="2400" dirty="0"/>
               <a:t>At end of each month fees are deducted (all together)</a:t>
             </a:r>
           </a:p>
           <a:p>
             <a:pPr lvl="1"/>
             <a:r>
-              <a:rPr lang="en-US" sz="2000" dirty="0" smtClean="0"/>
+              <a:rPr lang="en-US" sz="2000" dirty="0"/>
               <a:t>Transaction count is reset at this time</a:t>
             </a:r>
-            <a:endParaRPr lang="en-US" sz="2000" dirty="0"/>
           </a:p>
         </p:txBody>
       </p:sp>
@@ -8148,13 +8118,6 @@
   <p:clrMapOvr>
     <a:masterClrMapping/>
   </p:clrMapOvr>
-  <p:timing>
-    <p:tnLst>
-      <p:par>
-        <p:cTn id="1" dur="indefinite" restart="never" nodeType="tmRoot"/>
-      </p:par>
-    </p:tnLst>
-  </p:timing>
 </p:sld>
 </file>
 
@@ -8191,10 +8154,9 @@
           <a:lstStyle/>
           <a:p>
             <a:r>
-              <a:rPr lang="en-US" dirty="0" smtClean="0"/>
+              <a:rPr lang="en-US" dirty="0"/>
               <a:t>Design to Implement</a:t>
             </a:r>
-            <a:endParaRPr lang="en-US" dirty="0"/>
           </a:p>
         </p:txBody>
       </p:sp>
@@ -8214,7 +8176,7 @@
           <a:lstStyle/>
           <a:p>
             <a:r>
-              <a:rPr lang="en-US" dirty="0" err="1" smtClean="0">
+              <a:rPr lang="en-US" dirty="0" err="1">
                 <a:hlinkClick r:id="rId2"/>
               </a:rPr>
               <a:t>plantuml</a:t>
@@ -8274,13 +8236,6 @@
   <p:clrMapOvr>
     <a:masterClrMapping/>
   </p:clrMapOvr>
-  <p:timing>
-    <p:tnLst>
-      <p:par>
-        <p:cTn id="1" dur="indefinite" restart="never" nodeType="tmRoot"/>
-      </p:par>
-    </p:tnLst>
-  </p:timing>
 </p:sld>
 </file>
 
@@ -8320,10 +8275,9 @@
               <a:defRPr/>
             </a:pPr>
             <a:r>
-              <a:rPr lang="en-US" dirty="0" smtClean="0"/>
+              <a:rPr lang="en-US" dirty="0"/>
               <a:t>Polymorphism and Subclasses</a:t>
             </a:r>
-            <a:endParaRPr lang="en-US" dirty="0"/>
           </a:p>
         </p:txBody>
       </p:sp>
@@ -8348,23 +8302,23 @@
               <a:defRPr/>
             </a:pPr>
             <a:r>
-              <a:rPr lang="en-US" dirty="0" smtClean="0"/>
+              <a:rPr lang="en-US" dirty="0"/>
               <a:t>A subclass instance </a:t>
             </a:r>
             <a:r>
-              <a:rPr lang="en-US" b="1" dirty="0" smtClean="0"/>
+              <a:rPr lang="en-US" b="1" dirty="0"/>
               <a:t>is a</a:t>
             </a:r>
             <a:r>
-              <a:rPr lang="en-US" dirty="0" smtClean="0"/>
+              <a:rPr lang="en-US" dirty="0"/>
               <a:t> </a:t>
             </a:r>
             <a:r>
-              <a:rPr lang="en-US" dirty="0" err="1" smtClean="0"/>
+              <a:rPr lang="en-US" dirty="0" err="1"/>
               <a:t>superclass</a:t>
             </a:r>
             <a:r>
-              <a:rPr lang="en-US" dirty="0" smtClean="0"/>
+              <a:rPr lang="en-US" dirty="0"/>
               <a:t> instance</a:t>
             </a:r>
           </a:p>
@@ -8373,7 +8327,7 @@
               <a:defRPr/>
             </a:pPr>
             <a:r>
-              <a:rPr lang="en-US" dirty="0" smtClean="0"/>
+              <a:rPr lang="en-US" dirty="0"/>
               <a:t>Polymorphism still works!</a:t>
             </a:r>
           </a:p>
@@ -8382,7 +8336,7 @@
               <a:defRPr/>
             </a:pPr>
             <a:r>
-              <a:rPr lang="en-US" b="1" dirty="0" err="1" smtClean="0">
+              <a:rPr lang="en-US" b="1" dirty="0" err="1">
                 <a:solidFill>
                   <a:schemeClr val="accent3"/>
                 </a:solidFill>
@@ -8391,7 +8345,7 @@
               <a:t>BankAccount</a:t>
             </a:r>
             <a:r>
-              <a:rPr lang="en-US" b="1" dirty="0" smtClean="0">
+              <a:rPr lang="en-US" b="1" dirty="0">
                 <a:solidFill>
                   <a:schemeClr val="accent3"/>
                 </a:solidFill>
@@ -8400,7 +8354,7 @@
               <a:t> </a:t>
             </a:r>
             <a:r>
-              <a:rPr lang="en-US" b="1" dirty="0" err="1" smtClean="0">
+              <a:rPr lang="en-US" b="1" dirty="0" err="1">
                 <a:solidFill>
                   <a:schemeClr val="accent3"/>
                 </a:solidFill>
@@ -8409,7 +8363,7 @@
               <a:t>ba</a:t>
             </a:r>
             <a:r>
-              <a:rPr lang="en-US" b="1" dirty="0" smtClean="0">
+              <a:rPr lang="en-US" b="1" dirty="0">
                 <a:solidFill>
                   <a:schemeClr val="accent3"/>
                 </a:solidFill>
@@ -8418,7 +8372,7 @@
               <a:t> = new </a:t>
             </a:r>
             <a:r>
-              <a:rPr lang="en-US" b="1" dirty="0" err="1" smtClean="0">
+              <a:rPr lang="en-US" b="1" dirty="0" err="1">
                 <a:solidFill>
                   <a:schemeClr val="accent3"/>
                 </a:solidFill>
@@ -8427,7 +8381,7 @@
               <a:t>CheckingAccount</a:t>
             </a:r>
             <a:r>
-              <a:rPr lang="en-US" b="1" dirty="0" smtClean="0">
+              <a:rPr lang="en-US" b="1" dirty="0">
                 <a:solidFill>
                   <a:schemeClr val="accent3"/>
                 </a:solidFill>
@@ -8436,7 +8390,7 @@
               <a:t>();</a:t>
             </a:r>
             <a:br>
-              <a:rPr lang="en-US" b="1" dirty="0" smtClean="0">
+              <a:rPr lang="en-US" b="1" dirty="0">
                 <a:solidFill>
                   <a:schemeClr val="accent3"/>
                 </a:solidFill>
@@ -8444,7 +8398,7 @@
               </a:rPr>
             </a:br>
             <a:r>
-              <a:rPr lang="en-US" b="1" dirty="0" smtClean="0">
+              <a:rPr lang="en-US" b="1" dirty="0">
                 <a:solidFill>
                   <a:schemeClr val="accent3"/>
                 </a:solidFill>
@@ -8457,14 +8411,14 @@
             <a:pPr lvl="1">
               <a:defRPr/>
             </a:pPr>
-            <a:endParaRPr lang="en-US" dirty="0" smtClean="0"/>
+            <a:endParaRPr lang="en-US" dirty="0"/>
           </a:p>
           <a:p>
             <a:pPr>
               <a:defRPr/>
             </a:pPr>
             <a:r>
-              <a:rPr lang="en-US" dirty="0" smtClean="0"/>
+              <a:rPr lang="en-US" dirty="0"/>
               <a:t>But not the other way around!</a:t>
             </a:r>
           </a:p>
@@ -8473,7 +8427,7 @@
               <a:defRPr/>
             </a:pPr>
             <a:r>
-              <a:rPr lang="en-US" b="1" dirty="0" err="1" smtClean="0">
+              <a:rPr lang="en-US" b="1" dirty="0" err="1">
                 <a:solidFill>
                   <a:schemeClr val="accent2"/>
                 </a:solidFill>
@@ -8482,7 +8436,7 @@
               <a:t>CheckingAccount</a:t>
             </a:r>
             <a:r>
-              <a:rPr lang="en-US" b="1" dirty="0" smtClean="0">
+              <a:rPr lang="en-US" b="1" dirty="0">
                 <a:solidFill>
                   <a:schemeClr val="accent2"/>
                 </a:solidFill>
@@ -8491,7 +8445,7 @@
               <a:t> ca = new </a:t>
             </a:r>
             <a:r>
-              <a:rPr lang="en-US" b="1" dirty="0" err="1" smtClean="0">
+              <a:rPr lang="en-US" b="1" dirty="0" err="1">
                 <a:solidFill>
                   <a:schemeClr val="accent2"/>
                 </a:solidFill>
@@ -8500,7 +8454,7 @@
               <a:t>BankAccount</a:t>
             </a:r>
             <a:r>
-              <a:rPr lang="en-US" b="1" dirty="0" smtClean="0">
+              <a:rPr lang="en-US" b="1" dirty="0">
                 <a:solidFill>
                   <a:schemeClr val="accent2"/>
                 </a:solidFill>
@@ -8509,7 +8463,7 @@
               <a:t>();</a:t>
             </a:r>
             <a:br>
-              <a:rPr lang="en-US" b="1" dirty="0" smtClean="0">
+              <a:rPr lang="en-US" b="1" dirty="0">
                 <a:solidFill>
                   <a:schemeClr val="accent2"/>
                 </a:solidFill>
@@ -8517,7 +8471,7 @@
               </a:rPr>
             </a:br>
             <a:r>
-              <a:rPr lang="en-US" b="1" dirty="0" err="1" smtClean="0">
+              <a:rPr lang="en-US" b="1" dirty="0" err="1">
                 <a:solidFill>
                   <a:schemeClr val="accent2"/>
                 </a:solidFill>
@@ -8526,7 +8480,7 @@
               <a:t>ca.deductFees</a:t>
             </a:r>
             <a:r>
-              <a:rPr lang="en-US" b="1" dirty="0" smtClean="0">
+              <a:rPr lang="en-US" b="1" dirty="0">
                 <a:solidFill>
                   <a:schemeClr val="accent2"/>
                 </a:solidFill>
@@ -8539,14 +8493,14 @@
             <a:pPr lvl="1">
               <a:defRPr/>
             </a:pPr>
-            <a:endParaRPr lang="en-US" dirty="0" smtClean="0"/>
+            <a:endParaRPr lang="en-US" dirty="0"/>
           </a:p>
           <a:p>
             <a:pPr>
               <a:defRPr/>
             </a:pPr>
             <a:r>
-              <a:rPr lang="en-US" dirty="0" smtClean="0"/>
+              <a:rPr lang="en-US" dirty="0"/>
               <a:t>Why not?</a:t>
             </a:r>
           </a:p>
@@ -8647,7 +8601,7 @@
               <a:defRPr/>
             </a:pPr>
             <a:r>
-              <a:rPr lang="en-US" sz="1800" dirty="0" smtClean="0">
+              <a:rPr lang="en-US" sz="1800" dirty="0">
                 <a:solidFill>
                   <a:schemeClr val="bg1"/>
                 </a:solidFill>
@@ -8656,13 +8610,6 @@
               </a:rPr>
               <a:t>Q6</a:t>
             </a:r>
-            <a:endParaRPr lang="en-US" sz="1800" dirty="0">
-              <a:solidFill>
-                <a:schemeClr val="bg1"/>
-              </a:solidFill>
-              <a:cs typeface="Arial" pitchFamily="34" charset="0"/>
-              <a:sym typeface="Arial" pitchFamily="34" charset="0"/>
-            </a:endParaRPr>
           </a:p>
         </p:txBody>
       </p:sp>
@@ -8671,13 +8618,6 @@
   <p:clrMapOvr>
     <a:masterClrMapping/>
   </p:clrMapOvr>
-  <p:timing>
-    <p:tnLst>
-      <p:par>
-        <p:cTn id="1" dur="indefinite" restart="never" nodeType="tmRoot"/>
-      </p:par>
-    </p:tnLst>
-  </p:timing>
 </p:sld>
 </file>
 
@@ -8717,34 +8657,173 @@
               <a:defRPr/>
             </a:pPr>
             <a:r>
-              <a:rPr lang="en-US" dirty="0" smtClean="0"/>
+              <a:rPr lang="en-US" dirty="0"/>
               <a:t>Another Example</a:t>
             </a:r>
+          </a:p>
+        </p:txBody>
+      </p:sp>
+      <p:sp>
+        <p:nvSpPr>
+          <p:cNvPr id="2" name="Content Placeholder 1"/>
+          <p:cNvSpPr>
+            <a:spLocks noGrp="1"/>
+          </p:cNvSpPr>
+          <p:nvPr>
+            <p:ph idx="1"/>
+          </p:nvPr>
+        </p:nvSpPr>
+        <p:spPr/>
+        <p:txBody>
+          <a:bodyPr/>
+          <a:lstStyle/>
+          <a:p>
+            <a:pPr>
+              <a:defRPr/>
+            </a:pPr>
+            <a:r>
+              <a:rPr lang="en-US" dirty="0"/>
+              <a:t>Can use:</a:t>
+            </a:r>
+          </a:p>
+          <a:p>
+            <a:pPr lvl="1">
+              <a:defRPr/>
+            </a:pPr>
+            <a:r>
+              <a:rPr lang="en-US" sz="2000" b="1" dirty="0">
+                <a:solidFill>
+                  <a:schemeClr val="accent3"/>
+                </a:solidFill>
+                <a:latin typeface="Lucida Sans Typewriter" pitchFamily="49" charset="0"/>
+              </a:rPr>
+              <a:t>public void transfer(double amount, </a:t>
+            </a:r>
+            <a:r>
+              <a:rPr lang="en-US" sz="2000" b="1" dirty="0" err="1">
+                <a:solidFill>
+                  <a:schemeClr val="accent3"/>
+                </a:solidFill>
+                <a:latin typeface="Lucida Sans Typewriter" pitchFamily="49" charset="0"/>
+              </a:rPr>
+              <a:t>BankAccount</a:t>
+            </a:r>
+            <a:r>
+              <a:rPr lang="en-US" sz="2000" b="1" dirty="0">
+                <a:solidFill>
+                  <a:schemeClr val="accent3"/>
+                </a:solidFill>
+                <a:latin typeface="Lucida Sans Typewriter" pitchFamily="49" charset="0"/>
+              </a:rPr>
+              <a:t> o){</a:t>
+            </a:r>
+            <a:br>
+              <a:rPr lang="en-US" sz="2000" b="1" dirty="0">
+                <a:solidFill>
+                  <a:schemeClr val="accent3"/>
+                </a:solidFill>
+                <a:latin typeface="Lucida Sans Typewriter" pitchFamily="49" charset="0"/>
+              </a:rPr>
+            </a:br>
+            <a:r>
+              <a:rPr lang="en-US" sz="2000" b="1" dirty="0">
+                <a:solidFill>
+                  <a:schemeClr val="accent3"/>
+                </a:solidFill>
+                <a:latin typeface="Lucida Sans Typewriter" pitchFamily="49" charset="0"/>
+              </a:rPr>
+              <a:t>    </a:t>
+            </a:r>
+            <a:r>
+              <a:rPr lang="en-US" sz="2000" b="1" dirty="0" err="1">
+                <a:solidFill>
+                  <a:schemeClr val="accent3"/>
+                </a:solidFill>
+                <a:latin typeface="Lucida Sans Typewriter" pitchFamily="49" charset="0"/>
+              </a:rPr>
+              <a:t>this.withdraw</a:t>
+            </a:r>
+            <a:r>
+              <a:rPr lang="en-US" sz="2000" b="1" dirty="0">
+                <a:solidFill>
+                  <a:schemeClr val="accent3"/>
+                </a:solidFill>
+                <a:latin typeface="Lucida Sans Typewriter" pitchFamily="49" charset="0"/>
+              </a:rPr>
+              <a:t>(amount);</a:t>
+            </a:r>
+            <a:br>
+              <a:rPr lang="en-US" sz="2000" b="1" dirty="0">
+                <a:solidFill>
+                  <a:schemeClr val="accent3"/>
+                </a:solidFill>
+                <a:latin typeface="Lucida Sans Typewriter" pitchFamily="49" charset="0"/>
+              </a:rPr>
+            </a:br>
+            <a:r>
+              <a:rPr lang="en-US" sz="2000" b="1" dirty="0">
+                <a:solidFill>
+                  <a:schemeClr val="accent3"/>
+                </a:solidFill>
+                <a:latin typeface="Lucida Sans Typewriter" pitchFamily="49" charset="0"/>
+              </a:rPr>
+              <a:t>    </a:t>
+            </a:r>
+            <a:r>
+              <a:rPr lang="en-US" sz="2000" b="1" dirty="0" err="1">
+                <a:solidFill>
+                  <a:schemeClr val="accent3"/>
+                </a:solidFill>
+                <a:latin typeface="Lucida Sans Typewriter" pitchFamily="49" charset="0"/>
+              </a:rPr>
+              <a:t>o.deposit</a:t>
+            </a:r>
+            <a:r>
+              <a:rPr lang="en-US" sz="2000" b="1" dirty="0">
+                <a:solidFill>
+                  <a:schemeClr val="accent3"/>
+                </a:solidFill>
+                <a:latin typeface="Lucida Sans Typewriter" pitchFamily="49" charset="0"/>
+              </a:rPr>
+              <a:t>(amount);</a:t>
+            </a:r>
+            <a:br>
+              <a:rPr lang="en-US" sz="2000" b="1" dirty="0">
+                <a:solidFill>
+                  <a:schemeClr val="accent3"/>
+                </a:solidFill>
+                <a:latin typeface="Lucida Sans Typewriter" pitchFamily="49" charset="0"/>
+              </a:rPr>
+            </a:br>
+            <a:r>
+              <a:rPr lang="en-US" sz="2000" b="1" dirty="0">
+                <a:solidFill>
+                  <a:schemeClr val="accent3"/>
+                </a:solidFill>
+                <a:latin typeface="Lucida Sans Typewriter" pitchFamily="49" charset="0"/>
+              </a:rPr>
+              <a:t>}</a:t>
+            </a:r>
+            <a:br>
+              <a:rPr lang="en-US" dirty="0"/>
+            </a:br>
+            <a:r>
+              <a:rPr lang="en-US" dirty="0"/>
+              <a:t>in </a:t>
+            </a:r>
+            <a:r>
+              <a:rPr lang="en-US" dirty="0" err="1"/>
+              <a:t>BankAccount</a:t>
+            </a:r>
             <a:endParaRPr lang="en-US" dirty="0"/>
           </a:p>
-        </p:txBody>
-      </p:sp>
-      <p:sp>
-        <p:nvSpPr>
-          <p:cNvPr id="2" name="Content Placeholder 1"/>
-          <p:cNvSpPr>
-            <a:spLocks noGrp="1"/>
-          </p:cNvSpPr>
-          <p:nvPr>
-            <p:ph idx="1"/>
-          </p:nvPr>
-        </p:nvSpPr>
-        <p:spPr/>
-        <p:txBody>
-          <a:bodyPr/>
-          <a:lstStyle/>
           <a:p>
             <a:pPr>
               <a:defRPr/>
             </a:pPr>
             <a:r>
-              <a:rPr lang="en-US" dirty="0" smtClean="0"/>
-              <a:t>Can use:</a:t>
+              <a:rPr lang="en-US" dirty="0"/>
+              <a:t>To transfer between different accounts:</a:t>
             </a:r>
           </a:p>
           <a:p>
@@ -8752,224 +8831,80 @@
               <a:defRPr/>
             </a:pPr>
             <a:r>
-              <a:rPr lang="en-US" sz="2000" b="1" dirty="0" smtClean="0">
+              <a:rPr lang="en-US" sz="2000" b="1" dirty="0" err="1">
                 <a:solidFill>
                   <a:schemeClr val="accent3"/>
                 </a:solidFill>
                 <a:latin typeface="Lucida Sans Typewriter" pitchFamily="49" charset="0"/>
               </a:rPr>
-              <a:t>public void transfer(double amount, </a:t>
-            </a:r>
-            <a:r>
-              <a:rPr lang="en-US" sz="2000" b="1" dirty="0" err="1" smtClean="0">
+              <a:t>SavingsAccount</a:t>
+            </a:r>
+            <a:r>
+              <a:rPr lang="en-US" sz="2000" b="1" dirty="0">
                 <a:solidFill>
                   <a:schemeClr val="accent3"/>
                 </a:solidFill>
                 <a:latin typeface="Lucida Sans Typewriter" pitchFamily="49" charset="0"/>
               </a:rPr>
-              <a:t>BankAccount</a:t>
-            </a:r>
-            <a:r>
-              <a:rPr lang="en-US" sz="2000" b="1" dirty="0" smtClean="0">
+              <a:t> </a:t>
+            </a:r>
+            <a:r>
+              <a:rPr lang="en-US" sz="2000" b="1" dirty="0" err="1">
                 <a:solidFill>
                   <a:schemeClr val="accent3"/>
                 </a:solidFill>
                 <a:latin typeface="Lucida Sans Typewriter" pitchFamily="49" charset="0"/>
               </a:rPr>
-              <a:t> o){</a:t>
-            </a:r>
-            <a:br>
-              <a:rPr lang="en-US" sz="2000" b="1" dirty="0" smtClean="0">
+              <a:t>sa</a:t>
+            </a:r>
+            <a:r>
+              <a:rPr lang="en-US" sz="2000" b="1" dirty="0">
                 <a:solidFill>
                   <a:schemeClr val="accent3"/>
                 </a:solidFill>
                 <a:latin typeface="Lucida Sans Typewriter" pitchFamily="49" charset="0"/>
               </a:rPr>
-            </a:br>
-            <a:r>
-              <a:rPr lang="en-US" sz="2000" b="1" dirty="0" smtClean="0">
+              <a:t> = …;</a:t>
+            </a:r>
+          </a:p>
+          <a:p>
+            <a:pPr lvl="1">
+              <a:defRPr/>
+            </a:pPr>
+            <a:r>
+              <a:rPr lang="en-US" sz="2000" b="1" dirty="0" err="1">
                 <a:solidFill>
                   <a:schemeClr val="accent3"/>
                 </a:solidFill>
                 <a:latin typeface="Lucida Sans Typewriter" pitchFamily="49" charset="0"/>
               </a:rPr>
-              <a:t>    </a:t>
-            </a:r>
-            <a:r>
-              <a:rPr lang="en-US" sz="2000" b="1" dirty="0" err="1" smtClean="0">
+              <a:t>CheckingAccount</a:t>
+            </a:r>
+            <a:r>
+              <a:rPr lang="en-US" sz="2000" b="1" dirty="0">
                 <a:solidFill>
                   <a:schemeClr val="accent3"/>
                 </a:solidFill>
                 <a:latin typeface="Lucida Sans Typewriter" pitchFamily="49" charset="0"/>
               </a:rPr>
-              <a:t>this.withdraw</a:t>
-            </a:r>
-            <a:r>
-              <a:rPr lang="en-US" sz="2000" b="1" dirty="0" smtClean="0">
+              <a:t> ca = …;</a:t>
+            </a:r>
+          </a:p>
+          <a:p>
+            <a:pPr lvl="1">
+              <a:defRPr/>
+            </a:pPr>
+            <a:r>
+              <a:rPr lang="en-US" sz="2000" b="1" dirty="0" err="1">
                 <a:solidFill>
                   <a:schemeClr val="accent3"/>
                 </a:solidFill>
                 <a:latin typeface="Lucida Sans Typewriter" pitchFamily="49" charset="0"/>
               </a:rPr>
-              <a:t>(amount);</a:t>
-            </a:r>
-            <a:br>
-              <a:rPr lang="en-US" sz="2000" b="1" dirty="0" smtClean="0">
-                <a:solidFill>
-                  <a:schemeClr val="accent3"/>
-                </a:solidFill>
-                <a:latin typeface="Lucida Sans Typewriter" pitchFamily="49" charset="0"/>
-              </a:rPr>
-            </a:br>
-            <a:r>
-              <a:rPr lang="en-US" sz="2000" b="1" dirty="0" smtClean="0">
-                <a:solidFill>
-                  <a:schemeClr val="accent3"/>
-                </a:solidFill>
-                <a:latin typeface="Lucida Sans Typewriter" pitchFamily="49" charset="0"/>
-              </a:rPr>
-              <a:t>    </a:t>
-            </a:r>
-            <a:r>
-              <a:rPr lang="en-US" sz="2000" b="1" dirty="0" err="1" smtClean="0">
-                <a:solidFill>
-                  <a:schemeClr val="accent3"/>
-                </a:solidFill>
-                <a:latin typeface="Lucida Sans Typewriter" pitchFamily="49" charset="0"/>
-              </a:rPr>
-              <a:t>o.deposit</a:t>
-            </a:r>
-            <a:r>
-              <a:rPr lang="en-US" sz="2000" b="1" dirty="0" smtClean="0">
-                <a:solidFill>
-                  <a:schemeClr val="accent3"/>
-                </a:solidFill>
-                <a:latin typeface="Lucida Sans Typewriter" pitchFamily="49" charset="0"/>
-              </a:rPr>
-              <a:t>(amount);</a:t>
-            </a:r>
-            <a:br>
-              <a:rPr lang="en-US" sz="2000" b="1" dirty="0" smtClean="0">
-                <a:solidFill>
-                  <a:schemeClr val="accent3"/>
-                </a:solidFill>
-                <a:latin typeface="Lucida Sans Typewriter" pitchFamily="49" charset="0"/>
-              </a:rPr>
-            </a:br>
-            <a:r>
-              <a:rPr lang="en-US" sz="2000" b="1" dirty="0" smtClean="0">
-                <a:solidFill>
-                  <a:schemeClr val="accent3"/>
-                </a:solidFill>
-                <a:latin typeface="Lucida Sans Typewriter" pitchFamily="49" charset="0"/>
-              </a:rPr>
-              <a:t>}</a:t>
-            </a:r>
-            <a:r>
-              <a:rPr lang="en-US" dirty="0" smtClean="0"/>
-              <a:t/>
-            </a:r>
-            <a:br>
-              <a:rPr lang="en-US" dirty="0" smtClean="0"/>
-            </a:br>
-            <a:r>
-              <a:rPr lang="en-US" dirty="0" smtClean="0"/>
-              <a:t>in </a:t>
-            </a:r>
-            <a:r>
-              <a:rPr lang="en-US" dirty="0" err="1" smtClean="0"/>
-              <a:t>BankAccount</a:t>
-            </a:r>
-            <a:endParaRPr lang="en-US" dirty="0" smtClean="0"/>
-          </a:p>
-          <a:p>
-            <a:pPr>
-              <a:defRPr/>
-            </a:pPr>
-            <a:r>
-              <a:rPr lang="en-US" dirty="0" smtClean="0"/>
-              <a:t>To transfer between different accounts:</a:t>
-            </a:r>
-          </a:p>
-          <a:p>
-            <a:pPr lvl="1">
-              <a:defRPr/>
-            </a:pPr>
-            <a:r>
-              <a:rPr lang="en-US" sz="2000" b="1" dirty="0" err="1" smtClean="0">
-                <a:solidFill>
-                  <a:schemeClr val="accent3"/>
-                </a:solidFill>
-                <a:latin typeface="Lucida Sans Typewriter" pitchFamily="49" charset="0"/>
-              </a:rPr>
-              <a:t>SavingsAccount</a:t>
-            </a:r>
-            <a:r>
-              <a:rPr lang="en-US" sz="2000" b="1" dirty="0" smtClean="0">
-                <a:solidFill>
-                  <a:schemeClr val="accent3"/>
-                </a:solidFill>
-                <a:latin typeface="Lucida Sans Typewriter" pitchFamily="49" charset="0"/>
-              </a:rPr>
-              <a:t> </a:t>
-            </a:r>
-            <a:r>
-              <a:rPr lang="en-US" sz="2000" b="1" dirty="0" err="1" smtClean="0">
-                <a:solidFill>
-                  <a:schemeClr val="accent3"/>
-                </a:solidFill>
-                <a:latin typeface="Lucida Sans Typewriter" pitchFamily="49" charset="0"/>
-              </a:rPr>
-              <a:t>sa</a:t>
-            </a:r>
-            <a:r>
-              <a:rPr lang="en-US" sz="2000" b="1" dirty="0" smtClean="0">
-                <a:solidFill>
-                  <a:schemeClr val="accent3"/>
-                </a:solidFill>
-                <a:latin typeface="Lucida Sans Typewriter" pitchFamily="49" charset="0"/>
-              </a:rPr>
-              <a:t> = …;</a:t>
-            </a:r>
-          </a:p>
-          <a:p>
-            <a:pPr lvl="1">
-              <a:defRPr/>
-            </a:pPr>
-            <a:r>
-              <a:rPr lang="en-US" sz="2000" b="1" dirty="0" err="1" smtClean="0">
-                <a:solidFill>
-                  <a:schemeClr val="accent3"/>
-                </a:solidFill>
-                <a:latin typeface="Lucida Sans Typewriter" pitchFamily="49" charset="0"/>
-              </a:rPr>
-              <a:t>CheckingAccount</a:t>
-            </a:r>
-            <a:r>
-              <a:rPr lang="en-US" sz="2000" b="1" dirty="0" smtClean="0">
-                <a:solidFill>
-                  <a:schemeClr val="accent3"/>
-                </a:solidFill>
-                <a:latin typeface="Lucida Sans Typewriter" pitchFamily="49" charset="0"/>
-              </a:rPr>
-              <a:t> ca = …;</a:t>
-            </a:r>
-          </a:p>
-          <a:p>
-            <a:pPr lvl="1">
-              <a:defRPr/>
-            </a:pPr>
-            <a:r>
-              <a:rPr lang="en-US" sz="2000" b="1" dirty="0" err="1" smtClean="0">
-                <a:solidFill>
-                  <a:schemeClr val="accent3"/>
-                </a:solidFill>
-                <a:latin typeface="Lucida Sans Typewriter" pitchFamily="49" charset="0"/>
-              </a:rPr>
               <a:t>sa.transfer</a:t>
             </a:r>
             <a:r>
-              <a:rPr lang="en-US" sz="2000" b="1" dirty="0" smtClean="0">
+              <a:rPr lang="en-US" sz="2000" b="1" dirty="0">
                 <a:solidFill>
                   <a:schemeClr val="accent3"/>
                 </a:solidFill>
@@ -8986,13 +8921,6 @@
   <p:clrMapOvr>
     <a:masterClrMapping/>
   </p:clrMapOvr>
-  <p:timing>
-    <p:tnLst>
-      <p:par>
-        <p:cTn id="1" dur="indefinite" restart="never" nodeType="tmRoot"/>
-      </p:par>
-    </p:tnLst>
-  </p:timing>
 </p:sld>
 </file>
 
@@ -9032,10 +8960,9 @@
               <a:defRPr/>
             </a:pPr>
             <a:r>
-              <a:rPr lang="en-US" dirty="0" smtClean="0"/>
+              <a:rPr lang="en-US" dirty="0"/>
               <a:t>Access Modifiers</a:t>
             </a:r>
-            <a:endParaRPr lang="en-US" dirty="0"/>
           </a:p>
         </p:txBody>
       </p:sp>
@@ -9060,7 +8987,7 @@
               <a:defRPr/>
             </a:pPr>
             <a:r>
-              <a:rPr lang="en-US" b="1" dirty="0" smtClean="0">
+              <a:rPr lang="en-US" b="1" dirty="0">
                 <a:solidFill>
                   <a:schemeClr val="accent3"/>
                 </a:solidFill>
@@ -9069,7 +8996,7 @@
               <a:t>public</a:t>
             </a:r>
             <a:r>
-              <a:rPr lang="en-US" dirty="0" smtClean="0"/>
+              <a:rPr lang="en-US" dirty="0"/>
               <a:t>—any code can see it</a:t>
             </a:r>
           </a:p>
@@ -9078,7 +9005,7 @@
               <a:defRPr/>
             </a:pPr>
             <a:r>
-              <a:rPr lang="en-US" b="1" dirty="0" smtClean="0">
+              <a:rPr lang="en-US" b="1" dirty="0">
                 <a:solidFill>
                   <a:schemeClr val="accent3"/>
                 </a:solidFill>
@@ -9087,7 +9014,7 @@
               <a:t>protected</a:t>
             </a:r>
             <a:r>
-              <a:rPr lang="en-US" dirty="0" smtClean="0"/>
+              <a:rPr lang="en-US" dirty="0"/>
               <a:t>— package and subclasses can see it</a:t>
             </a:r>
           </a:p>
@@ -9096,7 +9023,7 @@
               <a:defRPr/>
             </a:pPr>
             <a:r>
-              <a:rPr lang="en-US" b="1" dirty="0" smtClean="0">
+              <a:rPr lang="en-US" b="1" dirty="0">
                 <a:solidFill>
                   <a:schemeClr val="accent3"/>
                 </a:solidFill>
@@ -9105,10 +9032,10 @@
               <a:t>default</a:t>
             </a:r>
             <a:r>
-              <a:rPr lang="en-US" dirty="0" smtClean="0"/>
+              <a:rPr lang="en-US" dirty="0"/>
               <a:t>—anything in the package can see it</a:t>
             </a:r>
-            <a:endParaRPr lang="en-US" b="1" dirty="0" smtClean="0">
+            <a:endParaRPr lang="en-US" b="1" dirty="0">
               <a:solidFill>
                 <a:schemeClr val="accent3"/>
               </a:solidFill>
@@ -9120,7 +9047,7 @@
               <a:defRPr/>
             </a:pPr>
             <a:r>
-              <a:rPr lang="en-US" b="1" dirty="0" smtClean="0">
+              <a:rPr lang="en-US" b="1" dirty="0">
                 <a:solidFill>
                   <a:schemeClr val="accent3"/>
                 </a:solidFill>
@@ -9129,7 +9056,7 @@
               <a:t>private</a:t>
             </a:r>
             <a:r>
-              <a:rPr lang="en-US" dirty="0" smtClean="0"/>
+              <a:rPr lang="en-US" dirty="0"/>
               <a:t>—only the class itself can see it</a:t>
             </a:r>
           </a:p>
@@ -9137,14 +9064,14 @@
             <a:pPr lvl="1">
               <a:defRPr/>
             </a:pPr>
-            <a:endParaRPr lang="en-US" dirty="0" smtClean="0"/>
+            <a:endParaRPr lang="en-US" dirty="0"/>
           </a:p>
           <a:p>
             <a:pPr>
               <a:defRPr/>
             </a:pPr>
             <a:r>
-              <a:rPr lang="en-US" dirty="0" smtClean="0"/>
+              <a:rPr lang="en-US" dirty="0"/>
               <a:t>Notes:</a:t>
             </a:r>
           </a:p>
@@ -9153,22 +9080,22 @@
               <a:defRPr/>
             </a:pPr>
             <a:r>
-              <a:rPr lang="en-US" b="1" dirty="0" smtClean="0"/>
+              <a:rPr lang="en-US" b="1" dirty="0"/>
               <a:t>default</a:t>
             </a:r>
             <a:r>
-              <a:rPr lang="en-US" dirty="0" smtClean="0"/>
+              <a:rPr lang="en-US" dirty="0"/>
               <a:t> (i.e., no modifier)—only code </a:t>
             </a:r>
             <a:br>
-              <a:rPr lang="en-US" dirty="0" smtClean="0"/>
+              <a:rPr lang="en-US" dirty="0"/>
             </a:br>
             <a:r>
-              <a:rPr lang="en-US" dirty="0" smtClean="0"/>
+              <a:rPr lang="en-US" dirty="0"/>
               <a:t>in the same </a:t>
             </a:r>
             <a:r>
-              <a:rPr lang="en-US" b="1" dirty="0" smtClean="0">
+              <a:rPr lang="en-US" b="1" dirty="0">
                 <a:solidFill>
                   <a:schemeClr val="accent3"/>
                 </a:solidFill>
@@ -9176,7 +9103,7 @@
               <a:t>package</a:t>
             </a:r>
             <a:r>
-              <a:rPr lang="en-US" dirty="0" smtClean="0"/>
+              <a:rPr lang="en-US" dirty="0"/>
               <a:t> can see it</a:t>
             </a:r>
           </a:p>
@@ -9185,7 +9112,7 @@
               <a:defRPr/>
             </a:pPr>
             <a:r>
-              <a:rPr lang="en-US" dirty="0" smtClean="0"/>
+              <a:rPr lang="en-US" dirty="0"/>
               <a:t>good choice for classes</a:t>
             </a:r>
           </a:p>
@@ -9194,7 +9121,7 @@
               <a:defRPr/>
             </a:pPr>
             <a:r>
-              <a:rPr lang="en-US" b="1" dirty="0" smtClean="0">
+              <a:rPr lang="en-US" b="1" dirty="0">
                 <a:solidFill>
                   <a:schemeClr val="accent3"/>
                 </a:solidFill>
@@ -9203,14 +9130,14 @@
               <a:t>protected</a:t>
             </a:r>
             <a:r>
-              <a:rPr lang="en-US" dirty="0" smtClean="0"/>
+              <a:rPr lang="en-US" dirty="0"/>
               <a:t>—like default, but </a:t>
             </a:r>
             <a:br>
-              <a:rPr lang="en-US" dirty="0" smtClean="0"/>
+              <a:rPr lang="en-US" dirty="0"/>
             </a:br>
             <a:r>
-              <a:rPr lang="en-US" dirty="0" smtClean="0"/>
+              <a:rPr lang="en-US" dirty="0"/>
               <a:t>subclasses also have access</a:t>
             </a:r>
           </a:p>
@@ -9219,10 +9146,9 @@
               <a:defRPr/>
             </a:pPr>
             <a:r>
-              <a:rPr lang="en-US" dirty="0" smtClean="0"/>
+              <a:rPr lang="en-US" dirty="0"/>
               <a:t>sometimes useful for helper methods</a:t>
             </a:r>
-            <a:endParaRPr lang="en-US" dirty="0"/>
           </a:p>
         </p:txBody>
       </p:sp>
@@ -9354,7 +9280,7 @@
               <a:defRPr/>
             </a:pPr>
             <a:r>
-              <a:rPr lang="en-US" sz="1800" dirty="0" smtClean="0">
+              <a:rPr lang="en-US" sz="1800" dirty="0">
                 <a:solidFill>
                   <a:schemeClr val="bg1"/>
                 </a:solidFill>
@@ -9363,13 +9289,6 @@
               </a:rPr>
               <a:t>Q7</a:t>
             </a:r>
-            <a:endParaRPr lang="en-US" sz="1800" dirty="0">
-              <a:solidFill>
-                <a:schemeClr val="bg1"/>
-              </a:solidFill>
-              <a:cs typeface="Arial" pitchFamily="34" charset="0"/>
-              <a:sym typeface="Arial" pitchFamily="34" charset="0"/>
-            </a:endParaRPr>
           </a:p>
         </p:txBody>
       </p:sp>
@@ -9378,13 +9297,6 @@
   <p:clrMapOvr>
     <a:masterClrMapping/>
   </p:clrMapOvr>
-  <p:timing>
-    <p:tnLst>
-      <p:par>
-        <p:cTn id="1" dur="indefinite" restart="never" nodeType="tmRoot"/>
-      </p:par>
-    </p:tnLst>
-  </p:timing>
 </p:sld>
 </file>
 
@@ -9421,66 +9333,65 @@
           <a:lstStyle/>
           <a:p>
             <a:r>
-              <a:rPr lang="en-US" dirty="0" smtClean="0"/>
+              <a:rPr lang="en-US" dirty="0"/>
               <a:t>Live coding</a:t>
             </a:r>
+          </a:p>
+        </p:txBody>
+      </p:sp>
+      <p:sp>
+        <p:nvSpPr>
+          <p:cNvPr id="3" name="Content Placeholder 2"/>
+          <p:cNvSpPr>
+            <a:spLocks noGrp="1"/>
+          </p:cNvSpPr>
+          <p:nvPr>
+            <p:ph idx="1"/>
+          </p:nvPr>
+        </p:nvSpPr>
+        <p:spPr/>
+        <p:txBody>
+          <a:bodyPr/>
+          <a:lstStyle/>
+          <a:p>
+            <a:r>
+              <a:rPr lang="en-US" dirty="0"/>
+              <a:t>Let’s look at </a:t>
+            </a:r>
+            <a:r>
+              <a:rPr lang="en-US" dirty="0" err="1"/>
+              <a:t>chessPieces</a:t>
+            </a:r>
+            <a:r>
+              <a:rPr lang="en-US" dirty="0"/>
+              <a:t>/</a:t>
+            </a:r>
+            <a:r>
+              <a:rPr lang="en-US" dirty="0" err="1"/>
+              <a:t>chessSupport</a:t>
+            </a:r>
             <a:endParaRPr lang="en-US" dirty="0"/>
           </a:p>
-        </p:txBody>
-      </p:sp>
-      <p:sp>
-        <p:nvSpPr>
-          <p:cNvPr id="3" name="Content Placeholder 2"/>
-          <p:cNvSpPr>
-            <a:spLocks noGrp="1"/>
-          </p:cNvSpPr>
-          <p:nvPr>
-            <p:ph idx="1"/>
-          </p:nvPr>
-        </p:nvSpPr>
-        <p:spPr/>
-        <p:txBody>
-          <a:bodyPr/>
-          <a:lstStyle/>
-          <a:p>
-            <a:r>
-              <a:rPr lang="en-US" dirty="0" smtClean="0"/>
-              <a:t>Let’s look at </a:t>
-            </a:r>
-            <a:r>
-              <a:rPr lang="en-US" dirty="0" err="1" smtClean="0"/>
-              <a:t>chessPieces</a:t>
-            </a:r>
-            <a:r>
-              <a:rPr lang="en-US" dirty="0" smtClean="0"/>
-              <a:t>/</a:t>
-            </a:r>
-            <a:r>
-              <a:rPr lang="en-US" dirty="0" err="1" smtClean="0"/>
-              <a:t>chessSupport</a:t>
-            </a:r>
-            <a:endParaRPr lang="en-US" dirty="0" smtClean="0"/>
-          </a:p>
           <a:p>
             <a:pPr lvl="1"/>
             <a:r>
-              <a:rPr lang="en-US" dirty="0" smtClean="0"/>
+              <a:rPr lang="en-US" dirty="0"/>
               <a:t>Let’s Look at King and </a:t>
             </a:r>
             <a:r>
-              <a:rPr lang="en-US" dirty="0" err="1" smtClean="0"/>
+              <a:rPr lang="en-US" dirty="0" err="1"/>
               <a:t>ChessPiece</a:t>
             </a:r>
-            <a:endParaRPr lang="en-US" dirty="0" smtClean="0"/>
+            <a:endParaRPr lang="en-US" dirty="0"/>
           </a:p>
           <a:p>
             <a:pPr lvl="1"/>
             <a:r>
-              <a:rPr lang="en-US" dirty="0" err="1" smtClean="0"/>
+              <a:rPr lang="en-US" dirty="0" err="1"/>
               <a:t>StandardBoardProvider</a:t>
             </a:r>
             <a:r>
-              <a:rPr lang="en-US" dirty="0" smtClean="0"/>
+              <a:rPr lang="en-US" dirty="0"/>
               <a:t> (uncomment King lines)</a:t>
             </a:r>
           </a:p>
@@ -9500,13 +9411,6 @@
   <p:clrMapOvr>
     <a:masterClrMapping/>
   </p:clrMapOvr>
-  <p:timing>
-    <p:tnLst>
-      <p:par>
-        <p:cTn id="1" dur="indefinite" restart="never" nodeType="tmRoot"/>
-      </p:par>
-    </p:tnLst>
-  </p:timing>
 </p:sld>
 </file>
 
@@ -9546,7 +9450,7 @@
               <a:defRPr/>
             </a:pPr>
             <a:r>
-              <a:rPr lang="en-US" dirty="0" smtClean="0">
+              <a:rPr lang="en-US" dirty="0">
                 <a:solidFill>
                   <a:schemeClr val="accent3"/>
                 </a:solidFill>
@@ -9554,10 +9458,9 @@
               <a:t>Abstract</a:t>
             </a:r>
             <a:r>
-              <a:rPr lang="en-US" dirty="0" smtClean="0"/>
+              <a:rPr lang="en-US" dirty="0"/>
               <a:t> Classes</a:t>
             </a:r>
-            <a:endParaRPr lang="en-US" dirty="0"/>
           </a:p>
         </p:txBody>
       </p:sp>
@@ -9582,15 +9485,15 @@
               <a:defRPr/>
             </a:pPr>
             <a:r>
-              <a:rPr lang="en-US" dirty="0" smtClean="0"/>
+              <a:rPr lang="en-US" dirty="0"/>
               <a:t>Hybrid of </a:t>
             </a:r>
             <a:r>
-              <a:rPr lang="en-US" dirty="0" err="1" smtClean="0"/>
+              <a:rPr lang="en-US" dirty="0" err="1"/>
               <a:t>superclasses</a:t>
             </a:r>
             <a:r>
-              <a:rPr lang="en-US" dirty="0" smtClean="0"/>
+              <a:rPr lang="en-US" dirty="0"/>
               <a:t> and interfaces</a:t>
             </a:r>
           </a:p>
@@ -9599,15 +9502,15 @@
               <a:defRPr/>
             </a:pPr>
             <a:r>
-              <a:rPr lang="en-US" dirty="0" smtClean="0"/>
+              <a:rPr lang="en-US" dirty="0"/>
               <a:t>Like regular </a:t>
             </a:r>
             <a:r>
-              <a:rPr lang="en-US" dirty="0" err="1" smtClean="0"/>
+              <a:rPr lang="en-US" dirty="0" err="1"/>
               <a:t>superclasses</a:t>
             </a:r>
             <a:r>
-              <a:rPr lang="en-US" dirty="0" smtClean="0"/>
+              <a:rPr lang="en-US" dirty="0"/>
               <a:t>:</a:t>
             </a:r>
           </a:p>
@@ -9616,7 +9519,7 @@
               <a:defRPr/>
             </a:pPr>
             <a:r>
-              <a:rPr lang="en-US" dirty="0" smtClean="0"/>
+              <a:rPr lang="en-US" dirty="0"/>
               <a:t>Provide implementation of some methods</a:t>
             </a:r>
           </a:p>
@@ -9625,7 +9528,7 @@
               <a:defRPr/>
             </a:pPr>
             <a:r>
-              <a:rPr lang="en-US" dirty="0" smtClean="0"/>
+              <a:rPr lang="en-US" dirty="0"/>
               <a:t>Like interfaces</a:t>
             </a:r>
           </a:p>
@@ -9634,7 +9537,7 @@
               <a:defRPr/>
             </a:pPr>
             <a:r>
-              <a:rPr lang="en-US" dirty="0" smtClean="0"/>
+              <a:rPr lang="en-US" dirty="0"/>
               <a:t>Just provide signatures and docs of other methods</a:t>
             </a:r>
           </a:p>
@@ -9643,7 +9546,7 @@
               <a:defRPr/>
             </a:pPr>
             <a:r>
-              <a:rPr lang="en-US" dirty="0" smtClean="0"/>
+              <a:rPr lang="en-US" dirty="0"/>
               <a:t>Can’t be instantiated</a:t>
             </a:r>
           </a:p>
@@ -9652,7 +9555,7 @@
               <a:defRPr/>
             </a:pPr>
             <a:r>
-              <a:rPr lang="en-US" dirty="0" smtClean="0"/>
+              <a:rPr lang="en-US" dirty="0"/>
               <a:t>Example:</a:t>
             </a:r>
           </a:p>
@@ -9661,13 +9564,13 @@
               <a:defRPr/>
             </a:pPr>
             <a:r>
-              <a:rPr lang="en-US" b="1" dirty="0" smtClean="0">
+              <a:rPr lang="en-US" b="1" dirty="0">
                 <a:latin typeface="Lucida Sans Typewriter" pitchFamily="49" charset="0"/>
               </a:rPr>
               <a:t>public </a:t>
             </a:r>
             <a:r>
-              <a:rPr lang="en-US" b="1" dirty="0" smtClean="0">
+              <a:rPr lang="en-US" b="1" dirty="0">
                 <a:solidFill>
                   <a:schemeClr val="accent3"/>
                 </a:solidFill>
@@ -9676,47 +9579,47 @@
               <a:t>abstract</a:t>
             </a:r>
             <a:r>
-              <a:rPr lang="en-US" b="1" dirty="0" smtClean="0">
+              <a:rPr lang="en-US" b="1" dirty="0">
                 <a:latin typeface="Lucida Sans Typewriter" pitchFamily="49" charset="0"/>
               </a:rPr>
               <a:t> class </a:t>
             </a:r>
             <a:r>
-              <a:rPr lang="en-US" b="1" dirty="0" err="1" smtClean="0">
+              <a:rPr lang="en-US" b="1" dirty="0" err="1">
                 <a:latin typeface="Lucida Sans Typewriter" pitchFamily="49" charset="0"/>
               </a:rPr>
               <a:t>BankAccount</a:t>
             </a:r>
             <a:r>
-              <a:rPr lang="en-US" b="1" dirty="0" smtClean="0">
+              <a:rPr lang="en-US" b="1" dirty="0">
                 <a:latin typeface="Lucida Sans Typewriter" pitchFamily="49" charset="0"/>
               </a:rPr>
               <a:t> {</a:t>
             </a:r>
             <a:br>
-              <a:rPr lang="en-US" b="1" dirty="0" smtClean="0">
+              <a:rPr lang="en-US" b="1" dirty="0">
                 <a:latin typeface="Lucida Sans Typewriter" pitchFamily="49" charset="0"/>
               </a:rPr>
             </a:br>
             <a:r>
-              <a:rPr lang="en-US" b="1" dirty="0" smtClean="0">
+              <a:rPr lang="en-US" b="1" dirty="0">
                 <a:latin typeface="Lucida Sans Typewriter" pitchFamily="49" charset="0"/>
               </a:rPr>
               <a:t>    /** documentation here */</a:t>
             </a:r>
             <a:br>
-              <a:rPr lang="en-US" b="1" dirty="0" smtClean="0">
+              <a:rPr lang="en-US" b="1" dirty="0">
                 <a:latin typeface="Lucida Sans Typewriter" pitchFamily="49" charset="0"/>
               </a:rPr>
             </a:br>
             <a:r>
-              <a:rPr lang="en-US" b="1" dirty="0" smtClean="0">
+              <a:rPr lang="en-US" b="1" dirty="0">
                 <a:latin typeface="Lucida Sans Typewriter" pitchFamily="49" charset="0"/>
               </a:rPr>
               <a:t>    public </a:t>
             </a:r>
             <a:r>
-              <a:rPr lang="en-US" b="1" dirty="0" smtClean="0">
+              <a:rPr lang="en-US" b="1" dirty="0">
                 <a:solidFill>
                   <a:schemeClr val="accent3"/>
                 </a:solidFill>
@@ -9725,25 +9628,25 @@
               <a:t>abstract</a:t>
             </a:r>
             <a:r>
-              <a:rPr lang="en-US" b="1" dirty="0" smtClean="0">
+              <a:rPr lang="en-US" b="1" dirty="0">
                 <a:latin typeface="Lucida Sans Typewriter" pitchFamily="49" charset="0"/>
               </a:rPr>
               <a:t> void </a:t>
             </a:r>
             <a:r>
-              <a:rPr lang="en-US" b="1" dirty="0" err="1" smtClean="0">
+              <a:rPr lang="en-US" b="1" dirty="0" err="1">
                 <a:latin typeface="Lucida Sans Typewriter" pitchFamily="49" charset="0"/>
               </a:rPr>
               <a:t>deductFees</a:t>
             </a:r>
             <a:r>
-              <a:rPr lang="en-US" b="1" dirty="0" smtClean="0">
+              <a:rPr lang="en-US" b="1" dirty="0">
                 <a:latin typeface="Lucida Sans Typewriter" pitchFamily="49" charset="0"/>
               </a:rPr>
               <a:t>()</a:t>
             </a:r>
             <a:r>
-              <a:rPr lang="en-US" b="1" dirty="0" smtClean="0">
+              <a:rPr lang="en-US" b="1" dirty="0">
                 <a:solidFill>
                   <a:schemeClr val="accent3"/>
                 </a:solidFill>
@@ -9751,30 +9654,24 @@
               </a:rPr>
               <a:t>;</a:t>
             </a:r>
-            <a:r>
-              <a:rPr lang="en-US" b="1" dirty="0" smtClean="0">
+            <a:br>
+              <a:rPr lang="en-US" b="1" dirty="0">
                 <a:latin typeface="Lucida Sans Typewriter" pitchFamily="49" charset="0"/>
               </a:rPr>
-              <a:t/>
+            </a:br>
+            <a:r>
+              <a:rPr lang="en-US" b="1" dirty="0">
+                <a:latin typeface="Lucida Sans Typewriter" pitchFamily="49" charset="0"/>
+              </a:rPr>
+              <a:t>    …</a:t>
             </a:r>
             <a:br>
-              <a:rPr lang="en-US" b="1" dirty="0" smtClean="0">
+              <a:rPr lang="en-US" b="1" dirty="0">
                 <a:latin typeface="Lucida Sans Typewriter" pitchFamily="49" charset="0"/>
               </a:rPr>
             </a:br>
             <a:r>
-              <a:rPr lang="en-US" b="1" dirty="0" smtClean="0">
-                <a:latin typeface="Lucida Sans Typewriter" pitchFamily="49" charset="0"/>
-              </a:rPr>
-              <a:t>    …</a:t>
-            </a:r>
-            <a:br>
-              <a:rPr lang="en-US" b="1" dirty="0" smtClean="0">
-                <a:latin typeface="Lucida Sans Typewriter" pitchFamily="49" charset="0"/>
-              </a:rPr>
-            </a:br>
-            <a:r>
-              <a:rPr lang="en-US" b="1" dirty="0" smtClean="0">
+              <a:rPr lang="en-US" b="1" dirty="0">
                 <a:latin typeface="Lucida Sans Typewriter" pitchFamily="49" charset="0"/>
               </a:rPr>
               <a:t>}</a:t>
@@ -9875,18 +9772,17 @@
               <a:defRPr/>
             </a:pPr>
             <a:r>
-              <a:rPr lang="en-US" sz="2200" dirty="0" smtClean="0"/>
+              <a:rPr lang="en-US" sz="2200" dirty="0"/>
               <a:t>Also look at the code in the shapes package, especially </a:t>
             </a:r>
             <a:r>
-              <a:rPr lang="en-US" sz="2200" dirty="0" err="1" smtClean="0"/>
+              <a:rPr lang="en-US" sz="2200" dirty="0" err="1"/>
               <a:t>ShapesDemo</a:t>
             </a:r>
             <a:r>
-              <a:rPr lang="en-US" sz="2200" dirty="0" smtClean="0"/>
+              <a:rPr lang="en-US" sz="2200" dirty="0"/>
               <a:t>  (during or after class)</a:t>
             </a:r>
-            <a:endParaRPr lang="en-US" sz="2200" dirty="0"/>
           </a:p>
         </p:txBody>
       </p:sp>
@@ -9895,21 +9791,6 @@
   <p:clrMapOvr>
     <a:masterClrMapping/>
   </p:clrMapOvr>
-  <mc:AlternateContent xmlns:mc="http://schemas.openxmlformats.org/markup-compatibility/2006" xmlns:p14="http://schemas.microsoft.com/office/powerpoint/2010/main">
-    <mc:Choice Requires="p14">
-      <p:transition spd="slow" p14:dur="2000"/>
-    </mc:Choice>
-    <mc:Fallback xmlns="">
-      <p:transition spd="slow"/>
-    </mc:Fallback>
-  </mc:AlternateContent>
-  <p:timing>
-    <p:tnLst>
-      <p:par>
-        <p:cTn id="1" dur="indefinite" restart="never" nodeType="tmRoot"/>
-      </p:par>
-    </p:tnLst>
-  </p:timing>
 </p:sld>
 </file>
 
@@ -9981,13 +9862,6 @@
   <p:clrMapOvr>
     <a:masterClrMapping/>
   </p:clrMapOvr>
-  <p:timing>
-    <p:tnLst>
-      <p:par>
-        <p:cTn id="1" dur="indefinite" restart="never" nodeType="tmRoot"/>
-      </p:par>
-    </p:tnLst>
-  </p:timing>
 </p:sld>
 </file>
 
@@ -10027,18 +9901,13 @@
               <a:defRPr/>
             </a:pPr>
             <a:r>
-              <a:rPr lang="en-US" dirty="0" smtClean="0">
+              <a:rPr lang="en-US" dirty="0">
                 <a:solidFill>
                   <a:schemeClr val="accent3"/>
                 </a:solidFill>
               </a:rPr>
               <a:t>Inheritance</a:t>
             </a:r>
-            <a:endParaRPr lang="en-US" dirty="0">
-              <a:solidFill>
-                <a:schemeClr val="accent3"/>
-              </a:solidFill>
-            </a:endParaRPr>
           </a:p>
         </p:txBody>
       </p:sp>
@@ -10066,11 +9935,11 @@
               <a:defRPr/>
             </a:pPr>
             <a:r>
-              <a:rPr lang="en-US" sz="2400" dirty="0" smtClean="0"/>
+              <a:rPr lang="en-US" sz="2400" dirty="0"/>
               <a:t>Sometimes a new class is </a:t>
             </a:r>
             <a:r>
-              <a:rPr lang="en-US" sz="2400" b="1" dirty="0" smtClean="0">
+              <a:rPr lang="en-US" sz="2400" b="1" dirty="0">
                 <a:solidFill>
                   <a:schemeClr val="accent3"/>
                 </a:solidFill>
@@ -10078,7 +9947,7 @@
               <a:t>a special case </a:t>
             </a:r>
             <a:r>
-              <a:rPr lang="en-US" sz="2400" dirty="0" smtClean="0"/>
+              <a:rPr lang="en-US" sz="2400" dirty="0"/>
               <a:t>of the concept represented by another </a:t>
             </a:r>
           </a:p>
@@ -10086,14 +9955,14 @@
             <a:pPr>
               <a:defRPr/>
             </a:pPr>
-            <a:endParaRPr lang="en-US" sz="2400" dirty="0" smtClean="0"/>
+            <a:endParaRPr lang="en-US" sz="2400" dirty="0"/>
           </a:p>
           <a:p>
             <a:pPr>
               <a:defRPr/>
             </a:pPr>
             <a:r>
-              <a:rPr lang="en-US" sz="2400" dirty="0" smtClean="0"/>
+              <a:rPr lang="en-US" sz="2400" dirty="0"/>
               <a:t>Can “borrow” from an existing class, changing just what we need</a:t>
             </a:r>
           </a:p>
@@ -10101,18 +9970,18 @@
             <a:pPr>
               <a:defRPr/>
             </a:pPr>
-            <a:endParaRPr lang="en-US" sz="2400" dirty="0" smtClean="0"/>
+            <a:endParaRPr lang="en-US" sz="2400" dirty="0"/>
           </a:p>
           <a:p>
             <a:pPr>
               <a:defRPr/>
             </a:pPr>
             <a:r>
-              <a:rPr lang="en-US" sz="2400" dirty="0" smtClean="0"/>
+              <a:rPr lang="en-US" sz="2400" dirty="0"/>
               <a:t>The new class </a:t>
             </a:r>
             <a:r>
-              <a:rPr lang="en-US" sz="2400" b="1" dirty="0" smtClean="0">
+              <a:rPr lang="en-US" sz="2400" b="1" dirty="0">
                 <a:solidFill>
                   <a:schemeClr val="accent3"/>
                 </a:solidFill>
@@ -10120,7 +9989,7 @@
               <a:t>inherits</a:t>
             </a:r>
             <a:r>
-              <a:rPr lang="en-US" sz="2400" dirty="0" smtClean="0"/>
+              <a:rPr lang="en-US" sz="2400" dirty="0"/>
               <a:t> from the existing one:</a:t>
             </a:r>
           </a:p>
@@ -10129,7 +9998,7 @@
               <a:defRPr/>
             </a:pPr>
             <a:r>
-              <a:rPr lang="en-US" sz="2000" dirty="0" smtClean="0"/>
+              <a:rPr lang="en-US" sz="2000" dirty="0"/>
               <a:t>all methods</a:t>
             </a:r>
           </a:p>
@@ -10138,10 +10007,9 @@
               <a:defRPr/>
             </a:pPr>
             <a:r>
-              <a:rPr lang="en-US" sz="2000" dirty="0" smtClean="0"/>
+              <a:rPr lang="en-US" sz="2000" dirty="0"/>
               <a:t>all instance fields</a:t>
             </a:r>
-            <a:endParaRPr lang="en-US" sz="2000" dirty="0"/>
           </a:p>
         </p:txBody>
       </p:sp>
@@ -10222,7 +10090,7 @@
               <a:defRPr/>
             </a:pPr>
             <a:r>
-              <a:rPr lang="en-US" sz="1800" dirty="0" smtClean="0">
+              <a:rPr lang="en-US" sz="1800" dirty="0">
                 <a:solidFill>
                   <a:schemeClr val="bg1"/>
                 </a:solidFill>
@@ -10231,13 +10099,6 @@
               </a:rPr>
               <a:t>Q1</a:t>
             </a:r>
-            <a:endParaRPr lang="en-US" sz="1800" dirty="0">
-              <a:solidFill>
-                <a:schemeClr val="bg1"/>
-              </a:solidFill>
-              <a:cs typeface="Arial" pitchFamily="34" charset="0"/>
-              <a:sym typeface="Arial" pitchFamily="34" charset="0"/>
-            </a:endParaRPr>
           </a:p>
         </p:txBody>
       </p:sp>
@@ -10246,13 +10107,6 @@
   <p:clrMapOvr>
     <a:masterClrMapping/>
   </p:clrMapOvr>
-  <p:timing>
-    <p:tnLst>
-      <p:par>
-        <p:cTn id="1" dur="indefinite" restart="never" nodeType="tmRoot"/>
-      </p:par>
-    </p:tnLst>
-  </p:timing>
 </p:sld>
 </file>
 
@@ -10292,10 +10146,9 @@
               <a:defRPr/>
             </a:pPr>
             <a:r>
-              <a:rPr lang="en-US" dirty="0" smtClean="0"/>
+              <a:rPr lang="en-US" dirty="0"/>
               <a:t>Work Time</a:t>
             </a:r>
-            <a:endParaRPr lang="en-US" dirty="0"/>
           </a:p>
         </p:txBody>
       </p:sp>
@@ -10322,31 +10175,27 @@
           <a:lstStyle/>
           <a:p>
             <a:r>
-              <a:rPr lang="en-US" dirty="0" smtClean="0"/>
+              <a:rPr lang="en-US" dirty="0"/>
               <a:t>Chess</a:t>
             </a:r>
           </a:p>
           <a:p>
-            <a:endParaRPr lang="en-US" dirty="0" smtClean="0"/>
-          </a:p>
-          <a:p>
-            <a:r>
-              <a:rPr lang="en-US" strike="sngStrike" dirty="0" err="1" smtClean="0"/>
+            <a:endParaRPr lang="en-US" dirty="0"/>
+          </a:p>
+          <a:p>
+            <a:r>
+              <a:rPr lang="en-US" strike="sngStrike" dirty="0" err="1"/>
               <a:t>ByoGUI</a:t>
             </a:r>
-            <a:endParaRPr lang="en-US" strike="sngStrike" dirty="0" smtClean="0"/>
-          </a:p>
-          <a:p>
-            <a:endParaRPr lang="en-US" strike="sngStrike" dirty="0" smtClean="0"/>
-          </a:p>
-          <a:p>
-            <a:r>
-              <a:rPr lang="en-US" strike="sngStrike" dirty="0" smtClean="0"/>
-              <a:t>It's </a:t>
-            </a:r>
-            <a:r>
-              <a:rPr lang="en-US" strike="sngStrike" dirty="0" smtClean="0"/>
-              <a:t>a solo project, but feel free to talk with others as you do it.</a:t>
+            <a:endParaRPr lang="en-US" strike="sngStrike" dirty="0"/>
+          </a:p>
+          <a:p>
+            <a:endParaRPr lang="en-US" strike="sngStrike" dirty="0"/>
+          </a:p>
+          <a:p>
+            <a:r>
+              <a:rPr lang="en-US" strike="sngStrike" dirty="0"/>
+              <a:t>It's a solo project, but feel free to talk with others as you do it.</a:t>
             </a:r>
           </a:p>
           <a:p>
@@ -10354,7 +10203,7 @@
           </a:p>
           <a:p>
             <a:r>
-              <a:rPr lang="en-US" dirty="0" smtClean="0"/>
+              <a:rPr lang="en-US" dirty="0"/>
               <a:t>And to ask instructor/assistants for help</a:t>
             </a:r>
           </a:p>
@@ -10398,10 +10247,9 @@
           <a:lstStyle/>
           <a:p>
             <a:r>
-              <a:rPr lang="en-US" dirty="0" smtClean="0"/>
+              <a:rPr lang="en-US" dirty="0"/>
               <a:t>Q8-Q9</a:t>
             </a:r>
-            <a:endParaRPr lang="en-US" dirty="0"/>
           </a:p>
         </p:txBody>
       </p:sp>
@@ -10410,13 +10258,6 @@
   <p:clrMapOvr>
     <a:masterClrMapping/>
   </p:clrMapOvr>
-  <p:timing>
-    <p:tnLst>
-      <p:par>
-        <p:cTn id="1" dur="indefinite" restart="never" nodeType="tmRoot"/>
-      </p:par>
-    </p:tnLst>
-  </p:timing>
 </p:sld>
 </file>
 
@@ -10455,17 +10296,16 @@
           <a:lstStyle/>
           <a:p>
             <a:r>
-              <a:rPr lang="en-US" dirty="0" smtClean="0"/>
+              <a:rPr lang="en-US" dirty="0"/>
               <a:t>If time allows:</a:t>
             </a:r>
             <a:br>
-              <a:rPr lang="en-US" dirty="0" smtClean="0"/>
+              <a:rPr lang="en-US" dirty="0"/>
             </a:br>
             <a:r>
-              <a:rPr lang="en-US" dirty="0" smtClean="0"/>
+              <a:rPr lang="en-US" dirty="0"/>
               <a:t>Review from yesterday</a:t>
             </a:r>
-            <a:endParaRPr lang="en-US" dirty="0"/>
           </a:p>
         </p:txBody>
       </p:sp>
@@ -10567,13 +10407,6 @@
   <p:clrMapOvr>
     <a:masterClrMapping/>
   </p:clrMapOvr>
-  <p:timing>
-    <p:tnLst>
-      <p:par>
-        <p:cTn id="1" dur="indefinite" restart="never" nodeType="tmRoot"/>
-      </p:par>
-    </p:tnLst>
-  </p:timing>
 </p:sld>
 </file>
 
@@ -10613,10 +10446,9 @@
               <a:defRPr/>
             </a:pPr>
             <a:r>
-              <a:rPr lang="en-US" dirty="0" smtClean="0"/>
+              <a:rPr lang="en-US" dirty="0"/>
               <a:t>Examples</a:t>
             </a:r>
-            <a:endParaRPr lang="en-US" dirty="0"/>
           </a:p>
         </p:txBody>
       </p:sp>
@@ -10641,7 +10473,7 @@
               <a:defRPr/>
             </a:pPr>
             <a:r>
-              <a:rPr lang="en-US" sz="2400" b="1" dirty="0" smtClean="0">
+              <a:rPr lang="en-US" sz="2400" b="1" dirty="0">
                 <a:solidFill>
                   <a:schemeClr val="accent3"/>
                 </a:solidFill>
@@ -10650,7 +10482,7 @@
               <a:t>class </a:t>
             </a:r>
             <a:r>
-              <a:rPr lang="en-US" sz="2400" b="1" dirty="0" err="1" smtClean="0">
+              <a:rPr lang="en-US" sz="2400" b="1" dirty="0" err="1">
                 <a:solidFill>
                   <a:schemeClr val="accent3"/>
                 </a:solidFill>
@@ -10659,7 +10491,7 @@
               <a:t>SavingsAccount</a:t>
             </a:r>
             <a:r>
-              <a:rPr lang="en-US" sz="2400" b="1" dirty="0" smtClean="0">
+              <a:rPr lang="en-US" sz="2400" b="1" dirty="0">
                 <a:solidFill>
                   <a:schemeClr val="accent3"/>
                 </a:solidFill>
@@ -10668,7 +10500,7 @@
               <a:t> extends </a:t>
             </a:r>
             <a:r>
-              <a:rPr lang="en-US" sz="2400" b="1" dirty="0" err="1" smtClean="0">
+              <a:rPr lang="en-US" sz="2400" b="1" dirty="0" err="1">
                 <a:solidFill>
                   <a:schemeClr val="accent3"/>
                 </a:solidFill>
@@ -10676,7 +10508,7 @@
               </a:rPr>
               <a:t>BankAccount</a:t>
             </a:r>
-            <a:endParaRPr lang="en-US" sz="2400" b="1" dirty="0" smtClean="0">
+            <a:endParaRPr lang="en-US" sz="2400" b="1" dirty="0">
               <a:solidFill>
                 <a:schemeClr val="accent3"/>
               </a:solidFill>
@@ -10688,7 +10520,7 @@
               <a:defRPr/>
             </a:pPr>
             <a:r>
-              <a:rPr lang="en-US" dirty="0" smtClean="0"/>
+              <a:rPr lang="en-US" dirty="0"/>
               <a:t>adds interest earning, keeps other traits</a:t>
             </a:r>
           </a:p>
@@ -10696,14 +10528,14 @@
             <a:pPr lvl="1">
               <a:defRPr/>
             </a:pPr>
-            <a:endParaRPr lang="en-US" dirty="0" smtClean="0"/>
+            <a:endParaRPr lang="en-US" dirty="0"/>
           </a:p>
           <a:p>
             <a:pPr>
               <a:defRPr/>
             </a:pPr>
             <a:r>
-              <a:rPr lang="en-US" sz="2400" b="1" dirty="0" smtClean="0">
+              <a:rPr lang="en-US" sz="2400" b="1" dirty="0">
                 <a:solidFill>
                   <a:schemeClr val="accent3"/>
                 </a:solidFill>
@@ -10717,7 +10549,7 @@
               <a:defRPr/>
             </a:pPr>
             <a:r>
-              <a:rPr lang="en-US" dirty="0" smtClean="0"/>
+              <a:rPr lang="en-US" dirty="0"/>
               <a:t>adds pay information and methods, keeps other traits</a:t>
             </a:r>
           </a:p>
@@ -10725,14 +10557,14 @@
             <a:pPr lvl="1">
               <a:defRPr/>
             </a:pPr>
-            <a:endParaRPr lang="en-US" dirty="0" smtClean="0"/>
+            <a:endParaRPr lang="en-US" dirty="0"/>
           </a:p>
           <a:p>
             <a:pPr>
               <a:defRPr/>
             </a:pPr>
             <a:r>
-              <a:rPr lang="en-US" sz="2400" b="1" dirty="0" smtClean="0">
+              <a:rPr lang="en-US" sz="2400" b="1" dirty="0">
                 <a:solidFill>
                   <a:schemeClr val="accent3"/>
                 </a:solidFill>
@@ -10746,10 +10578,9 @@
               <a:defRPr/>
             </a:pPr>
             <a:r>
-              <a:rPr lang="en-US" dirty="0" smtClean="0"/>
+              <a:rPr lang="en-US" dirty="0"/>
               <a:t>adds information about employees managed, changes the pay mechanism, keeps other traits</a:t>
             </a:r>
-            <a:endParaRPr lang="en-US" dirty="0"/>
           </a:p>
         </p:txBody>
       </p:sp>
@@ -11142,10 +10973,9 @@
               <a:defRPr/>
             </a:pPr>
             <a:r>
-              <a:rPr lang="en-US" dirty="0" smtClean="0"/>
+              <a:rPr lang="en-US" dirty="0"/>
               <a:t>Notation and Terminology</a:t>
             </a:r>
-            <a:endParaRPr lang="en-US" dirty="0"/>
           </a:p>
         </p:txBody>
       </p:sp>
@@ -11173,25 +11003,25 @@
               <a:defRPr/>
             </a:pPr>
             <a:r>
-              <a:rPr lang="en-US" sz="2200" b="1" dirty="0" smtClean="0">
+              <a:rPr lang="en-US" sz="2200" b="1" dirty="0">
                 <a:latin typeface="Lucida Sans Typewriter" pitchFamily="49" charset="0"/>
               </a:rPr>
               <a:t>class </a:t>
             </a:r>
             <a:r>
-              <a:rPr lang="en-US" sz="2200" b="1" dirty="0" err="1" smtClean="0">
+              <a:rPr lang="en-US" sz="2200" b="1" dirty="0" err="1">
                 <a:latin typeface="Lucida Sans Typewriter" pitchFamily="49" charset="0"/>
               </a:rPr>
               <a:t>SavingsAccount</a:t>
             </a:r>
             <a:r>
-              <a:rPr lang="en-US" sz="2200" b="1" dirty="0" smtClean="0">
+              <a:rPr lang="en-US" sz="2200" b="1" dirty="0">
                 <a:latin typeface="Lucida Sans Typewriter" pitchFamily="49" charset="0"/>
               </a:rPr>
               <a:t> </a:t>
             </a:r>
             <a:r>
-              <a:rPr lang="en-US" sz="2200" b="1" dirty="0" smtClean="0">
+              <a:rPr lang="en-US" sz="2200" b="1" dirty="0">
                 <a:solidFill>
                   <a:schemeClr val="accent3"/>
                 </a:solidFill>
@@ -11200,181 +11030,169 @@
               <a:t>extends</a:t>
             </a:r>
             <a:r>
-              <a:rPr lang="en-US" sz="2200" b="1" dirty="0" smtClean="0">
+              <a:rPr lang="en-US" sz="2200" b="1" dirty="0">
                 <a:latin typeface="Lucida Sans Typewriter" pitchFamily="49" charset="0"/>
               </a:rPr>
               <a:t> </a:t>
             </a:r>
             <a:r>
-              <a:rPr lang="en-US" sz="2200" b="1" dirty="0" err="1" smtClean="0">
+              <a:rPr lang="en-US" sz="2200" b="1" dirty="0" err="1">
                 <a:latin typeface="Lucida Sans Typewriter" pitchFamily="49" charset="0"/>
               </a:rPr>
               <a:t>BankAccount</a:t>
             </a:r>
             <a:r>
-              <a:rPr lang="en-US" sz="2200" b="1" dirty="0" smtClean="0">
+              <a:rPr lang="en-US" sz="2200" b="1" dirty="0">
                 <a:latin typeface="Lucida Sans Typewriter" pitchFamily="49" charset="0"/>
               </a:rPr>
               <a:t> {</a:t>
             </a:r>
             <a:br>
-              <a:rPr lang="en-US" sz="2200" b="1" dirty="0" smtClean="0">
+              <a:rPr lang="en-US" sz="2200" b="1" dirty="0">
                 <a:latin typeface="Lucida Sans Typewriter" pitchFamily="49" charset="0"/>
               </a:rPr>
             </a:br>
             <a:r>
-              <a:rPr lang="en-US" sz="2200" b="1" dirty="0" smtClean="0">
+              <a:rPr lang="en-US" sz="2200" b="1" dirty="0">
                 <a:latin typeface="Lucida Sans Typewriter" pitchFamily="49" charset="0"/>
               </a:rPr>
               <a:t>	// </a:t>
             </a:r>
             <a:r>
-              <a:rPr lang="en-US" sz="2200" dirty="0" smtClean="0">
+              <a:rPr lang="en-US" sz="2200" dirty="0">
                 <a:latin typeface="Lucida Sans Typewriter" pitchFamily="49" charset="0"/>
               </a:rPr>
               <a:t>added fields</a:t>
             </a:r>
-            <a:r>
-              <a:rPr lang="en-US" sz="2200" b="1" dirty="0" smtClean="0">
+            <a:br>
+              <a:rPr lang="en-US" sz="2200" b="1" dirty="0">
                 <a:latin typeface="Lucida Sans Typewriter" pitchFamily="49" charset="0"/>
               </a:rPr>
-              <a:t/>
+            </a:br>
+            <a:r>
+              <a:rPr lang="en-US" sz="2200" b="1" dirty="0">
+                <a:latin typeface="Lucida Sans Typewriter" pitchFamily="49" charset="0"/>
+              </a:rPr>
+              <a:t>	// </a:t>
+            </a:r>
+            <a:r>
+              <a:rPr lang="en-US" sz="2200" dirty="0">
+                <a:latin typeface="Lucida Sans Typewriter" pitchFamily="49" charset="0"/>
+              </a:rPr>
+              <a:t>added methods</a:t>
             </a:r>
             <a:br>
-              <a:rPr lang="en-US" sz="2200" b="1" dirty="0" smtClean="0">
+              <a:rPr lang="en-US" sz="2200" b="1" dirty="0">
                 <a:latin typeface="Lucida Sans Typewriter" pitchFamily="49" charset="0"/>
               </a:rPr>
             </a:br>
             <a:r>
-              <a:rPr lang="en-US" sz="2200" b="1" dirty="0" smtClean="0">
+              <a:rPr lang="en-US" sz="2200" b="1" dirty="0">
                 <a:latin typeface="Lucida Sans Typewriter" pitchFamily="49" charset="0"/>
               </a:rPr>
-              <a:t>	// </a:t>
-            </a:r>
-            <a:r>
-              <a:rPr lang="en-US" sz="2200" dirty="0" smtClean="0">
+              <a:t>}</a:t>
+            </a:r>
+          </a:p>
+          <a:p>
+            <a:pPr>
+              <a:defRPr/>
+            </a:pPr>
+            <a:endParaRPr lang="en-US" sz="2400" dirty="0"/>
+          </a:p>
+          <a:p>
+            <a:pPr>
+              <a:defRPr/>
+            </a:pPr>
+            <a:r>
+              <a:rPr lang="en-US" sz="2400" dirty="0"/>
+              <a:t>Say “</a:t>
+            </a:r>
+            <a:r>
+              <a:rPr lang="en-US" sz="2400" dirty="0" err="1">
                 <a:latin typeface="Lucida Sans Typewriter" pitchFamily="49" charset="0"/>
               </a:rPr>
-              <a:t>added methods</a:t>
-            </a:r>
-            <a:r>
-              <a:rPr lang="en-US" sz="2200" b="1" dirty="0" smtClean="0">
+              <a:t>SavingsAccount</a:t>
+            </a:r>
+            <a:r>
+              <a:rPr lang="en-US" sz="2400" dirty="0"/>
+              <a:t> </a:t>
+            </a:r>
+            <a:r>
+              <a:rPr lang="en-US" sz="2400" b="1" dirty="0">
+                <a:solidFill>
+                  <a:schemeClr val="accent3"/>
+                </a:solidFill>
+              </a:rPr>
+              <a:t>is a</a:t>
+            </a:r>
+            <a:r>
+              <a:rPr lang="en-US" sz="2400" dirty="0"/>
+              <a:t> </a:t>
+            </a:r>
+            <a:r>
+              <a:rPr lang="en-US" sz="2400" dirty="0" err="1">
                 <a:latin typeface="Lucida Sans Typewriter" pitchFamily="49" charset="0"/>
               </a:rPr>
-              <a:t/>
-            </a:r>
-            <a:br>
-              <a:rPr lang="en-US" sz="2200" b="1" dirty="0" smtClean="0">
+              <a:t>BankAccount</a:t>
+            </a:r>
+            <a:r>
+              <a:rPr lang="en-US" sz="2400" dirty="0"/>
+              <a:t>”</a:t>
+            </a:r>
+          </a:p>
+          <a:p>
+            <a:pPr>
+              <a:defRPr/>
+            </a:pPr>
+            <a:endParaRPr lang="en-US" sz="2400" dirty="0"/>
+          </a:p>
+          <a:p>
+            <a:pPr>
+              <a:defRPr/>
+            </a:pPr>
+            <a:r>
+              <a:rPr lang="en-US" sz="2400" b="1" dirty="0" err="1">
+                <a:solidFill>
+                  <a:schemeClr val="accent3"/>
+                </a:solidFill>
+              </a:rPr>
+              <a:t>Superclass</a:t>
+            </a:r>
+            <a:r>
+              <a:rPr lang="en-US" sz="2400" dirty="0"/>
+              <a:t>: </a:t>
+            </a:r>
+            <a:r>
+              <a:rPr lang="en-US" sz="2400" dirty="0" err="1">
                 <a:latin typeface="Lucida Sans Typewriter" pitchFamily="49" charset="0"/>
               </a:rPr>
-            </a:br>
-            <a:r>
-              <a:rPr lang="en-US" sz="2200" b="1" dirty="0" smtClean="0">
-                <a:latin typeface="Lucida Sans Typewriter" pitchFamily="49" charset="0"/>
-              </a:rPr>
-              <a:t>}</a:t>
+              <a:t>BankAccount</a:t>
             </a:r>
           </a:p>
           <a:p>
             <a:pPr>
               <a:defRPr/>
             </a:pPr>
-            <a:endParaRPr lang="en-US" sz="2400" dirty="0" smtClean="0"/>
+            <a:endParaRPr lang="en-US" sz="2400" dirty="0"/>
           </a:p>
           <a:p>
             <a:pPr>
               <a:defRPr/>
             </a:pPr>
             <a:r>
-              <a:rPr lang="en-US" sz="2400" dirty="0" smtClean="0"/>
-              <a:t>Say “</a:t>
-            </a:r>
-            <a:r>
-              <a:rPr lang="en-US" sz="2400" dirty="0" err="1" smtClean="0">
-                <a:latin typeface="Lucida Sans Typewriter" pitchFamily="49" charset="0"/>
-              </a:rPr>
-              <a:t>SavingsAccount</a:t>
-            </a:r>
-            <a:r>
-              <a:rPr lang="en-US" sz="2400" dirty="0" smtClean="0"/>
-              <a:t> </a:t>
-            </a:r>
-            <a:r>
-              <a:rPr lang="en-US" sz="2400" b="1" dirty="0" smtClean="0">
+              <a:rPr lang="en-US" sz="2400" b="1" dirty="0">
                 <a:solidFill>
                   <a:schemeClr val="accent3"/>
                 </a:solidFill>
               </a:rPr>
-              <a:t>is a</a:t>
-            </a:r>
-            <a:r>
-              <a:rPr lang="en-US" sz="2400" dirty="0" smtClean="0"/>
-              <a:t> </a:t>
-            </a:r>
-            <a:r>
-              <a:rPr lang="en-US" sz="2400" dirty="0" err="1" smtClean="0">
-                <a:latin typeface="Lucida Sans Typewriter" pitchFamily="49" charset="0"/>
-              </a:rPr>
-              <a:t>BankAccount</a:t>
-            </a:r>
-            <a:r>
-              <a:rPr lang="en-US" sz="2400" dirty="0" smtClean="0"/>
-              <a:t>”</a:t>
-            </a:r>
-          </a:p>
-          <a:p>
-            <a:pPr>
-              <a:defRPr/>
-            </a:pPr>
-            <a:endParaRPr lang="en-US" sz="2400" dirty="0" smtClean="0"/>
-          </a:p>
-          <a:p>
-            <a:pPr>
-              <a:defRPr/>
-            </a:pPr>
-            <a:r>
-              <a:rPr lang="en-US" sz="2400" b="1" dirty="0" err="1" smtClean="0">
-                <a:solidFill>
-                  <a:schemeClr val="accent3"/>
-                </a:solidFill>
-              </a:rPr>
-              <a:t>Superclass</a:t>
-            </a:r>
-            <a:r>
-              <a:rPr lang="en-US" sz="2400" dirty="0" smtClean="0"/>
+              <a:t>Subclass</a:t>
+            </a:r>
+            <a:r>
+              <a:rPr lang="en-US" sz="2400" dirty="0"/>
               <a:t>: </a:t>
             </a:r>
             <a:r>
-              <a:rPr lang="en-US" sz="2400" dirty="0" err="1" smtClean="0">
-                <a:latin typeface="Lucida Sans Typewriter" pitchFamily="49" charset="0"/>
-              </a:rPr>
-              <a:t>BankAccount</a:t>
-            </a:r>
-          </a:p>
-          <a:p>
-            <a:pPr>
-              <a:defRPr/>
-            </a:pPr>
-            <a:endParaRPr lang="en-US" sz="2400" dirty="0" smtClean="0"/>
-          </a:p>
-          <a:p>
-            <a:pPr>
-              <a:defRPr/>
-            </a:pPr>
-            <a:r>
-              <a:rPr lang="en-US" sz="2400" b="1" dirty="0" smtClean="0">
-                <a:solidFill>
-                  <a:schemeClr val="accent3"/>
-                </a:solidFill>
-              </a:rPr>
-              <a:t>Subclass</a:t>
-            </a:r>
-            <a:r>
-              <a:rPr lang="en-US" sz="2400" dirty="0" smtClean="0"/>
-              <a:t>: </a:t>
-            </a:r>
-            <a:r>
-              <a:rPr lang="en-US" sz="2400" dirty="0" err="1" smtClean="0">
+              <a:rPr lang="en-US" sz="2400" dirty="0" err="1">
                 <a:latin typeface="Lucida Sans Typewriter" pitchFamily="49" charset="0"/>
               </a:rPr>
               <a:t>SavingsAccount</a:t>
@@ -11387,13 +11205,6 @@
   <p:clrMapOvr>
     <a:masterClrMapping/>
   </p:clrMapOvr>
-  <p:timing>
-    <p:tnLst>
-      <p:par>
-        <p:cTn id="1" dur="indefinite" restart="never" nodeType="tmRoot"/>
-      </p:par>
-    </p:tnLst>
-  </p:timing>
 </p:sld>
 </file>
 
@@ -11433,10 +11244,9 @@
               <a:defRPr/>
             </a:pPr>
             <a:r>
-              <a:rPr lang="en-US" dirty="0" smtClean="0"/>
+              <a:rPr lang="en-US" dirty="0"/>
               <a:t>Inheritance in UML</a:t>
             </a:r>
-            <a:endParaRPr lang="en-US" dirty="0"/>
           </a:p>
         </p:txBody>
       </p:sp>
@@ -11681,7 +11491,7 @@
               <a:defRPr/>
             </a:pPr>
             <a:r>
-              <a:rPr lang="en-US" sz="1800" dirty="0" smtClean="0">
+              <a:rPr lang="en-US" sz="1800" dirty="0">
                 <a:solidFill>
                   <a:schemeClr val="bg1"/>
                 </a:solidFill>
@@ -11690,13 +11500,6 @@
               </a:rPr>
               <a:t>Q2</a:t>
             </a:r>
-            <a:endParaRPr lang="en-US" sz="1800" dirty="0">
-              <a:solidFill>
-                <a:schemeClr val="bg1"/>
-              </a:solidFill>
-              <a:cs typeface="Arial" pitchFamily="34" charset="0"/>
-              <a:sym typeface="Arial" pitchFamily="34" charset="0"/>
-            </a:endParaRPr>
           </a:p>
         </p:txBody>
       </p:sp>
@@ -11705,13 +11508,6 @@
   <p:clrMapOvr>
     <a:masterClrMapping/>
   </p:clrMapOvr>
-  <p:timing>
-    <p:tnLst>
-      <p:par>
-        <p:cTn id="1" dur="indefinite" restart="never" nodeType="tmRoot"/>
-      </p:par>
-    </p:tnLst>
-  </p:timing>
 </p:sld>
 </file>
 
@@ -11789,58 +11585,57 @@
           <a:lstStyle/>
           <a:p>
             <a:r>
-              <a:rPr lang="en-US" dirty="0" smtClean="0"/>
+              <a:rPr lang="en-US" dirty="0"/>
               <a:t>Look at Code</a:t>
             </a:r>
+          </a:p>
+        </p:txBody>
+      </p:sp>
+      <p:sp>
+        <p:nvSpPr>
+          <p:cNvPr id="3" name="Content Placeholder 2"/>
+          <p:cNvSpPr>
+            <a:spLocks noGrp="1"/>
+          </p:cNvSpPr>
+          <p:nvPr>
+            <p:ph idx="1"/>
+          </p:nvPr>
+        </p:nvSpPr>
+        <p:spPr/>
+        <p:txBody>
+          <a:bodyPr/>
+          <a:lstStyle/>
+          <a:p>
+            <a:r>
+              <a:rPr lang="en-US" dirty="0" err="1"/>
+              <a:t>BankAccount</a:t>
+            </a:r>
             <a:endParaRPr lang="en-US" dirty="0"/>
           </a:p>
-        </p:txBody>
-      </p:sp>
-      <p:sp>
-        <p:nvSpPr>
-          <p:cNvPr id="3" name="Content Placeholder 2"/>
-          <p:cNvSpPr>
-            <a:spLocks noGrp="1"/>
-          </p:cNvSpPr>
-          <p:nvPr>
-            <p:ph idx="1"/>
-          </p:nvPr>
-        </p:nvSpPr>
-        <p:spPr/>
-        <p:txBody>
-          <a:bodyPr/>
-          <a:lstStyle/>
-          <a:p>
-            <a:r>
-              <a:rPr lang="en-US" dirty="0" err="1" smtClean="0"/>
-              <a:t>BankAccount</a:t>
-            </a:r>
-            <a:endParaRPr lang="en-US" dirty="0" smtClean="0"/>
-          </a:p>
-          <a:p>
-            <a:r>
-              <a:rPr lang="en-US" dirty="0" err="1" smtClean="0"/>
+          <a:p>
+            <a:r>
+              <a:rPr lang="en-US" dirty="0" err="1"/>
               <a:t>SavingsAccount</a:t>
             </a:r>
-            <a:endParaRPr lang="en-US" dirty="0" smtClean="0"/>
-          </a:p>
-          <a:p>
             <a:endParaRPr lang="en-US" dirty="0"/>
           </a:p>
           <a:p>
-            <a:r>
-              <a:rPr lang="en-US" dirty="0" err="1" smtClean="0">
+            <a:endParaRPr lang="en-US" dirty="0"/>
+          </a:p>
+          <a:p>
+            <a:r>
+              <a:rPr lang="en-US" dirty="0" err="1">
                 <a:hlinkClick r:id="rId4"/>
               </a:rPr>
               <a:t>Plantuml</a:t>
             </a:r>
             <a:r>
-              <a:rPr lang="en-US" dirty="0" smtClean="0">
+              <a:rPr lang="en-US" dirty="0">
                 <a:hlinkClick r:id="rId4"/>
               </a:rPr>
               <a:t> source</a:t>
             </a:r>
-            <a:endParaRPr lang="en-US" dirty="0" smtClean="0"/>
+            <a:endParaRPr lang="en-US" dirty="0"/>
           </a:p>
           <a:p>
             <a:pPr lvl="1"/>
@@ -11870,13 +11665,6 @@
   <p:clrMapOvr>
     <a:masterClrMapping/>
   </p:clrMapOvr>
-  <p:timing>
-    <p:tnLst>
-      <p:par>
-        <p:cTn id="1" dur="indefinite" restart="never" nodeType="tmRoot"/>
-      </p:par>
-    </p:tnLst>
-  </p:timing>
 </p:sld>
 </file>
 
@@ -11916,10 +11704,9 @@
               <a:defRPr/>
             </a:pPr>
             <a:r>
-              <a:rPr lang="en-US" dirty="0" smtClean="0"/>
+              <a:rPr lang="en-US" dirty="0"/>
               <a:t>Interfaces vs. Inheritance</a:t>
             </a:r>
-            <a:endParaRPr lang="en-US" dirty="0"/>
           </a:p>
         </p:txBody>
       </p:sp>
@@ -11944,25 +11731,25 @@
               <a:defRPr/>
             </a:pPr>
             <a:r>
-              <a:rPr lang="en-US" sz="2300" b="1" dirty="0" smtClean="0">
+              <a:rPr lang="en-US" sz="2300" b="1" dirty="0">
                 <a:latin typeface="Lucida Sans Typewriter" pitchFamily="49" charset="0"/>
               </a:rPr>
               <a:t>class </a:t>
             </a:r>
             <a:r>
-              <a:rPr lang="en-US" sz="2300" b="1" dirty="0" err="1" smtClean="0">
+              <a:rPr lang="en-US" sz="2300" b="1" dirty="0" err="1">
                 <a:latin typeface="Lucida Sans Typewriter" pitchFamily="49" charset="0"/>
               </a:rPr>
               <a:t>ClickHandler</a:t>
             </a:r>
             <a:r>
-              <a:rPr lang="en-US" sz="2300" b="1" dirty="0" smtClean="0">
+              <a:rPr lang="en-US" sz="2300" b="1" dirty="0">
                 <a:latin typeface="Lucida Sans Typewriter" pitchFamily="49" charset="0"/>
               </a:rPr>
               <a:t> </a:t>
             </a:r>
             <a:r>
-              <a:rPr lang="en-US" sz="2300" b="1" dirty="0" smtClean="0">
+              <a:rPr lang="en-US" sz="2300" b="1" dirty="0">
                 <a:solidFill>
                   <a:schemeClr val="accent3"/>
                 </a:solidFill>
@@ -11971,39 +11758,39 @@
               <a:t>implements</a:t>
             </a:r>
             <a:r>
-              <a:rPr lang="en-US" sz="2300" b="1" dirty="0" smtClean="0">
+              <a:rPr lang="en-US" sz="2300" b="1" dirty="0">
                 <a:latin typeface="Lucida Sans Typewriter" pitchFamily="49" charset="0"/>
               </a:rPr>
               <a:t> </a:t>
             </a:r>
             <a:r>
-              <a:rPr lang="en-US" sz="2300" b="1" dirty="0" err="1" smtClean="0">
+              <a:rPr lang="en-US" sz="2300" b="1" dirty="0" err="1">
                 <a:latin typeface="Lucida Sans Typewriter" pitchFamily="49" charset="0"/>
               </a:rPr>
               <a:t>MouseListener</a:t>
             </a:r>
-            <a:endParaRPr lang="en-US" sz="2300" dirty="0" smtClean="0"/>
+            <a:endParaRPr lang="en-US" sz="2300" dirty="0"/>
           </a:p>
           <a:p>
             <a:pPr lvl="1">
               <a:defRPr/>
             </a:pPr>
-            <a:endParaRPr lang="en-US" dirty="0" smtClean="0"/>
+            <a:endParaRPr lang="en-US" dirty="0"/>
           </a:p>
           <a:p>
             <a:pPr lvl="1">
               <a:defRPr/>
             </a:pPr>
             <a:r>
-              <a:rPr lang="en-US" dirty="0" err="1" smtClean="0"/>
+              <a:rPr lang="en-US" dirty="0" err="1"/>
               <a:t>ClickHandler</a:t>
             </a:r>
             <a:r>
-              <a:rPr lang="en-US" dirty="0" smtClean="0"/>
+              <a:rPr lang="en-US" dirty="0"/>
               <a:t> </a:t>
             </a:r>
             <a:r>
-              <a:rPr lang="en-US" b="1" dirty="0" smtClean="0">
+              <a:rPr lang="en-US" b="1" dirty="0">
                 <a:solidFill>
                   <a:schemeClr val="accent3"/>
                 </a:solidFill>
@@ -12011,45 +11798,45 @@
               <a:t>promises</a:t>
             </a:r>
             <a:r>
-              <a:rPr lang="en-US" dirty="0" smtClean="0"/>
+              <a:rPr lang="en-US" dirty="0"/>
               <a:t> to implement all the methods of </a:t>
             </a:r>
             <a:r>
-              <a:rPr lang="en-US" dirty="0" err="1" smtClean="0"/>
+              <a:rPr lang="en-US" dirty="0" err="1"/>
               <a:t>MouseListener</a:t>
             </a:r>
-            <a:endParaRPr lang="en-US" dirty="0" smtClean="0"/>
+            <a:endParaRPr lang="en-US" dirty="0"/>
           </a:p>
           <a:p>
             <a:pPr>
               <a:defRPr/>
             </a:pPr>
-            <a:endParaRPr lang="en-US" dirty="0" smtClean="0"/>
+            <a:endParaRPr lang="en-US" dirty="0"/>
           </a:p>
           <a:p>
             <a:pPr>
               <a:defRPr/>
             </a:pPr>
             <a:r>
-              <a:rPr lang="en-US" sz="2300" b="1" dirty="0" smtClean="0">
+              <a:rPr lang="en-US" sz="2300" b="1" dirty="0">
                 <a:latin typeface="Lucida Sans Typewriter" pitchFamily="49" charset="0"/>
               </a:rPr>
               <a:t>class </a:t>
             </a:r>
             <a:r>
-              <a:rPr lang="en-US" sz="2300" b="1" dirty="0" err="1" smtClean="0">
+              <a:rPr lang="en-US" sz="2300" b="1" dirty="0" err="1">
                 <a:latin typeface="Lucida Sans Typewriter" pitchFamily="49" charset="0"/>
               </a:rPr>
               <a:t>CheckingAccount</a:t>
             </a:r>
             <a:r>
-              <a:rPr lang="en-US" sz="2300" b="1" dirty="0" smtClean="0">
+              <a:rPr lang="en-US" sz="2300" b="1" dirty="0">
                 <a:latin typeface="Lucida Sans Typewriter" pitchFamily="49" charset="0"/>
               </a:rPr>
               <a:t> </a:t>
             </a:r>
             <a:r>
-              <a:rPr lang="en-US" sz="2300" b="1" dirty="0" smtClean="0">
+              <a:rPr lang="en-US" sz="2300" b="1" dirty="0">
                 <a:solidFill>
                   <a:schemeClr val="accent3"/>
                 </a:solidFill>
@@ -12058,39 +11845,39 @@
               <a:t>extends</a:t>
             </a:r>
             <a:r>
-              <a:rPr lang="en-US" sz="2300" b="1" dirty="0" smtClean="0">
+              <a:rPr lang="en-US" sz="2300" b="1" dirty="0">
                 <a:latin typeface="Lucida Sans Typewriter" pitchFamily="49" charset="0"/>
               </a:rPr>
               <a:t> </a:t>
             </a:r>
             <a:r>
-              <a:rPr lang="en-US" sz="2300" b="1" dirty="0" err="1" smtClean="0">
+              <a:rPr lang="en-US" sz="2300" b="1" dirty="0" err="1">
                 <a:latin typeface="Lucida Sans Typewriter" pitchFamily="49" charset="0"/>
               </a:rPr>
               <a:t>BankAccount</a:t>
             </a:r>
-            <a:endParaRPr lang="en-US" dirty="0" smtClean="0"/>
+            <a:endParaRPr lang="en-US" dirty="0"/>
           </a:p>
           <a:p>
             <a:pPr lvl="1">
               <a:defRPr/>
             </a:pPr>
-            <a:endParaRPr lang="en-US" dirty="0" smtClean="0"/>
+            <a:endParaRPr lang="en-US" dirty="0"/>
           </a:p>
           <a:p>
             <a:pPr lvl="1">
               <a:defRPr/>
             </a:pPr>
             <a:r>
-              <a:rPr lang="en-US" dirty="0" err="1" smtClean="0"/>
+              <a:rPr lang="en-US" dirty="0" err="1"/>
               <a:t>CheckingAccount</a:t>
             </a:r>
             <a:r>
-              <a:rPr lang="en-US" dirty="0" smtClean="0"/>
+              <a:rPr lang="en-US" dirty="0"/>
               <a:t> </a:t>
             </a:r>
             <a:r>
-              <a:rPr lang="en-US" b="1" dirty="0" smtClean="0">
+              <a:rPr lang="en-US" b="1" dirty="0">
                 <a:solidFill>
                   <a:schemeClr val="accent3"/>
                 </a:solidFill>
@@ -12098,11 +11885,11 @@
               <a:t>inherits</a:t>
             </a:r>
             <a:r>
-              <a:rPr lang="en-US" dirty="0" smtClean="0"/>
+              <a:rPr lang="en-US" dirty="0"/>
               <a:t> (or overrides) all the methods of </a:t>
             </a:r>
             <a:r>
-              <a:rPr lang="en-US" dirty="0" err="1" smtClean="0"/>
+              <a:rPr lang="en-US" dirty="0" err="1"/>
               <a:t>BankAccount</a:t>
             </a:r>
             <a:endParaRPr lang="en-US" dirty="0"/>
@@ -12238,21 +12025,6 @@
   <p:clrMapOvr>
     <a:masterClrMapping/>
   </p:clrMapOvr>
-  <mc:AlternateContent xmlns:mc="http://schemas.openxmlformats.org/markup-compatibility/2006" xmlns:p14="http://schemas.microsoft.com/office/powerpoint/2010/main">
-    <mc:Choice Requires="p14">
-      <p:transition spd="slow" p14:dur="2000"/>
-    </mc:Choice>
-    <mc:Fallback xmlns="">
-      <p:transition xmlns:p14="http://schemas.microsoft.com/office/powerpoint/2010/main" spd="slow"/>
-    </mc:Fallback>
-  </mc:AlternateContent>
-  <p:timing>
-    <p:tnLst>
-      <p:par>
-        <p:cTn id="1" dur="indefinite" restart="never" nodeType="tmRoot"/>
-      </p:par>
-    </p:tnLst>
-  </p:timing>
 </p:sld>
 </file>
 
@@ -12292,10 +12064,9 @@
               <a:defRPr/>
             </a:pPr>
             <a:r>
-              <a:rPr lang="en-US" dirty="0" smtClean="0"/>
+              <a:rPr lang="en-US" dirty="0"/>
               <a:t>Inheritance Run Amok?</a:t>
             </a:r>
-            <a:endParaRPr lang="en-US" dirty="0"/>
           </a:p>
         </p:txBody>
       </p:sp>
@@ -12336,13 +12107,6 @@
   <p:clrMapOvr>
     <a:masterClrMapping/>
   </p:clrMapOvr>
-  <p:timing>
-    <p:tnLst>
-      <p:par>
-        <p:cTn id="1" dur="indefinite" restart="never" nodeType="tmRoot"/>
-      </p:par>
-    </p:tnLst>
-  </p:timing>
 </p:sld>
 </file>
 
@@ -12382,10 +12146,9 @@
               <a:defRPr/>
             </a:pPr>
             <a:r>
-              <a:rPr lang="en-US" dirty="0" smtClean="0"/>
+              <a:rPr lang="en-US" dirty="0"/>
               <a:t>With Methods, Subclasses can:</a:t>
             </a:r>
-            <a:endParaRPr lang="en-US" dirty="0"/>
           </a:p>
         </p:txBody>
       </p:sp>
@@ -12410,7 +12173,7 @@
               <a:defRPr/>
             </a:pPr>
             <a:r>
-              <a:rPr lang="en-US" b="1" dirty="0" smtClean="0">
+              <a:rPr lang="en-US" b="1" dirty="0">
                 <a:solidFill>
                   <a:schemeClr val="accent3"/>
                 </a:solidFill>
@@ -12418,11 +12181,11 @@
               <a:t>Inherit</a:t>
             </a:r>
             <a:r>
-              <a:rPr lang="en-US" dirty="0" smtClean="0"/>
+              <a:rPr lang="en-US" dirty="0"/>
               <a:t> methods </a:t>
             </a:r>
             <a:r>
-              <a:rPr lang="en-US" dirty="0" smtClean="0">
+              <a:rPr lang="en-US" dirty="0">
                 <a:solidFill>
                   <a:schemeClr val="accent3"/>
                 </a:solidFill>
@@ -12434,20 +12197,20 @@
             <a:pPr>
               <a:defRPr/>
             </a:pPr>
-            <a:endParaRPr lang="en-US" dirty="0" smtClean="0"/>
+            <a:endParaRPr lang="en-US" dirty="0"/>
           </a:p>
           <a:p>
             <a:pPr>
               <a:defRPr/>
             </a:pPr>
-            <a:endParaRPr lang="en-US" dirty="0" smtClean="0"/>
+            <a:endParaRPr lang="en-US" dirty="0"/>
           </a:p>
           <a:p>
             <a:pPr>
               <a:defRPr/>
             </a:pPr>
             <a:r>
-              <a:rPr lang="en-US" b="1" dirty="0" smtClean="0">
+              <a:rPr lang="en-US" b="1" dirty="0">
                 <a:solidFill>
                   <a:schemeClr val="accent3"/>
                 </a:solidFill>
@@ -12455,7 +12218,7 @@
               <a:t>Override</a:t>
             </a:r>
             <a:r>
-              <a:rPr lang="en-US" dirty="0" smtClean="0"/>
+              <a:rPr lang="en-US" dirty="0"/>
               <a:t> methods</a:t>
             </a:r>
           </a:p>
@@ -12464,11 +12227,11 @@
               <a:defRPr/>
             </a:pPr>
             <a:r>
-              <a:rPr lang="en-US" dirty="0" smtClean="0"/>
+              <a:rPr lang="en-US" dirty="0"/>
               <a:t>Declare a new method </a:t>
             </a:r>
             <a:r>
-              <a:rPr lang="en-US" dirty="0" smtClean="0">
+              <a:rPr lang="en-US" dirty="0">
                 <a:solidFill>
                   <a:schemeClr val="accent3"/>
                 </a:solidFill>
@@ -12476,11 +12239,11 @@
               <a:t>with same signature </a:t>
             </a:r>
             <a:r>
-              <a:rPr lang="en-US" dirty="0" smtClean="0"/>
+              <a:rPr lang="en-US" dirty="0"/>
               <a:t>to use </a:t>
             </a:r>
             <a:r>
-              <a:rPr lang="en-US" b="1" dirty="0" smtClean="0">
+              <a:rPr lang="en-US" b="1" dirty="0">
                 <a:solidFill>
                   <a:schemeClr val="accent3"/>
                 </a:solidFill>
@@ -12488,7 +12251,7 @@
               <a:t>instead of </a:t>
             </a:r>
             <a:r>
-              <a:rPr lang="en-US" dirty="0" err="1" smtClean="0">
+              <a:rPr lang="en-US" dirty="0" err="1">
                 <a:solidFill>
                   <a:schemeClr val="accent3"/>
                 </a:solidFill>
@@ -12496,7 +12259,7 @@
               <a:t>superclass</a:t>
             </a:r>
             <a:r>
-              <a:rPr lang="en-US" dirty="0" smtClean="0">
+              <a:rPr lang="en-US" dirty="0">
                 <a:solidFill>
                   <a:schemeClr val="accent3"/>
                 </a:solidFill>
@@ -12508,20 +12271,20 @@
             <a:pPr lvl="1">
               <a:defRPr/>
             </a:pPr>
-            <a:endParaRPr lang="en-US" dirty="0" smtClean="0"/>
+            <a:endParaRPr lang="en-US" dirty="0"/>
           </a:p>
           <a:p>
             <a:pPr lvl="1">
               <a:defRPr/>
             </a:pPr>
-            <a:endParaRPr lang="en-US" dirty="0" smtClean="0"/>
+            <a:endParaRPr lang="en-US" dirty="0"/>
           </a:p>
           <a:p>
             <a:pPr>
               <a:defRPr/>
             </a:pPr>
             <a:r>
-              <a:rPr lang="en-US" b="1" dirty="0" smtClean="0">
+              <a:rPr lang="en-US" b="1" dirty="0">
                 <a:solidFill>
                   <a:schemeClr val="accent3"/>
                 </a:solidFill>
@@ -12529,11 +12292,11 @@
               <a:t>Add</a:t>
             </a:r>
             <a:r>
-              <a:rPr lang="en-US" dirty="0" smtClean="0"/>
+              <a:rPr lang="en-US" dirty="0"/>
               <a:t> entirely new methods not in </a:t>
             </a:r>
             <a:r>
-              <a:rPr lang="en-US" dirty="0" err="1" smtClean="0"/>
+              <a:rPr lang="en-US" dirty="0" err="1"/>
               <a:t>superclass</a:t>
             </a:r>
             <a:endParaRPr lang="en-US" dirty="0"/>
@@ -12585,7 +12348,7 @@
               <a:defRPr/>
             </a:pPr>
             <a:r>
-              <a:rPr lang="en-US" sz="1800" dirty="0" smtClean="0">
+              <a:rPr lang="en-US" sz="1800" dirty="0">
                 <a:solidFill>
                   <a:schemeClr val="bg1"/>
                 </a:solidFill>
@@ -12594,13 +12357,6 @@
               </a:rPr>
               <a:t>Q3</a:t>
             </a:r>
-            <a:endParaRPr lang="en-US" sz="1800" dirty="0">
-              <a:solidFill>
-                <a:schemeClr val="bg1"/>
-              </a:solidFill>
-              <a:cs typeface="Arial" pitchFamily="34" charset="0"/>
-              <a:sym typeface="Arial" pitchFamily="34" charset="0"/>
-            </a:endParaRPr>
           </a:p>
         </p:txBody>
       </p:sp>
@@ -12609,13 +12365,6 @@
   <p:clrMapOvr>
     <a:masterClrMapping/>
   </p:clrMapOvr>
-  <p:timing>
-    <p:tnLst>
-      <p:par>
-        <p:cTn id="1" dur="indefinite" restart="never" nodeType="tmRoot"/>
-      </p:par>
-    </p:tnLst>
-  </p:timing>
 </p:sld>
 </file>
 

--- a/ClassMaterials/Inheritance/Slides/Inheritance.pptx
+++ b/ClassMaterials/Inheritance/Slides/Inheritance.pptx
@@ -5,33 +5,35 @@
     <p:sldMasterId id="2147484251" r:id="rId1"/>
   </p:sldMasterIdLst>
   <p:notesMasterIdLst>
-    <p:notesMasterId r:id="rId23"/>
+    <p:notesMasterId r:id="rId25"/>
   </p:notesMasterIdLst>
   <p:handoutMasterIdLst>
-    <p:handoutMasterId r:id="rId24"/>
+    <p:handoutMasterId r:id="rId26"/>
   </p:handoutMasterIdLst>
   <p:sldIdLst>
     <p:sldId id="256" r:id="rId2"/>
     <p:sldId id="368" r:id="rId3"/>
     <p:sldId id="369" r:id="rId4"/>
-    <p:sldId id="370" r:id="rId5"/>
+    <p:sldId id="392" r:id="rId5"/>
     <p:sldId id="371" r:id="rId6"/>
-    <p:sldId id="386" r:id="rId7"/>
-    <p:sldId id="373" r:id="rId8"/>
-    <p:sldId id="372" r:id="rId9"/>
-    <p:sldId id="374" r:id="rId10"/>
-    <p:sldId id="375" r:id="rId11"/>
-    <p:sldId id="376" r:id="rId12"/>
-    <p:sldId id="387" r:id="rId13"/>
-    <p:sldId id="391" r:id="rId14"/>
-    <p:sldId id="377" r:id="rId15"/>
-    <p:sldId id="378" r:id="rId16"/>
-    <p:sldId id="380" r:id="rId17"/>
-    <p:sldId id="389" r:id="rId18"/>
-    <p:sldId id="379" r:id="rId19"/>
-    <p:sldId id="388" r:id="rId20"/>
-    <p:sldId id="381" r:id="rId21"/>
-    <p:sldId id="390" r:id="rId22"/>
+    <p:sldId id="393" r:id="rId7"/>
+    <p:sldId id="394" r:id="rId8"/>
+    <p:sldId id="395" r:id="rId9"/>
+    <p:sldId id="372" r:id="rId10"/>
+    <p:sldId id="396" r:id="rId11"/>
+    <p:sldId id="397" r:id="rId12"/>
+    <p:sldId id="376" r:id="rId13"/>
+    <p:sldId id="398" r:id="rId14"/>
+    <p:sldId id="399" r:id="rId15"/>
+    <p:sldId id="401" r:id="rId16"/>
+    <p:sldId id="402" r:id="rId17"/>
+    <p:sldId id="403" r:id="rId18"/>
+    <p:sldId id="404" r:id="rId19"/>
+    <p:sldId id="389" r:id="rId20"/>
+    <p:sldId id="379" r:id="rId21"/>
+    <p:sldId id="388" r:id="rId22"/>
+    <p:sldId id="381" r:id="rId23"/>
+    <p:sldId id="390" r:id="rId24"/>
   </p:sldIdLst>
   <p:sldSz cx="9144000" cy="6858000" type="screen4x3"/>
   <p:notesSz cx="7010400" cy="9296400"/>
@@ -296,7 +298,7 @@
               <a:pPr>
                 <a:defRPr/>
               </a:pPr>
-              <a:t>2/24/22</a:t>
+              <a:t>3/1/22</a:t>
             </a:fld>
             <a:endParaRPr lang="en-US"/>
           </a:p>
@@ -531,7 +533,7 @@
               <a:pPr>
                 <a:defRPr/>
               </a:pPr>
-              <a:t>2/24/22</a:t>
+              <a:t>3/1/22</a:t>
             </a:fld>
             <a:endParaRPr lang="en-US"/>
           </a:p>
@@ -1042,7 +1044,7 @@
       </p:grpSpPr>
       <p:sp>
         <p:nvSpPr>
-          <p:cNvPr id="34818" name="Slide Image Placeholder 1"/>
+          <p:cNvPr id="33794" name="Slide Image Placeholder 1"/>
           <p:cNvSpPr>
             <a:spLocks noGrp="1" noRot="1" noChangeAspect="1" noTextEdit="1"/>
           </p:cNvSpPr>
@@ -1064,7 +1066,7 @@
       </p:sp>
       <p:sp>
         <p:nvSpPr>
-          <p:cNvPr id="34819" name="Notes Placeholder 2"/>
+          <p:cNvPr id="33795" name="Notes Placeholder 2"/>
           <p:cNvSpPr>
             <a:spLocks noGrp="1"/>
           </p:cNvSpPr>
@@ -1080,68 +1082,13 @@
           <a:bodyPr/>
           <a:lstStyle/>
           <a:p>
-            <a:r>
-              <a:rPr lang="en-US" dirty="0"/>
-              <a:t>Start to implement </a:t>
-            </a:r>
-            <a:r>
-              <a:rPr lang="en-US" dirty="0" err="1"/>
-              <a:t>CheckingAccount</a:t>
-            </a:r>
-            <a:r>
-              <a:rPr lang="en-US" dirty="0"/>
-              <a:t>, just create class,</a:t>
-            </a:r>
-            <a:r>
-              <a:rPr lang="en-US" baseline="0" dirty="0"/>
-              <a:t> but do not add methods yet.</a:t>
-            </a:r>
-            <a:endParaRPr lang="en-US" dirty="0"/>
-          </a:p>
-          <a:p>
-            <a:endParaRPr lang="en-US" dirty="0"/>
-          </a:p>
-          <a:p>
-            <a:r>
-              <a:rPr lang="en-US" dirty="0"/>
-              <a:t>Draw UML diagram with details (See Figure on</a:t>
-            </a:r>
-            <a:r>
-              <a:rPr lang="en-US" baseline="0" dirty="0"/>
-              <a:t> page 443</a:t>
-            </a:r>
-            <a:r>
-              <a:rPr lang="en-US" dirty="0"/>
-              <a:t>)  on board first [keep this, you’ll need it later]</a:t>
-            </a:r>
-          </a:p>
-          <a:p>
-            <a:endParaRPr lang="en-US" dirty="0"/>
-          </a:p>
-          <a:p>
-            <a:r>
-              <a:rPr lang="en-US" dirty="0"/>
-              <a:t>Use no-</a:t>
-            </a:r>
-            <a:r>
-              <a:rPr lang="en-US" dirty="0" err="1"/>
-              <a:t>arg</a:t>
-            </a:r>
-            <a:r>
-              <a:rPr lang="en-US" dirty="0"/>
-              <a:t> constructor initially. We’ll add</a:t>
-            </a:r>
-            <a:r>
-              <a:rPr lang="en-US" baseline="0" dirty="0"/>
-              <a:t> the argument later.</a:t>
-            </a:r>
-            <a:endParaRPr lang="en-US" dirty="0"/>
-          </a:p>
-        </p:txBody>
-      </p:sp>
-      <p:sp>
-        <p:nvSpPr>
-          <p:cNvPr id="34820" name="Slide Number Placeholder 3"/>
+            <a:endParaRPr lang="en-US"/>
+          </a:p>
+        </p:txBody>
+      </p:sp>
+      <p:sp>
+        <p:nvSpPr>
+          <p:cNvPr id="33796" name="Slide Number Placeholder 3"/>
           <p:cNvSpPr>
             <a:spLocks noGrp="1"/>
           </p:cNvSpPr>
@@ -1156,7 +1103,7 @@
           <a:bodyPr/>
           <a:lstStyle/>
           <a:p>
-            <a:fld id="{10F75752-6D26-48BC-AC88-4E3BADE4DD75}" type="slidenum">
+            <a:fld id="{125268C4-EF31-4B3E-B203-B8DB2EAD44A2}" type="slidenum">
               <a:rPr lang="en-US" smtClean="0"/>
               <a:pPr/>
               <a:t>10</a:t>
@@ -1168,7 +1115,7 @@
     </p:spTree>
     <p:extLst>
       <p:ext uri="{BB962C8B-B14F-4D97-AF65-F5344CB8AC3E}">
-        <p14:creationId xmlns:p14="http://schemas.microsoft.com/office/powerpoint/2010/main" val="3377667249"/>
+        <p14:creationId xmlns:p14="http://schemas.microsoft.com/office/powerpoint/2010/main" val="4263356582"/>
       </p:ext>
     </p:extLst>
   </p:cSld>
@@ -1197,7 +1144,7 @@
       </p:grpSpPr>
       <p:sp>
         <p:nvSpPr>
-          <p:cNvPr id="35842" name="Slide Image Placeholder 1"/>
+          <p:cNvPr id="34818" name="Slide Image Placeholder 1"/>
           <p:cNvSpPr>
             <a:spLocks noGrp="1" noRot="1" noChangeAspect="1" noTextEdit="1"/>
           </p:cNvSpPr>
@@ -1219,7 +1166,7 @@
       </p:sp>
       <p:sp>
         <p:nvSpPr>
-          <p:cNvPr id="35843" name="Notes Placeholder 2"/>
+          <p:cNvPr id="34819" name="Notes Placeholder 2"/>
           <p:cNvSpPr>
             <a:spLocks noGrp="1"/>
           </p:cNvSpPr>
@@ -1235,50 +1182,68 @@
           <a:bodyPr/>
           <a:lstStyle/>
           <a:p>
-            <a:pPr marL="0" marR="0" lvl="0" indent="0" algn="l" defTabSz="914400" rtl="0" eaLnBrk="0" fontAlgn="base" latinLnBrk="0" hangingPunct="0">
-              <a:lnSpc>
-                <a:spcPct val="100000"/>
-              </a:lnSpc>
-              <a:spcBef>
-                <a:spcPct val="30000"/>
-              </a:spcBef>
-              <a:spcAft>
-                <a:spcPct val="0"/>
-              </a:spcAft>
-              <a:buClrTx/>
-              <a:buSzTx/>
-              <a:buFontTx/>
-              <a:buNone/>
-              <a:tabLst/>
-              <a:defRPr/>
-            </a:pPr>
-            <a:r>
-              <a:rPr lang="en-US" dirty="0"/>
-              <a:t>Discuss super method calls.</a:t>
-            </a:r>
-          </a:p>
-          <a:p>
-            <a:endParaRPr lang="en-US" dirty="0"/>
-          </a:p>
-          <a:p>
-            <a:r>
-              <a:rPr lang="en-US" dirty="0"/>
-              <a:t>Add </a:t>
-            </a:r>
-            <a:r>
-              <a:rPr lang="en-US" dirty="0" err="1"/>
+            <a:r>
+              <a:rPr lang="en-US"/>
+              <a:t>Start to implement </a:t>
+            </a:r>
+            <a:r>
+              <a:rPr lang="en-US" err="1"/>
               <a:t>CheckingAccount</a:t>
             </a:r>
             <a:r>
-              <a:rPr lang="en-US" dirty="0"/>
-              <a:t>(double) constructor</a:t>
-            </a:r>
-          </a:p>
-        </p:txBody>
-      </p:sp>
-      <p:sp>
-        <p:nvSpPr>
-          <p:cNvPr id="35844" name="Slide Number Placeholder 3"/>
+              <a:rPr lang="en-US"/>
+              <a:t>, just create class,</a:t>
+            </a:r>
+            <a:r>
+              <a:rPr lang="en-US" baseline="0"/>
+              <a:t> but do not add methods yet.</a:t>
+            </a:r>
+            <a:endParaRPr lang="en-US"/>
+          </a:p>
+          <a:p>
+            <a:endParaRPr lang="en-US"/>
+          </a:p>
+          <a:p>
+            <a:r>
+              <a:rPr lang="en-US"/>
+              <a:t>Draw UML diagram with details (See Figure on</a:t>
+            </a:r>
+            <a:r>
+              <a:rPr lang="en-US" baseline="0"/>
+              <a:t> page 443</a:t>
+            </a:r>
+            <a:r>
+              <a:rPr lang="en-US"/>
+              <a:t>)  on board first [keep this, you’ll need it later]</a:t>
+            </a:r>
+          </a:p>
+          <a:p>
+            <a:endParaRPr lang="en-US"/>
+          </a:p>
+          <a:p>
+            <a:r>
+              <a:rPr lang="en-US"/>
+              <a:t>Use no-</a:t>
+            </a:r>
+            <a:r>
+              <a:rPr lang="en-US" err="1"/>
+              <a:t>arg</a:t>
+            </a:r>
+            <a:r>
+              <a:rPr lang="en-US"/>
+              <a:t> constructor initially. We’ll add</a:t>
+            </a:r>
+            <a:r>
+              <a:rPr lang="en-US" baseline="0"/>
+              <a:t> the argument later.</a:t>
+            </a:r>
+            <a:endParaRPr lang="en-US"/>
+          </a:p>
+        </p:txBody>
+      </p:sp>
+      <p:sp>
+        <p:nvSpPr>
+          <p:cNvPr id="34820" name="Slide Number Placeholder 3"/>
           <p:cNvSpPr>
             <a:spLocks noGrp="1"/>
           </p:cNvSpPr>
@@ -1293,7 +1258,7 @@
           <a:bodyPr/>
           <a:lstStyle/>
           <a:p>
-            <a:fld id="{D22AAE34-BB19-4F3D-9984-C1B088AF47BE}" type="slidenum">
+            <a:fld id="{10F75752-6D26-48BC-AC88-4E3BADE4DD75}" type="slidenum">
               <a:rPr lang="en-US" smtClean="0"/>
               <a:pPr/>
               <a:t>11</a:t>
@@ -1305,7 +1270,7 @@
     </p:spTree>
     <p:extLst>
       <p:ext uri="{BB962C8B-B14F-4D97-AF65-F5344CB8AC3E}">
-        <p14:creationId xmlns:p14="http://schemas.microsoft.com/office/powerpoint/2010/main" val="1982366835"/>
+        <p14:creationId xmlns:p14="http://schemas.microsoft.com/office/powerpoint/2010/main" val="3377667249"/>
       </p:ext>
     </p:extLst>
   </p:cSld>
@@ -1334,19 +1299,29 @@
       </p:grpSpPr>
       <p:sp>
         <p:nvSpPr>
-          <p:cNvPr id="2" name="Slide Image Placeholder 1"/>
-          <p:cNvSpPr>
-            <a:spLocks noGrp="1" noRot="1" noChangeAspect="1"/>
+          <p:cNvPr id="35842" name="Slide Image Placeholder 1"/>
+          <p:cNvSpPr>
+            <a:spLocks noGrp="1" noRot="1" noChangeAspect="1" noTextEdit="1"/>
           </p:cNvSpPr>
           <p:nvPr>
             <p:ph type="sldImg"/>
           </p:nvPr>
         </p:nvSpPr>
-        <p:spPr/>
-      </p:sp>
-      <p:sp>
-        <p:nvSpPr>
-          <p:cNvPr id="3" name="Notes Placeholder 2"/>
+        <p:spPr bwMode="auto">
+          <a:noFill/>
+          <a:ln>
+            <a:solidFill>
+              <a:srgbClr val="000000"/>
+            </a:solidFill>
+            <a:miter lim="800000"/>
+            <a:headEnd/>
+            <a:tailEnd/>
+          </a:ln>
+        </p:spPr>
+      </p:sp>
+      <p:sp>
+        <p:nvSpPr>
+          <p:cNvPr id="35843" name="Notes Placeholder 2"/>
           <p:cNvSpPr>
             <a:spLocks noGrp="1"/>
           </p:cNvSpPr>
@@ -1354,14 +1329,34 @@
             <p:ph type="body" idx="1"/>
           </p:nvPr>
         </p:nvSpPr>
-        <p:spPr/>
+        <p:spPr>
+          <a:noFill/>
+          <a:ln/>
+        </p:spPr>
         <p:txBody>
           <a:bodyPr/>
           <a:lstStyle/>
           <a:p>
+            <a:pPr marL="0" marR="0" lvl="0" indent="0" algn="l" defTabSz="914400" rtl="0" eaLnBrk="0" fontAlgn="base" latinLnBrk="0" hangingPunct="0">
+              <a:lnSpc>
+                <a:spcPct val="100000"/>
+              </a:lnSpc>
+              <a:spcBef>
+                <a:spcPct val="30000"/>
+              </a:spcBef>
+              <a:spcAft>
+                <a:spcPct val="0"/>
+              </a:spcAft>
+              <a:buClrTx/>
+              <a:buSzTx/>
+              <a:buFontTx/>
+              <a:buNone/>
+              <a:tabLst/>
+              <a:defRPr/>
+            </a:pPr>
             <a:r>
               <a:rPr lang="en-US" dirty="0"/>
-              <a:t>Override:</a:t>
+              <a:t>Discuss super method calls.</a:t>
             </a:r>
           </a:p>
           <a:p>
@@ -1370,58 +1365,39 @@
           <a:p>
             <a:r>
               <a:rPr lang="en-US" dirty="0"/>
-              <a:t>deposit( amount )</a:t>
-            </a:r>
-          </a:p>
-          <a:p>
+              <a:t>Add </a:t>
+            </a:r>
+            <a:r>
+              <a:rPr lang="en-US" dirty="0" err="1"/>
+              <a:t>CheckingAccount</a:t>
+            </a:r>
             <a:r>
               <a:rPr lang="en-US" dirty="0"/>
-              <a:t>withdraw(</a:t>
-            </a:r>
-            <a:r>
-              <a:rPr lang="en-US" baseline="0" dirty="0"/>
-              <a:t> </a:t>
-            </a:r>
-            <a:r>
-              <a:rPr lang="en-US" dirty="0"/>
-              <a:t>amount )</a:t>
-            </a:r>
-          </a:p>
-          <a:p>
-            <a:r>
-              <a:rPr lang="en-US" dirty="0" err="1"/>
-              <a:t>deductFees</a:t>
-            </a:r>
-            <a:r>
-              <a:rPr lang="en-US" dirty="0"/>
-              <a:t>()</a:t>
-            </a:r>
-          </a:p>
-        </p:txBody>
-      </p:sp>
-      <p:sp>
-        <p:nvSpPr>
-          <p:cNvPr id="4" name="Slide Number Placeholder 3"/>
-          <p:cNvSpPr>
-            <a:spLocks noGrp="1"/>
-          </p:cNvSpPr>
-          <p:nvPr>
-            <p:ph type="sldNum" sz="quarter" idx="10"/>
-          </p:nvPr>
-        </p:nvSpPr>
-        <p:spPr/>
+              <a:t>(double) constructor</a:t>
+            </a:r>
+          </a:p>
+        </p:txBody>
+      </p:sp>
+      <p:sp>
+        <p:nvSpPr>
+          <p:cNvPr id="35844" name="Slide Number Placeholder 3"/>
+          <p:cNvSpPr>
+            <a:spLocks noGrp="1"/>
+          </p:cNvSpPr>
+          <p:nvPr>
+            <p:ph type="sldNum" sz="quarter" idx="5"/>
+          </p:nvPr>
+        </p:nvSpPr>
+        <p:spPr>
+          <a:noFill/>
+        </p:spPr>
         <p:txBody>
           <a:bodyPr/>
           <a:lstStyle/>
           <a:p>
-            <a:pPr>
-              <a:defRPr/>
-            </a:pPr>
-            <a:fld id="{3A187583-0EC9-4694-9EAD-0DA64A27677E}" type="slidenum">
+            <a:fld id="{D22AAE34-BB19-4F3D-9984-C1B088AF47BE}" type="slidenum">
               <a:rPr lang="en-US" smtClean="0"/>
-              <a:pPr>
-                <a:defRPr/>
-              </a:pPr>
+              <a:pPr/>
               <a:t>12</a:t>
             </a:fld>
             <a:endParaRPr lang="en-US"/>
@@ -1431,7 +1407,7 @@
     </p:spTree>
     <p:extLst>
       <p:ext uri="{BB962C8B-B14F-4D97-AF65-F5344CB8AC3E}">
-        <p14:creationId xmlns:p14="http://schemas.microsoft.com/office/powerpoint/2010/main" val="1832490644"/>
+        <p14:creationId xmlns:p14="http://schemas.microsoft.com/office/powerpoint/2010/main" val="1982366835"/>
       </p:ext>
     </p:extLst>
   </p:cSld>
@@ -1460,29 +1436,19 @@
       </p:grpSpPr>
       <p:sp>
         <p:nvSpPr>
-          <p:cNvPr id="36866" name="Slide Image Placeholder 1"/>
-          <p:cNvSpPr>
-            <a:spLocks noGrp="1" noRot="1" noChangeAspect="1" noTextEdit="1"/>
+          <p:cNvPr id="2" name="Slide Image Placeholder 1"/>
+          <p:cNvSpPr>
+            <a:spLocks noGrp="1" noRot="1" noChangeAspect="1"/>
           </p:cNvSpPr>
           <p:nvPr>
             <p:ph type="sldImg"/>
           </p:nvPr>
         </p:nvSpPr>
-        <p:spPr bwMode="auto">
-          <a:noFill/>
-          <a:ln>
-            <a:solidFill>
-              <a:srgbClr val="000000"/>
-            </a:solidFill>
-            <a:miter lim="800000"/>
-            <a:headEnd/>
-            <a:tailEnd/>
-          </a:ln>
-        </p:spPr>
-      </p:sp>
-      <p:sp>
-        <p:nvSpPr>
-          <p:cNvPr id="36867" name="Notes Placeholder 2"/>
+        <p:spPr/>
+      </p:sp>
+      <p:sp>
+        <p:nvSpPr>
+          <p:cNvPr id="3" name="Notes Placeholder 2"/>
           <p:cNvSpPr>
             <a:spLocks noGrp="1"/>
           </p:cNvSpPr>
@@ -1490,64 +1456,75 @@
             <p:ph type="body" idx="1"/>
           </p:nvPr>
         </p:nvSpPr>
-        <p:spPr>
-          <a:noFill/>
-          <a:ln/>
-        </p:spPr>
+        <p:spPr/>
         <p:txBody>
           <a:bodyPr/>
           <a:lstStyle/>
           <a:p>
             <a:r>
-              <a:rPr lang="en-US" dirty="0"/>
-              <a:t>Draw B&amp;P diagrams.  Show calls.</a:t>
-            </a:r>
-          </a:p>
-          <a:p>
-            <a:r>
-              <a:rPr lang="en-US" dirty="0"/>
-              <a:t>Why not? Because </a:t>
-            </a:r>
-            <a:r>
-              <a:rPr lang="en-US" dirty="0" err="1"/>
-              <a:t>BankAccount</a:t>
-            </a:r>
-            <a:r>
-              <a:rPr lang="en-US" dirty="0"/>
-              <a:t> doesn’t have an </a:t>
-            </a:r>
-            <a:r>
-              <a:rPr lang="en-US" dirty="0" err="1"/>
+              <a:rPr lang="en-US"/>
+              <a:t>Override:</a:t>
+            </a:r>
+          </a:p>
+          <a:p>
+            <a:endParaRPr lang="en-US"/>
+          </a:p>
+          <a:p>
+            <a:r>
+              <a:rPr lang="en-US"/>
+              <a:t>deposit( amount )</a:t>
+            </a:r>
+          </a:p>
+          <a:p>
+            <a:r>
+              <a:rPr lang="en-US"/>
+              <a:t>withdraw(</a:t>
+            </a:r>
+            <a:r>
+              <a:rPr lang="en-US" baseline="0"/>
+              <a:t> </a:t>
+            </a:r>
+            <a:r>
+              <a:rPr lang="en-US"/>
+              <a:t>amount )</a:t>
+            </a:r>
+          </a:p>
+          <a:p>
+            <a:r>
+              <a:rPr lang="en-US" err="1"/>
               <a:t>deductFees</a:t>
             </a:r>
             <a:r>
-              <a:rPr lang="en-US" dirty="0"/>
-              <a:t>() method!</a:t>
-            </a:r>
-          </a:p>
-        </p:txBody>
-      </p:sp>
-      <p:sp>
-        <p:nvSpPr>
-          <p:cNvPr id="36868" name="Slide Number Placeholder 3"/>
-          <p:cNvSpPr>
-            <a:spLocks noGrp="1"/>
-          </p:cNvSpPr>
-          <p:nvPr>
-            <p:ph type="sldNum" sz="quarter" idx="5"/>
-          </p:nvPr>
-        </p:nvSpPr>
-        <p:spPr>
-          <a:noFill/>
-        </p:spPr>
+              <a:rPr lang="en-US"/>
+              <a:t>()</a:t>
+            </a:r>
+          </a:p>
+        </p:txBody>
+      </p:sp>
+      <p:sp>
+        <p:nvSpPr>
+          <p:cNvPr id="4" name="Slide Number Placeholder 3"/>
+          <p:cNvSpPr>
+            <a:spLocks noGrp="1"/>
+          </p:cNvSpPr>
+          <p:nvPr>
+            <p:ph type="sldNum" sz="quarter" idx="10"/>
+          </p:nvPr>
+        </p:nvSpPr>
+        <p:spPr/>
         <p:txBody>
           <a:bodyPr/>
           <a:lstStyle/>
           <a:p>
-            <a:fld id="{AEF60CBC-2A70-49D3-9866-05F00BCCB9E5}" type="slidenum">
+            <a:pPr>
+              <a:defRPr/>
+            </a:pPr>
+            <a:fld id="{3A187583-0EC9-4694-9EAD-0DA64A27677E}" type="slidenum">
               <a:rPr lang="en-US" smtClean="0"/>
-              <a:pPr/>
-              <a:t>14</a:t>
+              <a:pPr>
+                <a:defRPr/>
+              </a:pPr>
+              <a:t>13</a:t>
             </a:fld>
             <a:endParaRPr lang="en-US"/>
           </a:p>
@@ -1556,7 +1533,7 @@
     </p:spTree>
     <p:extLst>
       <p:ext uri="{BB962C8B-B14F-4D97-AF65-F5344CB8AC3E}">
-        <p14:creationId xmlns:p14="http://schemas.microsoft.com/office/powerpoint/2010/main" val="952782966"/>
+        <p14:creationId xmlns:p14="http://schemas.microsoft.com/office/powerpoint/2010/main" val="1832490644"/>
       </p:ext>
     </p:extLst>
   </p:cSld>
@@ -1585,7 +1562,7 @@
       </p:grpSpPr>
       <p:sp>
         <p:nvSpPr>
-          <p:cNvPr id="37890" name="Slide Image Placeholder 1"/>
+          <p:cNvPr id="36866" name="Slide Image Placeholder 1"/>
           <p:cNvSpPr>
             <a:spLocks noGrp="1" noRot="1" noChangeAspect="1" noTextEdit="1"/>
           </p:cNvSpPr>
@@ -1607,7 +1584,7 @@
       </p:sp>
       <p:sp>
         <p:nvSpPr>
-          <p:cNvPr id="37891" name="Notes Placeholder 2"/>
+          <p:cNvPr id="36867" name="Notes Placeholder 2"/>
           <p:cNvSpPr>
             <a:spLocks noGrp="1"/>
           </p:cNvSpPr>
@@ -1624,23 +1601,37 @@
           <a:lstStyle/>
           <a:p>
             <a:r>
-              <a:rPr lang="en-US" dirty="0"/>
-              <a:t>Suggest</a:t>
-            </a:r>
-            <a:r>
-              <a:rPr lang="en-US" baseline="0" dirty="0"/>
-              <a:t> d</a:t>
-            </a:r>
-            <a:r>
-              <a:rPr lang="en-US" dirty="0"/>
-              <a:t>rawing B&amp;P diagram and trace calls as practice for the exam.</a:t>
-            </a:r>
-          </a:p>
-        </p:txBody>
-      </p:sp>
-      <p:sp>
-        <p:nvSpPr>
-          <p:cNvPr id="37892" name="Slide Number Placeholder 3"/>
+              <a:rPr lang="en-US"/>
+              <a:t>Draw B&amp;P diagrams.  Show calls.</a:t>
+            </a:r>
+          </a:p>
+          <a:p>
+            <a:r>
+              <a:rPr lang="en-US"/>
+              <a:t>Why not? Because </a:t>
+            </a:r>
+            <a:r>
+              <a:rPr lang="en-US" err="1"/>
+              <a:t>BankAccount</a:t>
+            </a:r>
+            <a:r>
+              <a:rPr lang="en-US"/>
+              <a:t> doesn’t have an </a:t>
+            </a:r>
+            <a:r>
+              <a:rPr lang="en-US" err="1"/>
+              <a:t>deductFees</a:t>
+            </a:r>
+            <a:r>
+              <a:rPr lang="en-US"/>
+              <a:t>() method!</a:t>
+            </a:r>
+          </a:p>
+        </p:txBody>
+      </p:sp>
+      <p:sp>
+        <p:nvSpPr>
+          <p:cNvPr id="36868" name="Slide Number Placeholder 3"/>
           <p:cNvSpPr>
             <a:spLocks noGrp="1"/>
           </p:cNvSpPr>
@@ -1655,7 +1646,7 @@
           <a:bodyPr/>
           <a:lstStyle/>
           <a:p>
-            <a:fld id="{AE88C4F2-B63F-49B5-8554-101017854A6D}" type="slidenum">
+            <a:fld id="{AEF60CBC-2A70-49D3-9866-05F00BCCB9E5}" type="slidenum">
               <a:rPr lang="en-US" smtClean="0"/>
               <a:pPr/>
               <a:t>15</a:t>
@@ -1667,7 +1658,7 @@
     </p:spTree>
     <p:extLst>
       <p:ext uri="{BB962C8B-B14F-4D97-AF65-F5344CB8AC3E}">
-        <p14:creationId xmlns:p14="http://schemas.microsoft.com/office/powerpoint/2010/main" val="1808297012"/>
+        <p14:creationId xmlns:p14="http://schemas.microsoft.com/office/powerpoint/2010/main" val="952782966"/>
       </p:ext>
     </p:extLst>
   </p:cSld>
@@ -1696,7 +1687,7 @@
       </p:grpSpPr>
       <p:sp>
         <p:nvSpPr>
-          <p:cNvPr id="38914" name="Slide Image Placeholder 1"/>
+          <p:cNvPr id="36866" name="Slide Image Placeholder 1"/>
           <p:cNvSpPr>
             <a:spLocks noGrp="1" noRot="1" noChangeAspect="1" noTextEdit="1"/>
           </p:cNvSpPr>
@@ -1718,7 +1709,7 @@
       </p:sp>
       <p:sp>
         <p:nvSpPr>
-          <p:cNvPr id="38915" name="Notes Placeholder 2"/>
+          <p:cNvPr id="36867" name="Notes Placeholder 2"/>
           <p:cNvSpPr>
             <a:spLocks noGrp="1"/>
           </p:cNvSpPr>
@@ -1734,13 +1725,38 @@
           <a:bodyPr/>
           <a:lstStyle/>
           <a:p>
-            <a:endParaRPr lang="en-US" sz="1400" baseline="0" dirty="0"/>
-          </a:p>
-        </p:txBody>
-      </p:sp>
-      <p:sp>
-        <p:nvSpPr>
-          <p:cNvPr id="38916" name="Slide Number Placeholder 3"/>
+            <a:r>
+              <a:rPr lang="en-US"/>
+              <a:t>Draw B&amp;P diagrams.  Show calls.</a:t>
+            </a:r>
+          </a:p>
+          <a:p>
+            <a:r>
+              <a:rPr lang="en-US"/>
+              <a:t>Why not? Because </a:t>
+            </a:r>
+            <a:r>
+              <a:rPr lang="en-US" err="1"/>
+              <a:t>BankAccount</a:t>
+            </a:r>
+            <a:r>
+              <a:rPr lang="en-US"/>
+              <a:t> doesn’t have an </a:t>
+            </a:r>
+            <a:r>
+              <a:rPr lang="en-US" err="1"/>
+              <a:t>deductFees</a:t>
+            </a:r>
+            <a:r>
+              <a:rPr lang="en-US"/>
+              <a:t>() method!</a:t>
+            </a:r>
+          </a:p>
+        </p:txBody>
+      </p:sp>
+      <p:sp>
+        <p:nvSpPr>
+          <p:cNvPr id="36868" name="Slide Number Placeholder 3"/>
           <p:cNvSpPr>
             <a:spLocks noGrp="1"/>
           </p:cNvSpPr>
@@ -1755,7 +1771,7 @@
           <a:bodyPr/>
           <a:lstStyle/>
           <a:p>
-            <a:fld id="{D52993E5-32C8-4EC2-BBC6-DB69025B6125}" type="slidenum">
+            <a:fld id="{AEF60CBC-2A70-49D3-9866-05F00BCCB9E5}" type="slidenum">
               <a:rPr lang="en-US" smtClean="0"/>
               <a:pPr/>
               <a:t>16</a:t>
@@ -1767,7 +1783,7 @@
     </p:spTree>
     <p:extLst>
       <p:ext uri="{BB962C8B-B14F-4D97-AF65-F5344CB8AC3E}">
-        <p14:creationId xmlns:p14="http://schemas.microsoft.com/office/powerpoint/2010/main" val="3424126314"/>
+        <p14:creationId xmlns:p14="http://schemas.microsoft.com/office/powerpoint/2010/main" val="2169176625"/>
       </p:ext>
     </p:extLst>
   </p:cSld>
@@ -1796,19 +1812,29 @@
       </p:grpSpPr>
       <p:sp>
         <p:nvSpPr>
-          <p:cNvPr id="2" name="Slide Image Placeholder 1"/>
-          <p:cNvSpPr>
-            <a:spLocks noGrp="1" noRot="1" noChangeAspect="1"/>
+          <p:cNvPr id="37890" name="Slide Image Placeholder 1"/>
+          <p:cNvSpPr>
+            <a:spLocks noGrp="1" noRot="1" noChangeAspect="1" noTextEdit="1"/>
           </p:cNvSpPr>
           <p:nvPr>
             <p:ph type="sldImg"/>
           </p:nvPr>
         </p:nvSpPr>
-        <p:spPr/>
-      </p:sp>
-      <p:sp>
-        <p:nvSpPr>
-          <p:cNvPr id="3" name="Notes Placeholder 2"/>
+        <p:spPr bwMode="auto">
+          <a:noFill/>
+          <a:ln>
+            <a:solidFill>
+              <a:srgbClr val="000000"/>
+            </a:solidFill>
+            <a:miter lim="800000"/>
+            <a:headEnd/>
+            <a:tailEnd/>
+          </a:ln>
+        </p:spPr>
+      </p:sp>
+      <p:sp>
+        <p:nvSpPr>
+          <p:cNvPr id="37891" name="Notes Placeholder 2"/>
           <p:cNvSpPr>
             <a:spLocks noGrp="1"/>
           </p:cNvSpPr>
@@ -1816,94 +1842,49 @@
             <p:ph type="body" idx="1"/>
           </p:nvPr>
         </p:nvSpPr>
-        <p:spPr/>
+        <p:spPr>
+          <a:noFill/>
+          <a:ln/>
+        </p:spPr>
         <p:txBody>
           <a:bodyPr/>
           <a:lstStyle/>
           <a:p>
             <a:r>
-              <a:rPr lang="en-US" baseline="0" dirty="0"/>
-              <a:t>Walk through the Chess example in Inheritance project. Start by showing the King and </a:t>
-            </a:r>
-            <a:r>
-              <a:rPr lang="en-US" baseline="0" dirty="0" err="1"/>
-              <a:t>ChessPiece</a:t>
-            </a:r>
-            <a:r>
-              <a:rPr lang="en-US" baseline="0" dirty="0"/>
-              <a:t> interface. Implement the queen, and note to the students how we end up copying a lot of code from the King into the Queen, there has to be a better way…</a:t>
-            </a:r>
-          </a:p>
-          <a:p>
-            <a:endParaRPr lang="en-US" baseline="0" dirty="0"/>
-          </a:p>
-          <a:p>
-            <a:r>
-              <a:rPr lang="en-US" baseline="0" dirty="0"/>
-              <a:t>It works well to just make the </a:t>
-            </a:r>
-            <a:r>
-              <a:rPr lang="en-US" baseline="0" dirty="0" err="1"/>
-              <a:t>ChessPiece</a:t>
-            </a:r>
-            <a:r>
-              <a:rPr lang="en-US" baseline="0" dirty="0"/>
-              <a:t> a class first and put in a </a:t>
-            </a:r>
-            <a:r>
-              <a:rPr lang="en-US" baseline="0" dirty="0" err="1"/>
-              <a:t>System.err.println</a:t>
-            </a:r>
-            <a:r>
-              <a:rPr lang="en-US" baseline="0" dirty="0"/>
-              <a:t>(“Implement this method!”) then show them if we forget to implement a method (Queen’s </a:t>
-            </a:r>
-            <a:r>
-              <a:rPr lang="en-US" baseline="0" dirty="0" err="1"/>
-              <a:t>checkMove</a:t>
-            </a:r>
-            <a:r>
-              <a:rPr lang="en-US" baseline="0" dirty="0"/>
-              <a:t>) we see that message at runtime.</a:t>
-            </a:r>
-          </a:p>
-          <a:p>
-            <a:endParaRPr lang="en-US" baseline="0" dirty="0"/>
-          </a:p>
-          <a:p>
-            <a:r>
-              <a:rPr lang="en-US" sz="1400" baseline="0" dirty="0"/>
-              <a:t>At this point, they should see the justification for an abstract class, show that on next slide</a:t>
-            </a:r>
-          </a:p>
-          <a:p>
-            <a:endParaRPr lang="en-US" dirty="0"/>
-          </a:p>
-        </p:txBody>
-      </p:sp>
-      <p:sp>
-        <p:nvSpPr>
-          <p:cNvPr id="4" name="Slide Number Placeholder 3"/>
-          <p:cNvSpPr>
-            <a:spLocks noGrp="1"/>
-          </p:cNvSpPr>
-          <p:nvPr>
-            <p:ph type="sldNum" sz="quarter" idx="10"/>
-          </p:nvPr>
-        </p:nvSpPr>
-        <p:spPr/>
+              <a:rPr lang="en-US"/>
+              <a:t>Suggest</a:t>
+            </a:r>
+            <a:r>
+              <a:rPr lang="en-US" baseline="0"/>
+              <a:t> d</a:t>
+            </a:r>
+            <a:r>
+              <a:rPr lang="en-US"/>
+              <a:t>rawing B&amp;P diagram and trace calls as practice for the exam.</a:t>
+            </a:r>
+          </a:p>
+        </p:txBody>
+      </p:sp>
+      <p:sp>
+        <p:nvSpPr>
+          <p:cNvPr id="37892" name="Slide Number Placeholder 3"/>
+          <p:cNvSpPr>
+            <a:spLocks noGrp="1"/>
+          </p:cNvSpPr>
+          <p:nvPr>
+            <p:ph type="sldNum" sz="quarter" idx="5"/>
+          </p:nvPr>
+        </p:nvSpPr>
+        <p:spPr>
+          <a:noFill/>
+        </p:spPr>
         <p:txBody>
           <a:bodyPr/>
           <a:lstStyle/>
           <a:p>
-            <a:pPr>
-              <a:defRPr/>
-            </a:pPr>
-            <a:fld id="{3A187583-0EC9-4694-9EAD-0DA64A27677E}" type="slidenum">
+            <a:fld id="{AE88C4F2-B63F-49B5-8554-101017854A6D}" type="slidenum">
               <a:rPr lang="en-US" smtClean="0"/>
-              <a:pPr>
-                <a:defRPr/>
-              </a:pPr>
+              <a:pPr/>
               <a:t>17</a:t>
             </a:fld>
             <a:endParaRPr lang="en-US"/>
@@ -1913,7 +1894,7 @@
     </p:spTree>
     <p:extLst>
       <p:ext uri="{BB962C8B-B14F-4D97-AF65-F5344CB8AC3E}">
-        <p14:creationId xmlns:p14="http://schemas.microsoft.com/office/powerpoint/2010/main" val="220594822"/>
+        <p14:creationId xmlns:p14="http://schemas.microsoft.com/office/powerpoint/2010/main" val="1808297012"/>
       </p:ext>
     </p:extLst>
   </p:cSld>
@@ -1942,19 +1923,29 @@
       </p:grpSpPr>
       <p:sp>
         <p:nvSpPr>
-          <p:cNvPr id="2" name="Slide Image Placeholder 1"/>
-          <p:cNvSpPr>
-            <a:spLocks noGrp="1" noRot="1" noChangeAspect="1"/>
+          <p:cNvPr id="38914" name="Slide Image Placeholder 1"/>
+          <p:cNvSpPr>
+            <a:spLocks noGrp="1" noRot="1" noChangeAspect="1" noTextEdit="1"/>
           </p:cNvSpPr>
           <p:nvPr>
             <p:ph type="sldImg"/>
           </p:nvPr>
         </p:nvSpPr>
-        <p:spPr/>
-      </p:sp>
-      <p:sp>
-        <p:nvSpPr>
-          <p:cNvPr id="3" name="Notes Placeholder 2"/>
+        <p:spPr bwMode="auto">
+          <a:noFill/>
+          <a:ln>
+            <a:solidFill>
+              <a:srgbClr val="000000"/>
+            </a:solidFill>
+            <a:miter lim="800000"/>
+            <a:headEnd/>
+            <a:tailEnd/>
+          </a:ln>
+        </p:spPr>
+      </p:sp>
+      <p:sp>
+        <p:nvSpPr>
+          <p:cNvPr id="38915" name="Notes Placeholder 2"/>
           <p:cNvSpPr>
             <a:spLocks noGrp="1"/>
           </p:cNvSpPr>
@@ -1962,83 +1953,38 @@
             <p:ph type="body" idx="1"/>
           </p:nvPr>
         </p:nvSpPr>
-        <p:spPr/>
-        <p:txBody>
-          <a:bodyPr>
-            <a:normAutofit/>
-          </a:bodyPr>
-          <a:lstStyle/>
-          <a:p>
-            <a:r>
-              <a:rPr lang="en-US" dirty="0"/>
-              <a:t>The main reason for using Abstract classes is to force programmers to create</a:t>
-            </a:r>
-            <a:r>
-              <a:rPr lang="en-US" baseline="0" dirty="0"/>
-              <a:t> subclasses. Declaring certain methods abstract prevents you from coming up with useless default methods that others might inherit by accident.</a:t>
-            </a:r>
-          </a:p>
-          <a:p>
-            <a:endParaRPr lang="en-US" baseline="0" dirty="0"/>
-          </a:p>
-          <a:p>
-            <a:r>
-              <a:rPr lang="en-US" baseline="0" dirty="0"/>
-              <a:t>This also allows code reuse when only a few methods of an interface differ in implementation. </a:t>
-            </a:r>
-          </a:p>
-          <a:p>
-            <a:endParaRPr lang="en-US" baseline="0" dirty="0"/>
-          </a:p>
-          <a:p>
-            <a:r>
-              <a:rPr lang="en-US" sz="1200" baseline="0" dirty="0"/>
-              <a:t>Make the </a:t>
-            </a:r>
-            <a:r>
-              <a:rPr lang="en-US" sz="1200" baseline="0" dirty="0" err="1"/>
-              <a:t>ChessPiece</a:t>
-            </a:r>
-            <a:r>
-              <a:rPr lang="en-US" sz="1200" baseline="0" dirty="0"/>
-              <a:t> abstract, and pull the items that don’t change into the new abstract class, and leave the other methods abstract (see solution code). Walk students through this refactor for King/Queen, then have them implement the other pieces. Remind them that the Pawn is actually the hardest, and to do </a:t>
-            </a:r>
-            <a:r>
-              <a:rPr lang="en-US" baseline="0" dirty="0"/>
-              <a:t>that LAST. </a:t>
-            </a:r>
-          </a:p>
-          <a:p>
-            <a:endParaRPr lang="en-US" dirty="0"/>
-          </a:p>
-          <a:p>
-            <a:endParaRPr lang="en-US" baseline="0" dirty="0"/>
-          </a:p>
-        </p:txBody>
-      </p:sp>
-      <p:sp>
-        <p:nvSpPr>
-          <p:cNvPr id="4" name="Slide Number Placeholder 3"/>
-          <p:cNvSpPr>
-            <a:spLocks noGrp="1"/>
-          </p:cNvSpPr>
-          <p:nvPr>
-            <p:ph type="sldNum" sz="quarter" idx="10"/>
-          </p:nvPr>
-        </p:nvSpPr>
-        <p:spPr/>
+        <p:spPr>
+          <a:noFill/>
+          <a:ln/>
+        </p:spPr>
         <p:txBody>
           <a:bodyPr/>
           <a:lstStyle/>
           <a:p>
-            <a:pPr>
-              <a:defRPr/>
-            </a:pPr>
-            <a:fld id="{3A187583-0EC9-4694-9EAD-0DA64A27677E}" type="slidenum">
+            <a:endParaRPr lang="en-US" sz="1400" baseline="0"/>
+          </a:p>
+        </p:txBody>
+      </p:sp>
+      <p:sp>
+        <p:nvSpPr>
+          <p:cNvPr id="38916" name="Slide Number Placeholder 3"/>
+          <p:cNvSpPr>
+            <a:spLocks noGrp="1"/>
+          </p:cNvSpPr>
+          <p:nvPr>
+            <p:ph type="sldNum" sz="quarter" idx="5"/>
+          </p:nvPr>
+        </p:nvSpPr>
+        <p:spPr>
+          <a:noFill/>
+        </p:spPr>
+        <p:txBody>
+          <a:bodyPr/>
+          <a:lstStyle/>
+          <a:p>
+            <a:fld id="{D52993E5-32C8-4EC2-BBC6-DB69025B6125}" type="slidenum">
               <a:rPr lang="en-US" smtClean="0"/>
-              <a:pPr>
-                <a:defRPr/>
-              </a:pPr>
+              <a:pPr/>
               <a:t>18</a:t>
             </a:fld>
             <a:endParaRPr lang="en-US"/>
@@ -2048,7 +1994,7 @@
     </p:spTree>
     <p:extLst>
       <p:ext uri="{BB962C8B-B14F-4D97-AF65-F5344CB8AC3E}">
-        <p14:creationId xmlns:p14="http://schemas.microsoft.com/office/powerpoint/2010/main" val="3531102198"/>
+        <p14:creationId xmlns:p14="http://schemas.microsoft.com/office/powerpoint/2010/main" val="3424126314"/>
       </p:ext>
     </p:extLst>
   </p:cSld>
@@ -2103,564 +2049,61 @@
           <a:lstStyle/>
           <a:p>
             <a:r>
-              <a:rPr lang="en-US" sz="1200" kern="1200" dirty="0">
-                <a:solidFill>
-                  <a:schemeClr val="tx1"/>
-                </a:solidFill>
-                <a:latin typeface="+mn-lt"/>
-                <a:ea typeface="+mn-ea"/>
-                <a:cs typeface="+mn-cs"/>
-              </a:rPr>
-              <a:t>Emphasize</a:t>
-            </a:r>
-            <a:r>
-              <a:rPr lang="en-US" sz="1200" kern="1200" baseline="0" dirty="0">
-                <a:solidFill>
-                  <a:schemeClr val="tx1"/>
-                </a:solidFill>
-                <a:latin typeface="+mn-lt"/>
-                <a:ea typeface="+mn-ea"/>
-                <a:cs typeface="+mn-cs"/>
-              </a:rPr>
-              <a:t> doing Pawn last it requires several things (</a:t>
-            </a:r>
-            <a:r>
-              <a:rPr lang="en-US" sz="1200" kern="1200" baseline="0" dirty="0" err="1">
-                <a:solidFill>
-                  <a:schemeClr val="tx1"/>
-                </a:solidFill>
-                <a:latin typeface="+mn-lt"/>
-                <a:ea typeface="+mn-ea"/>
-                <a:cs typeface="+mn-cs"/>
-              </a:rPr>
-              <a:t>hasMoved</a:t>
-            </a:r>
-            <a:r>
-              <a:rPr lang="en-US" sz="1200" kern="1200" baseline="0" dirty="0">
-                <a:solidFill>
-                  <a:schemeClr val="tx1"/>
-                </a:solidFill>
-                <a:latin typeface="+mn-lt"/>
-                <a:ea typeface="+mn-ea"/>
-                <a:cs typeface="+mn-cs"/>
-              </a:rPr>
-              <a:t> field) and needs to override the </a:t>
-            </a:r>
-            <a:r>
-              <a:rPr lang="en-US" sz="1200" kern="1200" baseline="0" dirty="0" err="1">
-                <a:solidFill>
-                  <a:schemeClr val="tx1"/>
-                </a:solidFill>
-                <a:latin typeface="+mn-lt"/>
-                <a:ea typeface="+mn-ea"/>
-                <a:cs typeface="+mn-cs"/>
-              </a:rPr>
-              <a:t>checkAttack</a:t>
-            </a:r>
-            <a:r>
-              <a:rPr lang="en-US" sz="1200" kern="1200" baseline="0" dirty="0">
-                <a:solidFill>
-                  <a:schemeClr val="tx1"/>
-                </a:solidFill>
-                <a:latin typeface="+mn-lt"/>
-                <a:ea typeface="+mn-ea"/>
-                <a:cs typeface="+mn-cs"/>
-              </a:rPr>
-              <a:t> method which is not obvious without looking at more code than they usually have to look at for the rest of the classes.</a:t>
-            </a:r>
-            <a:endParaRPr lang="en-US" sz="1200" kern="1200" dirty="0">
-              <a:solidFill>
-                <a:schemeClr val="tx1"/>
-              </a:solidFill>
-              <a:latin typeface="+mn-lt"/>
-              <a:ea typeface="+mn-ea"/>
-              <a:cs typeface="+mn-cs"/>
-            </a:endParaRPr>
-          </a:p>
-          <a:p>
-            <a:endParaRPr lang="en-US" sz="1200" kern="1200" dirty="0">
-              <a:solidFill>
-                <a:schemeClr val="tx1"/>
-              </a:solidFill>
-              <a:latin typeface="+mn-lt"/>
-              <a:ea typeface="+mn-ea"/>
-              <a:cs typeface="+mn-cs"/>
-            </a:endParaRPr>
-          </a:p>
-          <a:p>
-            <a:r>
-              <a:rPr lang="en-US" sz="1200" kern="1200" dirty="0">
-                <a:solidFill>
-                  <a:schemeClr val="tx1"/>
-                </a:solidFill>
-                <a:latin typeface="+mn-lt"/>
-                <a:ea typeface="+mn-ea"/>
-                <a:cs typeface="+mn-cs"/>
-              </a:rPr>
-              <a:t>@Override </a:t>
-            </a:r>
-          </a:p>
-          <a:p>
-            <a:r>
-              <a:rPr lang="en-US" sz="1200" b="1" kern="1200" dirty="0">
-                <a:solidFill>
-                  <a:schemeClr val="tx1"/>
-                </a:solidFill>
-                <a:latin typeface="+mn-lt"/>
-                <a:ea typeface="+mn-ea"/>
-                <a:cs typeface="+mn-cs"/>
-              </a:rPr>
-              <a:t>public </a:t>
-            </a:r>
-            <a:r>
-              <a:rPr lang="en-US" sz="1200" b="1" kern="1200" dirty="0" err="1">
-                <a:solidFill>
-                  <a:schemeClr val="tx1"/>
-                </a:solidFill>
-                <a:latin typeface="+mn-lt"/>
-                <a:ea typeface="+mn-ea"/>
-                <a:cs typeface="+mn-cs"/>
-              </a:rPr>
-              <a:t>boolean</a:t>
-            </a:r>
-            <a:r>
-              <a:rPr lang="en-US" sz="1200" b="1" kern="1200" dirty="0">
-                <a:solidFill>
-                  <a:schemeClr val="tx1"/>
-                </a:solidFill>
-                <a:latin typeface="+mn-lt"/>
-                <a:ea typeface="+mn-ea"/>
-                <a:cs typeface="+mn-cs"/>
-              </a:rPr>
-              <a:t> </a:t>
-            </a:r>
-            <a:r>
-              <a:rPr lang="en-US" sz="1200" b="1" kern="1200" dirty="0" err="1">
-                <a:solidFill>
-                  <a:schemeClr val="tx1"/>
-                </a:solidFill>
-                <a:latin typeface="+mn-lt"/>
-                <a:ea typeface="+mn-ea"/>
-                <a:cs typeface="+mn-cs"/>
-              </a:rPr>
-              <a:t>checkAttack</a:t>
-            </a:r>
-            <a:r>
-              <a:rPr lang="en-US" sz="1200" b="1" kern="1200" dirty="0">
-                <a:solidFill>
-                  <a:schemeClr val="tx1"/>
-                </a:solidFill>
-                <a:latin typeface="+mn-lt"/>
-                <a:ea typeface="+mn-ea"/>
-                <a:cs typeface="+mn-cs"/>
-              </a:rPr>
-              <a:t>(</a:t>
-            </a:r>
-            <a:r>
-              <a:rPr lang="en-US" sz="1200" b="1" kern="1200" dirty="0" err="1">
-                <a:solidFill>
-                  <a:schemeClr val="tx1"/>
-                </a:solidFill>
-                <a:latin typeface="+mn-lt"/>
-                <a:ea typeface="+mn-ea"/>
-                <a:cs typeface="+mn-cs"/>
-              </a:rPr>
-              <a:t>int</a:t>
-            </a:r>
-            <a:r>
-              <a:rPr lang="en-US" sz="1200" b="1" kern="1200" dirty="0">
-                <a:solidFill>
-                  <a:schemeClr val="tx1"/>
-                </a:solidFill>
-                <a:latin typeface="+mn-lt"/>
-                <a:ea typeface="+mn-ea"/>
-                <a:cs typeface="+mn-cs"/>
-              </a:rPr>
-              <a:t> dx, </a:t>
-            </a:r>
-            <a:r>
-              <a:rPr lang="en-US" sz="1200" b="1" kern="1200" dirty="0" err="1">
-                <a:solidFill>
-                  <a:schemeClr val="tx1"/>
-                </a:solidFill>
-                <a:latin typeface="+mn-lt"/>
-                <a:ea typeface="+mn-ea"/>
-                <a:cs typeface="+mn-cs"/>
-              </a:rPr>
-              <a:t>int</a:t>
-            </a:r>
-            <a:r>
-              <a:rPr lang="en-US" sz="1200" b="1" kern="1200" dirty="0">
-                <a:solidFill>
-                  <a:schemeClr val="tx1"/>
-                </a:solidFill>
-                <a:latin typeface="+mn-lt"/>
-                <a:ea typeface="+mn-ea"/>
-                <a:cs typeface="+mn-cs"/>
-              </a:rPr>
-              <a:t> </a:t>
-            </a:r>
-            <a:r>
-              <a:rPr lang="en-US" sz="1200" b="1" kern="1200" dirty="0" err="1">
-                <a:solidFill>
-                  <a:schemeClr val="tx1"/>
-                </a:solidFill>
-                <a:latin typeface="+mn-lt"/>
-                <a:ea typeface="+mn-ea"/>
-                <a:cs typeface="+mn-cs"/>
-              </a:rPr>
-              <a:t>dy</a:t>
-            </a:r>
-            <a:r>
-              <a:rPr lang="en-US" sz="1200" b="1" kern="1200" dirty="0">
-                <a:solidFill>
-                  <a:schemeClr val="tx1"/>
-                </a:solidFill>
-                <a:latin typeface="+mn-lt"/>
-                <a:ea typeface="+mn-ea"/>
-                <a:cs typeface="+mn-cs"/>
-              </a:rPr>
-              <a:t>, </a:t>
-            </a:r>
-            <a:r>
-              <a:rPr lang="en-US" sz="1200" b="1" kern="1200" dirty="0" err="1">
-                <a:solidFill>
-                  <a:schemeClr val="tx1"/>
-                </a:solidFill>
-                <a:latin typeface="+mn-lt"/>
-                <a:ea typeface="+mn-ea"/>
-                <a:cs typeface="+mn-cs"/>
-              </a:rPr>
+              <a:rPr lang="en-US" baseline="0" dirty="0"/>
+              <a:t>Walk through the Chess example in Inheritance project. Start by showing the King and </a:t>
+            </a:r>
+            <a:r>
+              <a:rPr lang="en-US" baseline="0" dirty="0" err="1"/>
               <a:t>ChessPiece</a:t>
             </a:r>
             <a:r>
-              <a:rPr lang="en-US" sz="1200" b="1" kern="1200" dirty="0">
-                <a:solidFill>
-                  <a:schemeClr val="tx1"/>
-                </a:solidFill>
-                <a:latin typeface="+mn-lt"/>
-                <a:ea typeface="+mn-ea"/>
-                <a:cs typeface="+mn-cs"/>
-              </a:rPr>
-              <a:t> piece) {</a:t>
-            </a:r>
-          </a:p>
-          <a:p>
-            <a:r>
-              <a:rPr lang="en-US" sz="1200" b="1" kern="1200" dirty="0">
-                <a:solidFill>
-                  <a:schemeClr val="tx1"/>
-                </a:solidFill>
-                <a:latin typeface="+mn-lt"/>
-                <a:ea typeface="+mn-ea"/>
-                <a:cs typeface="+mn-cs"/>
-              </a:rPr>
-              <a:t>if (</a:t>
-            </a:r>
-            <a:r>
-              <a:rPr lang="en-US" sz="1200" b="1" kern="1200" dirty="0" err="1">
-                <a:solidFill>
-                  <a:schemeClr val="tx1"/>
-                </a:solidFill>
-                <a:latin typeface="+mn-lt"/>
-                <a:ea typeface="+mn-ea"/>
-                <a:cs typeface="+mn-cs"/>
-              </a:rPr>
-              <a:t>this.isWhite</a:t>
-            </a:r>
-            <a:r>
-              <a:rPr lang="en-US" sz="1200" b="1" kern="1200" dirty="0">
-                <a:solidFill>
-                  <a:schemeClr val="tx1"/>
-                </a:solidFill>
-                <a:latin typeface="+mn-lt"/>
-                <a:ea typeface="+mn-ea"/>
-                <a:cs typeface="+mn-cs"/>
-              </a:rPr>
-              <a:t>() == </a:t>
-            </a:r>
-            <a:r>
-              <a:rPr lang="en-US" sz="1200" b="1" kern="1200" dirty="0" err="1">
-                <a:solidFill>
-                  <a:schemeClr val="tx1"/>
-                </a:solidFill>
-                <a:latin typeface="+mn-lt"/>
-                <a:ea typeface="+mn-ea"/>
-                <a:cs typeface="+mn-cs"/>
-              </a:rPr>
-              <a:t>piece.isWhite</a:t>
-            </a:r>
-            <a:r>
-              <a:rPr lang="en-US" sz="1200" b="1" kern="1200" dirty="0">
-                <a:solidFill>
-                  <a:schemeClr val="tx1"/>
-                </a:solidFill>
-                <a:latin typeface="+mn-lt"/>
-                <a:ea typeface="+mn-ea"/>
-                <a:cs typeface="+mn-cs"/>
-              </a:rPr>
-              <a:t>()) {</a:t>
-            </a:r>
-          </a:p>
-          <a:p>
-            <a:r>
-              <a:rPr lang="en-US" sz="1200" b="1" kern="1200" dirty="0">
-                <a:solidFill>
-                  <a:schemeClr val="tx1"/>
-                </a:solidFill>
-                <a:latin typeface="+mn-lt"/>
-                <a:ea typeface="+mn-ea"/>
-                <a:cs typeface="+mn-cs"/>
-              </a:rPr>
-              <a:t>return false;</a:t>
-            </a:r>
-          </a:p>
-          <a:p>
-            <a:r>
-              <a:rPr lang="en-US" sz="1200" kern="1200" dirty="0">
-                <a:solidFill>
-                  <a:schemeClr val="tx1"/>
-                </a:solidFill>
-                <a:latin typeface="+mn-lt"/>
-                <a:ea typeface="+mn-ea"/>
-                <a:cs typeface="+mn-cs"/>
-              </a:rPr>
-              <a:t>}</a:t>
-            </a:r>
-          </a:p>
-          <a:p>
-            <a:r>
-              <a:rPr lang="en-US" sz="1200" b="1" kern="1200" dirty="0">
-                <a:solidFill>
-                  <a:schemeClr val="tx1"/>
-                </a:solidFill>
-                <a:latin typeface="+mn-lt"/>
-                <a:ea typeface="+mn-ea"/>
-                <a:cs typeface="+mn-cs"/>
-              </a:rPr>
-              <a:t>if (!</a:t>
-            </a:r>
-            <a:r>
-              <a:rPr lang="en-US" sz="1200" b="1" kern="1200" dirty="0" err="1">
-                <a:solidFill>
-                  <a:schemeClr val="tx1"/>
-                </a:solidFill>
-                <a:latin typeface="+mn-lt"/>
-                <a:ea typeface="+mn-ea"/>
-                <a:cs typeface="+mn-cs"/>
-              </a:rPr>
-              <a:t>movedCorrectDirection</a:t>
-            </a:r>
-            <a:r>
-              <a:rPr lang="en-US" sz="1200" b="1" kern="1200" dirty="0">
-                <a:solidFill>
-                  <a:schemeClr val="tx1"/>
-                </a:solidFill>
-                <a:latin typeface="+mn-lt"/>
-                <a:ea typeface="+mn-ea"/>
-                <a:cs typeface="+mn-cs"/>
-              </a:rPr>
-              <a:t>(</a:t>
-            </a:r>
-            <a:r>
-              <a:rPr lang="en-US" sz="1200" b="1" kern="1200" dirty="0" err="1">
-                <a:solidFill>
-                  <a:schemeClr val="tx1"/>
-                </a:solidFill>
-                <a:latin typeface="+mn-lt"/>
-                <a:ea typeface="+mn-ea"/>
-                <a:cs typeface="+mn-cs"/>
-              </a:rPr>
-              <a:t>dy</a:t>
-            </a:r>
-            <a:r>
-              <a:rPr lang="en-US" sz="1200" b="1" kern="1200" dirty="0">
-                <a:solidFill>
-                  <a:schemeClr val="tx1"/>
-                </a:solidFill>
-                <a:latin typeface="+mn-lt"/>
-                <a:ea typeface="+mn-ea"/>
-                <a:cs typeface="+mn-cs"/>
-              </a:rPr>
-              <a:t>)) {</a:t>
-            </a:r>
-          </a:p>
-          <a:p>
-            <a:r>
-              <a:rPr lang="en-US" sz="1200" b="1" kern="1200" dirty="0">
-                <a:solidFill>
-                  <a:schemeClr val="tx1"/>
-                </a:solidFill>
-                <a:latin typeface="+mn-lt"/>
-                <a:ea typeface="+mn-ea"/>
-                <a:cs typeface="+mn-cs"/>
-              </a:rPr>
-              <a:t>return false;</a:t>
-            </a:r>
-          </a:p>
-          <a:p>
-            <a:r>
-              <a:rPr lang="en-US" sz="1200" kern="1200" dirty="0">
-                <a:solidFill>
-                  <a:schemeClr val="tx1"/>
-                </a:solidFill>
-                <a:latin typeface="+mn-lt"/>
-                <a:ea typeface="+mn-ea"/>
-                <a:cs typeface="+mn-cs"/>
-              </a:rPr>
-              <a:t>}</a:t>
-            </a:r>
-          </a:p>
-          <a:p>
-            <a:r>
-              <a:rPr lang="en-US" sz="1200" kern="1200" dirty="0">
-                <a:solidFill>
-                  <a:schemeClr val="tx1"/>
-                </a:solidFill>
-                <a:latin typeface="+mn-lt"/>
-                <a:ea typeface="+mn-ea"/>
-                <a:cs typeface="+mn-cs"/>
-              </a:rPr>
-              <a:t>dx = </a:t>
-            </a:r>
-            <a:r>
-              <a:rPr lang="en-US" sz="1200" kern="1200" dirty="0" err="1">
-                <a:solidFill>
-                  <a:schemeClr val="tx1"/>
-                </a:solidFill>
-                <a:latin typeface="+mn-lt"/>
-                <a:ea typeface="+mn-ea"/>
-                <a:cs typeface="+mn-cs"/>
-              </a:rPr>
-              <a:t>Math.abs</a:t>
-            </a:r>
-            <a:r>
-              <a:rPr lang="en-US" sz="1200" kern="1200" dirty="0">
-                <a:solidFill>
-                  <a:schemeClr val="tx1"/>
-                </a:solidFill>
-                <a:latin typeface="+mn-lt"/>
-                <a:ea typeface="+mn-ea"/>
-                <a:cs typeface="+mn-cs"/>
-              </a:rPr>
-              <a:t>(dx);</a:t>
-            </a:r>
-          </a:p>
-          <a:p>
-            <a:r>
-              <a:rPr lang="en-US" sz="1200" kern="1200" dirty="0" err="1">
-                <a:solidFill>
-                  <a:schemeClr val="tx1"/>
-                </a:solidFill>
-                <a:latin typeface="+mn-lt"/>
-                <a:ea typeface="+mn-ea"/>
-                <a:cs typeface="+mn-cs"/>
-              </a:rPr>
-              <a:t>dy</a:t>
-            </a:r>
-            <a:r>
-              <a:rPr lang="en-US" sz="1200" kern="1200" dirty="0">
-                <a:solidFill>
-                  <a:schemeClr val="tx1"/>
-                </a:solidFill>
-                <a:latin typeface="+mn-lt"/>
-                <a:ea typeface="+mn-ea"/>
-                <a:cs typeface="+mn-cs"/>
-              </a:rPr>
-              <a:t> = </a:t>
-            </a:r>
-            <a:r>
-              <a:rPr lang="en-US" sz="1200" kern="1200" dirty="0" err="1">
-                <a:solidFill>
-                  <a:schemeClr val="tx1"/>
-                </a:solidFill>
-                <a:latin typeface="+mn-lt"/>
-                <a:ea typeface="+mn-ea"/>
-                <a:cs typeface="+mn-cs"/>
-              </a:rPr>
-              <a:t>Math.abs</a:t>
-            </a:r>
-            <a:r>
-              <a:rPr lang="en-US" sz="1200" kern="1200" dirty="0">
-                <a:solidFill>
-                  <a:schemeClr val="tx1"/>
-                </a:solidFill>
-                <a:latin typeface="+mn-lt"/>
-                <a:ea typeface="+mn-ea"/>
-                <a:cs typeface="+mn-cs"/>
-              </a:rPr>
-              <a:t>(</a:t>
-            </a:r>
-            <a:r>
-              <a:rPr lang="en-US" sz="1200" kern="1200" dirty="0" err="1">
-                <a:solidFill>
-                  <a:schemeClr val="tx1"/>
-                </a:solidFill>
-                <a:latin typeface="+mn-lt"/>
-                <a:ea typeface="+mn-ea"/>
-                <a:cs typeface="+mn-cs"/>
-              </a:rPr>
-              <a:t>dy</a:t>
-            </a:r>
-            <a:r>
-              <a:rPr lang="en-US" sz="1200" kern="1200" dirty="0">
-                <a:solidFill>
-                  <a:schemeClr val="tx1"/>
-                </a:solidFill>
-                <a:latin typeface="+mn-lt"/>
-                <a:ea typeface="+mn-ea"/>
-                <a:cs typeface="+mn-cs"/>
-              </a:rPr>
-              <a:t>);</a:t>
-            </a:r>
-          </a:p>
-          <a:p>
-            <a:r>
-              <a:rPr lang="en-US" sz="1200" b="1" kern="1200" dirty="0">
-                <a:solidFill>
-                  <a:schemeClr val="tx1"/>
-                </a:solidFill>
-                <a:latin typeface="+mn-lt"/>
-                <a:ea typeface="+mn-ea"/>
-                <a:cs typeface="+mn-cs"/>
-              </a:rPr>
-              <a:t>return dx == 1 &amp;&amp; </a:t>
-            </a:r>
-            <a:r>
-              <a:rPr lang="en-US" sz="1200" b="1" kern="1200" dirty="0" err="1">
-                <a:solidFill>
-                  <a:schemeClr val="tx1"/>
-                </a:solidFill>
-                <a:latin typeface="+mn-lt"/>
-                <a:ea typeface="+mn-ea"/>
-                <a:cs typeface="+mn-cs"/>
-              </a:rPr>
-              <a:t>dy</a:t>
-            </a:r>
-            <a:r>
-              <a:rPr lang="en-US" sz="1200" b="1" kern="1200" dirty="0">
-                <a:solidFill>
-                  <a:schemeClr val="tx1"/>
-                </a:solidFill>
-                <a:latin typeface="+mn-lt"/>
-                <a:ea typeface="+mn-ea"/>
-                <a:cs typeface="+mn-cs"/>
-              </a:rPr>
-              <a:t> == 1;</a:t>
-            </a:r>
-          </a:p>
-          <a:p>
-            <a:r>
-              <a:rPr lang="en-US" sz="1200" kern="1200" dirty="0">
-                <a:solidFill>
-                  <a:schemeClr val="tx1"/>
-                </a:solidFill>
-                <a:latin typeface="+mn-lt"/>
-                <a:ea typeface="+mn-ea"/>
-                <a:cs typeface="+mn-cs"/>
-              </a:rPr>
-              <a:t>}</a:t>
-            </a:r>
+              <a:rPr lang="en-US" baseline="0" dirty="0"/>
+              <a:t> interface. Implement the queen, and note to the students how we end up copying a lot of code from the King into the Queen, there has to be a better way…</a:t>
+            </a:r>
+          </a:p>
+          <a:p>
+            <a:endParaRPr lang="en-US" baseline="0" dirty="0"/>
+          </a:p>
+          <a:p>
+            <a:r>
+              <a:rPr lang="en-US" baseline="0" dirty="0"/>
+              <a:t>It works well to just make the </a:t>
+            </a:r>
+            <a:r>
+              <a:rPr lang="en-US" baseline="0" dirty="0" err="1"/>
+              <a:t>ChessPiece</a:t>
+            </a:r>
+            <a:r>
+              <a:rPr lang="en-US" baseline="0" dirty="0"/>
+              <a:t> a class first and put in a </a:t>
+            </a:r>
+            <a:r>
+              <a:rPr lang="en-US" baseline="0" dirty="0" err="1"/>
+              <a:t>System.err.println</a:t>
+            </a:r>
+            <a:r>
+              <a:rPr lang="en-US" baseline="0" dirty="0"/>
+              <a:t>(“Implement this method!”) then show them if we forget to implement a method (Queen’s </a:t>
+            </a:r>
+            <a:r>
+              <a:rPr lang="en-US" baseline="0" dirty="0" err="1"/>
+              <a:t>checkMove</a:t>
+            </a:r>
+            <a:r>
+              <a:rPr lang="en-US" baseline="0" dirty="0"/>
+              <a:t>) we see that message at runtime.</a:t>
+            </a:r>
+          </a:p>
+          <a:p>
+            <a:endParaRPr lang="en-US" baseline="0" dirty="0"/>
+          </a:p>
+          <a:p>
+            <a:r>
+              <a:rPr lang="en-US" sz="1400" baseline="0" dirty="0"/>
+              <a:t>At this point, they should see the justification for an abstract class, show that on next slide</a:t>
+            </a:r>
+          </a:p>
+          <a:p>
             <a:endParaRPr lang="en-US" dirty="0"/>
           </a:p>
         </p:txBody>
@@ -2697,7 +2140,7 @@
     </p:spTree>
     <p:extLst>
       <p:ext uri="{BB962C8B-B14F-4D97-AF65-F5344CB8AC3E}">
-        <p14:creationId xmlns:p14="http://schemas.microsoft.com/office/powerpoint/2010/main" val="4079852235"/>
+        <p14:creationId xmlns:p14="http://schemas.microsoft.com/office/powerpoint/2010/main" val="220594822"/>
       </p:ext>
     </p:extLst>
   </p:cSld>
@@ -2753,7 +2196,50 @@
           </a:bodyPr>
           <a:lstStyle/>
           <a:p>
+            <a:r>
+              <a:rPr lang="en-US" dirty="0"/>
+              <a:t>The main reason for using Abstract classes is to force programmers to create</a:t>
+            </a:r>
+            <a:r>
+              <a:rPr lang="en-US" baseline="0" dirty="0"/>
+              <a:t> subclasses. Declaring certain methods abstract prevents you from coming up with useless default methods that others might inherit by accident.</a:t>
+            </a:r>
+          </a:p>
+          <a:p>
+            <a:endParaRPr lang="en-US" baseline="0" dirty="0"/>
+          </a:p>
+          <a:p>
+            <a:r>
+              <a:rPr lang="en-US" baseline="0" dirty="0"/>
+              <a:t>This also allows code reuse when only a few methods of an interface differ in implementation. </a:t>
+            </a:r>
+          </a:p>
+          <a:p>
+            <a:endParaRPr lang="en-US" baseline="0" dirty="0"/>
+          </a:p>
+          <a:p>
+            <a:r>
+              <a:rPr lang="en-US" sz="1200" baseline="0" dirty="0"/>
+              <a:t>Make the </a:t>
+            </a:r>
+            <a:r>
+              <a:rPr lang="en-US" sz="1200" baseline="0" dirty="0" err="1"/>
+              <a:t>ChessPiece</a:t>
+            </a:r>
+            <a:r>
+              <a:rPr lang="en-US" sz="1200" baseline="0" dirty="0"/>
+              <a:t> abstract, and pull the items that don’t change into the new abstract class, and leave the other methods abstract (see solution code). Walk students through this refactor for King/Queen, then have them implement the other pieces. Remind them that the Pawn is actually the hardest, and to do </a:t>
+            </a:r>
+            <a:r>
+              <a:rPr lang="en-US" baseline="0" dirty="0"/>
+              <a:t>that LAST. </a:t>
+            </a:r>
+          </a:p>
+          <a:p>
             <a:endParaRPr lang="en-US" dirty="0"/>
+          </a:p>
+          <a:p>
+            <a:endParaRPr lang="en-US" baseline="0" dirty="0"/>
           </a:p>
         </p:txBody>
       </p:sp>
@@ -2789,7 +2275,7 @@
     </p:spTree>
     <p:extLst>
       <p:ext uri="{BB962C8B-B14F-4D97-AF65-F5344CB8AC3E}">
-        <p14:creationId xmlns:p14="http://schemas.microsoft.com/office/powerpoint/2010/main" val="254997008"/>
+        <p14:creationId xmlns:p14="http://schemas.microsoft.com/office/powerpoint/2010/main" val="3531102198"/>
       </p:ext>
     </p:extLst>
   </p:cSld>
@@ -2890,6 +2376,747 @@
     <p:extLst>
       <p:ext uri="{BB962C8B-B14F-4D97-AF65-F5344CB8AC3E}">
         <p14:creationId xmlns:p14="http://schemas.microsoft.com/office/powerpoint/2010/main" val="1728655107"/>
+      </p:ext>
+    </p:extLst>
+  </p:cSld>
+  <p:clrMapOvr>
+    <a:masterClrMapping/>
+  </p:clrMapOvr>
+</p:notes>
+</file>
+
+<file path=ppt/notesSlides/notesSlide20.xml><?xml version="1.0" encoding="utf-8"?>
+<p:notes xmlns:a="http://schemas.openxmlformats.org/drawingml/2006/main" xmlns:r="http://schemas.openxmlformats.org/officeDocument/2006/relationships" xmlns:p="http://schemas.openxmlformats.org/presentationml/2006/main">
+  <p:cSld>
+    <p:spTree>
+      <p:nvGrpSpPr>
+        <p:cNvPr id="1" name=""/>
+        <p:cNvGrpSpPr/>
+        <p:nvPr/>
+      </p:nvGrpSpPr>
+      <p:grpSpPr>
+        <a:xfrm>
+          <a:off x="0" y="0"/>
+          <a:ext cx="0" cy="0"/>
+          <a:chOff x="0" y="0"/>
+          <a:chExt cx="0" cy="0"/>
+        </a:xfrm>
+      </p:grpSpPr>
+      <p:sp>
+        <p:nvSpPr>
+          <p:cNvPr id="2" name="Slide Image Placeholder 1"/>
+          <p:cNvSpPr>
+            <a:spLocks noGrp="1" noRot="1" noChangeAspect="1"/>
+          </p:cNvSpPr>
+          <p:nvPr>
+            <p:ph type="sldImg"/>
+          </p:nvPr>
+        </p:nvSpPr>
+        <p:spPr/>
+      </p:sp>
+      <p:sp>
+        <p:nvSpPr>
+          <p:cNvPr id="3" name="Notes Placeholder 2"/>
+          <p:cNvSpPr>
+            <a:spLocks noGrp="1"/>
+          </p:cNvSpPr>
+          <p:nvPr>
+            <p:ph type="body" idx="1"/>
+          </p:nvPr>
+        </p:nvSpPr>
+        <p:spPr/>
+        <p:txBody>
+          <a:bodyPr/>
+          <a:lstStyle/>
+          <a:p>
+            <a:r>
+              <a:rPr lang="en-US" sz="1200" kern="1200" dirty="0">
+                <a:solidFill>
+                  <a:schemeClr val="tx1"/>
+                </a:solidFill>
+                <a:latin typeface="+mn-lt"/>
+                <a:ea typeface="+mn-ea"/>
+                <a:cs typeface="+mn-cs"/>
+              </a:rPr>
+              <a:t>Emphasize</a:t>
+            </a:r>
+            <a:r>
+              <a:rPr lang="en-US" sz="1200" kern="1200" baseline="0" dirty="0">
+                <a:solidFill>
+                  <a:schemeClr val="tx1"/>
+                </a:solidFill>
+                <a:latin typeface="+mn-lt"/>
+                <a:ea typeface="+mn-ea"/>
+                <a:cs typeface="+mn-cs"/>
+              </a:rPr>
+              <a:t> doing Pawn last it requires several things (</a:t>
+            </a:r>
+            <a:r>
+              <a:rPr lang="en-US" sz="1200" kern="1200" baseline="0" dirty="0" err="1">
+                <a:solidFill>
+                  <a:schemeClr val="tx1"/>
+                </a:solidFill>
+                <a:latin typeface="+mn-lt"/>
+                <a:ea typeface="+mn-ea"/>
+                <a:cs typeface="+mn-cs"/>
+              </a:rPr>
+              <a:t>hasMoved</a:t>
+            </a:r>
+            <a:r>
+              <a:rPr lang="en-US" sz="1200" kern="1200" baseline="0" dirty="0">
+                <a:solidFill>
+                  <a:schemeClr val="tx1"/>
+                </a:solidFill>
+                <a:latin typeface="+mn-lt"/>
+                <a:ea typeface="+mn-ea"/>
+                <a:cs typeface="+mn-cs"/>
+              </a:rPr>
+              <a:t> field) and needs to override the </a:t>
+            </a:r>
+            <a:r>
+              <a:rPr lang="en-US" sz="1200" kern="1200" baseline="0" dirty="0" err="1">
+                <a:solidFill>
+                  <a:schemeClr val="tx1"/>
+                </a:solidFill>
+                <a:latin typeface="+mn-lt"/>
+                <a:ea typeface="+mn-ea"/>
+                <a:cs typeface="+mn-cs"/>
+              </a:rPr>
+              <a:t>checkAttack</a:t>
+            </a:r>
+            <a:r>
+              <a:rPr lang="en-US" sz="1200" kern="1200" baseline="0" dirty="0">
+                <a:solidFill>
+                  <a:schemeClr val="tx1"/>
+                </a:solidFill>
+                <a:latin typeface="+mn-lt"/>
+                <a:ea typeface="+mn-ea"/>
+                <a:cs typeface="+mn-cs"/>
+              </a:rPr>
+              <a:t> method which is not obvious without looking at more code than they usually have to look at for the rest of the classes.</a:t>
+            </a:r>
+            <a:endParaRPr lang="en-US" sz="1200" kern="1200" dirty="0">
+              <a:solidFill>
+                <a:schemeClr val="tx1"/>
+              </a:solidFill>
+              <a:latin typeface="+mn-lt"/>
+              <a:ea typeface="+mn-ea"/>
+              <a:cs typeface="+mn-cs"/>
+            </a:endParaRPr>
+          </a:p>
+          <a:p>
+            <a:endParaRPr lang="en-US" sz="1200" kern="1200" dirty="0">
+              <a:solidFill>
+                <a:schemeClr val="tx1"/>
+              </a:solidFill>
+              <a:latin typeface="+mn-lt"/>
+              <a:ea typeface="+mn-ea"/>
+              <a:cs typeface="+mn-cs"/>
+            </a:endParaRPr>
+          </a:p>
+          <a:p>
+            <a:r>
+              <a:rPr lang="en-US" sz="1200" kern="1200" dirty="0">
+                <a:solidFill>
+                  <a:schemeClr val="tx1"/>
+                </a:solidFill>
+                <a:latin typeface="+mn-lt"/>
+                <a:ea typeface="+mn-ea"/>
+                <a:cs typeface="+mn-cs"/>
+              </a:rPr>
+              <a:t>@Override </a:t>
+            </a:r>
+          </a:p>
+          <a:p>
+            <a:r>
+              <a:rPr lang="en-US" sz="1200" b="1" kern="1200" dirty="0">
+                <a:solidFill>
+                  <a:schemeClr val="tx1"/>
+                </a:solidFill>
+                <a:latin typeface="+mn-lt"/>
+                <a:ea typeface="+mn-ea"/>
+                <a:cs typeface="+mn-cs"/>
+              </a:rPr>
+              <a:t>public </a:t>
+            </a:r>
+            <a:r>
+              <a:rPr lang="en-US" sz="1200" b="1" kern="1200" dirty="0" err="1">
+                <a:solidFill>
+                  <a:schemeClr val="tx1"/>
+                </a:solidFill>
+                <a:latin typeface="+mn-lt"/>
+                <a:ea typeface="+mn-ea"/>
+                <a:cs typeface="+mn-cs"/>
+              </a:rPr>
+              <a:t>boolean</a:t>
+            </a:r>
+            <a:r>
+              <a:rPr lang="en-US" sz="1200" b="1" kern="1200" dirty="0">
+                <a:solidFill>
+                  <a:schemeClr val="tx1"/>
+                </a:solidFill>
+                <a:latin typeface="+mn-lt"/>
+                <a:ea typeface="+mn-ea"/>
+                <a:cs typeface="+mn-cs"/>
+              </a:rPr>
+              <a:t> </a:t>
+            </a:r>
+            <a:r>
+              <a:rPr lang="en-US" sz="1200" b="1" kern="1200" dirty="0" err="1">
+                <a:solidFill>
+                  <a:schemeClr val="tx1"/>
+                </a:solidFill>
+                <a:latin typeface="+mn-lt"/>
+                <a:ea typeface="+mn-ea"/>
+                <a:cs typeface="+mn-cs"/>
+              </a:rPr>
+              <a:t>checkAttack</a:t>
+            </a:r>
+            <a:r>
+              <a:rPr lang="en-US" sz="1200" b="1" kern="1200" dirty="0">
+                <a:solidFill>
+                  <a:schemeClr val="tx1"/>
+                </a:solidFill>
+                <a:latin typeface="+mn-lt"/>
+                <a:ea typeface="+mn-ea"/>
+                <a:cs typeface="+mn-cs"/>
+              </a:rPr>
+              <a:t>(</a:t>
+            </a:r>
+            <a:r>
+              <a:rPr lang="en-US" sz="1200" b="1" kern="1200" dirty="0" err="1">
+                <a:solidFill>
+                  <a:schemeClr val="tx1"/>
+                </a:solidFill>
+                <a:latin typeface="+mn-lt"/>
+                <a:ea typeface="+mn-ea"/>
+                <a:cs typeface="+mn-cs"/>
+              </a:rPr>
+              <a:t>int</a:t>
+            </a:r>
+            <a:r>
+              <a:rPr lang="en-US" sz="1200" b="1" kern="1200" dirty="0">
+                <a:solidFill>
+                  <a:schemeClr val="tx1"/>
+                </a:solidFill>
+                <a:latin typeface="+mn-lt"/>
+                <a:ea typeface="+mn-ea"/>
+                <a:cs typeface="+mn-cs"/>
+              </a:rPr>
+              <a:t> dx, </a:t>
+            </a:r>
+            <a:r>
+              <a:rPr lang="en-US" sz="1200" b="1" kern="1200" dirty="0" err="1">
+                <a:solidFill>
+                  <a:schemeClr val="tx1"/>
+                </a:solidFill>
+                <a:latin typeface="+mn-lt"/>
+                <a:ea typeface="+mn-ea"/>
+                <a:cs typeface="+mn-cs"/>
+              </a:rPr>
+              <a:t>int</a:t>
+            </a:r>
+            <a:r>
+              <a:rPr lang="en-US" sz="1200" b="1" kern="1200" dirty="0">
+                <a:solidFill>
+                  <a:schemeClr val="tx1"/>
+                </a:solidFill>
+                <a:latin typeface="+mn-lt"/>
+                <a:ea typeface="+mn-ea"/>
+                <a:cs typeface="+mn-cs"/>
+              </a:rPr>
+              <a:t> </a:t>
+            </a:r>
+            <a:r>
+              <a:rPr lang="en-US" sz="1200" b="1" kern="1200" dirty="0" err="1">
+                <a:solidFill>
+                  <a:schemeClr val="tx1"/>
+                </a:solidFill>
+                <a:latin typeface="+mn-lt"/>
+                <a:ea typeface="+mn-ea"/>
+                <a:cs typeface="+mn-cs"/>
+              </a:rPr>
+              <a:t>dy</a:t>
+            </a:r>
+            <a:r>
+              <a:rPr lang="en-US" sz="1200" b="1" kern="1200" dirty="0">
+                <a:solidFill>
+                  <a:schemeClr val="tx1"/>
+                </a:solidFill>
+                <a:latin typeface="+mn-lt"/>
+                <a:ea typeface="+mn-ea"/>
+                <a:cs typeface="+mn-cs"/>
+              </a:rPr>
+              <a:t>, </a:t>
+            </a:r>
+            <a:r>
+              <a:rPr lang="en-US" sz="1200" b="1" kern="1200" dirty="0" err="1">
+                <a:solidFill>
+                  <a:schemeClr val="tx1"/>
+                </a:solidFill>
+                <a:latin typeface="+mn-lt"/>
+                <a:ea typeface="+mn-ea"/>
+                <a:cs typeface="+mn-cs"/>
+              </a:rPr>
+              <a:t>ChessPiece</a:t>
+            </a:r>
+            <a:r>
+              <a:rPr lang="en-US" sz="1200" b="1" kern="1200" dirty="0">
+                <a:solidFill>
+                  <a:schemeClr val="tx1"/>
+                </a:solidFill>
+                <a:latin typeface="+mn-lt"/>
+                <a:ea typeface="+mn-ea"/>
+                <a:cs typeface="+mn-cs"/>
+              </a:rPr>
+              <a:t> piece) {</a:t>
+            </a:r>
+          </a:p>
+          <a:p>
+            <a:r>
+              <a:rPr lang="en-US" sz="1200" b="1" kern="1200" dirty="0">
+                <a:solidFill>
+                  <a:schemeClr val="tx1"/>
+                </a:solidFill>
+                <a:latin typeface="+mn-lt"/>
+                <a:ea typeface="+mn-ea"/>
+                <a:cs typeface="+mn-cs"/>
+              </a:rPr>
+              <a:t>if (</a:t>
+            </a:r>
+            <a:r>
+              <a:rPr lang="en-US" sz="1200" b="1" kern="1200" dirty="0" err="1">
+                <a:solidFill>
+                  <a:schemeClr val="tx1"/>
+                </a:solidFill>
+                <a:latin typeface="+mn-lt"/>
+                <a:ea typeface="+mn-ea"/>
+                <a:cs typeface="+mn-cs"/>
+              </a:rPr>
+              <a:t>this.isWhite</a:t>
+            </a:r>
+            <a:r>
+              <a:rPr lang="en-US" sz="1200" b="1" kern="1200" dirty="0">
+                <a:solidFill>
+                  <a:schemeClr val="tx1"/>
+                </a:solidFill>
+                <a:latin typeface="+mn-lt"/>
+                <a:ea typeface="+mn-ea"/>
+                <a:cs typeface="+mn-cs"/>
+              </a:rPr>
+              <a:t>() == </a:t>
+            </a:r>
+            <a:r>
+              <a:rPr lang="en-US" sz="1200" b="1" kern="1200" dirty="0" err="1">
+                <a:solidFill>
+                  <a:schemeClr val="tx1"/>
+                </a:solidFill>
+                <a:latin typeface="+mn-lt"/>
+                <a:ea typeface="+mn-ea"/>
+                <a:cs typeface="+mn-cs"/>
+              </a:rPr>
+              <a:t>piece.isWhite</a:t>
+            </a:r>
+            <a:r>
+              <a:rPr lang="en-US" sz="1200" b="1" kern="1200" dirty="0">
+                <a:solidFill>
+                  <a:schemeClr val="tx1"/>
+                </a:solidFill>
+                <a:latin typeface="+mn-lt"/>
+                <a:ea typeface="+mn-ea"/>
+                <a:cs typeface="+mn-cs"/>
+              </a:rPr>
+              <a:t>()) {</a:t>
+            </a:r>
+          </a:p>
+          <a:p>
+            <a:r>
+              <a:rPr lang="en-US" sz="1200" b="1" kern="1200" dirty="0">
+                <a:solidFill>
+                  <a:schemeClr val="tx1"/>
+                </a:solidFill>
+                <a:latin typeface="+mn-lt"/>
+                <a:ea typeface="+mn-ea"/>
+                <a:cs typeface="+mn-cs"/>
+              </a:rPr>
+              <a:t>return false;</a:t>
+            </a:r>
+          </a:p>
+          <a:p>
+            <a:r>
+              <a:rPr lang="en-US" sz="1200" kern="1200" dirty="0">
+                <a:solidFill>
+                  <a:schemeClr val="tx1"/>
+                </a:solidFill>
+                <a:latin typeface="+mn-lt"/>
+                <a:ea typeface="+mn-ea"/>
+                <a:cs typeface="+mn-cs"/>
+              </a:rPr>
+              <a:t>}</a:t>
+            </a:r>
+          </a:p>
+          <a:p>
+            <a:r>
+              <a:rPr lang="en-US" sz="1200" b="1" kern="1200" dirty="0">
+                <a:solidFill>
+                  <a:schemeClr val="tx1"/>
+                </a:solidFill>
+                <a:latin typeface="+mn-lt"/>
+                <a:ea typeface="+mn-ea"/>
+                <a:cs typeface="+mn-cs"/>
+              </a:rPr>
+              <a:t>if (!</a:t>
+            </a:r>
+            <a:r>
+              <a:rPr lang="en-US" sz="1200" b="1" kern="1200" dirty="0" err="1">
+                <a:solidFill>
+                  <a:schemeClr val="tx1"/>
+                </a:solidFill>
+                <a:latin typeface="+mn-lt"/>
+                <a:ea typeface="+mn-ea"/>
+                <a:cs typeface="+mn-cs"/>
+              </a:rPr>
+              <a:t>movedCorrectDirection</a:t>
+            </a:r>
+            <a:r>
+              <a:rPr lang="en-US" sz="1200" b="1" kern="1200" dirty="0">
+                <a:solidFill>
+                  <a:schemeClr val="tx1"/>
+                </a:solidFill>
+                <a:latin typeface="+mn-lt"/>
+                <a:ea typeface="+mn-ea"/>
+                <a:cs typeface="+mn-cs"/>
+              </a:rPr>
+              <a:t>(</a:t>
+            </a:r>
+            <a:r>
+              <a:rPr lang="en-US" sz="1200" b="1" kern="1200" dirty="0" err="1">
+                <a:solidFill>
+                  <a:schemeClr val="tx1"/>
+                </a:solidFill>
+                <a:latin typeface="+mn-lt"/>
+                <a:ea typeface="+mn-ea"/>
+                <a:cs typeface="+mn-cs"/>
+              </a:rPr>
+              <a:t>dy</a:t>
+            </a:r>
+            <a:r>
+              <a:rPr lang="en-US" sz="1200" b="1" kern="1200" dirty="0">
+                <a:solidFill>
+                  <a:schemeClr val="tx1"/>
+                </a:solidFill>
+                <a:latin typeface="+mn-lt"/>
+                <a:ea typeface="+mn-ea"/>
+                <a:cs typeface="+mn-cs"/>
+              </a:rPr>
+              <a:t>)) {</a:t>
+            </a:r>
+          </a:p>
+          <a:p>
+            <a:r>
+              <a:rPr lang="en-US" sz="1200" b="1" kern="1200" dirty="0">
+                <a:solidFill>
+                  <a:schemeClr val="tx1"/>
+                </a:solidFill>
+                <a:latin typeface="+mn-lt"/>
+                <a:ea typeface="+mn-ea"/>
+                <a:cs typeface="+mn-cs"/>
+              </a:rPr>
+              <a:t>return false;</a:t>
+            </a:r>
+          </a:p>
+          <a:p>
+            <a:r>
+              <a:rPr lang="en-US" sz="1200" kern="1200" dirty="0">
+                <a:solidFill>
+                  <a:schemeClr val="tx1"/>
+                </a:solidFill>
+                <a:latin typeface="+mn-lt"/>
+                <a:ea typeface="+mn-ea"/>
+                <a:cs typeface="+mn-cs"/>
+              </a:rPr>
+              <a:t>}</a:t>
+            </a:r>
+          </a:p>
+          <a:p>
+            <a:r>
+              <a:rPr lang="en-US" sz="1200" kern="1200" dirty="0">
+                <a:solidFill>
+                  <a:schemeClr val="tx1"/>
+                </a:solidFill>
+                <a:latin typeface="+mn-lt"/>
+                <a:ea typeface="+mn-ea"/>
+                <a:cs typeface="+mn-cs"/>
+              </a:rPr>
+              <a:t>dx = </a:t>
+            </a:r>
+            <a:r>
+              <a:rPr lang="en-US" sz="1200" kern="1200" dirty="0" err="1">
+                <a:solidFill>
+                  <a:schemeClr val="tx1"/>
+                </a:solidFill>
+                <a:latin typeface="+mn-lt"/>
+                <a:ea typeface="+mn-ea"/>
+                <a:cs typeface="+mn-cs"/>
+              </a:rPr>
+              <a:t>Math.abs</a:t>
+            </a:r>
+            <a:r>
+              <a:rPr lang="en-US" sz="1200" kern="1200" dirty="0">
+                <a:solidFill>
+                  <a:schemeClr val="tx1"/>
+                </a:solidFill>
+                <a:latin typeface="+mn-lt"/>
+                <a:ea typeface="+mn-ea"/>
+                <a:cs typeface="+mn-cs"/>
+              </a:rPr>
+              <a:t>(dx);</a:t>
+            </a:r>
+          </a:p>
+          <a:p>
+            <a:r>
+              <a:rPr lang="en-US" sz="1200" kern="1200" dirty="0" err="1">
+                <a:solidFill>
+                  <a:schemeClr val="tx1"/>
+                </a:solidFill>
+                <a:latin typeface="+mn-lt"/>
+                <a:ea typeface="+mn-ea"/>
+                <a:cs typeface="+mn-cs"/>
+              </a:rPr>
+              <a:t>dy</a:t>
+            </a:r>
+            <a:r>
+              <a:rPr lang="en-US" sz="1200" kern="1200" dirty="0">
+                <a:solidFill>
+                  <a:schemeClr val="tx1"/>
+                </a:solidFill>
+                <a:latin typeface="+mn-lt"/>
+                <a:ea typeface="+mn-ea"/>
+                <a:cs typeface="+mn-cs"/>
+              </a:rPr>
+              <a:t> = </a:t>
+            </a:r>
+            <a:r>
+              <a:rPr lang="en-US" sz="1200" kern="1200" dirty="0" err="1">
+                <a:solidFill>
+                  <a:schemeClr val="tx1"/>
+                </a:solidFill>
+                <a:latin typeface="+mn-lt"/>
+                <a:ea typeface="+mn-ea"/>
+                <a:cs typeface="+mn-cs"/>
+              </a:rPr>
+              <a:t>Math.abs</a:t>
+            </a:r>
+            <a:r>
+              <a:rPr lang="en-US" sz="1200" kern="1200" dirty="0">
+                <a:solidFill>
+                  <a:schemeClr val="tx1"/>
+                </a:solidFill>
+                <a:latin typeface="+mn-lt"/>
+                <a:ea typeface="+mn-ea"/>
+                <a:cs typeface="+mn-cs"/>
+              </a:rPr>
+              <a:t>(</a:t>
+            </a:r>
+            <a:r>
+              <a:rPr lang="en-US" sz="1200" kern="1200" dirty="0" err="1">
+                <a:solidFill>
+                  <a:schemeClr val="tx1"/>
+                </a:solidFill>
+                <a:latin typeface="+mn-lt"/>
+                <a:ea typeface="+mn-ea"/>
+                <a:cs typeface="+mn-cs"/>
+              </a:rPr>
+              <a:t>dy</a:t>
+            </a:r>
+            <a:r>
+              <a:rPr lang="en-US" sz="1200" kern="1200" dirty="0">
+                <a:solidFill>
+                  <a:schemeClr val="tx1"/>
+                </a:solidFill>
+                <a:latin typeface="+mn-lt"/>
+                <a:ea typeface="+mn-ea"/>
+                <a:cs typeface="+mn-cs"/>
+              </a:rPr>
+              <a:t>);</a:t>
+            </a:r>
+          </a:p>
+          <a:p>
+            <a:r>
+              <a:rPr lang="en-US" sz="1200" b="1" kern="1200" dirty="0">
+                <a:solidFill>
+                  <a:schemeClr val="tx1"/>
+                </a:solidFill>
+                <a:latin typeface="+mn-lt"/>
+                <a:ea typeface="+mn-ea"/>
+                <a:cs typeface="+mn-cs"/>
+              </a:rPr>
+              <a:t>return dx == 1 &amp;&amp; </a:t>
+            </a:r>
+            <a:r>
+              <a:rPr lang="en-US" sz="1200" b="1" kern="1200" dirty="0" err="1">
+                <a:solidFill>
+                  <a:schemeClr val="tx1"/>
+                </a:solidFill>
+                <a:latin typeface="+mn-lt"/>
+                <a:ea typeface="+mn-ea"/>
+                <a:cs typeface="+mn-cs"/>
+              </a:rPr>
+              <a:t>dy</a:t>
+            </a:r>
+            <a:r>
+              <a:rPr lang="en-US" sz="1200" b="1" kern="1200" dirty="0">
+                <a:solidFill>
+                  <a:schemeClr val="tx1"/>
+                </a:solidFill>
+                <a:latin typeface="+mn-lt"/>
+                <a:ea typeface="+mn-ea"/>
+                <a:cs typeface="+mn-cs"/>
+              </a:rPr>
+              <a:t> == 1;</a:t>
+            </a:r>
+          </a:p>
+          <a:p>
+            <a:r>
+              <a:rPr lang="en-US" sz="1200" kern="1200" dirty="0">
+                <a:solidFill>
+                  <a:schemeClr val="tx1"/>
+                </a:solidFill>
+                <a:latin typeface="+mn-lt"/>
+                <a:ea typeface="+mn-ea"/>
+                <a:cs typeface="+mn-cs"/>
+              </a:rPr>
+              <a:t>}</a:t>
+            </a:r>
+            <a:endParaRPr lang="en-US" dirty="0"/>
+          </a:p>
+        </p:txBody>
+      </p:sp>
+      <p:sp>
+        <p:nvSpPr>
+          <p:cNvPr id="4" name="Slide Number Placeholder 3"/>
+          <p:cNvSpPr>
+            <a:spLocks noGrp="1"/>
+          </p:cNvSpPr>
+          <p:nvPr>
+            <p:ph type="sldNum" sz="quarter" idx="10"/>
+          </p:nvPr>
+        </p:nvSpPr>
+        <p:spPr/>
+        <p:txBody>
+          <a:bodyPr/>
+          <a:lstStyle/>
+          <a:p>
+            <a:pPr>
+              <a:defRPr/>
+            </a:pPr>
+            <a:fld id="{3A187583-0EC9-4694-9EAD-0DA64A27677E}" type="slidenum">
+              <a:rPr lang="en-US" smtClean="0"/>
+              <a:pPr>
+                <a:defRPr/>
+              </a:pPr>
+              <a:t>21</a:t>
+            </a:fld>
+            <a:endParaRPr lang="en-US"/>
+          </a:p>
+        </p:txBody>
+      </p:sp>
+    </p:spTree>
+    <p:extLst>
+      <p:ext uri="{BB962C8B-B14F-4D97-AF65-F5344CB8AC3E}">
+        <p14:creationId xmlns:p14="http://schemas.microsoft.com/office/powerpoint/2010/main" val="4079852235"/>
+      </p:ext>
+    </p:extLst>
+  </p:cSld>
+  <p:clrMapOvr>
+    <a:masterClrMapping/>
+  </p:clrMapOvr>
+</p:notes>
+</file>
+
+<file path=ppt/notesSlides/notesSlide21.xml><?xml version="1.0" encoding="utf-8"?>
+<p:notes xmlns:a="http://schemas.openxmlformats.org/drawingml/2006/main" xmlns:r="http://schemas.openxmlformats.org/officeDocument/2006/relationships" xmlns:p="http://schemas.openxmlformats.org/presentationml/2006/main">
+  <p:cSld>
+    <p:spTree>
+      <p:nvGrpSpPr>
+        <p:cNvPr id="1" name=""/>
+        <p:cNvGrpSpPr/>
+        <p:nvPr/>
+      </p:nvGrpSpPr>
+      <p:grpSpPr>
+        <a:xfrm>
+          <a:off x="0" y="0"/>
+          <a:ext cx="0" cy="0"/>
+          <a:chOff x="0" y="0"/>
+          <a:chExt cx="0" cy="0"/>
+        </a:xfrm>
+      </p:grpSpPr>
+      <p:sp>
+        <p:nvSpPr>
+          <p:cNvPr id="2" name="Slide Image Placeholder 1"/>
+          <p:cNvSpPr>
+            <a:spLocks noGrp="1" noRot="1" noChangeAspect="1"/>
+          </p:cNvSpPr>
+          <p:nvPr>
+            <p:ph type="sldImg"/>
+          </p:nvPr>
+        </p:nvSpPr>
+        <p:spPr/>
+      </p:sp>
+      <p:sp>
+        <p:nvSpPr>
+          <p:cNvPr id="3" name="Notes Placeholder 2"/>
+          <p:cNvSpPr>
+            <a:spLocks noGrp="1"/>
+          </p:cNvSpPr>
+          <p:nvPr>
+            <p:ph type="body" idx="1"/>
+          </p:nvPr>
+        </p:nvSpPr>
+        <p:spPr/>
+        <p:txBody>
+          <a:bodyPr>
+            <a:normAutofit/>
+          </a:bodyPr>
+          <a:lstStyle/>
+          <a:p>
+            <a:endParaRPr lang="en-US" dirty="0"/>
+          </a:p>
+        </p:txBody>
+      </p:sp>
+      <p:sp>
+        <p:nvSpPr>
+          <p:cNvPr id="4" name="Slide Number Placeholder 3"/>
+          <p:cNvSpPr>
+            <a:spLocks noGrp="1"/>
+          </p:cNvSpPr>
+          <p:nvPr>
+            <p:ph type="sldNum" sz="quarter" idx="10"/>
+          </p:nvPr>
+        </p:nvSpPr>
+        <p:spPr/>
+        <p:txBody>
+          <a:bodyPr/>
+          <a:lstStyle/>
+          <a:p>
+            <a:pPr>
+              <a:defRPr/>
+            </a:pPr>
+            <a:fld id="{3A187583-0EC9-4694-9EAD-0DA64A27677E}" type="slidenum">
+              <a:rPr lang="en-US" smtClean="0"/>
+              <a:pPr>
+                <a:defRPr/>
+              </a:pPr>
+              <a:t>22</a:t>
+            </a:fld>
+            <a:endParaRPr lang="en-US"/>
+          </a:p>
+        </p:txBody>
+      </p:sp>
+    </p:spTree>
+    <p:extLst>
+      <p:ext uri="{BB962C8B-B14F-4D97-AF65-F5344CB8AC3E}">
+        <p14:creationId xmlns:p14="http://schemas.microsoft.com/office/powerpoint/2010/main" val="254997008"/>
       </p:ext>
     </p:extLst>
   </p:cSld>
@@ -3275,12 +3502,12 @@
           <a:lstStyle/>
           <a:p>
             <a:r>
-              <a:rPr lang="en-US" dirty="0"/>
+              <a:rPr lang="en-US"/>
               <a:t>Add a main method:</a:t>
             </a:r>
           </a:p>
           <a:p>
-            <a:endParaRPr lang="en-US" sz="1200" b="1" kern="1200" dirty="0">
+            <a:endParaRPr lang="en-US" sz="1200" b="1" kern="1200">
               <a:solidFill>
                 <a:schemeClr val="tx1"/>
               </a:solidFill>
@@ -3291,7 +3518,7 @@
           </a:p>
           <a:p>
             <a:r>
-              <a:rPr lang="en-US" sz="1200" b="1" kern="1200" dirty="0">
+              <a:rPr lang="en-US" sz="1200" b="1" kern="1200">
                 <a:solidFill>
                   <a:schemeClr val="tx1"/>
                 </a:solidFill>
@@ -3302,7 +3529,7 @@
               <a:t>public static void main(String[] </a:t>
             </a:r>
             <a:r>
-              <a:rPr lang="en-US" sz="1200" b="1" kern="1200" dirty="0" err="1">
+              <a:rPr lang="en-US" sz="1200" b="1" kern="1200" err="1">
                 <a:solidFill>
                   <a:schemeClr val="tx1"/>
                 </a:solidFill>
@@ -3313,7 +3540,7 @@
               <a:t>args</a:t>
             </a:r>
             <a:r>
-              <a:rPr lang="en-US" sz="1200" b="1" kern="1200" dirty="0">
+              <a:rPr lang="en-US" sz="1200" b="1" kern="1200">
                 <a:solidFill>
                   <a:schemeClr val="tx1"/>
                 </a:solidFill>
@@ -3326,7 +3553,7 @@
           </a:p>
           <a:p>
             <a:r>
-              <a:rPr lang="en-US" sz="1200" kern="1200" dirty="0" err="1">
+              <a:rPr lang="en-US" sz="1200" kern="1200" err="1">
                 <a:solidFill>
                   <a:schemeClr val="tx1"/>
                 </a:solidFill>
@@ -3337,7 +3564,7 @@
               <a:t>SavingsAccount</a:t>
             </a:r>
             <a:r>
-              <a:rPr lang="en-US" sz="1200" kern="1200" dirty="0">
+              <a:rPr lang="en-US" sz="1200" kern="1200">
                 <a:solidFill>
                   <a:schemeClr val="tx1"/>
                 </a:solidFill>
@@ -3348,7 +3575,7 @@
               <a:t> </a:t>
             </a:r>
             <a:r>
-              <a:rPr lang="en-US" sz="1200" kern="1200" dirty="0" err="1">
+              <a:rPr lang="en-US" sz="1200" kern="1200" err="1">
                 <a:solidFill>
                   <a:schemeClr val="tx1"/>
                 </a:solidFill>
@@ -3359,7 +3586,7 @@
               <a:t>sa</a:t>
             </a:r>
             <a:r>
-              <a:rPr lang="en-US" sz="1200" kern="1200" dirty="0">
+              <a:rPr lang="en-US" sz="1200" kern="1200">
                 <a:solidFill>
                   <a:schemeClr val="tx1"/>
                 </a:solidFill>
@@ -3370,7 +3597,7 @@
               <a:t> = </a:t>
             </a:r>
             <a:r>
-              <a:rPr lang="en-US" sz="1200" b="1" kern="1200" dirty="0">
+              <a:rPr lang="en-US" sz="1200" b="1" kern="1200">
                 <a:solidFill>
                   <a:schemeClr val="tx1"/>
                 </a:solidFill>
@@ -3381,7 +3608,7 @@
               <a:t>new </a:t>
             </a:r>
             <a:r>
-              <a:rPr lang="en-US" sz="1200" b="1" kern="1200" dirty="0" err="1">
+              <a:rPr lang="en-US" sz="1200" b="1" kern="1200" err="1">
                 <a:solidFill>
                   <a:schemeClr val="tx1"/>
                 </a:solidFill>
@@ -3392,7 +3619,7 @@
               <a:t>SavingsAccount</a:t>
             </a:r>
             <a:r>
-              <a:rPr lang="en-US" sz="1200" b="1" kern="1200" dirty="0">
+              <a:rPr lang="en-US" sz="1200" b="1" kern="1200">
                 <a:solidFill>
                   <a:schemeClr val="tx1"/>
                 </a:solidFill>
@@ -3405,7 +3632,7 @@
           </a:p>
           <a:p>
             <a:r>
-              <a:rPr lang="en-US" sz="1200" kern="1200" dirty="0" err="1">
+              <a:rPr lang="en-US" sz="1200" kern="1200" err="1">
                 <a:solidFill>
                   <a:schemeClr val="tx1"/>
                 </a:solidFill>
@@ -3416,7 +3643,7 @@
               <a:t>sa.deposit</a:t>
             </a:r>
             <a:r>
-              <a:rPr lang="en-US" sz="1200" kern="1200" dirty="0">
+              <a:rPr lang="en-US" sz="1200" kern="1200">
                 <a:solidFill>
                   <a:schemeClr val="tx1"/>
                 </a:solidFill>
@@ -3429,7 +3656,7 @@
           </a:p>
           <a:p>
             <a:r>
-              <a:rPr lang="en-US" sz="1200" kern="1200" dirty="0" err="1">
+              <a:rPr lang="en-US" sz="1200" kern="1200" err="1">
                 <a:solidFill>
                   <a:schemeClr val="tx1"/>
                 </a:solidFill>
@@ -3440,7 +3667,7 @@
               <a:t>System.</a:t>
             </a:r>
             <a:r>
-              <a:rPr lang="en-US" sz="1200" b="1" i="1" kern="1200" dirty="0" err="1">
+              <a:rPr lang="en-US" sz="1200" b="1" i="1" kern="1200" err="1">
                 <a:solidFill>
                   <a:schemeClr val="tx1"/>
                 </a:solidFill>
@@ -3451,7 +3678,7 @@
               <a:t>out.println</a:t>
             </a:r>
             <a:r>
-              <a:rPr lang="en-US" sz="1200" b="1" i="1" kern="1200" dirty="0">
+              <a:rPr lang="en-US" sz="1200" b="1" i="1" kern="1200">
                 <a:solidFill>
                   <a:schemeClr val="tx1"/>
                 </a:solidFill>
@@ -3462,7 +3689,7 @@
               <a:t>(</a:t>
             </a:r>
             <a:r>
-              <a:rPr lang="en-US" sz="1200" b="1" i="1" kern="1200" dirty="0" err="1">
+              <a:rPr lang="en-US" sz="1200" b="1" i="1" kern="1200" err="1">
                 <a:solidFill>
                   <a:schemeClr val="tx1"/>
                 </a:solidFill>
@@ -3473,7 +3700,7 @@
               <a:t>sa.getBalance</a:t>
             </a:r>
             <a:r>
-              <a:rPr lang="en-US" sz="1200" b="1" i="1" kern="1200" dirty="0">
+              <a:rPr lang="en-US" sz="1200" b="1" i="1" kern="1200">
                 <a:solidFill>
                   <a:schemeClr val="tx1"/>
                 </a:solidFill>
@@ -3486,7 +3713,7 @@
           </a:p>
           <a:p>
             <a:r>
-              <a:rPr lang="en-US" sz="1200" kern="1200" dirty="0" err="1">
+              <a:rPr lang="en-US" sz="1200" kern="1200" err="1">
                 <a:solidFill>
                   <a:schemeClr val="tx1"/>
                 </a:solidFill>
@@ -3497,7 +3724,7 @@
               <a:t>sa.addInterest</a:t>
             </a:r>
             <a:r>
-              <a:rPr lang="en-US" sz="1200" kern="1200" dirty="0">
+              <a:rPr lang="en-US" sz="1200" kern="1200">
                 <a:solidFill>
                   <a:schemeClr val="tx1"/>
                 </a:solidFill>
@@ -3510,7 +3737,7 @@
           </a:p>
           <a:p>
             <a:r>
-              <a:rPr lang="en-US" sz="1200" kern="1200" dirty="0" err="1">
+              <a:rPr lang="en-US" sz="1200" kern="1200" err="1">
                 <a:solidFill>
                   <a:schemeClr val="tx1"/>
                 </a:solidFill>
@@ -3521,7 +3748,7 @@
               <a:t>System.</a:t>
             </a:r>
             <a:r>
-              <a:rPr lang="en-US" sz="1200" b="1" i="1" kern="1200" dirty="0" err="1">
+              <a:rPr lang="en-US" sz="1200" b="1" i="1" kern="1200" err="1">
                 <a:solidFill>
                   <a:schemeClr val="tx1"/>
                 </a:solidFill>
@@ -3532,7 +3759,7 @@
               <a:t>out.println</a:t>
             </a:r>
             <a:r>
-              <a:rPr lang="en-US" sz="1200" b="1" i="1" kern="1200" dirty="0">
+              <a:rPr lang="en-US" sz="1200" b="1" i="1" kern="1200">
                 <a:solidFill>
                   <a:schemeClr val="tx1"/>
                 </a:solidFill>
@@ -3543,7 +3770,7 @@
               <a:t>(</a:t>
             </a:r>
             <a:r>
-              <a:rPr lang="en-US" sz="1200" b="1" i="1" kern="1200" dirty="0" err="1">
+              <a:rPr lang="en-US" sz="1200" b="1" i="1" kern="1200" err="1">
                 <a:solidFill>
                   <a:schemeClr val="tx1"/>
                 </a:solidFill>
@@ -3554,7 +3781,7 @@
               <a:t>sa.getBalance</a:t>
             </a:r>
             <a:r>
-              <a:rPr lang="en-US" sz="1200" b="1" i="1" kern="1200" dirty="0">
+              <a:rPr lang="en-US" sz="1200" b="1" i="1" kern="1200">
                 <a:solidFill>
                   <a:schemeClr val="tx1"/>
                 </a:solidFill>
@@ -3567,7 +3794,7 @@
           </a:p>
           <a:p>
             <a:r>
-              <a:rPr lang="en-US" sz="1200" kern="1200" dirty="0">
+              <a:rPr lang="en-US" sz="1200" kern="1200">
                 <a:solidFill>
                   <a:schemeClr val="tx1"/>
                 </a:solidFill>
@@ -3579,7 +3806,7 @@
             </a:r>
           </a:p>
           <a:p>
-            <a:endParaRPr lang="en-US" sz="1200" kern="1200" dirty="0">
+            <a:endParaRPr lang="en-US" sz="1200" kern="1200">
               <a:solidFill>
                 <a:schemeClr val="tx1"/>
               </a:solidFill>
@@ -3590,7 +3817,7 @@
           </a:p>
           <a:p>
             <a:r>
-              <a:rPr lang="en-US" sz="1200" kern="1200" dirty="0">
+              <a:rPr lang="en-US" sz="1200" kern="1200">
                 <a:solidFill>
                   <a:schemeClr val="tx1"/>
                 </a:solidFill>
@@ -3601,7 +3828,7 @@
               <a:t>Ask</a:t>
             </a:r>
             <a:r>
-              <a:rPr lang="en-US" sz="1200" kern="1200" baseline="0" dirty="0">
+              <a:rPr lang="en-US" sz="1200" kern="1200" baseline="0">
                 <a:solidFill>
                   <a:schemeClr val="tx1"/>
                 </a:solidFill>
@@ -3612,7 +3839,7 @@
               <a:t> students, “H</a:t>
             </a:r>
             <a:r>
-              <a:rPr lang="en-US" sz="1200" kern="1200" dirty="0">
+              <a:rPr lang="en-US" sz="1200" kern="1200">
                 <a:solidFill>
                   <a:schemeClr val="tx1"/>
                 </a:solidFill>
@@ -3623,7 +3850,7 @@
               <a:t>ow does </a:t>
             </a:r>
             <a:r>
-              <a:rPr lang="en-US" sz="1200" b="1" kern="1200" dirty="0" err="1">
+              <a:rPr lang="en-US" sz="1200" b="1" kern="1200" err="1">
                 <a:solidFill>
                   <a:schemeClr val="tx1"/>
                 </a:solidFill>
@@ -3634,7 +3861,7 @@
               <a:t>sa</a:t>
             </a:r>
             <a:r>
-              <a:rPr lang="en-US" sz="1200" kern="1200" dirty="0">
+              <a:rPr lang="en-US" sz="1200" kern="1200">
                 <a:solidFill>
                   <a:schemeClr val="tx1"/>
                 </a:solidFill>
@@ -3645,7 +3872,7 @@
               <a:t> know its starting</a:t>
             </a:r>
             <a:r>
-              <a:rPr lang="en-US" sz="1200" kern="1200" baseline="0" dirty="0">
+              <a:rPr lang="en-US" sz="1200" kern="1200" baseline="0">
                 <a:solidFill>
                   <a:schemeClr val="tx1"/>
                 </a:solidFill>
@@ -3655,10 +3882,10 @@
               </a:rPr>
               <a:t> balance?”</a:t>
             </a:r>
-            <a:endParaRPr lang="en-US" dirty="0"/>
-          </a:p>
-          <a:p>
-            <a:endParaRPr lang="en-US" dirty="0"/>
+            <a:endParaRPr lang="en-US"/>
+          </a:p>
+          <a:p>
+            <a:endParaRPr lang="en-US"/>
           </a:p>
         </p:txBody>
       </p:sp>
@@ -3749,21 +3976,389 @@
           <a:lstStyle/>
           <a:p>
             <a:r>
-              <a:rPr lang="en-US" dirty="0"/>
-              <a:t>We will implement </a:t>
-            </a:r>
-            <a:r>
-              <a:rPr lang="en-US" dirty="0" err="1"/>
-              <a:t>CheckingAccount</a:t>
-            </a:r>
-            <a:r>
-              <a:rPr lang="en-US" baseline="0" dirty="0"/>
-              <a:t> in a </a:t>
-            </a:r>
-            <a:r>
-              <a:rPr lang="en-US" baseline="0"/>
-              <a:t>little while.</a:t>
-            </a:r>
+              <a:rPr lang="en-US"/>
+              <a:t>Add a main method:</a:t>
+            </a:r>
+          </a:p>
+          <a:p>
+            <a:endParaRPr lang="en-US" sz="1200" b="1" kern="1200">
+              <a:solidFill>
+                <a:schemeClr val="tx1"/>
+              </a:solidFill>
+              <a:latin typeface="+mn-lt"/>
+              <a:ea typeface="+mn-ea"/>
+              <a:cs typeface="+mn-cs"/>
+            </a:endParaRPr>
+          </a:p>
+          <a:p>
+            <a:r>
+              <a:rPr lang="en-US" sz="1200" b="1" kern="1200">
+                <a:solidFill>
+                  <a:schemeClr val="tx1"/>
+                </a:solidFill>
+                <a:latin typeface="+mn-lt"/>
+                <a:ea typeface="+mn-ea"/>
+                <a:cs typeface="+mn-cs"/>
+              </a:rPr>
+              <a:t>public static void main(String[] </a:t>
+            </a:r>
+            <a:r>
+              <a:rPr lang="en-US" sz="1200" b="1" kern="1200" err="1">
+                <a:solidFill>
+                  <a:schemeClr val="tx1"/>
+                </a:solidFill>
+                <a:latin typeface="+mn-lt"/>
+                <a:ea typeface="+mn-ea"/>
+                <a:cs typeface="+mn-cs"/>
+              </a:rPr>
+              <a:t>args</a:t>
+            </a:r>
+            <a:r>
+              <a:rPr lang="en-US" sz="1200" b="1" kern="1200">
+                <a:solidFill>
+                  <a:schemeClr val="tx1"/>
+                </a:solidFill>
+                <a:latin typeface="+mn-lt"/>
+                <a:ea typeface="+mn-ea"/>
+                <a:cs typeface="+mn-cs"/>
+              </a:rPr>
+              <a:t>) {</a:t>
+            </a:r>
+          </a:p>
+          <a:p>
+            <a:r>
+              <a:rPr lang="en-US" sz="1200" kern="1200" err="1">
+                <a:solidFill>
+                  <a:schemeClr val="tx1"/>
+                </a:solidFill>
+                <a:latin typeface="+mn-lt"/>
+                <a:ea typeface="+mn-ea"/>
+                <a:cs typeface="+mn-cs"/>
+              </a:rPr>
+              <a:t>SavingsAccount</a:t>
+            </a:r>
+            <a:r>
+              <a:rPr lang="en-US" sz="1200" kern="1200">
+                <a:solidFill>
+                  <a:schemeClr val="tx1"/>
+                </a:solidFill>
+                <a:latin typeface="+mn-lt"/>
+                <a:ea typeface="+mn-ea"/>
+                <a:cs typeface="+mn-cs"/>
+              </a:rPr>
+              <a:t> </a:t>
+            </a:r>
+            <a:r>
+              <a:rPr lang="en-US" sz="1200" kern="1200" err="1">
+                <a:solidFill>
+                  <a:schemeClr val="tx1"/>
+                </a:solidFill>
+                <a:latin typeface="+mn-lt"/>
+                <a:ea typeface="+mn-ea"/>
+                <a:cs typeface="+mn-cs"/>
+              </a:rPr>
+              <a:t>sa</a:t>
+            </a:r>
+            <a:r>
+              <a:rPr lang="en-US" sz="1200" kern="1200">
+                <a:solidFill>
+                  <a:schemeClr val="tx1"/>
+                </a:solidFill>
+                <a:latin typeface="+mn-lt"/>
+                <a:ea typeface="+mn-ea"/>
+                <a:cs typeface="+mn-cs"/>
+              </a:rPr>
+              <a:t> = </a:t>
+            </a:r>
+            <a:r>
+              <a:rPr lang="en-US" sz="1200" b="1" kern="1200">
+                <a:solidFill>
+                  <a:schemeClr val="tx1"/>
+                </a:solidFill>
+                <a:latin typeface="+mn-lt"/>
+                <a:ea typeface="+mn-ea"/>
+                <a:cs typeface="+mn-cs"/>
+              </a:rPr>
+              <a:t>new </a:t>
+            </a:r>
+            <a:r>
+              <a:rPr lang="en-US" sz="1200" b="1" kern="1200" err="1">
+                <a:solidFill>
+                  <a:schemeClr val="tx1"/>
+                </a:solidFill>
+                <a:latin typeface="+mn-lt"/>
+                <a:ea typeface="+mn-ea"/>
+                <a:cs typeface="+mn-cs"/>
+              </a:rPr>
+              <a:t>SavingsAccount</a:t>
+            </a:r>
+            <a:r>
+              <a:rPr lang="en-US" sz="1200" b="1" kern="1200">
+                <a:solidFill>
+                  <a:schemeClr val="tx1"/>
+                </a:solidFill>
+                <a:latin typeface="+mn-lt"/>
+                <a:ea typeface="+mn-ea"/>
+                <a:cs typeface="+mn-cs"/>
+              </a:rPr>
+              <a:t>(5);</a:t>
+            </a:r>
+          </a:p>
+          <a:p>
+            <a:r>
+              <a:rPr lang="en-US" sz="1200" kern="1200" err="1">
+                <a:solidFill>
+                  <a:schemeClr val="tx1"/>
+                </a:solidFill>
+                <a:latin typeface="+mn-lt"/>
+                <a:ea typeface="+mn-ea"/>
+                <a:cs typeface="+mn-cs"/>
+              </a:rPr>
+              <a:t>sa.deposit</a:t>
+            </a:r>
+            <a:r>
+              <a:rPr lang="en-US" sz="1200" kern="1200">
+                <a:solidFill>
+                  <a:schemeClr val="tx1"/>
+                </a:solidFill>
+                <a:latin typeface="+mn-lt"/>
+                <a:ea typeface="+mn-ea"/>
+                <a:cs typeface="+mn-cs"/>
+              </a:rPr>
+              <a:t>(100);</a:t>
+            </a:r>
+          </a:p>
+          <a:p>
+            <a:r>
+              <a:rPr lang="en-US" sz="1200" kern="1200" err="1">
+                <a:solidFill>
+                  <a:schemeClr val="tx1"/>
+                </a:solidFill>
+                <a:latin typeface="+mn-lt"/>
+                <a:ea typeface="+mn-ea"/>
+                <a:cs typeface="+mn-cs"/>
+              </a:rPr>
+              <a:t>System.</a:t>
+            </a:r>
+            <a:r>
+              <a:rPr lang="en-US" sz="1200" b="1" i="1" kern="1200" err="1">
+                <a:solidFill>
+                  <a:schemeClr val="tx1"/>
+                </a:solidFill>
+                <a:latin typeface="+mn-lt"/>
+                <a:ea typeface="+mn-ea"/>
+                <a:cs typeface="+mn-cs"/>
+              </a:rPr>
+              <a:t>out.println</a:t>
+            </a:r>
+            <a:r>
+              <a:rPr lang="en-US" sz="1200" b="1" i="1" kern="1200">
+                <a:solidFill>
+                  <a:schemeClr val="tx1"/>
+                </a:solidFill>
+                <a:latin typeface="+mn-lt"/>
+                <a:ea typeface="+mn-ea"/>
+                <a:cs typeface="+mn-cs"/>
+              </a:rPr>
+              <a:t>(</a:t>
+            </a:r>
+            <a:r>
+              <a:rPr lang="en-US" sz="1200" b="1" i="1" kern="1200" err="1">
+                <a:solidFill>
+                  <a:schemeClr val="tx1"/>
+                </a:solidFill>
+                <a:latin typeface="+mn-lt"/>
+                <a:ea typeface="+mn-ea"/>
+                <a:cs typeface="+mn-cs"/>
+              </a:rPr>
+              <a:t>sa.getBalance</a:t>
+            </a:r>
+            <a:r>
+              <a:rPr lang="en-US" sz="1200" b="1" i="1" kern="1200">
+                <a:solidFill>
+                  <a:schemeClr val="tx1"/>
+                </a:solidFill>
+                <a:latin typeface="+mn-lt"/>
+                <a:ea typeface="+mn-ea"/>
+                <a:cs typeface="+mn-cs"/>
+              </a:rPr>
+              <a:t>() );</a:t>
+            </a:r>
+          </a:p>
+          <a:p>
+            <a:r>
+              <a:rPr lang="en-US" sz="1200" kern="1200" err="1">
+                <a:solidFill>
+                  <a:schemeClr val="tx1"/>
+                </a:solidFill>
+                <a:latin typeface="+mn-lt"/>
+                <a:ea typeface="+mn-ea"/>
+                <a:cs typeface="+mn-cs"/>
+              </a:rPr>
+              <a:t>sa.addInterest</a:t>
+            </a:r>
+            <a:r>
+              <a:rPr lang="en-US" sz="1200" kern="1200">
+                <a:solidFill>
+                  <a:schemeClr val="tx1"/>
+                </a:solidFill>
+                <a:latin typeface="+mn-lt"/>
+                <a:ea typeface="+mn-ea"/>
+                <a:cs typeface="+mn-cs"/>
+              </a:rPr>
+              <a:t>();</a:t>
+            </a:r>
+          </a:p>
+          <a:p>
+            <a:r>
+              <a:rPr lang="en-US" sz="1200" kern="1200" err="1">
+                <a:solidFill>
+                  <a:schemeClr val="tx1"/>
+                </a:solidFill>
+                <a:latin typeface="+mn-lt"/>
+                <a:ea typeface="+mn-ea"/>
+                <a:cs typeface="+mn-cs"/>
+              </a:rPr>
+              <a:t>System.</a:t>
+            </a:r>
+            <a:r>
+              <a:rPr lang="en-US" sz="1200" b="1" i="1" kern="1200" err="1">
+                <a:solidFill>
+                  <a:schemeClr val="tx1"/>
+                </a:solidFill>
+                <a:latin typeface="+mn-lt"/>
+                <a:ea typeface="+mn-ea"/>
+                <a:cs typeface="+mn-cs"/>
+              </a:rPr>
+              <a:t>out.println</a:t>
+            </a:r>
+            <a:r>
+              <a:rPr lang="en-US" sz="1200" b="1" i="1" kern="1200">
+                <a:solidFill>
+                  <a:schemeClr val="tx1"/>
+                </a:solidFill>
+                <a:latin typeface="+mn-lt"/>
+                <a:ea typeface="+mn-ea"/>
+                <a:cs typeface="+mn-cs"/>
+              </a:rPr>
+              <a:t>(</a:t>
+            </a:r>
+            <a:r>
+              <a:rPr lang="en-US" sz="1200" b="1" i="1" kern="1200" err="1">
+                <a:solidFill>
+                  <a:schemeClr val="tx1"/>
+                </a:solidFill>
+                <a:latin typeface="+mn-lt"/>
+                <a:ea typeface="+mn-ea"/>
+                <a:cs typeface="+mn-cs"/>
+              </a:rPr>
+              <a:t>sa.getBalance</a:t>
+            </a:r>
+            <a:r>
+              <a:rPr lang="en-US" sz="1200" b="1" i="1" kern="1200">
+                <a:solidFill>
+                  <a:schemeClr val="tx1"/>
+                </a:solidFill>
+                <a:latin typeface="+mn-lt"/>
+                <a:ea typeface="+mn-ea"/>
+                <a:cs typeface="+mn-cs"/>
+              </a:rPr>
+              <a:t>() );</a:t>
+            </a:r>
+          </a:p>
+          <a:p>
+            <a:r>
+              <a:rPr lang="en-US" sz="1200" kern="1200">
+                <a:solidFill>
+                  <a:schemeClr val="tx1"/>
+                </a:solidFill>
+                <a:latin typeface="+mn-lt"/>
+                <a:ea typeface="+mn-ea"/>
+                <a:cs typeface="+mn-cs"/>
+              </a:rPr>
+              <a:t>}</a:t>
+            </a:r>
+          </a:p>
+          <a:p>
+            <a:endParaRPr lang="en-US" sz="1200" kern="1200">
+              <a:solidFill>
+                <a:schemeClr val="tx1"/>
+              </a:solidFill>
+              <a:latin typeface="+mn-lt"/>
+              <a:ea typeface="+mn-ea"/>
+              <a:cs typeface="+mn-cs"/>
+            </a:endParaRPr>
+          </a:p>
+          <a:p>
+            <a:r>
+              <a:rPr lang="en-US" sz="1200" kern="1200">
+                <a:solidFill>
+                  <a:schemeClr val="tx1"/>
+                </a:solidFill>
+                <a:latin typeface="+mn-lt"/>
+                <a:ea typeface="+mn-ea"/>
+                <a:cs typeface="+mn-cs"/>
+              </a:rPr>
+              <a:t>Ask</a:t>
+            </a:r>
+            <a:r>
+              <a:rPr lang="en-US" sz="1200" kern="1200" baseline="0">
+                <a:solidFill>
+                  <a:schemeClr val="tx1"/>
+                </a:solidFill>
+                <a:latin typeface="+mn-lt"/>
+                <a:ea typeface="+mn-ea"/>
+                <a:cs typeface="+mn-cs"/>
+              </a:rPr>
+              <a:t> students, “H</a:t>
+            </a:r>
+            <a:r>
+              <a:rPr lang="en-US" sz="1200" kern="1200">
+                <a:solidFill>
+                  <a:schemeClr val="tx1"/>
+                </a:solidFill>
+                <a:latin typeface="+mn-lt"/>
+                <a:ea typeface="+mn-ea"/>
+                <a:cs typeface="+mn-cs"/>
+              </a:rPr>
+              <a:t>ow does </a:t>
+            </a:r>
+            <a:r>
+              <a:rPr lang="en-US" sz="1200" b="1" kern="1200" err="1">
+                <a:solidFill>
+                  <a:schemeClr val="tx1"/>
+                </a:solidFill>
+                <a:latin typeface="+mn-lt"/>
+                <a:ea typeface="+mn-ea"/>
+                <a:cs typeface="+mn-cs"/>
+              </a:rPr>
+              <a:t>sa</a:t>
+            </a:r>
+            <a:r>
+              <a:rPr lang="en-US" sz="1200" kern="1200">
+                <a:solidFill>
+                  <a:schemeClr val="tx1"/>
+                </a:solidFill>
+                <a:latin typeface="+mn-lt"/>
+                <a:ea typeface="+mn-ea"/>
+                <a:cs typeface="+mn-cs"/>
+              </a:rPr>
+              <a:t> know its starting</a:t>
+            </a:r>
+            <a:r>
+              <a:rPr lang="en-US" sz="1200" kern="1200" baseline="0">
+                <a:solidFill>
+                  <a:schemeClr val="tx1"/>
+                </a:solidFill>
+                <a:latin typeface="+mn-lt"/>
+                <a:ea typeface="+mn-ea"/>
+                <a:cs typeface="+mn-cs"/>
+              </a:rPr>
+              <a:t> balance?”</a:t>
+            </a:r>
+            <a:endParaRPr lang="en-US"/>
+          </a:p>
+          <a:p>
             <a:endParaRPr lang="en-US"/>
           </a:p>
         </p:txBody>
@@ -3800,7 +4395,7 @@
     </p:spTree>
     <p:extLst>
       <p:ext uri="{BB962C8B-B14F-4D97-AF65-F5344CB8AC3E}">
-        <p14:creationId xmlns:p14="http://schemas.microsoft.com/office/powerpoint/2010/main" val="1952084792"/>
+        <p14:creationId xmlns:p14="http://schemas.microsoft.com/office/powerpoint/2010/main" val="1356615264"/>
       </p:ext>
     </p:extLst>
   </p:cSld>
@@ -3829,29 +4424,19 @@
       </p:grpSpPr>
       <p:sp>
         <p:nvSpPr>
-          <p:cNvPr id="32770" name="Slide Image Placeholder 1"/>
-          <p:cNvSpPr>
-            <a:spLocks noGrp="1" noRot="1" noChangeAspect="1" noTextEdit="1"/>
+          <p:cNvPr id="2" name="Slide Image Placeholder 1"/>
+          <p:cNvSpPr>
+            <a:spLocks noGrp="1" noRot="1" noChangeAspect="1"/>
           </p:cNvSpPr>
           <p:nvPr>
             <p:ph type="sldImg"/>
           </p:nvPr>
         </p:nvSpPr>
-        <p:spPr bwMode="auto">
-          <a:noFill/>
-          <a:ln>
-            <a:solidFill>
-              <a:srgbClr val="000000"/>
-            </a:solidFill>
-            <a:miter lim="800000"/>
-            <a:headEnd/>
-            <a:tailEnd/>
-          </a:ln>
-        </p:spPr>
-      </p:sp>
-      <p:sp>
-        <p:nvSpPr>
-          <p:cNvPr id="32771" name="Notes Placeholder 2"/>
+        <p:spPr/>
+      </p:sp>
+      <p:sp>
+        <p:nvSpPr>
+          <p:cNvPr id="3" name="Notes Placeholder 2"/>
           <p:cNvSpPr>
             <a:spLocks noGrp="1"/>
           </p:cNvSpPr>
@@ -3859,142 +4444,50 @@
             <p:ph type="body" idx="1"/>
           </p:nvPr>
         </p:nvSpPr>
-        <p:spPr>
-          <a:noFill/>
-          <a:ln/>
-        </p:spPr>
+        <p:spPr/>
         <p:txBody>
           <a:bodyPr/>
           <a:lstStyle/>
           <a:p>
             <a:r>
-              <a:rPr lang="en-US" dirty="0"/>
-              <a:t>Advanced code sometimes has deep inheritance hierarchies</a:t>
-            </a:r>
-          </a:p>
-          <a:p>
-            <a:r>
-              <a:rPr lang="en-US" dirty="0"/>
-              <a:t>Trace through a few paths asking students what might be inherited and what might be added at each level (See</a:t>
-            </a:r>
-            <a:r>
-              <a:rPr lang="en-US" baseline="0" dirty="0"/>
-              <a:t> Figure 1 - 3, pages 422 - 3</a:t>
-            </a:r>
-            <a:r>
-              <a:rPr lang="en-US" dirty="0"/>
-              <a:t>)</a:t>
-            </a:r>
-          </a:p>
-          <a:p>
-            <a:endParaRPr lang="en-US" dirty="0"/>
-          </a:p>
-          <a:p>
-            <a:r>
-              <a:rPr lang="en-US" dirty="0"/>
-              <a:t>Every </a:t>
-            </a:r>
-            <a:r>
-              <a:rPr lang="en-US" dirty="0" err="1"/>
-              <a:t>JComponent</a:t>
-            </a:r>
-            <a:r>
-              <a:rPr lang="en-US" dirty="0"/>
-              <a:t> has a width and a height, so the</a:t>
-            </a:r>
-            <a:r>
-              <a:rPr lang="en-US" baseline="0" dirty="0"/>
-              <a:t> </a:t>
-            </a:r>
-            <a:r>
-              <a:rPr lang="en-US" baseline="0" dirty="0" err="1"/>
-              <a:t>JComponent</a:t>
-            </a:r>
-            <a:r>
-              <a:rPr lang="en-US" baseline="0" dirty="0"/>
-              <a:t> class has a </a:t>
-            </a:r>
-            <a:r>
-              <a:rPr lang="en-US" baseline="0" dirty="0" err="1"/>
-              <a:t>getWidth</a:t>
-            </a:r>
-            <a:r>
-              <a:rPr lang="en-US" baseline="0" dirty="0"/>
-              <a:t>() and a </a:t>
-            </a:r>
-            <a:r>
-              <a:rPr lang="en-US" baseline="0" dirty="0" err="1"/>
-              <a:t>getHeight</a:t>
-            </a:r>
-            <a:r>
-              <a:rPr lang="en-US" baseline="0" dirty="0"/>
-              <a:t>() method.</a:t>
-            </a:r>
-          </a:p>
-          <a:p>
-            <a:endParaRPr lang="en-US" baseline="0" dirty="0"/>
-          </a:p>
-          <a:p>
-            <a:r>
-              <a:rPr lang="en-US" baseline="0" dirty="0"/>
-              <a:t>Every </a:t>
-            </a:r>
-            <a:r>
-              <a:rPr lang="en-US" baseline="0" dirty="0" err="1"/>
-              <a:t>JButton</a:t>
-            </a:r>
-            <a:r>
-              <a:rPr lang="en-US" baseline="0" dirty="0"/>
-              <a:t> can have text or an icon on it, so the </a:t>
-            </a:r>
-            <a:r>
-              <a:rPr lang="en-US" baseline="0" dirty="0" err="1"/>
-              <a:t>AbstractButton</a:t>
-            </a:r>
-            <a:r>
-              <a:rPr lang="en-US" baseline="0" dirty="0"/>
-              <a:t> class has a </a:t>
-            </a:r>
-            <a:r>
-              <a:rPr lang="en-US" baseline="0" dirty="0" err="1"/>
-              <a:t>setText</a:t>
-            </a:r>
-            <a:r>
-              <a:rPr lang="en-US" baseline="0" dirty="0"/>
-              <a:t>() and a </a:t>
-            </a:r>
-            <a:r>
-              <a:rPr lang="en-US" baseline="0" dirty="0" err="1"/>
-              <a:t>setIcon</a:t>
-            </a:r>
-            <a:r>
-              <a:rPr lang="en-US" baseline="0" dirty="0"/>
-              <a:t>() method.</a:t>
-            </a:r>
-            <a:endParaRPr lang="en-US" dirty="0"/>
-          </a:p>
-        </p:txBody>
-      </p:sp>
-      <p:sp>
-        <p:nvSpPr>
-          <p:cNvPr id="32772" name="Slide Number Placeholder 3"/>
-          <p:cNvSpPr>
-            <a:spLocks noGrp="1"/>
-          </p:cNvSpPr>
-          <p:nvPr>
-            <p:ph type="sldNum" sz="quarter" idx="5"/>
-          </p:nvPr>
-        </p:nvSpPr>
-        <p:spPr>
-          <a:noFill/>
-        </p:spPr>
+              <a:rPr lang="en-US"/>
+              <a:t>We will implement </a:t>
+            </a:r>
+            <a:r>
+              <a:rPr lang="en-US" err="1"/>
+              <a:t>CheckingAccount</a:t>
+            </a:r>
+            <a:r>
+              <a:rPr lang="en-US" baseline="0"/>
+              <a:t> in a little while.</a:t>
+            </a:r>
+            <a:endParaRPr lang="en-US"/>
+          </a:p>
+        </p:txBody>
+      </p:sp>
+      <p:sp>
+        <p:nvSpPr>
+          <p:cNvPr id="4" name="Slide Number Placeholder 3"/>
+          <p:cNvSpPr>
+            <a:spLocks noGrp="1"/>
+          </p:cNvSpPr>
+          <p:nvPr>
+            <p:ph type="sldNum" sz="quarter" idx="10"/>
+          </p:nvPr>
+        </p:nvSpPr>
+        <p:spPr/>
         <p:txBody>
           <a:bodyPr/>
           <a:lstStyle/>
           <a:p>
-            <a:fld id="{F80DD58A-E7F9-4DAF-8A80-6658051FAE3D}" type="slidenum">
+            <a:pPr>
+              <a:defRPr/>
+            </a:pPr>
+            <a:fld id="{3A187583-0EC9-4694-9EAD-0DA64A27677E}" type="slidenum">
               <a:rPr lang="en-US" smtClean="0"/>
-              <a:pPr/>
+              <a:pPr>
+                <a:defRPr/>
+              </a:pPr>
               <a:t>8</a:t>
             </a:fld>
             <a:endParaRPr lang="en-US"/>
@@ -4004,7 +4497,7 @@
     </p:spTree>
     <p:extLst>
       <p:ext uri="{BB962C8B-B14F-4D97-AF65-F5344CB8AC3E}">
-        <p14:creationId xmlns:p14="http://schemas.microsoft.com/office/powerpoint/2010/main" val="1860681466"/>
+        <p14:creationId xmlns:p14="http://schemas.microsoft.com/office/powerpoint/2010/main" val="1952084792"/>
       </p:ext>
     </p:extLst>
   </p:cSld>
@@ -4033,7 +4526,7 @@
       </p:grpSpPr>
       <p:sp>
         <p:nvSpPr>
-          <p:cNvPr id="33794" name="Slide Image Placeholder 1"/>
+          <p:cNvPr id="32770" name="Slide Image Placeholder 1"/>
           <p:cNvSpPr>
             <a:spLocks noGrp="1" noRot="1" noChangeAspect="1" noTextEdit="1"/>
           </p:cNvSpPr>
@@ -4055,7 +4548,7 @@
       </p:sp>
       <p:sp>
         <p:nvSpPr>
-          <p:cNvPr id="33795" name="Notes Placeholder 2"/>
+          <p:cNvPr id="32771" name="Notes Placeholder 2"/>
           <p:cNvSpPr>
             <a:spLocks noGrp="1"/>
           </p:cNvSpPr>
@@ -4071,13 +4564,117 @@
           <a:bodyPr/>
           <a:lstStyle/>
           <a:p>
-            <a:endParaRPr lang="en-US"/>
-          </a:p>
-        </p:txBody>
-      </p:sp>
-      <p:sp>
-        <p:nvSpPr>
-          <p:cNvPr id="33796" name="Slide Number Placeholder 3"/>
+            <a:r>
+              <a:rPr lang="en-US" dirty="0"/>
+              <a:t>Advanced code sometimes has deep inheritance hierarchies</a:t>
+            </a:r>
+          </a:p>
+          <a:p>
+            <a:r>
+              <a:rPr lang="en-US" dirty="0"/>
+              <a:t>Trace through a few paths asking students what might be inherited and what might be added at each level (See</a:t>
+            </a:r>
+            <a:r>
+              <a:rPr lang="en-US" baseline="0" dirty="0"/>
+              <a:t> Figure 1 - 3, pages 422 - 3</a:t>
+            </a:r>
+            <a:r>
+              <a:rPr lang="en-US" dirty="0"/>
+              <a:t>)</a:t>
+            </a:r>
+          </a:p>
+          <a:p>
+            <a:endParaRPr lang="en-US" dirty="0"/>
+          </a:p>
+          <a:p>
+            <a:r>
+              <a:rPr lang="en-US" dirty="0"/>
+              <a:t>Every </a:t>
+            </a:r>
+            <a:r>
+              <a:rPr lang="en-US" dirty="0" err="1"/>
+              <a:t>JComponent</a:t>
+            </a:r>
+            <a:r>
+              <a:rPr lang="en-US" dirty="0"/>
+              <a:t> has a width and a height, so the</a:t>
+            </a:r>
+            <a:r>
+              <a:rPr lang="en-US" baseline="0" dirty="0"/>
+              <a:t> </a:t>
+            </a:r>
+            <a:r>
+              <a:rPr lang="en-US" baseline="0" dirty="0" err="1"/>
+              <a:t>JComponent</a:t>
+            </a:r>
+            <a:r>
+              <a:rPr lang="en-US" baseline="0" dirty="0"/>
+              <a:t> class has a </a:t>
+            </a:r>
+            <a:r>
+              <a:rPr lang="en-US" baseline="0" dirty="0" err="1"/>
+              <a:t>getWidth</a:t>
+            </a:r>
+            <a:r>
+              <a:rPr lang="en-US" baseline="0" dirty="0"/>
+              <a:t>() and a </a:t>
+            </a:r>
+            <a:r>
+              <a:rPr lang="en-US" baseline="0" dirty="0" err="1"/>
+              <a:t>getHeight</a:t>
+            </a:r>
+            <a:r>
+              <a:rPr lang="en-US" baseline="0" dirty="0"/>
+              <a:t>() method.</a:t>
+            </a:r>
+          </a:p>
+          <a:p>
+            <a:endParaRPr lang="en-US" baseline="0" dirty="0"/>
+          </a:p>
+          <a:p>
+            <a:r>
+              <a:rPr lang="en-US" baseline="0" dirty="0"/>
+              <a:t>Every </a:t>
+            </a:r>
+            <a:r>
+              <a:rPr lang="en-US" baseline="0" dirty="0" err="1"/>
+              <a:t>JButton</a:t>
+            </a:r>
+            <a:r>
+              <a:rPr lang="en-US" baseline="0" dirty="0"/>
+              <a:t> can have text or an icon on it, so the </a:t>
+            </a:r>
+            <a:r>
+              <a:rPr lang="en-US" baseline="0" dirty="0" err="1"/>
+              <a:t>AbstractButton</a:t>
+            </a:r>
+            <a:r>
+              <a:rPr lang="en-US" baseline="0" dirty="0"/>
+              <a:t> class has a </a:t>
+            </a:r>
+            <a:r>
+              <a:rPr lang="en-US" baseline="0" dirty="0" err="1"/>
+              <a:t>setText</a:t>
+            </a:r>
+            <a:r>
+              <a:rPr lang="en-US" baseline="0" dirty="0"/>
+              <a:t>() and a </a:t>
+            </a:r>
+            <a:r>
+              <a:rPr lang="en-US" baseline="0" dirty="0" err="1"/>
+              <a:t>setIcon</a:t>
+            </a:r>
+            <a:r>
+              <a:rPr lang="en-US" baseline="0" dirty="0"/>
+              <a:t>() method.</a:t>
+            </a:r>
+            <a:endParaRPr lang="en-US" dirty="0"/>
+          </a:p>
+        </p:txBody>
+      </p:sp>
+      <p:sp>
+        <p:nvSpPr>
+          <p:cNvPr id="32772" name="Slide Number Placeholder 3"/>
           <p:cNvSpPr>
             <a:spLocks noGrp="1"/>
           </p:cNvSpPr>
@@ -4092,7 +4689,7 @@
           <a:bodyPr/>
           <a:lstStyle/>
           <a:p>
-            <a:fld id="{125268C4-EF31-4B3E-B203-B8DB2EAD44A2}" type="slidenum">
+            <a:fld id="{F80DD58A-E7F9-4DAF-8A80-6658051FAE3D}" type="slidenum">
               <a:rPr lang="en-US" smtClean="0"/>
               <a:pPr/>
               <a:t>9</a:t>
@@ -4104,7 +4701,7 @@
     </p:spTree>
     <p:extLst>
       <p:ext uri="{BB962C8B-B14F-4D97-AF65-F5344CB8AC3E}">
-        <p14:creationId xmlns:p14="http://schemas.microsoft.com/office/powerpoint/2010/main" val="4263356582"/>
+        <p14:creationId xmlns:p14="http://schemas.microsoft.com/office/powerpoint/2010/main" val="1860681466"/>
       </p:ext>
     </p:extLst>
   </p:cSld>
@@ -4299,7 +4896,7 @@
               <a:pPr>
                 <a:defRPr/>
               </a:pPr>
-              <a:t>Thursday, February 24, 2022</a:t>
+              <a:t>Tuesday, March 1, 2022</a:t>
             </a:fld>
             <a:endParaRPr lang="en-US" dirty="0"/>
           </a:p>
@@ -4482,7 +5079,7 @@
               <a:pPr>
                 <a:defRPr/>
               </a:pPr>
-              <a:t>Thursday, February 24, 2022</a:t>
+              <a:t>Tuesday, March 1, 2022</a:t>
             </a:fld>
             <a:endParaRPr lang="en-US" dirty="0"/>
           </a:p>
@@ -4675,7 +5272,7 @@
               <a:pPr>
                 <a:defRPr/>
               </a:pPr>
-              <a:t>Thursday, February 24, 2022</a:t>
+              <a:t>Tuesday, March 1, 2022</a:t>
             </a:fld>
             <a:endParaRPr lang="en-US" dirty="0"/>
           </a:p>
@@ -4858,7 +5455,7 @@
               <a:pPr>
                 <a:defRPr/>
               </a:pPr>
-              <a:t>Thursday, February 24, 2022</a:t>
+              <a:t>Tuesday, March 1, 2022</a:t>
             </a:fld>
             <a:endParaRPr lang="en-US" dirty="0"/>
           </a:p>
@@ -5118,7 +5715,7 @@
               <a:pPr>
                 <a:defRPr/>
               </a:pPr>
-              <a:t>Thursday, February 24, 2022</a:t>
+              <a:t>Tuesday, March 1, 2022</a:t>
             </a:fld>
             <a:endParaRPr lang="en-US"/>
           </a:p>
@@ -5418,7 +6015,7 @@
               <a:pPr>
                 <a:defRPr/>
               </a:pPr>
-              <a:t>Thursday, February 24, 2022</a:t>
+              <a:t>Tuesday, March 1, 2022</a:t>
             </a:fld>
             <a:endParaRPr lang="en-US"/>
           </a:p>
@@ -5852,7 +6449,7 @@
               <a:pPr>
                 <a:defRPr/>
               </a:pPr>
-              <a:t>Thursday, February 24, 2022</a:t>
+              <a:t>Tuesday, March 1, 2022</a:t>
             </a:fld>
             <a:endParaRPr lang="en-US"/>
           </a:p>
@@ -5984,7 +6581,7 @@
               <a:pPr>
                 <a:defRPr/>
               </a:pPr>
-              <a:t>Thursday, February 24, 2022</a:t>
+              <a:t>Tuesday, March 1, 2022</a:t>
             </a:fld>
             <a:endParaRPr lang="en-US"/>
           </a:p>
@@ -6094,7 +6691,7 @@
               <a:pPr>
                 <a:defRPr/>
               </a:pPr>
-              <a:t>Thursday, February 24, 2022</a:t>
+              <a:t>Tuesday, March 1, 2022</a:t>
             </a:fld>
             <a:endParaRPr lang="en-US" dirty="0"/>
           </a:p>
@@ -6384,7 +6981,7 @@
               <a:pPr>
                 <a:defRPr/>
               </a:pPr>
-              <a:t>Thursday, February 24, 2022</a:t>
+              <a:t>Tuesday, March 1, 2022</a:t>
             </a:fld>
             <a:endParaRPr lang="en-US"/>
           </a:p>
@@ -6651,7 +7248,7 @@
               <a:pPr>
                 <a:defRPr/>
               </a:pPr>
-              <a:t>Thursday, February 24, 2022</a:t>
+              <a:t>Tuesday, March 1, 2022</a:t>
             </a:fld>
             <a:endParaRPr lang="en-US"/>
           </a:p>
@@ -6877,7 +7474,7 @@
               <a:pPr>
                 <a:defRPr/>
               </a:pPr>
-              <a:t>Thursday, February 24, 2022</a:t>
+              <a:t>Tuesday, March 1, 2022</a:t>
             </a:fld>
             <a:endParaRPr lang="en-US" dirty="0"/>
           </a:p>
@@ -7454,8 +8051,8 @@
               <a:defRPr/>
             </a:pPr>
             <a:r>
-              <a:rPr lang="en-US" dirty="0"/>
-              <a:t>With Fields, Subclasses:</a:t>
+              <a:rPr lang="en-US"/>
+              <a:t>With Methods, Subclasses can:</a:t>
             </a:r>
           </a:p>
         </p:txBody>
@@ -7469,139 +8066,162 @@
           <p:nvPr>
             <p:ph idx="1"/>
           </p:nvPr>
-        </p:nvSpPr>
-        <p:spPr/>
-        <p:txBody>
-          <a:bodyPr/>
-          <a:lstStyle/>
-          <a:p>
-            <a:pPr>
-              <a:defRPr/>
-            </a:pPr>
-            <a:r>
-              <a:rPr lang="en-US" b="1" dirty="0">
-                <a:solidFill>
-                  <a:schemeClr val="accent3"/>
-                </a:solidFill>
-              </a:rPr>
-              <a:t>ALWAYS inherit</a:t>
-            </a:r>
-            <a:r>
-              <a:rPr lang="en-US" dirty="0"/>
-              <a:t> all fields </a:t>
-            </a:r>
-            <a:r>
-              <a:rPr lang="en-US" dirty="0">
-                <a:solidFill>
-                  <a:schemeClr val="accent3"/>
-                </a:solidFill>
-              </a:rPr>
-              <a:t>unchanged</a:t>
-            </a:r>
-          </a:p>
-          <a:p>
-            <a:pPr lvl="1">
-              <a:defRPr/>
-            </a:pPr>
-            <a:r>
-              <a:rPr lang="en-US" dirty="0">
-                <a:solidFill>
-                  <a:schemeClr val="accent3"/>
-                </a:solidFill>
-              </a:rPr>
-              <a:t>Only have access to protected, public, and package level fields</a:t>
-            </a:r>
-          </a:p>
-          <a:p>
-            <a:pPr lvl="1">
-              <a:defRPr/>
-            </a:pPr>
-            <a:endParaRPr lang="en-US" dirty="0">
-              <a:solidFill>
-                <a:schemeClr val="accent3"/>
-              </a:solidFill>
-            </a:endParaRPr>
-          </a:p>
-          <a:p>
-            <a:pPr>
-              <a:defRPr/>
-            </a:pPr>
-            <a:r>
-              <a:rPr lang="en-US" b="1" dirty="0">
-                <a:solidFill>
-                  <a:schemeClr val="accent3"/>
-                </a:solidFill>
-              </a:rPr>
-              <a:t>Can add</a:t>
-            </a:r>
-            <a:r>
-              <a:rPr lang="en-US" dirty="0"/>
-              <a:t> entirely new fields not in superclass</a:t>
-            </a:r>
-          </a:p>
-        </p:txBody>
-      </p:sp>
-      <p:sp>
-        <p:nvSpPr>
-          <p:cNvPr id="4" name="Line Callout 2 3"/>
-          <p:cNvSpPr/>
-          <p:nvPr/>
         </p:nvSpPr>
         <p:spPr>
           <a:xfrm>
-            <a:off x="2133600" y="4495800"/>
-            <a:ext cx="4267200" cy="1447800"/>
+            <a:off x="457200" y="1600200"/>
+            <a:ext cx="8229600" cy="4800600"/>
           </a:xfrm>
-          <a:prstGeom prst="borderCallout2">
-            <a:avLst>
-              <a:gd name="adj1" fmla="val 18750"/>
-              <a:gd name="adj2" fmla="val -8333"/>
-              <a:gd name="adj3" fmla="val 18750"/>
-              <a:gd name="adj4" fmla="val -16667"/>
-              <a:gd name="adj5" fmla="val -23089"/>
-              <a:gd name="adj6" fmla="val -4541"/>
-            </a:avLst>
-          </a:prstGeom>
         </p:spPr>
-        <p:style>
-          <a:lnRef idx="1">
-            <a:schemeClr val="accent2"/>
-          </a:lnRef>
-          <a:fillRef idx="3">
-            <a:schemeClr val="accent2"/>
-          </a:fillRef>
-          <a:effectRef idx="2">
-            <a:schemeClr val="accent2"/>
-          </a:effectRef>
-          <a:fontRef idx="minor">
-            <a:schemeClr val="lt1"/>
-          </a:fontRef>
-        </p:style>
-        <p:txBody>
-          <a:bodyPr anchor="ctr"/>
-          <a:lstStyle/>
-          <a:p>
-            <a:pPr algn="ctr">
-              <a:defRPr/>
-            </a:pPr>
-            <a:r>
-              <a:rPr lang="en-US" sz="2800" dirty="0"/>
-              <a:t>DANGER!  Don’t use the same name as a </a:t>
-            </a:r>
-            <a:r>
-              <a:rPr lang="en-US" sz="2800" dirty="0" err="1"/>
-              <a:t>superclass</a:t>
-            </a:r>
-            <a:r>
-              <a:rPr lang="en-US" sz="2800" dirty="0"/>
-              <a:t> field!</a:t>
-            </a:r>
-          </a:p>
-        </p:txBody>
-      </p:sp>
-      <p:sp>
-        <p:nvSpPr>
-          <p:cNvPr id="6" name="Rectangle 9"/>
+        <p:txBody>
+          <a:bodyPr>
+            <a:normAutofit/>
+          </a:bodyPr>
+          <a:lstStyle/>
+          <a:p>
+            <a:pPr>
+              <a:defRPr/>
+            </a:pPr>
+            <a:r>
+              <a:rPr lang="en-US" b="1">
+                <a:solidFill>
+                  <a:schemeClr val="accent3"/>
+                </a:solidFill>
+              </a:rPr>
+              <a:t>Inherit</a:t>
+            </a:r>
+            <a:r>
+              <a:rPr lang="en-US"/>
+              <a:t> methods </a:t>
+            </a:r>
+            <a:r>
+              <a:rPr lang="en-US">
+                <a:solidFill>
+                  <a:schemeClr val="accent3"/>
+                </a:solidFill>
+              </a:rPr>
+              <a:t>unchanged</a:t>
+            </a:r>
+            <a:endParaRPr lang="en-US"/>
+          </a:p>
+          <a:p>
+            <a:pPr>
+              <a:defRPr/>
+            </a:pPr>
+            <a:r>
+              <a:rPr lang="en-US" b="1">
+                <a:solidFill>
+                  <a:schemeClr val="accent3"/>
+                </a:solidFill>
+              </a:rPr>
+              <a:t>Override</a:t>
+            </a:r>
+            <a:r>
+              <a:rPr lang="en-US"/>
+              <a:t> methods</a:t>
+            </a:r>
+          </a:p>
+          <a:p>
+            <a:pPr lvl="1">
+              <a:defRPr/>
+            </a:pPr>
+            <a:r>
+              <a:rPr lang="en-US"/>
+              <a:t>Declare a new method </a:t>
+            </a:r>
+            <a:r>
+              <a:rPr lang="en-US">
+                <a:solidFill>
+                  <a:schemeClr val="accent3"/>
+                </a:solidFill>
+              </a:rPr>
+              <a:t>with same signature </a:t>
+            </a:r>
+            <a:r>
+              <a:rPr lang="en-US"/>
+              <a:t>to use </a:t>
+            </a:r>
+            <a:r>
+              <a:rPr lang="en-US" b="1">
+                <a:solidFill>
+                  <a:schemeClr val="accent3"/>
+                </a:solidFill>
+              </a:rPr>
+              <a:t>instead of </a:t>
+            </a:r>
+            <a:r>
+              <a:rPr lang="en-US">
+                <a:solidFill>
+                  <a:schemeClr val="accent3"/>
+                </a:solidFill>
+              </a:rPr>
+              <a:t>superclass method</a:t>
+            </a:r>
+          </a:p>
+          <a:p>
+            <a:pPr lvl="1">
+              <a:defRPr/>
+            </a:pPr>
+            <a:r>
+              <a:rPr lang="en-US"/>
+              <a:t>i.e., change </a:t>
+            </a:r>
+            <a:r>
+              <a:rPr lang="en-US" i="1"/>
+              <a:t>how it works</a:t>
+            </a:r>
+            <a:endParaRPr lang="en-US"/>
+          </a:p>
+          <a:p>
+            <a:pPr>
+              <a:defRPr/>
+            </a:pPr>
+            <a:r>
+              <a:rPr lang="en-US" b="1">
+                <a:solidFill>
+                  <a:schemeClr val="accent3"/>
+                </a:solidFill>
+              </a:rPr>
+              <a:t>Add</a:t>
+            </a:r>
+            <a:r>
+              <a:rPr lang="en-US"/>
+              <a:t> entirely new methods not in superclass</a:t>
+            </a:r>
+          </a:p>
+          <a:p>
+            <a:pPr lvl="1">
+              <a:defRPr/>
+            </a:pPr>
+            <a:r>
+              <a:rPr lang="en-US"/>
+              <a:t>i.e., add new </a:t>
+            </a:r>
+            <a:r>
+              <a:rPr lang="en-US" i="1"/>
+              <a:t>what it does</a:t>
+            </a:r>
+            <a:r>
+              <a:rPr lang="en-US"/>
+              <a:t> &amp; </a:t>
+            </a:r>
+            <a:r>
+              <a:rPr lang="en-US" i="1"/>
+              <a:t>how it does it</a:t>
+            </a:r>
+          </a:p>
+          <a:p>
+            <a:pPr marL="0" indent="0">
+              <a:buNone/>
+              <a:defRPr/>
+            </a:pPr>
+            <a:endParaRPr lang="en-US"/>
+          </a:p>
+        </p:txBody>
+      </p:sp>
+      <p:sp>
+        <p:nvSpPr>
+          <p:cNvPr id="5" name="Rectangle 9"/>
           <p:cNvSpPr>
             <a:spLocks/>
           </p:cNvSpPr>
@@ -7644,14 +8264,14 @@
               <a:defRPr/>
             </a:pPr>
             <a:r>
-              <a:rPr lang="en-US" sz="1800" dirty="0">
+              <a:rPr lang="en-US" sz="1800">
                 <a:solidFill>
                   <a:schemeClr val="bg1"/>
                 </a:solidFill>
                 <a:cs typeface="Arial" pitchFamily="34" charset="0"/>
                 <a:sym typeface="Arial" pitchFamily="34" charset="0"/>
               </a:rPr>
-              <a:t>Q4</a:t>
+              <a:t>Q3</a:t>
             </a:r>
           </a:p>
         </p:txBody>
@@ -7665,6 +8285,306 @@
 </file>
 
 <file path=ppt/slides/slide11.xml><?xml version="1.0" encoding="utf-8"?>
+<p:sld xmlns:a="http://schemas.openxmlformats.org/drawingml/2006/main" xmlns:r="http://schemas.openxmlformats.org/officeDocument/2006/relationships" xmlns:p="http://schemas.openxmlformats.org/presentationml/2006/main">
+  <p:cSld>
+    <p:spTree>
+      <p:nvGrpSpPr>
+        <p:cNvPr id="1" name=""/>
+        <p:cNvGrpSpPr/>
+        <p:nvPr/>
+      </p:nvGrpSpPr>
+      <p:grpSpPr>
+        <a:xfrm>
+          <a:off x="0" y="0"/>
+          <a:ext cx="0" cy="0"/>
+          <a:chOff x="0" y="0"/>
+          <a:chExt cx="0" cy="0"/>
+        </a:xfrm>
+      </p:grpSpPr>
+      <p:sp>
+        <p:nvSpPr>
+          <p:cNvPr id="3" name="Title 2"/>
+          <p:cNvSpPr>
+            <a:spLocks noGrp="1"/>
+          </p:cNvSpPr>
+          <p:nvPr>
+            <p:ph type="title"/>
+          </p:nvPr>
+        </p:nvSpPr>
+        <p:spPr/>
+        <p:txBody>
+          <a:bodyPr/>
+          <a:lstStyle/>
+          <a:p>
+            <a:pPr>
+              <a:defRPr/>
+            </a:pPr>
+            <a:r>
+              <a:rPr lang="en-US" err="1"/>
+              <a:t>w.r.t</a:t>
+            </a:r>
+            <a:r>
+              <a:rPr lang="en-US"/>
+              <a:t> Fields, Subclasses:</a:t>
+            </a:r>
+          </a:p>
+        </p:txBody>
+      </p:sp>
+      <p:sp>
+        <p:nvSpPr>
+          <p:cNvPr id="2" name="Content Placeholder 1"/>
+          <p:cNvSpPr>
+            <a:spLocks noGrp="1"/>
+          </p:cNvSpPr>
+          <p:nvPr>
+            <p:ph idx="1"/>
+          </p:nvPr>
+        </p:nvSpPr>
+        <p:spPr>
+          <a:xfrm>
+            <a:off x="457200" y="1219200"/>
+            <a:ext cx="8229600" cy="4906963"/>
+          </a:xfrm>
+        </p:spPr>
+        <p:txBody>
+          <a:bodyPr>
+            <a:normAutofit/>
+          </a:bodyPr>
+          <a:lstStyle/>
+          <a:p>
+            <a:pPr>
+              <a:defRPr/>
+            </a:pPr>
+            <a:r>
+              <a:rPr lang="en-US" b="1" dirty="0">
+                <a:solidFill>
+                  <a:schemeClr val="accent3"/>
+                </a:solidFill>
+              </a:rPr>
+              <a:t>ALWAYS inherit</a:t>
+            </a:r>
+            <a:r>
+              <a:rPr lang="en-US" dirty="0"/>
+              <a:t> all fields </a:t>
+            </a:r>
+            <a:r>
+              <a:rPr lang="en-US" dirty="0">
+                <a:solidFill>
+                  <a:schemeClr val="accent3"/>
+                </a:solidFill>
+              </a:rPr>
+              <a:t>unchanged</a:t>
+            </a:r>
+          </a:p>
+          <a:p>
+            <a:pPr lvl="1">
+              <a:defRPr/>
+            </a:pPr>
+            <a:r>
+              <a:rPr lang="en-US" dirty="0"/>
+              <a:t>But cannot access superclass </a:t>
+            </a:r>
+            <a:r>
+              <a:rPr lang="en-US" sz="2400" dirty="0">
+                <a:latin typeface="Courier New" panose="02070309020205020404" pitchFamily="49" charset="0"/>
+                <a:cs typeface="Courier New" panose="02070309020205020404" pitchFamily="49" charset="0"/>
+              </a:rPr>
+              <a:t>private</a:t>
+            </a:r>
+            <a:r>
+              <a:rPr lang="en-US" dirty="0"/>
+              <a:t> fields</a:t>
+            </a:r>
+          </a:p>
+          <a:p>
+            <a:pPr lvl="1">
+              <a:defRPr/>
+            </a:pPr>
+            <a:r>
+              <a:rPr lang="en-US" dirty="0"/>
+              <a:t>Can access directly fields at </a:t>
+            </a:r>
+            <a:r>
+              <a:rPr lang="en-US" i="1" dirty="0"/>
+              <a:t>access levels</a:t>
+            </a:r>
+            <a:r>
+              <a:rPr lang="en-US" dirty="0"/>
+              <a:t>:</a:t>
+            </a:r>
+          </a:p>
+          <a:p>
+            <a:pPr lvl="2">
+              <a:defRPr/>
+            </a:pPr>
+            <a:r>
+              <a:rPr lang="en-US" dirty="0">
+                <a:latin typeface="Courier New" panose="02070309020205020404" pitchFamily="49" charset="0"/>
+                <a:cs typeface="Courier New" panose="02070309020205020404" pitchFamily="49" charset="0"/>
+              </a:rPr>
+              <a:t>public</a:t>
+            </a:r>
+          </a:p>
+          <a:p>
+            <a:pPr lvl="2">
+              <a:defRPr/>
+            </a:pPr>
+            <a:r>
+              <a:rPr lang="en-US" dirty="0">
+                <a:latin typeface="Courier New" panose="02070309020205020404" pitchFamily="49" charset="0"/>
+                <a:cs typeface="Courier New" panose="02070309020205020404" pitchFamily="49" charset="0"/>
+              </a:rPr>
+              <a:t>protected</a:t>
+            </a:r>
+          </a:p>
+          <a:p>
+            <a:pPr lvl="2">
+              <a:defRPr/>
+            </a:pPr>
+            <a:r>
+              <a:rPr lang="en-US" dirty="0"/>
+              <a:t>package</a:t>
+            </a:r>
+          </a:p>
+          <a:p>
+            <a:pPr>
+              <a:defRPr/>
+            </a:pPr>
+            <a:r>
+              <a:rPr lang="en-US" b="1" dirty="0"/>
+              <a:t>The subclass </a:t>
+            </a:r>
+            <a:r>
+              <a:rPr lang="en-US" b="1" dirty="0">
+                <a:solidFill>
+                  <a:schemeClr val="accent3"/>
+                </a:solidFill>
+              </a:rPr>
+              <a:t>can add</a:t>
+            </a:r>
+            <a:r>
+              <a:rPr lang="en-US" dirty="0"/>
+              <a:t> entirely new fields not in superclass</a:t>
+            </a:r>
+          </a:p>
+        </p:txBody>
+      </p:sp>
+      <p:sp>
+        <p:nvSpPr>
+          <p:cNvPr id="4" name="Line Callout 2 3"/>
+          <p:cNvSpPr/>
+          <p:nvPr/>
+        </p:nvSpPr>
+        <p:spPr>
+          <a:xfrm>
+            <a:off x="3309257" y="4887685"/>
+            <a:ext cx="5181600" cy="1447800"/>
+          </a:xfrm>
+          <a:prstGeom prst="borderCallout2">
+            <a:avLst>
+              <a:gd name="adj1" fmla="val 18750"/>
+              <a:gd name="adj2" fmla="val -8333"/>
+              <a:gd name="adj3" fmla="val 18750"/>
+              <a:gd name="adj4" fmla="val -16667"/>
+              <a:gd name="adj5" fmla="val -23089"/>
+              <a:gd name="adj6" fmla="val -4541"/>
+            </a:avLst>
+          </a:prstGeom>
+        </p:spPr>
+        <p:style>
+          <a:lnRef idx="1">
+            <a:schemeClr val="accent2"/>
+          </a:lnRef>
+          <a:fillRef idx="3">
+            <a:schemeClr val="accent2"/>
+          </a:fillRef>
+          <a:effectRef idx="2">
+            <a:schemeClr val="accent2"/>
+          </a:effectRef>
+          <a:fontRef idx="minor">
+            <a:schemeClr val="lt1"/>
+          </a:fontRef>
+        </p:style>
+        <p:txBody>
+          <a:bodyPr anchor="ctr"/>
+          <a:lstStyle/>
+          <a:p>
+            <a:pPr algn="ctr">
+              <a:defRPr/>
+            </a:pPr>
+            <a:r>
+              <a:rPr lang="en-US" sz="2800" dirty="0"/>
+              <a:t>DANGER!  Don’t use the same field name as a superclass field!</a:t>
+            </a:r>
+          </a:p>
+        </p:txBody>
+      </p:sp>
+      <p:sp>
+        <p:nvSpPr>
+          <p:cNvPr id="6" name="Rectangle 9"/>
+          <p:cNvSpPr>
+            <a:spLocks/>
+          </p:cNvSpPr>
+          <p:nvPr/>
+        </p:nvSpPr>
+        <p:spPr bwMode="auto">
+          <a:xfrm>
+            <a:off x="8432800" y="6334564"/>
+            <a:ext cx="558800" cy="419100"/>
+          </a:xfrm>
+          <a:prstGeom prst="rect">
+            <a:avLst/>
+          </a:prstGeom>
+          <a:ln>
+            <a:headEnd/>
+            <a:tailEnd/>
+          </a:ln>
+        </p:spPr>
+        <p:style>
+          <a:lnRef idx="2">
+            <a:schemeClr val="accent3">
+              <a:shade val="50000"/>
+            </a:schemeClr>
+          </a:lnRef>
+          <a:fillRef idx="1">
+            <a:schemeClr val="accent3"/>
+          </a:fillRef>
+          <a:effectRef idx="0">
+            <a:schemeClr val="accent3"/>
+          </a:effectRef>
+          <a:fontRef idx="minor">
+            <a:schemeClr val="lt1"/>
+          </a:fontRef>
+        </p:style>
+        <p:txBody>
+          <a:bodyPr lIns="0" tIns="0" rIns="0" bIns="0" anchor="ctr"/>
+          <a:lstStyle/>
+          <a:p>
+            <a:pPr algn="ctr">
+              <a:defRPr/>
+            </a:pPr>
+            <a:r>
+              <a:rPr lang="en-US" sz="1800">
+                <a:solidFill>
+                  <a:schemeClr val="bg1"/>
+                </a:solidFill>
+                <a:cs typeface="Arial" pitchFamily="34" charset="0"/>
+                <a:sym typeface="Arial" pitchFamily="34" charset="0"/>
+              </a:rPr>
+              <a:t>Q4</a:t>
+            </a:r>
+          </a:p>
+        </p:txBody>
+      </p:sp>
+    </p:spTree>
+  </p:cSld>
+  <p:clrMapOvr>
+    <a:masterClrMapping/>
+  </p:clrMapOvr>
+</p:sld>
+</file>
+
+<file path=ppt/slides/slide12.xml><?xml version="1.0" encoding="utf-8"?>
 <p:sld xmlns:a="http://schemas.openxmlformats.org/drawingml/2006/main" xmlns:r="http://schemas.openxmlformats.org/officeDocument/2006/relationships" xmlns:p="http://schemas.openxmlformats.org/presentationml/2006/main">
   <p:cSld>
     <p:spTree>
@@ -7982,145 +8902,6 @@
 </p:sld>
 </file>
 
-<file path=ppt/slides/slide12.xml><?xml version="1.0" encoding="utf-8"?>
-<p:sld xmlns:a="http://schemas.openxmlformats.org/drawingml/2006/main" xmlns:r="http://schemas.openxmlformats.org/officeDocument/2006/relationships" xmlns:p="http://schemas.openxmlformats.org/presentationml/2006/main">
-  <p:cSld>
-    <p:spTree>
-      <p:nvGrpSpPr>
-        <p:cNvPr id="1" name=""/>
-        <p:cNvGrpSpPr/>
-        <p:nvPr/>
-      </p:nvGrpSpPr>
-      <p:grpSpPr>
-        <a:xfrm>
-          <a:off x="0" y="0"/>
-          <a:ext cx="0" cy="0"/>
-          <a:chOff x="0" y="0"/>
-          <a:chExt cx="0" cy="0"/>
-        </a:xfrm>
-      </p:grpSpPr>
-      <p:sp>
-        <p:nvSpPr>
-          <p:cNvPr id="2" name="Title 1"/>
-          <p:cNvSpPr>
-            <a:spLocks noGrp="1"/>
-          </p:cNvSpPr>
-          <p:nvPr>
-            <p:ph type="title"/>
-          </p:nvPr>
-        </p:nvSpPr>
-        <p:spPr/>
-        <p:txBody>
-          <a:bodyPr/>
-          <a:lstStyle/>
-          <a:p>
-            <a:r>
-              <a:rPr lang="en-US" dirty="0"/>
-              <a:t>Let’s Code </a:t>
-            </a:r>
-            <a:r>
-              <a:rPr lang="en-US" dirty="0" err="1"/>
-              <a:t>CheckingAccount</a:t>
-            </a:r>
-            <a:endParaRPr lang="en-US" dirty="0"/>
-          </a:p>
-        </p:txBody>
-      </p:sp>
-      <p:sp>
-        <p:nvSpPr>
-          <p:cNvPr id="3" name="Content Placeholder 2"/>
-          <p:cNvSpPr>
-            <a:spLocks noGrp="1"/>
-          </p:cNvSpPr>
-          <p:nvPr>
-            <p:ph idx="1"/>
-          </p:nvPr>
-        </p:nvSpPr>
-        <p:spPr/>
-        <p:txBody>
-          <a:bodyPr>
-            <a:normAutofit/>
-          </a:bodyPr>
-          <a:lstStyle/>
-          <a:p>
-            <a:r>
-              <a:rPr lang="en-US" sz="2400" dirty="0"/>
-              <a:t>A special type of </a:t>
-            </a:r>
-            <a:r>
-              <a:rPr lang="en-US" sz="2400" dirty="0" err="1"/>
-              <a:t>BankAccount</a:t>
-            </a:r>
-            <a:endParaRPr lang="en-US" sz="2400" dirty="0"/>
-          </a:p>
-          <a:p>
-            <a:r>
-              <a:rPr lang="en-US" sz="2400" dirty="0"/>
-              <a:t>Has 3 free transactions each month</a:t>
-            </a:r>
-          </a:p>
-          <a:p>
-            <a:pPr lvl="1"/>
-            <a:r>
-              <a:rPr lang="en-US" sz="2000" dirty="0"/>
-              <a:t>Withdraw</a:t>
-            </a:r>
-          </a:p>
-          <a:p>
-            <a:pPr lvl="1"/>
-            <a:r>
-              <a:rPr lang="en-US" sz="2000" dirty="0"/>
-              <a:t>Deposit</a:t>
-            </a:r>
-          </a:p>
-          <a:p>
-            <a:r>
-              <a:rPr lang="en-US" sz="2400" dirty="0"/>
-              <a:t>Every additional transaction (beyond) costs $1.50</a:t>
-            </a:r>
-          </a:p>
-          <a:p>
-            <a:pPr lvl="1"/>
-            <a:r>
-              <a:rPr lang="en-US" sz="2000" dirty="0"/>
-              <a:t>4 cost $1.50</a:t>
-            </a:r>
-          </a:p>
-          <a:p>
-            <a:pPr lvl="1"/>
-            <a:r>
-              <a:rPr lang="en-US" sz="2000" dirty="0"/>
-              <a:t>5 cost $3.00</a:t>
-            </a:r>
-          </a:p>
-          <a:p>
-            <a:r>
-              <a:rPr lang="en-US" sz="2400" dirty="0"/>
-              <a:t>At end of each month fees are deducted (all together)</a:t>
-            </a:r>
-          </a:p>
-          <a:p>
-            <a:pPr lvl="1"/>
-            <a:r>
-              <a:rPr lang="en-US" sz="2000" dirty="0"/>
-              <a:t>Transaction count is reset at this time</a:t>
-            </a:r>
-          </a:p>
-        </p:txBody>
-      </p:sp>
-    </p:spTree>
-    <p:extLst>
-      <p:ext uri="{BB962C8B-B14F-4D97-AF65-F5344CB8AC3E}">
-        <p14:creationId xmlns:p14="http://schemas.microsoft.com/office/powerpoint/2010/main" val="4000348338"/>
-      </p:ext>
-    </p:extLst>
-  </p:cSld>
-  <p:clrMapOvr>
-    <a:masterClrMapping/>
-  </p:clrMapOvr>
-</p:sld>
-</file>
-
 <file path=ppt/slides/slide13.xml><?xml version="1.0" encoding="utf-8"?>
 <p:sld xmlns:a="http://schemas.openxmlformats.org/drawingml/2006/main" xmlns:r="http://schemas.openxmlformats.org/officeDocument/2006/relationships" xmlns:p="http://schemas.openxmlformats.org/presentationml/2006/main">
   <p:cSld>
@@ -8154,9 +8935,14 @@
           <a:lstStyle/>
           <a:p>
             <a:r>
-              <a:rPr lang="en-US" dirty="0"/>
-              <a:t>Design to Implement</a:t>
-            </a:r>
+              <a:rPr lang="en-US"/>
+              <a:t>Let’s Code </a:t>
+            </a:r>
+            <a:r>
+              <a:rPr lang="en-US" err="1"/>
+              <a:t>CheckingAccount</a:t>
+            </a:r>
+            <a:endParaRPr lang="en-US"/>
           </a:p>
         </p:txBody>
       </p:sp>
@@ -8172,64 +8958,121 @@
         </p:nvSpPr>
         <p:spPr/>
         <p:txBody>
-          <a:bodyPr/>
-          <a:lstStyle/>
-          <a:p>
-            <a:r>
-              <a:rPr lang="en-US" dirty="0" err="1">
-                <a:hlinkClick r:id="rId2"/>
-              </a:rPr>
-              <a:t>plantuml</a:t>
-            </a:r>
-            <a:endParaRPr lang="en-US" dirty="0"/>
-          </a:p>
-        </p:txBody>
-      </p:sp>
-      <p:pic>
-        <p:nvPicPr>
-          <p:cNvPr id="2054" name="Picture 6" descr="PlantUML diagram"/>
-          <p:cNvPicPr>
-            <a:picLocks noChangeAspect="1" noChangeArrowheads="1"/>
-          </p:cNvPicPr>
-          <p:nvPr/>
-        </p:nvPicPr>
-        <p:blipFill>
-          <a:blip r:embed="rId3">
-            <a:extLst>
-              <a:ext uri="{28A0092B-C50C-407E-A947-70E740481C1C}">
-                <a14:useLocalDpi xmlns:a14="http://schemas.microsoft.com/office/drawing/2010/main" val="0"/>
-              </a:ext>
-            </a:extLst>
-          </a:blip>
-          <a:srcRect/>
-          <a:stretch>
-            <a:fillRect/>
-          </a:stretch>
-        </p:blipFill>
-        <p:spPr bwMode="auto">
-          <a:xfrm>
-            <a:off x="2590800" y="1752600"/>
-            <a:ext cx="5081588" cy="4732984"/>
-          </a:xfrm>
-          <a:prstGeom prst="rect">
-            <a:avLst/>
-          </a:prstGeom>
-          <a:noFill/>
-          <a:extLst>
-            <a:ext uri="{909E8E84-426E-40DD-AFC4-6F175D3DCCD1}">
-              <a14:hiddenFill xmlns:a14="http://schemas.microsoft.com/office/drawing/2010/main">
-                <a:solidFill>
-                  <a:srgbClr val="FFFFFF"/>
-                </a:solidFill>
-              </a14:hiddenFill>
-            </a:ext>
-          </a:extLst>
-        </p:spPr>
-      </p:pic>
+          <a:bodyPr>
+            <a:normAutofit/>
+          </a:bodyPr>
+          <a:lstStyle/>
+          <a:p>
+            <a:r>
+              <a:rPr lang="en-US" sz="2400" dirty="0"/>
+              <a:t>A special type of </a:t>
+            </a:r>
+            <a:r>
+              <a:rPr lang="en-US" sz="2400" dirty="0" err="1"/>
+              <a:t>BankAccount</a:t>
+            </a:r>
+            <a:endParaRPr lang="en-US" sz="2400" dirty="0"/>
+          </a:p>
+          <a:p>
+            <a:r>
+              <a:rPr lang="en-US" sz="2400" dirty="0"/>
+              <a:t>Has 3 free transactions each month </a:t>
+            </a:r>
+            <a:br>
+              <a:rPr lang="en-US" sz="2400" dirty="0"/>
+            </a:br>
+            <a:r>
+              <a:rPr lang="en-US" sz="2400" dirty="0"/>
+              <a:t>Transactions that </a:t>
+            </a:r>
+            <a:r>
+              <a:rPr lang="en-US" sz="2400"/>
+              <a:t>are counted:</a:t>
+            </a:r>
+            <a:endParaRPr lang="en-US" sz="2400" dirty="0"/>
+          </a:p>
+          <a:p>
+            <a:pPr lvl="1"/>
+            <a:r>
+              <a:rPr lang="en-US" sz="2000" dirty="0"/>
+              <a:t>Withdraw</a:t>
+            </a:r>
+          </a:p>
+          <a:p>
+            <a:pPr lvl="1"/>
+            <a:r>
+              <a:rPr lang="en-US" sz="2000" dirty="0"/>
+              <a:t>Deposit</a:t>
+            </a:r>
+          </a:p>
+          <a:p>
+            <a:r>
+              <a:rPr lang="en-US" sz="2400" dirty="0"/>
+              <a:t>Every additional transaction (beyond) costs $1.50</a:t>
+            </a:r>
+          </a:p>
+          <a:p>
+            <a:pPr lvl="1"/>
+            <a:r>
+              <a:rPr lang="en-US" sz="2000" dirty="0"/>
+              <a:t>4 cost $1.50</a:t>
+            </a:r>
+          </a:p>
+          <a:p>
+            <a:pPr lvl="1"/>
+            <a:r>
+              <a:rPr lang="en-US" sz="2000" dirty="0"/>
+              <a:t>5 cost $3.00</a:t>
+            </a:r>
+          </a:p>
+          <a:p>
+            <a:r>
+              <a:rPr lang="en-US" sz="2400" dirty="0"/>
+              <a:t>At end of each month fees are deducted (all together)</a:t>
+            </a:r>
+          </a:p>
+          <a:p>
+            <a:pPr lvl="1"/>
+            <a:r>
+              <a:rPr lang="en-US" sz="2000" dirty="0"/>
+              <a:t>Transaction count is reset at this time</a:t>
+            </a:r>
+          </a:p>
+          <a:p>
+            <a:pPr lvl="1"/>
+            <a:r>
+              <a:rPr lang="en-US" sz="2000" dirty="0"/>
+              <a:t>Add new public method to </a:t>
+            </a:r>
+            <a:r>
+              <a:rPr lang="en-US" sz="2000" dirty="0" err="1"/>
+              <a:t>CheckingAccount</a:t>
+            </a:r>
+            <a:r>
+              <a:rPr lang="en-US" sz="2000" dirty="0"/>
+              <a:t> called </a:t>
+            </a:r>
+            <a:r>
+              <a:rPr lang="en-US" sz="1800" dirty="0" err="1">
+                <a:latin typeface="Courier New" panose="02070309020205020404" pitchFamily="49" charset="0"/>
+                <a:cs typeface="Courier New" panose="02070309020205020404" pitchFamily="49" charset="0"/>
+              </a:rPr>
+              <a:t>deductFees</a:t>
+            </a:r>
+            <a:r>
+              <a:rPr lang="en-US" sz="1800" dirty="0">
+                <a:latin typeface="Courier New" panose="02070309020205020404" pitchFamily="49" charset="0"/>
+                <a:cs typeface="Courier New" panose="02070309020205020404" pitchFamily="49" charset="0"/>
+              </a:rPr>
+              <a:t>()</a:t>
+            </a:r>
+          </a:p>
+        </p:txBody>
+      </p:sp>
     </p:spTree>
     <p:extLst>
       <p:ext uri="{BB962C8B-B14F-4D97-AF65-F5344CB8AC3E}">
-        <p14:creationId xmlns:p14="http://schemas.microsoft.com/office/powerpoint/2010/main" val="2922646918"/>
+        <p14:creationId xmlns:p14="http://schemas.microsoft.com/office/powerpoint/2010/main" val="2133976266"/>
       </p:ext>
     </p:extLst>
   </p:cSld>
@@ -8258,6 +9101,127 @@
       </p:grpSpPr>
       <p:sp>
         <p:nvSpPr>
+          <p:cNvPr id="2" name="Title 1"/>
+          <p:cNvSpPr>
+            <a:spLocks noGrp="1"/>
+          </p:cNvSpPr>
+          <p:nvPr>
+            <p:ph type="title"/>
+          </p:nvPr>
+        </p:nvSpPr>
+        <p:spPr/>
+        <p:txBody>
+          <a:bodyPr/>
+          <a:lstStyle/>
+          <a:p>
+            <a:r>
+              <a:rPr lang="en-US"/>
+              <a:t>Design then Implement</a:t>
+            </a:r>
+          </a:p>
+        </p:txBody>
+      </p:sp>
+      <p:sp>
+        <p:nvSpPr>
+          <p:cNvPr id="3" name="Content Placeholder 2"/>
+          <p:cNvSpPr>
+            <a:spLocks noGrp="1"/>
+          </p:cNvSpPr>
+          <p:nvPr>
+            <p:ph idx="1"/>
+          </p:nvPr>
+        </p:nvSpPr>
+        <p:spPr>
+          <a:xfrm>
+            <a:off x="457200" y="1143000"/>
+            <a:ext cx="8229600" cy="4983163"/>
+          </a:xfrm>
+        </p:spPr>
+        <p:txBody>
+          <a:bodyPr/>
+          <a:lstStyle/>
+          <a:p>
+            <a:r>
+              <a:rPr lang="en-US" dirty="0">
+                <a:hlinkClick r:id="rId2"/>
+              </a:rPr>
+              <a:t>plantuml</a:t>
+            </a:r>
+            <a:endParaRPr lang="en-US" dirty="0"/>
+          </a:p>
+        </p:txBody>
+      </p:sp>
+      <p:pic>
+        <p:nvPicPr>
+          <p:cNvPr id="5" name="Graphic 4">
+            <a:extLst>
+              <a:ext uri="{FF2B5EF4-FFF2-40B4-BE49-F238E27FC236}">
+                <a16:creationId xmlns:a16="http://schemas.microsoft.com/office/drawing/2014/main" id="{6CBCA8B7-839A-6B48-9A15-D29E72AB46FA}"/>
+              </a:ext>
+            </a:extLst>
+          </p:cNvPr>
+          <p:cNvPicPr>
+            <a:picLocks noChangeAspect="1"/>
+          </p:cNvPicPr>
+          <p:nvPr/>
+        </p:nvPicPr>
+        <p:blipFill>
+          <a:blip r:embed="rId3">
+            <a:extLst>
+              <a:ext uri="{28A0092B-C50C-407E-A947-70E740481C1C}">
+                <a14:useLocalDpi xmlns:a14="http://schemas.microsoft.com/office/drawing/2010/main" val="0"/>
+              </a:ext>
+              <a:ext uri="{96DAC541-7B7A-43D3-8B79-37D633B846F1}">
+                <asvg:svgBlip xmlns:asvg="http://schemas.microsoft.com/office/drawing/2016/SVG/main" r:embed="rId4"/>
+              </a:ext>
+            </a:extLst>
+          </a:blip>
+          <a:stretch>
+            <a:fillRect/>
+          </a:stretch>
+        </p:blipFill>
+        <p:spPr>
+          <a:xfrm>
+            <a:off x="1905000" y="1419225"/>
+            <a:ext cx="6788364" cy="4820461"/>
+          </a:xfrm>
+          <a:prstGeom prst="rect">
+            <a:avLst/>
+          </a:prstGeom>
+        </p:spPr>
+      </p:pic>
+    </p:spTree>
+    <p:extLst>
+      <p:ext uri="{BB962C8B-B14F-4D97-AF65-F5344CB8AC3E}">
+        <p14:creationId xmlns:p14="http://schemas.microsoft.com/office/powerpoint/2010/main" val="3771829790"/>
+      </p:ext>
+    </p:extLst>
+  </p:cSld>
+  <p:clrMapOvr>
+    <a:masterClrMapping/>
+  </p:clrMapOvr>
+</p:sld>
+</file>
+
+<file path=ppt/slides/slide15.xml><?xml version="1.0" encoding="utf-8"?>
+<p:sld xmlns:a="http://schemas.openxmlformats.org/drawingml/2006/main" xmlns:r="http://schemas.openxmlformats.org/officeDocument/2006/relationships" xmlns:p="http://schemas.openxmlformats.org/presentationml/2006/main">
+  <p:cSld>
+    <p:spTree>
+      <p:nvGrpSpPr>
+        <p:cNvPr id="1" name=""/>
+        <p:cNvGrpSpPr/>
+        <p:nvPr/>
+      </p:nvGrpSpPr>
+      <p:grpSpPr>
+        <a:xfrm>
+          <a:off x="0" y="0"/>
+          <a:ext cx="0" cy="0"/>
+          <a:chOff x="0" y="0"/>
+          <a:chExt cx="0" cy="0"/>
+        </a:xfrm>
+      </p:grpSpPr>
+      <p:sp>
+        <p:nvSpPr>
           <p:cNvPr id="3" name="Title 2"/>
           <p:cNvSpPr>
             <a:spLocks noGrp="1"/>
@@ -8275,7 +9239,7 @@
               <a:defRPr/>
             </a:pPr>
             <a:r>
-              <a:rPr lang="en-US" dirty="0"/>
+              <a:rPr lang="en-US"/>
               <a:t>Polymorphism and Subclasses</a:t>
             </a:r>
           </a:p>
@@ -8294,7 +9258,7 @@
         <p:spPr/>
         <p:txBody>
           <a:bodyPr>
-            <a:normAutofit fontScale="85000" lnSpcReduction="10000"/>
+            <a:normAutofit/>
           </a:bodyPr>
           <a:lstStyle/>
           <a:p>
@@ -8306,253 +9270,181 @@
               <a:t>A subclass instance </a:t>
             </a:r>
             <a:r>
-              <a:rPr lang="en-US" b="1" dirty="0"/>
+              <a:rPr lang="en-US" b="1" i="1" dirty="0"/>
               <a:t>is a</a:t>
+            </a:r>
+            <a:r>
+              <a:rPr lang="en-US" dirty="0"/>
+              <a:t> superclass instance</a:t>
+            </a:r>
+          </a:p>
+          <a:p>
+            <a:pPr lvl="1">
+              <a:defRPr/>
+            </a:pPr>
+            <a:r>
+              <a:rPr lang="en-US" dirty="0"/>
+              <a:t>Polymorphism still works!</a:t>
+            </a:r>
+          </a:p>
+          <a:p>
+            <a:pPr marL="457200" lvl="1" indent="0">
+              <a:buNone/>
+              <a:defRPr/>
+            </a:pPr>
+            <a:endParaRPr lang="en-US" sz="2400" dirty="0">
+              <a:latin typeface="Courier New" panose="02070309020205020404" pitchFamily="49" charset="0"/>
+              <a:cs typeface="Courier New" panose="02070309020205020404" pitchFamily="49" charset="0"/>
+            </a:endParaRPr>
+          </a:p>
+          <a:p>
+            <a:pPr marL="457200" lvl="1" indent="0">
+              <a:buNone/>
+              <a:defRPr/>
+            </a:pPr>
+            <a:r>
+              <a:rPr lang="en-US" sz="2400" dirty="0" err="1">
+                <a:latin typeface="Courier New" panose="02070309020205020404" pitchFamily="49" charset="0"/>
+                <a:cs typeface="Courier New" panose="02070309020205020404" pitchFamily="49" charset="0"/>
+              </a:rPr>
+              <a:t>BankAccount</a:t>
+            </a:r>
+            <a:r>
+              <a:rPr lang="en-US" sz="2400" dirty="0">
+                <a:latin typeface="Courier New" panose="02070309020205020404" pitchFamily="49" charset="0"/>
+                <a:cs typeface="Courier New" panose="02070309020205020404" pitchFamily="49" charset="0"/>
+              </a:rPr>
+              <a:t> </a:t>
+            </a:r>
+            <a:r>
+              <a:rPr lang="en-US" sz="2400" dirty="0" err="1">
+                <a:latin typeface="Courier New" panose="02070309020205020404" pitchFamily="49" charset="0"/>
+                <a:cs typeface="Courier New" panose="02070309020205020404" pitchFamily="49" charset="0"/>
+              </a:rPr>
+              <a:t>ba</a:t>
+            </a:r>
+            <a:r>
+              <a:rPr lang="en-US" sz="2400" dirty="0">
+                <a:latin typeface="Courier New" panose="02070309020205020404" pitchFamily="49" charset="0"/>
+                <a:cs typeface="Courier New" panose="02070309020205020404" pitchFamily="49" charset="0"/>
+              </a:rPr>
+              <a:t> = </a:t>
+            </a:r>
+            <a:r>
+              <a:rPr lang="en-US" sz="2400" b="1" dirty="0">
+                <a:latin typeface="Courier New" panose="02070309020205020404" pitchFamily="49" charset="0"/>
+                <a:cs typeface="Courier New" panose="02070309020205020404" pitchFamily="49" charset="0"/>
+              </a:rPr>
+              <a:t>new</a:t>
+            </a:r>
+            <a:r>
+              <a:rPr lang="en-US" sz="2400" dirty="0">
+                <a:latin typeface="Courier New" panose="02070309020205020404" pitchFamily="49" charset="0"/>
+                <a:cs typeface="Courier New" panose="02070309020205020404" pitchFamily="49" charset="0"/>
+              </a:rPr>
+              <a:t> </a:t>
+            </a:r>
+            <a:r>
+              <a:rPr lang="en-US" sz="2400" dirty="0" err="1">
+                <a:latin typeface="Courier New" panose="02070309020205020404" pitchFamily="49" charset="0"/>
+                <a:cs typeface="Courier New" panose="02070309020205020404" pitchFamily="49" charset="0"/>
+              </a:rPr>
+              <a:t>CheckingAccount</a:t>
+            </a:r>
+            <a:r>
+              <a:rPr lang="en-US" sz="2400" dirty="0">
+                <a:latin typeface="Courier New" panose="02070309020205020404" pitchFamily="49" charset="0"/>
+                <a:cs typeface="Courier New" panose="02070309020205020404" pitchFamily="49" charset="0"/>
+              </a:rPr>
+              <a:t>();</a:t>
+            </a:r>
+            <a:br>
+              <a:rPr lang="en-US" sz="2400" dirty="0">
+                <a:latin typeface="Courier New" panose="02070309020205020404" pitchFamily="49" charset="0"/>
+                <a:cs typeface="Courier New" panose="02070309020205020404" pitchFamily="49" charset="0"/>
+              </a:rPr>
+            </a:br>
+            <a:r>
+              <a:rPr lang="en-US" sz="2400" dirty="0" err="1">
+                <a:latin typeface="Courier New" panose="02070309020205020404" pitchFamily="49" charset="0"/>
+                <a:cs typeface="Courier New" panose="02070309020205020404" pitchFamily="49" charset="0"/>
+              </a:rPr>
+              <a:t>ba.deposit</a:t>
+            </a:r>
+            <a:r>
+              <a:rPr lang="en-US" sz="2400" dirty="0">
+                <a:latin typeface="Courier New" panose="02070309020205020404" pitchFamily="49" charset="0"/>
+                <a:cs typeface="Courier New" panose="02070309020205020404" pitchFamily="49" charset="0"/>
+              </a:rPr>
+              <a:t>(100);</a:t>
+            </a:r>
+          </a:p>
+          <a:p>
+            <a:pPr lvl="1">
+              <a:defRPr/>
+            </a:pPr>
+            <a:r>
+              <a:rPr lang="en-US" dirty="0" err="1"/>
+              <a:t>BankAccount</a:t>
+            </a:r>
+            <a:r>
+              <a:rPr lang="en-US" dirty="0"/>
+              <a:t> is </a:t>
+            </a:r>
+            <a:r>
+              <a:rPr lang="en-US" i="1" dirty="0"/>
+              <a:t>declared type</a:t>
+            </a:r>
+          </a:p>
+          <a:p>
+            <a:pPr lvl="1">
+              <a:defRPr/>
+            </a:pPr>
+            <a:r>
+              <a:rPr lang="en-US" dirty="0" err="1"/>
+              <a:t>CheckingAccount</a:t>
+            </a:r>
+            <a:r>
+              <a:rPr lang="en-US" dirty="0"/>
+              <a:t> is </a:t>
+            </a:r>
+            <a:r>
+              <a:rPr lang="en-US" i="1" dirty="0"/>
+              <a:t>instantiated type</a:t>
+            </a:r>
+          </a:p>
+          <a:p>
+            <a:pPr lvl="1">
+              <a:defRPr/>
+            </a:pPr>
+            <a:r>
+              <a:rPr lang="en-US" dirty="0"/>
+              <a:t>The code above compiles and runs because</a:t>
+            </a:r>
+            <a:br>
+              <a:rPr lang="en-US" dirty="0"/>
+            </a:br>
+            <a:r>
+              <a:rPr lang="en-US" dirty="0" err="1"/>
+              <a:t>CheckingAccount</a:t>
             </a:r>
             <a:r>
               <a:rPr lang="en-US" dirty="0"/>
               <a:t> </a:t>
             </a:r>
             <a:r>
+              <a:rPr lang="en-US" i="1" dirty="0" err="1"/>
+              <a:t>isA</a:t>
+            </a:r>
+            <a:r>
+              <a:rPr lang="en-US" dirty="0"/>
+              <a:t> </a:t>
+            </a:r>
+            <a:r>
               <a:rPr lang="en-US" dirty="0" err="1"/>
-              <a:t>superclass</a:t>
-            </a:r>
-            <a:r>
-              <a:rPr lang="en-US" dirty="0"/>
-              <a:t> instance</a:t>
-            </a:r>
-          </a:p>
-          <a:p>
-            <a:pPr lvl="1">
-              <a:defRPr/>
-            </a:pPr>
-            <a:r>
-              <a:rPr lang="en-US" dirty="0"/>
-              <a:t>Polymorphism still works!</a:t>
-            </a:r>
-          </a:p>
-          <a:p>
-            <a:pPr lvl="1">
-              <a:defRPr/>
-            </a:pPr>
-            <a:r>
-              <a:rPr lang="en-US" b="1" dirty="0" err="1">
-                <a:solidFill>
-                  <a:schemeClr val="accent3"/>
-                </a:solidFill>
-                <a:latin typeface="Lucida Sans Typewriter" pitchFamily="49" charset="0"/>
-              </a:rPr>
               <a:t>BankAccount</a:t>
             </a:r>
-            <a:r>
-              <a:rPr lang="en-US" b="1" dirty="0">
-                <a:solidFill>
-                  <a:schemeClr val="accent3"/>
-                </a:solidFill>
-                <a:latin typeface="Lucida Sans Typewriter" pitchFamily="49" charset="0"/>
-              </a:rPr>
-              <a:t> </a:t>
-            </a:r>
-            <a:r>
-              <a:rPr lang="en-US" b="1" dirty="0" err="1">
-                <a:solidFill>
-                  <a:schemeClr val="accent3"/>
-                </a:solidFill>
-                <a:latin typeface="Lucida Sans Typewriter" pitchFamily="49" charset="0"/>
-              </a:rPr>
-              <a:t>ba</a:t>
-            </a:r>
-            <a:r>
-              <a:rPr lang="en-US" b="1" dirty="0">
-                <a:solidFill>
-                  <a:schemeClr val="accent3"/>
-                </a:solidFill>
-                <a:latin typeface="Lucida Sans Typewriter" pitchFamily="49" charset="0"/>
-              </a:rPr>
-              <a:t> = new </a:t>
-            </a:r>
-            <a:r>
-              <a:rPr lang="en-US" b="1" dirty="0" err="1">
-                <a:solidFill>
-                  <a:schemeClr val="accent3"/>
-                </a:solidFill>
-                <a:latin typeface="Lucida Sans Typewriter" pitchFamily="49" charset="0"/>
-              </a:rPr>
-              <a:t>CheckingAccount</a:t>
-            </a:r>
-            <a:r>
-              <a:rPr lang="en-US" b="1" dirty="0">
-                <a:solidFill>
-                  <a:schemeClr val="accent3"/>
-                </a:solidFill>
-                <a:latin typeface="Lucida Sans Typewriter" pitchFamily="49" charset="0"/>
-              </a:rPr>
-              <a:t>();</a:t>
-            </a:r>
-            <a:br>
-              <a:rPr lang="en-US" b="1" dirty="0">
-                <a:solidFill>
-                  <a:schemeClr val="accent3"/>
-                </a:solidFill>
-                <a:latin typeface="Lucida Sans Typewriter" pitchFamily="49" charset="0"/>
-              </a:rPr>
-            </a:br>
-            <a:r>
-              <a:rPr lang="en-US" b="1" dirty="0">
-                <a:solidFill>
-                  <a:schemeClr val="accent3"/>
-                </a:solidFill>
-                <a:latin typeface="Lucida Sans Typewriter" pitchFamily="49" charset="0"/>
-              </a:rPr>
-              <a:t>ba.deposit(100);</a:t>
-            </a:r>
-          </a:p>
-          <a:p>
-            <a:pPr lvl="1">
-              <a:defRPr/>
-            </a:pPr>
             <a:endParaRPr lang="en-US" dirty="0"/>
-          </a:p>
-          <a:p>
-            <a:pPr>
-              <a:defRPr/>
-            </a:pPr>
-            <a:r>
-              <a:rPr lang="en-US" dirty="0"/>
-              <a:t>But not the other way around!</a:t>
-            </a:r>
-          </a:p>
-          <a:p>
-            <a:pPr lvl="1">
-              <a:defRPr/>
-            </a:pPr>
-            <a:r>
-              <a:rPr lang="en-US" b="1" dirty="0" err="1">
-                <a:solidFill>
-                  <a:schemeClr val="accent2"/>
-                </a:solidFill>
-                <a:latin typeface="Lucida Sans Typewriter" pitchFamily="49" charset="0"/>
-              </a:rPr>
-              <a:t>CheckingAccount</a:t>
-            </a:r>
-            <a:r>
-              <a:rPr lang="en-US" b="1" dirty="0">
-                <a:solidFill>
-                  <a:schemeClr val="accent2"/>
-                </a:solidFill>
-                <a:latin typeface="Lucida Sans Typewriter" pitchFamily="49" charset="0"/>
-              </a:rPr>
-              <a:t> ca = new </a:t>
-            </a:r>
-            <a:r>
-              <a:rPr lang="en-US" b="1" dirty="0" err="1">
-                <a:solidFill>
-                  <a:schemeClr val="accent2"/>
-                </a:solidFill>
-                <a:latin typeface="Lucida Sans Typewriter" pitchFamily="49" charset="0"/>
-              </a:rPr>
-              <a:t>BankAccount</a:t>
-            </a:r>
-            <a:r>
-              <a:rPr lang="en-US" b="1" dirty="0">
-                <a:solidFill>
-                  <a:schemeClr val="accent2"/>
-                </a:solidFill>
-                <a:latin typeface="Lucida Sans Typewriter" pitchFamily="49" charset="0"/>
-              </a:rPr>
-              <a:t>();</a:t>
-            </a:r>
-            <a:br>
-              <a:rPr lang="en-US" b="1" dirty="0">
-                <a:solidFill>
-                  <a:schemeClr val="accent2"/>
-                </a:solidFill>
-                <a:latin typeface="Lucida Sans Typewriter" pitchFamily="49" charset="0"/>
-              </a:rPr>
-            </a:br>
-            <a:r>
-              <a:rPr lang="en-US" b="1" dirty="0" err="1">
-                <a:solidFill>
-                  <a:schemeClr val="accent2"/>
-                </a:solidFill>
-                <a:latin typeface="Lucida Sans Typewriter" pitchFamily="49" charset="0"/>
-              </a:rPr>
-              <a:t>ca.deductFees</a:t>
-            </a:r>
-            <a:r>
-              <a:rPr lang="en-US" b="1" dirty="0">
-                <a:solidFill>
-                  <a:schemeClr val="accent2"/>
-                </a:solidFill>
-                <a:latin typeface="Lucida Sans Typewriter" pitchFamily="49" charset="0"/>
-              </a:rPr>
-              <a:t>();</a:t>
-            </a:r>
-          </a:p>
-          <a:p>
-            <a:pPr lvl="1">
-              <a:defRPr/>
-            </a:pPr>
-            <a:endParaRPr lang="en-US" dirty="0"/>
-          </a:p>
-          <a:p>
-            <a:pPr>
-              <a:defRPr/>
-            </a:pPr>
-            <a:r>
-              <a:rPr lang="en-US" dirty="0"/>
-              <a:t>Why not?</a:t>
-            </a:r>
-          </a:p>
-        </p:txBody>
-      </p:sp>
-      <p:sp>
-        <p:nvSpPr>
-          <p:cNvPr id="4" name="Line Callout 2 3"/>
-          <p:cNvSpPr/>
-          <p:nvPr/>
-        </p:nvSpPr>
-        <p:spPr>
-          <a:xfrm>
-            <a:off x="5334000" y="4991100"/>
-            <a:ext cx="1905000" cy="1016000"/>
-          </a:xfrm>
-          <a:prstGeom prst="borderCallout2">
-            <a:avLst>
-              <a:gd name="adj1" fmla="val 18750"/>
-              <a:gd name="adj2" fmla="val -8333"/>
-              <a:gd name="adj3" fmla="val 18750"/>
-              <a:gd name="adj4" fmla="val -16667"/>
-              <a:gd name="adj5" fmla="val -56448"/>
-              <a:gd name="adj6" fmla="val -58870"/>
-            </a:avLst>
-          </a:prstGeom>
-        </p:spPr>
-        <p:style>
-          <a:lnRef idx="1">
-            <a:schemeClr val="accent2"/>
-          </a:lnRef>
-          <a:fillRef idx="3">
-            <a:schemeClr val="accent2"/>
-          </a:fillRef>
-          <a:effectRef idx="2">
-            <a:schemeClr val="accent2"/>
-          </a:effectRef>
-          <a:fontRef idx="minor">
-            <a:schemeClr val="lt1"/>
-          </a:fontRef>
-        </p:style>
-        <p:txBody>
-          <a:bodyPr anchor="ctr"/>
-          <a:lstStyle/>
-          <a:p>
-            <a:pPr algn="ctr">
-              <a:defRPr/>
-            </a:pPr>
-            <a:r>
-              <a:rPr lang="en-US" sz="2800" dirty="0"/>
-              <a:t>BOOM!</a:t>
-            </a:r>
           </a:p>
         </p:txBody>
       </p:sp>
@@ -8601,7 +9493,7 @@
               <a:defRPr/>
             </a:pPr>
             <a:r>
-              <a:rPr lang="en-US" sz="1800" dirty="0">
+              <a:rPr lang="en-US" sz="1800">
                 <a:solidFill>
                   <a:schemeClr val="bg1"/>
                 </a:solidFill>
@@ -8610,309 +9502,6 @@
               </a:rPr>
               <a:t>Q6</a:t>
             </a:r>
-          </a:p>
-        </p:txBody>
-      </p:sp>
-    </p:spTree>
-  </p:cSld>
-  <p:clrMapOvr>
-    <a:masterClrMapping/>
-  </p:clrMapOvr>
-</p:sld>
-</file>
-
-<file path=ppt/slides/slide15.xml><?xml version="1.0" encoding="utf-8"?>
-<p:sld xmlns:a="http://schemas.openxmlformats.org/drawingml/2006/main" xmlns:r="http://schemas.openxmlformats.org/officeDocument/2006/relationships" xmlns:p="http://schemas.openxmlformats.org/presentationml/2006/main">
-  <p:cSld>
-    <p:spTree>
-      <p:nvGrpSpPr>
-        <p:cNvPr id="1" name=""/>
-        <p:cNvGrpSpPr/>
-        <p:nvPr/>
-      </p:nvGrpSpPr>
-      <p:grpSpPr>
-        <a:xfrm>
-          <a:off x="0" y="0"/>
-          <a:ext cx="0" cy="0"/>
-          <a:chOff x="0" y="0"/>
-          <a:chExt cx="0" cy="0"/>
-        </a:xfrm>
-      </p:grpSpPr>
-      <p:sp>
-        <p:nvSpPr>
-          <p:cNvPr id="3" name="Title 2"/>
-          <p:cNvSpPr>
-            <a:spLocks noGrp="1"/>
-          </p:cNvSpPr>
-          <p:nvPr>
-            <p:ph type="title"/>
-          </p:nvPr>
-        </p:nvSpPr>
-        <p:spPr/>
-        <p:txBody>
-          <a:bodyPr/>
-          <a:lstStyle/>
-          <a:p>
-            <a:pPr>
-              <a:defRPr/>
-            </a:pPr>
-            <a:r>
-              <a:rPr lang="en-US" dirty="0"/>
-              <a:t>Another Example</a:t>
-            </a:r>
-          </a:p>
-        </p:txBody>
-      </p:sp>
-      <p:sp>
-        <p:nvSpPr>
-          <p:cNvPr id="2" name="Content Placeholder 1"/>
-          <p:cNvSpPr>
-            <a:spLocks noGrp="1"/>
-          </p:cNvSpPr>
-          <p:nvPr>
-            <p:ph idx="1"/>
-          </p:nvPr>
-        </p:nvSpPr>
-        <p:spPr/>
-        <p:txBody>
-          <a:bodyPr/>
-          <a:lstStyle/>
-          <a:p>
-            <a:pPr>
-              <a:defRPr/>
-            </a:pPr>
-            <a:r>
-              <a:rPr lang="en-US" dirty="0"/>
-              <a:t>Can use:</a:t>
-            </a:r>
-          </a:p>
-          <a:p>
-            <a:pPr lvl="1">
-              <a:defRPr/>
-            </a:pPr>
-            <a:r>
-              <a:rPr lang="en-US" sz="2000" b="1" dirty="0">
-                <a:solidFill>
-                  <a:schemeClr val="accent3"/>
-                </a:solidFill>
-                <a:latin typeface="Lucida Sans Typewriter" pitchFamily="49" charset="0"/>
-              </a:rPr>
-              <a:t>public void transfer(double amount, </a:t>
-            </a:r>
-            <a:r>
-              <a:rPr lang="en-US" sz="2000" b="1" dirty="0" err="1">
-                <a:solidFill>
-                  <a:schemeClr val="accent3"/>
-                </a:solidFill>
-                <a:latin typeface="Lucida Sans Typewriter" pitchFamily="49" charset="0"/>
-              </a:rPr>
-              <a:t>BankAccount</a:t>
-            </a:r>
-            <a:r>
-              <a:rPr lang="en-US" sz="2000" b="1" dirty="0">
-                <a:solidFill>
-                  <a:schemeClr val="accent3"/>
-                </a:solidFill>
-                <a:latin typeface="Lucida Sans Typewriter" pitchFamily="49" charset="0"/>
-              </a:rPr>
-              <a:t> o){</a:t>
-            </a:r>
-            <a:br>
-              <a:rPr lang="en-US" sz="2000" b="1" dirty="0">
-                <a:solidFill>
-                  <a:schemeClr val="accent3"/>
-                </a:solidFill>
-                <a:latin typeface="Lucida Sans Typewriter" pitchFamily="49" charset="0"/>
-              </a:rPr>
-            </a:br>
-            <a:r>
-              <a:rPr lang="en-US" sz="2000" b="1" dirty="0">
-                <a:solidFill>
-                  <a:schemeClr val="accent3"/>
-                </a:solidFill>
-                <a:latin typeface="Lucida Sans Typewriter" pitchFamily="49" charset="0"/>
-              </a:rPr>
-              <a:t>    </a:t>
-            </a:r>
-            <a:r>
-              <a:rPr lang="en-US" sz="2000" b="1" dirty="0" err="1">
-                <a:solidFill>
-                  <a:schemeClr val="accent3"/>
-                </a:solidFill>
-                <a:latin typeface="Lucida Sans Typewriter" pitchFamily="49" charset="0"/>
-              </a:rPr>
-              <a:t>this.withdraw</a:t>
-            </a:r>
-            <a:r>
-              <a:rPr lang="en-US" sz="2000" b="1" dirty="0">
-                <a:solidFill>
-                  <a:schemeClr val="accent3"/>
-                </a:solidFill>
-                <a:latin typeface="Lucida Sans Typewriter" pitchFamily="49" charset="0"/>
-              </a:rPr>
-              <a:t>(amount);</a:t>
-            </a:r>
-            <a:br>
-              <a:rPr lang="en-US" sz="2000" b="1" dirty="0">
-                <a:solidFill>
-                  <a:schemeClr val="accent3"/>
-                </a:solidFill>
-                <a:latin typeface="Lucida Sans Typewriter" pitchFamily="49" charset="0"/>
-              </a:rPr>
-            </a:br>
-            <a:r>
-              <a:rPr lang="en-US" sz="2000" b="1" dirty="0">
-                <a:solidFill>
-                  <a:schemeClr val="accent3"/>
-                </a:solidFill>
-                <a:latin typeface="Lucida Sans Typewriter" pitchFamily="49" charset="0"/>
-              </a:rPr>
-              <a:t>    </a:t>
-            </a:r>
-            <a:r>
-              <a:rPr lang="en-US" sz="2000" b="1" dirty="0" err="1">
-                <a:solidFill>
-                  <a:schemeClr val="accent3"/>
-                </a:solidFill>
-                <a:latin typeface="Lucida Sans Typewriter" pitchFamily="49" charset="0"/>
-              </a:rPr>
-              <a:t>o.deposit</a:t>
-            </a:r>
-            <a:r>
-              <a:rPr lang="en-US" sz="2000" b="1" dirty="0">
-                <a:solidFill>
-                  <a:schemeClr val="accent3"/>
-                </a:solidFill>
-                <a:latin typeface="Lucida Sans Typewriter" pitchFamily="49" charset="0"/>
-              </a:rPr>
-              <a:t>(amount);</a:t>
-            </a:r>
-            <a:br>
-              <a:rPr lang="en-US" sz="2000" b="1" dirty="0">
-                <a:solidFill>
-                  <a:schemeClr val="accent3"/>
-                </a:solidFill>
-                <a:latin typeface="Lucida Sans Typewriter" pitchFamily="49" charset="0"/>
-              </a:rPr>
-            </a:br>
-            <a:r>
-              <a:rPr lang="en-US" sz="2000" b="1" dirty="0">
-                <a:solidFill>
-                  <a:schemeClr val="accent3"/>
-                </a:solidFill>
-                <a:latin typeface="Lucida Sans Typewriter" pitchFamily="49" charset="0"/>
-              </a:rPr>
-              <a:t>}</a:t>
-            </a:r>
-            <a:br>
-              <a:rPr lang="en-US" dirty="0"/>
-            </a:br>
-            <a:r>
-              <a:rPr lang="en-US" dirty="0"/>
-              <a:t>in </a:t>
-            </a:r>
-            <a:r>
-              <a:rPr lang="en-US" dirty="0" err="1"/>
-              <a:t>BankAccount</a:t>
-            </a:r>
-            <a:endParaRPr lang="en-US" dirty="0"/>
-          </a:p>
-          <a:p>
-            <a:pPr>
-              <a:defRPr/>
-            </a:pPr>
-            <a:r>
-              <a:rPr lang="en-US" dirty="0"/>
-              <a:t>To transfer between different accounts:</a:t>
-            </a:r>
-          </a:p>
-          <a:p>
-            <a:pPr lvl="1">
-              <a:defRPr/>
-            </a:pPr>
-            <a:r>
-              <a:rPr lang="en-US" sz="2000" b="1" dirty="0" err="1">
-                <a:solidFill>
-                  <a:schemeClr val="accent3"/>
-                </a:solidFill>
-                <a:latin typeface="Lucida Sans Typewriter" pitchFamily="49" charset="0"/>
-              </a:rPr>
-              <a:t>SavingsAccount</a:t>
-            </a:r>
-            <a:r>
-              <a:rPr lang="en-US" sz="2000" b="1" dirty="0">
-                <a:solidFill>
-                  <a:schemeClr val="accent3"/>
-                </a:solidFill>
-                <a:latin typeface="Lucida Sans Typewriter" pitchFamily="49" charset="0"/>
-              </a:rPr>
-              <a:t> </a:t>
-            </a:r>
-            <a:r>
-              <a:rPr lang="en-US" sz="2000" b="1" dirty="0" err="1">
-                <a:solidFill>
-                  <a:schemeClr val="accent3"/>
-                </a:solidFill>
-                <a:latin typeface="Lucida Sans Typewriter" pitchFamily="49" charset="0"/>
-              </a:rPr>
-              <a:t>sa</a:t>
-            </a:r>
-            <a:r>
-              <a:rPr lang="en-US" sz="2000" b="1" dirty="0">
-                <a:solidFill>
-                  <a:schemeClr val="accent3"/>
-                </a:solidFill>
-                <a:latin typeface="Lucida Sans Typewriter" pitchFamily="49" charset="0"/>
-              </a:rPr>
-              <a:t> = …;</a:t>
-            </a:r>
-          </a:p>
-          <a:p>
-            <a:pPr lvl="1">
-              <a:defRPr/>
-            </a:pPr>
-            <a:r>
-              <a:rPr lang="en-US" sz="2000" b="1" dirty="0" err="1">
-                <a:solidFill>
-                  <a:schemeClr val="accent3"/>
-                </a:solidFill>
-                <a:latin typeface="Lucida Sans Typewriter" pitchFamily="49" charset="0"/>
-              </a:rPr>
-              <a:t>CheckingAccount</a:t>
-            </a:r>
-            <a:r>
-              <a:rPr lang="en-US" sz="2000" b="1" dirty="0">
-                <a:solidFill>
-                  <a:schemeClr val="accent3"/>
-                </a:solidFill>
-                <a:latin typeface="Lucida Sans Typewriter" pitchFamily="49" charset="0"/>
-              </a:rPr>
-              <a:t> ca = …;</a:t>
-            </a:r>
-          </a:p>
-          <a:p>
-            <a:pPr lvl="1">
-              <a:defRPr/>
-            </a:pPr>
-            <a:r>
-              <a:rPr lang="en-US" sz="2000" b="1" dirty="0" err="1">
-                <a:solidFill>
-                  <a:schemeClr val="accent3"/>
-                </a:solidFill>
-                <a:latin typeface="Lucida Sans Typewriter" pitchFamily="49" charset="0"/>
-              </a:rPr>
-              <a:t>sa.transfer</a:t>
-            </a:r>
-            <a:r>
-              <a:rPr lang="en-US" sz="2000" b="1" dirty="0">
-                <a:solidFill>
-                  <a:schemeClr val="accent3"/>
-                </a:solidFill>
-                <a:latin typeface="Lucida Sans Typewriter" pitchFamily="49" charset="0"/>
-              </a:rPr>
-              <a:t>(100, ca);</a:t>
-            </a:r>
-            <a:endParaRPr lang="en-US" sz="2000" dirty="0"/>
           </a:p>
         </p:txBody>
       </p:sp>
@@ -8960,44 +9549,125 @@
               <a:defRPr/>
             </a:pPr>
             <a:r>
+              <a:rPr lang="en-US"/>
+              <a:t>Polymorphism and Subclasses</a:t>
+            </a:r>
+          </a:p>
+        </p:txBody>
+      </p:sp>
+      <p:sp>
+        <p:nvSpPr>
+          <p:cNvPr id="2" name="Content Placeholder 1"/>
+          <p:cNvSpPr>
+            <a:spLocks noGrp="1"/>
+          </p:cNvSpPr>
+          <p:nvPr>
+            <p:ph idx="1"/>
+          </p:nvPr>
+        </p:nvSpPr>
+        <p:spPr>
+          <a:xfrm>
+            <a:off x="457200" y="1371600"/>
+            <a:ext cx="8229600" cy="4800600"/>
+          </a:xfrm>
+        </p:spPr>
+        <p:txBody>
+          <a:bodyPr>
+            <a:normAutofit/>
+          </a:bodyPr>
+          <a:lstStyle/>
+          <a:p>
+            <a:pPr>
+              <a:defRPr/>
+            </a:pPr>
+            <a:r>
               <a:rPr lang="en-US" dirty="0"/>
-              <a:t>Access Modifiers</a:t>
-            </a:r>
-          </a:p>
-        </p:txBody>
-      </p:sp>
-      <p:sp>
-        <p:nvSpPr>
-          <p:cNvPr id="2" name="Content Placeholder 1"/>
-          <p:cNvSpPr>
-            <a:spLocks noGrp="1"/>
-          </p:cNvSpPr>
-          <p:nvPr>
-            <p:ph idx="1"/>
-          </p:nvPr>
-        </p:nvSpPr>
-        <p:spPr/>
-        <p:txBody>
-          <a:bodyPr>
-            <a:normAutofit fontScale="85000" lnSpcReduction="20000"/>
-          </a:bodyPr>
-          <a:lstStyle/>
+              <a:t>This code (below) does not work</a:t>
+            </a:r>
+          </a:p>
+          <a:p>
+            <a:pPr marL="457200" lvl="1" indent="0">
+              <a:buNone/>
+              <a:defRPr/>
+            </a:pPr>
+            <a:r>
+              <a:rPr lang="en-US" sz="2400" dirty="0" err="1">
+                <a:latin typeface="Courier New" panose="02070309020205020404" pitchFamily="49" charset="0"/>
+                <a:cs typeface="Courier New" panose="02070309020205020404" pitchFamily="49" charset="0"/>
+              </a:rPr>
+              <a:t>CheckingAccount</a:t>
+            </a:r>
+            <a:r>
+              <a:rPr lang="en-US" sz="2400" dirty="0">
+                <a:latin typeface="Courier New" panose="02070309020205020404" pitchFamily="49" charset="0"/>
+                <a:cs typeface="Courier New" panose="02070309020205020404" pitchFamily="49" charset="0"/>
+              </a:rPr>
+              <a:t> ca = </a:t>
+            </a:r>
+            <a:r>
+              <a:rPr lang="en-US" sz="2400" b="1" dirty="0">
+                <a:latin typeface="Courier New" panose="02070309020205020404" pitchFamily="49" charset="0"/>
+                <a:cs typeface="Courier New" panose="02070309020205020404" pitchFamily="49" charset="0"/>
+              </a:rPr>
+              <a:t>new</a:t>
+            </a:r>
+            <a:r>
+              <a:rPr lang="en-US" sz="2400" dirty="0">
+                <a:latin typeface="Courier New" panose="02070309020205020404" pitchFamily="49" charset="0"/>
+                <a:cs typeface="Courier New" panose="02070309020205020404" pitchFamily="49" charset="0"/>
+              </a:rPr>
+              <a:t> </a:t>
+            </a:r>
+            <a:r>
+              <a:rPr lang="en-US" sz="2400" dirty="0" err="1">
+                <a:latin typeface="Courier New" panose="02070309020205020404" pitchFamily="49" charset="0"/>
+                <a:cs typeface="Courier New" panose="02070309020205020404" pitchFamily="49" charset="0"/>
+              </a:rPr>
+              <a:t>BankAccount</a:t>
+            </a:r>
+            <a:r>
+              <a:rPr lang="en-US" sz="2400" dirty="0">
+                <a:latin typeface="Courier New" panose="02070309020205020404" pitchFamily="49" charset="0"/>
+                <a:cs typeface="Courier New" panose="02070309020205020404" pitchFamily="49" charset="0"/>
+              </a:rPr>
+              <a:t>();</a:t>
+            </a:r>
+            <a:br>
+              <a:rPr lang="en-US" sz="2400" dirty="0">
+                <a:latin typeface="Courier New" panose="02070309020205020404" pitchFamily="49" charset="0"/>
+                <a:cs typeface="Courier New" panose="02070309020205020404" pitchFamily="49" charset="0"/>
+              </a:rPr>
+            </a:br>
+            <a:r>
+              <a:rPr lang="en-US" sz="2400" dirty="0" err="1">
+                <a:latin typeface="Courier New" panose="02070309020205020404" pitchFamily="49" charset="0"/>
+                <a:cs typeface="Courier New" panose="02070309020205020404" pitchFamily="49" charset="0"/>
+              </a:rPr>
+              <a:t>ca.deductFees</a:t>
+            </a:r>
+            <a:r>
+              <a:rPr lang="en-US" sz="2400" dirty="0">
+                <a:latin typeface="Courier New" panose="02070309020205020404" pitchFamily="49" charset="0"/>
+                <a:cs typeface="Courier New" panose="02070309020205020404" pitchFamily="49" charset="0"/>
+              </a:rPr>
+              <a:t>();</a:t>
+            </a:r>
+          </a:p>
           <a:p>
             <a:pPr lvl="1">
               <a:defRPr/>
             </a:pPr>
             <a:r>
-              <a:rPr lang="en-US" b="1" dirty="0">
-                <a:solidFill>
-                  <a:schemeClr val="accent3"/>
-                </a:solidFill>
-                <a:latin typeface="Lucida Sans Typewriter" pitchFamily="49" charset="0"/>
-              </a:rPr>
-              <a:t>public</a:t>
+              <a:rPr lang="en-US" dirty="0" err="1"/>
+              <a:t>CheckingAccount</a:t>
             </a:r>
             <a:r>
               <a:rPr lang="en-US" dirty="0"/>
-              <a:t>—any code can see it</a:t>
+              <a:t> is the </a:t>
+            </a:r>
+            <a:r>
+              <a:rPr lang="en-US" i="1" dirty="0"/>
+              <a:t>declared type</a:t>
             </a:r>
           </a:p>
           <a:p>
@@ -9005,17 +9675,16 @@
               <a:defRPr/>
             </a:pPr>
             <a:r>
-              <a:rPr lang="en-US" b="1" dirty="0">
-                <a:solidFill>
-                  <a:schemeClr val="accent3"/>
-                </a:solidFill>
-                <a:latin typeface="Lucida Sans Typewriter" pitchFamily="49" charset="0"/>
-              </a:rPr>
-              <a:t>protected</a:t>
+              <a:rPr lang="en-US" dirty="0" err="1"/>
+              <a:t>BankAccount</a:t>
             </a:r>
             <a:r>
               <a:rPr lang="en-US" dirty="0"/>
-              <a:t>— package and subclasses can see it</a:t>
+              <a:t> is the </a:t>
+            </a:r>
+            <a:r>
+              <a:rPr lang="en-US" i="1" dirty="0"/>
+              <a:t>instantiated type</a:t>
             </a:r>
           </a:p>
           <a:p>
@@ -9023,221 +9692,39 @@
               <a:defRPr/>
             </a:pPr>
             <a:r>
-              <a:rPr lang="en-US" b="1" dirty="0">
-                <a:solidFill>
-                  <a:schemeClr val="accent3"/>
-                </a:solidFill>
-                <a:latin typeface="Lucida Sans Typewriter" pitchFamily="49" charset="0"/>
-              </a:rPr>
-              <a:t>default</a:t>
-            </a:r>
-            <a:r>
               <a:rPr lang="en-US" dirty="0"/>
-              <a:t>—anything in the package can see it</a:t>
-            </a:r>
-            <a:endParaRPr lang="en-US" b="1" dirty="0">
-              <a:solidFill>
-                <a:schemeClr val="accent3"/>
-              </a:solidFill>
-              <a:latin typeface="Lucida Sans Typewriter" pitchFamily="49" charset="0"/>
-            </a:endParaRPr>
-          </a:p>
-          <a:p>
-            <a:pPr lvl="1">
-              <a:defRPr/>
-            </a:pPr>
-            <a:r>
-              <a:rPr lang="en-US" b="1" dirty="0">
-                <a:solidFill>
-                  <a:schemeClr val="accent3"/>
-                </a:solidFill>
-                <a:latin typeface="Lucida Sans Typewriter" pitchFamily="49" charset="0"/>
-              </a:rPr>
-              <a:t>private</a:t>
-            </a:r>
-            <a:r>
-              <a:rPr lang="en-US" dirty="0"/>
-              <a:t>—only the class itself can see it</a:t>
-            </a:r>
-          </a:p>
-          <a:p>
-            <a:pPr lvl="1">
-              <a:defRPr/>
-            </a:pPr>
-            <a:endParaRPr lang="en-US" dirty="0"/>
-          </a:p>
-          <a:p>
-            <a:pPr>
-              <a:defRPr/>
-            </a:pPr>
-            <a:r>
-              <a:rPr lang="en-US" dirty="0"/>
-              <a:t>Notes:</a:t>
-            </a:r>
-          </a:p>
-          <a:p>
-            <a:pPr lvl="1">
-              <a:defRPr/>
-            </a:pPr>
-            <a:r>
-              <a:rPr lang="en-US" b="1" dirty="0"/>
-              <a:t>default</a:t>
-            </a:r>
-            <a:r>
-              <a:rPr lang="en-US" dirty="0"/>
-              <a:t> (i.e., no modifier)—only code </a:t>
+              <a:t>It doesn't compile because </a:t>
             </a:r>
             <a:br>
               <a:rPr lang="en-US" dirty="0"/>
             </a:br>
             <a:r>
+              <a:rPr lang="en-US" dirty="0" err="1"/>
+              <a:t>BackAccount</a:t>
+            </a:r>
+            <a:r>
               <a:rPr lang="en-US" dirty="0"/>
-              <a:t>in the same </a:t>
-            </a:r>
-            <a:r>
-              <a:rPr lang="en-US" b="1" dirty="0">
-                <a:solidFill>
-                  <a:schemeClr val="accent3"/>
-                </a:solidFill>
-              </a:rPr>
-              <a:t>package</a:t>
+              <a:t> </a:t>
+            </a:r>
+            <a:r>
+              <a:rPr lang="en-US" i="1" dirty="0" err="1"/>
+              <a:t>isNotA</a:t>
             </a:r>
             <a:r>
               <a:rPr lang="en-US" dirty="0"/>
-              <a:t> can see it</a:t>
-            </a:r>
-          </a:p>
-          <a:p>
-            <a:pPr lvl="2">
-              <a:defRPr/>
-            </a:pPr>
-            <a:r>
-              <a:rPr lang="en-US" dirty="0"/>
-              <a:t>good choice for classes</a:t>
-            </a:r>
-          </a:p>
-          <a:p>
-            <a:pPr lvl="1">
-              <a:defRPr/>
-            </a:pPr>
-            <a:r>
-              <a:rPr lang="en-US" b="1" dirty="0">
-                <a:solidFill>
-                  <a:schemeClr val="accent3"/>
-                </a:solidFill>
-                <a:latin typeface="Lucida Sans Typewriter" pitchFamily="49" charset="0"/>
-              </a:rPr>
-              <a:t>protected</a:t>
-            </a:r>
-            <a:r>
-              <a:rPr lang="en-US" dirty="0"/>
-              <a:t>—like default, but </a:t>
-            </a:r>
-            <a:br>
-              <a:rPr lang="en-US" dirty="0"/>
-            </a:br>
-            <a:r>
-              <a:rPr lang="en-US" dirty="0"/>
-              <a:t>subclasses also have access</a:t>
-            </a:r>
-          </a:p>
-          <a:p>
-            <a:pPr lvl="2">
-              <a:defRPr/>
-            </a:pPr>
-            <a:r>
-              <a:rPr lang="en-US" dirty="0"/>
-              <a:t>sometimes useful for helper methods</a:t>
-            </a:r>
-          </a:p>
-        </p:txBody>
-      </p:sp>
-      <p:sp>
-        <p:nvSpPr>
-          <p:cNvPr id="5" name="Right Brace 4"/>
-          <p:cNvSpPr/>
-          <p:nvPr/>
-        </p:nvSpPr>
-        <p:spPr>
-          <a:xfrm>
-            <a:off x="6553200" y="3505200"/>
-            <a:ext cx="533400" cy="2501900"/>
-          </a:xfrm>
-          <a:prstGeom prst="rightBrace">
-            <a:avLst/>
-          </a:prstGeom>
-        </p:spPr>
-        <p:style>
-          <a:lnRef idx="1">
-            <a:schemeClr val="accent2"/>
-          </a:lnRef>
-          <a:fillRef idx="0">
-            <a:schemeClr val="accent2"/>
-          </a:fillRef>
-          <a:effectRef idx="0">
-            <a:schemeClr val="accent2"/>
-          </a:effectRef>
-          <a:fontRef idx="minor">
-            <a:schemeClr val="tx1"/>
-          </a:fontRef>
-        </p:style>
-        <p:txBody>
-          <a:bodyPr anchor="ctr"/>
-          <a:lstStyle/>
-          <a:p>
-            <a:pPr algn="ctr">
-              <a:defRPr/>
-            </a:pPr>
-            <a:endParaRPr lang="en-US"/>
-          </a:p>
-        </p:txBody>
-      </p:sp>
-      <p:sp>
-        <p:nvSpPr>
-          <p:cNvPr id="6" name="Rounded Rectangle 5"/>
-          <p:cNvSpPr/>
-          <p:nvPr/>
-        </p:nvSpPr>
-        <p:spPr>
-          <a:xfrm>
-            <a:off x="7162800" y="3733800"/>
-            <a:ext cx="1371600" cy="2057400"/>
-          </a:xfrm>
-          <a:prstGeom prst="roundRect">
-            <a:avLst/>
-          </a:prstGeom>
-        </p:spPr>
-        <p:style>
-          <a:lnRef idx="1">
-            <a:schemeClr val="accent2"/>
-          </a:lnRef>
-          <a:fillRef idx="3">
-            <a:schemeClr val="accent2"/>
-          </a:fillRef>
-          <a:effectRef idx="2">
-            <a:schemeClr val="accent2"/>
-          </a:effectRef>
-          <a:fontRef idx="minor">
-            <a:schemeClr val="lt1"/>
-          </a:fontRef>
-        </p:style>
-        <p:txBody>
-          <a:bodyPr anchor="ctr"/>
-          <a:lstStyle/>
-          <a:p>
-            <a:pPr algn="ctr">
-              <a:defRPr/>
-            </a:pPr>
-            <a:r>
-              <a:rPr lang="en-US" sz="2800" dirty="0"/>
-              <a:t>Bad for fields!</a:t>
-            </a:r>
-          </a:p>
-        </p:txBody>
-      </p:sp>
-      <p:sp>
-        <p:nvSpPr>
-          <p:cNvPr id="8" name="Rectangle 9"/>
+              <a:t> </a:t>
+            </a:r>
+            <a:r>
+              <a:rPr lang="en-US" dirty="0" err="1"/>
+              <a:t>CheckingAccount</a:t>
+            </a:r>
+            <a:endParaRPr lang="en-US" dirty="0"/>
+          </a:p>
+        </p:txBody>
+      </p:sp>
+      <p:sp>
+        <p:nvSpPr>
+          <p:cNvPr id="7" name="Rectangle 9"/>
           <p:cNvSpPr>
             <a:spLocks/>
           </p:cNvSpPr>
@@ -9280,19 +9767,24 @@
               <a:defRPr/>
             </a:pPr>
             <a:r>
-              <a:rPr lang="en-US" sz="1800" dirty="0">
+              <a:rPr lang="en-US" sz="1800">
                 <a:solidFill>
                   <a:schemeClr val="bg1"/>
                 </a:solidFill>
                 <a:cs typeface="Arial" pitchFamily="34" charset="0"/>
                 <a:sym typeface="Arial" pitchFamily="34" charset="0"/>
               </a:rPr>
-              <a:t>Q7</a:t>
+              <a:t>Q6</a:t>
             </a:r>
           </a:p>
         </p:txBody>
       </p:sp>
     </p:spTree>
+    <p:extLst>
+      <p:ext uri="{BB962C8B-B14F-4D97-AF65-F5344CB8AC3E}">
+        <p14:creationId xmlns:p14="http://schemas.microsoft.com/office/powerpoint/2010/main" val="1421300670"/>
+      </p:ext>
+    </p:extLst>
   </p:cSld>
   <p:clrMapOvr>
     <a:masterClrMapping/>
@@ -9319,6 +9811,730 @@
       </p:grpSpPr>
       <p:sp>
         <p:nvSpPr>
+          <p:cNvPr id="3" name="Title 2"/>
+          <p:cNvSpPr>
+            <a:spLocks noGrp="1"/>
+          </p:cNvSpPr>
+          <p:nvPr>
+            <p:ph type="title"/>
+          </p:nvPr>
+        </p:nvSpPr>
+        <p:spPr/>
+        <p:txBody>
+          <a:bodyPr/>
+          <a:lstStyle/>
+          <a:p>
+            <a:pPr>
+              <a:defRPr/>
+            </a:pPr>
+            <a:r>
+              <a:rPr lang="en-US"/>
+              <a:t>Another Example</a:t>
+            </a:r>
+          </a:p>
+        </p:txBody>
+      </p:sp>
+      <p:sp>
+        <p:nvSpPr>
+          <p:cNvPr id="2" name="Content Placeholder 1"/>
+          <p:cNvSpPr>
+            <a:spLocks noGrp="1"/>
+          </p:cNvSpPr>
+          <p:nvPr>
+            <p:ph idx="1"/>
+          </p:nvPr>
+        </p:nvSpPr>
+        <p:spPr/>
+        <p:txBody>
+          <a:bodyPr>
+            <a:normAutofit/>
+          </a:bodyPr>
+          <a:lstStyle/>
+          <a:p>
+            <a:pPr>
+              <a:defRPr/>
+            </a:pPr>
+            <a:r>
+              <a:rPr lang="en-US"/>
+              <a:t>Can use </a:t>
+            </a:r>
+            <a:r>
+              <a:rPr lang="en-US" err="1"/>
+              <a:t>BankAccount's</a:t>
+            </a:r>
+            <a:r>
+              <a:rPr lang="en-US"/>
+              <a:t> </a:t>
+            </a:r>
+            <a:r>
+              <a:rPr lang="en-US" i="1"/>
+              <a:t>transfer</a:t>
+            </a:r>
+            <a:r>
+              <a:rPr lang="en-US"/>
+              <a:t> method to transfer between different accounts:</a:t>
+            </a:r>
+          </a:p>
+          <a:p>
+            <a:pPr marL="457200" lvl="1" indent="0">
+              <a:buNone/>
+              <a:defRPr/>
+            </a:pPr>
+            <a:r>
+              <a:rPr lang="en-US" sz="2000">
+                <a:latin typeface="Courier New" panose="02070309020205020404" pitchFamily="49" charset="0"/>
+                <a:cs typeface="Courier New" panose="02070309020205020404" pitchFamily="49" charset="0"/>
+              </a:rPr>
+              <a:t>{</a:t>
+            </a:r>
+          </a:p>
+          <a:p>
+            <a:pPr marL="457200" lvl="1" indent="0">
+              <a:buNone/>
+              <a:defRPr/>
+            </a:pPr>
+            <a:r>
+              <a:rPr lang="en-US" sz="2000">
+                <a:latin typeface="Courier New" panose="02070309020205020404" pitchFamily="49" charset="0"/>
+                <a:cs typeface="Courier New" panose="02070309020205020404" pitchFamily="49" charset="0"/>
+              </a:rPr>
+              <a:t>   </a:t>
+            </a:r>
+            <a:r>
+              <a:rPr lang="en-US" sz="2000" err="1">
+                <a:latin typeface="Courier New" panose="02070309020205020404" pitchFamily="49" charset="0"/>
+                <a:cs typeface="Courier New" panose="02070309020205020404" pitchFamily="49" charset="0"/>
+              </a:rPr>
+              <a:t>SavingsAccount</a:t>
+            </a:r>
+            <a:r>
+              <a:rPr lang="en-US" sz="2000">
+                <a:latin typeface="Courier New" panose="02070309020205020404" pitchFamily="49" charset="0"/>
+                <a:cs typeface="Courier New" panose="02070309020205020404" pitchFamily="49" charset="0"/>
+              </a:rPr>
+              <a:t> </a:t>
+            </a:r>
+            <a:r>
+              <a:rPr lang="en-US" sz="2000" err="1">
+                <a:latin typeface="Courier New" panose="02070309020205020404" pitchFamily="49" charset="0"/>
+                <a:cs typeface="Courier New" panose="02070309020205020404" pitchFamily="49" charset="0"/>
+              </a:rPr>
+              <a:t>sa</a:t>
+            </a:r>
+            <a:r>
+              <a:rPr lang="en-US" sz="2000">
+                <a:latin typeface="Courier New" panose="02070309020205020404" pitchFamily="49" charset="0"/>
+                <a:cs typeface="Courier New" panose="02070309020205020404" pitchFamily="49" charset="0"/>
+              </a:rPr>
+              <a:t> = …;</a:t>
+            </a:r>
+          </a:p>
+          <a:p>
+            <a:pPr marL="457200" lvl="1" indent="0">
+              <a:buNone/>
+              <a:defRPr/>
+            </a:pPr>
+            <a:r>
+              <a:rPr lang="en-US" sz="2000">
+                <a:latin typeface="Courier New" panose="02070309020205020404" pitchFamily="49" charset="0"/>
+                <a:cs typeface="Courier New" panose="02070309020205020404" pitchFamily="49" charset="0"/>
+              </a:rPr>
+              <a:t>   </a:t>
+            </a:r>
+            <a:r>
+              <a:rPr lang="en-US" sz="2000" err="1">
+                <a:latin typeface="Courier New" panose="02070309020205020404" pitchFamily="49" charset="0"/>
+                <a:cs typeface="Courier New" panose="02070309020205020404" pitchFamily="49" charset="0"/>
+              </a:rPr>
+              <a:t>CheckingAccount</a:t>
+            </a:r>
+            <a:r>
+              <a:rPr lang="en-US" sz="2000">
+                <a:latin typeface="Courier New" panose="02070309020205020404" pitchFamily="49" charset="0"/>
+                <a:cs typeface="Courier New" panose="02070309020205020404" pitchFamily="49" charset="0"/>
+              </a:rPr>
+              <a:t> ca = …;</a:t>
+            </a:r>
+          </a:p>
+          <a:p>
+            <a:pPr marL="457200" lvl="1" indent="0">
+              <a:buNone/>
+              <a:defRPr/>
+            </a:pPr>
+            <a:r>
+              <a:rPr lang="en-US" sz="2000">
+                <a:latin typeface="Courier New" panose="02070309020205020404" pitchFamily="49" charset="0"/>
+                <a:cs typeface="Courier New" panose="02070309020205020404" pitchFamily="49" charset="0"/>
+              </a:rPr>
+              <a:t>   </a:t>
+            </a:r>
+            <a:r>
+              <a:rPr lang="en-US" sz="2000" err="1">
+                <a:latin typeface="Courier New" panose="02070309020205020404" pitchFamily="49" charset="0"/>
+                <a:cs typeface="Courier New" panose="02070309020205020404" pitchFamily="49" charset="0"/>
+              </a:rPr>
+              <a:t>sa.transfer</a:t>
+            </a:r>
+            <a:r>
+              <a:rPr lang="en-US" sz="2000">
+                <a:latin typeface="Courier New" panose="02070309020205020404" pitchFamily="49" charset="0"/>
+                <a:cs typeface="Courier New" panose="02070309020205020404" pitchFamily="49" charset="0"/>
+              </a:rPr>
+              <a:t>(100, ca);  // </a:t>
+            </a:r>
+            <a:br>
+              <a:rPr lang="en-US" sz="2000">
+                <a:latin typeface="Courier New" panose="02070309020205020404" pitchFamily="49" charset="0"/>
+                <a:cs typeface="Courier New" panose="02070309020205020404" pitchFamily="49" charset="0"/>
+              </a:rPr>
+            </a:br>
+            <a:r>
+              <a:rPr lang="en-US" sz="2000">
+                <a:latin typeface="Courier New" panose="02070309020205020404" pitchFamily="49" charset="0"/>
+                <a:cs typeface="Courier New" panose="02070309020205020404" pitchFamily="49" charset="0"/>
+              </a:rPr>
+              <a:t>}</a:t>
+            </a:r>
+          </a:p>
+          <a:p>
+            <a:pPr marL="171450" lvl="1" indent="0">
+              <a:buNone/>
+              <a:defRPr/>
+            </a:pPr>
+            <a:r>
+              <a:rPr lang="en-US" sz="2000" b="1">
+                <a:latin typeface="Courier New" panose="02070309020205020404" pitchFamily="49" charset="0"/>
+                <a:cs typeface="Courier New" panose="02070309020205020404" pitchFamily="49" charset="0"/>
+              </a:rPr>
+              <a:t>public</a:t>
+            </a:r>
+            <a:r>
+              <a:rPr lang="en-US" sz="2000">
+                <a:latin typeface="Courier New" panose="02070309020205020404" pitchFamily="49" charset="0"/>
+                <a:cs typeface="Courier New" panose="02070309020205020404" pitchFamily="49" charset="0"/>
+              </a:rPr>
+              <a:t> </a:t>
+            </a:r>
+            <a:r>
+              <a:rPr lang="en-US" sz="2000" b="1">
+                <a:latin typeface="Courier New" panose="02070309020205020404" pitchFamily="49" charset="0"/>
+                <a:cs typeface="Courier New" panose="02070309020205020404" pitchFamily="49" charset="0"/>
+              </a:rPr>
+              <a:t>void</a:t>
+            </a:r>
+            <a:r>
+              <a:rPr lang="en-US" sz="2000">
+                <a:latin typeface="Courier New" panose="02070309020205020404" pitchFamily="49" charset="0"/>
+                <a:cs typeface="Courier New" panose="02070309020205020404" pitchFamily="49" charset="0"/>
+              </a:rPr>
+              <a:t> transfer(double amount, </a:t>
+            </a:r>
+            <a:r>
+              <a:rPr lang="en-US" sz="2000" err="1">
+                <a:latin typeface="Courier New" panose="02070309020205020404" pitchFamily="49" charset="0"/>
+                <a:cs typeface="Courier New" panose="02070309020205020404" pitchFamily="49" charset="0"/>
+              </a:rPr>
+              <a:t>BankAccount</a:t>
+            </a:r>
+            <a:r>
+              <a:rPr lang="en-US" sz="2000">
+                <a:latin typeface="Courier New" panose="02070309020205020404" pitchFamily="49" charset="0"/>
+                <a:cs typeface="Courier New" panose="02070309020205020404" pitchFamily="49" charset="0"/>
+              </a:rPr>
+              <a:t> o){</a:t>
+            </a:r>
+            <a:br>
+              <a:rPr lang="en-US" sz="2000">
+                <a:latin typeface="Courier New" panose="02070309020205020404" pitchFamily="49" charset="0"/>
+                <a:cs typeface="Courier New" panose="02070309020205020404" pitchFamily="49" charset="0"/>
+              </a:rPr>
+            </a:br>
+            <a:r>
+              <a:rPr lang="en-US" sz="2000">
+                <a:latin typeface="Courier New" panose="02070309020205020404" pitchFamily="49" charset="0"/>
+                <a:cs typeface="Courier New" panose="02070309020205020404" pitchFamily="49" charset="0"/>
+              </a:rPr>
+              <a:t>    </a:t>
+            </a:r>
+            <a:r>
+              <a:rPr lang="en-US" sz="2000" err="1">
+                <a:latin typeface="Courier New" panose="02070309020205020404" pitchFamily="49" charset="0"/>
+                <a:cs typeface="Courier New" panose="02070309020205020404" pitchFamily="49" charset="0"/>
+              </a:rPr>
+              <a:t>this.withdraw</a:t>
+            </a:r>
+            <a:r>
+              <a:rPr lang="en-US" sz="2000">
+                <a:latin typeface="Courier New" panose="02070309020205020404" pitchFamily="49" charset="0"/>
+                <a:cs typeface="Courier New" panose="02070309020205020404" pitchFamily="49" charset="0"/>
+              </a:rPr>
+              <a:t>(amount);</a:t>
+            </a:r>
+            <a:br>
+              <a:rPr lang="en-US" sz="2000">
+                <a:latin typeface="Courier New" panose="02070309020205020404" pitchFamily="49" charset="0"/>
+                <a:cs typeface="Courier New" panose="02070309020205020404" pitchFamily="49" charset="0"/>
+              </a:rPr>
+            </a:br>
+            <a:r>
+              <a:rPr lang="en-US" sz="2000">
+                <a:latin typeface="Courier New" panose="02070309020205020404" pitchFamily="49" charset="0"/>
+                <a:cs typeface="Courier New" panose="02070309020205020404" pitchFamily="49" charset="0"/>
+              </a:rPr>
+              <a:t>    </a:t>
+            </a:r>
+            <a:r>
+              <a:rPr lang="en-US" sz="2000" err="1">
+                <a:latin typeface="Courier New" panose="02070309020205020404" pitchFamily="49" charset="0"/>
+                <a:cs typeface="Courier New" panose="02070309020205020404" pitchFamily="49" charset="0"/>
+              </a:rPr>
+              <a:t>o.deposit</a:t>
+            </a:r>
+            <a:r>
+              <a:rPr lang="en-US" sz="2000">
+                <a:latin typeface="Courier New" panose="02070309020205020404" pitchFamily="49" charset="0"/>
+                <a:cs typeface="Courier New" panose="02070309020205020404" pitchFamily="49" charset="0"/>
+              </a:rPr>
+              <a:t>(amount);</a:t>
+            </a:r>
+            <a:br>
+              <a:rPr lang="en-US" sz="2000">
+                <a:latin typeface="Courier New" panose="02070309020205020404" pitchFamily="49" charset="0"/>
+                <a:cs typeface="Courier New" panose="02070309020205020404" pitchFamily="49" charset="0"/>
+              </a:rPr>
+            </a:br>
+            <a:r>
+              <a:rPr lang="en-US" sz="2000">
+                <a:latin typeface="Courier New" panose="02070309020205020404" pitchFamily="49" charset="0"/>
+                <a:cs typeface="Courier New" panose="02070309020205020404" pitchFamily="49" charset="0"/>
+              </a:rPr>
+              <a:t>}</a:t>
+            </a:r>
+          </a:p>
+        </p:txBody>
+      </p:sp>
+    </p:spTree>
+  </p:cSld>
+  <p:clrMapOvr>
+    <a:masterClrMapping/>
+  </p:clrMapOvr>
+</p:sld>
+</file>
+
+<file path=ppt/slides/slide18.xml><?xml version="1.0" encoding="utf-8"?>
+<p:sld xmlns:a="http://schemas.openxmlformats.org/drawingml/2006/main" xmlns:r="http://schemas.openxmlformats.org/officeDocument/2006/relationships" xmlns:p="http://schemas.openxmlformats.org/presentationml/2006/main">
+  <p:cSld>
+    <p:spTree>
+      <p:nvGrpSpPr>
+        <p:cNvPr id="1" name=""/>
+        <p:cNvGrpSpPr/>
+        <p:nvPr/>
+      </p:nvGrpSpPr>
+      <p:grpSpPr>
+        <a:xfrm>
+          <a:off x="0" y="0"/>
+          <a:ext cx="0" cy="0"/>
+          <a:chOff x="0" y="0"/>
+          <a:chExt cx="0" cy="0"/>
+        </a:xfrm>
+      </p:grpSpPr>
+      <p:sp>
+        <p:nvSpPr>
+          <p:cNvPr id="3" name="Title 2"/>
+          <p:cNvSpPr>
+            <a:spLocks noGrp="1"/>
+          </p:cNvSpPr>
+          <p:nvPr>
+            <p:ph type="title"/>
+          </p:nvPr>
+        </p:nvSpPr>
+        <p:spPr/>
+        <p:txBody>
+          <a:bodyPr/>
+          <a:lstStyle/>
+          <a:p>
+            <a:pPr>
+              <a:defRPr/>
+            </a:pPr>
+            <a:r>
+              <a:rPr lang="en-US"/>
+              <a:t>Access Modifiers</a:t>
+            </a:r>
+          </a:p>
+        </p:txBody>
+      </p:sp>
+      <p:sp>
+        <p:nvSpPr>
+          <p:cNvPr id="2" name="Content Placeholder 1"/>
+          <p:cNvSpPr>
+            <a:spLocks noGrp="1"/>
+          </p:cNvSpPr>
+          <p:nvPr>
+            <p:ph idx="1"/>
+          </p:nvPr>
+        </p:nvSpPr>
+        <p:spPr/>
+        <p:txBody>
+          <a:bodyPr>
+            <a:normAutofit fontScale="85000" lnSpcReduction="20000"/>
+          </a:bodyPr>
+          <a:lstStyle/>
+          <a:p>
+            <a:pPr lvl="1">
+              <a:tabLst>
+                <a:tab pos="3197225" algn="l"/>
+              </a:tabLst>
+              <a:defRPr/>
+            </a:pPr>
+            <a:r>
+              <a:rPr lang="en-US" dirty="0">
+                <a:latin typeface="Courier New" panose="02070309020205020404" pitchFamily="49" charset="0"/>
+                <a:cs typeface="Courier New" panose="02070309020205020404" pitchFamily="49" charset="0"/>
+              </a:rPr>
+              <a:t>public</a:t>
+            </a:r>
+            <a:r>
+              <a:rPr lang="en-US" b="1" dirty="0">
+                <a:solidFill>
+                  <a:schemeClr val="accent3"/>
+                </a:solidFill>
+                <a:latin typeface="Lucida Sans Typewriter" pitchFamily="49" charset="0"/>
+              </a:rPr>
+              <a:t>	</a:t>
+            </a:r>
+            <a:r>
+              <a:rPr lang="en-US" dirty="0"/>
+              <a:t>any code can see it</a:t>
+            </a:r>
+          </a:p>
+          <a:p>
+            <a:pPr lvl="1">
+              <a:tabLst>
+                <a:tab pos="3197225" algn="l"/>
+              </a:tabLst>
+              <a:defRPr/>
+            </a:pPr>
+            <a:r>
+              <a:rPr lang="en-US" dirty="0">
+                <a:latin typeface="Courier New" panose="02070309020205020404" pitchFamily="49" charset="0"/>
+                <a:cs typeface="Courier New" panose="02070309020205020404" pitchFamily="49" charset="0"/>
+              </a:rPr>
+              <a:t>protected</a:t>
+            </a:r>
+            <a:r>
+              <a:rPr lang="en-US" dirty="0"/>
+              <a:t>	package and subclasses can see it</a:t>
+            </a:r>
+          </a:p>
+          <a:p>
+            <a:pPr lvl="1">
+              <a:tabLst>
+                <a:tab pos="3197225" algn="l"/>
+              </a:tabLst>
+              <a:defRPr/>
+            </a:pPr>
+            <a:r>
+              <a:rPr lang="en-US" dirty="0">
+                <a:cs typeface="Courier New" panose="02070309020205020404" pitchFamily="49" charset="0"/>
+              </a:rPr>
+              <a:t>default</a:t>
+            </a:r>
+            <a:r>
+              <a:rPr lang="en-US" dirty="0">
+                <a:latin typeface="Courier New" panose="02070309020205020404" pitchFamily="49" charset="0"/>
+                <a:cs typeface="Courier New" panose="02070309020205020404" pitchFamily="49" charset="0"/>
+              </a:rPr>
+              <a:t> </a:t>
+            </a:r>
+            <a:r>
+              <a:rPr lang="en-US" dirty="0"/>
+              <a:t>	anything in the package can see it</a:t>
+            </a:r>
+            <a:endParaRPr lang="en-US" b="1" dirty="0">
+              <a:solidFill>
+                <a:schemeClr val="accent3"/>
+              </a:solidFill>
+              <a:latin typeface="Lucida Sans Typewriter" pitchFamily="49" charset="0"/>
+            </a:endParaRPr>
+          </a:p>
+          <a:p>
+            <a:pPr lvl="1">
+              <a:tabLst>
+                <a:tab pos="3197225" algn="l"/>
+              </a:tabLst>
+              <a:defRPr/>
+            </a:pPr>
+            <a:r>
+              <a:rPr lang="en-US" dirty="0">
+                <a:latin typeface="Courier New" panose="02070309020205020404" pitchFamily="49" charset="0"/>
+                <a:cs typeface="Courier New" panose="02070309020205020404" pitchFamily="49" charset="0"/>
+              </a:rPr>
+              <a:t>private</a:t>
+            </a:r>
+            <a:r>
+              <a:rPr lang="en-US" dirty="0"/>
+              <a:t>	only the class itself can see it</a:t>
+            </a:r>
+          </a:p>
+          <a:p>
+            <a:pPr lvl="1">
+              <a:defRPr/>
+            </a:pPr>
+            <a:endParaRPr lang="en-US" dirty="0"/>
+          </a:p>
+          <a:p>
+            <a:pPr>
+              <a:defRPr/>
+            </a:pPr>
+            <a:r>
+              <a:rPr lang="en-US" dirty="0"/>
+              <a:t>Notes:</a:t>
+            </a:r>
+          </a:p>
+          <a:p>
+            <a:pPr lvl="1">
+              <a:defRPr/>
+            </a:pPr>
+            <a:r>
+              <a:rPr lang="en-US" b="1" dirty="0"/>
+              <a:t>default</a:t>
+            </a:r>
+            <a:r>
+              <a:rPr lang="en-US" dirty="0"/>
+              <a:t> (i.e., modifier missing) — only code </a:t>
+            </a:r>
+            <a:br>
+              <a:rPr lang="en-US" dirty="0"/>
+            </a:br>
+            <a:r>
+              <a:rPr lang="en-US" dirty="0"/>
+              <a:t>in the same </a:t>
+            </a:r>
+            <a:r>
+              <a:rPr lang="en-US" b="1" dirty="0">
+                <a:solidFill>
+                  <a:schemeClr val="accent3"/>
+                </a:solidFill>
+              </a:rPr>
+              <a:t>package</a:t>
+            </a:r>
+            <a:r>
+              <a:rPr lang="en-US" dirty="0"/>
+              <a:t> can access it</a:t>
+            </a:r>
+          </a:p>
+          <a:p>
+            <a:pPr lvl="2">
+              <a:defRPr/>
+            </a:pPr>
+            <a:r>
+              <a:rPr lang="en-US" dirty="0"/>
+              <a:t>good choice for classes</a:t>
+            </a:r>
+          </a:p>
+          <a:p>
+            <a:pPr lvl="1">
+              <a:defRPr/>
+            </a:pPr>
+            <a:r>
+              <a:rPr lang="en-US" b="1" dirty="0">
+                <a:solidFill>
+                  <a:schemeClr val="accent3"/>
+                </a:solidFill>
+                <a:latin typeface="Lucida Sans Typewriter" pitchFamily="49" charset="0"/>
+              </a:rPr>
+              <a:t>Protected </a:t>
+            </a:r>
+            <a:r>
+              <a:rPr lang="en-US" dirty="0"/>
+              <a:t>— like default, but </a:t>
+            </a:r>
+            <a:br>
+              <a:rPr lang="en-US" dirty="0"/>
+            </a:br>
+            <a:r>
+              <a:rPr lang="en-US" dirty="0"/>
+              <a:t>subclasses also have access</a:t>
+            </a:r>
+          </a:p>
+          <a:p>
+            <a:pPr lvl="2">
+              <a:defRPr/>
+            </a:pPr>
+            <a:r>
+              <a:rPr lang="en-US" dirty="0"/>
+              <a:t>sometimes useful for helper methods</a:t>
+            </a:r>
+          </a:p>
+        </p:txBody>
+      </p:sp>
+      <p:sp>
+        <p:nvSpPr>
+          <p:cNvPr id="5" name="Right Brace 4"/>
+          <p:cNvSpPr/>
+          <p:nvPr/>
+        </p:nvSpPr>
+        <p:spPr>
+          <a:xfrm>
+            <a:off x="6553200" y="3505200"/>
+            <a:ext cx="533400" cy="2501900"/>
+          </a:xfrm>
+          <a:prstGeom prst="rightBrace">
+            <a:avLst/>
+          </a:prstGeom>
+        </p:spPr>
+        <p:style>
+          <a:lnRef idx="1">
+            <a:schemeClr val="accent2"/>
+          </a:lnRef>
+          <a:fillRef idx="0">
+            <a:schemeClr val="accent2"/>
+          </a:fillRef>
+          <a:effectRef idx="0">
+            <a:schemeClr val="accent2"/>
+          </a:effectRef>
+          <a:fontRef idx="minor">
+            <a:schemeClr val="tx1"/>
+          </a:fontRef>
+        </p:style>
+        <p:txBody>
+          <a:bodyPr anchor="ctr"/>
+          <a:lstStyle/>
+          <a:p>
+            <a:pPr algn="ctr">
+              <a:defRPr/>
+            </a:pPr>
+            <a:endParaRPr lang="en-US"/>
+          </a:p>
+        </p:txBody>
+      </p:sp>
+      <p:sp>
+        <p:nvSpPr>
+          <p:cNvPr id="6" name="Rounded Rectangle 5"/>
+          <p:cNvSpPr/>
+          <p:nvPr/>
+        </p:nvSpPr>
+        <p:spPr>
+          <a:xfrm>
+            <a:off x="7162800" y="3733800"/>
+            <a:ext cx="1371600" cy="2057400"/>
+          </a:xfrm>
+          <a:prstGeom prst="roundRect">
+            <a:avLst/>
+          </a:prstGeom>
+        </p:spPr>
+        <p:style>
+          <a:lnRef idx="1">
+            <a:schemeClr val="accent2"/>
+          </a:lnRef>
+          <a:fillRef idx="3">
+            <a:schemeClr val="accent2"/>
+          </a:fillRef>
+          <a:effectRef idx="2">
+            <a:schemeClr val="accent2"/>
+          </a:effectRef>
+          <a:fontRef idx="minor">
+            <a:schemeClr val="lt1"/>
+          </a:fontRef>
+        </p:style>
+        <p:txBody>
+          <a:bodyPr anchor="ctr"/>
+          <a:lstStyle/>
+          <a:p>
+            <a:pPr algn="ctr">
+              <a:defRPr/>
+            </a:pPr>
+            <a:r>
+              <a:rPr lang="en-US" sz="2800"/>
+              <a:t>Bad for fields!</a:t>
+            </a:r>
+          </a:p>
+        </p:txBody>
+      </p:sp>
+      <p:sp>
+        <p:nvSpPr>
+          <p:cNvPr id="8" name="Rectangle 9"/>
+          <p:cNvSpPr>
+            <a:spLocks/>
+          </p:cNvSpPr>
+          <p:nvPr/>
+        </p:nvSpPr>
+        <p:spPr bwMode="auto">
+          <a:xfrm>
+            <a:off x="8432800" y="6334564"/>
+            <a:ext cx="558800" cy="419100"/>
+          </a:xfrm>
+          <a:prstGeom prst="rect">
+            <a:avLst/>
+          </a:prstGeom>
+          <a:ln>
+            <a:headEnd/>
+            <a:tailEnd/>
+          </a:ln>
+        </p:spPr>
+        <p:style>
+          <a:lnRef idx="2">
+            <a:schemeClr val="accent3">
+              <a:shade val="50000"/>
+            </a:schemeClr>
+          </a:lnRef>
+          <a:fillRef idx="1">
+            <a:schemeClr val="accent3"/>
+          </a:fillRef>
+          <a:effectRef idx="0">
+            <a:schemeClr val="accent3"/>
+          </a:effectRef>
+          <a:fontRef idx="minor">
+            <a:schemeClr val="lt1"/>
+          </a:fontRef>
+        </p:style>
+        <p:txBody>
+          <a:bodyPr lIns="0" tIns="0" rIns="0" bIns="0" anchor="ctr"/>
+          <a:lstStyle/>
+          <a:p>
+            <a:pPr algn="ctr">
+              <a:defRPr/>
+            </a:pPr>
+            <a:r>
+              <a:rPr lang="en-US" sz="1800">
+                <a:solidFill>
+                  <a:schemeClr val="bg1"/>
+                </a:solidFill>
+                <a:cs typeface="Arial" pitchFamily="34" charset="0"/>
+                <a:sym typeface="Arial" pitchFamily="34" charset="0"/>
+              </a:rPr>
+              <a:t>Q7</a:t>
+            </a:r>
+          </a:p>
+        </p:txBody>
+      </p:sp>
+    </p:spTree>
+  </p:cSld>
+  <p:clrMapOvr>
+    <a:masterClrMapping/>
+  </p:clrMapOvr>
+</p:sld>
+</file>
+
+<file path=ppt/slides/slide19.xml><?xml version="1.0" encoding="utf-8"?>
+<p:sld xmlns:a="http://schemas.openxmlformats.org/drawingml/2006/main" xmlns:r="http://schemas.openxmlformats.org/officeDocument/2006/relationships" xmlns:p="http://schemas.openxmlformats.org/presentationml/2006/main">
+  <p:cSld>
+    <p:spTree>
+      <p:nvGrpSpPr>
+        <p:cNvPr id="1" name=""/>
+        <p:cNvGrpSpPr/>
+        <p:nvPr/>
+      </p:nvGrpSpPr>
+      <p:grpSpPr>
+        <a:xfrm>
+          <a:off x="0" y="0"/>
+          <a:ext cx="0" cy="0"/>
+          <a:chOff x="0" y="0"/>
+          <a:chExt cx="0" cy="0"/>
+        </a:xfrm>
+      </p:grpSpPr>
+      <p:sp>
+        <p:nvSpPr>
           <p:cNvPr id="2" name="Title 1"/>
           <p:cNvSpPr>
             <a:spLocks noGrp="1"/>
@@ -9414,7 +10630,252 @@
 </p:sld>
 </file>
 
-<file path=ppt/slides/slide18.xml><?xml version="1.0" encoding="utf-8"?>
+<file path=ppt/slides/slide2.xml><?xml version="1.0" encoding="utf-8"?>
+<p:sld xmlns:a="http://schemas.openxmlformats.org/drawingml/2006/main" xmlns:r="http://schemas.openxmlformats.org/officeDocument/2006/relationships" xmlns:p="http://schemas.openxmlformats.org/presentationml/2006/main">
+  <p:cSld>
+    <p:spTree>
+      <p:nvGrpSpPr>
+        <p:cNvPr id="1" name=""/>
+        <p:cNvGrpSpPr/>
+        <p:nvPr/>
+      </p:nvGrpSpPr>
+      <p:grpSpPr>
+        <a:xfrm>
+          <a:off x="0" y="0"/>
+          <a:ext cx="0" cy="0"/>
+          <a:chOff x="0" y="0"/>
+          <a:chExt cx="0" cy="0"/>
+        </a:xfrm>
+      </p:grpSpPr>
+      <p:sp>
+        <p:nvSpPr>
+          <p:cNvPr id="3" name="Title 2"/>
+          <p:cNvSpPr>
+            <a:spLocks noGrp="1"/>
+          </p:cNvSpPr>
+          <p:nvPr>
+            <p:ph type="title"/>
+          </p:nvPr>
+        </p:nvSpPr>
+        <p:spPr/>
+        <p:txBody>
+          <a:bodyPr/>
+          <a:lstStyle/>
+          <a:p>
+            <a:pPr>
+              <a:defRPr/>
+            </a:pPr>
+            <a:r>
+              <a:rPr lang="en-US" dirty="0">
+                <a:solidFill>
+                  <a:schemeClr val="accent3"/>
+                </a:solidFill>
+              </a:rPr>
+              <a:t>Inheritance</a:t>
+            </a:r>
+          </a:p>
+        </p:txBody>
+      </p:sp>
+      <p:sp>
+        <p:nvSpPr>
+          <p:cNvPr id="4" name="Content Placeholder 3"/>
+          <p:cNvSpPr>
+            <a:spLocks noGrp="1"/>
+          </p:cNvSpPr>
+          <p:nvPr>
+            <p:ph idx="1"/>
+          </p:nvPr>
+        </p:nvSpPr>
+        <p:spPr>
+          <a:xfrm>
+            <a:off x="304800" y="1481138"/>
+            <a:ext cx="4787900" cy="4525962"/>
+          </a:xfrm>
+        </p:spPr>
+        <p:txBody>
+          <a:bodyPr/>
+          <a:lstStyle/>
+          <a:p>
+            <a:pPr>
+              <a:defRPr/>
+            </a:pPr>
+            <a:r>
+              <a:rPr lang="en-US" sz="2400" dirty="0"/>
+              <a:t>Sometimes a new class is </a:t>
+            </a:r>
+            <a:r>
+              <a:rPr lang="en-US" sz="2400" b="1" dirty="0">
+                <a:solidFill>
+                  <a:schemeClr val="accent3"/>
+                </a:solidFill>
+              </a:rPr>
+              <a:t>a special case </a:t>
+            </a:r>
+            <a:r>
+              <a:rPr lang="en-US" sz="2400" dirty="0"/>
+              <a:t>of the concept represented by another </a:t>
+            </a:r>
+          </a:p>
+          <a:p>
+            <a:pPr>
+              <a:defRPr/>
+            </a:pPr>
+            <a:endParaRPr lang="en-US" sz="2400" dirty="0"/>
+          </a:p>
+          <a:p>
+            <a:pPr>
+              <a:defRPr/>
+            </a:pPr>
+            <a:r>
+              <a:rPr lang="en-US" sz="2400" dirty="0"/>
+              <a:t>Can “borrow” from an existing class, changing just what we need</a:t>
+            </a:r>
+          </a:p>
+          <a:p>
+            <a:pPr>
+              <a:defRPr/>
+            </a:pPr>
+            <a:endParaRPr lang="en-US" sz="2400" dirty="0"/>
+          </a:p>
+          <a:p>
+            <a:pPr>
+              <a:defRPr/>
+            </a:pPr>
+            <a:r>
+              <a:rPr lang="en-US" sz="2400" dirty="0"/>
+              <a:t>The new class </a:t>
+            </a:r>
+            <a:r>
+              <a:rPr lang="en-US" sz="2400" b="1" dirty="0">
+                <a:solidFill>
+                  <a:schemeClr val="accent3"/>
+                </a:solidFill>
+              </a:rPr>
+              <a:t>inherits</a:t>
+            </a:r>
+            <a:r>
+              <a:rPr lang="en-US" sz="2400" dirty="0"/>
+              <a:t> from the existing one:</a:t>
+            </a:r>
+          </a:p>
+          <a:p>
+            <a:pPr lvl="1">
+              <a:defRPr/>
+            </a:pPr>
+            <a:r>
+              <a:rPr lang="en-US" sz="2000" dirty="0"/>
+              <a:t>all methods</a:t>
+            </a:r>
+          </a:p>
+          <a:p>
+            <a:pPr lvl="1">
+              <a:defRPr/>
+            </a:pPr>
+            <a:r>
+              <a:rPr lang="en-US" sz="2000" dirty="0"/>
+              <a:t>all instance fields</a:t>
+            </a:r>
+          </a:p>
+        </p:txBody>
+      </p:sp>
+      <p:pic>
+        <p:nvPicPr>
+          <p:cNvPr id="11268" name="Picture 2" descr="C:\DOCUME~1\ADMINI~1\LOCALS~1\Temp\VMwareDnD\00006daf\piggy.jpg"/>
+          <p:cNvPicPr>
+            <a:picLocks noChangeAspect="1" noChangeArrowheads="1"/>
+          </p:cNvPicPr>
+          <p:nvPr/>
+        </p:nvPicPr>
+        <p:blipFill>
+          <a:blip r:embed="rId3" cstate="print"/>
+          <a:srcRect/>
+          <a:stretch>
+            <a:fillRect/>
+          </a:stretch>
+        </p:blipFill>
+        <p:spPr bwMode="auto">
+          <a:xfrm>
+            <a:off x="5245100" y="1295400"/>
+            <a:ext cx="3746500" cy="5003800"/>
+          </a:xfrm>
+          <a:prstGeom prst="rect">
+            <a:avLst/>
+          </a:prstGeom>
+          <a:noFill/>
+          <a:ln w="9525">
+            <a:noFill/>
+            <a:miter lim="800000"/>
+            <a:headEnd/>
+            <a:tailEnd/>
+          </a:ln>
+        </p:spPr>
+      </p:pic>
+      <p:sp>
+        <p:nvSpPr>
+          <p:cNvPr id="7" name="Rectangle 9"/>
+          <p:cNvSpPr>
+            <a:spLocks/>
+          </p:cNvSpPr>
+          <p:nvPr/>
+        </p:nvSpPr>
+        <p:spPr bwMode="auto">
+          <a:xfrm>
+            <a:off x="8432800" y="6334564"/>
+            <a:ext cx="558800" cy="419100"/>
+          </a:xfrm>
+          <a:prstGeom prst="rect">
+            <a:avLst/>
+          </a:prstGeom>
+          <a:ln>
+            <a:headEnd/>
+            <a:tailEnd/>
+          </a:ln>
+        </p:spPr>
+        <p:style>
+          <a:lnRef idx="2">
+            <a:schemeClr val="accent3">
+              <a:shade val="50000"/>
+            </a:schemeClr>
+          </a:lnRef>
+          <a:fillRef idx="1">
+            <a:schemeClr val="accent3"/>
+          </a:fillRef>
+          <a:effectRef idx="0">
+            <a:schemeClr val="accent3"/>
+          </a:effectRef>
+          <a:fontRef idx="minor">
+            <a:schemeClr val="lt1"/>
+          </a:fontRef>
+        </p:style>
+        <p:txBody>
+          <a:bodyPr lIns="0" tIns="0" rIns="0" bIns="0" anchor="ctr"/>
+          <a:lstStyle/>
+          <a:p>
+            <a:pPr algn="ctr">
+              <a:defRPr/>
+            </a:pPr>
+            <a:r>
+              <a:rPr lang="en-US" sz="1800" dirty="0">
+                <a:solidFill>
+                  <a:schemeClr val="bg1"/>
+                </a:solidFill>
+                <a:cs typeface="Arial" pitchFamily="34" charset="0"/>
+                <a:sym typeface="Arial" pitchFamily="34" charset="0"/>
+              </a:rPr>
+              <a:t>Q1</a:t>
+            </a:r>
+          </a:p>
+        </p:txBody>
+      </p:sp>
+    </p:spTree>
+  </p:cSld>
+  <p:clrMapOvr>
+    <a:masterClrMapping/>
+  </p:clrMapOvr>
+</p:sld>
+</file>
+
+<file path=ppt/slides/slide20.xml><?xml version="1.0" encoding="utf-8"?>
 <p:sld xmlns:a="http://schemas.openxmlformats.org/drawingml/2006/main" xmlns:r="http://schemas.openxmlformats.org/officeDocument/2006/relationships" xmlns:p="http://schemas.openxmlformats.org/presentationml/2006/main">
   <p:cSld>
     <p:spTree>
@@ -9794,7 +11255,7 @@
 </p:sld>
 </file>
 
-<file path=ppt/slides/slide19.xml><?xml version="1.0" encoding="utf-8"?>
+<file path=ppt/slides/slide21.xml><?xml version="1.0" encoding="utf-8"?>
 <p:sld xmlns:a="http://schemas.openxmlformats.org/drawingml/2006/main" xmlns:r="http://schemas.openxmlformats.org/officeDocument/2006/relationships" xmlns:p="http://schemas.openxmlformats.org/presentationml/2006/main">
   <p:cSld>
     <p:spTree>
@@ -9865,252 +11326,7 @@
 </p:sld>
 </file>
 
-<file path=ppt/slides/slide2.xml><?xml version="1.0" encoding="utf-8"?>
-<p:sld xmlns:a="http://schemas.openxmlformats.org/drawingml/2006/main" xmlns:r="http://schemas.openxmlformats.org/officeDocument/2006/relationships" xmlns:p="http://schemas.openxmlformats.org/presentationml/2006/main">
-  <p:cSld>
-    <p:spTree>
-      <p:nvGrpSpPr>
-        <p:cNvPr id="1" name=""/>
-        <p:cNvGrpSpPr/>
-        <p:nvPr/>
-      </p:nvGrpSpPr>
-      <p:grpSpPr>
-        <a:xfrm>
-          <a:off x="0" y="0"/>
-          <a:ext cx="0" cy="0"/>
-          <a:chOff x="0" y="0"/>
-          <a:chExt cx="0" cy="0"/>
-        </a:xfrm>
-      </p:grpSpPr>
-      <p:sp>
-        <p:nvSpPr>
-          <p:cNvPr id="3" name="Title 2"/>
-          <p:cNvSpPr>
-            <a:spLocks noGrp="1"/>
-          </p:cNvSpPr>
-          <p:nvPr>
-            <p:ph type="title"/>
-          </p:nvPr>
-        </p:nvSpPr>
-        <p:spPr/>
-        <p:txBody>
-          <a:bodyPr/>
-          <a:lstStyle/>
-          <a:p>
-            <a:pPr>
-              <a:defRPr/>
-            </a:pPr>
-            <a:r>
-              <a:rPr lang="en-US" dirty="0">
-                <a:solidFill>
-                  <a:schemeClr val="accent3"/>
-                </a:solidFill>
-              </a:rPr>
-              <a:t>Inheritance</a:t>
-            </a:r>
-          </a:p>
-        </p:txBody>
-      </p:sp>
-      <p:sp>
-        <p:nvSpPr>
-          <p:cNvPr id="4" name="Content Placeholder 3"/>
-          <p:cNvSpPr>
-            <a:spLocks noGrp="1"/>
-          </p:cNvSpPr>
-          <p:nvPr>
-            <p:ph idx="1"/>
-          </p:nvPr>
-        </p:nvSpPr>
-        <p:spPr>
-          <a:xfrm>
-            <a:off x="304800" y="1481138"/>
-            <a:ext cx="4787900" cy="4525962"/>
-          </a:xfrm>
-        </p:spPr>
-        <p:txBody>
-          <a:bodyPr/>
-          <a:lstStyle/>
-          <a:p>
-            <a:pPr>
-              <a:defRPr/>
-            </a:pPr>
-            <a:r>
-              <a:rPr lang="en-US" sz="2400" dirty="0"/>
-              <a:t>Sometimes a new class is </a:t>
-            </a:r>
-            <a:r>
-              <a:rPr lang="en-US" sz="2400" b="1" dirty="0">
-                <a:solidFill>
-                  <a:schemeClr val="accent3"/>
-                </a:solidFill>
-              </a:rPr>
-              <a:t>a special case </a:t>
-            </a:r>
-            <a:r>
-              <a:rPr lang="en-US" sz="2400" dirty="0"/>
-              <a:t>of the concept represented by another </a:t>
-            </a:r>
-          </a:p>
-          <a:p>
-            <a:pPr>
-              <a:defRPr/>
-            </a:pPr>
-            <a:endParaRPr lang="en-US" sz="2400" dirty="0"/>
-          </a:p>
-          <a:p>
-            <a:pPr>
-              <a:defRPr/>
-            </a:pPr>
-            <a:r>
-              <a:rPr lang="en-US" sz="2400" dirty="0"/>
-              <a:t>Can “borrow” from an existing class, changing just what we need</a:t>
-            </a:r>
-          </a:p>
-          <a:p>
-            <a:pPr>
-              <a:defRPr/>
-            </a:pPr>
-            <a:endParaRPr lang="en-US" sz="2400" dirty="0"/>
-          </a:p>
-          <a:p>
-            <a:pPr>
-              <a:defRPr/>
-            </a:pPr>
-            <a:r>
-              <a:rPr lang="en-US" sz="2400" dirty="0"/>
-              <a:t>The new class </a:t>
-            </a:r>
-            <a:r>
-              <a:rPr lang="en-US" sz="2400" b="1" dirty="0">
-                <a:solidFill>
-                  <a:schemeClr val="accent3"/>
-                </a:solidFill>
-              </a:rPr>
-              <a:t>inherits</a:t>
-            </a:r>
-            <a:r>
-              <a:rPr lang="en-US" sz="2400" dirty="0"/>
-              <a:t> from the existing one:</a:t>
-            </a:r>
-          </a:p>
-          <a:p>
-            <a:pPr lvl="1">
-              <a:defRPr/>
-            </a:pPr>
-            <a:r>
-              <a:rPr lang="en-US" sz="2000" dirty="0"/>
-              <a:t>all methods</a:t>
-            </a:r>
-          </a:p>
-          <a:p>
-            <a:pPr lvl="1">
-              <a:defRPr/>
-            </a:pPr>
-            <a:r>
-              <a:rPr lang="en-US" sz="2000" dirty="0"/>
-              <a:t>all instance fields</a:t>
-            </a:r>
-          </a:p>
-        </p:txBody>
-      </p:sp>
-      <p:pic>
-        <p:nvPicPr>
-          <p:cNvPr id="11268" name="Picture 2" descr="C:\DOCUME~1\ADMINI~1\LOCALS~1\Temp\VMwareDnD\00006daf\piggy.jpg"/>
-          <p:cNvPicPr>
-            <a:picLocks noChangeAspect="1" noChangeArrowheads="1"/>
-          </p:cNvPicPr>
-          <p:nvPr/>
-        </p:nvPicPr>
-        <p:blipFill>
-          <a:blip r:embed="rId3" cstate="print"/>
-          <a:srcRect/>
-          <a:stretch>
-            <a:fillRect/>
-          </a:stretch>
-        </p:blipFill>
-        <p:spPr bwMode="auto">
-          <a:xfrm>
-            <a:off x="5245100" y="1295400"/>
-            <a:ext cx="3746500" cy="5003800"/>
-          </a:xfrm>
-          <a:prstGeom prst="rect">
-            <a:avLst/>
-          </a:prstGeom>
-          <a:noFill/>
-          <a:ln w="9525">
-            <a:noFill/>
-            <a:miter lim="800000"/>
-            <a:headEnd/>
-            <a:tailEnd/>
-          </a:ln>
-        </p:spPr>
-      </p:pic>
-      <p:sp>
-        <p:nvSpPr>
-          <p:cNvPr id="7" name="Rectangle 9"/>
-          <p:cNvSpPr>
-            <a:spLocks/>
-          </p:cNvSpPr>
-          <p:nvPr/>
-        </p:nvSpPr>
-        <p:spPr bwMode="auto">
-          <a:xfrm>
-            <a:off x="8432800" y="6334564"/>
-            <a:ext cx="558800" cy="419100"/>
-          </a:xfrm>
-          <a:prstGeom prst="rect">
-            <a:avLst/>
-          </a:prstGeom>
-          <a:ln>
-            <a:headEnd/>
-            <a:tailEnd/>
-          </a:ln>
-        </p:spPr>
-        <p:style>
-          <a:lnRef idx="2">
-            <a:schemeClr val="accent3">
-              <a:shade val="50000"/>
-            </a:schemeClr>
-          </a:lnRef>
-          <a:fillRef idx="1">
-            <a:schemeClr val="accent3"/>
-          </a:fillRef>
-          <a:effectRef idx="0">
-            <a:schemeClr val="accent3"/>
-          </a:effectRef>
-          <a:fontRef idx="minor">
-            <a:schemeClr val="lt1"/>
-          </a:fontRef>
-        </p:style>
-        <p:txBody>
-          <a:bodyPr lIns="0" tIns="0" rIns="0" bIns="0" anchor="ctr"/>
-          <a:lstStyle/>
-          <a:p>
-            <a:pPr algn="ctr">
-              <a:defRPr/>
-            </a:pPr>
-            <a:r>
-              <a:rPr lang="en-US" sz="1800" dirty="0">
-                <a:solidFill>
-                  <a:schemeClr val="bg1"/>
-                </a:solidFill>
-                <a:cs typeface="Arial" pitchFamily="34" charset="0"/>
-                <a:sym typeface="Arial" pitchFamily="34" charset="0"/>
-              </a:rPr>
-              <a:t>Q1</a:t>
-            </a:r>
-          </a:p>
-        </p:txBody>
-      </p:sp>
-    </p:spTree>
-  </p:cSld>
-  <p:clrMapOvr>
-    <a:masterClrMapping/>
-  </p:clrMapOvr>
-</p:sld>
-</file>
-
-<file path=ppt/slides/slide20.xml><?xml version="1.0" encoding="utf-8"?>
+<file path=ppt/slides/slide22.xml><?xml version="1.0" encoding="utf-8"?>
 <p:sld xmlns:a="http://schemas.openxmlformats.org/drawingml/2006/main" xmlns:r="http://schemas.openxmlformats.org/officeDocument/2006/relationships" xmlns:p="http://schemas.openxmlformats.org/presentationml/2006/main">
   <p:cSld>
     <p:spTree>
@@ -10261,7 +11477,7 @@
 </p:sld>
 </file>
 
-<file path=ppt/slides/slide21.xml><?xml version="1.0" encoding="utf-8"?>
+<file path=ppt/slides/slide23.xml><?xml version="1.0" encoding="utf-8"?>
 <p:sld xmlns:a="http://schemas.openxmlformats.org/drawingml/2006/main" xmlns:r="http://schemas.openxmlformats.org/officeDocument/2006/relationships" xmlns:p="http://schemas.openxmlformats.org/presentationml/2006/main">
   <p:cSld>
     <p:spTree>
@@ -10973,7 +12189,7 @@
               <a:defRPr/>
             </a:pPr>
             <a:r>
-              <a:rPr lang="en-US" dirty="0"/>
+              <a:rPr lang="en-US"/>
               <a:t>Notation and Terminology</a:t>
             </a:r>
           </a:p>
@@ -10999,24 +12215,28 @@
           <a:bodyPr/>
           <a:lstStyle/>
           <a:p>
-            <a:pPr>
+            <a:pPr marL="0" indent="0">
+              <a:buNone/>
               <a:defRPr/>
             </a:pPr>
             <a:r>
               <a:rPr lang="en-US" sz="2200" b="1" dirty="0">
-                <a:latin typeface="Lucida Sans Typewriter" pitchFamily="49" charset="0"/>
+                <a:latin typeface="Courier New" panose="02070309020205020404" pitchFamily="49" charset="0"/>
+                <a:cs typeface="Courier New" panose="02070309020205020404" pitchFamily="49" charset="0"/>
               </a:rPr>
               <a:t>class </a:t>
             </a:r>
             <a:r>
               <a:rPr lang="en-US" sz="2200" b="1" dirty="0" err="1">
-                <a:latin typeface="Lucida Sans Typewriter" pitchFamily="49" charset="0"/>
+                <a:latin typeface="Courier New" panose="02070309020205020404" pitchFamily="49" charset="0"/>
+                <a:cs typeface="Courier New" panose="02070309020205020404" pitchFamily="49" charset="0"/>
               </a:rPr>
               <a:t>SavingsAccount</a:t>
             </a:r>
             <a:r>
               <a:rPr lang="en-US" sz="2200" b="1" dirty="0">
-                <a:latin typeface="Lucida Sans Typewriter" pitchFamily="49" charset="0"/>
+                <a:latin typeface="Courier New" panose="02070309020205020404" pitchFamily="49" charset="0"/>
+                <a:cs typeface="Courier New" panose="02070309020205020404" pitchFamily="49" charset="0"/>
               </a:rPr>
               <a:t> </a:t>
             </a:r>
@@ -11025,70 +12245,82 @@
                 <a:solidFill>
                   <a:schemeClr val="accent3"/>
                 </a:solidFill>
-                <a:latin typeface="Lucida Sans Typewriter" pitchFamily="49" charset="0"/>
+                <a:latin typeface="Courier New" panose="02070309020205020404" pitchFamily="49" charset="0"/>
+                <a:cs typeface="Courier New" panose="02070309020205020404" pitchFamily="49" charset="0"/>
               </a:rPr>
               <a:t>extends</a:t>
             </a:r>
             <a:r>
               <a:rPr lang="en-US" sz="2200" b="1" dirty="0">
-                <a:latin typeface="Lucida Sans Typewriter" pitchFamily="49" charset="0"/>
+                <a:latin typeface="Courier New" panose="02070309020205020404" pitchFamily="49" charset="0"/>
+                <a:cs typeface="Courier New" panose="02070309020205020404" pitchFamily="49" charset="0"/>
               </a:rPr>
               <a:t> </a:t>
             </a:r>
             <a:r>
               <a:rPr lang="en-US" sz="2200" b="1" dirty="0" err="1">
-                <a:latin typeface="Lucida Sans Typewriter" pitchFamily="49" charset="0"/>
+                <a:latin typeface="Courier New" panose="02070309020205020404" pitchFamily="49" charset="0"/>
+                <a:cs typeface="Courier New" panose="02070309020205020404" pitchFamily="49" charset="0"/>
               </a:rPr>
               <a:t>BankAccount</a:t>
             </a:r>
             <a:r>
               <a:rPr lang="en-US" sz="2200" b="1" dirty="0">
-                <a:latin typeface="Lucida Sans Typewriter" pitchFamily="49" charset="0"/>
+                <a:latin typeface="Courier New" panose="02070309020205020404" pitchFamily="49" charset="0"/>
+                <a:cs typeface="Courier New" panose="02070309020205020404" pitchFamily="49" charset="0"/>
               </a:rPr>
               <a:t> {</a:t>
             </a:r>
             <a:br>
               <a:rPr lang="en-US" sz="2200" b="1" dirty="0">
-                <a:latin typeface="Lucida Sans Typewriter" pitchFamily="49" charset="0"/>
+                <a:latin typeface="Courier New" panose="02070309020205020404" pitchFamily="49" charset="0"/>
+                <a:cs typeface="Courier New" panose="02070309020205020404" pitchFamily="49" charset="0"/>
               </a:rPr>
             </a:br>
             <a:r>
               <a:rPr lang="en-US" sz="2200" b="1" dirty="0">
-                <a:latin typeface="Lucida Sans Typewriter" pitchFamily="49" charset="0"/>
+                <a:latin typeface="Courier New" panose="02070309020205020404" pitchFamily="49" charset="0"/>
+                <a:cs typeface="Courier New" panose="02070309020205020404" pitchFamily="49" charset="0"/>
               </a:rPr>
               <a:t>	// </a:t>
             </a:r>
             <a:r>
               <a:rPr lang="en-US" sz="2200" dirty="0">
-                <a:latin typeface="Lucida Sans Typewriter" pitchFamily="49" charset="0"/>
-              </a:rPr>
-              <a:t>added fields</a:t>
+                <a:latin typeface="Courier New" panose="02070309020205020404" pitchFamily="49" charset="0"/>
+                <a:cs typeface="Courier New" panose="02070309020205020404" pitchFamily="49" charset="0"/>
+              </a:rPr>
+              <a:t>fields</a:t>
             </a:r>
             <a:br>
               <a:rPr lang="en-US" sz="2200" b="1" dirty="0">
-                <a:latin typeface="Lucida Sans Typewriter" pitchFamily="49" charset="0"/>
+                <a:latin typeface="Courier New" panose="02070309020205020404" pitchFamily="49" charset="0"/>
+                <a:cs typeface="Courier New" panose="02070309020205020404" pitchFamily="49" charset="0"/>
               </a:rPr>
             </a:br>
             <a:r>
               <a:rPr lang="en-US" sz="2200" b="1" dirty="0">
-                <a:latin typeface="Lucida Sans Typewriter" pitchFamily="49" charset="0"/>
+                <a:latin typeface="Courier New" panose="02070309020205020404" pitchFamily="49" charset="0"/>
+                <a:cs typeface="Courier New" panose="02070309020205020404" pitchFamily="49" charset="0"/>
               </a:rPr>
               <a:t>	// </a:t>
             </a:r>
             <a:r>
               <a:rPr lang="en-US" sz="2200" dirty="0">
-                <a:latin typeface="Lucida Sans Typewriter" pitchFamily="49" charset="0"/>
-              </a:rPr>
-              <a:t>added methods</a:t>
+                <a:latin typeface="Courier New" panose="02070309020205020404" pitchFamily="49" charset="0"/>
+                <a:cs typeface="Courier New" panose="02070309020205020404" pitchFamily="49" charset="0"/>
+              </a:rPr>
+              <a:t>methods</a:t>
             </a:r>
             <a:br>
               <a:rPr lang="en-US" sz="2200" b="1" dirty="0">
-                <a:latin typeface="Lucida Sans Typewriter" pitchFamily="49" charset="0"/>
+                <a:latin typeface="Courier New" panose="02070309020205020404" pitchFamily="49" charset="0"/>
+                <a:cs typeface="Courier New" panose="02070309020205020404" pitchFamily="49" charset="0"/>
               </a:rPr>
             </a:br>
             <a:r>
               <a:rPr lang="en-US" sz="2200" b="1" dirty="0">
-                <a:latin typeface="Lucida Sans Typewriter" pitchFamily="49" charset="0"/>
+                <a:latin typeface="Courier New" panose="02070309020205020404" pitchFamily="49" charset="0"/>
+                <a:cs typeface="Courier New" panose="02070309020205020404" pitchFamily="49" charset="0"/>
               </a:rPr>
               <a:t>}</a:t>
             </a:r>
@@ -11151,7 +12383,7 @@
               <a:defRPr/>
             </a:pPr>
             <a:r>
-              <a:rPr lang="en-US" sz="2400" b="1" dirty="0" err="1">
+              <a:rPr lang="en-US" sz="2400" b="1" dirty="0">
                 <a:solidFill>
                   <a:schemeClr val="accent3"/>
                 </a:solidFill>
@@ -11168,6 +12400,9 @@
               </a:rPr>
               <a:t>BankAccount</a:t>
             </a:r>
+            <a:endParaRPr lang="en-US" sz="2400" dirty="0">
+              <a:latin typeface="Lucida Sans Typewriter" pitchFamily="49" charset="0"/>
+            </a:endParaRPr>
           </a:p>
           <a:p>
             <a:pPr>
@@ -11197,6 +12432,399 @@
               </a:rPr>
               <a:t>SavingsAccount</a:t>
             </a:r>
+            <a:endParaRPr lang="en-US" sz="2400" dirty="0">
+              <a:latin typeface="Lucida Sans Typewriter" pitchFamily="49" charset="0"/>
+            </a:endParaRPr>
+          </a:p>
+        </p:txBody>
+      </p:sp>
+      <p:sp>
+        <p:nvSpPr>
+          <p:cNvPr id="4" name="Rounded Rectangle 3">
+            <a:extLst>
+              <a:ext uri="{FF2B5EF4-FFF2-40B4-BE49-F238E27FC236}">
+                <a16:creationId xmlns:a16="http://schemas.microsoft.com/office/drawing/2014/main" id="{2CF6C5A2-8459-8A48-BD1F-6D03763E33B0}"/>
+              </a:ext>
+            </a:extLst>
+          </p:cNvPr>
+          <p:cNvSpPr/>
+          <p:nvPr/>
+        </p:nvSpPr>
+        <p:spPr>
+          <a:xfrm>
+            <a:off x="5355771" y="1502229"/>
+            <a:ext cx="2002972" cy="337457"/>
+          </a:xfrm>
+          <a:prstGeom prst="roundRect">
+            <a:avLst/>
+          </a:prstGeom>
+          <a:noFill/>
+          <a:ln w="28575">
+            <a:solidFill>
+              <a:srgbClr val="FF0000"/>
+            </a:solidFill>
+          </a:ln>
+        </p:spPr>
+        <p:style>
+          <a:lnRef idx="2">
+            <a:schemeClr val="accent1">
+              <a:shade val="50000"/>
+            </a:schemeClr>
+          </a:lnRef>
+          <a:fillRef idx="1">
+            <a:schemeClr val="accent1"/>
+          </a:fillRef>
+          <a:effectRef idx="0">
+            <a:schemeClr val="accent1"/>
+          </a:effectRef>
+          <a:fontRef idx="minor">
+            <a:schemeClr val="lt1"/>
+          </a:fontRef>
+        </p:style>
+        <p:txBody>
+          <a:bodyPr rtlCol="0" anchor="ctr"/>
+          <a:lstStyle/>
+          <a:p>
+            <a:pPr algn="ctr"/>
+            <a:endParaRPr lang="en-US"/>
+          </a:p>
+        </p:txBody>
+      </p:sp>
+      <p:sp>
+        <p:nvSpPr>
+          <p:cNvPr id="5" name="Freeform 4">
+            <a:extLst>
+              <a:ext uri="{FF2B5EF4-FFF2-40B4-BE49-F238E27FC236}">
+                <a16:creationId xmlns:a16="http://schemas.microsoft.com/office/drawing/2014/main" id="{30ADCA63-E0C6-0E4A-956A-A8AB26E5CF24}"/>
+              </a:ext>
+            </a:extLst>
+          </p:cNvPr>
+          <p:cNvSpPr/>
+          <p:nvPr/>
+        </p:nvSpPr>
+        <p:spPr>
+          <a:xfrm>
+            <a:off x="4822371" y="1926771"/>
+            <a:ext cx="2779653" cy="2601686"/>
+          </a:xfrm>
+          <a:custGeom>
+            <a:avLst/>
+            <a:gdLst>
+              <a:gd name="connsiteX0" fmla="*/ 0 w 2779653"/>
+              <a:gd name="connsiteY0" fmla="*/ 2601686 h 2601686"/>
+              <a:gd name="connsiteX1" fmla="*/ 2623458 w 2779653"/>
+              <a:gd name="connsiteY1" fmla="*/ 1992086 h 2601686"/>
+              <a:gd name="connsiteX2" fmla="*/ 2253343 w 2779653"/>
+              <a:gd name="connsiteY2" fmla="*/ 0 h 2601686"/>
+            </a:gdLst>
+            <a:ahLst/>
+            <a:cxnLst>
+              <a:cxn ang="0">
+                <a:pos x="connsiteX0" y="connsiteY0"/>
+              </a:cxn>
+              <a:cxn ang="0">
+                <a:pos x="connsiteX1" y="connsiteY1"/>
+              </a:cxn>
+              <a:cxn ang="0">
+                <a:pos x="connsiteX2" y="connsiteY2"/>
+              </a:cxn>
+            </a:cxnLst>
+            <a:rect l="l" t="t" r="r" b="b"/>
+            <a:pathLst>
+              <a:path w="2779653" h="2601686">
+                <a:moveTo>
+                  <a:pt x="0" y="2601686"/>
+                </a:moveTo>
+                <a:cubicBezTo>
+                  <a:pt x="1123950" y="2513693"/>
+                  <a:pt x="2247901" y="2425700"/>
+                  <a:pt x="2623458" y="1992086"/>
+                </a:cubicBezTo>
+                <a:cubicBezTo>
+                  <a:pt x="2999015" y="1558472"/>
+                  <a:pt x="2626179" y="779236"/>
+                  <a:pt x="2253343" y="0"/>
+                </a:cubicBezTo>
+              </a:path>
+            </a:pathLst>
+          </a:custGeom>
+          <a:noFill/>
+          <a:ln>
+            <a:solidFill>
+              <a:srgbClr val="FF0000"/>
+            </a:solidFill>
+            <a:headEnd type="none" w="med" len="med"/>
+            <a:tailEnd type="arrow" w="med" len="med"/>
+          </a:ln>
+        </p:spPr>
+        <p:style>
+          <a:lnRef idx="2">
+            <a:schemeClr val="accent1">
+              <a:shade val="50000"/>
+            </a:schemeClr>
+          </a:lnRef>
+          <a:fillRef idx="1">
+            <a:schemeClr val="accent1"/>
+          </a:fillRef>
+          <a:effectRef idx="0">
+            <a:schemeClr val="accent1"/>
+          </a:effectRef>
+          <a:fontRef idx="minor">
+            <a:schemeClr val="lt1"/>
+          </a:fontRef>
+        </p:style>
+        <p:txBody>
+          <a:bodyPr rtlCol="0" anchor="ctr"/>
+          <a:lstStyle/>
+          <a:p>
+            <a:pPr algn="ctr"/>
+            <a:endParaRPr lang="en-US"/>
+          </a:p>
+        </p:txBody>
+      </p:sp>
+      <p:cxnSp>
+        <p:nvCxnSpPr>
+          <p:cNvPr id="7" name="Straight Connector 6">
+            <a:extLst>
+              <a:ext uri="{FF2B5EF4-FFF2-40B4-BE49-F238E27FC236}">
+                <a16:creationId xmlns:a16="http://schemas.microsoft.com/office/drawing/2014/main" id="{6F43A7FA-442F-D24D-B39A-B7799943AA68}"/>
+              </a:ext>
+            </a:extLst>
+          </p:cNvPr>
+          <p:cNvCxnSpPr/>
+          <p:nvPr/>
+        </p:nvCxnSpPr>
+        <p:spPr>
+          <a:xfrm>
+            <a:off x="1643743" y="4593771"/>
+            <a:ext cx="533400" cy="0"/>
+          </a:xfrm>
+          <a:prstGeom prst="line">
+            <a:avLst/>
+          </a:prstGeom>
+          <a:ln>
+            <a:solidFill>
+              <a:srgbClr val="FF0000"/>
+            </a:solidFill>
+          </a:ln>
+        </p:spPr>
+        <p:style>
+          <a:lnRef idx="1">
+            <a:schemeClr val="accent1"/>
+          </a:lnRef>
+          <a:fillRef idx="0">
+            <a:schemeClr val="accent1"/>
+          </a:fillRef>
+          <a:effectRef idx="0">
+            <a:schemeClr val="accent1"/>
+          </a:effectRef>
+          <a:fontRef idx="minor">
+            <a:schemeClr val="tx1"/>
+          </a:fontRef>
+        </p:style>
+      </p:cxnSp>
+      <p:cxnSp>
+        <p:nvCxnSpPr>
+          <p:cNvPr id="8" name="Straight Connector 7">
+            <a:extLst>
+              <a:ext uri="{FF2B5EF4-FFF2-40B4-BE49-F238E27FC236}">
+                <a16:creationId xmlns:a16="http://schemas.microsoft.com/office/drawing/2014/main" id="{C8DC9713-03CE-1441-B0ED-EFA2E3AD9420}"/>
+              </a:ext>
+            </a:extLst>
+          </p:cNvPr>
+          <p:cNvCxnSpPr/>
+          <p:nvPr/>
+        </p:nvCxnSpPr>
+        <p:spPr>
+          <a:xfrm>
+            <a:off x="1415143" y="5464628"/>
+            <a:ext cx="533400" cy="0"/>
+          </a:xfrm>
+          <a:prstGeom prst="line">
+            <a:avLst/>
+          </a:prstGeom>
+          <a:ln>
+            <a:solidFill>
+              <a:srgbClr val="FF0000"/>
+            </a:solidFill>
+          </a:ln>
+        </p:spPr>
+        <p:style>
+          <a:lnRef idx="1">
+            <a:schemeClr val="accent1"/>
+          </a:lnRef>
+          <a:fillRef idx="0">
+            <a:schemeClr val="accent1"/>
+          </a:fillRef>
+          <a:effectRef idx="0">
+            <a:schemeClr val="accent1"/>
+          </a:effectRef>
+          <a:fontRef idx="minor">
+            <a:schemeClr val="tx1"/>
+          </a:fontRef>
+        </p:style>
+      </p:cxnSp>
+      <p:sp>
+        <p:nvSpPr>
+          <p:cNvPr id="9" name="Rounded Rectangle 8">
+            <a:extLst>
+              <a:ext uri="{FF2B5EF4-FFF2-40B4-BE49-F238E27FC236}">
+                <a16:creationId xmlns:a16="http://schemas.microsoft.com/office/drawing/2014/main" id="{B344648E-AC02-2E40-99EB-7ABC505C9F22}"/>
+              </a:ext>
+            </a:extLst>
+          </p:cNvPr>
+          <p:cNvSpPr/>
+          <p:nvPr/>
+        </p:nvSpPr>
+        <p:spPr>
+          <a:xfrm>
+            <a:off x="1523999" y="1513115"/>
+            <a:ext cx="2471057" cy="337457"/>
+          </a:xfrm>
+          <a:prstGeom prst="roundRect">
+            <a:avLst/>
+          </a:prstGeom>
+          <a:noFill/>
+          <a:ln w="28575">
+            <a:solidFill>
+              <a:srgbClr val="FF0000"/>
+            </a:solidFill>
+          </a:ln>
+        </p:spPr>
+        <p:style>
+          <a:lnRef idx="2">
+            <a:schemeClr val="accent1">
+              <a:shade val="50000"/>
+            </a:schemeClr>
+          </a:lnRef>
+          <a:fillRef idx="1">
+            <a:schemeClr val="accent1"/>
+          </a:fillRef>
+          <a:effectRef idx="0">
+            <a:schemeClr val="accent1"/>
+          </a:effectRef>
+          <a:fontRef idx="minor">
+            <a:schemeClr val="lt1"/>
+          </a:fontRef>
+        </p:style>
+        <p:txBody>
+          <a:bodyPr rtlCol="0" anchor="ctr"/>
+          <a:lstStyle/>
+          <a:p>
+            <a:pPr algn="ctr"/>
+            <a:endParaRPr lang="en-US"/>
+          </a:p>
+        </p:txBody>
+      </p:sp>
+      <p:sp>
+        <p:nvSpPr>
+          <p:cNvPr id="10" name="Freeform 9">
+            <a:extLst>
+              <a:ext uri="{FF2B5EF4-FFF2-40B4-BE49-F238E27FC236}">
+                <a16:creationId xmlns:a16="http://schemas.microsoft.com/office/drawing/2014/main" id="{0187544D-F11F-694E-AB7E-DA44E5A3FF67}"/>
+              </a:ext>
+            </a:extLst>
+          </p:cNvPr>
+          <p:cNvSpPr/>
+          <p:nvPr/>
+        </p:nvSpPr>
+        <p:spPr>
+          <a:xfrm>
+            <a:off x="111536" y="1861457"/>
+            <a:ext cx="2250664" cy="4037262"/>
+          </a:xfrm>
+          <a:custGeom>
+            <a:avLst/>
+            <a:gdLst>
+              <a:gd name="connsiteX0" fmla="*/ 2250664 w 2250664"/>
+              <a:gd name="connsiteY0" fmla="*/ 3690257 h 4037262"/>
+              <a:gd name="connsiteX1" fmla="*/ 802864 w 2250664"/>
+              <a:gd name="connsiteY1" fmla="*/ 4016829 h 4037262"/>
+              <a:gd name="connsiteX2" fmla="*/ 127950 w 2250664"/>
+              <a:gd name="connsiteY2" fmla="*/ 3167743 h 4037262"/>
+              <a:gd name="connsiteX3" fmla="*/ 117064 w 2250664"/>
+              <a:gd name="connsiteY3" fmla="*/ 816429 h 4037262"/>
+              <a:gd name="connsiteX4" fmla="*/ 1347150 w 2250664"/>
+              <a:gd name="connsiteY4" fmla="*/ 0 h 4037262"/>
+            </a:gdLst>
+            <a:ahLst/>
+            <a:cxnLst>
+              <a:cxn ang="0">
+                <a:pos x="connsiteX0" y="connsiteY0"/>
+              </a:cxn>
+              <a:cxn ang="0">
+                <a:pos x="connsiteX1" y="connsiteY1"/>
+              </a:cxn>
+              <a:cxn ang="0">
+                <a:pos x="connsiteX2" y="connsiteY2"/>
+              </a:cxn>
+              <a:cxn ang="0">
+                <a:pos x="connsiteX3" y="connsiteY3"/>
+              </a:cxn>
+              <a:cxn ang="0">
+                <a:pos x="connsiteX4" y="connsiteY4"/>
+              </a:cxn>
+            </a:cxnLst>
+            <a:rect l="l" t="t" r="r" b="b"/>
+            <a:pathLst>
+              <a:path w="2250664" h="4037262">
+                <a:moveTo>
+                  <a:pt x="2250664" y="3690257"/>
+                </a:moveTo>
+                <a:cubicBezTo>
+                  <a:pt x="1703657" y="3897086"/>
+                  <a:pt x="1156650" y="4103915"/>
+                  <a:pt x="802864" y="4016829"/>
+                </a:cubicBezTo>
+                <a:cubicBezTo>
+                  <a:pt x="449078" y="3929743"/>
+                  <a:pt x="242250" y="3701143"/>
+                  <a:pt x="127950" y="3167743"/>
+                </a:cubicBezTo>
+                <a:cubicBezTo>
+                  <a:pt x="13650" y="2634343"/>
+                  <a:pt x="-86136" y="1344386"/>
+                  <a:pt x="117064" y="816429"/>
+                </a:cubicBezTo>
+                <a:cubicBezTo>
+                  <a:pt x="320264" y="288472"/>
+                  <a:pt x="833707" y="144236"/>
+                  <a:pt x="1347150" y="0"/>
+                </a:cubicBezTo>
+              </a:path>
+            </a:pathLst>
+          </a:custGeom>
+          <a:noFill/>
+          <a:ln>
+            <a:solidFill>
+              <a:srgbClr val="FF0000"/>
+            </a:solidFill>
+            <a:headEnd type="none" w="med" len="med"/>
+            <a:tailEnd type="arrow" w="med" len="med"/>
+          </a:ln>
+        </p:spPr>
+        <p:style>
+          <a:lnRef idx="2">
+            <a:schemeClr val="accent1">
+              <a:shade val="50000"/>
+            </a:schemeClr>
+          </a:lnRef>
+          <a:fillRef idx="1">
+            <a:schemeClr val="accent1"/>
+          </a:fillRef>
+          <a:effectRef idx="0">
+            <a:schemeClr val="accent1"/>
+          </a:effectRef>
+          <a:fontRef idx="minor">
+            <a:schemeClr val="lt1"/>
+          </a:fontRef>
+        </p:style>
+        <p:txBody>
+          <a:bodyPr rtlCol="0" anchor="ctr"/>
+          <a:lstStyle/>
+          <a:p>
+            <a:pPr algn="ctr"/>
+            <a:endParaRPr lang="en-US"/>
           </a:p>
         </p:txBody>
       </p:sp>
@@ -11585,7 +13213,7 @@
           <a:lstStyle/>
           <a:p>
             <a:r>
-              <a:rPr lang="en-US" dirty="0"/>
+              <a:rPr lang="en-US"/>
               <a:t>Look at Code</a:t>
             </a:r>
           </a:p>
@@ -11610,55 +13238,110 @@
               <a:rPr lang="en-US" dirty="0" err="1"/>
               <a:t>BankAccount</a:t>
             </a:r>
-            <a:endParaRPr lang="en-US" dirty="0"/>
+            <a:r>
+              <a:rPr lang="en-US" sz="2000" dirty="0"/>
+              <a:t> (Superclass)</a:t>
+            </a:r>
+            <a:br>
+              <a:rPr lang="en-US" dirty="0"/>
+            </a:br>
+            <a:r>
+              <a:rPr lang="en-US" sz="2400" dirty="0"/>
+              <a:t>Superclass</a:t>
+            </a:r>
           </a:p>
           <a:p>
             <a:r>
               <a:rPr lang="en-US" dirty="0" err="1"/>
               <a:t>SavingsAccount</a:t>
             </a:r>
+            <a:r>
+              <a:rPr lang="en-US" dirty="0"/>
+              <a:t> </a:t>
+            </a:r>
+            <a:r>
+              <a:rPr lang="en-US" sz="2000" dirty="0"/>
+              <a:t>(Subclass)</a:t>
+            </a:r>
+          </a:p>
+          <a:p>
             <a:endParaRPr lang="en-US" dirty="0"/>
           </a:p>
           <a:p>
-            <a:endParaRPr lang="en-US" dirty="0"/>
-          </a:p>
-          <a:p>
-            <a:r>
-              <a:rPr lang="en-US" dirty="0" err="1">
-                <a:hlinkClick r:id="rId4"/>
-              </a:rPr>
-              <a:t>Plantuml</a:t>
-            </a:r>
             <a:r>
               <a:rPr lang="en-US" dirty="0">
                 <a:hlinkClick r:id="rId4"/>
               </a:rPr>
-              <a:t> source</a:t>
+              <a:t>Plantuml source</a:t>
             </a:r>
             <a:endParaRPr lang="en-US" dirty="0"/>
           </a:p>
           <a:p>
-            <a:pPr lvl="1"/>
-            <a:r>
-              <a:rPr lang="en-US" dirty="0" err="1"/>
+            <a:pPr marL="457200" lvl="1" indent="0">
+              <a:buNone/>
+            </a:pPr>
+            <a:r>
+              <a:rPr lang="en-US" sz="1800" dirty="0" err="1">
+                <a:latin typeface="Courier New" panose="02070309020205020404" pitchFamily="49" charset="0"/>
+                <a:cs typeface="Courier New" panose="02070309020205020404" pitchFamily="49" charset="0"/>
+              </a:rPr>
               <a:t>SavingsAccount</a:t>
             </a:r>
             <a:r>
-              <a:rPr lang="en-US" dirty="0"/>
+              <a:rPr lang="en-US" sz="1800" dirty="0">
+                <a:latin typeface="Courier New" panose="02070309020205020404" pitchFamily="49" charset="0"/>
+                <a:cs typeface="Courier New" panose="02070309020205020404" pitchFamily="49" charset="0"/>
+              </a:rPr>
               <a:t> -up-|&gt; </a:t>
             </a:r>
             <a:r>
-              <a:rPr lang="en-US" dirty="0" err="1"/>
+              <a:rPr lang="en-US" sz="1800" dirty="0" err="1">
+                <a:latin typeface="Courier New" panose="02070309020205020404" pitchFamily="49" charset="0"/>
+                <a:cs typeface="Courier New" panose="02070309020205020404" pitchFamily="49" charset="0"/>
+              </a:rPr>
               <a:t>BankAccount</a:t>
             </a:r>
-            <a:endParaRPr lang="en-US" dirty="0"/>
-          </a:p>
-        </p:txBody>
-      </p:sp>
+            <a:endParaRPr lang="en-US" sz="1800" dirty="0">
+              <a:latin typeface="Courier New" panose="02070309020205020404" pitchFamily="49" charset="0"/>
+              <a:cs typeface="Courier New" panose="02070309020205020404" pitchFamily="49" charset="0"/>
+            </a:endParaRPr>
+          </a:p>
+        </p:txBody>
+      </p:sp>
+      <p:pic>
+        <p:nvPicPr>
+          <p:cNvPr id="4" name="Picture 3">
+            <a:extLst>
+              <a:ext uri="{FF2B5EF4-FFF2-40B4-BE49-F238E27FC236}">
+                <a16:creationId xmlns:a16="http://schemas.microsoft.com/office/drawing/2014/main" id="{9FC377B8-C26E-C743-A3D0-E19E2837FB92}"/>
+              </a:ext>
+            </a:extLst>
+          </p:cNvPr>
+          <p:cNvPicPr>
+            <a:picLocks noChangeAspect="1"/>
+          </p:cNvPicPr>
+          <p:nvPr/>
+        </p:nvPicPr>
+        <p:blipFill>
+          <a:blip r:embed="rId5"/>
+          <a:stretch>
+            <a:fillRect/>
+          </a:stretch>
+        </p:blipFill>
+        <p:spPr>
+          <a:xfrm>
+            <a:off x="585106" y="4836885"/>
+            <a:ext cx="4381500" cy="1625600"/>
+          </a:xfrm>
+          <a:prstGeom prst="rect">
+            <a:avLst/>
+          </a:prstGeom>
+        </p:spPr>
+      </p:pic>
     </p:spTree>
     <p:extLst>
       <p:ext uri="{BB962C8B-B14F-4D97-AF65-F5344CB8AC3E}">
-        <p14:creationId xmlns:p14="http://schemas.microsoft.com/office/powerpoint/2010/main" val="3137913058"/>
+        <p14:creationId xmlns:p14="http://schemas.microsoft.com/office/powerpoint/2010/main" val="2509123347"/>
       </p:ext>
     </p:extLst>
   </p:cSld>
@@ -11687,6 +13370,130 @@
       </p:grpSpPr>
       <p:sp>
         <p:nvSpPr>
+          <p:cNvPr id="2" name="Title 1"/>
+          <p:cNvSpPr>
+            <a:spLocks noGrp="1"/>
+          </p:cNvSpPr>
+          <p:nvPr>
+            <p:ph type="title"/>
+          </p:nvPr>
+        </p:nvSpPr>
+        <p:spPr>
+          <a:xfrm>
+            <a:off x="777513" y="1152144"/>
+            <a:ext cx="2916749" cy="3072393"/>
+          </a:xfrm>
+        </p:spPr>
+        <p:txBody>
+          <a:bodyPr vert="horz" lIns="91440" tIns="45720" rIns="91440" bIns="45720" rtlCol="0" anchor="b">
+            <a:normAutofit/>
+          </a:bodyPr>
+          <a:lstStyle/>
+          <a:p>
+            <a:pPr algn="l">
+              <a:lnSpc>
+                <a:spcPct val="90000"/>
+              </a:lnSpc>
+            </a:pPr>
+            <a:r>
+              <a:rPr lang="en-US" sz="4900"/>
+              <a:t>Views in Eclipse</a:t>
+            </a:r>
+          </a:p>
+        </p:txBody>
+      </p:sp>
+      <p:pic>
+        <p:nvPicPr>
+          <p:cNvPr id="4" name="Picture 3">
+            <a:extLst>
+              <a:ext uri="{FF2B5EF4-FFF2-40B4-BE49-F238E27FC236}">
+                <a16:creationId xmlns:a16="http://schemas.microsoft.com/office/drawing/2014/main" id="{9FC377B8-C26E-C743-A3D0-E19E2837FB92}"/>
+              </a:ext>
+            </a:extLst>
+          </p:cNvPr>
+          <p:cNvPicPr>
+            <a:picLocks noChangeAspect="1"/>
+          </p:cNvPicPr>
+          <p:nvPr/>
+        </p:nvPicPr>
+        <p:blipFill>
+          <a:blip r:embed="rId3"/>
+          <a:stretch>
+            <a:fillRect/>
+          </a:stretch>
+        </p:blipFill>
+        <p:spPr>
+          <a:xfrm>
+            <a:off x="3293556" y="367924"/>
+            <a:ext cx="4821050" cy="1788679"/>
+          </a:xfrm>
+          <a:prstGeom prst="rect">
+            <a:avLst/>
+          </a:prstGeom>
+        </p:spPr>
+      </p:pic>
+      <p:pic>
+        <p:nvPicPr>
+          <p:cNvPr id="5" name="Picture 4">
+            <a:extLst>
+              <a:ext uri="{FF2B5EF4-FFF2-40B4-BE49-F238E27FC236}">
+                <a16:creationId xmlns:a16="http://schemas.microsoft.com/office/drawing/2014/main" id="{BBB2466D-8D46-3F4A-BBD6-162455DC1528}"/>
+              </a:ext>
+            </a:extLst>
+          </p:cNvPr>
+          <p:cNvPicPr>
+            <a:picLocks noChangeAspect="1"/>
+          </p:cNvPicPr>
+          <p:nvPr/>
+        </p:nvPicPr>
+        <p:blipFill>
+          <a:blip r:embed="rId4"/>
+          <a:stretch>
+            <a:fillRect/>
+          </a:stretch>
+        </p:blipFill>
+        <p:spPr>
+          <a:xfrm>
+            <a:off x="3331029" y="2230713"/>
+            <a:ext cx="4550228" cy="4458997"/>
+          </a:xfrm>
+          <a:prstGeom prst="rect">
+            <a:avLst/>
+          </a:prstGeom>
+        </p:spPr>
+      </p:pic>
+    </p:spTree>
+    <p:extLst>
+      <p:ext uri="{BB962C8B-B14F-4D97-AF65-F5344CB8AC3E}">
+        <p14:creationId xmlns:p14="http://schemas.microsoft.com/office/powerpoint/2010/main" val="2606918323"/>
+      </p:ext>
+    </p:extLst>
+  </p:cSld>
+  <p:clrMapOvr>
+    <a:masterClrMapping/>
+  </p:clrMapOvr>
+</p:sld>
+</file>
+
+<file path=ppt/slides/slide8.xml><?xml version="1.0" encoding="utf-8"?>
+<p:sld xmlns:a="http://schemas.openxmlformats.org/drawingml/2006/main" xmlns:r="http://schemas.openxmlformats.org/officeDocument/2006/relationships" xmlns:p="http://schemas.openxmlformats.org/presentationml/2006/main">
+  <p:cSld>
+    <p:spTree>
+      <p:nvGrpSpPr>
+        <p:cNvPr id="1" name=""/>
+        <p:cNvGrpSpPr/>
+        <p:nvPr/>
+      </p:nvGrpSpPr>
+      <p:grpSpPr>
+        <a:xfrm>
+          <a:off x="0" y="0"/>
+          <a:ext cx="0" cy="0"/>
+          <a:chOff x="0" y="0"/>
+          <a:chExt cx="0" cy="0"/>
+        </a:xfrm>
+      </p:grpSpPr>
+      <p:sp>
+        <p:nvSpPr>
           <p:cNvPr id="3" name="Title 2"/>
           <p:cNvSpPr>
             <a:spLocks noGrp="1"/>
@@ -11704,7 +13511,7 @@
               <a:defRPr/>
             </a:pPr>
             <a:r>
-              <a:rPr lang="en-US" dirty="0"/>
+              <a:rPr lang="en-US"/>
               <a:t>Interfaces vs. Inheritance</a:t>
             </a:r>
           </a:p>
@@ -11727,172 +13534,174 @@
           </a:bodyPr>
           <a:lstStyle/>
           <a:p>
+            <a:pPr marL="0" indent="0">
+              <a:buNone/>
+              <a:defRPr/>
+            </a:pPr>
+            <a:r>
+              <a:rPr lang="en-US" sz="2300" b="1">
+                <a:latin typeface="Lucida Sans Typewriter" pitchFamily="49" charset="0"/>
+              </a:rPr>
+              <a:t>class </a:t>
+            </a:r>
+            <a:r>
+              <a:rPr lang="en-US" sz="2300" b="1" err="1">
+                <a:latin typeface="Lucida Sans Typewriter" pitchFamily="49" charset="0"/>
+              </a:rPr>
+              <a:t>ClickHandler</a:t>
+            </a:r>
+            <a:r>
+              <a:rPr lang="en-US" sz="2300" b="1">
+                <a:latin typeface="Lucida Sans Typewriter" pitchFamily="49" charset="0"/>
+              </a:rPr>
+              <a:t> </a:t>
+            </a:r>
+            <a:r>
+              <a:rPr lang="en-US" sz="2300" b="1">
+                <a:solidFill>
+                  <a:schemeClr val="accent3"/>
+                </a:solidFill>
+                <a:latin typeface="Lucida Sans Typewriter" pitchFamily="49" charset="0"/>
+              </a:rPr>
+              <a:t>implements</a:t>
+            </a:r>
+            <a:r>
+              <a:rPr lang="en-US" sz="2300" b="1">
+                <a:latin typeface="Lucida Sans Typewriter" pitchFamily="49" charset="0"/>
+              </a:rPr>
+              <a:t> </a:t>
+            </a:r>
+            <a:r>
+              <a:rPr lang="en-US" sz="2300" b="1" err="1">
+                <a:latin typeface="Lucida Sans Typewriter" pitchFamily="49" charset="0"/>
+              </a:rPr>
+              <a:t>MouseListener</a:t>
+            </a:r>
+            <a:endParaRPr lang="en-US" sz="2300"/>
+          </a:p>
+          <a:p>
+            <a:pPr lvl="1">
+              <a:defRPr/>
+            </a:pPr>
+            <a:endParaRPr lang="en-US"/>
+          </a:p>
+          <a:p>
+            <a:pPr marL="406400" lvl="1" indent="-280988">
+              <a:defRPr/>
+            </a:pPr>
+            <a:r>
+              <a:rPr lang="en-US" err="1"/>
+              <a:t>ClickHandler</a:t>
+            </a:r>
+            <a:r>
+              <a:rPr lang="en-US"/>
+              <a:t> </a:t>
+            </a:r>
+            <a:r>
+              <a:rPr lang="en-US" b="1">
+                <a:solidFill>
+                  <a:schemeClr val="accent3"/>
+                </a:solidFill>
+              </a:rPr>
+              <a:t>promises</a:t>
+            </a:r>
+            <a:r>
+              <a:rPr lang="en-US"/>
+              <a:t> to implement all the methods of </a:t>
+            </a:r>
+            <a:r>
+              <a:rPr lang="en-US" err="1"/>
+              <a:t>MouseListener</a:t>
+            </a:r>
+            <a:endParaRPr lang="en-US"/>
+          </a:p>
+          <a:p>
             <a:pPr>
               <a:defRPr/>
             </a:pPr>
-            <a:r>
-              <a:rPr lang="en-US" sz="2300" b="1" dirty="0">
+            <a:endParaRPr lang="en-US"/>
+          </a:p>
+          <a:p>
+            <a:pPr marL="0" indent="0">
+              <a:buNone/>
+              <a:defRPr/>
+            </a:pPr>
+            <a:r>
+              <a:rPr lang="en-US" sz="2300" b="1">
                 <a:latin typeface="Lucida Sans Typewriter" pitchFamily="49" charset="0"/>
               </a:rPr>
               <a:t>class </a:t>
             </a:r>
             <a:r>
-              <a:rPr lang="en-US" sz="2300" b="1" dirty="0" err="1">
+              <a:rPr lang="en-US" sz="2300" b="1" err="1">
                 <a:latin typeface="Lucida Sans Typewriter" pitchFamily="49" charset="0"/>
               </a:rPr>
-              <a:t>ClickHandler</a:t>
-            </a:r>
-            <a:r>
-              <a:rPr lang="en-US" sz="2300" b="1" dirty="0">
+              <a:t>CheckingAccount</a:t>
+            </a:r>
+            <a:r>
+              <a:rPr lang="en-US" sz="2300" b="1">
                 <a:latin typeface="Lucida Sans Typewriter" pitchFamily="49" charset="0"/>
               </a:rPr>
               <a:t> </a:t>
             </a:r>
             <a:r>
-              <a:rPr lang="en-US" sz="2300" b="1" dirty="0">
+              <a:rPr lang="en-US" sz="2300" b="1">
                 <a:solidFill>
                   <a:schemeClr val="accent3"/>
                 </a:solidFill>
                 <a:latin typeface="Lucida Sans Typewriter" pitchFamily="49" charset="0"/>
               </a:rPr>
-              <a:t>implements</a:t>
-            </a:r>
-            <a:r>
-              <a:rPr lang="en-US" sz="2300" b="1" dirty="0">
+              <a:t>extends</a:t>
+            </a:r>
+            <a:r>
+              <a:rPr lang="en-US" sz="2300" b="1">
                 <a:latin typeface="Lucida Sans Typewriter" pitchFamily="49" charset="0"/>
               </a:rPr>
               <a:t> </a:t>
             </a:r>
             <a:r>
-              <a:rPr lang="en-US" sz="2300" b="1" dirty="0" err="1">
+              <a:rPr lang="en-US" sz="2300" b="1" err="1">
                 <a:latin typeface="Lucida Sans Typewriter" pitchFamily="49" charset="0"/>
               </a:rPr>
-              <a:t>MouseListener</a:t>
-            </a:r>
-            <a:endParaRPr lang="en-US" sz="2300" dirty="0"/>
+              <a:t>BankAccount</a:t>
+            </a:r>
+            <a:endParaRPr lang="en-US"/>
           </a:p>
           <a:p>
             <a:pPr lvl="1">
               <a:defRPr/>
             </a:pPr>
-            <a:endParaRPr lang="en-US" dirty="0"/>
-          </a:p>
-          <a:p>
-            <a:pPr lvl="1">
-              <a:defRPr/>
-            </a:pPr>
-            <a:r>
-              <a:rPr lang="en-US" dirty="0" err="1"/>
-              <a:t>ClickHandler</a:t>
-            </a:r>
-            <a:r>
-              <a:rPr lang="en-US" dirty="0"/>
+            <a:endParaRPr lang="en-US"/>
+          </a:p>
+          <a:p>
+            <a:pPr marL="406400" lvl="1" indent="-280988">
+              <a:defRPr/>
+            </a:pPr>
+            <a:r>
+              <a:rPr lang="en-US" err="1"/>
+              <a:t>CheckingAccount</a:t>
+            </a:r>
+            <a:r>
+              <a:rPr lang="en-US"/>
               <a:t> </a:t>
             </a:r>
             <a:r>
-              <a:rPr lang="en-US" b="1" dirty="0">
+              <a:rPr lang="en-US" b="1">
                 <a:solidFill>
                   <a:schemeClr val="accent3"/>
                 </a:solidFill>
               </a:rPr>
-              <a:t>promises</a:t>
-            </a:r>
-            <a:r>
-              <a:rPr lang="en-US" dirty="0"/>
-              <a:t> to implement all the methods of </a:t>
-            </a:r>
-            <a:r>
-              <a:rPr lang="en-US" dirty="0" err="1"/>
-              <a:t>MouseListener</a:t>
-            </a:r>
-            <a:endParaRPr lang="en-US" dirty="0"/>
-          </a:p>
-          <a:p>
-            <a:pPr>
-              <a:defRPr/>
-            </a:pPr>
-            <a:endParaRPr lang="en-US" dirty="0"/>
-          </a:p>
-          <a:p>
-            <a:pPr>
-              <a:defRPr/>
-            </a:pPr>
-            <a:r>
-              <a:rPr lang="en-US" sz="2300" b="1" dirty="0">
-                <a:latin typeface="Lucida Sans Typewriter" pitchFamily="49" charset="0"/>
-              </a:rPr>
-              <a:t>class </a:t>
-            </a:r>
-            <a:r>
-              <a:rPr lang="en-US" sz="2300" b="1" dirty="0" err="1">
-                <a:latin typeface="Lucida Sans Typewriter" pitchFamily="49" charset="0"/>
-              </a:rPr>
-              <a:t>CheckingAccount</a:t>
-            </a:r>
-            <a:r>
-              <a:rPr lang="en-US" sz="2300" b="1" dirty="0">
-                <a:latin typeface="Lucida Sans Typewriter" pitchFamily="49" charset="0"/>
-              </a:rPr>
-              <a:t> </a:t>
-            </a:r>
-            <a:r>
-              <a:rPr lang="en-US" sz="2300" b="1" dirty="0">
-                <a:solidFill>
-                  <a:schemeClr val="accent3"/>
-                </a:solidFill>
-                <a:latin typeface="Lucida Sans Typewriter" pitchFamily="49" charset="0"/>
-              </a:rPr>
-              <a:t>extends</a:t>
-            </a:r>
-            <a:r>
-              <a:rPr lang="en-US" sz="2300" b="1" dirty="0">
-                <a:latin typeface="Lucida Sans Typewriter" pitchFamily="49" charset="0"/>
-              </a:rPr>
-              <a:t> </a:t>
-            </a:r>
-            <a:r>
-              <a:rPr lang="en-US" sz="2300" b="1" dirty="0" err="1">
-                <a:latin typeface="Lucida Sans Typewriter" pitchFamily="49" charset="0"/>
-              </a:rPr>
+              <a:t>inherits</a:t>
+            </a:r>
+            <a:r>
+              <a:rPr lang="en-US"/>
+              <a:t> (or overrides) all the methods of </a:t>
+            </a:r>
+            <a:r>
+              <a:rPr lang="en-US" err="1"/>
               <a:t>BankAccount</a:t>
             </a:r>
-            <a:endParaRPr lang="en-US" dirty="0"/>
-          </a:p>
-          <a:p>
-            <a:pPr lvl="1">
-              <a:defRPr/>
-            </a:pPr>
-            <a:endParaRPr lang="en-US" dirty="0"/>
-          </a:p>
-          <a:p>
-            <a:pPr lvl="1">
-              <a:defRPr/>
-            </a:pPr>
-            <a:r>
-              <a:rPr lang="en-US" dirty="0" err="1"/>
-              <a:t>CheckingAccount</a:t>
-            </a:r>
-            <a:r>
-              <a:rPr lang="en-US" dirty="0"/>
-              <a:t> </a:t>
-            </a:r>
-            <a:r>
-              <a:rPr lang="en-US" b="1" dirty="0">
-                <a:solidFill>
-                  <a:schemeClr val="accent3"/>
-                </a:solidFill>
-              </a:rPr>
-              <a:t>inherits</a:t>
-            </a:r>
-            <a:r>
-              <a:rPr lang="en-US" dirty="0"/>
-              <a:t> (or overrides) all the methods of </a:t>
-            </a:r>
-            <a:r>
-              <a:rPr lang="en-US" dirty="0" err="1"/>
-              <a:t>BankAccount</a:t>
-            </a:r>
-            <a:endParaRPr lang="en-US" dirty="0"/>
+            <a:endParaRPr lang="en-US"/>
           </a:p>
         </p:txBody>
       </p:sp>
@@ -11904,8 +13713,8 @@
         </p:nvSpPr>
         <p:spPr>
           <a:xfrm>
-            <a:off x="6019800" y="2971800"/>
-            <a:ext cx="2971800" cy="457200"/>
+            <a:off x="5181600" y="3048000"/>
+            <a:ext cx="3352800" cy="1066800"/>
           </a:xfrm>
           <a:prstGeom prst="borderCallout2">
             <a:avLst>
@@ -11913,8 +13722,8 @@
               <a:gd name="adj2" fmla="val -8333"/>
               <a:gd name="adj3" fmla="val 18750"/>
               <a:gd name="adj4" fmla="val -16667"/>
-              <a:gd name="adj5" fmla="val -30909"/>
-              <a:gd name="adj6" fmla="val -26895"/>
+              <a:gd name="adj5" fmla="val -13175"/>
+              <a:gd name="adj6" fmla="val -6676"/>
             </a:avLst>
           </a:prstGeom>
         </p:spPr>
@@ -11942,16 +13751,33 @@
               <a:defRPr/>
             </a:pPr>
             <a:r>
-              <a:rPr lang="en-US" sz="2400" dirty="0"/>
+              <a:rPr lang="en-US" sz="2400"/>
               <a:t>For </a:t>
             </a:r>
             <a:r>
-              <a:rPr lang="en-US" sz="2400" b="1" u="sng" dirty="0"/>
+              <a:rPr lang="en-US" sz="2400" b="1" u="sng"/>
               <a:t>client</a:t>
             </a:r>
             <a:r>
-              <a:rPr lang="en-US" sz="2400" dirty="0"/>
+              <a:rPr lang="en-US" sz="2400"/>
               <a:t> code reuse</a:t>
+            </a:r>
+          </a:p>
+          <a:p>
+            <a:pPr algn="ctr">
+              <a:defRPr/>
+            </a:pPr>
+            <a:r>
+              <a:rPr lang="en-US" sz="2400"/>
+              <a:t>i.e., </a:t>
+            </a:r>
+            <a:r>
+              <a:rPr lang="en-US" sz="2400" i="1"/>
+              <a:t>what it does</a:t>
+            </a:r>
+            <a:r>
+              <a:rPr lang="en-US" sz="2400"/>
+              <a:t> reuse</a:t>
             </a:r>
           </a:p>
         </p:txBody>
@@ -11964,17 +13790,17 @@
         </p:nvSpPr>
         <p:spPr>
           <a:xfrm>
-            <a:off x="1638300" y="6147183"/>
-            <a:ext cx="4800600" cy="457200"/>
+            <a:off x="3124200" y="5943600"/>
+            <a:ext cx="4800600" cy="762000"/>
           </a:xfrm>
           <a:prstGeom prst="borderCallout2">
             <a:avLst>
               <a:gd name="adj1" fmla="val -1940"/>
               <a:gd name="adj2" fmla="val 83621"/>
-              <a:gd name="adj3" fmla="val -91594"/>
-              <a:gd name="adj4" fmla="val 81526"/>
-              <a:gd name="adj5" fmla="val -148463"/>
-              <a:gd name="adj6" fmla="val 67055"/>
+              <a:gd name="adj3" fmla="val -19180"/>
+              <a:gd name="adj4" fmla="val 65762"/>
+              <a:gd name="adj5" fmla="val -67774"/>
+              <a:gd name="adj6" fmla="val 30273"/>
             </a:avLst>
           </a:prstGeom>
         </p:spPr>
@@ -12018,6 +13844,23 @@
               <a:t>code reuse</a:t>
             </a:r>
           </a:p>
+          <a:p>
+            <a:pPr algn="ctr">
+              <a:defRPr/>
+            </a:pPr>
+            <a:r>
+              <a:rPr lang="en-US" sz="2400" dirty="0"/>
+              <a:t>i.e., </a:t>
+            </a:r>
+            <a:r>
+              <a:rPr lang="en-US" sz="2400" i="1" dirty="0"/>
+              <a:t>how it does it  </a:t>
+            </a:r>
+            <a:r>
+              <a:rPr lang="en-US" sz="2400" dirty="0"/>
+              <a:t>code reuse</a:t>
+            </a:r>
+          </a:p>
         </p:txBody>
       </p:sp>
     </p:spTree>
@@ -12028,7 +13871,7 @@
 </p:sld>
 </file>
 
-<file path=ppt/slides/slide8.xml><?xml version="1.0" encoding="utf-8"?>
+<file path=ppt/slides/slide9.xml><?xml version="1.0" encoding="utf-8"?>
 <p:sld xmlns:a="http://schemas.openxmlformats.org/drawingml/2006/main" xmlns:r="http://schemas.openxmlformats.org/officeDocument/2006/relationships" xmlns:p="http://schemas.openxmlformats.org/presentationml/2006/main">
   <p:cSld>
     <p:spTree>
@@ -12102,264 +13945,6 @@
           </a:ln>
         </p:spPr>
       </p:pic>
-    </p:spTree>
-  </p:cSld>
-  <p:clrMapOvr>
-    <a:masterClrMapping/>
-  </p:clrMapOvr>
-</p:sld>
-</file>
-
-<file path=ppt/slides/slide9.xml><?xml version="1.0" encoding="utf-8"?>
-<p:sld xmlns:a="http://schemas.openxmlformats.org/drawingml/2006/main" xmlns:r="http://schemas.openxmlformats.org/officeDocument/2006/relationships" xmlns:p="http://schemas.openxmlformats.org/presentationml/2006/main">
-  <p:cSld>
-    <p:spTree>
-      <p:nvGrpSpPr>
-        <p:cNvPr id="1" name=""/>
-        <p:cNvGrpSpPr/>
-        <p:nvPr/>
-      </p:nvGrpSpPr>
-      <p:grpSpPr>
-        <a:xfrm>
-          <a:off x="0" y="0"/>
-          <a:ext cx="0" cy="0"/>
-          <a:chOff x="0" y="0"/>
-          <a:chExt cx="0" cy="0"/>
-        </a:xfrm>
-      </p:grpSpPr>
-      <p:sp>
-        <p:nvSpPr>
-          <p:cNvPr id="3" name="Title 2"/>
-          <p:cNvSpPr>
-            <a:spLocks noGrp="1"/>
-          </p:cNvSpPr>
-          <p:nvPr>
-            <p:ph type="title"/>
-          </p:nvPr>
-        </p:nvSpPr>
-        <p:spPr/>
-        <p:txBody>
-          <a:bodyPr/>
-          <a:lstStyle/>
-          <a:p>
-            <a:pPr>
-              <a:defRPr/>
-            </a:pPr>
-            <a:r>
-              <a:rPr lang="en-US" dirty="0"/>
-              <a:t>With Methods, Subclasses can:</a:t>
-            </a:r>
-          </a:p>
-        </p:txBody>
-      </p:sp>
-      <p:sp>
-        <p:nvSpPr>
-          <p:cNvPr id="2" name="Content Placeholder 1"/>
-          <p:cNvSpPr>
-            <a:spLocks noGrp="1"/>
-          </p:cNvSpPr>
-          <p:nvPr>
-            <p:ph idx="1"/>
-          </p:nvPr>
-        </p:nvSpPr>
-        <p:spPr/>
-        <p:txBody>
-          <a:bodyPr>
-            <a:normAutofit lnSpcReduction="10000"/>
-          </a:bodyPr>
-          <a:lstStyle/>
-          <a:p>
-            <a:pPr>
-              <a:defRPr/>
-            </a:pPr>
-            <a:r>
-              <a:rPr lang="en-US" b="1" dirty="0">
-                <a:solidFill>
-                  <a:schemeClr val="accent3"/>
-                </a:solidFill>
-              </a:rPr>
-              <a:t>Inherit</a:t>
-            </a:r>
-            <a:r>
-              <a:rPr lang="en-US" dirty="0"/>
-              <a:t> methods </a:t>
-            </a:r>
-            <a:r>
-              <a:rPr lang="en-US" dirty="0">
-                <a:solidFill>
-                  <a:schemeClr val="accent3"/>
-                </a:solidFill>
-              </a:rPr>
-              <a:t>unchanged</a:t>
-            </a:r>
-          </a:p>
-          <a:p>
-            <a:pPr>
-              <a:defRPr/>
-            </a:pPr>
-            <a:endParaRPr lang="en-US" dirty="0"/>
-          </a:p>
-          <a:p>
-            <a:pPr>
-              <a:defRPr/>
-            </a:pPr>
-            <a:endParaRPr lang="en-US" dirty="0"/>
-          </a:p>
-          <a:p>
-            <a:pPr>
-              <a:defRPr/>
-            </a:pPr>
-            <a:r>
-              <a:rPr lang="en-US" b="1" dirty="0">
-                <a:solidFill>
-                  <a:schemeClr val="accent3"/>
-                </a:solidFill>
-              </a:rPr>
-              <a:t>Override</a:t>
-            </a:r>
-            <a:r>
-              <a:rPr lang="en-US" dirty="0"/>
-              <a:t> methods</a:t>
-            </a:r>
-          </a:p>
-          <a:p>
-            <a:pPr lvl="1">
-              <a:defRPr/>
-            </a:pPr>
-            <a:r>
-              <a:rPr lang="en-US" dirty="0"/>
-              <a:t>Declare a new method </a:t>
-            </a:r>
-            <a:r>
-              <a:rPr lang="en-US" dirty="0">
-                <a:solidFill>
-                  <a:schemeClr val="accent3"/>
-                </a:solidFill>
-              </a:rPr>
-              <a:t>with same signature </a:t>
-            </a:r>
-            <a:r>
-              <a:rPr lang="en-US" dirty="0"/>
-              <a:t>to use </a:t>
-            </a:r>
-            <a:r>
-              <a:rPr lang="en-US" b="1" dirty="0">
-                <a:solidFill>
-                  <a:schemeClr val="accent3"/>
-                </a:solidFill>
-              </a:rPr>
-              <a:t>instead of </a:t>
-            </a:r>
-            <a:r>
-              <a:rPr lang="en-US" dirty="0" err="1">
-                <a:solidFill>
-                  <a:schemeClr val="accent3"/>
-                </a:solidFill>
-              </a:rPr>
-              <a:t>superclass</a:t>
-            </a:r>
-            <a:r>
-              <a:rPr lang="en-US" dirty="0">
-                <a:solidFill>
-                  <a:schemeClr val="accent3"/>
-                </a:solidFill>
-              </a:rPr>
-              <a:t> method</a:t>
-            </a:r>
-          </a:p>
-          <a:p>
-            <a:pPr lvl="1">
-              <a:defRPr/>
-            </a:pPr>
-            <a:endParaRPr lang="en-US" dirty="0"/>
-          </a:p>
-          <a:p>
-            <a:pPr lvl="1">
-              <a:defRPr/>
-            </a:pPr>
-            <a:endParaRPr lang="en-US" dirty="0"/>
-          </a:p>
-          <a:p>
-            <a:pPr>
-              <a:defRPr/>
-            </a:pPr>
-            <a:r>
-              <a:rPr lang="en-US" b="1" dirty="0">
-                <a:solidFill>
-                  <a:schemeClr val="accent3"/>
-                </a:solidFill>
-              </a:rPr>
-              <a:t>Add</a:t>
-            </a:r>
-            <a:r>
-              <a:rPr lang="en-US" dirty="0"/>
-              <a:t> entirely new methods not in </a:t>
-            </a:r>
-            <a:r>
-              <a:rPr lang="en-US" dirty="0" err="1"/>
-              <a:t>superclass</a:t>
-            </a:r>
-            <a:endParaRPr lang="en-US" dirty="0"/>
-          </a:p>
-        </p:txBody>
-      </p:sp>
-      <p:sp>
-        <p:nvSpPr>
-          <p:cNvPr id="5" name="Rectangle 9"/>
-          <p:cNvSpPr>
-            <a:spLocks/>
-          </p:cNvSpPr>
-          <p:nvPr/>
-        </p:nvSpPr>
-        <p:spPr bwMode="auto">
-          <a:xfrm>
-            <a:off x="8432800" y="6334564"/>
-            <a:ext cx="558800" cy="419100"/>
-          </a:xfrm>
-          <a:prstGeom prst="rect">
-            <a:avLst/>
-          </a:prstGeom>
-          <a:ln>
-            <a:headEnd/>
-            <a:tailEnd/>
-          </a:ln>
-        </p:spPr>
-        <p:style>
-          <a:lnRef idx="2">
-            <a:schemeClr val="accent3">
-              <a:shade val="50000"/>
-            </a:schemeClr>
-          </a:lnRef>
-          <a:fillRef idx="1">
-            <a:schemeClr val="accent3"/>
-          </a:fillRef>
-          <a:effectRef idx="0">
-            <a:schemeClr val="accent3"/>
-          </a:effectRef>
-          <a:fontRef idx="minor">
-            <a:schemeClr val="lt1"/>
-          </a:fontRef>
-        </p:style>
-        <p:txBody>
-          <a:bodyPr lIns="0" tIns="0" rIns="0" bIns="0" anchor="ctr"/>
-          <a:lstStyle/>
-          <a:p>
-            <a:pPr algn="ctr">
-              <a:defRPr/>
-            </a:pPr>
-            <a:r>
-              <a:rPr lang="en-US" sz="1800" dirty="0">
-                <a:solidFill>
-                  <a:schemeClr val="bg1"/>
-                </a:solidFill>
-                <a:cs typeface="Arial" pitchFamily="34" charset="0"/>
-                <a:sym typeface="Arial" pitchFamily="34" charset="0"/>
-              </a:rPr>
-              <a:t>Q3</a:t>
-            </a:r>
-          </a:p>
-        </p:txBody>
-      </p:sp>
     </p:spTree>
   </p:cSld>
   <p:clrMapOvr>

--- a/ClassMaterials/Inheritance/Slides/Inheritance.pptx
+++ b/ClassMaterials/Inheritance/Slides/Inheritance.pptx
@@ -2,38 +2,40 @@
 <file path=ppt/presentation.xml><?xml version="1.0" encoding="utf-8"?>
 <p:presentation xmlns:a="http://schemas.openxmlformats.org/drawingml/2006/main" xmlns:r="http://schemas.openxmlformats.org/officeDocument/2006/relationships" xmlns:p="http://schemas.openxmlformats.org/presentationml/2006/main" saveSubsetFonts="1">
   <p:sldMasterIdLst>
-    <p:sldMasterId id="2147484251" r:id="rId1"/>
+    <p:sldMasterId id="2147484251" r:id="rId4"/>
   </p:sldMasterIdLst>
   <p:notesMasterIdLst>
-    <p:notesMasterId r:id="rId25"/>
+    <p:notesMasterId r:id="rId30"/>
   </p:notesMasterIdLst>
   <p:handoutMasterIdLst>
-    <p:handoutMasterId r:id="rId26"/>
+    <p:handoutMasterId r:id="rId31"/>
   </p:handoutMasterIdLst>
   <p:sldIdLst>
-    <p:sldId id="256" r:id="rId2"/>
-    <p:sldId id="368" r:id="rId3"/>
-    <p:sldId id="369" r:id="rId4"/>
-    <p:sldId id="392" r:id="rId5"/>
-    <p:sldId id="371" r:id="rId6"/>
-    <p:sldId id="393" r:id="rId7"/>
-    <p:sldId id="394" r:id="rId8"/>
-    <p:sldId id="395" r:id="rId9"/>
-    <p:sldId id="372" r:id="rId10"/>
-    <p:sldId id="396" r:id="rId11"/>
-    <p:sldId id="397" r:id="rId12"/>
-    <p:sldId id="376" r:id="rId13"/>
-    <p:sldId id="398" r:id="rId14"/>
-    <p:sldId id="399" r:id="rId15"/>
-    <p:sldId id="401" r:id="rId16"/>
-    <p:sldId id="402" r:id="rId17"/>
-    <p:sldId id="403" r:id="rId18"/>
-    <p:sldId id="404" r:id="rId19"/>
-    <p:sldId id="389" r:id="rId20"/>
-    <p:sldId id="379" r:id="rId21"/>
-    <p:sldId id="388" r:id="rId22"/>
-    <p:sldId id="381" r:id="rId23"/>
-    <p:sldId id="390" r:id="rId24"/>
+    <p:sldId id="256" r:id="rId5"/>
+    <p:sldId id="368" r:id="rId6"/>
+    <p:sldId id="369" r:id="rId7"/>
+    <p:sldId id="370" r:id="rId8"/>
+    <p:sldId id="371" r:id="rId9"/>
+    <p:sldId id="386" r:id="rId10"/>
+    <p:sldId id="393" r:id="rId11"/>
+    <p:sldId id="373" r:id="rId12"/>
+    <p:sldId id="372" r:id="rId13"/>
+    <p:sldId id="374" r:id="rId14"/>
+    <p:sldId id="375" r:id="rId15"/>
+    <p:sldId id="376" r:id="rId16"/>
+    <p:sldId id="387" r:id="rId17"/>
+    <p:sldId id="391" r:id="rId18"/>
+    <p:sldId id="394" r:id="rId19"/>
+    <p:sldId id="377" r:id="rId20"/>
+    <p:sldId id="392" r:id="rId21"/>
+    <p:sldId id="378" r:id="rId22"/>
+    <p:sldId id="380" r:id="rId23"/>
+    <p:sldId id="389" r:id="rId24"/>
+    <p:sldId id="379" r:id="rId25"/>
+    <p:sldId id="388" r:id="rId26"/>
+    <p:sldId id="381" r:id="rId27"/>
+    <p:sldId id="390" r:id="rId28"/>
+    <p:sldId id="395" r:id="rId29"/>
   </p:sldIdLst>
   <p:sldSz cx="9144000" cy="6858000" type="screen4x3"/>
   <p:notesSz cx="7010400" cy="9296400"/>
@@ -181,6 +183,43 @@
 </p:presentation>
 </file>
 
+<file path=ppt/revisionInfo.xml><?xml version="1.0" encoding="utf-8"?>
+<p1510:revInfo xmlns:a="http://schemas.openxmlformats.org/drawingml/2006/main" xmlns:r="http://schemas.openxmlformats.org/officeDocument/2006/relationships" xmlns:p1510="http://schemas.microsoft.com/office/powerpoint/2015/10/main">
+  <p1510:revLst>
+    <p1510:client id="{06F8DD94-CAFF-48A1-A9C3-868B0C5AA276}" v="2" dt="2021-10-12T13:32:43.738"/>
+  </p1510:revLst>
+</p1510:revInfo>
+</file>
+
+<file path=ppt/changesInfos/changesInfo1.xml><?xml version="1.0" encoding="utf-8"?>
+<pc:chgInfo xmlns:a="http://schemas.openxmlformats.org/drawingml/2006/main" xmlns:r="http://schemas.openxmlformats.org/officeDocument/2006/relationships" xmlns:ac="http://schemas.microsoft.com/office/drawing/2013/main/command" xmlns:pc="http://schemas.microsoft.com/office/powerpoint/2013/main/command">
+  <pc:docChgLst>
+    <pc:chgData name="Summerville, Macartan" userId="S::summermt@rose-hulman.edu::7b2a0604-6c98-4445-9309-9fb015585c0d" providerId="AD" clId="Web-{06F8DD94-CAFF-48A1-A9C3-868B0C5AA276}"/>
+    <pc:docChg chg="modSld">
+      <pc:chgData name="Summerville, Macartan" userId="S::summermt@rose-hulman.edu::7b2a0604-6c98-4445-9309-9fb015585c0d" providerId="AD" clId="Web-{06F8DD94-CAFF-48A1-A9C3-868B0C5AA276}" dt="2021-10-12T13:32:43.738" v="1" actId="1076"/>
+      <pc:docMkLst>
+        <pc:docMk/>
+      </pc:docMkLst>
+      <pc:sldChg chg="modSp">
+        <pc:chgData name="Summerville, Macartan" userId="S::summermt@rose-hulman.edu::7b2a0604-6c98-4445-9309-9fb015585c0d" providerId="AD" clId="Web-{06F8DD94-CAFF-48A1-A9C3-868B0C5AA276}" dt="2021-10-12T13:32:43.738" v="1" actId="1076"/>
+        <pc:sldMkLst>
+          <pc:docMk/>
+          <pc:sldMk cId="2922646918" sldId="391"/>
+        </pc:sldMkLst>
+        <pc:picChg chg="mod">
+          <ac:chgData name="Summerville, Macartan" userId="S::summermt@rose-hulman.edu::7b2a0604-6c98-4445-9309-9fb015585c0d" providerId="AD" clId="Web-{06F8DD94-CAFF-48A1-A9C3-868B0C5AA276}" dt="2021-10-12T13:32:43.738" v="1" actId="1076"/>
+          <ac:picMkLst>
+            <pc:docMk/>
+            <pc:sldMk cId="2922646918" sldId="391"/>
+            <ac:picMk id="5" creationId="{6CBCA8B7-839A-6B48-9A15-D29E72AB46FA}"/>
+          </ac:picMkLst>
+        </pc:picChg>
+      </pc:sldChg>
+    </pc:docChg>
+  </pc:docChgLst>
+</pc:chgInfo>
+</file>
+
 <file path=ppt/handoutMasters/handoutMaster1.xml><?xml version="1.0" encoding="utf-8"?>
 <p:handoutMaster xmlns:a="http://schemas.openxmlformats.org/drawingml/2006/main" xmlns:r="http://schemas.openxmlformats.org/officeDocument/2006/relationships" xmlns:p="http://schemas.openxmlformats.org/presentationml/2006/main">
   <p:cSld>
@@ -298,7 +337,7 @@
               <a:pPr>
                 <a:defRPr/>
               </a:pPr>
-              <a:t>3/1/22</a:t>
+              <a:t>11/22/2022</a:t>
             </a:fld>
             <a:endParaRPr lang="en-US"/>
           </a:p>
@@ -533,7 +572,7 @@
               <a:pPr>
                 <a:defRPr/>
               </a:pPr>
-              <a:t>3/1/22</a:t>
+              <a:t>11/22/2022</a:t>
             </a:fld>
             <a:endParaRPr lang="en-US"/>
           </a:p>
@@ -940,23 +979,23 @@
               </a:spcBef>
             </a:pPr>
             <a:r>
-              <a:rPr lang="en-US" dirty="0"/>
+              <a:rPr lang="en-US"/>
               <a:t>Bring hard copy of </a:t>
             </a:r>
             <a:r>
-              <a:rPr lang="en-US" dirty="0" err="1"/>
+              <a:rPr lang="en-US" err="1"/>
               <a:t>CheckingAccount</a:t>
             </a:r>
             <a:r>
-              <a:rPr lang="en-US" dirty="0"/>
+              <a:rPr lang="en-US"/>
               <a:t>, </a:t>
             </a:r>
             <a:r>
-              <a:rPr lang="en-US" dirty="0" err="1"/>
+              <a:rPr lang="en-US" err="1"/>
               <a:t>ChessPiece</a:t>
             </a:r>
             <a:r>
-              <a:rPr lang="en-US" dirty="0"/>
+              <a:rPr lang="en-US"/>
               <a:t>, King, Queen, etc.</a:t>
             </a:r>
           </a:p>
@@ -967,22 +1006,22 @@
               </a:spcBef>
             </a:pPr>
             <a:r>
-              <a:rPr lang="en-US" dirty="0"/>
+              <a:rPr lang="en-US"/>
               <a:t>Bring photocopy of Big</a:t>
             </a:r>
             <a:r>
-              <a:rPr lang="en-US" baseline="0" dirty="0"/>
+              <a:rPr lang="en-US" baseline="0"/>
               <a:t> Java, </a:t>
             </a:r>
             <a:r>
-              <a:rPr lang="en-US" dirty="0"/>
+              <a:rPr lang="en-US"/>
               <a:t>Figure 3,</a:t>
             </a:r>
             <a:r>
-              <a:rPr lang="en-US" baseline="0" dirty="0"/>
+              <a:rPr lang="en-US" baseline="0"/>
               <a:t> page 422</a:t>
             </a:r>
-            <a:endParaRPr lang="en-US" dirty="0"/>
+            <a:endParaRPr lang="en-US"/>
           </a:p>
         </p:txBody>
       </p:sp>
@@ -1355,24 +1394,24 @@
               <a:defRPr/>
             </a:pPr>
             <a:r>
-              <a:rPr lang="en-US" dirty="0"/>
+              <a:rPr lang="en-US"/>
               <a:t>Discuss super method calls.</a:t>
             </a:r>
           </a:p>
           <a:p>
-            <a:endParaRPr lang="en-US" dirty="0"/>
-          </a:p>
-          <a:p>
-            <a:r>
-              <a:rPr lang="en-US" dirty="0"/>
+            <a:endParaRPr lang="en-US"/>
+          </a:p>
+          <a:p>
+            <a:r>
+              <a:rPr lang="en-US"/>
               <a:t>Add </a:t>
             </a:r>
             <a:r>
-              <a:rPr lang="en-US" dirty="0" err="1"/>
+              <a:rPr lang="en-US" err="1"/>
               <a:t>CheckingAccount</a:t>
             </a:r>
             <a:r>
-              <a:rPr lang="en-US" dirty="0"/>
+              <a:rPr lang="en-US"/>
               <a:t>(double) constructor</a:t>
             </a:r>
           </a:p>
@@ -1649,7 +1688,7 @@
             <a:fld id="{AEF60CBC-2A70-49D3-9866-05F00BCCB9E5}" type="slidenum">
               <a:rPr lang="en-US" smtClean="0"/>
               <a:pPr/>
-              <a:t>15</a:t>
+              <a:t>16</a:t>
             </a:fld>
             <a:endParaRPr lang="en-US"/>
           </a:p>
@@ -1774,7 +1813,7 @@
             <a:fld id="{AEF60CBC-2A70-49D3-9866-05F00BCCB9E5}" type="slidenum">
               <a:rPr lang="en-US" smtClean="0"/>
               <a:pPr/>
-              <a:t>16</a:t>
+              <a:t>17</a:t>
             </a:fld>
             <a:endParaRPr lang="en-US"/>
           </a:p>
@@ -1885,7 +1924,7 @@
             <a:fld id="{AE88C4F2-B63F-49B5-8554-101017854A6D}" type="slidenum">
               <a:rPr lang="en-US" smtClean="0"/>
               <a:pPr/>
-              <a:t>17</a:t>
+              <a:t>18</a:t>
             </a:fld>
             <a:endParaRPr lang="en-US"/>
           </a:p>
@@ -1985,7 +2024,7 @@
             <a:fld id="{D52993E5-32C8-4EC2-BBC6-DB69025B6125}" type="slidenum">
               <a:rPr lang="en-US" smtClean="0"/>
               <a:pPr/>
-              <a:t>18</a:t>
+              <a:t>19</a:t>
             </a:fld>
             <a:endParaRPr lang="en-US"/>
           </a:p>
@@ -2049,62 +2088,62 @@
           <a:lstStyle/>
           <a:p>
             <a:r>
-              <a:rPr lang="en-US" baseline="0" dirty="0"/>
+              <a:rPr lang="en-US" baseline="0"/>
               <a:t>Walk through the Chess example in Inheritance project. Start by showing the King and </a:t>
             </a:r>
             <a:r>
-              <a:rPr lang="en-US" baseline="0" dirty="0" err="1"/>
+              <a:rPr lang="en-US" baseline="0" err="1"/>
               <a:t>ChessPiece</a:t>
             </a:r>
             <a:r>
-              <a:rPr lang="en-US" baseline="0" dirty="0"/>
+              <a:rPr lang="en-US" baseline="0"/>
               <a:t> interface. Implement the queen, and note to the students how we end up copying a lot of code from the King into the Queen, there has to be a better way…</a:t>
             </a:r>
           </a:p>
           <a:p>
-            <a:endParaRPr lang="en-US" baseline="0" dirty="0"/>
-          </a:p>
-          <a:p>
-            <a:r>
-              <a:rPr lang="en-US" baseline="0" dirty="0"/>
+            <a:endParaRPr lang="en-US" baseline="0"/>
+          </a:p>
+          <a:p>
+            <a:r>
+              <a:rPr lang="en-US" baseline="0"/>
               <a:t>It works well to just make the </a:t>
             </a:r>
             <a:r>
-              <a:rPr lang="en-US" baseline="0" dirty="0" err="1"/>
+              <a:rPr lang="en-US" baseline="0" err="1"/>
               <a:t>ChessPiece</a:t>
             </a:r>
             <a:r>
-              <a:rPr lang="en-US" baseline="0" dirty="0"/>
+              <a:rPr lang="en-US" baseline="0"/>
               <a:t> a class first and put in a </a:t>
             </a:r>
             <a:r>
-              <a:rPr lang="en-US" baseline="0" dirty="0" err="1"/>
+              <a:rPr lang="en-US" baseline="0" err="1"/>
               <a:t>System.err.println</a:t>
             </a:r>
             <a:r>
-              <a:rPr lang="en-US" baseline="0" dirty="0"/>
+              <a:rPr lang="en-US" baseline="0"/>
               <a:t>(“Implement this method!”) then show them if we forget to implement a method (Queen’s </a:t>
             </a:r>
             <a:r>
-              <a:rPr lang="en-US" baseline="0" dirty="0" err="1"/>
+              <a:rPr lang="en-US" baseline="0" err="1"/>
               <a:t>checkMove</a:t>
             </a:r>
             <a:r>
-              <a:rPr lang="en-US" baseline="0" dirty="0"/>
+              <a:rPr lang="en-US" baseline="0"/>
               <a:t>) we see that message at runtime.</a:t>
             </a:r>
           </a:p>
           <a:p>
-            <a:endParaRPr lang="en-US" baseline="0" dirty="0"/>
-          </a:p>
-          <a:p>
-            <a:r>
-              <a:rPr lang="en-US" sz="1400" baseline="0" dirty="0"/>
+            <a:endParaRPr lang="en-US" baseline="0"/>
+          </a:p>
+          <a:p>
+            <a:r>
+              <a:rPr lang="en-US" sz="1400" baseline="0"/>
               <a:t>At this point, they should see the justification for an abstract class, show that on next slide</a:t>
             </a:r>
           </a:p>
           <a:p>
-            <a:endParaRPr lang="en-US" dirty="0"/>
+            <a:endParaRPr lang="en-US"/>
           </a:p>
         </p:txBody>
       </p:sp>
@@ -2131,7 +2170,7 @@
               <a:pPr>
                 <a:defRPr/>
               </a:pPr>
-              <a:t>19</a:t>
+              <a:t>20</a:t>
             </a:fld>
             <a:endParaRPr lang="en-US"/>
           </a:p>
@@ -2197,49 +2236,49 @@
           <a:lstStyle/>
           <a:p>
             <a:r>
-              <a:rPr lang="en-US" dirty="0"/>
+              <a:rPr lang="en-US"/>
               <a:t>The main reason for using Abstract classes is to force programmers to create</a:t>
             </a:r>
             <a:r>
-              <a:rPr lang="en-US" baseline="0" dirty="0"/>
+              <a:rPr lang="en-US" baseline="0"/>
               <a:t> subclasses. Declaring certain methods abstract prevents you from coming up with useless default methods that others might inherit by accident.</a:t>
             </a:r>
           </a:p>
           <a:p>
-            <a:endParaRPr lang="en-US" baseline="0" dirty="0"/>
-          </a:p>
-          <a:p>
-            <a:r>
-              <a:rPr lang="en-US" baseline="0" dirty="0"/>
+            <a:endParaRPr lang="en-US" baseline="0"/>
+          </a:p>
+          <a:p>
+            <a:r>
+              <a:rPr lang="en-US" baseline="0"/>
               <a:t>This also allows code reuse when only a few methods of an interface differ in implementation. </a:t>
             </a:r>
           </a:p>
           <a:p>
-            <a:endParaRPr lang="en-US" baseline="0" dirty="0"/>
-          </a:p>
-          <a:p>
-            <a:r>
-              <a:rPr lang="en-US" sz="1200" baseline="0" dirty="0"/>
+            <a:endParaRPr lang="en-US" baseline="0"/>
+          </a:p>
+          <a:p>
+            <a:r>
+              <a:rPr lang="en-US" sz="1200" baseline="0"/>
               <a:t>Make the </a:t>
             </a:r>
             <a:r>
-              <a:rPr lang="en-US" sz="1200" baseline="0" dirty="0" err="1"/>
+              <a:rPr lang="en-US" sz="1200" baseline="0" err="1"/>
               <a:t>ChessPiece</a:t>
             </a:r>
             <a:r>
-              <a:rPr lang="en-US" sz="1200" baseline="0" dirty="0"/>
+              <a:rPr lang="en-US" sz="1200" baseline="0"/>
               <a:t> abstract, and pull the items that don’t change into the new abstract class, and leave the other methods abstract (see solution code). Walk students through this refactor for King/Queen, then have them implement the other pieces. Remind them that the Pawn is actually the hardest, and to do </a:t>
             </a:r>
             <a:r>
-              <a:rPr lang="en-US" baseline="0" dirty="0"/>
+              <a:rPr lang="en-US" baseline="0"/>
               <a:t>that LAST. </a:t>
             </a:r>
           </a:p>
           <a:p>
-            <a:endParaRPr lang="en-US" dirty="0"/>
-          </a:p>
-          <a:p>
-            <a:endParaRPr lang="en-US" baseline="0" dirty="0"/>
+            <a:endParaRPr lang="en-US"/>
+          </a:p>
+          <a:p>
+            <a:endParaRPr lang="en-US" baseline="0"/>
           </a:p>
         </p:txBody>
       </p:sp>
@@ -2266,7 +2305,7 @@
               <a:pPr>
                 <a:defRPr/>
               </a:pPr>
-              <a:t>20</a:t>
+              <a:t>21</a:t>
             </a:fld>
             <a:endParaRPr lang="en-US"/>
           </a:p>
@@ -2430,7 +2469,7 @@
           <a:lstStyle/>
           <a:p>
             <a:r>
-              <a:rPr lang="en-US" sz="1200" kern="1200" dirty="0">
+              <a:rPr lang="en-US" sz="1200" kern="1200">
                 <a:solidFill>
                   <a:schemeClr val="tx1"/>
                 </a:solidFill>
@@ -2441,7 +2480,7 @@
               <a:t>Emphasize</a:t>
             </a:r>
             <a:r>
-              <a:rPr lang="en-US" sz="1200" kern="1200" baseline="0" dirty="0">
+              <a:rPr lang="en-US" sz="1200" kern="1200" baseline="0">
                 <a:solidFill>
                   <a:schemeClr val="tx1"/>
                 </a:solidFill>
@@ -2452,7 +2491,7 @@
               <a:t> doing Pawn last it requires several things (</a:t>
             </a:r>
             <a:r>
-              <a:rPr lang="en-US" sz="1200" kern="1200" baseline="0" dirty="0" err="1">
+              <a:rPr lang="en-US" sz="1200" kern="1200" baseline="0" err="1">
                 <a:solidFill>
                   <a:schemeClr val="tx1"/>
                 </a:solidFill>
@@ -2463,7 +2502,7 @@
               <a:t>hasMoved</a:t>
             </a:r>
             <a:r>
-              <a:rPr lang="en-US" sz="1200" kern="1200" baseline="0" dirty="0">
+              <a:rPr lang="en-US" sz="1200" kern="1200" baseline="0">
                 <a:solidFill>
                   <a:schemeClr val="tx1"/>
                 </a:solidFill>
@@ -2474,7 +2513,7 @@
               <a:t> field) and needs to override the </a:t>
             </a:r>
             <a:r>
-              <a:rPr lang="en-US" sz="1200" kern="1200" baseline="0" dirty="0" err="1">
+              <a:rPr lang="en-US" sz="1200" kern="1200" baseline="0" err="1">
                 <a:solidFill>
                   <a:schemeClr val="tx1"/>
                 </a:solidFill>
@@ -2485,7 +2524,7 @@
               <a:t>checkAttack</a:t>
             </a:r>
             <a:r>
-              <a:rPr lang="en-US" sz="1200" kern="1200" baseline="0" dirty="0">
+              <a:rPr lang="en-US" sz="1200" kern="1200" baseline="0">
                 <a:solidFill>
                   <a:schemeClr val="tx1"/>
                 </a:solidFill>
@@ -2495,7 +2534,7 @@
               </a:rPr>
               <a:t> method which is not obvious without looking at more code than they usually have to look at for the rest of the classes.</a:t>
             </a:r>
-            <a:endParaRPr lang="en-US" sz="1200" kern="1200" dirty="0">
+            <a:endParaRPr lang="en-US" sz="1200" kern="1200">
               <a:solidFill>
                 <a:schemeClr val="tx1"/>
               </a:solidFill>
@@ -2505,7 +2544,7 @@
             </a:endParaRPr>
           </a:p>
           <a:p>
-            <a:endParaRPr lang="en-US" sz="1200" kern="1200" dirty="0">
+            <a:endParaRPr lang="en-US" sz="1200" kern="1200">
               <a:solidFill>
                 <a:schemeClr val="tx1"/>
               </a:solidFill>
@@ -2516,7 +2555,7 @@
           </a:p>
           <a:p>
             <a:r>
-              <a:rPr lang="en-US" sz="1200" kern="1200" dirty="0">
+              <a:rPr lang="en-US" sz="1200" kern="1200">
                 <a:solidFill>
                   <a:schemeClr val="tx1"/>
                 </a:solidFill>
@@ -2529,7 +2568,7 @@
           </a:p>
           <a:p>
             <a:r>
-              <a:rPr lang="en-US" sz="1200" b="1" kern="1200" dirty="0">
+              <a:rPr lang="en-US" sz="1200" b="1" kern="1200">
                 <a:solidFill>
                   <a:schemeClr val="tx1"/>
                 </a:solidFill>
@@ -2540,7 +2579,7 @@
               <a:t>public </a:t>
             </a:r>
             <a:r>
-              <a:rPr lang="en-US" sz="1200" b="1" kern="1200" dirty="0" err="1">
+              <a:rPr lang="en-US" sz="1200" b="1" kern="1200" err="1">
                 <a:solidFill>
                   <a:schemeClr val="tx1"/>
                 </a:solidFill>
@@ -2551,7 +2590,7 @@
               <a:t>boolean</a:t>
             </a:r>
             <a:r>
-              <a:rPr lang="en-US" sz="1200" b="1" kern="1200" dirty="0">
+              <a:rPr lang="en-US" sz="1200" b="1" kern="1200">
                 <a:solidFill>
                   <a:schemeClr val="tx1"/>
                 </a:solidFill>
@@ -2562,7 +2601,7 @@
               <a:t> </a:t>
             </a:r>
             <a:r>
-              <a:rPr lang="en-US" sz="1200" b="1" kern="1200" dirty="0" err="1">
+              <a:rPr lang="en-US" sz="1200" b="1" kern="1200" err="1">
                 <a:solidFill>
                   <a:schemeClr val="tx1"/>
                 </a:solidFill>
@@ -2573,7 +2612,7 @@
               <a:t>checkAttack</a:t>
             </a:r>
             <a:r>
-              <a:rPr lang="en-US" sz="1200" b="1" kern="1200" dirty="0">
+              <a:rPr lang="en-US" sz="1200" b="1" kern="1200">
                 <a:solidFill>
                   <a:schemeClr val="tx1"/>
                 </a:solidFill>
@@ -2584,7 +2623,7 @@
               <a:t>(</a:t>
             </a:r>
             <a:r>
-              <a:rPr lang="en-US" sz="1200" b="1" kern="1200" dirty="0" err="1">
+              <a:rPr lang="en-US" sz="1200" b="1" kern="1200" err="1">
                 <a:solidFill>
                   <a:schemeClr val="tx1"/>
                 </a:solidFill>
@@ -2595,7 +2634,7 @@
               <a:t>int</a:t>
             </a:r>
             <a:r>
-              <a:rPr lang="en-US" sz="1200" b="1" kern="1200" dirty="0">
+              <a:rPr lang="en-US" sz="1200" b="1" kern="1200">
                 <a:solidFill>
                   <a:schemeClr val="tx1"/>
                 </a:solidFill>
@@ -2606,7 +2645,7 @@
               <a:t> dx, </a:t>
             </a:r>
             <a:r>
-              <a:rPr lang="en-US" sz="1200" b="1" kern="1200" dirty="0" err="1">
+              <a:rPr lang="en-US" sz="1200" b="1" kern="1200" err="1">
                 <a:solidFill>
                   <a:schemeClr val="tx1"/>
                 </a:solidFill>
@@ -2617,7 +2656,7 @@
               <a:t>int</a:t>
             </a:r>
             <a:r>
-              <a:rPr lang="en-US" sz="1200" b="1" kern="1200" dirty="0">
+              <a:rPr lang="en-US" sz="1200" b="1" kern="1200">
                 <a:solidFill>
                   <a:schemeClr val="tx1"/>
                 </a:solidFill>
@@ -2628,7 +2667,7 @@
               <a:t> </a:t>
             </a:r>
             <a:r>
-              <a:rPr lang="en-US" sz="1200" b="1" kern="1200" dirty="0" err="1">
+              <a:rPr lang="en-US" sz="1200" b="1" kern="1200" err="1">
                 <a:solidFill>
                   <a:schemeClr val="tx1"/>
                 </a:solidFill>
@@ -2639,7 +2678,7 @@
               <a:t>dy</a:t>
             </a:r>
             <a:r>
-              <a:rPr lang="en-US" sz="1200" b="1" kern="1200" dirty="0">
+              <a:rPr lang="en-US" sz="1200" b="1" kern="1200">
                 <a:solidFill>
                   <a:schemeClr val="tx1"/>
                 </a:solidFill>
@@ -2650,7 +2689,7 @@
               <a:t>, </a:t>
             </a:r>
             <a:r>
-              <a:rPr lang="en-US" sz="1200" b="1" kern="1200" dirty="0" err="1">
+              <a:rPr lang="en-US" sz="1200" b="1" kern="1200" err="1">
                 <a:solidFill>
                   <a:schemeClr val="tx1"/>
                 </a:solidFill>
@@ -2661,7 +2700,7 @@
               <a:t>ChessPiece</a:t>
             </a:r>
             <a:r>
-              <a:rPr lang="en-US" sz="1200" b="1" kern="1200" dirty="0">
+              <a:rPr lang="en-US" sz="1200" b="1" kern="1200">
                 <a:solidFill>
                   <a:schemeClr val="tx1"/>
                 </a:solidFill>
@@ -2674,7 +2713,7 @@
           </a:p>
           <a:p>
             <a:r>
-              <a:rPr lang="en-US" sz="1200" b="1" kern="1200" dirty="0">
+              <a:rPr lang="en-US" sz="1200" b="1" kern="1200">
                 <a:solidFill>
                   <a:schemeClr val="tx1"/>
                 </a:solidFill>
@@ -2685,7 +2724,7 @@
               <a:t>if (</a:t>
             </a:r>
             <a:r>
-              <a:rPr lang="en-US" sz="1200" b="1" kern="1200" dirty="0" err="1">
+              <a:rPr lang="en-US" sz="1200" b="1" kern="1200" err="1">
                 <a:solidFill>
                   <a:schemeClr val="tx1"/>
                 </a:solidFill>
@@ -2696,7 +2735,7 @@
               <a:t>this.isWhite</a:t>
             </a:r>
             <a:r>
-              <a:rPr lang="en-US" sz="1200" b="1" kern="1200" dirty="0">
+              <a:rPr lang="en-US" sz="1200" b="1" kern="1200">
                 <a:solidFill>
                   <a:schemeClr val="tx1"/>
                 </a:solidFill>
@@ -2707,7 +2746,7 @@
               <a:t>() == </a:t>
             </a:r>
             <a:r>
-              <a:rPr lang="en-US" sz="1200" b="1" kern="1200" dirty="0" err="1">
+              <a:rPr lang="en-US" sz="1200" b="1" kern="1200" err="1">
                 <a:solidFill>
                   <a:schemeClr val="tx1"/>
                 </a:solidFill>
@@ -2718,7 +2757,7 @@
               <a:t>piece.isWhite</a:t>
             </a:r>
             <a:r>
-              <a:rPr lang="en-US" sz="1200" b="1" kern="1200" dirty="0">
+              <a:rPr lang="en-US" sz="1200" b="1" kern="1200">
                 <a:solidFill>
                   <a:schemeClr val="tx1"/>
                 </a:solidFill>
@@ -2731,7 +2770,7 @@
           </a:p>
           <a:p>
             <a:r>
-              <a:rPr lang="en-US" sz="1200" b="1" kern="1200" dirty="0">
+              <a:rPr lang="en-US" sz="1200" b="1" kern="1200">
                 <a:solidFill>
                   <a:schemeClr val="tx1"/>
                 </a:solidFill>
@@ -2744,7 +2783,7 @@
           </a:p>
           <a:p>
             <a:r>
-              <a:rPr lang="en-US" sz="1200" kern="1200" dirty="0">
+              <a:rPr lang="en-US" sz="1200" kern="1200">
                 <a:solidFill>
                   <a:schemeClr val="tx1"/>
                 </a:solidFill>
@@ -2757,7 +2796,7 @@
           </a:p>
           <a:p>
             <a:r>
-              <a:rPr lang="en-US" sz="1200" b="1" kern="1200" dirty="0">
+              <a:rPr lang="en-US" sz="1200" b="1" kern="1200">
                 <a:solidFill>
                   <a:schemeClr val="tx1"/>
                 </a:solidFill>
@@ -2768,7 +2807,7 @@
               <a:t>if (!</a:t>
             </a:r>
             <a:r>
-              <a:rPr lang="en-US" sz="1200" b="1" kern="1200" dirty="0" err="1">
+              <a:rPr lang="en-US" sz="1200" b="1" kern="1200" err="1">
                 <a:solidFill>
                   <a:schemeClr val="tx1"/>
                 </a:solidFill>
@@ -2779,7 +2818,7 @@
               <a:t>movedCorrectDirection</a:t>
             </a:r>
             <a:r>
-              <a:rPr lang="en-US" sz="1200" b="1" kern="1200" dirty="0">
+              <a:rPr lang="en-US" sz="1200" b="1" kern="1200">
                 <a:solidFill>
                   <a:schemeClr val="tx1"/>
                 </a:solidFill>
@@ -2790,7 +2829,7 @@
               <a:t>(</a:t>
             </a:r>
             <a:r>
-              <a:rPr lang="en-US" sz="1200" b="1" kern="1200" dirty="0" err="1">
+              <a:rPr lang="en-US" sz="1200" b="1" kern="1200" err="1">
                 <a:solidFill>
                   <a:schemeClr val="tx1"/>
                 </a:solidFill>
@@ -2801,7 +2840,7 @@
               <a:t>dy</a:t>
             </a:r>
             <a:r>
-              <a:rPr lang="en-US" sz="1200" b="1" kern="1200" dirty="0">
+              <a:rPr lang="en-US" sz="1200" b="1" kern="1200">
                 <a:solidFill>
                   <a:schemeClr val="tx1"/>
                 </a:solidFill>
@@ -2814,7 +2853,7 @@
           </a:p>
           <a:p>
             <a:r>
-              <a:rPr lang="en-US" sz="1200" b="1" kern="1200" dirty="0">
+              <a:rPr lang="en-US" sz="1200" b="1" kern="1200">
                 <a:solidFill>
                   <a:schemeClr val="tx1"/>
                 </a:solidFill>
@@ -2827,7 +2866,7 @@
           </a:p>
           <a:p>
             <a:r>
-              <a:rPr lang="en-US" sz="1200" kern="1200" dirty="0">
+              <a:rPr lang="en-US" sz="1200" kern="1200">
                 <a:solidFill>
                   <a:schemeClr val="tx1"/>
                 </a:solidFill>
@@ -2840,7 +2879,7 @@
           </a:p>
           <a:p>
             <a:r>
-              <a:rPr lang="en-US" sz="1200" kern="1200" dirty="0">
+              <a:rPr lang="en-US" sz="1200" kern="1200">
                 <a:solidFill>
                   <a:schemeClr val="tx1"/>
                 </a:solidFill>
@@ -2851,7 +2890,7 @@
               <a:t>dx = </a:t>
             </a:r>
             <a:r>
-              <a:rPr lang="en-US" sz="1200" kern="1200" dirty="0" err="1">
+              <a:rPr lang="en-US" sz="1200" kern="1200" err="1">
                 <a:solidFill>
                   <a:schemeClr val="tx1"/>
                 </a:solidFill>
@@ -2862,7 +2901,7 @@
               <a:t>Math.abs</a:t>
             </a:r>
             <a:r>
-              <a:rPr lang="en-US" sz="1200" kern="1200" dirty="0">
+              <a:rPr lang="en-US" sz="1200" kern="1200">
                 <a:solidFill>
                   <a:schemeClr val="tx1"/>
                 </a:solidFill>
@@ -2875,7 +2914,7 @@
           </a:p>
           <a:p>
             <a:r>
-              <a:rPr lang="en-US" sz="1200" kern="1200" dirty="0" err="1">
+              <a:rPr lang="en-US" sz="1200" kern="1200" err="1">
                 <a:solidFill>
                   <a:schemeClr val="tx1"/>
                 </a:solidFill>
@@ -2886,7 +2925,7 @@
               <a:t>dy</a:t>
             </a:r>
             <a:r>
-              <a:rPr lang="en-US" sz="1200" kern="1200" dirty="0">
+              <a:rPr lang="en-US" sz="1200" kern="1200">
                 <a:solidFill>
                   <a:schemeClr val="tx1"/>
                 </a:solidFill>
@@ -2897,7 +2936,7 @@
               <a:t> = </a:t>
             </a:r>
             <a:r>
-              <a:rPr lang="en-US" sz="1200" kern="1200" dirty="0" err="1">
+              <a:rPr lang="en-US" sz="1200" kern="1200" err="1">
                 <a:solidFill>
                   <a:schemeClr val="tx1"/>
                 </a:solidFill>
@@ -2908,7 +2947,7 @@
               <a:t>Math.abs</a:t>
             </a:r>
             <a:r>
-              <a:rPr lang="en-US" sz="1200" kern="1200" dirty="0">
+              <a:rPr lang="en-US" sz="1200" kern="1200">
                 <a:solidFill>
                   <a:schemeClr val="tx1"/>
                 </a:solidFill>
@@ -2919,7 +2958,7 @@
               <a:t>(</a:t>
             </a:r>
             <a:r>
-              <a:rPr lang="en-US" sz="1200" kern="1200" dirty="0" err="1">
+              <a:rPr lang="en-US" sz="1200" kern="1200" err="1">
                 <a:solidFill>
                   <a:schemeClr val="tx1"/>
                 </a:solidFill>
@@ -2930,7 +2969,7 @@
               <a:t>dy</a:t>
             </a:r>
             <a:r>
-              <a:rPr lang="en-US" sz="1200" kern="1200" dirty="0">
+              <a:rPr lang="en-US" sz="1200" kern="1200">
                 <a:solidFill>
                   <a:schemeClr val="tx1"/>
                 </a:solidFill>
@@ -2943,7 +2982,7 @@
           </a:p>
           <a:p>
             <a:r>
-              <a:rPr lang="en-US" sz="1200" b="1" kern="1200" dirty="0">
+              <a:rPr lang="en-US" sz="1200" b="1" kern="1200">
                 <a:solidFill>
                   <a:schemeClr val="tx1"/>
                 </a:solidFill>
@@ -2954,7 +2993,7 @@
               <a:t>return dx == 1 &amp;&amp; </a:t>
             </a:r>
             <a:r>
-              <a:rPr lang="en-US" sz="1200" b="1" kern="1200" dirty="0" err="1">
+              <a:rPr lang="en-US" sz="1200" b="1" kern="1200" err="1">
                 <a:solidFill>
                   <a:schemeClr val="tx1"/>
                 </a:solidFill>
@@ -2965,7 +3004,7 @@
               <a:t>dy</a:t>
             </a:r>
             <a:r>
-              <a:rPr lang="en-US" sz="1200" b="1" kern="1200" dirty="0">
+              <a:rPr lang="en-US" sz="1200" b="1" kern="1200">
                 <a:solidFill>
                   <a:schemeClr val="tx1"/>
                 </a:solidFill>
@@ -2978,7 +3017,7 @@
           </a:p>
           <a:p>
             <a:r>
-              <a:rPr lang="en-US" sz="1200" kern="1200" dirty="0">
+              <a:rPr lang="en-US" sz="1200" kern="1200">
                 <a:solidFill>
                   <a:schemeClr val="tx1"/>
                 </a:solidFill>
@@ -2988,7 +3027,7 @@
               </a:rPr>
               <a:t>}</a:t>
             </a:r>
-            <a:endParaRPr lang="en-US" dirty="0"/>
+            <a:endParaRPr lang="en-US"/>
           </a:p>
         </p:txBody>
       </p:sp>
@@ -3015,7 +3054,7 @@
               <a:pPr>
                 <a:defRPr/>
               </a:pPr>
-              <a:t>21</a:t>
+              <a:t>22</a:t>
             </a:fld>
             <a:endParaRPr lang="en-US"/>
           </a:p>
@@ -3080,7 +3119,7 @@
           </a:bodyPr>
           <a:lstStyle/>
           <a:p>
-            <a:endParaRPr lang="en-US" dirty="0"/>
+            <a:endParaRPr lang="en-US"/>
           </a:p>
         </p:txBody>
       </p:sp>
@@ -3107,7 +3146,7 @@
               <a:pPr>
                 <a:defRPr/>
               </a:pPr>
-              <a:t>22</a:t>
+              <a:t>23</a:t>
             </a:fld>
             <a:endParaRPr lang="en-US"/>
           </a:p>
@@ -3396,23 +3435,23 @@
           <a:lstStyle/>
           <a:p>
             <a:r>
-              <a:rPr lang="en-US" dirty="0"/>
+              <a:rPr lang="en-US"/>
               <a:t>[Show code example here, just looking at code for </a:t>
             </a:r>
             <a:r>
-              <a:rPr lang="en-US" dirty="0" err="1"/>
+              <a:rPr lang="en-US" err="1"/>
               <a:t>BankAccount</a:t>
             </a:r>
             <a:r>
-              <a:rPr lang="en-US" dirty="0"/>
+              <a:rPr lang="en-US"/>
               <a:t> and </a:t>
             </a:r>
             <a:r>
-              <a:rPr lang="en-US" dirty="0" err="1"/>
+              <a:rPr lang="en-US" err="1"/>
               <a:t>SavingsAccount</a:t>
             </a:r>
             <a:r>
-              <a:rPr lang="en-US" dirty="0"/>
+              <a:rPr lang="en-US"/>
               <a:t> (not writing it live)]</a:t>
             </a:r>
           </a:p>
@@ -4565,110 +4604,110 @@
           <a:lstStyle/>
           <a:p>
             <a:r>
-              <a:rPr lang="en-US" dirty="0"/>
+              <a:rPr lang="en-US"/>
               <a:t>Advanced code sometimes has deep inheritance hierarchies</a:t>
             </a:r>
           </a:p>
           <a:p>
             <a:r>
-              <a:rPr lang="en-US" dirty="0"/>
+              <a:rPr lang="en-US"/>
               <a:t>Trace through a few paths asking students what might be inherited and what might be added at each level (See</a:t>
             </a:r>
             <a:r>
-              <a:rPr lang="en-US" baseline="0" dirty="0"/>
+              <a:rPr lang="en-US" baseline="0"/>
               <a:t> Figure 1 - 3, pages 422 - 3</a:t>
             </a:r>
             <a:r>
-              <a:rPr lang="en-US" dirty="0"/>
+              <a:rPr lang="en-US"/>
               <a:t>)</a:t>
             </a:r>
           </a:p>
           <a:p>
-            <a:endParaRPr lang="en-US" dirty="0"/>
-          </a:p>
-          <a:p>
-            <a:r>
-              <a:rPr lang="en-US" dirty="0"/>
+            <a:endParaRPr lang="en-US"/>
+          </a:p>
+          <a:p>
+            <a:r>
+              <a:rPr lang="en-US"/>
               <a:t>Every </a:t>
             </a:r>
             <a:r>
-              <a:rPr lang="en-US" dirty="0" err="1"/>
+              <a:rPr lang="en-US" err="1"/>
               <a:t>JComponent</a:t>
             </a:r>
             <a:r>
-              <a:rPr lang="en-US" dirty="0"/>
+              <a:rPr lang="en-US"/>
               <a:t> has a width and a height, so the</a:t>
             </a:r>
             <a:r>
-              <a:rPr lang="en-US" baseline="0" dirty="0"/>
+              <a:rPr lang="en-US" baseline="0"/>
               <a:t> </a:t>
             </a:r>
             <a:r>
-              <a:rPr lang="en-US" baseline="0" dirty="0" err="1"/>
+              <a:rPr lang="en-US" baseline="0" err="1"/>
               <a:t>JComponent</a:t>
             </a:r>
             <a:r>
-              <a:rPr lang="en-US" baseline="0" dirty="0"/>
+              <a:rPr lang="en-US" baseline="0"/>
               <a:t> class has a </a:t>
             </a:r>
             <a:r>
-              <a:rPr lang="en-US" baseline="0" dirty="0" err="1"/>
+              <a:rPr lang="en-US" baseline="0" err="1"/>
               <a:t>getWidth</a:t>
             </a:r>
             <a:r>
-              <a:rPr lang="en-US" baseline="0" dirty="0"/>
+              <a:rPr lang="en-US" baseline="0"/>
               <a:t>() and a </a:t>
             </a:r>
             <a:r>
-              <a:rPr lang="en-US" baseline="0" dirty="0" err="1"/>
+              <a:rPr lang="en-US" baseline="0" err="1"/>
               <a:t>getHeight</a:t>
             </a:r>
             <a:r>
-              <a:rPr lang="en-US" baseline="0" dirty="0"/>
+              <a:rPr lang="en-US" baseline="0"/>
               <a:t>() method.</a:t>
             </a:r>
           </a:p>
           <a:p>
-            <a:endParaRPr lang="en-US" baseline="0" dirty="0"/>
-          </a:p>
-          <a:p>
-            <a:r>
-              <a:rPr lang="en-US" baseline="0" dirty="0"/>
+            <a:endParaRPr lang="en-US" baseline="0"/>
+          </a:p>
+          <a:p>
+            <a:r>
+              <a:rPr lang="en-US" baseline="0"/>
               <a:t>Every </a:t>
             </a:r>
             <a:r>
-              <a:rPr lang="en-US" baseline="0" dirty="0" err="1"/>
+              <a:rPr lang="en-US" baseline="0" err="1"/>
               <a:t>JButton</a:t>
             </a:r>
             <a:r>
-              <a:rPr lang="en-US" baseline="0" dirty="0"/>
+              <a:rPr lang="en-US" baseline="0"/>
               <a:t> can have text or an icon on it, so the </a:t>
             </a:r>
             <a:r>
-              <a:rPr lang="en-US" baseline="0" dirty="0" err="1"/>
+              <a:rPr lang="en-US" baseline="0" err="1"/>
               <a:t>AbstractButton</a:t>
             </a:r>
             <a:r>
-              <a:rPr lang="en-US" baseline="0" dirty="0"/>
+              <a:rPr lang="en-US" baseline="0"/>
               <a:t> class has a </a:t>
             </a:r>
             <a:r>
-              <a:rPr lang="en-US" baseline="0" dirty="0" err="1"/>
+              <a:rPr lang="en-US" baseline="0" err="1"/>
               <a:t>setText</a:t>
             </a:r>
             <a:r>
-              <a:rPr lang="en-US" baseline="0" dirty="0"/>
+              <a:rPr lang="en-US" baseline="0"/>
               <a:t>() and a </a:t>
             </a:r>
             <a:r>
-              <a:rPr lang="en-US" baseline="0" dirty="0" err="1"/>
+              <a:rPr lang="en-US" baseline="0" err="1"/>
               <a:t>setIcon</a:t>
             </a:r>
             <a:r>
-              <a:rPr lang="en-US" baseline="0" dirty="0"/>
+              <a:rPr lang="en-US" baseline="0"/>
               <a:t>() method.</a:t>
             </a:r>
-            <a:endParaRPr lang="en-US" dirty="0"/>
+            <a:endParaRPr lang="en-US"/>
           </a:p>
         </p:txBody>
       </p:sp>
@@ -4896,9 +4935,9 @@
               <a:pPr>
                 <a:defRPr/>
               </a:pPr>
-              <a:t>Tuesday, March 1, 2022</a:t>
+              <a:t>Tuesday, November 22, 2022</a:t>
             </a:fld>
-            <a:endParaRPr lang="en-US" dirty="0"/>
+            <a:endParaRPr lang="en-US"/>
           </a:p>
         </p:txBody>
       </p:sp>
@@ -4949,7 +4988,7 @@
               </a:pPr>
               <a:t>‹#›</a:t>
             </a:fld>
-            <a:endParaRPr lang="en-US" dirty="0"/>
+            <a:endParaRPr lang="en-US"/>
           </a:p>
         </p:txBody>
       </p:sp>
@@ -5079,9 +5118,9 @@
               <a:pPr>
                 <a:defRPr/>
               </a:pPr>
-              <a:t>Tuesday, March 1, 2022</a:t>
+              <a:t>Tuesday, November 22, 2022</a:t>
             </a:fld>
-            <a:endParaRPr lang="en-US" dirty="0"/>
+            <a:endParaRPr lang="en-US"/>
           </a:p>
         </p:txBody>
       </p:sp>
@@ -5272,9 +5311,9 @@
               <a:pPr>
                 <a:defRPr/>
               </a:pPr>
-              <a:t>Tuesday, March 1, 2022</a:t>
+              <a:t>Tuesday, November 22, 2022</a:t>
             </a:fld>
-            <a:endParaRPr lang="en-US" dirty="0"/>
+            <a:endParaRPr lang="en-US"/>
           </a:p>
         </p:txBody>
       </p:sp>
@@ -5455,9 +5494,9 @@
               <a:pPr>
                 <a:defRPr/>
               </a:pPr>
-              <a:t>Tuesday, March 1, 2022</a:t>
+              <a:t>Tuesday, November 22, 2022</a:t>
             </a:fld>
-            <a:endParaRPr lang="en-US" dirty="0"/>
+            <a:endParaRPr lang="en-US"/>
           </a:p>
         </p:txBody>
       </p:sp>
@@ -5715,7 +5754,7 @@
               <a:pPr>
                 <a:defRPr/>
               </a:pPr>
-              <a:t>Tuesday, March 1, 2022</a:t>
+              <a:t>Tuesday, November 22, 2022</a:t>
             </a:fld>
             <a:endParaRPr lang="en-US"/>
           </a:p>
@@ -6015,7 +6054,7 @@
               <a:pPr>
                 <a:defRPr/>
               </a:pPr>
-              <a:t>Tuesday, March 1, 2022</a:t>
+              <a:t>Tuesday, November 22, 2022</a:t>
             </a:fld>
             <a:endParaRPr lang="en-US"/>
           </a:p>
@@ -6449,7 +6488,7 @@
               <a:pPr>
                 <a:defRPr/>
               </a:pPr>
-              <a:t>Tuesday, March 1, 2022</a:t>
+              <a:t>Tuesday, November 22, 2022</a:t>
             </a:fld>
             <a:endParaRPr lang="en-US"/>
           </a:p>
@@ -6581,7 +6620,7 @@
               <a:pPr>
                 <a:defRPr/>
               </a:pPr>
-              <a:t>Tuesday, March 1, 2022</a:t>
+              <a:t>Tuesday, November 22, 2022</a:t>
             </a:fld>
             <a:endParaRPr lang="en-US"/>
           </a:p>
@@ -6691,9 +6730,9 @@
               <a:pPr>
                 <a:defRPr/>
               </a:pPr>
-              <a:t>Tuesday, March 1, 2022</a:t>
+              <a:t>Tuesday, November 22, 2022</a:t>
             </a:fld>
-            <a:endParaRPr lang="en-US" dirty="0"/>
+            <a:endParaRPr lang="en-US"/>
           </a:p>
         </p:txBody>
       </p:sp>
@@ -6981,7 +7020,7 @@
               <a:pPr>
                 <a:defRPr/>
               </a:pPr>
-              <a:t>Tuesday, March 1, 2022</a:t>
+              <a:t>Tuesday, November 22, 2022</a:t>
             </a:fld>
             <a:endParaRPr lang="en-US"/>
           </a:p>
@@ -7248,7 +7287,7 @@
               <a:pPr>
                 <a:defRPr/>
               </a:pPr>
-              <a:t>Tuesday, March 1, 2022</a:t>
+              <a:t>Tuesday, November 22, 2022</a:t>
             </a:fld>
             <a:endParaRPr lang="en-US"/>
           </a:p>
@@ -7474,9 +7513,9 @@
               <a:pPr>
                 <a:defRPr/>
               </a:pPr>
-              <a:t>Tuesday, March 1, 2022</a:t>
+              <a:t>Tuesday, November 22, 2022</a:t>
             </a:fld>
-            <a:endParaRPr lang="en-US" dirty="0"/>
+            <a:endParaRPr lang="en-US"/>
           </a:p>
         </p:txBody>
       </p:sp>
@@ -7883,7 +7922,6 @@
               <a:rPr lang="en-US"/>
               <a:t>CSSE 220</a:t>
             </a:r>
-            <a:endParaRPr lang="en-US" dirty="0"/>
           </a:p>
         </p:txBody>
       </p:sp>
@@ -7919,7 +7957,7 @@
           <p:cNvPr id="5" name="Rectangle 4">
             <a:extLst>
               <a:ext uri="{FF2B5EF4-FFF2-40B4-BE49-F238E27FC236}">
-                <a16:creationId xmlns:a16="http://schemas.microsoft.com/office/drawing/2014/main" id="{8C943F6A-D22C-8C41-A224-BD57A5FC8A41}"/>
+                <a16:creationId xmlns:a16="http://schemas.microsoft.com/office/drawing/2014/main" id="{74C4FB13-A9C6-AE49-93D9-007B088B724C}"/>
               </a:ext>
             </a:extLst>
           </p:cNvPr>
@@ -8007,6 +8045,107 @@
           </a:p>
         </p:txBody>
       </p:sp>
+      <p:sp>
+        <p:nvSpPr>
+          <p:cNvPr id="3" name="TextBox 2">
+            <a:extLst>
+              <a:ext uri="{FF2B5EF4-FFF2-40B4-BE49-F238E27FC236}">
+                <a16:creationId xmlns:a16="http://schemas.microsoft.com/office/drawing/2014/main" id="{D3965D5B-A23C-9F83-09AB-957BB83593D3}"/>
+              </a:ext>
+            </a:extLst>
+          </p:cNvPr>
+          <p:cNvSpPr txBox="1"/>
+          <p:nvPr/>
+        </p:nvSpPr>
+        <p:spPr>
+          <a:xfrm>
+            <a:off x="3048001" y="-20697"/>
+            <a:ext cx="5903496" cy="1046440"/>
+          </a:xfrm>
+          <a:prstGeom prst="rect">
+            <a:avLst/>
+          </a:prstGeom>
+          <a:noFill/>
+          <a:ln w="12700" cap="flat">
+            <a:noFill/>
+            <a:miter lim="400000"/>
+          </a:ln>
+          <a:effectLst/>
+        </p:spPr>
+        <p:style>
+          <a:lnRef idx="0">
+            <a:scrgbClr r="0" g="0" b="0"/>
+          </a:lnRef>
+          <a:fillRef idx="0">
+            <a:scrgbClr r="0" g="0" b="0"/>
+          </a:fillRef>
+          <a:effectRef idx="0">
+            <a:scrgbClr r="0" g="0" b="0"/>
+          </a:effectRef>
+          <a:fontRef idx="none"/>
+        </p:style>
+        <p:txBody>
+          <a:bodyPr wrap="square">
+            <a:spAutoFit/>
+          </a:bodyPr>
+          <a:lstStyle/>
+          <a:p>
+            <a:r>
+              <a:rPr lang="en-US" dirty="0">
+                <a:highlight>
+                  <a:srgbClr val="FFFF00"/>
+                </a:highlight>
+              </a:rPr>
+              <a:t>Today’s Attendance password</a:t>
+            </a:r>
+          </a:p>
+          <a:p>
+            <a:r>
+              <a:rPr lang="en-US" sz="4400">
+                <a:highlight>
+                  <a:srgbClr val="FFFF00"/>
+                </a:highlight>
+              </a:rPr>
+              <a:t>_________</a:t>
+            </a:r>
+            <a:endParaRPr lang="en-US" sz="4400" dirty="0">
+              <a:highlight>
+                <a:srgbClr val="FFFF00"/>
+              </a:highlight>
+            </a:endParaRPr>
+          </a:p>
+        </p:txBody>
+      </p:sp>
+      <p:pic>
+        <p:nvPicPr>
+          <p:cNvPr id="4" name="Picture 3">
+            <a:extLst>
+              <a:ext uri="{FF2B5EF4-FFF2-40B4-BE49-F238E27FC236}">
+                <a16:creationId xmlns:a16="http://schemas.microsoft.com/office/drawing/2014/main" id="{D3D101E2-BF4D-9EF4-470F-47C893647DC3}"/>
+              </a:ext>
+            </a:extLst>
+          </p:cNvPr>
+          <p:cNvPicPr>
+            <a:picLocks noChangeAspect="1"/>
+          </p:cNvPicPr>
+          <p:nvPr/>
+        </p:nvPicPr>
+        <p:blipFill>
+          <a:blip r:embed="rId3"/>
+          <a:stretch>
+            <a:fillRect/>
+          </a:stretch>
+        </p:blipFill>
+        <p:spPr>
+          <a:xfrm>
+            <a:off x="5937409" y="1015626"/>
+            <a:ext cx="2816626" cy="2439173"/>
+          </a:xfrm>
+          <a:prstGeom prst="rect">
+            <a:avLst/>
+          </a:prstGeom>
+        </p:spPr>
+      </p:pic>
     </p:spTree>
   </p:cSld>
   <p:clrMapOvr>
@@ -8613,6 +8752,38 @@
         </p:nvSpPr>
         <p:spPr/>
         <p:txBody>
+          <a:bodyPr>
+            <a:normAutofit fontScale="90000"/>
+          </a:bodyPr>
+          <a:lstStyle/>
+          <a:p>
+            <a:pPr>
+              <a:defRPr/>
+            </a:pPr>
+            <a:r>
+              <a:rPr lang="en-US"/>
+              <a:t>How Subclass calls Superclass Methods</a:t>
+            </a:r>
+          </a:p>
+        </p:txBody>
+      </p:sp>
+      <p:sp>
+        <p:nvSpPr>
+          <p:cNvPr id="2" name="Content Placeholder 1"/>
+          <p:cNvSpPr>
+            <a:spLocks noGrp="1"/>
+          </p:cNvSpPr>
+          <p:nvPr>
+            <p:ph idx="1"/>
+          </p:nvPr>
+        </p:nvSpPr>
+        <p:spPr>
+          <a:xfrm>
+            <a:off x="250371" y="1567543"/>
+            <a:ext cx="8327571" cy="4525963"/>
+          </a:xfrm>
+        </p:spPr>
+        <p:txBody>
           <a:bodyPr/>
           <a:lstStyle/>
           <a:p>
@@ -8621,40 +8792,86 @@
             </a:pPr>
             <a:r>
               <a:rPr lang="en-US" dirty="0"/>
-              <a:t>Super Calls</a:t>
-            </a:r>
-          </a:p>
-        </p:txBody>
-      </p:sp>
-      <p:sp>
-        <p:nvSpPr>
-          <p:cNvPr id="2" name="Content Placeholder 1"/>
-          <p:cNvSpPr>
-            <a:spLocks noGrp="1"/>
-          </p:cNvSpPr>
-          <p:nvPr>
-            <p:ph idx="1"/>
-          </p:nvPr>
-        </p:nvSpPr>
-        <p:spPr/>
-        <p:txBody>
-          <a:bodyPr/>
-          <a:lstStyle/>
+              <a:t>Calling a superclass </a:t>
+            </a:r>
+            <a:r>
+              <a:rPr lang="en-US" b="1" dirty="0">
+                <a:solidFill>
+                  <a:schemeClr val="accent3"/>
+                </a:solidFill>
+              </a:rPr>
+              <a:t>method </a:t>
+            </a:r>
+            <a:r>
+              <a:rPr lang="en-US" dirty="0"/>
+              <a:t>from the subclass:</a:t>
+            </a:r>
+          </a:p>
+          <a:p>
+            <a:pPr marL="457200" lvl="1" indent="0">
+              <a:buNone/>
+              <a:defRPr/>
+            </a:pPr>
+            <a:r>
+              <a:rPr lang="en-US" b="1" dirty="0" err="1">
+                <a:solidFill>
+                  <a:schemeClr val="accent3"/>
+                </a:solidFill>
+                <a:latin typeface="Courier New" panose="02070309020205020404" pitchFamily="49" charset="0"/>
+                <a:cs typeface="Courier New" panose="02070309020205020404" pitchFamily="49" charset="0"/>
+              </a:rPr>
+              <a:t>super.methodName</a:t>
+            </a:r>
+            <a:r>
+              <a:rPr lang="en-US" b="1" dirty="0">
+                <a:solidFill>
+                  <a:schemeClr val="accent3"/>
+                </a:solidFill>
+                <a:latin typeface="Courier New" panose="02070309020205020404" pitchFamily="49" charset="0"/>
+                <a:cs typeface="Courier New" panose="02070309020205020404" pitchFamily="49" charset="0"/>
+              </a:rPr>
+              <a:t>(</a:t>
+            </a:r>
+            <a:r>
+              <a:rPr lang="en-US" b="1" dirty="0" err="1">
+                <a:solidFill>
+                  <a:schemeClr val="accent3"/>
+                </a:solidFill>
+                <a:latin typeface="Courier New" panose="02070309020205020404" pitchFamily="49" charset="0"/>
+                <a:cs typeface="Courier New" panose="02070309020205020404" pitchFamily="49" charset="0"/>
+              </a:rPr>
+              <a:t>args</a:t>
+            </a:r>
+            <a:r>
+              <a:rPr lang="en-US" b="1" dirty="0">
+                <a:solidFill>
+                  <a:schemeClr val="accent3"/>
+                </a:solidFill>
+                <a:latin typeface="Courier New" panose="02070309020205020404" pitchFamily="49" charset="0"/>
+                <a:cs typeface="Courier New" panose="02070309020205020404" pitchFamily="49" charset="0"/>
+              </a:rPr>
+              <a:t>);</a:t>
+            </a:r>
+          </a:p>
           <a:p>
             <a:pPr>
               <a:defRPr/>
             </a:pPr>
+            <a:endParaRPr lang="en-US" dirty="0"/>
+          </a:p>
+          <a:p>
+            <a:pPr>
+              <a:defRPr/>
+            </a:pPr>
+            <a:endParaRPr lang="en-US" dirty="0"/>
+          </a:p>
+          <a:p>
+            <a:pPr>
+              <a:defRPr/>
+            </a:pPr>
             <a:r>
               <a:rPr lang="en-US" dirty="0"/>
-              <a:t>Calling </a:t>
-            </a:r>
-            <a:r>
-              <a:rPr lang="en-US" dirty="0" err="1"/>
-              <a:t>superclass</a:t>
-            </a:r>
-            <a:r>
-              <a:rPr lang="en-US" dirty="0"/>
-              <a:t> </a:t>
+              <a:t>Calling superclass </a:t>
             </a:r>
             <a:r>
               <a:rPr lang="en-US" b="1" dirty="0">
@@ -8662,7 +8879,7 @@
                   <a:schemeClr val="accent3"/>
                 </a:solidFill>
               </a:rPr>
-              <a:t>method</a:t>
+              <a:t>constructor</a:t>
             </a:r>
             <a:r>
               <a:rPr lang="en-US" dirty="0"/>
@@ -8670,115 +8887,37 @@
             </a:r>
           </a:p>
           <a:p>
-            <a:pPr lvl="1">
-              <a:defRPr/>
-            </a:pPr>
+            <a:pPr marL="457200" lvl="1" indent="0">
+              <a:buNone/>
+              <a:defRPr/>
+            </a:pPr>
+            <a:r>
+              <a:rPr lang="en-US" b="1" dirty="0">
+                <a:solidFill>
+                  <a:schemeClr val="accent3"/>
+                </a:solidFill>
+                <a:latin typeface="Courier New" panose="02070309020205020404" pitchFamily="49" charset="0"/>
+                <a:cs typeface="Courier New" panose="02070309020205020404" pitchFamily="49" charset="0"/>
+              </a:rPr>
+              <a:t>super(</a:t>
+            </a:r>
             <a:r>
               <a:rPr lang="en-US" b="1" dirty="0" err="1">
                 <a:solidFill>
                   <a:schemeClr val="accent3"/>
                 </a:solidFill>
-                <a:latin typeface="Lucida Sans Typewriter" pitchFamily="49" charset="0"/>
-              </a:rPr>
-              <a:t>super.methodName</a:t>
+                <a:latin typeface="Courier New" panose="02070309020205020404" pitchFamily="49" charset="0"/>
+                <a:cs typeface="Courier New" panose="02070309020205020404" pitchFamily="49" charset="0"/>
+              </a:rPr>
+              <a:t>args</a:t>
             </a:r>
             <a:r>
               <a:rPr lang="en-US" b="1" dirty="0">
                 <a:solidFill>
                   <a:schemeClr val="accent3"/>
                 </a:solidFill>
-                <a:latin typeface="Lucida Sans Typewriter" pitchFamily="49" charset="0"/>
-              </a:rPr>
-              <a:t>(</a:t>
-            </a:r>
-            <a:r>
-              <a:rPr lang="en-US" b="1" dirty="0" err="1">
-                <a:solidFill>
-                  <a:schemeClr val="accent3"/>
-                </a:solidFill>
-                <a:latin typeface="Lucida Sans Typewriter" pitchFamily="49" charset="0"/>
-              </a:rPr>
-              <a:t>args</a:t>
-            </a:r>
-            <a:r>
-              <a:rPr lang="en-US" b="1" dirty="0">
-                <a:solidFill>
-                  <a:schemeClr val="accent3"/>
-                </a:solidFill>
-                <a:latin typeface="Lucida Sans Typewriter" pitchFamily="49" charset="0"/>
-              </a:rPr>
-              <a:t>);</a:t>
-            </a:r>
-          </a:p>
-          <a:p>
-            <a:pPr>
-              <a:defRPr/>
-            </a:pPr>
-            <a:endParaRPr lang="en-US" dirty="0"/>
-          </a:p>
-          <a:p>
-            <a:pPr>
-              <a:defRPr/>
-            </a:pPr>
-            <a:endParaRPr lang="en-US" dirty="0"/>
-          </a:p>
-          <a:p>
-            <a:pPr>
-              <a:defRPr/>
-            </a:pPr>
-            <a:r>
-              <a:rPr lang="en-US" dirty="0"/>
-              <a:t>Calling </a:t>
-            </a:r>
-            <a:r>
-              <a:rPr lang="en-US" dirty="0" err="1"/>
-              <a:t>superclass</a:t>
-            </a:r>
-            <a:r>
-              <a:rPr lang="en-US" dirty="0"/>
-              <a:t> </a:t>
-            </a:r>
-            <a:r>
-              <a:rPr lang="en-US" b="1" dirty="0">
-                <a:solidFill>
-                  <a:schemeClr val="accent3"/>
-                </a:solidFill>
-              </a:rPr>
-              <a:t>constructor</a:t>
-            </a:r>
-            <a:r>
-              <a:rPr lang="en-US" dirty="0"/>
-              <a:t>:</a:t>
-            </a:r>
-          </a:p>
-          <a:p>
-            <a:pPr lvl="1">
-              <a:defRPr/>
-            </a:pPr>
-            <a:r>
-              <a:rPr lang="en-US" b="1" dirty="0">
-                <a:solidFill>
-                  <a:schemeClr val="accent3"/>
-                </a:solidFill>
-                <a:latin typeface="Lucida Sans Typewriter" pitchFamily="49" charset="0"/>
-              </a:rPr>
-              <a:t>super(</a:t>
-            </a:r>
-            <a:r>
-              <a:rPr lang="en-US" b="1" dirty="0" err="1">
-                <a:solidFill>
-                  <a:schemeClr val="accent3"/>
-                </a:solidFill>
-                <a:latin typeface="Lucida Sans Typewriter" pitchFamily="49" charset="0"/>
-              </a:rPr>
-              <a:t>args</a:t>
-            </a:r>
-            <a:r>
-              <a:rPr lang="en-US" b="1" dirty="0">
-                <a:solidFill>
-                  <a:schemeClr val="accent3"/>
-                </a:solidFill>
-                <a:latin typeface="Lucida Sans Typewriter" pitchFamily="49" charset="0"/>
+                <a:latin typeface="Courier New" panose="02070309020205020404" pitchFamily="49" charset="0"/>
+                <a:cs typeface="Courier New" panose="02070309020205020404" pitchFamily="49" charset="0"/>
               </a:rPr>
               <a:t>);</a:t>
             </a:r>
@@ -8793,8 +8932,8 @@
         </p:nvSpPr>
         <p:spPr>
           <a:xfrm>
-            <a:off x="5546811" y="5337614"/>
-            <a:ext cx="3200400" cy="1206500"/>
+            <a:off x="4669971" y="5076357"/>
+            <a:ext cx="3903068" cy="1206500"/>
           </a:xfrm>
           <a:prstGeom prst="borderCallout2">
             <a:avLst>
@@ -8802,8 +8941,8 @@
               <a:gd name="adj2" fmla="val -1170"/>
               <a:gd name="adj3" fmla="val -21758"/>
               <a:gd name="adj4" fmla="val -18637"/>
-              <a:gd name="adj5" fmla="val -55778"/>
-              <a:gd name="adj6" fmla="val -51994"/>
+              <a:gd name="adj5" fmla="val -34124"/>
+              <a:gd name="adj6" fmla="val -33879"/>
             </a:avLst>
           </a:prstGeom>
         </p:spPr>
@@ -8832,7 +8971,7 @@
             </a:pPr>
             <a:r>
               <a:rPr lang="en-US" sz="2400" dirty="0"/>
-              <a:t>Must be the first line of the subclass constructor</a:t>
+              <a:t>Must appear as the first line of the subclass constructor</a:t>
             </a:r>
           </a:p>
         </p:txBody>
@@ -8882,7 +9021,7 @@
               <a:defRPr/>
             </a:pPr>
             <a:r>
-              <a:rPr lang="en-US" sz="1800" dirty="0">
+              <a:rPr lang="en-US" sz="1800">
                 <a:solidFill>
                   <a:schemeClr val="bg1"/>
                 </a:solidFill>
@@ -9072,7 +9211,7 @@
     </p:spTree>
     <p:extLst>
       <p:ext uri="{BB962C8B-B14F-4D97-AF65-F5344CB8AC3E}">
-        <p14:creationId xmlns:p14="http://schemas.microsoft.com/office/powerpoint/2010/main" val="2133976266"/>
+        <p14:creationId xmlns:p14="http://schemas.microsoft.com/office/powerpoint/2010/main" val="4000348338"/>
       </p:ext>
     </p:extLst>
   </p:cSld>
@@ -9193,7 +9332,7 @@
     </p:spTree>
     <p:extLst>
       <p:ext uri="{BB962C8B-B14F-4D97-AF65-F5344CB8AC3E}">
-        <p14:creationId xmlns:p14="http://schemas.microsoft.com/office/powerpoint/2010/main" val="3771829790"/>
+        <p14:creationId xmlns:p14="http://schemas.microsoft.com/office/powerpoint/2010/main" val="2922646918"/>
       </p:ext>
     </p:extLst>
   </p:cSld>
@@ -9222,6 +9361,102 @@
       </p:grpSpPr>
       <p:sp>
         <p:nvSpPr>
+          <p:cNvPr id="2" name="Title 1"/>
+          <p:cNvSpPr>
+            <a:spLocks noGrp="1"/>
+          </p:cNvSpPr>
+          <p:nvPr>
+            <p:ph type="title"/>
+          </p:nvPr>
+        </p:nvSpPr>
+        <p:spPr/>
+        <p:txBody>
+          <a:bodyPr/>
+          <a:lstStyle/>
+          <a:p>
+            <a:r>
+              <a:rPr lang="en-US" dirty="0"/>
+              <a:t>In Eclipse – </a:t>
+            </a:r>
+            <a:r>
+              <a:rPr lang="en-US" i="1" dirty="0"/>
+              <a:t>new</a:t>
+            </a:r>
+            <a:r>
+              <a:rPr lang="en-US" dirty="0"/>
+              <a:t> a Java Class</a:t>
+            </a:r>
+          </a:p>
+        </p:txBody>
+      </p:sp>
+      <p:pic>
+        <p:nvPicPr>
+          <p:cNvPr id="6" name="Picture 5" descr="Graphical user interface, application&#10;&#10;Description automatically generated">
+            <a:extLst>
+              <a:ext uri="{FF2B5EF4-FFF2-40B4-BE49-F238E27FC236}">
+                <a16:creationId xmlns:a16="http://schemas.microsoft.com/office/drawing/2014/main" id="{8B5C524B-D78B-309F-5E7A-0670BD1C2E52}"/>
+              </a:ext>
+            </a:extLst>
+          </p:cNvPr>
+          <p:cNvPicPr>
+            <a:picLocks noChangeAspect="1"/>
+          </p:cNvPicPr>
+          <p:nvPr/>
+        </p:nvPicPr>
+        <p:blipFill>
+          <a:blip r:embed="rId2">
+            <a:extLst>
+              <a:ext uri="{28A0092B-C50C-407E-A947-70E740481C1C}">
+                <a14:useLocalDpi xmlns:a14="http://schemas.microsoft.com/office/drawing/2010/main" val="0"/>
+              </a:ext>
+            </a:extLst>
+          </a:blip>
+          <a:stretch>
+            <a:fillRect/>
+          </a:stretch>
+        </p:blipFill>
+        <p:spPr>
+          <a:xfrm>
+            <a:off x="1825367" y="1208313"/>
+            <a:ext cx="5356952" cy="5464629"/>
+          </a:xfrm>
+          <a:prstGeom prst="rect">
+            <a:avLst/>
+          </a:prstGeom>
+        </p:spPr>
+      </p:pic>
+    </p:spTree>
+    <p:extLst>
+      <p:ext uri="{BB962C8B-B14F-4D97-AF65-F5344CB8AC3E}">
+        <p14:creationId xmlns:p14="http://schemas.microsoft.com/office/powerpoint/2010/main" val="3235904320"/>
+      </p:ext>
+    </p:extLst>
+  </p:cSld>
+  <p:clrMapOvr>
+    <a:masterClrMapping/>
+  </p:clrMapOvr>
+</p:sld>
+</file>
+
+<file path=ppt/slides/slide16.xml><?xml version="1.0" encoding="utf-8"?>
+<p:sld xmlns:a="http://schemas.openxmlformats.org/drawingml/2006/main" xmlns:r="http://schemas.openxmlformats.org/officeDocument/2006/relationships" xmlns:p="http://schemas.openxmlformats.org/presentationml/2006/main">
+  <p:cSld>
+    <p:spTree>
+      <p:nvGrpSpPr>
+        <p:cNvPr id="1" name=""/>
+        <p:cNvGrpSpPr/>
+        <p:nvPr/>
+      </p:nvGrpSpPr>
+      <p:grpSpPr>
+        <a:xfrm>
+          <a:off x="0" y="0"/>
+          <a:ext cx="0" cy="0"/>
+          <a:chOff x="0" y="0"/>
+          <a:chExt cx="0" cy="0"/>
+        </a:xfrm>
+      </p:grpSpPr>
+      <p:sp>
+        <p:nvSpPr>
           <p:cNvPr id="3" name="Title 2"/>
           <p:cNvSpPr>
             <a:spLocks noGrp="1"/>
@@ -9372,12 +9607,16 @@
               <a:t>ba.deposit</a:t>
             </a:r>
             <a:r>
-              <a:rPr lang="en-US" sz="2400" dirty="0">
+              <a:rPr lang="en-US" sz="2400">
                 <a:latin typeface="Courier New" panose="02070309020205020404" pitchFamily="49" charset="0"/>
                 <a:cs typeface="Courier New" panose="02070309020205020404" pitchFamily="49" charset="0"/>
               </a:rPr>
-              <a:t>(100);</a:t>
-            </a:r>
+              <a:t>(100.0);</a:t>
+            </a:r>
+            <a:endParaRPr lang="en-US" sz="2400" dirty="0">
+              <a:latin typeface="Courier New" panose="02070309020205020404" pitchFamily="49" charset="0"/>
+              <a:cs typeface="Courier New" panose="02070309020205020404" pitchFamily="49" charset="0"/>
+            </a:endParaRPr>
           </a:p>
           <a:p>
             <a:pPr lvl="1">
@@ -9513,7 +9752,7 @@
 </p:sld>
 </file>
 
-<file path=ppt/slides/slide16.xml><?xml version="1.0" encoding="utf-8"?>
+<file path=ppt/slides/slide17.xml><?xml version="1.0" encoding="utf-8"?>
 <p:sld xmlns:a="http://schemas.openxmlformats.org/drawingml/2006/main" xmlns:r="http://schemas.openxmlformats.org/officeDocument/2006/relationships" xmlns:p="http://schemas.openxmlformats.org/presentationml/2006/main">
   <p:cSld>
     <p:spTree>
@@ -9792,7 +10031,7 @@
 </p:sld>
 </file>
 
-<file path=ppt/slides/slide17.xml><?xml version="1.0" encoding="utf-8"?>
+<file path=ppt/slides/slide18.xml><?xml version="1.0" encoding="utf-8"?>
 <p:sld xmlns:a="http://schemas.openxmlformats.org/drawingml/2006/main" xmlns:r="http://schemas.openxmlformats.org/officeDocument/2006/relationships" xmlns:p="http://schemas.openxmlformats.org/presentationml/2006/main">
   <p:cSld>
     <p:spTree>
@@ -10121,7 +10360,7 @@
 </p:sld>
 </file>
 
-<file path=ppt/slides/slide18.xml><?xml version="1.0" encoding="utf-8"?>
+<file path=ppt/slides/slide19.xml><?xml version="1.0" encoding="utf-8"?>
 <p:sld xmlns:a="http://schemas.openxmlformats.org/drawingml/2006/main" xmlns:r="http://schemas.openxmlformats.org/officeDocument/2006/relationships" xmlns:p="http://schemas.openxmlformats.org/presentationml/2006/main">
   <p:cSld>
     <p:spTree>
@@ -10516,120 +10755,6 @@
 </p:sld>
 </file>
 
-<file path=ppt/slides/slide19.xml><?xml version="1.0" encoding="utf-8"?>
-<p:sld xmlns:a="http://schemas.openxmlformats.org/drawingml/2006/main" xmlns:r="http://schemas.openxmlformats.org/officeDocument/2006/relationships" xmlns:p="http://schemas.openxmlformats.org/presentationml/2006/main">
-  <p:cSld>
-    <p:spTree>
-      <p:nvGrpSpPr>
-        <p:cNvPr id="1" name=""/>
-        <p:cNvGrpSpPr/>
-        <p:nvPr/>
-      </p:nvGrpSpPr>
-      <p:grpSpPr>
-        <a:xfrm>
-          <a:off x="0" y="0"/>
-          <a:ext cx="0" cy="0"/>
-          <a:chOff x="0" y="0"/>
-          <a:chExt cx="0" cy="0"/>
-        </a:xfrm>
-      </p:grpSpPr>
-      <p:sp>
-        <p:nvSpPr>
-          <p:cNvPr id="2" name="Title 1"/>
-          <p:cNvSpPr>
-            <a:spLocks noGrp="1"/>
-          </p:cNvSpPr>
-          <p:nvPr>
-            <p:ph type="title"/>
-          </p:nvPr>
-        </p:nvSpPr>
-        <p:spPr/>
-        <p:txBody>
-          <a:bodyPr/>
-          <a:lstStyle/>
-          <a:p>
-            <a:r>
-              <a:rPr lang="en-US" dirty="0"/>
-              <a:t>Live coding</a:t>
-            </a:r>
-          </a:p>
-        </p:txBody>
-      </p:sp>
-      <p:sp>
-        <p:nvSpPr>
-          <p:cNvPr id="3" name="Content Placeholder 2"/>
-          <p:cNvSpPr>
-            <a:spLocks noGrp="1"/>
-          </p:cNvSpPr>
-          <p:nvPr>
-            <p:ph idx="1"/>
-          </p:nvPr>
-        </p:nvSpPr>
-        <p:spPr/>
-        <p:txBody>
-          <a:bodyPr/>
-          <a:lstStyle/>
-          <a:p>
-            <a:r>
-              <a:rPr lang="en-US" dirty="0"/>
-              <a:t>Let’s look at </a:t>
-            </a:r>
-            <a:r>
-              <a:rPr lang="en-US" dirty="0" err="1"/>
-              <a:t>chessPieces</a:t>
-            </a:r>
-            <a:r>
-              <a:rPr lang="en-US" dirty="0"/>
-              <a:t>/</a:t>
-            </a:r>
-            <a:r>
-              <a:rPr lang="en-US" dirty="0" err="1"/>
-              <a:t>chessSupport</a:t>
-            </a:r>
-            <a:endParaRPr lang="en-US" dirty="0"/>
-          </a:p>
-          <a:p>
-            <a:pPr lvl="1"/>
-            <a:r>
-              <a:rPr lang="en-US" dirty="0"/>
-              <a:t>Let’s Look at King and </a:t>
-            </a:r>
-            <a:r>
-              <a:rPr lang="en-US" dirty="0" err="1"/>
-              <a:t>ChessPiece</a:t>
-            </a:r>
-            <a:endParaRPr lang="en-US" dirty="0"/>
-          </a:p>
-          <a:p>
-            <a:pPr lvl="1"/>
-            <a:r>
-              <a:rPr lang="en-US" dirty="0" err="1"/>
-              <a:t>StandardBoardProvider</a:t>
-            </a:r>
-            <a:r>
-              <a:rPr lang="en-US" dirty="0"/>
-              <a:t> (uncomment King lines)</a:t>
-            </a:r>
-          </a:p>
-          <a:p>
-            <a:pPr lvl="1"/>
-            <a:endParaRPr lang="en-US" dirty="0"/>
-          </a:p>
-        </p:txBody>
-      </p:sp>
-    </p:spTree>
-    <p:extLst>
-      <p:ext uri="{BB962C8B-B14F-4D97-AF65-F5344CB8AC3E}">
-        <p14:creationId xmlns:p14="http://schemas.microsoft.com/office/powerpoint/2010/main" val="2864090242"/>
-      </p:ext>
-    </p:extLst>
-  </p:cSld>
-  <p:clrMapOvr>
-    <a:masterClrMapping/>
-  </p:clrMapOvr>
-</p:sld>
-</file>
-
 <file path=ppt/slides/slide2.xml><?xml version="1.0" encoding="utf-8"?>
 <p:sld xmlns:a="http://schemas.openxmlformats.org/drawingml/2006/main" xmlns:r="http://schemas.openxmlformats.org/officeDocument/2006/relationships" xmlns:p="http://schemas.openxmlformats.org/presentationml/2006/main">
   <p:cSld>
@@ -10666,7 +10791,7 @@
               <a:defRPr/>
             </a:pPr>
             <a:r>
-              <a:rPr lang="en-US" dirty="0">
+              <a:rPr lang="en-US">
                 <a:solidFill>
                   <a:schemeClr val="accent3"/>
                 </a:solidFill>
@@ -10693,7 +10818,9 @@
           </a:xfrm>
         </p:spPr>
         <p:txBody>
-          <a:bodyPr/>
+          <a:bodyPr>
+            <a:normAutofit fontScale="92500" lnSpcReduction="10000"/>
+          </a:bodyPr>
           <a:lstStyle/>
           <a:p>
             <a:pPr>
@@ -10713,7 +10840,7 @@
             </a:r>
             <a:r>
               <a:rPr lang="en-US" sz="2400" dirty="0"/>
-              <a:t>of the concept represented by another </a:t>
+              <a:t>of the concept represented by another already existing class</a:t>
             </a:r>
           </a:p>
           <a:p>
@@ -10728,7 +10855,7 @@
             </a:pPr>
             <a:r>
               <a:rPr lang="en-US" sz="2400" dirty="0"/>
-              <a:t>Can “borrow” from an existing class, changing just what we need</a:t>
+              <a:t>New class can “inherit” from an existing class, and new class can be changed to add new/different functional specific to the new class</a:t>
             </a:r>
           </a:p>
           <a:p>
@@ -10855,7 +10982,7 @@
               <a:defRPr/>
             </a:pPr>
             <a:r>
-              <a:rPr lang="en-US" sz="1800" dirty="0">
+              <a:rPr lang="en-US" sz="1800">
                 <a:solidFill>
                   <a:schemeClr val="bg1"/>
                 </a:solidFill>
@@ -10894,7 +11021,7 @@
       </p:grpSpPr>
       <p:sp>
         <p:nvSpPr>
-          <p:cNvPr id="3" name="Title 2"/>
+          <p:cNvPr id="2" name="Title 1"/>
           <p:cNvSpPr>
             <a:spLocks noGrp="1"/>
           </p:cNvSpPr>
@@ -10907,11 +11034,125 @@
           <a:bodyPr/>
           <a:lstStyle/>
           <a:p>
+            <a:r>
+              <a:rPr lang="en-US"/>
+              <a:t>Live coding</a:t>
+            </a:r>
+          </a:p>
+        </p:txBody>
+      </p:sp>
+      <p:sp>
+        <p:nvSpPr>
+          <p:cNvPr id="3" name="Content Placeholder 2"/>
+          <p:cNvSpPr>
+            <a:spLocks noGrp="1"/>
+          </p:cNvSpPr>
+          <p:nvPr>
+            <p:ph idx="1"/>
+          </p:nvPr>
+        </p:nvSpPr>
+        <p:spPr/>
+        <p:txBody>
+          <a:bodyPr/>
+          <a:lstStyle/>
+          <a:p>
+            <a:r>
+              <a:rPr lang="en-US"/>
+              <a:t>Let’s look at </a:t>
+            </a:r>
+            <a:r>
+              <a:rPr lang="en-US" err="1"/>
+              <a:t>chessPieces</a:t>
+            </a:r>
+            <a:r>
+              <a:rPr lang="en-US"/>
+              <a:t>/</a:t>
+            </a:r>
+            <a:r>
+              <a:rPr lang="en-US" err="1"/>
+              <a:t>chessSupport</a:t>
+            </a:r>
+            <a:endParaRPr lang="en-US"/>
+          </a:p>
+          <a:p>
+            <a:pPr lvl="1"/>
+            <a:r>
+              <a:rPr lang="en-US"/>
+              <a:t>Let’s Look at King and </a:t>
+            </a:r>
+            <a:r>
+              <a:rPr lang="en-US" err="1"/>
+              <a:t>ChessPiece</a:t>
+            </a:r>
+            <a:endParaRPr lang="en-US"/>
+          </a:p>
+          <a:p>
+            <a:pPr lvl="1"/>
+            <a:r>
+              <a:rPr lang="en-US" err="1"/>
+              <a:t>StandardBoardProvider</a:t>
+            </a:r>
+            <a:r>
+              <a:rPr lang="en-US"/>
+              <a:t> (uncomment King lines)</a:t>
+            </a:r>
+          </a:p>
+          <a:p>
+            <a:pPr lvl="1"/>
+            <a:endParaRPr lang="en-US"/>
+          </a:p>
+        </p:txBody>
+      </p:sp>
+    </p:spTree>
+    <p:extLst>
+      <p:ext uri="{BB962C8B-B14F-4D97-AF65-F5344CB8AC3E}">
+        <p14:creationId xmlns:p14="http://schemas.microsoft.com/office/powerpoint/2010/main" val="2864090242"/>
+      </p:ext>
+    </p:extLst>
+  </p:cSld>
+  <p:clrMapOvr>
+    <a:masterClrMapping/>
+  </p:clrMapOvr>
+</p:sld>
+</file>
+
+<file path=ppt/slides/slide21.xml><?xml version="1.0" encoding="utf-8"?>
+<p:sld xmlns:a="http://schemas.openxmlformats.org/drawingml/2006/main" xmlns:r="http://schemas.openxmlformats.org/officeDocument/2006/relationships" xmlns:p="http://schemas.openxmlformats.org/presentationml/2006/main">
+  <p:cSld>
+    <p:spTree>
+      <p:nvGrpSpPr>
+        <p:cNvPr id="1" name=""/>
+        <p:cNvGrpSpPr/>
+        <p:nvPr/>
+      </p:nvGrpSpPr>
+      <p:grpSpPr>
+        <a:xfrm>
+          <a:off x="0" y="0"/>
+          <a:ext cx="0" cy="0"/>
+          <a:chOff x="0" y="0"/>
+          <a:chExt cx="0" cy="0"/>
+        </a:xfrm>
+      </p:grpSpPr>
+      <p:sp>
+        <p:nvSpPr>
+          <p:cNvPr id="3" name="Title 2"/>
+          <p:cNvSpPr>
+            <a:spLocks noGrp="1"/>
+          </p:cNvSpPr>
+          <p:nvPr>
+            <p:ph type="title"/>
+          </p:nvPr>
+        </p:nvSpPr>
+        <p:spPr/>
+        <p:txBody>
+          <a:bodyPr/>
+          <a:lstStyle/>
+          <a:p>
             <a:pPr>
               <a:defRPr/>
             </a:pPr>
             <a:r>
-              <a:rPr lang="en-US" dirty="0">
+              <a:rPr lang="en-US">
                 <a:solidFill>
                   <a:schemeClr val="accent3"/>
                 </a:solidFill>
@@ -10919,7 +11160,7 @@
               <a:t>Abstract</a:t>
             </a:r>
             <a:r>
-              <a:rPr lang="en-US" dirty="0"/>
+              <a:rPr lang="en-US"/>
               <a:t> Classes</a:t>
             </a:r>
           </a:p>
@@ -10946,15 +11187,15 @@
               <a:defRPr/>
             </a:pPr>
             <a:r>
-              <a:rPr lang="en-US" dirty="0"/>
+              <a:rPr lang="en-US"/>
               <a:t>Hybrid of </a:t>
             </a:r>
             <a:r>
-              <a:rPr lang="en-US" dirty="0" err="1"/>
+              <a:rPr lang="en-US" err="1"/>
               <a:t>superclasses</a:t>
             </a:r>
             <a:r>
-              <a:rPr lang="en-US" dirty="0"/>
+              <a:rPr lang="en-US"/>
               <a:t> and interfaces</a:t>
             </a:r>
           </a:p>
@@ -10963,15 +11204,15 @@
               <a:defRPr/>
             </a:pPr>
             <a:r>
-              <a:rPr lang="en-US" dirty="0"/>
+              <a:rPr lang="en-US"/>
               <a:t>Like regular </a:t>
             </a:r>
             <a:r>
-              <a:rPr lang="en-US" dirty="0" err="1"/>
+              <a:rPr lang="en-US" err="1"/>
               <a:t>superclasses</a:t>
             </a:r>
             <a:r>
-              <a:rPr lang="en-US" dirty="0"/>
+              <a:rPr lang="en-US"/>
               <a:t>:</a:t>
             </a:r>
           </a:p>
@@ -10980,7 +11221,7 @@
               <a:defRPr/>
             </a:pPr>
             <a:r>
-              <a:rPr lang="en-US" dirty="0"/>
+              <a:rPr lang="en-US"/>
               <a:t>Provide implementation of some methods</a:t>
             </a:r>
           </a:p>
@@ -10989,7 +11230,7 @@
               <a:defRPr/>
             </a:pPr>
             <a:r>
-              <a:rPr lang="en-US" dirty="0"/>
+              <a:rPr lang="en-US"/>
               <a:t>Like interfaces</a:t>
             </a:r>
           </a:p>
@@ -10998,7 +11239,7 @@
               <a:defRPr/>
             </a:pPr>
             <a:r>
-              <a:rPr lang="en-US" dirty="0"/>
+              <a:rPr lang="en-US"/>
               <a:t>Just provide signatures and docs of other methods</a:t>
             </a:r>
           </a:p>
@@ -11007,7 +11248,7 @@
               <a:defRPr/>
             </a:pPr>
             <a:r>
-              <a:rPr lang="en-US" dirty="0"/>
+              <a:rPr lang="en-US"/>
               <a:t>Can’t be instantiated</a:t>
             </a:r>
           </a:p>
@@ -11016,7 +11257,7 @@
               <a:defRPr/>
             </a:pPr>
             <a:r>
-              <a:rPr lang="en-US" dirty="0"/>
+              <a:rPr lang="en-US"/>
               <a:t>Example:</a:t>
             </a:r>
           </a:p>
@@ -11025,13 +11266,13 @@
               <a:defRPr/>
             </a:pPr>
             <a:r>
-              <a:rPr lang="en-US" b="1" dirty="0">
+              <a:rPr lang="en-US" b="1">
                 <a:latin typeface="Lucida Sans Typewriter" pitchFamily="49" charset="0"/>
               </a:rPr>
               <a:t>public </a:t>
             </a:r>
             <a:r>
-              <a:rPr lang="en-US" b="1" dirty="0">
+              <a:rPr lang="en-US" b="1">
                 <a:solidFill>
                   <a:schemeClr val="accent3"/>
                 </a:solidFill>
@@ -11040,47 +11281,47 @@
               <a:t>abstract</a:t>
             </a:r>
             <a:r>
-              <a:rPr lang="en-US" b="1" dirty="0">
+              <a:rPr lang="en-US" b="1">
                 <a:latin typeface="Lucida Sans Typewriter" pitchFamily="49" charset="0"/>
               </a:rPr>
               <a:t> class </a:t>
             </a:r>
             <a:r>
-              <a:rPr lang="en-US" b="1" dirty="0" err="1">
+              <a:rPr lang="en-US" b="1" err="1">
                 <a:latin typeface="Lucida Sans Typewriter" pitchFamily="49" charset="0"/>
               </a:rPr>
               <a:t>BankAccount</a:t>
             </a:r>
             <a:r>
-              <a:rPr lang="en-US" b="1" dirty="0">
+              <a:rPr lang="en-US" b="1">
                 <a:latin typeface="Lucida Sans Typewriter" pitchFamily="49" charset="0"/>
               </a:rPr>
               <a:t> {</a:t>
             </a:r>
             <a:br>
-              <a:rPr lang="en-US" b="1" dirty="0">
+              <a:rPr lang="en-US" b="1">
                 <a:latin typeface="Lucida Sans Typewriter" pitchFamily="49" charset="0"/>
               </a:rPr>
             </a:br>
             <a:r>
-              <a:rPr lang="en-US" b="1" dirty="0">
+              <a:rPr lang="en-US" b="1">
                 <a:latin typeface="Lucida Sans Typewriter" pitchFamily="49" charset="0"/>
               </a:rPr>
               <a:t>    /** documentation here */</a:t>
             </a:r>
             <a:br>
-              <a:rPr lang="en-US" b="1" dirty="0">
+              <a:rPr lang="en-US" b="1">
                 <a:latin typeface="Lucida Sans Typewriter" pitchFamily="49" charset="0"/>
               </a:rPr>
             </a:br>
             <a:r>
-              <a:rPr lang="en-US" b="1" dirty="0">
+              <a:rPr lang="en-US" b="1">
                 <a:latin typeface="Lucida Sans Typewriter" pitchFamily="49" charset="0"/>
               </a:rPr>
               <a:t>    public </a:t>
             </a:r>
             <a:r>
-              <a:rPr lang="en-US" b="1" dirty="0">
+              <a:rPr lang="en-US" b="1">
                 <a:solidFill>
                   <a:schemeClr val="accent3"/>
                 </a:solidFill>
@@ -11089,25 +11330,25 @@
               <a:t>abstract</a:t>
             </a:r>
             <a:r>
-              <a:rPr lang="en-US" b="1" dirty="0">
+              <a:rPr lang="en-US" b="1">
                 <a:latin typeface="Lucida Sans Typewriter" pitchFamily="49" charset="0"/>
               </a:rPr>
               <a:t> void </a:t>
             </a:r>
             <a:r>
-              <a:rPr lang="en-US" b="1" dirty="0" err="1">
+              <a:rPr lang="en-US" b="1" err="1">
                 <a:latin typeface="Lucida Sans Typewriter" pitchFamily="49" charset="0"/>
               </a:rPr>
               <a:t>deductFees</a:t>
             </a:r>
             <a:r>
-              <a:rPr lang="en-US" b="1" dirty="0">
+              <a:rPr lang="en-US" b="1">
                 <a:latin typeface="Lucida Sans Typewriter" pitchFamily="49" charset="0"/>
               </a:rPr>
               <a:t>()</a:t>
             </a:r>
             <a:r>
-              <a:rPr lang="en-US" b="1" dirty="0">
+              <a:rPr lang="en-US" b="1">
                 <a:solidFill>
                   <a:schemeClr val="accent3"/>
                 </a:solidFill>
@@ -11116,23 +11357,23 @@
               <a:t>;</a:t>
             </a:r>
             <a:br>
-              <a:rPr lang="en-US" b="1" dirty="0">
+              <a:rPr lang="en-US" b="1">
                 <a:latin typeface="Lucida Sans Typewriter" pitchFamily="49" charset="0"/>
               </a:rPr>
             </a:br>
             <a:r>
-              <a:rPr lang="en-US" b="1" dirty="0">
+              <a:rPr lang="en-US" b="1">
                 <a:latin typeface="Lucida Sans Typewriter" pitchFamily="49" charset="0"/>
               </a:rPr>
               <a:t>    …</a:t>
             </a:r>
             <a:br>
-              <a:rPr lang="en-US" b="1" dirty="0">
+              <a:rPr lang="en-US" b="1">
                 <a:latin typeface="Lucida Sans Typewriter" pitchFamily="49" charset="0"/>
               </a:rPr>
             </a:br>
             <a:r>
-              <a:rPr lang="en-US" b="1" dirty="0">
+              <a:rPr lang="en-US" b="1">
                 <a:latin typeface="Lucida Sans Typewriter" pitchFamily="49" charset="0"/>
               </a:rPr>
               <a:t>}</a:t>
@@ -11186,7 +11427,7 @@
               <a:defRPr/>
             </a:pPr>
             <a:r>
-              <a:rPr lang="en-US" dirty="0"/>
+              <a:rPr lang="en-US"/>
               <a:t>Elided methods as before</a:t>
             </a:r>
           </a:p>
@@ -11233,15 +11474,15 @@
               <a:defRPr/>
             </a:pPr>
             <a:r>
-              <a:rPr lang="en-US" sz="2200" dirty="0"/>
+              <a:rPr lang="en-US" sz="2200"/>
               <a:t>Also look at the code in the shapes package, especially </a:t>
             </a:r>
             <a:r>
-              <a:rPr lang="en-US" sz="2200" dirty="0" err="1"/>
+              <a:rPr lang="en-US" sz="2200" err="1"/>
               <a:t>ShapesDemo</a:t>
             </a:r>
             <a:r>
-              <a:rPr lang="en-US" sz="2200" dirty="0"/>
+              <a:rPr lang="en-US" sz="2200"/>
               <a:t>  (during or after class)</a:t>
             </a:r>
           </a:p>
@@ -11255,7 +11496,7 @@
 </p:sld>
 </file>
 
-<file path=ppt/slides/slide21.xml><?xml version="1.0" encoding="utf-8"?>
+<file path=ppt/slides/slide22.xml><?xml version="1.0" encoding="utf-8"?>
 <p:sld xmlns:a="http://schemas.openxmlformats.org/drawingml/2006/main" xmlns:r="http://schemas.openxmlformats.org/officeDocument/2006/relationships" xmlns:p="http://schemas.openxmlformats.org/presentationml/2006/main">
   <p:cSld>
     <p:spTree>
@@ -11326,7 +11567,7 @@
 </p:sld>
 </file>
 
-<file path=ppt/slides/slide22.xml><?xml version="1.0" encoding="utf-8"?>
+<file path=ppt/slides/slide23.xml><?xml version="1.0" encoding="utf-8"?>
 <p:sld xmlns:a="http://schemas.openxmlformats.org/drawingml/2006/main" xmlns:r="http://schemas.openxmlformats.org/officeDocument/2006/relationships" xmlns:p="http://schemas.openxmlformats.org/presentationml/2006/main">
   <p:cSld>
     <p:spTree>
@@ -11362,7 +11603,7 @@
               <a:defRPr/>
             </a:pPr>
             <a:r>
-              <a:rPr lang="en-US" dirty="0"/>
+              <a:rPr lang="en-US"/>
               <a:t>Work Time</a:t>
             </a:r>
           </a:p>
@@ -11386,40 +11627,24 @@
         </p:spPr>
         <p:txBody>
           <a:bodyPr>
-            <a:normAutofit lnSpcReduction="10000"/>
+            <a:normAutofit/>
           </a:bodyPr>
           <a:lstStyle/>
           <a:p>
             <a:r>
-              <a:rPr lang="en-US" dirty="0"/>
+              <a:rPr lang="en-US"/>
               <a:t>Chess</a:t>
             </a:r>
           </a:p>
           <a:p>
-            <a:endParaRPr lang="en-US" dirty="0"/>
-          </a:p>
-          <a:p>
-            <a:r>
-              <a:rPr lang="en-US" strike="sngStrike" dirty="0" err="1"/>
-              <a:t>ByoGUI</a:t>
-            </a:r>
-            <a:endParaRPr lang="en-US" strike="sngStrike" dirty="0"/>
-          </a:p>
-          <a:p>
-            <a:endParaRPr lang="en-US" strike="sngStrike" dirty="0"/>
-          </a:p>
-          <a:p>
-            <a:r>
-              <a:rPr lang="en-US" strike="sngStrike" dirty="0"/>
-              <a:t>It's a solo project, but feel free to talk with others as you do it.</a:t>
-            </a:r>
-          </a:p>
-          <a:p>
-            <a:endParaRPr lang="en-US" dirty="0"/>
-          </a:p>
-          <a:p>
-            <a:r>
-              <a:rPr lang="en-US" dirty="0"/>
+            <a:endParaRPr lang="en-US"/>
+          </a:p>
+          <a:p>
+            <a:endParaRPr lang="en-US"/>
+          </a:p>
+          <a:p>
+            <a:r>
+              <a:rPr lang="en-US"/>
               <a:t>And to ask instructor/assistants for help</a:t>
             </a:r>
           </a:p>
@@ -11463,7 +11688,7 @@
           <a:lstStyle/>
           <a:p>
             <a:r>
-              <a:rPr lang="en-US" dirty="0"/>
+              <a:rPr lang="en-US"/>
               <a:t>Q8-Q9</a:t>
             </a:r>
           </a:p>
@@ -11477,7 +11702,7 @@
 </p:sld>
 </file>
 
-<file path=ppt/slides/slide23.xml><?xml version="1.0" encoding="utf-8"?>
+<file path=ppt/slides/slide24.xml><?xml version="1.0" encoding="utf-8"?>
 <p:sld xmlns:a="http://schemas.openxmlformats.org/drawingml/2006/main" xmlns:r="http://schemas.openxmlformats.org/officeDocument/2006/relationships" xmlns:p="http://schemas.openxmlformats.org/presentationml/2006/main">
   <p:cSld>
     <p:spTree>
@@ -11520,8 +11745,17 @@
             </a:br>
             <a:r>
               <a:rPr lang="en-US" dirty="0"/>
-              <a:t>Review from yesterday</a:t>
-            </a:r>
+              <a:t>Review of </a:t>
+            </a:r>
+            <a:r>
+              <a:rPr lang="en-US" dirty="0" err="1"/>
+              <a:t>BettingMain</a:t>
+            </a:r>
+            <a:r>
+              <a:rPr lang="en-US"/>
+              <a:t> Interface</a:t>
+            </a:r>
+            <a:endParaRPr lang="en-US" dirty="0"/>
           </a:p>
         </p:txBody>
       </p:sp>
@@ -11626,6 +11860,97 @@
 </p:sld>
 </file>
 
+<file path=ppt/slides/slide25.xml><?xml version="1.0" encoding="utf-8"?>
+<p:sld xmlns:a="http://schemas.openxmlformats.org/drawingml/2006/main" xmlns:r="http://schemas.openxmlformats.org/officeDocument/2006/relationships" xmlns:p="http://schemas.openxmlformats.org/presentationml/2006/main">
+  <p:cSld>
+    <p:spTree>
+      <p:nvGrpSpPr>
+        <p:cNvPr id="1" name=""/>
+        <p:cNvGrpSpPr/>
+        <p:nvPr/>
+      </p:nvGrpSpPr>
+      <p:grpSpPr>
+        <a:xfrm>
+          <a:off x="0" y="0"/>
+          <a:ext cx="0" cy="0"/>
+          <a:chOff x="0" y="0"/>
+          <a:chExt cx="0" cy="0"/>
+        </a:xfrm>
+      </p:grpSpPr>
+      <p:sp>
+        <p:nvSpPr>
+          <p:cNvPr id="2" name="Title 1">
+            <a:extLst>
+              <a:ext uri="{FF2B5EF4-FFF2-40B4-BE49-F238E27FC236}">
+                <a16:creationId xmlns:a16="http://schemas.microsoft.com/office/drawing/2014/main" id="{53F8F61E-D89C-6D05-2B95-F50C507C882C}"/>
+              </a:ext>
+            </a:extLst>
+          </p:cNvPr>
+          <p:cNvSpPr>
+            <a:spLocks noGrp="1"/>
+          </p:cNvSpPr>
+          <p:nvPr>
+            <p:ph type="title"/>
+          </p:nvPr>
+        </p:nvSpPr>
+        <p:spPr/>
+        <p:txBody>
+          <a:bodyPr/>
+          <a:lstStyle/>
+          <a:p>
+            <a:r>
+              <a:rPr lang="en-US" dirty="0"/>
+              <a:t>Complete Final Project Survey</a:t>
+            </a:r>
+          </a:p>
+        </p:txBody>
+      </p:sp>
+      <p:sp>
+        <p:nvSpPr>
+          <p:cNvPr id="3" name="Content Placeholder 2">
+            <a:extLst>
+              <a:ext uri="{FF2B5EF4-FFF2-40B4-BE49-F238E27FC236}">
+                <a16:creationId xmlns:a16="http://schemas.microsoft.com/office/drawing/2014/main" id="{13118C44-F8C6-A392-096E-A234E0C6ED1F}"/>
+              </a:ext>
+            </a:extLst>
+          </p:cNvPr>
+          <p:cNvSpPr>
+            <a:spLocks noGrp="1"/>
+          </p:cNvSpPr>
+          <p:nvPr>
+            <p:ph idx="1"/>
+          </p:nvPr>
+        </p:nvSpPr>
+        <p:spPr/>
+        <p:txBody>
+          <a:bodyPr/>
+          <a:lstStyle/>
+          <a:p>
+            <a:r>
+              <a:rPr lang="en-US" dirty="0"/>
+              <a:t>Posted </a:t>
+            </a:r>
+            <a:r>
+              <a:rPr lang="en-US"/>
+              <a:t>or will be posted soon…</a:t>
+            </a:r>
+            <a:endParaRPr lang="en-US" dirty="0"/>
+          </a:p>
+        </p:txBody>
+      </p:sp>
+    </p:spTree>
+    <p:extLst>
+      <p:ext uri="{BB962C8B-B14F-4D97-AF65-F5344CB8AC3E}">
+        <p14:creationId xmlns:p14="http://schemas.microsoft.com/office/powerpoint/2010/main" val="2353471821"/>
+      </p:ext>
+    </p:extLst>
+  </p:cSld>
+  <p:clrMapOvr>
+    <a:masterClrMapping/>
+  </p:clrMapOvr>
+</p:sld>
+</file>
+
 <file path=ppt/slides/slide3.xml><?xml version="1.0" encoding="utf-8"?>
 <p:sld xmlns:a="http://schemas.openxmlformats.org/drawingml/2006/main" xmlns:r="http://schemas.openxmlformats.org/officeDocument/2006/relationships" xmlns:p="http://schemas.openxmlformats.org/presentationml/2006/main">
   <p:cSld>
@@ -11662,7 +11987,7 @@
               <a:defRPr/>
             </a:pPr>
             <a:r>
-              <a:rPr lang="en-US" dirty="0"/>
+              <a:rPr lang="en-US"/>
               <a:t>Examples</a:t>
             </a:r>
           </a:p>
@@ -11681,7 +12006,7 @@
         <p:spPr/>
         <p:txBody>
           <a:bodyPr>
-            <a:normAutofit lnSpcReduction="10000"/>
+            <a:normAutofit fontScale="92500" lnSpcReduction="20000"/>
           </a:bodyPr>
           <a:lstStyle/>
           <a:p>
@@ -11736,8 +12061,12 @@
               <a:defRPr/>
             </a:pPr>
             <a:r>
+              <a:rPr lang="en-US" dirty="0" err="1"/>
+              <a:t>SavingsAccount</a:t>
+            </a:r>
+            <a:r>
               <a:rPr lang="en-US" dirty="0"/>
-              <a:t>adds interest earning, keeps other traits</a:t>
+              <a:t> adds interest earning, keeps other traits</a:t>
             </a:r>
           </a:p>
           <a:p>
@@ -11766,7 +12095,7 @@
             </a:pPr>
             <a:r>
               <a:rPr lang="en-US" dirty="0"/>
-              <a:t>adds pay information and methods, keeps other traits</a:t>
+              <a:t>Employee adds pay information and methods, keeps other traits</a:t>
             </a:r>
           </a:p>
           <a:p>
@@ -11795,7 +12124,7 @@
             </a:pPr>
             <a:r>
               <a:rPr lang="en-US" dirty="0"/>
-              <a:t>adds information about employees managed, changes the pay mechanism, keeps other traits</a:t>
+              <a:t>Manager adds information about employees managed, changes the pay mechanism, keeps other traits</a:t>
             </a:r>
           </a:p>
         </p:txBody>
@@ -12872,7 +13201,7 @@
               <a:defRPr/>
             </a:pPr>
             <a:r>
-              <a:rPr lang="en-US" dirty="0"/>
+              <a:rPr lang="en-US"/>
               <a:t>Inheritance in UML</a:t>
             </a:r>
           </a:p>
@@ -12918,8 +13247,8 @@
         </p:nvSpPr>
         <p:spPr>
           <a:xfrm>
-            <a:off x="5622870" y="1508620"/>
-            <a:ext cx="2817813" cy="868363"/>
+            <a:off x="5622870" y="1143000"/>
+            <a:ext cx="2817813" cy="1233983"/>
           </a:xfrm>
           <a:prstGeom prst="borderCallout2">
             <a:avLst>
@@ -12956,15 +13285,26 @@
               <a:defRPr/>
             </a:pPr>
             <a:r>
-              <a:rPr lang="en-US" sz="2400" dirty="0"/>
-              <a:t>The “</a:t>
-            </a:r>
-            <a:r>
-              <a:rPr lang="en-US" sz="2400" dirty="0" err="1"/>
+              <a:rPr lang="en-US" sz="2400"/>
+              <a:t>Class </a:t>
+            </a:r>
+            <a:r>
+              <a:rPr lang="en-US" sz="2000">
+                <a:latin typeface="Courier New" panose="02070309020205020404" pitchFamily="49" charset="0"/>
+                <a:cs typeface="Courier New" panose="02070309020205020404" pitchFamily="49" charset="0"/>
+              </a:rPr>
+              <a:t>Object</a:t>
+            </a:r>
+            <a:r>
+              <a:rPr lang="en-US" sz="2400"/>
+              <a:t> is the “</a:t>
+            </a:r>
+            <a:r>
+              <a:rPr lang="en-US" sz="2400" err="1"/>
               <a:t>superest</a:t>
             </a:r>
             <a:r>
-              <a:rPr lang="en-US" sz="2400" dirty="0"/>
+              <a:rPr lang="en-US" sz="2400"/>
               <a:t>” class in Java</a:t>
             </a:r>
           </a:p>
@@ -12978,8 +13318,8 @@
         </p:nvSpPr>
         <p:spPr>
           <a:xfrm>
-            <a:off x="6654800" y="5045460"/>
-            <a:ext cx="2057400" cy="838200"/>
+            <a:off x="6400800" y="5045460"/>
+            <a:ext cx="2311400" cy="838200"/>
           </a:xfrm>
           <a:prstGeom prst="borderCallout2">
             <a:avLst>
@@ -12987,8 +13327,8 @@
               <a:gd name="adj2" fmla="val -8333"/>
               <a:gd name="adj3" fmla="val 18750"/>
               <a:gd name="adj4" fmla="val -16667"/>
-              <a:gd name="adj5" fmla="val -20628"/>
-              <a:gd name="adj6" fmla="val -93367"/>
+              <a:gd name="adj5" fmla="val -33771"/>
+              <a:gd name="adj6" fmla="val -75255"/>
             </a:avLst>
           </a:prstGeom>
         </p:spPr>
@@ -13016,7 +13356,7 @@
               <a:defRPr/>
             </a:pPr>
             <a:r>
-              <a:rPr lang="en-US" sz="2400" dirty="0"/>
+              <a:rPr lang="en-US" sz="2400"/>
               <a:t>Still means “is a”</a:t>
             </a:r>
           </a:p>
@@ -13068,7 +13408,7 @@
               <a:defRPr/>
             </a:pPr>
             <a:r>
-              <a:rPr lang="en-US" sz="2400" dirty="0"/>
+              <a:rPr lang="en-US" sz="2400"/>
               <a:t>Solid line shows inheritance</a:t>
             </a:r>
           </a:p>
@@ -13119,7 +13459,7 @@
               <a:defRPr/>
             </a:pPr>
             <a:r>
-              <a:rPr lang="en-US" sz="1800" dirty="0">
+              <a:rPr lang="en-US" sz="1800">
                 <a:solidFill>
                   <a:schemeClr val="bg1"/>
                 </a:solidFill>
@@ -13341,7 +13681,7 @@
     </p:spTree>
     <p:extLst>
       <p:ext uri="{BB962C8B-B14F-4D97-AF65-F5344CB8AC3E}">
-        <p14:creationId xmlns:p14="http://schemas.microsoft.com/office/powerpoint/2010/main" val="2509123347"/>
+        <p14:creationId xmlns:p14="http://schemas.microsoft.com/office/powerpoint/2010/main" val="3137913058"/>
       </p:ext>
     </p:extLst>
   </p:cSld>
@@ -13354,6 +13694,14 @@
 <file path=ppt/slides/slide7.xml><?xml version="1.0" encoding="utf-8"?>
 <p:sld xmlns:a="http://schemas.openxmlformats.org/drawingml/2006/main" xmlns:r="http://schemas.openxmlformats.org/officeDocument/2006/relationships" xmlns:p="http://schemas.openxmlformats.org/presentationml/2006/main">
   <p:cSld>
+    <p:bg>
+      <p:bgPr>
+        <a:solidFill>
+          <a:schemeClr val="bg1"/>
+        </a:solidFill>
+        <a:effectLst/>
+      </p:bgPr>
+    </p:bg>
     <p:spTree>
       <p:nvGrpSpPr>
         <p:cNvPr id="1" name=""/>
@@ -13368,6 +13716,66 @@
           <a:chExt cx="0" cy="0"/>
         </a:xfrm>
       </p:grpSpPr>
+      <p:sp useBgFill="1">
+        <p:nvSpPr>
+          <p:cNvPr id="10" name="Rectangle 9">
+            <a:extLst>
+              <a:ext uri="{FF2B5EF4-FFF2-40B4-BE49-F238E27FC236}">
+                <a16:creationId xmlns:a16="http://schemas.microsoft.com/office/drawing/2014/main" id="{7316481C-0A49-4796-812B-0D64F063B720}"/>
+              </a:ext>
+              <a:ext uri="{C183D7F6-B498-43B3-948B-1728B52AA6E4}">
+                <adec:decorative xmlns:adec="http://schemas.microsoft.com/office/drawing/2017/decorative" val="1"/>
+              </a:ext>
+            </a:extLst>
+          </p:cNvPr>
+          <p:cNvSpPr>
+            <a:spLocks noGrp="1" noRot="1" noChangeAspect="1" noMove="1" noResize="1" noEditPoints="1" noAdjustHandles="1" noChangeArrowheads="1" noChangeShapeType="1" noTextEdit="1"/>
+          </p:cNvSpPr>
+          <p:nvPr>
+            <p:extLst>
+              <p:ext uri="{386F3935-93C4-4BCD-93E2-E3B085C9AB24}">
+                <p16:designElem xmlns:p16="http://schemas.microsoft.com/office/powerpoint/2015/main" val="1"/>
+              </p:ext>
+            </p:extLst>
+          </p:nvPr>
+        </p:nvSpPr>
+        <p:spPr>
+          <a:xfrm>
+            <a:off x="0" y="0"/>
+            <a:ext cx="9143999" cy="6858000"/>
+          </a:xfrm>
+          <a:prstGeom prst="rect">
+            <a:avLst/>
+          </a:prstGeom>
+          <a:ln>
+            <a:noFill/>
+          </a:ln>
+        </p:spPr>
+        <p:style>
+          <a:lnRef idx="2">
+            <a:schemeClr val="accent1">
+              <a:shade val="50000"/>
+            </a:schemeClr>
+          </a:lnRef>
+          <a:fillRef idx="1">
+            <a:schemeClr val="accent1"/>
+          </a:fillRef>
+          <a:effectRef idx="0">
+            <a:schemeClr val="accent1"/>
+          </a:effectRef>
+          <a:fontRef idx="minor">
+            <a:schemeClr val="lt1"/>
+          </a:fontRef>
+        </p:style>
+        <p:txBody>
+          <a:bodyPr rtlCol="0" anchor="ctr"/>
+          <a:lstStyle/>
+          <a:p>
+            <a:pPr algn="ctr"/>
+            <a:endParaRPr lang="en-US"/>
+          </a:p>
+        </p:txBody>
+      </p:sp>
       <p:sp>
         <p:nvSpPr>
           <p:cNvPr id="2" name="Title 1"/>
@@ -13402,6 +13810,1324 @@
           </a:p>
         </p:txBody>
       </p:sp>
+      <p:sp>
+        <p:nvSpPr>
+          <p:cNvPr id="12" name="Rectangle 11">
+            <a:extLst>
+              <a:ext uri="{FF2B5EF4-FFF2-40B4-BE49-F238E27FC236}">
+                <a16:creationId xmlns:a16="http://schemas.microsoft.com/office/drawing/2014/main" id="{A5271697-90F1-4A23-8EF2-0179F2EAFACB}"/>
+              </a:ext>
+              <a:ext uri="{C183D7F6-B498-43B3-948B-1728B52AA6E4}">
+                <adec:decorative xmlns:adec="http://schemas.microsoft.com/office/drawing/2017/decorative" val="1"/>
+              </a:ext>
+            </a:extLst>
+          </p:cNvPr>
+          <p:cNvSpPr>
+            <a:spLocks noGrp="1" noRot="1" noChangeAspect="1" noMove="1" noResize="1" noEditPoints="1" noAdjustHandles="1" noChangeArrowheads="1" noChangeShapeType="1" noTextEdit="1"/>
+          </p:cNvSpPr>
+          <p:nvPr>
+            <p:extLst>
+              <p:ext uri="{386F3935-93C4-4BCD-93E2-E3B085C9AB24}">
+                <p16:designElem xmlns:p16="http://schemas.microsoft.com/office/powerpoint/2015/main" val="1"/>
+              </p:ext>
+            </p:extLst>
+          </p:nvPr>
+        </p:nvSpPr>
+        <p:spPr>
+          <a:xfrm>
+            <a:off x="0" y="1"/>
+            <a:ext cx="455228" cy="3233984"/>
+          </a:xfrm>
+          <a:prstGeom prst="rect">
+            <a:avLst/>
+          </a:prstGeom>
+          <a:solidFill>
+            <a:schemeClr val="tx1">
+              <a:lumMod val="85000"/>
+              <a:lumOff val="15000"/>
+            </a:schemeClr>
+          </a:solidFill>
+          <a:ln>
+            <a:noFill/>
+          </a:ln>
+        </p:spPr>
+        <p:style>
+          <a:lnRef idx="2">
+            <a:schemeClr val="accent1">
+              <a:shade val="50000"/>
+            </a:schemeClr>
+          </a:lnRef>
+          <a:fillRef idx="1">
+            <a:schemeClr val="accent1"/>
+          </a:fillRef>
+          <a:effectRef idx="0">
+            <a:schemeClr val="accent1"/>
+          </a:effectRef>
+          <a:fontRef idx="minor">
+            <a:schemeClr val="lt1"/>
+          </a:fontRef>
+        </p:style>
+        <p:txBody>
+          <a:bodyPr rtlCol="0" anchor="ctr"/>
+          <a:lstStyle/>
+          <a:p>
+            <a:pPr algn="ctr"/>
+            <a:endParaRPr lang="en-US"/>
+          </a:p>
+        </p:txBody>
+      </p:sp>
+      <p:grpSp>
+        <p:nvGrpSpPr>
+          <p:cNvPr id="14" name="Group 13">
+            <a:extLst>
+              <a:ext uri="{FF2B5EF4-FFF2-40B4-BE49-F238E27FC236}">
+                <a16:creationId xmlns:a16="http://schemas.microsoft.com/office/drawing/2014/main" id="{0924561D-756D-410B-973A-E68C2552C20C}"/>
+              </a:ext>
+              <a:ext uri="{C183D7F6-B498-43B3-948B-1728B52AA6E4}">
+                <adec:decorative xmlns:adec="http://schemas.microsoft.com/office/drawing/2017/decorative" val="1"/>
+              </a:ext>
+            </a:extLst>
+          </p:cNvPr>
+          <p:cNvGrpSpPr>
+            <a:grpSpLocks noGrp="1" noUngrp="1" noRot="1" noChangeAspect="1" noMove="1" noResize="1"/>
+          </p:cNvGrpSpPr>
+          <p:nvPr>
+            <p:extLst>
+              <p:ext uri="{386F3935-93C4-4BCD-93E2-E3B085C9AB24}">
+                <p16:designElem xmlns:p16="http://schemas.microsoft.com/office/powerpoint/2015/main" val="1"/>
+              </p:ext>
+            </p:extLst>
+          </p:nvPr>
+        </p:nvGrpSpPr>
+        <p:grpSpPr>
+          <a:xfrm>
+            <a:off x="891533" y="73152"/>
+            <a:ext cx="884223" cy="232963"/>
+            <a:chOff x="7763256" y="73152"/>
+            <a:chExt cx="1178966" cy="232963"/>
+          </a:xfrm>
+        </p:grpSpPr>
+        <p:sp>
+          <p:nvSpPr>
+            <p:cNvPr id="15" name="Rectangle 64">
+              <a:extLst>
+                <a:ext uri="{FF2B5EF4-FFF2-40B4-BE49-F238E27FC236}">
+                  <a16:creationId xmlns:a16="http://schemas.microsoft.com/office/drawing/2014/main" id="{77AF0971-0074-4E4E-9318-C1990C6FF2B1}"/>
+                </a:ext>
+                <a:ext uri="{C183D7F6-B498-43B3-948B-1728B52AA6E4}">
+                  <adec:decorative xmlns:adec="http://schemas.microsoft.com/office/drawing/2017/decorative" val="1"/>
+                </a:ext>
+              </a:extLst>
+            </p:cNvPr>
+            <p:cNvSpPr/>
+            <p:nvPr>
+              <p:extLst>
+                <p:ext uri="{386F3935-93C4-4BCD-93E2-E3B085C9AB24}">
+                  <p16:designElem xmlns:p16="http://schemas.microsoft.com/office/powerpoint/2015/main" val="1"/>
+                </p:ext>
+              </p:extLst>
+            </p:nvPr>
+          </p:nvSpPr>
+          <p:spPr>
+            <a:xfrm>
+              <a:off x="8263077" y="73152"/>
+              <a:ext cx="54368" cy="59227"/>
+            </a:xfrm>
+            <a:prstGeom prst="ellipse">
+              <a:avLst/>
+            </a:prstGeom>
+            <a:solidFill>
+              <a:schemeClr val="accent1"/>
+            </a:solidFill>
+            <a:ln>
+              <a:noFill/>
+            </a:ln>
+          </p:spPr>
+          <p:style>
+            <a:lnRef idx="2">
+              <a:schemeClr val="accent1">
+                <a:shade val="50000"/>
+              </a:schemeClr>
+            </a:lnRef>
+            <a:fillRef idx="1">
+              <a:schemeClr val="accent1"/>
+            </a:fillRef>
+            <a:effectRef idx="0">
+              <a:schemeClr val="accent1"/>
+            </a:effectRef>
+            <a:fontRef idx="minor">
+              <a:schemeClr val="lt1"/>
+            </a:fontRef>
+          </p:style>
+          <p:txBody>
+            <a:bodyPr rtlCol="0" anchor="ctr"/>
+            <a:lstStyle/>
+            <a:p>
+              <a:pPr algn="ctr"/>
+              <a:endParaRPr lang="en-US"/>
+            </a:p>
+          </p:txBody>
+        </p:sp>
+        <p:sp>
+          <p:nvSpPr>
+            <p:cNvPr id="16" name="Rectangle 66">
+              <a:extLst>
+                <a:ext uri="{FF2B5EF4-FFF2-40B4-BE49-F238E27FC236}">
+                  <a16:creationId xmlns:a16="http://schemas.microsoft.com/office/drawing/2014/main" id="{0849707A-24B1-45E4-8493-5DC15C5782FC}"/>
+                </a:ext>
+                <a:ext uri="{C183D7F6-B498-43B3-948B-1728B52AA6E4}">
+                  <adec:decorative xmlns:adec="http://schemas.microsoft.com/office/drawing/2017/decorative" val="1"/>
+                </a:ext>
+              </a:extLst>
+            </p:cNvPr>
+            <p:cNvSpPr/>
+            <p:nvPr>
+              <p:extLst>
+                <p:ext uri="{386F3935-93C4-4BCD-93E2-E3B085C9AB24}">
+                  <p16:designElem xmlns:p16="http://schemas.microsoft.com/office/powerpoint/2015/main" val="1"/>
+                </p:ext>
+              </p:extLst>
+            </p:nvPr>
+          </p:nvSpPr>
+          <p:spPr>
+            <a:xfrm>
+              <a:off x="8263077" y="246888"/>
+              <a:ext cx="54368" cy="59227"/>
+            </a:xfrm>
+            <a:prstGeom prst="ellipse">
+              <a:avLst/>
+            </a:prstGeom>
+            <a:solidFill>
+              <a:schemeClr val="accent1"/>
+            </a:solidFill>
+            <a:ln>
+              <a:noFill/>
+            </a:ln>
+          </p:spPr>
+          <p:style>
+            <a:lnRef idx="2">
+              <a:schemeClr val="accent1">
+                <a:shade val="50000"/>
+              </a:schemeClr>
+            </a:lnRef>
+            <a:fillRef idx="1">
+              <a:schemeClr val="accent1"/>
+            </a:fillRef>
+            <a:effectRef idx="0">
+              <a:schemeClr val="accent1"/>
+            </a:effectRef>
+            <a:fontRef idx="minor">
+              <a:schemeClr val="lt1"/>
+            </a:fontRef>
+          </p:style>
+          <p:txBody>
+            <a:bodyPr rtlCol="0" anchor="ctr"/>
+            <a:lstStyle/>
+            <a:p>
+              <a:pPr algn="ctr"/>
+              <a:endParaRPr lang="en-US"/>
+            </a:p>
+          </p:txBody>
+        </p:sp>
+        <p:sp>
+          <p:nvSpPr>
+            <p:cNvPr id="17" name="Rectangle 64">
+              <a:extLst>
+                <a:ext uri="{FF2B5EF4-FFF2-40B4-BE49-F238E27FC236}">
+                  <a16:creationId xmlns:a16="http://schemas.microsoft.com/office/drawing/2014/main" id="{E0FFD705-F03C-46B0-ABB9-3C24E09312A5}"/>
+                </a:ext>
+                <a:ext uri="{C183D7F6-B498-43B3-948B-1728B52AA6E4}">
+                  <adec:decorative xmlns:adec="http://schemas.microsoft.com/office/drawing/2017/decorative" val="1"/>
+                </a:ext>
+              </a:extLst>
+            </p:cNvPr>
+            <p:cNvSpPr/>
+            <p:nvPr>
+              <p:extLst>
+                <p:ext uri="{386F3935-93C4-4BCD-93E2-E3B085C9AB24}">
+                  <p16:designElem xmlns:p16="http://schemas.microsoft.com/office/powerpoint/2015/main" val="1"/>
+                </p:ext>
+              </p:extLst>
+            </p:nvPr>
+          </p:nvSpPr>
+          <p:spPr>
+            <a:xfrm>
+              <a:off x="8138122" y="73152"/>
+              <a:ext cx="54368" cy="59227"/>
+            </a:xfrm>
+            <a:prstGeom prst="ellipse">
+              <a:avLst/>
+            </a:prstGeom>
+            <a:solidFill>
+              <a:schemeClr val="accent1"/>
+            </a:solidFill>
+            <a:ln>
+              <a:noFill/>
+            </a:ln>
+          </p:spPr>
+          <p:style>
+            <a:lnRef idx="2">
+              <a:schemeClr val="accent1">
+                <a:shade val="50000"/>
+              </a:schemeClr>
+            </a:lnRef>
+            <a:fillRef idx="1">
+              <a:schemeClr val="accent1"/>
+            </a:fillRef>
+            <a:effectRef idx="0">
+              <a:schemeClr val="accent1"/>
+            </a:effectRef>
+            <a:fontRef idx="minor">
+              <a:schemeClr val="lt1"/>
+            </a:fontRef>
+          </p:style>
+          <p:txBody>
+            <a:bodyPr rtlCol="0" anchor="ctr"/>
+            <a:lstStyle/>
+            <a:p>
+              <a:pPr algn="ctr"/>
+              <a:endParaRPr lang="en-US"/>
+            </a:p>
+          </p:txBody>
+        </p:sp>
+        <p:sp>
+          <p:nvSpPr>
+            <p:cNvPr id="18" name="Rectangle 66">
+              <a:extLst>
+                <a:ext uri="{FF2B5EF4-FFF2-40B4-BE49-F238E27FC236}">
+                  <a16:creationId xmlns:a16="http://schemas.microsoft.com/office/drawing/2014/main" id="{520B12C0-88D0-4F6F-9F29-38E4D1D61022}"/>
+                </a:ext>
+                <a:ext uri="{C183D7F6-B498-43B3-948B-1728B52AA6E4}">
+                  <adec:decorative xmlns:adec="http://schemas.microsoft.com/office/drawing/2017/decorative" val="1"/>
+                </a:ext>
+              </a:extLst>
+            </p:cNvPr>
+            <p:cNvSpPr/>
+            <p:nvPr>
+              <p:extLst>
+                <p:ext uri="{386F3935-93C4-4BCD-93E2-E3B085C9AB24}">
+                  <p16:designElem xmlns:p16="http://schemas.microsoft.com/office/powerpoint/2015/main" val="1"/>
+                </p:ext>
+              </p:extLst>
+            </p:nvPr>
+          </p:nvSpPr>
+          <p:spPr>
+            <a:xfrm>
+              <a:off x="8138122" y="246888"/>
+              <a:ext cx="54368" cy="59227"/>
+            </a:xfrm>
+            <a:prstGeom prst="ellipse">
+              <a:avLst/>
+            </a:prstGeom>
+            <a:solidFill>
+              <a:schemeClr val="accent1"/>
+            </a:solidFill>
+            <a:ln>
+              <a:noFill/>
+            </a:ln>
+          </p:spPr>
+          <p:style>
+            <a:lnRef idx="2">
+              <a:schemeClr val="accent1">
+                <a:shade val="50000"/>
+              </a:schemeClr>
+            </a:lnRef>
+            <a:fillRef idx="1">
+              <a:schemeClr val="accent1"/>
+            </a:fillRef>
+            <a:effectRef idx="0">
+              <a:schemeClr val="accent1"/>
+            </a:effectRef>
+            <a:fontRef idx="minor">
+              <a:schemeClr val="lt1"/>
+            </a:fontRef>
+          </p:style>
+          <p:txBody>
+            <a:bodyPr rtlCol="0" anchor="ctr"/>
+            <a:lstStyle/>
+            <a:p>
+              <a:pPr algn="ctr"/>
+              <a:endParaRPr lang="en-US"/>
+            </a:p>
+          </p:txBody>
+        </p:sp>
+        <p:sp>
+          <p:nvSpPr>
+            <p:cNvPr id="19" name="Rectangle 64">
+              <a:extLst>
+                <a:ext uri="{FF2B5EF4-FFF2-40B4-BE49-F238E27FC236}">
+                  <a16:creationId xmlns:a16="http://schemas.microsoft.com/office/drawing/2014/main" id="{DEDD5A45-3641-4FE7-8375-EECF2DC9D002}"/>
+                </a:ext>
+                <a:ext uri="{C183D7F6-B498-43B3-948B-1728B52AA6E4}">
+                  <adec:decorative xmlns:adec="http://schemas.microsoft.com/office/drawing/2017/decorative" val="1"/>
+                </a:ext>
+              </a:extLst>
+            </p:cNvPr>
+            <p:cNvSpPr/>
+            <p:nvPr>
+              <p:extLst>
+                <p:ext uri="{386F3935-93C4-4BCD-93E2-E3B085C9AB24}">
+                  <p16:designElem xmlns:p16="http://schemas.microsoft.com/office/powerpoint/2015/main" val="1"/>
+                </p:ext>
+              </p:extLst>
+            </p:nvPr>
+          </p:nvSpPr>
+          <p:spPr>
+            <a:xfrm>
+              <a:off x="8013167" y="73152"/>
+              <a:ext cx="54368" cy="59227"/>
+            </a:xfrm>
+            <a:prstGeom prst="ellipse">
+              <a:avLst/>
+            </a:prstGeom>
+            <a:solidFill>
+              <a:schemeClr val="accent1"/>
+            </a:solidFill>
+            <a:ln>
+              <a:noFill/>
+            </a:ln>
+          </p:spPr>
+          <p:style>
+            <a:lnRef idx="2">
+              <a:schemeClr val="accent1">
+                <a:shade val="50000"/>
+              </a:schemeClr>
+            </a:lnRef>
+            <a:fillRef idx="1">
+              <a:schemeClr val="accent1"/>
+            </a:fillRef>
+            <a:effectRef idx="0">
+              <a:schemeClr val="accent1"/>
+            </a:effectRef>
+            <a:fontRef idx="minor">
+              <a:schemeClr val="lt1"/>
+            </a:fontRef>
+          </p:style>
+          <p:txBody>
+            <a:bodyPr rtlCol="0" anchor="ctr"/>
+            <a:lstStyle/>
+            <a:p>
+              <a:pPr algn="ctr"/>
+              <a:endParaRPr lang="en-US"/>
+            </a:p>
+          </p:txBody>
+        </p:sp>
+        <p:sp>
+          <p:nvSpPr>
+            <p:cNvPr id="20" name="Rectangle 66">
+              <a:extLst>
+                <a:ext uri="{FF2B5EF4-FFF2-40B4-BE49-F238E27FC236}">
+                  <a16:creationId xmlns:a16="http://schemas.microsoft.com/office/drawing/2014/main" id="{89BF55CA-60FC-479D-A85E-48626FC13567}"/>
+                </a:ext>
+                <a:ext uri="{C183D7F6-B498-43B3-948B-1728B52AA6E4}">
+                  <adec:decorative xmlns:adec="http://schemas.microsoft.com/office/drawing/2017/decorative" val="1"/>
+                </a:ext>
+              </a:extLst>
+            </p:cNvPr>
+            <p:cNvSpPr/>
+            <p:nvPr>
+              <p:extLst>
+                <p:ext uri="{386F3935-93C4-4BCD-93E2-E3B085C9AB24}">
+                  <p16:designElem xmlns:p16="http://schemas.microsoft.com/office/powerpoint/2015/main" val="1"/>
+                </p:ext>
+              </p:extLst>
+            </p:nvPr>
+          </p:nvSpPr>
+          <p:spPr>
+            <a:xfrm>
+              <a:off x="8013167" y="246888"/>
+              <a:ext cx="54368" cy="59227"/>
+            </a:xfrm>
+            <a:prstGeom prst="ellipse">
+              <a:avLst/>
+            </a:prstGeom>
+            <a:solidFill>
+              <a:schemeClr val="accent1"/>
+            </a:solidFill>
+            <a:ln>
+              <a:noFill/>
+            </a:ln>
+          </p:spPr>
+          <p:style>
+            <a:lnRef idx="2">
+              <a:schemeClr val="accent1">
+                <a:shade val="50000"/>
+              </a:schemeClr>
+            </a:lnRef>
+            <a:fillRef idx="1">
+              <a:schemeClr val="accent1"/>
+            </a:fillRef>
+            <a:effectRef idx="0">
+              <a:schemeClr val="accent1"/>
+            </a:effectRef>
+            <a:fontRef idx="minor">
+              <a:schemeClr val="lt1"/>
+            </a:fontRef>
+          </p:style>
+          <p:txBody>
+            <a:bodyPr rtlCol="0" anchor="ctr"/>
+            <a:lstStyle/>
+            <a:p>
+              <a:pPr algn="ctr"/>
+              <a:endParaRPr lang="en-US"/>
+            </a:p>
+          </p:txBody>
+        </p:sp>
+        <p:sp>
+          <p:nvSpPr>
+            <p:cNvPr id="21" name="Rectangle 64">
+              <a:extLst>
+                <a:ext uri="{FF2B5EF4-FFF2-40B4-BE49-F238E27FC236}">
+                  <a16:creationId xmlns:a16="http://schemas.microsoft.com/office/drawing/2014/main" id="{5AFBE5BF-E87A-408F-BBBD-44C3D04C042A}"/>
+                </a:ext>
+                <a:ext uri="{C183D7F6-B498-43B3-948B-1728B52AA6E4}">
+                  <adec:decorative xmlns:adec="http://schemas.microsoft.com/office/drawing/2017/decorative" val="1"/>
+                </a:ext>
+              </a:extLst>
+            </p:cNvPr>
+            <p:cNvSpPr/>
+            <p:nvPr>
+              <p:extLst>
+                <p:ext uri="{386F3935-93C4-4BCD-93E2-E3B085C9AB24}">
+                  <p16:designElem xmlns:p16="http://schemas.microsoft.com/office/powerpoint/2015/main" val="1"/>
+                </p:ext>
+              </p:extLst>
+            </p:nvPr>
+          </p:nvSpPr>
+          <p:spPr>
+            <a:xfrm>
+              <a:off x="7888211" y="73152"/>
+              <a:ext cx="54368" cy="59227"/>
+            </a:xfrm>
+            <a:prstGeom prst="ellipse">
+              <a:avLst/>
+            </a:prstGeom>
+            <a:solidFill>
+              <a:schemeClr val="accent1"/>
+            </a:solidFill>
+            <a:ln>
+              <a:noFill/>
+            </a:ln>
+          </p:spPr>
+          <p:style>
+            <a:lnRef idx="2">
+              <a:schemeClr val="accent1">
+                <a:shade val="50000"/>
+              </a:schemeClr>
+            </a:lnRef>
+            <a:fillRef idx="1">
+              <a:schemeClr val="accent1"/>
+            </a:fillRef>
+            <a:effectRef idx="0">
+              <a:schemeClr val="accent1"/>
+            </a:effectRef>
+            <a:fontRef idx="minor">
+              <a:schemeClr val="lt1"/>
+            </a:fontRef>
+          </p:style>
+          <p:txBody>
+            <a:bodyPr rtlCol="0" anchor="ctr"/>
+            <a:lstStyle/>
+            <a:p>
+              <a:pPr algn="ctr"/>
+              <a:endParaRPr lang="en-US"/>
+            </a:p>
+          </p:txBody>
+        </p:sp>
+        <p:sp>
+          <p:nvSpPr>
+            <p:cNvPr id="22" name="Rectangle 66">
+              <a:extLst>
+                <a:ext uri="{FF2B5EF4-FFF2-40B4-BE49-F238E27FC236}">
+                  <a16:creationId xmlns:a16="http://schemas.microsoft.com/office/drawing/2014/main" id="{1C27CF92-D148-45C8-88B6-F450B63DF1F2}"/>
+                </a:ext>
+                <a:ext uri="{C183D7F6-B498-43B3-948B-1728B52AA6E4}">
+                  <adec:decorative xmlns:adec="http://schemas.microsoft.com/office/drawing/2017/decorative" val="1"/>
+                </a:ext>
+              </a:extLst>
+            </p:cNvPr>
+            <p:cNvSpPr/>
+            <p:nvPr>
+              <p:extLst>
+                <p:ext uri="{386F3935-93C4-4BCD-93E2-E3B085C9AB24}">
+                  <p16:designElem xmlns:p16="http://schemas.microsoft.com/office/powerpoint/2015/main" val="1"/>
+                </p:ext>
+              </p:extLst>
+            </p:nvPr>
+          </p:nvSpPr>
+          <p:spPr>
+            <a:xfrm>
+              <a:off x="7888211" y="246888"/>
+              <a:ext cx="54368" cy="59227"/>
+            </a:xfrm>
+            <a:prstGeom prst="ellipse">
+              <a:avLst/>
+            </a:prstGeom>
+            <a:solidFill>
+              <a:schemeClr val="accent1"/>
+            </a:solidFill>
+            <a:ln>
+              <a:noFill/>
+            </a:ln>
+          </p:spPr>
+          <p:style>
+            <a:lnRef idx="2">
+              <a:schemeClr val="accent1">
+                <a:shade val="50000"/>
+              </a:schemeClr>
+            </a:lnRef>
+            <a:fillRef idx="1">
+              <a:schemeClr val="accent1"/>
+            </a:fillRef>
+            <a:effectRef idx="0">
+              <a:schemeClr val="accent1"/>
+            </a:effectRef>
+            <a:fontRef idx="minor">
+              <a:schemeClr val="lt1"/>
+            </a:fontRef>
+          </p:style>
+          <p:txBody>
+            <a:bodyPr rtlCol="0" anchor="ctr"/>
+            <a:lstStyle/>
+            <a:p>
+              <a:pPr algn="ctr"/>
+              <a:endParaRPr lang="en-US"/>
+            </a:p>
+          </p:txBody>
+        </p:sp>
+        <p:sp>
+          <p:nvSpPr>
+            <p:cNvPr id="23" name="Rectangle 64">
+              <a:extLst>
+                <a:ext uri="{FF2B5EF4-FFF2-40B4-BE49-F238E27FC236}">
+                  <a16:creationId xmlns:a16="http://schemas.microsoft.com/office/drawing/2014/main" id="{51CA2232-D147-480C-B1EE-665EE6ACC723}"/>
+                </a:ext>
+                <a:ext uri="{C183D7F6-B498-43B3-948B-1728B52AA6E4}">
+                  <adec:decorative xmlns:adec="http://schemas.microsoft.com/office/drawing/2017/decorative" val="1"/>
+                </a:ext>
+              </a:extLst>
+            </p:cNvPr>
+            <p:cNvSpPr/>
+            <p:nvPr>
+              <p:extLst>
+                <p:ext uri="{386F3935-93C4-4BCD-93E2-E3B085C9AB24}">
+                  <p16:designElem xmlns:p16="http://schemas.microsoft.com/office/powerpoint/2015/main" val="1"/>
+                </p:ext>
+              </p:extLst>
+            </p:nvPr>
+          </p:nvSpPr>
+          <p:spPr>
+            <a:xfrm>
+              <a:off x="7763256" y="73152"/>
+              <a:ext cx="54368" cy="59227"/>
+            </a:xfrm>
+            <a:prstGeom prst="ellipse">
+              <a:avLst/>
+            </a:prstGeom>
+            <a:solidFill>
+              <a:schemeClr val="accent1"/>
+            </a:solidFill>
+            <a:ln>
+              <a:noFill/>
+            </a:ln>
+          </p:spPr>
+          <p:style>
+            <a:lnRef idx="2">
+              <a:schemeClr val="accent1">
+                <a:shade val="50000"/>
+              </a:schemeClr>
+            </a:lnRef>
+            <a:fillRef idx="1">
+              <a:schemeClr val="accent1"/>
+            </a:fillRef>
+            <a:effectRef idx="0">
+              <a:schemeClr val="accent1"/>
+            </a:effectRef>
+            <a:fontRef idx="minor">
+              <a:schemeClr val="lt1"/>
+            </a:fontRef>
+          </p:style>
+          <p:txBody>
+            <a:bodyPr rtlCol="0" anchor="ctr"/>
+            <a:lstStyle/>
+            <a:p>
+              <a:pPr algn="ctr"/>
+              <a:endParaRPr lang="en-US"/>
+            </a:p>
+          </p:txBody>
+        </p:sp>
+        <p:sp>
+          <p:nvSpPr>
+            <p:cNvPr id="24" name="Rectangle 66">
+              <a:extLst>
+                <a:ext uri="{FF2B5EF4-FFF2-40B4-BE49-F238E27FC236}">
+                  <a16:creationId xmlns:a16="http://schemas.microsoft.com/office/drawing/2014/main" id="{7E67D92D-1CA9-43CE-8150-DF504F2BF052}"/>
+                </a:ext>
+                <a:ext uri="{C183D7F6-B498-43B3-948B-1728B52AA6E4}">
+                  <adec:decorative xmlns:adec="http://schemas.microsoft.com/office/drawing/2017/decorative" val="1"/>
+                </a:ext>
+              </a:extLst>
+            </p:cNvPr>
+            <p:cNvSpPr/>
+            <p:nvPr>
+              <p:extLst>
+                <p:ext uri="{386F3935-93C4-4BCD-93E2-E3B085C9AB24}">
+                  <p16:designElem xmlns:p16="http://schemas.microsoft.com/office/powerpoint/2015/main" val="1"/>
+                </p:ext>
+              </p:extLst>
+            </p:nvPr>
+          </p:nvSpPr>
+          <p:spPr>
+            <a:xfrm>
+              <a:off x="7763256" y="246888"/>
+              <a:ext cx="54368" cy="59227"/>
+            </a:xfrm>
+            <a:prstGeom prst="ellipse">
+              <a:avLst/>
+            </a:prstGeom>
+            <a:solidFill>
+              <a:schemeClr val="accent1"/>
+            </a:solidFill>
+            <a:ln>
+              <a:noFill/>
+            </a:ln>
+          </p:spPr>
+          <p:style>
+            <a:lnRef idx="2">
+              <a:schemeClr val="accent1">
+                <a:shade val="50000"/>
+              </a:schemeClr>
+            </a:lnRef>
+            <a:fillRef idx="1">
+              <a:schemeClr val="accent1"/>
+            </a:fillRef>
+            <a:effectRef idx="0">
+              <a:schemeClr val="accent1"/>
+            </a:effectRef>
+            <a:fontRef idx="minor">
+              <a:schemeClr val="lt1"/>
+            </a:fontRef>
+          </p:style>
+          <p:txBody>
+            <a:bodyPr rtlCol="0" anchor="ctr"/>
+            <a:lstStyle/>
+            <a:p>
+              <a:pPr algn="ctr"/>
+              <a:endParaRPr lang="en-US"/>
+            </a:p>
+          </p:txBody>
+        </p:sp>
+        <p:sp>
+          <p:nvSpPr>
+            <p:cNvPr id="25" name="Rectangle 64">
+              <a:extLst>
+                <a:ext uri="{FF2B5EF4-FFF2-40B4-BE49-F238E27FC236}">
+                  <a16:creationId xmlns:a16="http://schemas.microsoft.com/office/drawing/2014/main" id="{7B273169-B674-4C50-A14D-A943B9979284}"/>
+                </a:ext>
+                <a:ext uri="{C183D7F6-B498-43B3-948B-1728B52AA6E4}">
+                  <adec:decorative xmlns:adec="http://schemas.microsoft.com/office/drawing/2017/decorative" val="1"/>
+                </a:ext>
+              </a:extLst>
+            </p:cNvPr>
+            <p:cNvSpPr/>
+            <p:nvPr>
+              <p:extLst>
+                <p:ext uri="{386F3935-93C4-4BCD-93E2-E3B085C9AB24}">
+                  <p16:designElem xmlns:p16="http://schemas.microsoft.com/office/powerpoint/2015/main" val="1"/>
+                </p:ext>
+              </p:extLst>
+            </p:nvPr>
+          </p:nvSpPr>
+          <p:spPr>
+            <a:xfrm>
+              <a:off x="8887854" y="73152"/>
+              <a:ext cx="54368" cy="59227"/>
+            </a:xfrm>
+            <a:prstGeom prst="ellipse">
+              <a:avLst/>
+            </a:prstGeom>
+            <a:solidFill>
+              <a:schemeClr val="accent1"/>
+            </a:solidFill>
+            <a:ln>
+              <a:noFill/>
+            </a:ln>
+          </p:spPr>
+          <p:style>
+            <a:lnRef idx="2">
+              <a:schemeClr val="accent1">
+                <a:shade val="50000"/>
+              </a:schemeClr>
+            </a:lnRef>
+            <a:fillRef idx="1">
+              <a:schemeClr val="accent1"/>
+            </a:fillRef>
+            <a:effectRef idx="0">
+              <a:schemeClr val="accent1"/>
+            </a:effectRef>
+            <a:fontRef idx="minor">
+              <a:schemeClr val="lt1"/>
+            </a:fontRef>
+          </p:style>
+          <p:txBody>
+            <a:bodyPr rtlCol="0" anchor="ctr"/>
+            <a:lstStyle/>
+            <a:p>
+              <a:pPr algn="ctr"/>
+              <a:endParaRPr lang="en-US"/>
+            </a:p>
+          </p:txBody>
+        </p:sp>
+        <p:sp>
+          <p:nvSpPr>
+            <p:cNvPr id="26" name="Rectangle 66">
+              <a:extLst>
+                <a:ext uri="{FF2B5EF4-FFF2-40B4-BE49-F238E27FC236}">
+                  <a16:creationId xmlns:a16="http://schemas.microsoft.com/office/drawing/2014/main" id="{DF6183FA-653E-4533-9A0B-D249EC0B1553}"/>
+                </a:ext>
+                <a:ext uri="{C183D7F6-B498-43B3-948B-1728B52AA6E4}">
+                  <adec:decorative xmlns:adec="http://schemas.microsoft.com/office/drawing/2017/decorative" val="1"/>
+                </a:ext>
+              </a:extLst>
+            </p:cNvPr>
+            <p:cNvSpPr/>
+            <p:nvPr>
+              <p:extLst>
+                <p:ext uri="{386F3935-93C4-4BCD-93E2-E3B085C9AB24}">
+                  <p16:designElem xmlns:p16="http://schemas.microsoft.com/office/powerpoint/2015/main" val="1"/>
+                </p:ext>
+              </p:extLst>
+            </p:nvPr>
+          </p:nvSpPr>
+          <p:spPr>
+            <a:xfrm>
+              <a:off x="8887854" y="246888"/>
+              <a:ext cx="54368" cy="59227"/>
+            </a:xfrm>
+            <a:prstGeom prst="ellipse">
+              <a:avLst/>
+            </a:prstGeom>
+            <a:solidFill>
+              <a:schemeClr val="accent1"/>
+            </a:solidFill>
+            <a:ln>
+              <a:noFill/>
+            </a:ln>
+          </p:spPr>
+          <p:style>
+            <a:lnRef idx="2">
+              <a:schemeClr val="accent1">
+                <a:shade val="50000"/>
+              </a:schemeClr>
+            </a:lnRef>
+            <a:fillRef idx="1">
+              <a:schemeClr val="accent1"/>
+            </a:fillRef>
+            <a:effectRef idx="0">
+              <a:schemeClr val="accent1"/>
+            </a:effectRef>
+            <a:fontRef idx="minor">
+              <a:schemeClr val="lt1"/>
+            </a:fontRef>
+          </p:style>
+          <p:txBody>
+            <a:bodyPr rtlCol="0" anchor="ctr"/>
+            <a:lstStyle/>
+            <a:p>
+              <a:pPr algn="ctr"/>
+              <a:endParaRPr lang="en-US"/>
+            </a:p>
+          </p:txBody>
+        </p:sp>
+        <p:sp>
+          <p:nvSpPr>
+            <p:cNvPr id="27" name="Rectangle 64">
+              <a:extLst>
+                <a:ext uri="{FF2B5EF4-FFF2-40B4-BE49-F238E27FC236}">
+                  <a16:creationId xmlns:a16="http://schemas.microsoft.com/office/drawing/2014/main" id="{A82EFE58-AAB0-4925-A176-6FF36BF878A3}"/>
+                </a:ext>
+                <a:ext uri="{C183D7F6-B498-43B3-948B-1728B52AA6E4}">
+                  <adec:decorative xmlns:adec="http://schemas.microsoft.com/office/drawing/2017/decorative" val="1"/>
+                </a:ext>
+              </a:extLst>
+            </p:cNvPr>
+            <p:cNvSpPr/>
+            <p:nvPr>
+              <p:extLst>
+                <p:ext uri="{386F3935-93C4-4BCD-93E2-E3B085C9AB24}">
+                  <p16:designElem xmlns:p16="http://schemas.microsoft.com/office/powerpoint/2015/main" val="1"/>
+                </p:ext>
+              </p:extLst>
+            </p:nvPr>
+          </p:nvSpPr>
+          <p:spPr>
+            <a:xfrm>
+              <a:off x="8762899" y="73152"/>
+              <a:ext cx="54368" cy="59227"/>
+            </a:xfrm>
+            <a:prstGeom prst="ellipse">
+              <a:avLst/>
+            </a:prstGeom>
+            <a:solidFill>
+              <a:schemeClr val="accent1"/>
+            </a:solidFill>
+            <a:ln>
+              <a:noFill/>
+            </a:ln>
+          </p:spPr>
+          <p:style>
+            <a:lnRef idx="2">
+              <a:schemeClr val="accent1">
+                <a:shade val="50000"/>
+              </a:schemeClr>
+            </a:lnRef>
+            <a:fillRef idx="1">
+              <a:schemeClr val="accent1"/>
+            </a:fillRef>
+            <a:effectRef idx="0">
+              <a:schemeClr val="accent1"/>
+            </a:effectRef>
+            <a:fontRef idx="minor">
+              <a:schemeClr val="lt1"/>
+            </a:fontRef>
+          </p:style>
+          <p:txBody>
+            <a:bodyPr rtlCol="0" anchor="ctr"/>
+            <a:lstStyle/>
+            <a:p>
+              <a:pPr algn="ctr"/>
+              <a:endParaRPr lang="en-US"/>
+            </a:p>
+          </p:txBody>
+        </p:sp>
+        <p:sp>
+          <p:nvSpPr>
+            <p:cNvPr id="28" name="Rectangle 66">
+              <a:extLst>
+                <a:ext uri="{FF2B5EF4-FFF2-40B4-BE49-F238E27FC236}">
+                  <a16:creationId xmlns:a16="http://schemas.microsoft.com/office/drawing/2014/main" id="{3122AE75-4DBB-4E14-B0CA-DD1EAD89CE83}"/>
+                </a:ext>
+                <a:ext uri="{C183D7F6-B498-43B3-948B-1728B52AA6E4}">
+                  <adec:decorative xmlns:adec="http://schemas.microsoft.com/office/drawing/2017/decorative" val="1"/>
+                </a:ext>
+              </a:extLst>
+            </p:cNvPr>
+            <p:cNvSpPr/>
+            <p:nvPr>
+              <p:extLst>
+                <p:ext uri="{386F3935-93C4-4BCD-93E2-E3B085C9AB24}">
+                  <p16:designElem xmlns:p16="http://schemas.microsoft.com/office/powerpoint/2015/main" val="1"/>
+                </p:ext>
+              </p:extLst>
+            </p:nvPr>
+          </p:nvSpPr>
+          <p:spPr>
+            <a:xfrm>
+              <a:off x="8762899" y="246888"/>
+              <a:ext cx="54368" cy="59227"/>
+            </a:xfrm>
+            <a:prstGeom prst="ellipse">
+              <a:avLst/>
+            </a:prstGeom>
+            <a:solidFill>
+              <a:schemeClr val="accent1"/>
+            </a:solidFill>
+            <a:ln>
+              <a:noFill/>
+            </a:ln>
+          </p:spPr>
+          <p:style>
+            <a:lnRef idx="2">
+              <a:schemeClr val="accent1">
+                <a:shade val="50000"/>
+              </a:schemeClr>
+            </a:lnRef>
+            <a:fillRef idx="1">
+              <a:schemeClr val="accent1"/>
+            </a:fillRef>
+            <a:effectRef idx="0">
+              <a:schemeClr val="accent1"/>
+            </a:effectRef>
+            <a:fontRef idx="minor">
+              <a:schemeClr val="lt1"/>
+            </a:fontRef>
+          </p:style>
+          <p:txBody>
+            <a:bodyPr rtlCol="0" anchor="ctr"/>
+            <a:lstStyle/>
+            <a:p>
+              <a:pPr algn="ctr"/>
+              <a:endParaRPr lang="en-US"/>
+            </a:p>
+          </p:txBody>
+        </p:sp>
+        <p:sp>
+          <p:nvSpPr>
+            <p:cNvPr id="29" name="Rectangle 64">
+              <a:extLst>
+                <a:ext uri="{FF2B5EF4-FFF2-40B4-BE49-F238E27FC236}">
+                  <a16:creationId xmlns:a16="http://schemas.microsoft.com/office/drawing/2014/main" id="{4ED7E672-90FC-4E8C-9C43-3AAE391C6C23}"/>
+                </a:ext>
+                <a:ext uri="{C183D7F6-B498-43B3-948B-1728B52AA6E4}">
+                  <adec:decorative xmlns:adec="http://schemas.microsoft.com/office/drawing/2017/decorative" val="1"/>
+                </a:ext>
+              </a:extLst>
+            </p:cNvPr>
+            <p:cNvSpPr/>
+            <p:nvPr>
+              <p:extLst>
+                <p:ext uri="{386F3935-93C4-4BCD-93E2-E3B085C9AB24}">
+                  <p16:designElem xmlns:p16="http://schemas.microsoft.com/office/powerpoint/2015/main" val="1"/>
+                </p:ext>
+              </p:extLst>
+            </p:nvPr>
+          </p:nvSpPr>
+          <p:spPr>
+            <a:xfrm>
+              <a:off x="8637944" y="73152"/>
+              <a:ext cx="54368" cy="59227"/>
+            </a:xfrm>
+            <a:prstGeom prst="ellipse">
+              <a:avLst/>
+            </a:prstGeom>
+            <a:solidFill>
+              <a:schemeClr val="accent1"/>
+            </a:solidFill>
+            <a:ln>
+              <a:noFill/>
+            </a:ln>
+          </p:spPr>
+          <p:style>
+            <a:lnRef idx="2">
+              <a:schemeClr val="accent1">
+                <a:shade val="50000"/>
+              </a:schemeClr>
+            </a:lnRef>
+            <a:fillRef idx="1">
+              <a:schemeClr val="accent1"/>
+            </a:fillRef>
+            <a:effectRef idx="0">
+              <a:schemeClr val="accent1"/>
+            </a:effectRef>
+            <a:fontRef idx="minor">
+              <a:schemeClr val="lt1"/>
+            </a:fontRef>
+          </p:style>
+          <p:txBody>
+            <a:bodyPr rtlCol="0" anchor="ctr"/>
+            <a:lstStyle/>
+            <a:p>
+              <a:pPr algn="ctr"/>
+              <a:endParaRPr lang="en-US"/>
+            </a:p>
+          </p:txBody>
+        </p:sp>
+        <p:sp>
+          <p:nvSpPr>
+            <p:cNvPr id="30" name="Rectangle 66">
+              <a:extLst>
+                <a:ext uri="{FF2B5EF4-FFF2-40B4-BE49-F238E27FC236}">
+                  <a16:creationId xmlns:a16="http://schemas.microsoft.com/office/drawing/2014/main" id="{A5C0019E-5136-4C5E-A223-1E1717FD47C7}"/>
+                </a:ext>
+                <a:ext uri="{C183D7F6-B498-43B3-948B-1728B52AA6E4}">
+                  <adec:decorative xmlns:adec="http://schemas.microsoft.com/office/drawing/2017/decorative" val="1"/>
+                </a:ext>
+              </a:extLst>
+            </p:cNvPr>
+            <p:cNvSpPr/>
+            <p:nvPr>
+              <p:extLst>
+                <p:ext uri="{386F3935-93C4-4BCD-93E2-E3B085C9AB24}">
+                  <p16:designElem xmlns:p16="http://schemas.microsoft.com/office/powerpoint/2015/main" val="1"/>
+                </p:ext>
+              </p:extLst>
+            </p:nvPr>
+          </p:nvSpPr>
+          <p:spPr>
+            <a:xfrm>
+              <a:off x="8637944" y="246888"/>
+              <a:ext cx="54368" cy="59227"/>
+            </a:xfrm>
+            <a:prstGeom prst="ellipse">
+              <a:avLst/>
+            </a:prstGeom>
+            <a:solidFill>
+              <a:schemeClr val="accent1"/>
+            </a:solidFill>
+            <a:ln>
+              <a:noFill/>
+            </a:ln>
+          </p:spPr>
+          <p:style>
+            <a:lnRef idx="2">
+              <a:schemeClr val="accent1">
+                <a:shade val="50000"/>
+              </a:schemeClr>
+            </a:lnRef>
+            <a:fillRef idx="1">
+              <a:schemeClr val="accent1"/>
+            </a:fillRef>
+            <a:effectRef idx="0">
+              <a:schemeClr val="accent1"/>
+            </a:effectRef>
+            <a:fontRef idx="minor">
+              <a:schemeClr val="lt1"/>
+            </a:fontRef>
+          </p:style>
+          <p:txBody>
+            <a:bodyPr rtlCol="0" anchor="ctr"/>
+            <a:lstStyle/>
+            <a:p>
+              <a:pPr algn="ctr"/>
+              <a:endParaRPr lang="en-US"/>
+            </a:p>
+          </p:txBody>
+        </p:sp>
+        <p:sp>
+          <p:nvSpPr>
+            <p:cNvPr id="31" name="Rectangle 64">
+              <a:extLst>
+                <a:ext uri="{FF2B5EF4-FFF2-40B4-BE49-F238E27FC236}">
+                  <a16:creationId xmlns:a16="http://schemas.microsoft.com/office/drawing/2014/main" id="{29705F60-CFE6-47C5-96E5-05E7731FC84C}"/>
+                </a:ext>
+                <a:ext uri="{C183D7F6-B498-43B3-948B-1728B52AA6E4}">
+                  <adec:decorative xmlns:adec="http://schemas.microsoft.com/office/drawing/2017/decorative" val="1"/>
+                </a:ext>
+              </a:extLst>
+            </p:cNvPr>
+            <p:cNvSpPr/>
+            <p:nvPr>
+              <p:extLst>
+                <p:ext uri="{386F3935-93C4-4BCD-93E2-E3B085C9AB24}">
+                  <p16:designElem xmlns:p16="http://schemas.microsoft.com/office/powerpoint/2015/main" val="1"/>
+                </p:ext>
+              </p:extLst>
+            </p:nvPr>
+          </p:nvSpPr>
+          <p:spPr>
+            <a:xfrm>
+              <a:off x="8512988" y="73152"/>
+              <a:ext cx="54368" cy="59227"/>
+            </a:xfrm>
+            <a:prstGeom prst="ellipse">
+              <a:avLst/>
+            </a:prstGeom>
+            <a:solidFill>
+              <a:schemeClr val="accent1"/>
+            </a:solidFill>
+            <a:ln>
+              <a:noFill/>
+            </a:ln>
+          </p:spPr>
+          <p:style>
+            <a:lnRef idx="2">
+              <a:schemeClr val="accent1">
+                <a:shade val="50000"/>
+              </a:schemeClr>
+            </a:lnRef>
+            <a:fillRef idx="1">
+              <a:schemeClr val="accent1"/>
+            </a:fillRef>
+            <a:effectRef idx="0">
+              <a:schemeClr val="accent1"/>
+            </a:effectRef>
+            <a:fontRef idx="minor">
+              <a:schemeClr val="lt1"/>
+            </a:fontRef>
+          </p:style>
+          <p:txBody>
+            <a:bodyPr rtlCol="0" anchor="ctr"/>
+            <a:lstStyle/>
+            <a:p>
+              <a:pPr algn="ctr"/>
+              <a:endParaRPr lang="en-US"/>
+            </a:p>
+          </p:txBody>
+        </p:sp>
+        <p:sp>
+          <p:nvSpPr>
+            <p:cNvPr id="32" name="Rectangle 66">
+              <a:extLst>
+                <a:ext uri="{FF2B5EF4-FFF2-40B4-BE49-F238E27FC236}">
+                  <a16:creationId xmlns:a16="http://schemas.microsoft.com/office/drawing/2014/main" id="{090E047C-18BC-4180-8D10-9F18F517BAEA}"/>
+                </a:ext>
+                <a:ext uri="{C183D7F6-B498-43B3-948B-1728B52AA6E4}">
+                  <adec:decorative xmlns:adec="http://schemas.microsoft.com/office/drawing/2017/decorative" val="1"/>
+                </a:ext>
+              </a:extLst>
+            </p:cNvPr>
+            <p:cNvSpPr/>
+            <p:nvPr>
+              <p:extLst>
+                <p:ext uri="{386F3935-93C4-4BCD-93E2-E3B085C9AB24}">
+                  <p16:designElem xmlns:p16="http://schemas.microsoft.com/office/powerpoint/2015/main" val="1"/>
+                </p:ext>
+              </p:extLst>
+            </p:nvPr>
+          </p:nvSpPr>
+          <p:spPr>
+            <a:xfrm>
+              <a:off x="8512988" y="246888"/>
+              <a:ext cx="54368" cy="59227"/>
+            </a:xfrm>
+            <a:prstGeom prst="ellipse">
+              <a:avLst/>
+            </a:prstGeom>
+            <a:solidFill>
+              <a:schemeClr val="accent1"/>
+            </a:solidFill>
+            <a:ln>
+              <a:noFill/>
+            </a:ln>
+          </p:spPr>
+          <p:style>
+            <a:lnRef idx="2">
+              <a:schemeClr val="accent1">
+                <a:shade val="50000"/>
+              </a:schemeClr>
+            </a:lnRef>
+            <a:fillRef idx="1">
+              <a:schemeClr val="accent1"/>
+            </a:fillRef>
+            <a:effectRef idx="0">
+              <a:schemeClr val="accent1"/>
+            </a:effectRef>
+            <a:fontRef idx="minor">
+              <a:schemeClr val="lt1"/>
+            </a:fontRef>
+          </p:style>
+          <p:txBody>
+            <a:bodyPr rtlCol="0" anchor="ctr"/>
+            <a:lstStyle/>
+            <a:p>
+              <a:pPr algn="ctr"/>
+              <a:endParaRPr lang="en-US"/>
+            </a:p>
+          </p:txBody>
+        </p:sp>
+        <p:sp>
+          <p:nvSpPr>
+            <p:cNvPr id="33" name="Rectangle 64">
+              <a:extLst>
+                <a:ext uri="{FF2B5EF4-FFF2-40B4-BE49-F238E27FC236}">
+                  <a16:creationId xmlns:a16="http://schemas.microsoft.com/office/drawing/2014/main" id="{A153194A-C8B1-46DB-9C6B-9847B06FAEFE}"/>
+                </a:ext>
+                <a:ext uri="{C183D7F6-B498-43B3-948B-1728B52AA6E4}">
+                  <adec:decorative xmlns:adec="http://schemas.microsoft.com/office/drawing/2017/decorative" val="1"/>
+                </a:ext>
+              </a:extLst>
+            </p:cNvPr>
+            <p:cNvSpPr/>
+            <p:nvPr>
+              <p:extLst>
+                <p:ext uri="{386F3935-93C4-4BCD-93E2-E3B085C9AB24}">
+                  <p16:designElem xmlns:p16="http://schemas.microsoft.com/office/powerpoint/2015/main" val="1"/>
+                </p:ext>
+              </p:extLst>
+            </p:nvPr>
+          </p:nvSpPr>
+          <p:spPr>
+            <a:xfrm>
+              <a:off x="8388033" y="73152"/>
+              <a:ext cx="54368" cy="59227"/>
+            </a:xfrm>
+            <a:prstGeom prst="ellipse">
+              <a:avLst/>
+            </a:prstGeom>
+            <a:solidFill>
+              <a:schemeClr val="accent1"/>
+            </a:solidFill>
+            <a:ln>
+              <a:noFill/>
+            </a:ln>
+          </p:spPr>
+          <p:style>
+            <a:lnRef idx="2">
+              <a:schemeClr val="accent1">
+                <a:shade val="50000"/>
+              </a:schemeClr>
+            </a:lnRef>
+            <a:fillRef idx="1">
+              <a:schemeClr val="accent1"/>
+            </a:fillRef>
+            <a:effectRef idx="0">
+              <a:schemeClr val="accent1"/>
+            </a:effectRef>
+            <a:fontRef idx="minor">
+              <a:schemeClr val="lt1"/>
+            </a:fontRef>
+          </p:style>
+          <p:txBody>
+            <a:bodyPr rtlCol="0" anchor="ctr"/>
+            <a:lstStyle/>
+            <a:p>
+              <a:pPr algn="ctr"/>
+              <a:endParaRPr lang="en-US"/>
+            </a:p>
+          </p:txBody>
+        </p:sp>
+        <p:sp>
+          <p:nvSpPr>
+            <p:cNvPr id="34" name="Rectangle 66">
+              <a:extLst>
+                <a:ext uri="{FF2B5EF4-FFF2-40B4-BE49-F238E27FC236}">
+                  <a16:creationId xmlns:a16="http://schemas.microsoft.com/office/drawing/2014/main" id="{5C0235EA-4E98-43EA-9AAE-2BD893DEAF55}"/>
+                </a:ext>
+                <a:ext uri="{C183D7F6-B498-43B3-948B-1728B52AA6E4}">
+                  <adec:decorative xmlns:adec="http://schemas.microsoft.com/office/drawing/2017/decorative" val="1"/>
+                </a:ext>
+              </a:extLst>
+            </p:cNvPr>
+            <p:cNvSpPr/>
+            <p:nvPr>
+              <p:extLst>
+                <p:ext uri="{386F3935-93C4-4BCD-93E2-E3B085C9AB24}">
+                  <p16:designElem xmlns:p16="http://schemas.microsoft.com/office/powerpoint/2015/main" val="1"/>
+                </p:ext>
+              </p:extLst>
+            </p:nvPr>
+          </p:nvSpPr>
+          <p:spPr>
+            <a:xfrm>
+              <a:off x="8388033" y="246888"/>
+              <a:ext cx="54368" cy="59227"/>
+            </a:xfrm>
+            <a:prstGeom prst="ellipse">
+              <a:avLst/>
+            </a:prstGeom>
+            <a:solidFill>
+              <a:schemeClr val="accent1"/>
+            </a:solidFill>
+            <a:ln>
+              <a:noFill/>
+            </a:ln>
+          </p:spPr>
+          <p:style>
+            <a:lnRef idx="2">
+              <a:schemeClr val="accent1">
+                <a:shade val="50000"/>
+              </a:schemeClr>
+            </a:lnRef>
+            <a:fillRef idx="1">
+              <a:schemeClr val="accent1"/>
+            </a:fillRef>
+            <a:effectRef idx="0">
+              <a:schemeClr val="accent1"/>
+            </a:effectRef>
+            <a:fontRef idx="minor">
+              <a:schemeClr val="lt1"/>
+            </a:fontRef>
+          </p:style>
+          <p:txBody>
+            <a:bodyPr rtlCol="0" anchor="ctr"/>
+            <a:lstStyle/>
+            <a:p>
+              <a:pPr algn="ctr"/>
+              <a:endParaRPr lang="en-US"/>
+            </a:p>
+          </p:txBody>
+        </p:sp>
+      </p:grpSp>
       <p:pic>
         <p:nvPicPr>
           <p:cNvPr id="4" name="Picture 3">
@@ -13432,6 +15158,69 @@
           </a:prstGeom>
         </p:spPr>
       </p:pic>
+      <p:sp>
+        <p:nvSpPr>
+          <p:cNvPr id="36" name="Rectangle 35">
+            <a:extLst>
+              <a:ext uri="{FF2B5EF4-FFF2-40B4-BE49-F238E27FC236}">
+                <a16:creationId xmlns:a16="http://schemas.microsoft.com/office/drawing/2014/main" id="{D9F5512A-48E1-4C07-B75E-3CCC517B6804}"/>
+              </a:ext>
+              <a:ext uri="{C183D7F6-B498-43B3-948B-1728B52AA6E4}">
+                <adec:decorative xmlns:adec="http://schemas.microsoft.com/office/drawing/2017/decorative" val="1"/>
+              </a:ext>
+            </a:extLst>
+          </p:cNvPr>
+          <p:cNvSpPr>
+            <a:spLocks noGrp="1" noRot="1" noChangeAspect="1" noMove="1" noResize="1" noEditPoints="1" noAdjustHandles="1" noChangeArrowheads="1" noChangeShapeType="1" noTextEdit="1"/>
+          </p:cNvSpPr>
+          <p:nvPr>
+            <p:extLst>
+              <p:ext uri="{386F3935-93C4-4BCD-93E2-E3B085C9AB24}">
+                <p16:designElem xmlns:p16="http://schemas.microsoft.com/office/powerpoint/2015/main" val="1"/>
+              </p:ext>
+            </p:extLst>
+          </p:nvPr>
+        </p:nvSpPr>
+        <p:spPr>
+          <a:xfrm>
+            <a:off x="0" y="3233650"/>
+            <a:ext cx="455228" cy="3624350"/>
+          </a:xfrm>
+          <a:prstGeom prst="rect">
+            <a:avLst/>
+          </a:prstGeom>
+          <a:solidFill>
+            <a:schemeClr val="accent1"/>
+          </a:solidFill>
+          <a:ln>
+            <a:noFill/>
+          </a:ln>
+        </p:spPr>
+        <p:style>
+          <a:lnRef idx="2">
+            <a:schemeClr val="accent1">
+              <a:shade val="50000"/>
+            </a:schemeClr>
+          </a:lnRef>
+          <a:fillRef idx="1">
+            <a:schemeClr val="accent1"/>
+          </a:fillRef>
+          <a:effectRef idx="0">
+            <a:schemeClr val="accent1"/>
+          </a:effectRef>
+          <a:fontRef idx="minor">
+            <a:schemeClr val="lt1"/>
+          </a:fontRef>
+        </p:style>
+        <p:txBody>
+          <a:bodyPr rtlCol="0" anchor="ctr"/>
+          <a:lstStyle/>
+          <a:p>
+            <a:pPr algn="ctr"/>
+            <a:endParaRPr lang="en-US"/>
+          </a:p>
+        </p:txBody>
+      </p:sp>
       <p:pic>
         <p:nvPicPr>
           <p:cNvPr id="5" name="Picture 4">
@@ -13907,7 +15696,7 @@
               <a:defRPr/>
             </a:pPr>
             <a:r>
-              <a:rPr lang="en-US" dirty="0"/>
+              <a:rPr lang="en-US"/>
               <a:t>Inheritance Run Amok?</a:t>
             </a:r>
           </a:p>
@@ -14799,4 +16588,224 @@
   <a:objectDefaults/>
   <a:extraClrSchemeLst/>
 </a:theme>
+</file>
+
+<file path=customXml/item1.xml><?xml version="1.0" encoding="utf-8"?>
+<?mso-contentType ?>
+<FormTemplates xmlns="http://schemas.microsoft.com/sharepoint/v3/contenttype/forms">
+  <Display>DocumentLibraryForm</Display>
+  <Edit>DocumentLibraryForm</Edit>
+  <New>DocumentLibraryForm</New>
+</FormTemplates>
+</file>
+
+<file path=customXml/item2.xml><?xml version="1.0" encoding="utf-8"?>
+<ct:contentTypeSchema xmlns:ct="http://schemas.microsoft.com/office/2006/metadata/contentType" xmlns:ma="http://schemas.microsoft.com/office/2006/metadata/properties/metaAttributes" ct:_="" ma:_="" ma:contentTypeName="Document" ma:contentTypeID="0x0101001570BCAAD2E4294F9443DCB038A55380" ma:contentTypeVersion="8" ma:contentTypeDescription="Create a new document." ma:contentTypeScope="" ma:versionID="9523c79d6bab9e2ad858b5223ec5ed94">
+  <xsd:schema xmlns:xsd="http://www.w3.org/2001/XMLSchema" xmlns:xs="http://www.w3.org/2001/XMLSchema" xmlns:p="http://schemas.microsoft.com/office/2006/metadata/properties" xmlns:ns2="201674f6-2bdd-4f13-ba1e-424e4aa70473" targetNamespace="http://schemas.microsoft.com/office/2006/metadata/properties" ma:root="true" ma:fieldsID="587afc94f70b507ec5be5f4d78229b0b" ns2:_="">
+    <xsd:import namespace="201674f6-2bdd-4f13-ba1e-424e4aa70473"/>
+    <xsd:element name="properties">
+      <xsd:complexType>
+        <xsd:sequence>
+          <xsd:element name="documentManagement">
+            <xsd:complexType>
+              <xsd:all>
+                <xsd:element ref="ns2:MediaServiceMetadata" minOccurs="0"/>
+                <xsd:element ref="ns2:MediaServiceFastMetadata" minOccurs="0"/>
+                <xsd:element ref="ns2:MediaServiceDateTaken" minOccurs="0"/>
+                <xsd:element ref="ns2:MediaServiceAutoTags" minOccurs="0"/>
+                <xsd:element ref="ns2:MediaLengthInSeconds" minOccurs="0"/>
+                <xsd:element ref="ns2:MediaServiceOCR" minOccurs="0"/>
+                <xsd:element ref="ns2:MediaServiceGenerationTime" minOccurs="0"/>
+                <xsd:element ref="ns2:MediaServiceEventHashCode" minOccurs="0"/>
+              </xsd:all>
+            </xsd:complexType>
+          </xsd:element>
+        </xsd:sequence>
+      </xsd:complexType>
+    </xsd:element>
+  </xsd:schema>
+  <xsd:schema xmlns:xsd="http://www.w3.org/2001/XMLSchema" xmlns:xs="http://www.w3.org/2001/XMLSchema" xmlns:dms="http://schemas.microsoft.com/office/2006/documentManagement/types" xmlns:pc="http://schemas.microsoft.com/office/infopath/2007/PartnerControls" targetNamespace="201674f6-2bdd-4f13-ba1e-424e4aa70473" elementFormDefault="qualified">
+    <xsd:import namespace="http://schemas.microsoft.com/office/2006/documentManagement/types"/>
+    <xsd:import namespace="http://schemas.microsoft.com/office/infopath/2007/PartnerControls"/>
+    <xsd:element name="MediaServiceMetadata" ma:index="8" nillable="true" ma:displayName="MediaServiceMetadata" ma:hidden="true" ma:internalName="MediaServiceMetadata" ma:readOnly="true">
+      <xsd:simpleType>
+        <xsd:restriction base="dms:Note"/>
+      </xsd:simpleType>
+    </xsd:element>
+    <xsd:element name="MediaServiceFastMetadata" ma:index="9" nillable="true" ma:displayName="MediaServiceFastMetadata" ma:hidden="true" ma:internalName="MediaServiceFastMetadata" ma:readOnly="true">
+      <xsd:simpleType>
+        <xsd:restriction base="dms:Note"/>
+      </xsd:simpleType>
+    </xsd:element>
+    <xsd:element name="MediaServiceDateTaken" ma:index="10" nillable="true" ma:displayName="MediaServiceDateTaken" ma:hidden="true" ma:internalName="MediaServiceDateTaken" ma:readOnly="true">
+      <xsd:simpleType>
+        <xsd:restriction base="dms:Text"/>
+      </xsd:simpleType>
+    </xsd:element>
+    <xsd:element name="MediaServiceAutoTags" ma:index="11" nillable="true" ma:displayName="Tags" ma:internalName="MediaServiceAutoTags" ma:readOnly="true">
+      <xsd:simpleType>
+        <xsd:restriction base="dms:Text"/>
+      </xsd:simpleType>
+    </xsd:element>
+    <xsd:element name="MediaLengthInSeconds" ma:index="12" nillable="true" ma:displayName="MediaLengthInSeconds" ma:hidden="true" ma:internalName="MediaLengthInSeconds" ma:readOnly="true">
+      <xsd:simpleType>
+        <xsd:restriction base="dms:Unknown"/>
+      </xsd:simpleType>
+    </xsd:element>
+    <xsd:element name="MediaServiceOCR" ma:index="13" nillable="true" ma:displayName="Extracted Text" ma:internalName="MediaServiceOCR" ma:readOnly="true">
+      <xsd:simpleType>
+        <xsd:restriction base="dms:Note">
+          <xsd:maxLength value="255"/>
+        </xsd:restriction>
+      </xsd:simpleType>
+    </xsd:element>
+    <xsd:element name="MediaServiceGenerationTime" ma:index="14" nillable="true" ma:displayName="MediaServiceGenerationTime" ma:hidden="true" ma:internalName="MediaServiceGenerationTime" ma:readOnly="true">
+      <xsd:simpleType>
+        <xsd:restriction base="dms:Text"/>
+      </xsd:simpleType>
+    </xsd:element>
+    <xsd:element name="MediaServiceEventHashCode" ma:index="15" nillable="true" ma:displayName="MediaServiceEventHashCode" ma:hidden="true" ma:internalName="MediaServiceEventHashCode" ma:readOnly="true">
+      <xsd:simpleType>
+        <xsd:restriction base="dms:Text"/>
+      </xsd:simpleType>
+    </xsd:element>
+  </xsd:schema>
+  <xsd:schema xmlns="http://schemas.openxmlformats.org/package/2006/metadata/core-properties" xmlns:xsd="http://www.w3.org/2001/XMLSchema" xmlns:xsi="http://www.w3.org/2001/XMLSchema-instance" xmlns:dc="http://purl.org/dc/elements/1.1/" xmlns:dcterms="http://purl.org/dc/terms/" xmlns:odoc="http://schemas.microsoft.com/internal/obd" targetNamespace="http://schemas.openxmlformats.org/package/2006/metadata/core-properties" elementFormDefault="qualified" attributeFormDefault="unqualified" blockDefault="#all">
+    <xsd:import namespace="http://purl.org/dc/elements/1.1/" schemaLocation="http://dublincore.org/schemas/xmls/qdc/2003/04/02/dc.xsd"/>
+    <xsd:import namespace="http://purl.org/dc/terms/" schemaLocation="http://dublincore.org/schemas/xmls/qdc/2003/04/02/dcterms.xsd"/>
+    <xsd:element name="coreProperties" type="CT_coreProperties"/>
+    <xsd:complexType name="CT_coreProperties">
+      <xsd:all>
+        <xsd:element ref="dc:creator" minOccurs="0" maxOccurs="1"/>
+        <xsd:element ref="dcterms:created" minOccurs="0" maxOccurs="1"/>
+        <xsd:element ref="dc:identifier" minOccurs="0" maxOccurs="1"/>
+        <xsd:element name="contentType" minOccurs="0" maxOccurs="1" type="xsd:string" ma:index="0" ma:displayName="Content Type"/>
+        <xsd:element ref="dc:title" minOccurs="0" maxOccurs="1" ma:index="4" ma:displayName="Title"/>
+        <xsd:element ref="dc:subject" minOccurs="0" maxOccurs="1"/>
+        <xsd:element ref="dc:description" minOccurs="0" maxOccurs="1"/>
+        <xsd:element name="keywords" minOccurs="0" maxOccurs="1" type="xsd:string"/>
+        <xsd:element ref="dc:language" minOccurs="0" maxOccurs="1"/>
+        <xsd:element name="category" minOccurs="0" maxOccurs="1" type="xsd:string"/>
+        <xsd:element name="version" minOccurs="0" maxOccurs="1" type="xsd:string"/>
+        <xsd:element name="revision" minOccurs="0" maxOccurs="1" type="xsd:string">
+          <xsd:annotation>
+            <xsd:documentation>
+                        This value indicates the number of saves or revisions. The application is responsible for updating this value after each revision.
+                    </xsd:documentation>
+          </xsd:annotation>
+        </xsd:element>
+        <xsd:element name="lastModifiedBy" minOccurs="0" maxOccurs="1" type="xsd:string"/>
+        <xsd:element ref="dcterms:modified" minOccurs="0" maxOccurs="1"/>
+        <xsd:element name="contentStatus" minOccurs="0" maxOccurs="1" type="xsd:string"/>
+      </xsd:all>
+    </xsd:complexType>
+  </xsd:schema>
+  <xs:schema xmlns:pc="http://schemas.microsoft.com/office/infopath/2007/PartnerControls" xmlns:xs="http://www.w3.org/2001/XMLSchema" targetNamespace="http://schemas.microsoft.com/office/infopath/2007/PartnerControls" elementFormDefault="qualified" attributeFormDefault="unqualified">
+    <xs:element name="Person">
+      <xs:complexType>
+        <xs:sequence>
+          <xs:element ref="pc:DisplayName" minOccurs="0"/>
+          <xs:element ref="pc:AccountId" minOccurs="0"/>
+          <xs:element ref="pc:AccountType" minOccurs="0"/>
+        </xs:sequence>
+      </xs:complexType>
+    </xs:element>
+    <xs:element name="DisplayName" type="xs:string"/>
+    <xs:element name="AccountId" type="xs:string"/>
+    <xs:element name="AccountType" type="xs:string"/>
+    <xs:element name="BDCAssociatedEntity">
+      <xs:complexType>
+        <xs:sequence>
+          <xs:element ref="pc:BDCEntity" minOccurs="0" maxOccurs="unbounded"/>
+        </xs:sequence>
+        <xs:attribute ref="pc:EntityNamespace"/>
+        <xs:attribute ref="pc:EntityName"/>
+        <xs:attribute ref="pc:SystemInstanceName"/>
+        <xs:attribute ref="pc:AssociationName"/>
+      </xs:complexType>
+    </xs:element>
+    <xs:attribute name="EntityNamespace" type="xs:string"/>
+    <xs:attribute name="EntityName" type="xs:string"/>
+    <xs:attribute name="SystemInstanceName" type="xs:string"/>
+    <xs:attribute name="AssociationName" type="xs:string"/>
+    <xs:element name="BDCEntity">
+      <xs:complexType>
+        <xs:sequence>
+          <xs:element ref="pc:EntityDisplayName" minOccurs="0"/>
+          <xs:element ref="pc:EntityInstanceReference" minOccurs="0"/>
+          <xs:element ref="pc:EntityId1" minOccurs="0"/>
+          <xs:element ref="pc:EntityId2" minOccurs="0"/>
+          <xs:element ref="pc:EntityId3" minOccurs="0"/>
+          <xs:element ref="pc:EntityId4" minOccurs="0"/>
+          <xs:element ref="pc:EntityId5" minOccurs="0"/>
+        </xs:sequence>
+      </xs:complexType>
+    </xs:element>
+    <xs:element name="EntityDisplayName" type="xs:string"/>
+    <xs:element name="EntityInstanceReference" type="xs:string"/>
+    <xs:element name="EntityId1" type="xs:string"/>
+    <xs:element name="EntityId2" type="xs:string"/>
+    <xs:element name="EntityId3" type="xs:string"/>
+    <xs:element name="EntityId4" type="xs:string"/>
+    <xs:element name="EntityId5" type="xs:string"/>
+    <xs:element name="Terms">
+      <xs:complexType>
+        <xs:sequence>
+          <xs:element ref="pc:TermInfo" minOccurs="0" maxOccurs="unbounded"/>
+        </xs:sequence>
+      </xs:complexType>
+    </xs:element>
+    <xs:element name="TermInfo">
+      <xs:complexType>
+        <xs:sequence>
+          <xs:element ref="pc:TermName" minOccurs="0"/>
+          <xs:element ref="pc:TermId" minOccurs="0"/>
+        </xs:sequence>
+      </xs:complexType>
+    </xs:element>
+    <xs:element name="TermName" type="xs:string"/>
+    <xs:element name="TermId" type="xs:string"/>
+  </xs:schema>
+</ct:contentTypeSchema>
+</file>
+
+<file path=customXml/item3.xml><?xml version="1.0" encoding="utf-8"?>
+<p:properties xmlns:p="http://schemas.microsoft.com/office/2006/metadata/properties" xmlns:xsi="http://www.w3.org/2001/XMLSchema-instance" xmlns:pc="http://schemas.microsoft.com/office/infopath/2007/PartnerControls">
+  <documentManagement/>
+</p:properties>
+</file>
+
+<file path=customXml/itemProps1.xml><?xml version="1.0" encoding="utf-8"?>
+<ds:datastoreItem xmlns:ds="http://schemas.openxmlformats.org/officeDocument/2006/customXml" ds:itemID="{3C4378FB-03E6-44FD-B96F-DE665721A11C}">
+  <ds:schemaRefs>
+    <ds:schemaRef ds:uri="http://schemas.microsoft.com/sharepoint/v3/contenttype/forms"/>
+  </ds:schemaRefs>
+</ds:datastoreItem>
+</file>
+
+<file path=customXml/itemProps2.xml><?xml version="1.0" encoding="utf-8"?>
+<ds:datastoreItem xmlns:ds="http://schemas.openxmlformats.org/officeDocument/2006/customXml" ds:itemID="{60F9EA22-5825-4E8D-9432-59C9592C3427}">
+  <ds:schemaRefs>
+    <ds:schemaRef ds:uri="http://schemas.microsoft.com/office/2006/metadata/contentType"/>
+    <ds:schemaRef ds:uri="http://schemas.microsoft.com/office/2006/metadata/properties/metaAttributes"/>
+    <ds:schemaRef ds:uri="http://www.w3.org/2001/XMLSchema"/>
+    <ds:schemaRef ds:uri="http://schemas.microsoft.com/office/2006/metadata/properties"/>
+    <ds:schemaRef ds:uri="201674f6-2bdd-4f13-ba1e-424e4aa70473"/>
+    <ds:schemaRef ds:uri="http://schemas.microsoft.com/office/2006/documentManagement/types"/>
+    <ds:schemaRef ds:uri="http://schemas.microsoft.com/office/infopath/2007/PartnerControls"/>
+    <ds:schemaRef ds:uri="http://schemas.openxmlformats.org/package/2006/metadata/core-properties"/>
+    <ds:schemaRef ds:uri="http://purl.org/dc/elements/1.1/"/>
+    <ds:schemaRef ds:uri="http://purl.org/dc/terms/"/>
+    <ds:schemaRef ds:uri="http://schemas.microsoft.com/internal/obd"/>
+  </ds:schemaRefs>
+</ds:datastoreItem>
+</file>
+
+<file path=customXml/itemProps3.xml><?xml version="1.0" encoding="utf-8"?>
+<ds:datastoreItem xmlns:ds="http://schemas.openxmlformats.org/officeDocument/2006/customXml" ds:itemID="{72D20C57-C3B5-47E7-874B-37927E7B7865}">
+  <ds:schemaRefs>
+    <ds:schemaRef ds:uri="http://schemas.microsoft.com/office/2006/metadata/properties"/>
+    <ds:schemaRef ds:uri="http://schemas.microsoft.com/office/infopath/2007/PartnerControls"/>
+  </ds:schemaRefs>
+</ds:datastoreItem>
 </file>
--- a/ClassMaterials/Inheritance/Slides/Inheritance.pptx
+++ b/ClassMaterials/Inheritance/Slides/Inheritance.pptx
@@ -183,14 +183,6 @@
 </p:presentation>
 </file>
 
-<file path=ppt/revisionInfo.xml><?xml version="1.0" encoding="utf-8"?>
-<p1510:revInfo xmlns:a="http://schemas.openxmlformats.org/drawingml/2006/main" xmlns:r="http://schemas.openxmlformats.org/officeDocument/2006/relationships" xmlns:p1510="http://schemas.microsoft.com/office/powerpoint/2015/10/main">
-  <p1510:revLst>
-    <p1510:client id="{06F8DD94-CAFF-48A1-A9C3-868B0C5AA276}" v="2" dt="2021-10-12T13:32:43.738"/>
-  </p1510:revLst>
-</p1510:revInfo>
-</file>
-
 <file path=ppt/changesInfos/changesInfo1.xml><?xml version="1.0" encoding="utf-8"?>
 <pc:chgInfo xmlns:a="http://schemas.openxmlformats.org/drawingml/2006/main" xmlns:r="http://schemas.openxmlformats.org/officeDocument/2006/relationships" xmlns:ac="http://schemas.microsoft.com/office/drawing/2013/main/command" xmlns:pc="http://schemas.microsoft.com/office/powerpoint/2013/main/command">
   <pc:docChgLst>
@@ -214,6 +206,30 @@
             <ac:picMk id="5" creationId="{6CBCA8B7-839A-6B48-9A15-D29E72AB46FA}"/>
           </ac:picMkLst>
         </pc:picChg>
+      </pc:sldChg>
+    </pc:docChg>
+  </pc:docChgLst>
+  <pc:docChgLst>
+    <pc:chgData name="Yoder, Jason" userId="28f4d4d8-da04-4f86-b14d-a21675737bc5" providerId="ADAL" clId="{75C234FB-4895-4106-859D-98EE1CDA6526}"/>
+    <pc:docChg chg="modSld">
+      <pc:chgData name="Yoder, Jason" userId="28f4d4d8-da04-4f86-b14d-a21675737bc5" providerId="ADAL" clId="{75C234FB-4895-4106-859D-98EE1CDA6526}" dt="2023-09-03T17:50:30.026" v="27" actId="20577"/>
+      <pc:docMkLst>
+        <pc:docMk/>
+      </pc:docMkLst>
+      <pc:sldChg chg="modSp mod">
+        <pc:chgData name="Yoder, Jason" userId="28f4d4d8-da04-4f86-b14d-a21675737bc5" providerId="ADAL" clId="{75C234FB-4895-4106-859D-98EE1CDA6526}" dt="2023-09-03T17:50:30.026" v="27" actId="20577"/>
+        <pc:sldMkLst>
+          <pc:docMk/>
+          <pc:sldMk cId="0" sldId="256"/>
+        </pc:sldMkLst>
+        <pc:spChg chg="mod">
+          <ac:chgData name="Yoder, Jason" userId="28f4d4d8-da04-4f86-b14d-a21675737bc5" providerId="ADAL" clId="{75C234FB-4895-4106-859D-98EE1CDA6526}" dt="2023-09-03T17:50:30.026" v="27" actId="20577"/>
+          <ac:spMkLst>
+            <pc:docMk/>
+            <pc:sldMk cId="0" sldId="256"/>
+            <ac:spMk id="3" creationId="{D3965D5B-A23C-9F83-09AB-957BB83593D3}"/>
+          </ac:spMkLst>
+        </pc:spChg>
       </pc:sldChg>
     </pc:docChg>
   </pc:docChgLst>
@@ -337,7 +353,7 @@
               <a:pPr>
                 <a:defRPr/>
               </a:pPr>
-              <a:t>11/22/2022</a:t>
+              <a:t>9/3/2023</a:t>
             </a:fld>
             <a:endParaRPr lang="en-US"/>
           </a:p>
@@ -572,7 +588,7 @@
               <a:pPr>
                 <a:defRPr/>
               </a:pPr>
-              <a:t>11/22/2022</a:t>
+              <a:t>9/3/2023</a:t>
             </a:fld>
             <a:endParaRPr lang="en-US"/>
           </a:p>
@@ -4935,7 +4951,7 @@
               <a:pPr>
                 <a:defRPr/>
               </a:pPr>
-              <a:t>Tuesday, November 22, 2022</a:t>
+              <a:t>Sunday, September 3, 2023</a:t>
             </a:fld>
             <a:endParaRPr lang="en-US"/>
           </a:p>
@@ -5118,7 +5134,7 @@
               <a:pPr>
                 <a:defRPr/>
               </a:pPr>
-              <a:t>Tuesday, November 22, 2022</a:t>
+              <a:t>Sunday, September 3, 2023</a:t>
             </a:fld>
             <a:endParaRPr lang="en-US"/>
           </a:p>
@@ -5311,7 +5327,7 @@
               <a:pPr>
                 <a:defRPr/>
               </a:pPr>
-              <a:t>Tuesday, November 22, 2022</a:t>
+              <a:t>Sunday, September 3, 2023</a:t>
             </a:fld>
             <a:endParaRPr lang="en-US"/>
           </a:p>
@@ -5494,7 +5510,7 @@
               <a:pPr>
                 <a:defRPr/>
               </a:pPr>
-              <a:t>Tuesday, November 22, 2022</a:t>
+              <a:t>Sunday, September 3, 2023</a:t>
             </a:fld>
             <a:endParaRPr lang="en-US"/>
           </a:p>
@@ -5754,7 +5770,7 @@
               <a:pPr>
                 <a:defRPr/>
               </a:pPr>
-              <a:t>Tuesday, November 22, 2022</a:t>
+              <a:t>Sunday, September 3, 2023</a:t>
             </a:fld>
             <a:endParaRPr lang="en-US"/>
           </a:p>
@@ -6054,7 +6070,7 @@
               <a:pPr>
                 <a:defRPr/>
               </a:pPr>
-              <a:t>Tuesday, November 22, 2022</a:t>
+              <a:t>Sunday, September 3, 2023</a:t>
             </a:fld>
             <a:endParaRPr lang="en-US"/>
           </a:p>
@@ -6488,7 +6504,7 @@
               <a:pPr>
                 <a:defRPr/>
               </a:pPr>
-              <a:t>Tuesday, November 22, 2022</a:t>
+              <a:t>Sunday, September 3, 2023</a:t>
             </a:fld>
             <a:endParaRPr lang="en-US"/>
           </a:p>
@@ -6620,7 +6636,7 @@
               <a:pPr>
                 <a:defRPr/>
               </a:pPr>
-              <a:t>Tuesday, November 22, 2022</a:t>
+              <a:t>Sunday, September 3, 2023</a:t>
             </a:fld>
             <a:endParaRPr lang="en-US"/>
           </a:p>
@@ -6730,7 +6746,7 @@
               <a:pPr>
                 <a:defRPr/>
               </a:pPr>
-              <a:t>Tuesday, November 22, 2022</a:t>
+              <a:t>Sunday, September 3, 2023</a:t>
             </a:fld>
             <a:endParaRPr lang="en-US"/>
           </a:p>
@@ -7020,7 +7036,7 @@
               <a:pPr>
                 <a:defRPr/>
               </a:pPr>
-              <a:t>Tuesday, November 22, 2022</a:t>
+              <a:t>Sunday, September 3, 2023</a:t>
             </a:fld>
             <a:endParaRPr lang="en-US"/>
           </a:p>
@@ -7287,7 +7303,7 @@
               <a:pPr>
                 <a:defRPr/>
               </a:pPr>
-              <a:t>Tuesday, November 22, 2022</a:t>
+              <a:t>Sunday, September 3, 2023</a:t>
             </a:fld>
             <a:endParaRPr lang="en-US"/>
           </a:p>
@@ -7513,7 +7529,7 @@
               <a:pPr>
                 <a:defRPr/>
               </a:pPr>
-              <a:t>Tuesday, November 22, 2022</a:t>
+              <a:t>Sunday, September 3, 2023</a:t>
             </a:fld>
             <a:endParaRPr lang="en-US"/>
           </a:p>
@@ -8101,12 +8117,12 @@
           </a:p>
           <a:p>
             <a:r>
-              <a:rPr lang="en-US" sz="4400">
+              <a:rPr lang="en-US" sz="4400" dirty="0" err="1">
                 <a:highlight>
                   <a:srgbClr val="FFFF00"/>
                 </a:highlight>
               </a:rPr>
-              <a:t>_________</a:t>
+              <a:t>reusecode</a:t>
             </a:r>
             <a:endParaRPr lang="en-US" sz="4400" dirty="0">
               <a:highlight>
@@ -16591,15 +16607,6 @@
 </file>
 
 <file path=customXml/item1.xml><?xml version="1.0" encoding="utf-8"?>
-<?mso-contentType ?>
-<FormTemplates xmlns="http://schemas.microsoft.com/sharepoint/v3/contenttype/forms">
-  <Display>DocumentLibraryForm</Display>
-  <Edit>DocumentLibraryForm</Edit>
-  <New>DocumentLibraryForm</New>
-</FormTemplates>
-</file>
-
-<file path=customXml/item2.xml><?xml version="1.0" encoding="utf-8"?>
 <ct:contentTypeSchema xmlns:ct="http://schemas.microsoft.com/office/2006/metadata/contentType" xmlns:ma="http://schemas.microsoft.com/office/2006/metadata/properties/metaAttributes" ct:_="" ma:_="" ma:contentTypeName="Document" ma:contentTypeID="0x0101001570BCAAD2E4294F9443DCB038A55380" ma:contentTypeVersion="8" ma:contentTypeDescription="Create a new document." ma:contentTypeScope="" ma:versionID="9523c79d6bab9e2ad858b5223ec5ed94">
   <xsd:schema xmlns:xsd="http://www.w3.org/2001/XMLSchema" xmlns:xs="http://www.w3.org/2001/XMLSchema" xmlns:p="http://schemas.microsoft.com/office/2006/metadata/properties" xmlns:ns2="201674f6-2bdd-4f13-ba1e-424e4aa70473" targetNamespace="http://schemas.microsoft.com/office/2006/metadata/properties" ma:root="true" ma:fieldsID="587afc94f70b507ec5be5f4d78229b0b" ns2:_="">
     <xsd:import namespace="201674f6-2bdd-4f13-ba1e-424e4aa70473"/>
@@ -16769,6 +16776,15 @@
 </ct:contentTypeSchema>
 </file>
 
+<file path=customXml/item2.xml><?xml version="1.0" encoding="utf-8"?>
+<?mso-contentType ?>
+<FormTemplates xmlns="http://schemas.microsoft.com/sharepoint/v3/contenttype/forms">
+  <Display>DocumentLibraryForm</Display>
+  <Edit>DocumentLibraryForm</Edit>
+  <New>DocumentLibraryForm</New>
+</FormTemplates>
+</file>
+
 <file path=customXml/item3.xml><?xml version="1.0" encoding="utf-8"?>
 <p:properties xmlns:p="http://schemas.microsoft.com/office/2006/metadata/properties" xmlns:xsi="http://www.w3.org/2001/XMLSchema-instance" xmlns:pc="http://schemas.microsoft.com/office/infopath/2007/PartnerControls">
   <documentManagement/>
@@ -16776,14 +16792,6 @@
 </file>
 
 <file path=customXml/itemProps1.xml><?xml version="1.0" encoding="utf-8"?>
-<ds:datastoreItem xmlns:ds="http://schemas.openxmlformats.org/officeDocument/2006/customXml" ds:itemID="{3C4378FB-03E6-44FD-B96F-DE665721A11C}">
-  <ds:schemaRefs>
-    <ds:schemaRef ds:uri="http://schemas.microsoft.com/sharepoint/v3/contenttype/forms"/>
-  </ds:schemaRefs>
-</ds:datastoreItem>
-</file>
-
-<file path=customXml/itemProps2.xml><?xml version="1.0" encoding="utf-8"?>
 <ds:datastoreItem xmlns:ds="http://schemas.openxmlformats.org/officeDocument/2006/customXml" ds:itemID="{60F9EA22-5825-4E8D-9432-59C9592C3427}">
   <ds:schemaRefs>
     <ds:schemaRef ds:uri="http://schemas.microsoft.com/office/2006/metadata/contentType"/>
@@ -16801,6 +16809,14 @@
 </ds:datastoreItem>
 </file>
 
+<file path=customXml/itemProps2.xml><?xml version="1.0" encoding="utf-8"?>
+<ds:datastoreItem xmlns:ds="http://schemas.openxmlformats.org/officeDocument/2006/customXml" ds:itemID="{3C4378FB-03E6-44FD-B96F-DE665721A11C}">
+  <ds:schemaRefs>
+    <ds:schemaRef ds:uri="http://schemas.microsoft.com/sharepoint/v3/contenttype/forms"/>
+  </ds:schemaRefs>
+</ds:datastoreItem>
+</file>
+
 <file path=customXml/itemProps3.xml><?xml version="1.0" encoding="utf-8"?>
 <ds:datastoreItem xmlns:ds="http://schemas.openxmlformats.org/officeDocument/2006/customXml" ds:itemID="{72D20C57-C3B5-47E7-874B-37927E7B7865}">
   <ds:schemaRefs>

--- a/ClassMaterials/Inheritance/Slides/Inheritance.pptx
+++ b/ClassMaterials/Inheritance/Slides/Inheritance.pptx
@@ -183,6 +183,14 @@
 </p:presentation>
 </file>
 
+<file path=ppt/revisionInfo.xml><?xml version="1.0" encoding="utf-8"?>
+<p1510:revInfo xmlns:a="http://schemas.openxmlformats.org/drawingml/2006/main" xmlns:r="http://schemas.openxmlformats.org/officeDocument/2006/relationships" xmlns:p1510="http://schemas.microsoft.com/office/powerpoint/2015/10/main">
+  <p1510:revLst>
+    <p1510:client id="{06F8DD94-CAFF-48A1-A9C3-868B0C5AA276}" v="2" dt="2021-10-12T13:32:43.738"/>
+  </p1510:revLst>
+</p1510:revInfo>
+</file>
+
 <file path=ppt/changesInfos/changesInfo1.xml><?xml version="1.0" encoding="utf-8"?>
 <pc:chgInfo xmlns:a="http://schemas.openxmlformats.org/drawingml/2006/main" xmlns:r="http://schemas.openxmlformats.org/officeDocument/2006/relationships" xmlns:ac="http://schemas.microsoft.com/office/drawing/2013/main/command" xmlns:pc="http://schemas.microsoft.com/office/powerpoint/2013/main/command">
   <pc:docChgLst>
@@ -206,30 +214,6 @@
             <ac:picMk id="5" creationId="{6CBCA8B7-839A-6B48-9A15-D29E72AB46FA}"/>
           </ac:picMkLst>
         </pc:picChg>
-      </pc:sldChg>
-    </pc:docChg>
-  </pc:docChgLst>
-  <pc:docChgLst>
-    <pc:chgData name="Yoder, Jason" userId="28f4d4d8-da04-4f86-b14d-a21675737bc5" providerId="ADAL" clId="{75C234FB-4895-4106-859D-98EE1CDA6526}"/>
-    <pc:docChg chg="modSld">
-      <pc:chgData name="Yoder, Jason" userId="28f4d4d8-da04-4f86-b14d-a21675737bc5" providerId="ADAL" clId="{75C234FB-4895-4106-859D-98EE1CDA6526}" dt="2023-09-03T17:50:30.026" v="27" actId="20577"/>
-      <pc:docMkLst>
-        <pc:docMk/>
-      </pc:docMkLst>
-      <pc:sldChg chg="modSp mod">
-        <pc:chgData name="Yoder, Jason" userId="28f4d4d8-da04-4f86-b14d-a21675737bc5" providerId="ADAL" clId="{75C234FB-4895-4106-859D-98EE1CDA6526}" dt="2023-09-03T17:50:30.026" v="27" actId="20577"/>
-        <pc:sldMkLst>
-          <pc:docMk/>
-          <pc:sldMk cId="0" sldId="256"/>
-        </pc:sldMkLst>
-        <pc:spChg chg="mod">
-          <ac:chgData name="Yoder, Jason" userId="28f4d4d8-da04-4f86-b14d-a21675737bc5" providerId="ADAL" clId="{75C234FB-4895-4106-859D-98EE1CDA6526}" dt="2023-09-03T17:50:30.026" v="27" actId="20577"/>
-          <ac:spMkLst>
-            <pc:docMk/>
-            <pc:sldMk cId="0" sldId="256"/>
-            <ac:spMk id="3" creationId="{D3965D5B-A23C-9F83-09AB-957BB83593D3}"/>
-          </ac:spMkLst>
-        </pc:spChg>
       </pc:sldChg>
     </pc:docChg>
   </pc:docChgLst>
@@ -353,7 +337,7 @@
               <a:pPr>
                 <a:defRPr/>
               </a:pPr>
-              <a:t>9/3/2023</a:t>
+              <a:t>11/22/2022</a:t>
             </a:fld>
             <a:endParaRPr lang="en-US"/>
           </a:p>
@@ -588,7 +572,7 @@
               <a:pPr>
                 <a:defRPr/>
               </a:pPr>
-              <a:t>9/3/2023</a:t>
+              <a:t>11/22/2022</a:t>
             </a:fld>
             <a:endParaRPr lang="en-US"/>
           </a:p>
@@ -4951,7 +4935,7 @@
               <a:pPr>
                 <a:defRPr/>
               </a:pPr>
-              <a:t>Sunday, September 3, 2023</a:t>
+              <a:t>Tuesday, November 22, 2022</a:t>
             </a:fld>
             <a:endParaRPr lang="en-US"/>
           </a:p>
@@ -5134,7 +5118,7 @@
               <a:pPr>
                 <a:defRPr/>
               </a:pPr>
-              <a:t>Sunday, September 3, 2023</a:t>
+              <a:t>Tuesday, November 22, 2022</a:t>
             </a:fld>
             <a:endParaRPr lang="en-US"/>
           </a:p>
@@ -5327,7 +5311,7 @@
               <a:pPr>
                 <a:defRPr/>
               </a:pPr>
-              <a:t>Sunday, September 3, 2023</a:t>
+              <a:t>Tuesday, November 22, 2022</a:t>
             </a:fld>
             <a:endParaRPr lang="en-US"/>
           </a:p>
@@ -5510,7 +5494,7 @@
               <a:pPr>
                 <a:defRPr/>
               </a:pPr>
-              <a:t>Sunday, September 3, 2023</a:t>
+              <a:t>Tuesday, November 22, 2022</a:t>
             </a:fld>
             <a:endParaRPr lang="en-US"/>
           </a:p>
@@ -5770,7 +5754,7 @@
               <a:pPr>
                 <a:defRPr/>
               </a:pPr>
-              <a:t>Sunday, September 3, 2023</a:t>
+              <a:t>Tuesday, November 22, 2022</a:t>
             </a:fld>
             <a:endParaRPr lang="en-US"/>
           </a:p>
@@ -6070,7 +6054,7 @@
               <a:pPr>
                 <a:defRPr/>
               </a:pPr>
-              <a:t>Sunday, September 3, 2023</a:t>
+              <a:t>Tuesday, November 22, 2022</a:t>
             </a:fld>
             <a:endParaRPr lang="en-US"/>
           </a:p>
@@ -6504,7 +6488,7 @@
               <a:pPr>
                 <a:defRPr/>
               </a:pPr>
-              <a:t>Sunday, September 3, 2023</a:t>
+              <a:t>Tuesday, November 22, 2022</a:t>
             </a:fld>
             <a:endParaRPr lang="en-US"/>
           </a:p>
@@ -6636,7 +6620,7 @@
               <a:pPr>
                 <a:defRPr/>
               </a:pPr>
-              <a:t>Sunday, September 3, 2023</a:t>
+              <a:t>Tuesday, November 22, 2022</a:t>
             </a:fld>
             <a:endParaRPr lang="en-US"/>
           </a:p>
@@ -6746,7 +6730,7 @@
               <a:pPr>
                 <a:defRPr/>
               </a:pPr>
-              <a:t>Sunday, September 3, 2023</a:t>
+              <a:t>Tuesday, November 22, 2022</a:t>
             </a:fld>
             <a:endParaRPr lang="en-US"/>
           </a:p>
@@ -7036,7 +7020,7 @@
               <a:pPr>
                 <a:defRPr/>
               </a:pPr>
-              <a:t>Sunday, September 3, 2023</a:t>
+              <a:t>Tuesday, November 22, 2022</a:t>
             </a:fld>
             <a:endParaRPr lang="en-US"/>
           </a:p>
@@ -7303,7 +7287,7 @@
               <a:pPr>
                 <a:defRPr/>
               </a:pPr>
-              <a:t>Sunday, September 3, 2023</a:t>
+              <a:t>Tuesday, November 22, 2022</a:t>
             </a:fld>
             <a:endParaRPr lang="en-US"/>
           </a:p>
@@ -7529,7 +7513,7 @@
               <a:pPr>
                 <a:defRPr/>
               </a:pPr>
-              <a:t>Sunday, September 3, 2023</a:t>
+              <a:t>Tuesday, November 22, 2022</a:t>
             </a:fld>
             <a:endParaRPr lang="en-US"/>
           </a:p>
@@ -8117,12 +8101,12 @@
           </a:p>
           <a:p>
             <a:r>
-              <a:rPr lang="en-US" sz="4400" dirty="0" err="1">
+              <a:rPr lang="en-US" sz="4400">
                 <a:highlight>
                   <a:srgbClr val="FFFF00"/>
                 </a:highlight>
               </a:rPr>
-              <a:t>reusecode</a:t>
+              <a:t>_________</a:t>
             </a:r>
             <a:endParaRPr lang="en-US" sz="4400" dirty="0">
               <a:highlight>
@@ -16607,6 +16591,15 @@
 </file>
 
 <file path=customXml/item1.xml><?xml version="1.0" encoding="utf-8"?>
+<?mso-contentType ?>
+<FormTemplates xmlns="http://schemas.microsoft.com/sharepoint/v3/contenttype/forms">
+  <Display>DocumentLibraryForm</Display>
+  <Edit>DocumentLibraryForm</Edit>
+  <New>DocumentLibraryForm</New>
+</FormTemplates>
+</file>
+
+<file path=customXml/item2.xml><?xml version="1.0" encoding="utf-8"?>
 <ct:contentTypeSchema xmlns:ct="http://schemas.microsoft.com/office/2006/metadata/contentType" xmlns:ma="http://schemas.microsoft.com/office/2006/metadata/properties/metaAttributes" ct:_="" ma:_="" ma:contentTypeName="Document" ma:contentTypeID="0x0101001570BCAAD2E4294F9443DCB038A55380" ma:contentTypeVersion="8" ma:contentTypeDescription="Create a new document." ma:contentTypeScope="" ma:versionID="9523c79d6bab9e2ad858b5223ec5ed94">
   <xsd:schema xmlns:xsd="http://www.w3.org/2001/XMLSchema" xmlns:xs="http://www.w3.org/2001/XMLSchema" xmlns:p="http://schemas.microsoft.com/office/2006/metadata/properties" xmlns:ns2="201674f6-2bdd-4f13-ba1e-424e4aa70473" targetNamespace="http://schemas.microsoft.com/office/2006/metadata/properties" ma:root="true" ma:fieldsID="587afc94f70b507ec5be5f4d78229b0b" ns2:_="">
     <xsd:import namespace="201674f6-2bdd-4f13-ba1e-424e4aa70473"/>
@@ -16776,15 +16769,6 @@
 </ct:contentTypeSchema>
 </file>
 
-<file path=customXml/item2.xml><?xml version="1.0" encoding="utf-8"?>
-<?mso-contentType ?>
-<FormTemplates xmlns="http://schemas.microsoft.com/sharepoint/v3/contenttype/forms">
-  <Display>DocumentLibraryForm</Display>
-  <Edit>DocumentLibraryForm</Edit>
-  <New>DocumentLibraryForm</New>
-</FormTemplates>
-</file>
-
 <file path=customXml/item3.xml><?xml version="1.0" encoding="utf-8"?>
 <p:properties xmlns:p="http://schemas.microsoft.com/office/2006/metadata/properties" xmlns:xsi="http://www.w3.org/2001/XMLSchema-instance" xmlns:pc="http://schemas.microsoft.com/office/infopath/2007/PartnerControls">
   <documentManagement/>
@@ -16792,6 +16776,14 @@
 </file>
 
 <file path=customXml/itemProps1.xml><?xml version="1.0" encoding="utf-8"?>
+<ds:datastoreItem xmlns:ds="http://schemas.openxmlformats.org/officeDocument/2006/customXml" ds:itemID="{3C4378FB-03E6-44FD-B96F-DE665721A11C}">
+  <ds:schemaRefs>
+    <ds:schemaRef ds:uri="http://schemas.microsoft.com/sharepoint/v3/contenttype/forms"/>
+  </ds:schemaRefs>
+</ds:datastoreItem>
+</file>
+
+<file path=customXml/itemProps2.xml><?xml version="1.0" encoding="utf-8"?>
 <ds:datastoreItem xmlns:ds="http://schemas.openxmlformats.org/officeDocument/2006/customXml" ds:itemID="{60F9EA22-5825-4E8D-9432-59C9592C3427}">
   <ds:schemaRefs>
     <ds:schemaRef ds:uri="http://schemas.microsoft.com/office/2006/metadata/contentType"/>
@@ -16809,14 +16801,6 @@
 </ds:datastoreItem>
 </file>
 
-<file path=customXml/itemProps2.xml><?xml version="1.0" encoding="utf-8"?>
-<ds:datastoreItem xmlns:ds="http://schemas.openxmlformats.org/officeDocument/2006/customXml" ds:itemID="{3C4378FB-03E6-44FD-B96F-DE665721A11C}">
-  <ds:schemaRefs>
-    <ds:schemaRef ds:uri="http://schemas.microsoft.com/sharepoint/v3/contenttype/forms"/>
-  </ds:schemaRefs>
-</ds:datastoreItem>
-</file>
-
 <file path=customXml/itemProps3.xml><?xml version="1.0" encoding="utf-8"?>
 <ds:datastoreItem xmlns:ds="http://schemas.openxmlformats.org/officeDocument/2006/customXml" ds:itemID="{72D20C57-C3B5-47E7-874B-37927E7B7865}">
   <ds:schemaRefs>

--- a/ClassMaterials/Inheritance/Slides/Inheritance.pptx
+++ b/ClassMaterials/Inheritance/Slides/Inheritance.pptx
@@ -5,10 +5,10 @@
     <p:sldMasterId id="2147484251" r:id="rId4"/>
   </p:sldMasterIdLst>
   <p:notesMasterIdLst>
-    <p:notesMasterId r:id="rId30"/>
+    <p:notesMasterId r:id="rId31"/>
   </p:notesMasterIdLst>
   <p:handoutMasterIdLst>
-    <p:handoutMasterId r:id="rId31"/>
+    <p:handoutMasterId r:id="rId32"/>
   </p:handoutMasterIdLst>
   <p:sldIdLst>
     <p:sldId id="256" r:id="rId5"/>
@@ -33,9 +33,10 @@
     <p:sldId id="389" r:id="rId24"/>
     <p:sldId id="379" r:id="rId25"/>
     <p:sldId id="388" r:id="rId26"/>
-    <p:sldId id="381" r:id="rId27"/>
-    <p:sldId id="390" r:id="rId28"/>
-    <p:sldId id="395" r:id="rId29"/>
+    <p:sldId id="396" r:id="rId27"/>
+    <p:sldId id="381" r:id="rId28"/>
+    <p:sldId id="390" r:id="rId29"/>
+    <p:sldId id="395" r:id="rId30"/>
   </p:sldIdLst>
   <p:sldSz cx="9144000" cy="6858000" type="screen4x3"/>
   <p:notesSz cx="7010400" cy="9296400"/>
@@ -186,7 +187,7 @@
 <file path=ppt/revisionInfo.xml><?xml version="1.0" encoding="utf-8"?>
 <p1510:revInfo xmlns:a="http://schemas.openxmlformats.org/drawingml/2006/main" xmlns:r="http://schemas.openxmlformats.org/officeDocument/2006/relationships" xmlns:p1510="http://schemas.microsoft.com/office/powerpoint/2015/10/main">
   <p1510:revLst>
-    <p1510:client id="{06F8DD94-CAFF-48A1-A9C3-868B0C5AA276}" v="2" dt="2021-10-12T13:32:43.738"/>
+    <p1510:client id="{26A4166D-275D-42FB-9415-E159EBF2FD40}" v="1" dt="2023-11-20T21:44:12.752"/>
   </p1510:revLst>
 </p1510:revInfo>
 </file>
@@ -217,6 +218,60 @@
       </pc:sldChg>
     </pc:docChg>
   </pc:docChgLst>
+  <pc:docChgLst>
+    <pc:chgData name="Yoder, Jason" userId="28f4d4d8-da04-4f86-b14d-a21675737bc5" providerId="ADAL" clId="{26A4166D-275D-42FB-9415-E159EBF2FD40}"/>
+    <pc:docChg chg="custSel addSld modSld sldOrd">
+      <pc:chgData name="Yoder, Jason" userId="28f4d4d8-da04-4f86-b14d-a21675737bc5" providerId="ADAL" clId="{26A4166D-275D-42FB-9415-E159EBF2FD40}" dt="2023-11-20T21:49:20.219" v="521"/>
+      <pc:docMkLst>
+        <pc:docMk/>
+      </pc:docMkLst>
+      <pc:sldChg chg="modNotesTx">
+        <pc:chgData name="Yoder, Jason" userId="28f4d4d8-da04-4f86-b14d-a21675737bc5" providerId="ADAL" clId="{26A4166D-275D-42FB-9415-E159EBF2FD40}" dt="2023-11-20T21:41:59.667" v="99" actId="20577"/>
+        <pc:sldMkLst>
+          <pc:docMk/>
+          <pc:sldMk cId="0" sldId="256"/>
+        </pc:sldMkLst>
+      </pc:sldChg>
+      <pc:sldChg chg="ord">
+        <pc:chgData name="Yoder, Jason" userId="28f4d4d8-da04-4f86-b14d-a21675737bc5" providerId="ADAL" clId="{26A4166D-275D-42FB-9415-E159EBF2FD40}" dt="2023-11-20T21:49:20.219" v="521"/>
+        <pc:sldMkLst>
+          <pc:docMk/>
+          <pc:sldMk cId="0" sldId="381"/>
+        </pc:sldMkLst>
+      </pc:sldChg>
+      <pc:sldChg chg="addSp modSp new mod modNotesTx">
+        <pc:chgData name="Yoder, Jason" userId="28f4d4d8-da04-4f86-b14d-a21675737bc5" providerId="ADAL" clId="{26A4166D-275D-42FB-9415-E159EBF2FD40}" dt="2023-11-20T21:49:09.344" v="517" actId="20577"/>
+        <pc:sldMkLst>
+          <pc:docMk/>
+          <pc:sldMk cId="2283330882" sldId="396"/>
+        </pc:sldMkLst>
+        <pc:spChg chg="mod">
+          <ac:chgData name="Yoder, Jason" userId="28f4d4d8-da04-4f86-b14d-a21675737bc5" providerId="ADAL" clId="{26A4166D-275D-42FB-9415-E159EBF2FD40}" dt="2023-11-20T21:43:13.322" v="131" actId="20577"/>
+          <ac:spMkLst>
+            <pc:docMk/>
+            <pc:sldMk cId="2283330882" sldId="396"/>
+            <ac:spMk id="2" creationId="{0FE5D7D7-B2C6-CA92-C52A-C39677C41C69}"/>
+          </ac:spMkLst>
+        </pc:spChg>
+        <pc:spChg chg="mod">
+          <ac:chgData name="Yoder, Jason" userId="28f4d4d8-da04-4f86-b14d-a21675737bc5" providerId="ADAL" clId="{26A4166D-275D-42FB-9415-E159EBF2FD40}" dt="2023-11-20T21:48:43.476" v="458" actId="14100"/>
+          <ac:spMkLst>
+            <pc:docMk/>
+            <pc:sldMk cId="2283330882" sldId="396"/>
+            <ac:spMk id="3" creationId="{59607EB5-0DCE-F85D-2869-0FE09B932F1B}"/>
+          </ac:spMkLst>
+        </pc:spChg>
+        <pc:picChg chg="add mod">
+          <ac:chgData name="Yoder, Jason" userId="28f4d4d8-da04-4f86-b14d-a21675737bc5" providerId="ADAL" clId="{26A4166D-275D-42FB-9415-E159EBF2FD40}" dt="2023-11-20T21:48:48.353" v="462" actId="1076"/>
+          <ac:picMkLst>
+            <pc:docMk/>
+            <pc:sldMk cId="2283330882" sldId="396"/>
+            <ac:picMk id="5" creationId="{0BD5A0DF-4E2C-82EC-5E5E-62D988B31CB7}"/>
+          </ac:picMkLst>
+        </pc:picChg>
+      </pc:sldChg>
+    </pc:docChg>
+  </pc:docChgLst>
 </pc:chgInfo>
 </file>
 
@@ -337,7 +392,7 @@
               <a:pPr>
                 <a:defRPr/>
               </a:pPr>
-              <a:t>11/22/2022</a:t>
+              <a:t>11/20/2023</a:t>
             </a:fld>
             <a:endParaRPr lang="en-US"/>
           </a:p>
@@ -572,7 +627,7 @@
               <a:pPr>
                 <a:defRPr/>
               </a:pPr>
-              <a:t>11/22/2022</a:t>
+              <a:t>11/20/2023</a:t>
             </a:fld>
             <a:endParaRPr lang="en-US"/>
           </a:p>
@@ -979,23 +1034,23 @@
               </a:spcBef>
             </a:pPr>
             <a:r>
-              <a:rPr lang="en-US"/>
+              <a:rPr lang="en-US" dirty="0"/>
               <a:t>Bring hard copy of </a:t>
             </a:r>
             <a:r>
-              <a:rPr lang="en-US" err="1"/>
+              <a:rPr lang="en-US" dirty="0" err="1"/>
               <a:t>CheckingAccount</a:t>
             </a:r>
             <a:r>
-              <a:rPr lang="en-US"/>
+              <a:rPr lang="en-US" dirty="0"/>
               <a:t>, </a:t>
             </a:r>
             <a:r>
-              <a:rPr lang="en-US" err="1"/>
+              <a:rPr lang="en-US" dirty="0" err="1"/>
               <a:t>ChessPiece</a:t>
             </a:r>
             <a:r>
-              <a:rPr lang="en-US"/>
+              <a:rPr lang="en-US" dirty="0"/>
               <a:t>, King, Queen, etc.</a:t>
             </a:r>
           </a:p>
@@ -1007,21 +1062,20 @@
             </a:pPr>
             <a:r>
               <a:rPr lang="en-US"/>
-              <a:t>Bring photocopy of Big</a:t>
-            </a:r>
-            <a:r>
-              <a:rPr lang="en-US" baseline="0"/>
-              <a:t> Java, </a:t>
-            </a:r>
-            <a:r>
-              <a:rPr lang="en-US"/>
-              <a:t>Figure 3,</a:t>
-            </a:r>
-            <a:r>
-              <a:rPr lang="en-US" baseline="0"/>
-              <a:t> page 422</a:t>
-            </a:r>
-            <a:endParaRPr lang="en-US"/>
+              <a:t>Aim </a:t>
+            </a:r>
+            <a:r>
+              <a:rPr lang="en-US" dirty="0"/>
+              <a:t>to finish </a:t>
+            </a:r>
+            <a:r>
+              <a:rPr lang="en-US" dirty="0" err="1"/>
+              <a:t>CheckingAccount</a:t>
+            </a:r>
+            <a:r>
+              <a:rPr lang="en-US" dirty="0"/>
+              <a:t> exam before the start of the second hour</a:t>
+            </a:r>
           </a:p>
         </p:txBody>
       </p:sp>
@@ -3114,12 +3168,28 @@
         </p:nvSpPr>
         <p:spPr/>
         <p:txBody>
-          <a:bodyPr>
-            <a:normAutofit/>
-          </a:bodyPr>
+          <a:bodyPr/>
           <a:lstStyle/>
           <a:p>
-            <a:endParaRPr lang="en-US"/>
+            <a:r>
+              <a:rPr lang="en-US" dirty="0"/>
+              <a:t>Consider showing working version of the solution in the private repo or playing part of the final functionality video:</a:t>
+            </a:r>
+          </a:p>
+          <a:p>
+            <a:endParaRPr lang="en-US" dirty="0"/>
+          </a:p>
+          <a:p>
+            <a:r>
+              <a:rPr lang="en-US" dirty="0"/>
+              <a:t>https://rose-hulman.hosted.panopto.com/Panopto/Pages/Viewer.aspx?id=c6958003-1803-436a-bc65-aba6002fdeb3</a:t>
+            </a:r>
+          </a:p>
+          <a:p>
+            <a:endParaRPr lang="en-US" dirty="0"/>
+          </a:p>
+          <a:p>
+            <a:endParaRPr lang="en-US" dirty="0"/>
           </a:p>
         </p:txBody>
       </p:sp>
@@ -3130,7 +3200,7 @@
             <a:spLocks noGrp="1"/>
           </p:cNvSpPr>
           <p:nvPr>
-            <p:ph type="sldNum" sz="quarter" idx="10"/>
+            <p:ph type="sldNum" sz="quarter" idx="5"/>
           </p:nvPr>
         </p:nvSpPr>
         <p:spPr/>
@@ -3147,6 +3217,98 @@
                 <a:defRPr/>
               </a:pPr>
               <a:t>23</a:t>
+            </a:fld>
+            <a:endParaRPr lang="en-US"/>
+          </a:p>
+        </p:txBody>
+      </p:sp>
+    </p:spTree>
+    <p:extLst>
+      <p:ext uri="{BB962C8B-B14F-4D97-AF65-F5344CB8AC3E}">
+        <p14:creationId xmlns:p14="http://schemas.microsoft.com/office/powerpoint/2010/main" val="418949612"/>
+      </p:ext>
+    </p:extLst>
+  </p:cSld>
+  <p:clrMapOvr>
+    <a:masterClrMapping/>
+  </p:clrMapOvr>
+</p:notes>
+</file>
+
+<file path=ppt/notesSlides/notesSlide22.xml><?xml version="1.0" encoding="utf-8"?>
+<p:notes xmlns:a="http://schemas.openxmlformats.org/drawingml/2006/main" xmlns:r="http://schemas.openxmlformats.org/officeDocument/2006/relationships" xmlns:p="http://schemas.openxmlformats.org/presentationml/2006/main">
+  <p:cSld>
+    <p:spTree>
+      <p:nvGrpSpPr>
+        <p:cNvPr id="1" name=""/>
+        <p:cNvGrpSpPr/>
+        <p:nvPr/>
+      </p:nvGrpSpPr>
+      <p:grpSpPr>
+        <a:xfrm>
+          <a:off x="0" y="0"/>
+          <a:ext cx="0" cy="0"/>
+          <a:chOff x="0" y="0"/>
+          <a:chExt cx="0" cy="0"/>
+        </a:xfrm>
+      </p:grpSpPr>
+      <p:sp>
+        <p:nvSpPr>
+          <p:cNvPr id="2" name="Slide Image Placeholder 1"/>
+          <p:cNvSpPr>
+            <a:spLocks noGrp="1" noRot="1" noChangeAspect="1"/>
+          </p:cNvSpPr>
+          <p:nvPr>
+            <p:ph type="sldImg"/>
+          </p:nvPr>
+        </p:nvSpPr>
+        <p:spPr/>
+      </p:sp>
+      <p:sp>
+        <p:nvSpPr>
+          <p:cNvPr id="3" name="Notes Placeholder 2"/>
+          <p:cNvSpPr>
+            <a:spLocks noGrp="1"/>
+          </p:cNvSpPr>
+          <p:nvPr>
+            <p:ph type="body" idx="1"/>
+          </p:nvPr>
+        </p:nvSpPr>
+        <p:spPr/>
+        <p:txBody>
+          <a:bodyPr>
+            <a:normAutofit/>
+          </a:bodyPr>
+          <a:lstStyle/>
+          <a:p>
+            <a:endParaRPr lang="en-US"/>
+          </a:p>
+        </p:txBody>
+      </p:sp>
+      <p:sp>
+        <p:nvSpPr>
+          <p:cNvPr id="4" name="Slide Number Placeholder 3"/>
+          <p:cNvSpPr>
+            <a:spLocks noGrp="1"/>
+          </p:cNvSpPr>
+          <p:nvPr>
+            <p:ph type="sldNum" sz="quarter" idx="10"/>
+          </p:nvPr>
+        </p:nvSpPr>
+        <p:spPr/>
+        <p:txBody>
+          <a:bodyPr/>
+          <a:lstStyle/>
+          <a:p>
+            <a:pPr>
+              <a:defRPr/>
+            </a:pPr>
+            <a:fld id="{3A187583-0EC9-4694-9EAD-0DA64A27677E}" type="slidenum">
+              <a:rPr lang="en-US" smtClean="0"/>
+              <a:pPr>
+                <a:defRPr/>
+              </a:pPr>
+              <a:t>24</a:t>
             </a:fld>
             <a:endParaRPr lang="en-US"/>
           </a:p>
@@ -4935,7 +5097,7 @@
               <a:pPr>
                 <a:defRPr/>
               </a:pPr>
-              <a:t>Tuesday, November 22, 2022</a:t>
+              <a:t>Monday, November 20, 2023</a:t>
             </a:fld>
             <a:endParaRPr lang="en-US"/>
           </a:p>
@@ -5118,7 +5280,7 @@
               <a:pPr>
                 <a:defRPr/>
               </a:pPr>
-              <a:t>Tuesday, November 22, 2022</a:t>
+              <a:t>Monday, November 20, 2023</a:t>
             </a:fld>
             <a:endParaRPr lang="en-US"/>
           </a:p>
@@ -5311,7 +5473,7 @@
               <a:pPr>
                 <a:defRPr/>
               </a:pPr>
-              <a:t>Tuesday, November 22, 2022</a:t>
+              <a:t>Monday, November 20, 2023</a:t>
             </a:fld>
             <a:endParaRPr lang="en-US"/>
           </a:p>
@@ -5494,7 +5656,7 @@
               <a:pPr>
                 <a:defRPr/>
               </a:pPr>
-              <a:t>Tuesday, November 22, 2022</a:t>
+              <a:t>Monday, November 20, 2023</a:t>
             </a:fld>
             <a:endParaRPr lang="en-US"/>
           </a:p>
@@ -5754,7 +5916,7 @@
               <a:pPr>
                 <a:defRPr/>
               </a:pPr>
-              <a:t>Tuesday, November 22, 2022</a:t>
+              <a:t>Monday, November 20, 2023</a:t>
             </a:fld>
             <a:endParaRPr lang="en-US"/>
           </a:p>
@@ -6054,7 +6216,7 @@
               <a:pPr>
                 <a:defRPr/>
               </a:pPr>
-              <a:t>Tuesday, November 22, 2022</a:t>
+              <a:t>Monday, November 20, 2023</a:t>
             </a:fld>
             <a:endParaRPr lang="en-US"/>
           </a:p>
@@ -6488,7 +6650,7 @@
               <a:pPr>
                 <a:defRPr/>
               </a:pPr>
-              <a:t>Tuesday, November 22, 2022</a:t>
+              <a:t>Monday, November 20, 2023</a:t>
             </a:fld>
             <a:endParaRPr lang="en-US"/>
           </a:p>
@@ -6620,7 +6782,7 @@
               <a:pPr>
                 <a:defRPr/>
               </a:pPr>
-              <a:t>Tuesday, November 22, 2022</a:t>
+              <a:t>Monday, November 20, 2023</a:t>
             </a:fld>
             <a:endParaRPr lang="en-US"/>
           </a:p>
@@ -6730,7 +6892,7 @@
               <a:pPr>
                 <a:defRPr/>
               </a:pPr>
-              <a:t>Tuesday, November 22, 2022</a:t>
+              <a:t>Monday, November 20, 2023</a:t>
             </a:fld>
             <a:endParaRPr lang="en-US"/>
           </a:p>
@@ -7020,7 +7182,7 @@
               <a:pPr>
                 <a:defRPr/>
               </a:pPr>
-              <a:t>Tuesday, November 22, 2022</a:t>
+              <a:t>Monday, November 20, 2023</a:t>
             </a:fld>
             <a:endParaRPr lang="en-US"/>
           </a:p>
@@ -7287,7 +7449,7 @@
               <a:pPr>
                 <a:defRPr/>
               </a:pPr>
-              <a:t>Tuesday, November 22, 2022</a:t>
+              <a:t>Monday, November 20, 2023</a:t>
             </a:fld>
             <a:endParaRPr lang="en-US"/>
           </a:p>
@@ -7513,7 +7675,7 @@
               <a:pPr>
                 <a:defRPr/>
               </a:pPr>
-              <a:t>Tuesday, November 22, 2022</a:t>
+              <a:t>Monday, November 20, 2023</a:t>
             </a:fld>
             <a:endParaRPr lang="en-US"/>
           </a:p>
@@ -11586,6 +11748,149 @@
       </p:grpSpPr>
       <p:sp>
         <p:nvSpPr>
+          <p:cNvPr id="2" name="Title 1">
+            <a:extLst>
+              <a:ext uri="{FF2B5EF4-FFF2-40B4-BE49-F238E27FC236}">
+                <a16:creationId xmlns:a16="http://schemas.microsoft.com/office/drawing/2014/main" id="{0FE5D7D7-B2C6-CA92-C52A-C39677C41C69}"/>
+              </a:ext>
+            </a:extLst>
+          </p:cNvPr>
+          <p:cNvSpPr>
+            <a:spLocks noGrp="1"/>
+          </p:cNvSpPr>
+          <p:nvPr>
+            <p:ph type="title"/>
+          </p:nvPr>
+        </p:nvSpPr>
+        <p:spPr/>
+        <p:txBody>
+          <a:bodyPr/>
+          <a:lstStyle/>
+          <a:p>
+            <a:r>
+              <a:rPr lang="en-US" dirty="0"/>
+              <a:t>Upcoming Homework</a:t>
+            </a:r>
+          </a:p>
+        </p:txBody>
+      </p:sp>
+      <p:sp>
+        <p:nvSpPr>
+          <p:cNvPr id="3" name="Content Placeholder 2">
+            <a:extLst>
+              <a:ext uri="{FF2B5EF4-FFF2-40B4-BE49-F238E27FC236}">
+                <a16:creationId xmlns:a16="http://schemas.microsoft.com/office/drawing/2014/main" id="{59607EB5-0DCE-F85D-2869-0FE09B932F1B}"/>
+              </a:ext>
+            </a:extLst>
+          </p:cNvPr>
+          <p:cNvSpPr>
+            <a:spLocks noGrp="1"/>
+          </p:cNvSpPr>
+          <p:nvPr>
+            <p:ph idx="1"/>
+          </p:nvPr>
+        </p:nvSpPr>
+        <p:spPr>
+          <a:xfrm>
+            <a:off x="457200" y="1600201"/>
+            <a:ext cx="8229600" cy="2286000"/>
+          </a:xfrm>
+        </p:spPr>
+        <p:txBody>
+          <a:bodyPr/>
+          <a:lstStyle/>
+          <a:p>
+            <a:r>
+              <a:rPr lang="en-US" dirty="0" err="1"/>
+              <a:t>RefactoringInheritance</a:t>
+            </a:r>
+            <a:endParaRPr lang="en-US" dirty="0"/>
+          </a:p>
+          <a:p>
+            <a:pPr lvl="1"/>
+            <a:r>
+              <a:rPr lang="en-US" dirty="0"/>
+              <a:t>Requires you to utilize inheritance</a:t>
+            </a:r>
+          </a:p>
+          <a:p>
+            <a:pPr lvl="1"/>
+            <a:r>
+              <a:rPr lang="en-US" dirty="0"/>
+              <a:t>Careful to avoid variable shadowing</a:t>
+            </a:r>
+          </a:p>
+          <a:p>
+            <a:pPr lvl="1"/>
+            <a:r>
+              <a:rPr lang="en-US" dirty="0"/>
+              <a:t>Read instructions carefully</a:t>
+            </a:r>
+          </a:p>
+        </p:txBody>
+      </p:sp>
+      <p:pic>
+        <p:nvPicPr>
+          <p:cNvPr id="5" name="Picture 4">
+            <a:extLst>
+              <a:ext uri="{FF2B5EF4-FFF2-40B4-BE49-F238E27FC236}">
+                <a16:creationId xmlns:a16="http://schemas.microsoft.com/office/drawing/2014/main" id="{0BD5A0DF-4E2C-82EC-5E5E-62D988B31CB7}"/>
+              </a:ext>
+            </a:extLst>
+          </p:cNvPr>
+          <p:cNvPicPr>
+            <a:picLocks noChangeAspect="1"/>
+          </p:cNvPicPr>
+          <p:nvPr/>
+        </p:nvPicPr>
+        <p:blipFill>
+          <a:blip r:embed="rId3"/>
+          <a:stretch>
+            <a:fillRect/>
+          </a:stretch>
+        </p:blipFill>
+        <p:spPr>
+          <a:xfrm>
+            <a:off x="457200" y="3747653"/>
+            <a:ext cx="7071360" cy="3020291"/>
+          </a:xfrm>
+          <a:prstGeom prst="rect">
+            <a:avLst/>
+          </a:prstGeom>
+        </p:spPr>
+      </p:pic>
+    </p:spTree>
+    <p:extLst>
+      <p:ext uri="{BB962C8B-B14F-4D97-AF65-F5344CB8AC3E}">
+        <p14:creationId xmlns:p14="http://schemas.microsoft.com/office/powerpoint/2010/main" val="2283330882"/>
+      </p:ext>
+    </p:extLst>
+  </p:cSld>
+  <p:clrMapOvr>
+    <a:masterClrMapping/>
+  </p:clrMapOvr>
+</p:sld>
+</file>
+
+<file path=ppt/slides/slide24.xml><?xml version="1.0" encoding="utf-8"?>
+<p:sld xmlns:a="http://schemas.openxmlformats.org/drawingml/2006/main" xmlns:r="http://schemas.openxmlformats.org/officeDocument/2006/relationships" xmlns:p="http://schemas.openxmlformats.org/presentationml/2006/main">
+  <p:cSld>
+    <p:spTree>
+      <p:nvGrpSpPr>
+        <p:cNvPr id="1" name=""/>
+        <p:cNvGrpSpPr/>
+        <p:nvPr/>
+      </p:nvGrpSpPr>
+      <p:grpSpPr>
+        <a:xfrm>
+          <a:off x="0" y="0"/>
+          <a:ext cx="0" cy="0"/>
+          <a:chOff x="0" y="0"/>
+          <a:chExt cx="0" cy="0"/>
+        </a:xfrm>
+      </p:grpSpPr>
+      <p:sp>
+        <p:nvSpPr>
           <p:cNvPr id="4" name="Title 3"/>
           <p:cNvSpPr>
             <a:spLocks noGrp="1"/>
@@ -11702,7 +12007,7 @@
 </p:sld>
 </file>
 
-<file path=ppt/slides/slide24.xml><?xml version="1.0" encoding="utf-8"?>
+<file path=ppt/slides/slide25.xml><?xml version="1.0" encoding="utf-8"?>
 <p:sld xmlns:a="http://schemas.openxmlformats.org/drawingml/2006/main" xmlns:r="http://schemas.openxmlformats.org/officeDocument/2006/relationships" xmlns:p="http://schemas.openxmlformats.org/presentationml/2006/main">
   <p:cSld>
     <p:spTree>
@@ -11860,7 +12165,7 @@
 </p:sld>
 </file>
 
-<file path=ppt/slides/slide25.xml><?xml version="1.0" encoding="utf-8"?>
+<file path=ppt/slides/slide26.xml><?xml version="1.0" encoding="utf-8"?>
 <p:sld xmlns:a="http://schemas.openxmlformats.org/drawingml/2006/main" xmlns:r="http://schemas.openxmlformats.org/officeDocument/2006/relationships" xmlns:p="http://schemas.openxmlformats.org/presentationml/2006/main">
   <p:cSld>
     <p:spTree>
@@ -16591,15 +16896,6 @@
 </file>
 
 <file path=customXml/item1.xml><?xml version="1.0" encoding="utf-8"?>
-<?mso-contentType ?>
-<FormTemplates xmlns="http://schemas.microsoft.com/sharepoint/v3/contenttype/forms">
-  <Display>DocumentLibraryForm</Display>
-  <Edit>DocumentLibraryForm</Edit>
-  <New>DocumentLibraryForm</New>
-</FormTemplates>
-</file>
-
-<file path=customXml/item2.xml><?xml version="1.0" encoding="utf-8"?>
 <ct:contentTypeSchema xmlns:ct="http://schemas.microsoft.com/office/2006/metadata/contentType" xmlns:ma="http://schemas.microsoft.com/office/2006/metadata/properties/metaAttributes" ct:_="" ma:_="" ma:contentTypeName="Document" ma:contentTypeID="0x0101001570BCAAD2E4294F9443DCB038A55380" ma:contentTypeVersion="8" ma:contentTypeDescription="Create a new document." ma:contentTypeScope="" ma:versionID="9523c79d6bab9e2ad858b5223ec5ed94">
   <xsd:schema xmlns:xsd="http://www.w3.org/2001/XMLSchema" xmlns:xs="http://www.w3.org/2001/XMLSchema" xmlns:p="http://schemas.microsoft.com/office/2006/metadata/properties" xmlns:ns2="201674f6-2bdd-4f13-ba1e-424e4aa70473" targetNamespace="http://schemas.microsoft.com/office/2006/metadata/properties" ma:root="true" ma:fieldsID="587afc94f70b507ec5be5f4d78229b0b" ns2:_="">
     <xsd:import namespace="201674f6-2bdd-4f13-ba1e-424e4aa70473"/>
@@ -16769,21 +17065,22 @@
 </ct:contentTypeSchema>
 </file>
 
-<file path=customXml/item3.xml><?xml version="1.0" encoding="utf-8"?>
+<file path=customXml/item2.xml><?xml version="1.0" encoding="utf-8"?>
 <p:properties xmlns:p="http://schemas.microsoft.com/office/2006/metadata/properties" xmlns:xsi="http://www.w3.org/2001/XMLSchema-instance" xmlns:pc="http://schemas.microsoft.com/office/infopath/2007/PartnerControls">
   <documentManagement/>
 </p:properties>
 </file>
 
-<file path=customXml/itemProps1.xml><?xml version="1.0" encoding="utf-8"?>
-<ds:datastoreItem xmlns:ds="http://schemas.openxmlformats.org/officeDocument/2006/customXml" ds:itemID="{3C4378FB-03E6-44FD-B96F-DE665721A11C}">
-  <ds:schemaRefs>
-    <ds:schemaRef ds:uri="http://schemas.microsoft.com/sharepoint/v3/contenttype/forms"/>
-  </ds:schemaRefs>
-</ds:datastoreItem>
+<file path=customXml/item3.xml><?xml version="1.0" encoding="utf-8"?>
+<?mso-contentType ?>
+<FormTemplates xmlns="http://schemas.microsoft.com/sharepoint/v3/contenttype/forms">
+  <Display>DocumentLibraryForm</Display>
+  <Edit>DocumentLibraryForm</Edit>
+  <New>DocumentLibraryForm</New>
+</FormTemplates>
 </file>
 
-<file path=customXml/itemProps2.xml><?xml version="1.0" encoding="utf-8"?>
+<file path=customXml/itemProps1.xml><?xml version="1.0" encoding="utf-8"?>
 <ds:datastoreItem xmlns:ds="http://schemas.openxmlformats.org/officeDocument/2006/customXml" ds:itemID="{60F9EA22-5825-4E8D-9432-59C9592C3427}">
   <ds:schemaRefs>
     <ds:schemaRef ds:uri="http://schemas.microsoft.com/office/2006/metadata/contentType"/>
@@ -16801,11 +17098,19 @@
 </ds:datastoreItem>
 </file>
 
-<file path=customXml/itemProps3.xml><?xml version="1.0" encoding="utf-8"?>
+<file path=customXml/itemProps2.xml><?xml version="1.0" encoding="utf-8"?>
 <ds:datastoreItem xmlns:ds="http://schemas.openxmlformats.org/officeDocument/2006/customXml" ds:itemID="{72D20C57-C3B5-47E7-874B-37927E7B7865}">
   <ds:schemaRefs>
     <ds:schemaRef ds:uri="http://schemas.microsoft.com/office/2006/metadata/properties"/>
     <ds:schemaRef ds:uri="http://schemas.microsoft.com/office/infopath/2007/PartnerControls"/>
   </ds:schemaRefs>
 </ds:datastoreItem>
+</file>
+
+<file path=customXml/itemProps3.xml><?xml version="1.0" encoding="utf-8"?>
+<ds:datastoreItem xmlns:ds="http://schemas.openxmlformats.org/officeDocument/2006/customXml" ds:itemID="{3C4378FB-03E6-44FD-B96F-DE665721A11C}">
+  <ds:schemaRefs>
+    <ds:schemaRef ds:uri="http://schemas.microsoft.com/sharepoint/v3/contenttype/forms"/>
+  </ds:schemaRefs>
+</ds:datastoreItem>
 </file>